--- a/Guava.pptx
+++ b/Guava.pptx
@@ -5,13 +5,17 @@
     <p:sldMasterId id="2147483673" r:id="rId1"/>
   </p:sldMasterIdLst>
   <p:notesMasterIdLst>
-    <p:notesMasterId r:id="rId6"/>
+    <p:notesMasterId r:id="rId10"/>
   </p:notesMasterIdLst>
   <p:sldIdLst>
     <p:sldId id="295" r:id="rId2"/>
     <p:sldId id="294" r:id="rId3"/>
     <p:sldId id="292" r:id="rId4"/>
-    <p:sldId id="436" r:id="rId5"/>
+    <p:sldId id="437" r:id="rId5"/>
+    <p:sldId id="438" r:id="rId6"/>
+    <p:sldId id="439" r:id="rId7"/>
+    <p:sldId id="440" r:id="rId8"/>
+    <p:sldId id="436" r:id="rId9"/>
   </p:sldIdLst>
   <p:sldSz cx="9144000" cy="6858000" type="screen4x3"/>
   <p:notesSz cx="6858000" cy="9144000"/>
@@ -211,7 +215,7 @@
           <a:p>
             <a:fld id="{83E81F36-8AE1-45AB-BDEC-C19947B6995C}" type="datetimeFigureOut">
               <a:rPr lang="en-US" smtClean="0"/>
-              <a:t>3/26/2018</a:t>
+              <a:t>4/2/2018</a:t>
             </a:fld>
             <a:endParaRPr lang="en-US"/>
           </a:p>
@@ -974,7 +978,7 @@
             <a:fld id="{1D8BD707-D9CF-40AE-B4C6-C98DA3205C09}" type="datetimeFigureOut">
               <a:rPr lang="en-US" smtClean="0"/>
               <a:pPr/>
-              <a:t>3/26/2018</a:t>
+              <a:t>4/2/2018</a:t>
             </a:fld>
             <a:endParaRPr lang="en-US"/>
           </a:p>
@@ -1174,7 +1178,7 @@
             <a:fld id="{1D8BD707-D9CF-40AE-B4C6-C98DA3205C09}" type="datetimeFigureOut">
               <a:rPr lang="en-US" smtClean="0"/>
               <a:pPr/>
-              <a:t>3/26/2018</a:t>
+              <a:t>4/2/2018</a:t>
             </a:fld>
             <a:endParaRPr lang="en-US"/>
           </a:p>
@@ -1402,7 +1406,7 @@
             <a:fld id="{1D8BD707-D9CF-40AE-B4C6-C98DA3205C09}" type="datetimeFigureOut">
               <a:rPr lang="en-US" smtClean="0"/>
               <a:pPr/>
-              <a:t>3/26/2018</a:t>
+              <a:t>4/2/2018</a:t>
             </a:fld>
             <a:endParaRPr lang="en-US"/>
           </a:p>
@@ -1592,7 +1596,7 @@
             <a:fld id="{1D8BD707-D9CF-40AE-B4C6-C98DA3205C09}" type="datetimeFigureOut">
               <a:rPr lang="en-US" smtClean="0"/>
               <a:pPr/>
-              <a:t>3/26/2018</a:t>
+              <a:t>4/2/2018</a:t>
             </a:fld>
             <a:endParaRPr lang="en-US"/>
           </a:p>
@@ -2153,7 +2157,7 @@
             <a:fld id="{1D8BD707-D9CF-40AE-B4C6-C98DA3205C09}" type="datetimeFigureOut">
               <a:rPr lang="en-US" smtClean="0"/>
               <a:pPr/>
-              <a:t>3/26/2018</a:t>
+              <a:t>4/2/2018</a:t>
             </a:fld>
             <a:endParaRPr lang="en-US"/>
           </a:p>
@@ -2457,7 +2461,7 @@
             <a:fld id="{1D8BD707-D9CF-40AE-B4C6-C98DA3205C09}" type="datetimeFigureOut">
               <a:rPr lang="en-US" smtClean="0"/>
               <a:pPr/>
-              <a:t>3/26/2018</a:t>
+              <a:t>4/2/2018</a:t>
             </a:fld>
             <a:endParaRPr lang="en-US"/>
           </a:p>
@@ -2904,7 +2908,7 @@
             <a:fld id="{1D8BD707-D9CF-40AE-B4C6-C98DA3205C09}" type="datetimeFigureOut">
               <a:rPr lang="en-US" smtClean="0"/>
               <a:pPr/>
-              <a:t>3/26/2018</a:t>
+              <a:t>4/2/2018</a:t>
             </a:fld>
             <a:endParaRPr lang="en-US"/>
           </a:p>
@@ -3042,7 +3046,7 @@
             <a:fld id="{1D8BD707-D9CF-40AE-B4C6-C98DA3205C09}" type="datetimeFigureOut">
               <a:rPr lang="en-US" smtClean="0"/>
               <a:pPr/>
-              <a:t>3/26/2018</a:t>
+              <a:t>4/2/2018</a:t>
             </a:fld>
             <a:endParaRPr lang="en-US"/>
           </a:p>
@@ -3157,7 +3161,7 @@
             <a:fld id="{1D8BD707-D9CF-40AE-B4C6-C98DA3205C09}" type="datetimeFigureOut">
               <a:rPr lang="en-US" smtClean="0"/>
               <a:pPr/>
-              <a:t>3/26/2018</a:t>
+              <a:t>4/2/2018</a:t>
             </a:fld>
             <a:endParaRPr lang="en-US"/>
           </a:p>
@@ -3454,7 +3458,7 @@
             <a:fld id="{1D8BD707-D9CF-40AE-B4C6-C98DA3205C09}" type="datetimeFigureOut">
               <a:rPr lang="en-US" smtClean="0"/>
               <a:pPr/>
-              <a:t>3/26/2018</a:t>
+              <a:t>4/2/2018</a:t>
             </a:fld>
             <a:endParaRPr lang="en-US"/>
           </a:p>
@@ -3731,7 +3735,7 @@
             <a:fld id="{1D8BD707-D9CF-40AE-B4C6-C98DA3205C09}" type="datetimeFigureOut">
               <a:rPr lang="en-US" smtClean="0"/>
               <a:pPr/>
-              <a:t>3/26/2018</a:t>
+              <a:t>4/2/2018</a:t>
             </a:fld>
             <a:endParaRPr lang="en-US"/>
           </a:p>
@@ -4075,7 +4079,7 @@
             <a:fld id="{1D8BD707-D9CF-40AE-B4C6-C98DA3205C09}" type="datetimeFigureOut">
               <a:rPr lang="en-US" smtClean="0"/>
               <a:pPr/>
-              <a:t>3/26/2018</a:t>
+              <a:t>4/2/2018</a:t>
             </a:fld>
             <a:endParaRPr lang="en-US"/>
           </a:p>
@@ -4799,15 +4803,7 @@
             <a:pPr eaLnBrk="1" hangingPunct="1"/>
             <a:r>
               <a:rPr lang="en-US" altLang="en-US" dirty="0" smtClean="0"/>
-              <a:t>May</a:t>
-            </a:r>
-            <a:r>
-              <a:rPr lang="en-US" altLang="en-US" dirty="0" smtClean="0"/>
-              <a:t>. </a:t>
-            </a:r>
-            <a:r>
-              <a:rPr lang="en-US" altLang="en-US" dirty="0" smtClean="0"/>
-              <a:t>14</a:t>
+              <a:t>May. 14</a:t>
             </a:r>
             <a:r>
               <a:rPr lang="en-US" altLang="en-US" baseline="30000" dirty="0" smtClean="0"/>
@@ -4815,13 +4811,8 @@
             </a:r>
             <a:r>
               <a:rPr lang="en-US" altLang="en-US" dirty="0" smtClean="0"/>
-              <a:t> , </a:t>
-            </a:r>
-            <a:r>
-              <a:rPr lang="en-US" altLang="en-US" dirty="0" smtClean="0"/>
-              <a:t>2018</a:t>
-            </a:r>
-            <a:endParaRPr lang="en-US" altLang="en-US" dirty="0" smtClean="0"/>
+              <a:t> , 2018</a:t>
+            </a:r>
           </a:p>
         </p:txBody>
       </p:sp>
@@ -5037,7 +5028,7 @@
         </p:nvSpPr>
         <p:spPr>
           <a:xfrm>
-            <a:off x="743816" y="990600"/>
+            <a:off x="732930" y="2680359"/>
             <a:ext cx="7620000" cy="369332"/>
           </a:xfrm>
           <a:prstGeom prst="rect">
@@ -5064,7 +5055,7 @@
         <p:spPr bwMode="auto">
           <a:xfrm>
             <a:off x="743816" y="457200"/>
-            <a:ext cx="2440092" cy="523220"/>
+            <a:ext cx="2760692" cy="523220"/>
           </a:xfrm>
           <a:prstGeom prst="rect">
             <a:avLst/>
@@ -5084,12 +5075,8 @@
           <a:lstStyle/>
           <a:p>
             <a:r>
-              <a:rPr lang="en-US" sz="2800" b="1" dirty="0" smtClean="0"/>
-              <a:t>What is </a:t>
-            </a:r>
-            <a:r>
-              <a:rPr lang="en-US" sz="2800" b="1" dirty="0" err="1" smtClean="0"/>
-              <a:t>solr</a:t>
+              <a:rPr lang="en-US" altLang="zh-CN" sz="2800" dirty="0" smtClean="0"/>
+              <a:t>What is Guava</a:t>
             </a:r>
             <a:r>
               <a:rPr lang="en-US" sz="2800" b="1" dirty="0" smtClean="0"/>
@@ -5099,36 +5086,6 @@
           </a:p>
         </p:txBody>
       </p:sp>
-      <p:pic>
-        <p:nvPicPr>
-          <p:cNvPr id="2" name="Picture 1"/>
-          <p:cNvPicPr>
-            <a:picLocks noChangeAspect="1"/>
-          </p:cNvPicPr>
-          <p:nvPr/>
-        </p:nvPicPr>
-        <p:blipFill>
-          <a:blip r:embed="rId2">
-            <a:extLst>
-              <a:ext uri="{28A0092B-C50C-407E-A947-70E740481C1C}">
-                <a14:useLocalDpi xmlns:a14="http://schemas.microsoft.com/office/drawing/2010/main" val="0"/>
-              </a:ext>
-            </a:extLst>
-          </a:blip>
-          <a:stretch>
-            <a:fillRect/>
-          </a:stretch>
-        </p:blipFill>
-        <p:spPr>
-          <a:xfrm>
-            <a:off x="5791200" y="4648200"/>
-            <a:ext cx="3593651" cy="1980952"/>
-          </a:xfrm>
-          <a:prstGeom prst="rect">
-            <a:avLst/>
-          </a:prstGeom>
-        </p:spPr>
-      </p:pic>
       <p:sp>
         <p:nvSpPr>
           <p:cNvPr id="3" name="TextBox 2"/>
@@ -5137,7 +5094,7 @@
         </p:nvSpPr>
         <p:spPr bwMode="auto">
           <a:xfrm>
-            <a:off x="838200" y="1387697"/>
+            <a:off x="743816" y="2514600"/>
             <a:ext cx="7028584" cy="1477328"/>
           </a:xfrm>
           <a:prstGeom prst="rect">
@@ -5158,235 +5115,13 @@
           <a:lstStyle/>
           <a:p>
             <a:r>
-              <a:rPr lang="en-US" dirty="0" err="1"/>
-              <a:t>Solr</a:t>
-            </a:r>
-            <a:r>
-              <a:rPr lang="en-US" dirty="0"/>
-              <a:t> is highly reliable, scalable and fault tolerant, providing distributed indexing, replication and load-balanced querying, automated failover and recovery, centralized configuration and more. </a:t>
-            </a:r>
-            <a:r>
-              <a:rPr lang="en-US" dirty="0" err="1"/>
-              <a:t>Solr</a:t>
-            </a:r>
-            <a:r>
-              <a:rPr lang="en-US" dirty="0"/>
-              <a:t> powers the search and navigation features of many of the world's largest internet sites.</a:t>
+              <a:rPr lang="en-US" altLang="zh-CN" dirty="0"/>
+              <a:t>The Guava project contains several of Google's core libraries that we rely on in our Java-based projects: collections, caching, primitives support, concurrency libraries, common annotations, string processing, I/O, and so forth. Each of these tools really do get used every day by Googlers, in production services.</a:t>
             </a:r>
             <a:endParaRPr lang="zh-CN" altLang="en-US" dirty="0"/>
           </a:p>
         </p:txBody>
       </p:sp>
-      <p:pic>
-        <p:nvPicPr>
-          <p:cNvPr id="5" name="Picture 4"/>
-          <p:cNvPicPr>
-            <a:picLocks noChangeAspect="1"/>
-          </p:cNvPicPr>
-          <p:nvPr/>
-        </p:nvPicPr>
-        <p:blipFill>
-          <a:blip r:embed="rId3">
-            <a:extLst>
-              <a:ext uri="{28A0092B-C50C-407E-A947-70E740481C1C}">
-                <a14:useLocalDpi xmlns:a14="http://schemas.microsoft.com/office/drawing/2010/main" val="0"/>
-              </a:ext>
-            </a:extLst>
-          </a:blip>
-          <a:stretch>
-            <a:fillRect/>
-          </a:stretch>
-        </p:blipFill>
-        <p:spPr>
-          <a:xfrm>
-            <a:off x="1667028" y="3237169"/>
-            <a:ext cx="694887" cy="603454"/>
-          </a:xfrm>
-          <a:prstGeom prst="rect">
-            <a:avLst/>
-          </a:prstGeom>
-        </p:spPr>
-      </p:pic>
-      <p:pic>
-        <p:nvPicPr>
-          <p:cNvPr id="7" name="Picture 6"/>
-          <p:cNvPicPr>
-            <a:picLocks noChangeAspect="1"/>
-          </p:cNvPicPr>
-          <p:nvPr/>
-        </p:nvPicPr>
-        <p:blipFill>
-          <a:blip r:embed="rId4">
-            <a:extLst>
-              <a:ext uri="{28A0092B-C50C-407E-A947-70E740481C1C}">
-                <a14:useLocalDpi xmlns:a14="http://schemas.microsoft.com/office/drawing/2010/main" val="0"/>
-              </a:ext>
-            </a:extLst>
-          </a:blip>
-          <a:stretch>
-            <a:fillRect/>
-          </a:stretch>
-        </p:blipFill>
-        <p:spPr>
-          <a:xfrm>
-            <a:off x="287672" y="3075273"/>
-            <a:ext cx="1236328" cy="927246"/>
-          </a:xfrm>
-          <a:prstGeom prst="rect">
-            <a:avLst/>
-          </a:prstGeom>
-        </p:spPr>
-      </p:pic>
-      <p:pic>
-        <p:nvPicPr>
-          <p:cNvPr id="8" name="Picture 7"/>
-          <p:cNvPicPr>
-            <a:picLocks noChangeAspect="1"/>
-          </p:cNvPicPr>
-          <p:nvPr/>
-        </p:nvPicPr>
-        <p:blipFill>
-          <a:blip r:embed="rId5">
-            <a:extLst>
-              <a:ext uri="{28A0092B-C50C-407E-A947-70E740481C1C}">
-                <a14:useLocalDpi xmlns:a14="http://schemas.microsoft.com/office/drawing/2010/main" val="0"/>
-              </a:ext>
-            </a:extLst>
-          </a:blip>
-          <a:stretch>
-            <a:fillRect/>
-          </a:stretch>
-        </p:blipFill>
-        <p:spPr>
-          <a:xfrm>
-            <a:off x="7126501" y="2892790"/>
-            <a:ext cx="1480565" cy="990378"/>
-          </a:xfrm>
-          <a:prstGeom prst="rect">
-            <a:avLst/>
-          </a:prstGeom>
-        </p:spPr>
-      </p:pic>
-      <p:pic>
-        <p:nvPicPr>
-          <p:cNvPr id="9" name="Picture 8"/>
-          <p:cNvPicPr>
-            <a:picLocks noChangeAspect="1"/>
-          </p:cNvPicPr>
-          <p:nvPr/>
-        </p:nvPicPr>
-        <p:blipFill>
-          <a:blip r:embed="rId6">
-            <a:extLst>
-              <a:ext uri="{28A0092B-C50C-407E-A947-70E740481C1C}">
-                <a14:useLocalDpi xmlns:a14="http://schemas.microsoft.com/office/drawing/2010/main" val="0"/>
-              </a:ext>
-            </a:extLst>
-          </a:blip>
-          <a:stretch>
-            <a:fillRect/>
-          </a:stretch>
-        </p:blipFill>
-        <p:spPr>
-          <a:xfrm>
-            <a:off x="2644925" y="4343400"/>
-            <a:ext cx="2285051" cy="555823"/>
-          </a:xfrm>
-          <a:prstGeom prst="rect">
-            <a:avLst/>
-          </a:prstGeom>
-        </p:spPr>
-      </p:pic>
-      <p:pic>
-        <p:nvPicPr>
-          <p:cNvPr id="10" name="Picture 9"/>
-          <p:cNvPicPr>
-            <a:picLocks noChangeAspect="1"/>
-          </p:cNvPicPr>
-          <p:nvPr/>
-        </p:nvPicPr>
-        <p:blipFill>
-          <a:blip r:embed="rId7">
-            <a:extLst>
-              <a:ext uri="{28A0092B-C50C-407E-A947-70E740481C1C}">
-                <a14:useLocalDpi xmlns:a14="http://schemas.microsoft.com/office/drawing/2010/main" val="0"/>
-              </a:ext>
-            </a:extLst>
-          </a:blip>
-          <a:stretch>
-            <a:fillRect/>
-          </a:stretch>
-        </p:blipFill>
-        <p:spPr>
-          <a:xfrm>
-            <a:off x="344815" y="4168577"/>
-            <a:ext cx="2038202" cy="791302"/>
-          </a:xfrm>
-          <a:prstGeom prst="rect">
-            <a:avLst/>
-          </a:prstGeom>
-        </p:spPr>
-      </p:pic>
-      <p:pic>
-        <p:nvPicPr>
-          <p:cNvPr id="11" name="Picture 10"/>
-          <p:cNvPicPr>
-            <a:picLocks noChangeAspect="1"/>
-          </p:cNvPicPr>
-          <p:nvPr/>
-        </p:nvPicPr>
-        <p:blipFill>
-          <a:blip r:embed="rId8">
-            <a:extLst>
-              <a:ext uri="{28A0092B-C50C-407E-A947-70E740481C1C}">
-                <a14:useLocalDpi xmlns:a14="http://schemas.microsoft.com/office/drawing/2010/main" val="0"/>
-              </a:ext>
-            </a:extLst>
-          </a:blip>
-          <a:stretch>
-            <a:fillRect/>
-          </a:stretch>
-        </p:blipFill>
-        <p:spPr>
-          <a:xfrm>
-            <a:off x="4984983" y="2923643"/>
-            <a:ext cx="1888649" cy="1038757"/>
-          </a:xfrm>
-          <a:prstGeom prst="rect">
-            <a:avLst/>
-          </a:prstGeom>
-        </p:spPr>
-      </p:pic>
-      <p:pic>
-        <p:nvPicPr>
-          <p:cNvPr id="12" name="Picture 11"/>
-          <p:cNvPicPr>
-            <a:picLocks noChangeAspect="1"/>
-          </p:cNvPicPr>
-          <p:nvPr/>
-        </p:nvPicPr>
-        <p:blipFill>
-          <a:blip r:embed="rId9">
-            <a:extLst>
-              <a:ext uri="{28A0092B-C50C-407E-A947-70E740481C1C}">
-                <a14:useLocalDpi xmlns:a14="http://schemas.microsoft.com/office/drawing/2010/main" val="0"/>
-              </a:ext>
-            </a:extLst>
-          </a:blip>
-          <a:stretch>
-            <a:fillRect/>
-          </a:stretch>
-        </p:blipFill>
-        <p:spPr>
-          <a:xfrm>
-            <a:off x="2644925" y="3034534"/>
-            <a:ext cx="2170633" cy="967985"/>
-          </a:xfrm>
-          <a:prstGeom prst="rect">
-            <a:avLst/>
-          </a:prstGeom>
-        </p:spPr>
-      </p:pic>
     </p:spTree>
     <p:extLst>
       <p:ext uri="{BB962C8B-B14F-4D97-AF65-F5344CB8AC3E}">
@@ -5408,6 +5143,2425 @@
 </file>
 
 <file path=ppt/slides/slide4.xml><?xml version="1.0" encoding="utf-8"?>
+<p:sld xmlns:a="http://schemas.openxmlformats.org/drawingml/2006/main" xmlns:r="http://schemas.openxmlformats.org/officeDocument/2006/relationships" xmlns:p="http://schemas.openxmlformats.org/presentationml/2006/main">
+  <p:cSld>
+    <p:spTree>
+      <p:nvGrpSpPr>
+        <p:cNvPr id="1" name=""/>
+        <p:cNvGrpSpPr/>
+        <p:nvPr/>
+      </p:nvGrpSpPr>
+      <p:grpSpPr>
+        <a:xfrm>
+          <a:off x="0" y="0"/>
+          <a:ext cx="0" cy="0"/>
+          <a:chOff x="0" y="0"/>
+          <a:chExt cx="0" cy="0"/>
+        </a:xfrm>
+      </p:grpSpPr>
+      <p:sp>
+        <p:nvSpPr>
+          <p:cNvPr id="4" name="TextBox 3"/>
+          <p:cNvSpPr txBox="1"/>
+          <p:nvPr/>
+        </p:nvSpPr>
+        <p:spPr>
+          <a:xfrm>
+            <a:off x="732930" y="2680359"/>
+            <a:ext cx="3810000" cy="369332"/>
+          </a:xfrm>
+          <a:prstGeom prst="rect">
+            <a:avLst/>
+          </a:prstGeom>
+          <a:noFill/>
+        </p:spPr>
+        <p:txBody>
+          <a:bodyPr wrap="square" rtlCol="0">
+            <a:spAutoFit/>
+          </a:bodyPr>
+          <a:lstStyle/>
+          <a:p>
+            <a:endParaRPr lang="en-US" dirty="0" smtClean="0"/>
+          </a:p>
+        </p:txBody>
+      </p:sp>
+      <p:sp>
+        <p:nvSpPr>
+          <p:cNvPr id="6" name="TextBox 5"/>
+          <p:cNvSpPr txBox="1"/>
+          <p:nvPr/>
+        </p:nvSpPr>
+        <p:spPr bwMode="auto">
+          <a:xfrm>
+            <a:off x="743816" y="457200"/>
+            <a:ext cx="2262158" cy="523220"/>
+          </a:xfrm>
+          <a:prstGeom prst="rect">
+            <a:avLst/>
+          </a:prstGeom>
+          <a:noFill/>
+          <a:ln w="9525">
+            <a:noFill/>
+            <a:miter lim="800000"/>
+            <a:headEnd/>
+            <a:tailEnd/>
+          </a:ln>
+        </p:spPr>
+        <p:txBody>
+          <a:bodyPr wrap="none" rtlCol="0">
+            <a:spAutoFit/>
+          </a:bodyPr>
+          <a:lstStyle/>
+          <a:p>
+            <a:r>
+              <a:rPr lang="en-US" altLang="zh-CN" sz="2800" dirty="0"/>
+              <a:t>Basic </a:t>
+            </a:r>
+            <a:r>
+              <a:rPr lang="en-US" altLang="zh-CN" sz="2800" dirty="0" smtClean="0"/>
+              <a:t>utilities</a:t>
+            </a:r>
+            <a:endParaRPr lang="en-US" altLang="zh-CN" sz="2800" dirty="0"/>
+          </a:p>
+        </p:txBody>
+      </p:sp>
+      <p:sp>
+        <p:nvSpPr>
+          <p:cNvPr id="3" name="TextBox 2"/>
+          <p:cNvSpPr txBox="1"/>
+          <p:nvPr/>
+        </p:nvSpPr>
+        <p:spPr bwMode="auto">
+          <a:xfrm>
+            <a:off x="732930" y="1620323"/>
+            <a:ext cx="7028584" cy="369332"/>
+          </a:xfrm>
+          <a:prstGeom prst="rect">
+            <a:avLst/>
+          </a:prstGeom>
+          <a:noFill/>
+          <a:ln w="9525">
+            <a:noFill/>
+            <a:miter lim="800000"/>
+            <a:headEnd/>
+            <a:tailEnd/>
+          </a:ln>
+        </p:spPr>
+        <p:txBody>
+          <a:bodyPr wrap="square" rtlCol="0">
+            <a:spAutoFit/>
+          </a:bodyPr>
+          <a:lstStyle/>
+          <a:p>
+            <a:r>
+              <a:rPr lang="en-US" altLang="zh-CN" dirty="0" smtClean="0"/>
+              <a:t>Option</a:t>
+            </a:r>
+            <a:endParaRPr lang="zh-CN" altLang="en-US" dirty="0"/>
+          </a:p>
+        </p:txBody>
+      </p:sp>
+      <p:sp>
+        <p:nvSpPr>
+          <p:cNvPr id="9" name="Rectangle 2"/>
+          <p:cNvSpPr>
+            <a:spLocks noChangeArrowheads="1"/>
+          </p:cNvSpPr>
+          <p:nvPr/>
+        </p:nvSpPr>
+        <p:spPr bwMode="auto">
+          <a:xfrm>
+            <a:off x="743816" y="2438400"/>
+            <a:ext cx="7942984" cy="1723549"/>
+          </a:xfrm>
+          <a:prstGeom prst="rect">
+            <a:avLst/>
+          </a:prstGeom>
+          <a:solidFill>
+            <a:srgbClr val="FFFFFF"/>
+          </a:solidFill>
+          <a:ln>
+            <a:noFill/>
+          </a:ln>
+          <a:effectLst/>
+          <a:extLst>
+            <a:ext uri="{91240B29-F687-4F45-9708-019B960494DF}">
+              <a14:hiddenLine xmlns:a14="http://schemas.microsoft.com/office/drawing/2010/main" w="9525">
+                <a:solidFill>
+                  <a:schemeClr val="tx1"/>
+                </a:solidFill>
+                <a:miter lim="800000"/>
+                <a:headEnd/>
+                <a:tailEnd/>
+              </a14:hiddenLine>
+            </a:ext>
+            <a:ext uri="{AF507438-7753-43E0-B8FC-AC1667EBCBE1}">
+              <a14:hiddenEffects xmlns:a14="http://schemas.microsoft.com/office/drawing/2010/main">
+                <a:effectLst>
+                  <a:outerShdw dist="35921" dir="2700000" algn="ctr" rotWithShape="0">
+                    <a:schemeClr val="bg2"/>
+                  </a:outerShdw>
+                </a:effectLst>
+              </a14:hiddenEffects>
+            </a:ext>
+          </a:extLst>
+        </p:spPr>
+        <p:txBody>
+          <a:bodyPr vert="horz" wrap="square" lIns="0" tIns="0" rIns="0" bIns="0" numCol="1" anchor="ctr" anchorCtr="0" compatLnSpc="1">
+            <a:prstTxWarp prst="textNoShape">
+              <a:avLst/>
+            </a:prstTxWarp>
+            <a:spAutoFit/>
+          </a:bodyPr>
+          <a:lstStyle>
+            <a:lvl1pPr eaLnBrk="0" fontAlgn="base" hangingPunct="0">
+              <a:spcBef>
+                <a:spcPct val="0"/>
+              </a:spcBef>
+              <a:spcAft>
+                <a:spcPct val="0"/>
+              </a:spcAft>
+              <a:defRPr>
+                <a:solidFill>
+                  <a:schemeClr val="tx1"/>
+                </a:solidFill>
+                <a:latin typeface="Arial" panose="020B0604020202020204" pitchFamily="34" charset="0"/>
+              </a:defRPr>
+            </a:lvl1pPr>
+            <a:lvl2pPr eaLnBrk="0" fontAlgn="base" hangingPunct="0">
+              <a:spcBef>
+                <a:spcPct val="0"/>
+              </a:spcBef>
+              <a:spcAft>
+                <a:spcPct val="0"/>
+              </a:spcAft>
+              <a:defRPr>
+                <a:solidFill>
+                  <a:schemeClr val="tx1"/>
+                </a:solidFill>
+                <a:latin typeface="Arial" panose="020B0604020202020204" pitchFamily="34" charset="0"/>
+              </a:defRPr>
+            </a:lvl2pPr>
+            <a:lvl3pPr eaLnBrk="0" fontAlgn="base" hangingPunct="0">
+              <a:spcBef>
+                <a:spcPct val="0"/>
+              </a:spcBef>
+              <a:spcAft>
+                <a:spcPct val="0"/>
+              </a:spcAft>
+              <a:defRPr>
+                <a:solidFill>
+                  <a:schemeClr val="tx1"/>
+                </a:solidFill>
+                <a:latin typeface="Arial" panose="020B0604020202020204" pitchFamily="34" charset="0"/>
+              </a:defRPr>
+            </a:lvl3pPr>
+            <a:lvl4pPr eaLnBrk="0" fontAlgn="base" hangingPunct="0">
+              <a:spcBef>
+                <a:spcPct val="0"/>
+              </a:spcBef>
+              <a:spcAft>
+                <a:spcPct val="0"/>
+              </a:spcAft>
+              <a:defRPr>
+                <a:solidFill>
+                  <a:schemeClr val="tx1"/>
+                </a:solidFill>
+                <a:latin typeface="Arial" panose="020B0604020202020204" pitchFamily="34" charset="0"/>
+              </a:defRPr>
+            </a:lvl4pPr>
+            <a:lvl5pPr eaLnBrk="0" fontAlgn="base" hangingPunct="0">
+              <a:spcBef>
+                <a:spcPct val="0"/>
+              </a:spcBef>
+              <a:spcAft>
+                <a:spcPct val="0"/>
+              </a:spcAft>
+              <a:defRPr>
+                <a:solidFill>
+                  <a:schemeClr val="tx1"/>
+                </a:solidFill>
+                <a:latin typeface="Arial" panose="020B0604020202020204" pitchFamily="34" charset="0"/>
+              </a:defRPr>
+            </a:lvl5pPr>
+            <a:lvl6pPr eaLnBrk="0" fontAlgn="base" hangingPunct="0">
+              <a:spcBef>
+                <a:spcPct val="0"/>
+              </a:spcBef>
+              <a:spcAft>
+                <a:spcPct val="0"/>
+              </a:spcAft>
+              <a:defRPr>
+                <a:solidFill>
+                  <a:schemeClr val="tx1"/>
+                </a:solidFill>
+                <a:latin typeface="Arial" panose="020B0604020202020204" pitchFamily="34" charset="0"/>
+              </a:defRPr>
+            </a:lvl6pPr>
+            <a:lvl7pPr eaLnBrk="0" fontAlgn="base" hangingPunct="0">
+              <a:spcBef>
+                <a:spcPct val="0"/>
+              </a:spcBef>
+              <a:spcAft>
+                <a:spcPct val="0"/>
+              </a:spcAft>
+              <a:defRPr>
+                <a:solidFill>
+                  <a:schemeClr val="tx1"/>
+                </a:solidFill>
+                <a:latin typeface="Arial" panose="020B0604020202020204" pitchFamily="34" charset="0"/>
+              </a:defRPr>
+            </a:lvl7pPr>
+            <a:lvl8pPr eaLnBrk="0" fontAlgn="base" hangingPunct="0">
+              <a:spcBef>
+                <a:spcPct val="0"/>
+              </a:spcBef>
+              <a:spcAft>
+                <a:spcPct val="0"/>
+              </a:spcAft>
+              <a:defRPr>
+                <a:solidFill>
+                  <a:schemeClr val="tx1"/>
+                </a:solidFill>
+                <a:latin typeface="Arial" panose="020B0604020202020204" pitchFamily="34" charset="0"/>
+              </a:defRPr>
+            </a:lvl8pPr>
+            <a:lvl9pPr eaLnBrk="0" fontAlgn="base" hangingPunct="0">
+              <a:spcBef>
+                <a:spcPct val="0"/>
+              </a:spcBef>
+              <a:spcAft>
+                <a:spcPct val="0"/>
+              </a:spcAft>
+              <a:defRPr>
+                <a:solidFill>
+                  <a:schemeClr val="tx1"/>
+                </a:solidFill>
+                <a:latin typeface="Arial" panose="020B0604020202020204" pitchFamily="34" charset="0"/>
+              </a:defRPr>
+            </a:lvl9pPr>
+          </a:lstStyle>
+          <a:p>
+            <a:pPr marL="0" marR="0" lvl="0" indent="0" algn="l" defTabSz="914400" rtl="0" eaLnBrk="0" fontAlgn="base" latinLnBrk="0" hangingPunct="0">
+              <a:lnSpc>
+                <a:spcPct val="100000"/>
+              </a:lnSpc>
+              <a:spcBef>
+                <a:spcPct val="0"/>
+              </a:spcBef>
+              <a:spcAft>
+                <a:spcPct val="0"/>
+              </a:spcAft>
+              <a:buClrTx/>
+              <a:buSzTx/>
+              <a:buFontTx/>
+              <a:buNone/>
+              <a:tabLst/>
+            </a:pPr>
+            <a:r>
+              <a:rPr kumimoji="0" lang="zh-CN" altLang="zh-CN" sz="1600" b="0" i="0" u="none" strike="noStrike" cap="none" normalizeH="0" baseline="0" dirty="0" smtClean="0">
+                <a:ln>
+                  <a:noFill/>
+                </a:ln>
+                <a:solidFill>
+                  <a:srgbClr val="24292E"/>
+                </a:solidFill>
+                <a:effectLst/>
+                <a:ea typeface="-apple-system"/>
+              </a:rPr>
+              <a:t>Many of the cases where programmers use </a:t>
+            </a:r>
+            <a:r>
+              <a:rPr kumimoji="0" lang="zh-CN" altLang="zh-CN" sz="1600" b="0" i="0" u="none" strike="noStrike" cap="none" normalizeH="0" baseline="0" dirty="0" smtClean="0">
+                <a:ln>
+                  <a:noFill/>
+                </a:ln>
+                <a:solidFill>
+                  <a:srgbClr val="24292E"/>
+                </a:solidFill>
+                <a:effectLst/>
+                <a:latin typeface="Arial Unicode MS" panose="020B0604020202020204" pitchFamily="34" charset="-122"/>
+                <a:ea typeface="SFMono-Regular"/>
+              </a:rPr>
+              <a:t>null</a:t>
+            </a:r>
+            <a:r>
+              <a:rPr kumimoji="0" lang="zh-CN" altLang="zh-CN" sz="1600" b="0" i="0" u="none" strike="noStrike" cap="none" normalizeH="0" baseline="0" dirty="0" smtClean="0">
+                <a:ln>
+                  <a:noFill/>
+                </a:ln>
+                <a:solidFill>
+                  <a:srgbClr val="24292E"/>
+                </a:solidFill>
+                <a:effectLst/>
+                <a:ea typeface="-apple-system"/>
+              </a:rPr>
+              <a:t> is to indicate some sort of absence: perhaps where there might have been a value, there is none, or one could not be found. For example, </a:t>
+            </a:r>
+            <a:r>
+              <a:rPr kumimoji="0" lang="zh-CN" altLang="zh-CN" sz="1600" b="0" i="0" u="none" strike="noStrike" cap="none" normalizeH="0" baseline="0" dirty="0" smtClean="0">
+                <a:ln>
+                  <a:noFill/>
+                </a:ln>
+                <a:solidFill>
+                  <a:srgbClr val="24292E"/>
+                </a:solidFill>
+                <a:effectLst/>
+                <a:latin typeface="Arial Unicode MS" panose="020B0604020202020204" pitchFamily="34" charset="-122"/>
+                <a:ea typeface="SFMono-Regular"/>
+              </a:rPr>
+              <a:t>Map.get</a:t>
+            </a:r>
+            <a:r>
+              <a:rPr kumimoji="0" lang="zh-CN" altLang="zh-CN" sz="1600" b="0" i="0" u="none" strike="noStrike" cap="none" normalizeH="0" baseline="0" dirty="0" smtClean="0">
+                <a:ln>
+                  <a:noFill/>
+                </a:ln>
+                <a:solidFill>
+                  <a:srgbClr val="24292E"/>
+                </a:solidFill>
+                <a:effectLst/>
+                <a:ea typeface="-apple-system"/>
+              </a:rPr>
+              <a:t> returns </a:t>
+            </a:r>
+            <a:r>
+              <a:rPr kumimoji="0" lang="zh-CN" altLang="zh-CN" sz="1600" b="0" i="0" u="none" strike="noStrike" cap="none" normalizeH="0" baseline="0" dirty="0" smtClean="0">
+                <a:ln>
+                  <a:noFill/>
+                </a:ln>
+                <a:solidFill>
+                  <a:srgbClr val="24292E"/>
+                </a:solidFill>
+                <a:effectLst/>
+                <a:latin typeface="Arial Unicode MS" panose="020B0604020202020204" pitchFamily="34" charset="-122"/>
+                <a:ea typeface="SFMono-Regular"/>
+              </a:rPr>
+              <a:t>null</a:t>
+            </a:r>
+            <a:r>
+              <a:rPr kumimoji="0" lang="zh-CN" altLang="zh-CN" sz="1600" b="0" i="0" u="none" strike="noStrike" cap="none" normalizeH="0" baseline="0" dirty="0" smtClean="0">
+                <a:ln>
+                  <a:noFill/>
+                </a:ln>
+                <a:solidFill>
+                  <a:srgbClr val="24292E"/>
+                </a:solidFill>
+                <a:effectLst/>
+                <a:ea typeface="-apple-system"/>
+              </a:rPr>
+              <a:t> when no value is found for a key.</a:t>
+            </a:r>
+            <a:endParaRPr kumimoji="0" lang="zh-CN" altLang="zh-CN" sz="1600" b="0" i="0" u="none" strike="noStrike" cap="none" normalizeH="0" baseline="0" dirty="0" smtClean="0">
+              <a:ln>
+                <a:noFill/>
+              </a:ln>
+              <a:solidFill>
+                <a:schemeClr val="tx1"/>
+              </a:solidFill>
+              <a:effectLst/>
+            </a:endParaRPr>
+          </a:p>
+          <a:p>
+            <a:pPr marL="0" marR="0" lvl="0" indent="0" algn="l" defTabSz="914400" rtl="0" eaLnBrk="0" fontAlgn="base" latinLnBrk="0" hangingPunct="0">
+              <a:lnSpc>
+                <a:spcPct val="100000"/>
+              </a:lnSpc>
+              <a:spcBef>
+                <a:spcPct val="0"/>
+              </a:spcBef>
+              <a:spcAft>
+                <a:spcPct val="0"/>
+              </a:spcAft>
+              <a:buClrTx/>
+              <a:buSzTx/>
+              <a:buFontTx/>
+              <a:buNone/>
+              <a:tabLst/>
+            </a:pPr>
+            <a:r>
+              <a:rPr kumimoji="0" lang="zh-CN" altLang="zh-CN" sz="1600" b="0" i="0" u="none" strike="noStrike" cap="none" normalizeH="0" baseline="0" dirty="0" smtClean="0">
+                <a:ln>
+                  <a:noFill/>
+                </a:ln>
+                <a:solidFill>
+                  <a:srgbClr val="24292E"/>
+                </a:solidFill>
+                <a:effectLst/>
+                <a:latin typeface="Arial Unicode MS" panose="020B0604020202020204" pitchFamily="34" charset="-122"/>
+                <a:ea typeface="SFMono-Regular"/>
+              </a:rPr>
+              <a:t>Optional&lt;T&gt;</a:t>
+            </a:r>
+            <a:r>
+              <a:rPr kumimoji="0" lang="zh-CN" altLang="zh-CN" sz="1600" b="0" i="0" u="none" strike="noStrike" cap="none" normalizeH="0" baseline="0" dirty="0" smtClean="0">
+                <a:ln>
+                  <a:noFill/>
+                </a:ln>
+                <a:solidFill>
+                  <a:srgbClr val="24292E"/>
+                </a:solidFill>
+                <a:effectLst/>
+                <a:ea typeface="-apple-system"/>
+              </a:rPr>
+              <a:t> is a way of replacing a nullable </a:t>
+            </a:r>
+            <a:r>
+              <a:rPr kumimoji="0" lang="zh-CN" altLang="zh-CN" sz="1600" b="0" i="0" u="none" strike="noStrike" cap="none" normalizeH="0" baseline="0" dirty="0" smtClean="0">
+                <a:ln>
+                  <a:noFill/>
+                </a:ln>
+                <a:solidFill>
+                  <a:srgbClr val="24292E"/>
+                </a:solidFill>
+                <a:effectLst/>
+                <a:latin typeface="Arial Unicode MS" panose="020B0604020202020204" pitchFamily="34" charset="-122"/>
+                <a:ea typeface="SFMono-Regular"/>
+              </a:rPr>
+              <a:t>T</a:t>
+            </a:r>
+            <a:r>
+              <a:rPr kumimoji="0" lang="zh-CN" altLang="zh-CN" sz="1600" b="0" i="0" u="none" strike="noStrike" cap="none" normalizeH="0" baseline="0" dirty="0" smtClean="0">
+                <a:ln>
+                  <a:noFill/>
+                </a:ln>
+                <a:solidFill>
+                  <a:srgbClr val="24292E"/>
+                </a:solidFill>
+                <a:effectLst/>
+                <a:ea typeface="-apple-system"/>
+              </a:rPr>
+              <a:t> reference with a non-null value. An </a:t>
+            </a:r>
+            <a:r>
+              <a:rPr kumimoji="0" lang="zh-CN" altLang="zh-CN" sz="1600" b="0" i="0" u="none" strike="noStrike" cap="none" normalizeH="0" baseline="0" dirty="0" smtClean="0">
+                <a:ln>
+                  <a:noFill/>
+                </a:ln>
+                <a:solidFill>
+                  <a:srgbClr val="24292E"/>
+                </a:solidFill>
+                <a:effectLst/>
+                <a:latin typeface="Arial Unicode MS" panose="020B0604020202020204" pitchFamily="34" charset="-122"/>
+                <a:ea typeface="SFMono-Regular"/>
+              </a:rPr>
+              <a:t>Optional</a:t>
+            </a:r>
+            <a:r>
+              <a:rPr kumimoji="0" lang="zh-CN" altLang="zh-CN" sz="1600" b="0" i="0" u="none" strike="noStrike" cap="none" normalizeH="0" baseline="0" dirty="0" smtClean="0">
+                <a:ln>
+                  <a:noFill/>
+                </a:ln>
+                <a:solidFill>
+                  <a:srgbClr val="24292E"/>
+                </a:solidFill>
+                <a:effectLst/>
+                <a:ea typeface="-apple-system"/>
+              </a:rPr>
+              <a:t> may either contain a non-null </a:t>
+            </a:r>
+            <a:r>
+              <a:rPr kumimoji="0" lang="zh-CN" altLang="zh-CN" sz="1600" b="0" i="0" u="none" strike="noStrike" cap="none" normalizeH="0" baseline="0" dirty="0" smtClean="0">
+                <a:ln>
+                  <a:noFill/>
+                </a:ln>
+                <a:solidFill>
+                  <a:srgbClr val="24292E"/>
+                </a:solidFill>
+                <a:effectLst/>
+                <a:latin typeface="Arial Unicode MS" panose="020B0604020202020204" pitchFamily="34" charset="-122"/>
+                <a:ea typeface="SFMono-Regular"/>
+              </a:rPr>
+              <a:t>T</a:t>
+            </a:r>
+            <a:r>
+              <a:rPr kumimoji="0" lang="zh-CN" altLang="zh-CN" sz="1600" b="0" i="0" u="none" strike="noStrike" cap="none" normalizeH="0" baseline="0" dirty="0" smtClean="0">
+                <a:ln>
+                  <a:noFill/>
+                </a:ln>
+                <a:solidFill>
+                  <a:srgbClr val="24292E"/>
+                </a:solidFill>
+                <a:effectLst/>
+                <a:ea typeface="-apple-system"/>
+              </a:rPr>
+              <a:t> reference (in which case we say the reference is "present"), or it may contain nothing (in which case we say the reference is "absent"). It is never said to "contain null."</a:t>
+            </a:r>
+            <a:endParaRPr kumimoji="0" lang="zh-CN" altLang="zh-CN" sz="1600" b="0" i="0" u="none" strike="noStrike" cap="none" normalizeH="0" baseline="0" dirty="0" smtClean="0">
+              <a:ln>
+                <a:noFill/>
+              </a:ln>
+              <a:solidFill>
+                <a:schemeClr val="tx1"/>
+              </a:solidFill>
+              <a:effectLst/>
+            </a:endParaRPr>
+          </a:p>
+        </p:txBody>
+      </p:sp>
+    </p:spTree>
+    <p:extLst>
+      <p:ext uri="{BB962C8B-B14F-4D97-AF65-F5344CB8AC3E}">
+        <p14:creationId xmlns:p14="http://schemas.microsoft.com/office/powerpoint/2010/main" val="3618569672"/>
+      </p:ext>
+    </p:extLst>
+  </p:cSld>
+  <p:clrMapOvr>
+    <a:masterClrMapping/>
+  </p:clrMapOvr>
+  <p:timing>
+    <p:tnLst>
+      <p:par>
+        <p:cTn id="1" dur="indefinite" restart="never" nodeType="tmRoot"/>
+      </p:par>
+    </p:tnLst>
+  </p:timing>
+</p:sld>
+</file>
+
+<file path=ppt/slides/slide5.xml><?xml version="1.0" encoding="utf-8"?>
+<p:sld xmlns:a="http://schemas.openxmlformats.org/drawingml/2006/main" xmlns:r="http://schemas.openxmlformats.org/officeDocument/2006/relationships" xmlns:p="http://schemas.openxmlformats.org/presentationml/2006/main">
+  <p:cSld>
+    <p:spTree>
+      <p:nvGrpSpPr>
+        <p:cNvPr id="1" name=""/>
+        <p:cNvGrpSpPr/>
+        <p:nvPr/>
+      </p:nvGrpSpPr>
+      <p:grpSpPr>
+        <a:xfrm>
+          <a:off x="0" y="0"/>
+          <a:ext cx="0" cy="0"/>
+          <a:chOff x="0" y="0"/>
+          <a:chExt cx="0" cy="0"/>
+        </a:xfrm>
+      </p:grpSpPr>
+      <p:sp>
+        <p:nvSpPr>
+          <p:cNvPr id="4" name="TextBox 3"/>
+          <p:cNvSpPr txBox="1"/>
+          <p:nvPr/>
+        </p:nvSpPr>
+        <p:spPr>
+          <a:xfrm>
+            <a:off x="970188" y="2561279"/>
+            <a:ext cx="4668611" cy="369332"/>
+          </a:xfrm>
+          <a:prstGeom prst="rect">
+            <a:avLst/>
+          </a:prstGeom>
+          <a:noFill/>
+        </p:spPr>
+        <p:txBody>
+          <a:bodyPr wrap="square" rtlCol="0">
+            <a:spAutoFit/>
+          </a:bodyPr>
+          <a:lstStyle/>
+          <a:p>
+            <a:r>
+              <a:rPr lang="zh-CN" altLang="en-US" b="1" dirty="0"/>
+              <a:t>创建</a:t>
+            </a:r>
+            <a:r>
+              <a:rPr lang="en-US" altLang="zh-CN" b="1" dirty="0"/>
+              <a:t>Optional</a:t>
+            </a:r>
+            <a:r>
+              <a:rPr lang="zh-CN" altLang="en-US" b="1" dirty="0"/>
+              <a:t>实例（以下都是静态方法）：</a:t>
+            </a:r>
+            <a:endParaRPr lang="en-US" dirty="0" smtClean="0"/>
+          </a:p>
+        </p:txBody>
+      </p:sp>
+      <p:sp>
+        <p:nvSpPr>
+          <p:cNvPr id="6" name="TextBox 5"/>
+          <p:cNvSpPr txBox="1"/>
+          <p:nvPr/>
+        </p:nvSpPr>
+        <p:spPr bwMode="auto">
+          <a:xfrm>
+            <a:off x="743816" y="457200"/>
+            <a:ext cx="2262158" cy="523220"/>
+          </a:xfrm>
+          <a:prstGeom prst="rect">
+            <a:avLst/>
+          </a:prstGeom>
+          <a:noFill/>
+          <a:ln w="9525">
+            <a:noFill/>
+            <a:miter lim="800000"/>
+            <a:headEnd/>
+            <a:tailEnd/>
+          </a:ln>
+        </p:spPr>
+        <p:txBody>
+          <a:bodyPr wrap="none" rtlCol="0">
+            <a:spAutoFit/>
+          </a:bodyPr>
+          <a:lstStyle/>
+          <a:p>
+            <a:r>
+              <a:rPr lang="en-US" altLang="zh-CN" sz="2800" dirty="0"/>
+              <a:t>Basic </a:t>
+            </a:r>
+            <a:r>
+              <a:rPr lang="en-US" altLang="zh-CN" sz="2800" dirty="0" smtClean="0"/>
+              <a:t>utilities</a:t>
+            </a:r>
+            <a:endParaRPr lang="en-US" altLang="zh-CN" sz="2800" dirty="0"/>
+          </a:p>
+        </p:txBody>
+      </p:sp>
+      <p:sp>
+        <p:nvSpPr>
+          <p:cNvPr id="3" name="TextBox 2"/>
+          <p:cNvSpPr txBox="1"/>
+          <p:nvPr/>
+        </p:nvSpPr>
+        <p:spPr bwMode="auto">
+          <a:xfrm>
+            <a:off x="732930" y="1620323"/>
+            <a:ext cx="7028584" cy="369332"/>
+          </a:xfrm>
+          <a:prstGeom prst="rect">
+            <a:avLst/>
+          </a:prstGeom>
+          <a:noFill/>
+          <a:ln w="9525">
+            <a:noFill/>
+            <a:miter lim="800000"/>
+            <a:headEnd/>
+            <a:tailEnd/>
+          </a:ln>
+        </p:spPr>
+        <p:txBody>
+          <a:bodyPr wrap="square" rtlCol="0">
+            <a:spAutoFit/>
+          </a:bodyPr>
+          <a:lstStyle/>
+          <a:p>
+            <a:r>
+              <a:rPr lang="en-US" altLang="zh-CN" dirty="0" smtClean="0"/>
+              <a:t>Option</a:t>
+            </a:r>
+            <a:endParaRPr lang="zh-CN" altLang="en-US" dirty="0"/>
+          </a:p>
+        </p:txBody>
+      </p:sp>
+      <p:graphicFrame>
+        <p:nvGraphicFramePr>
+          <p:cNvPr id="2" name="表格 1"/>
+          <p:cNvGraphicFramePr>
+            <a:graphicFrameLocks noGrp="1"/>
+          </p:cNvGraphicFramePr>
+          <p:nvPr>
+            <p:extLst>
+              <p:ext uri="{D42A27DB-BD31-4B8C-83A1-F6EECF244321}">
+                <p14:modId xmlns:p14="http://schemas.microsoft.com/office/powerpoint/2010/main" val="3341032849"/>
+              </p:ext>
+            </p:extLst>
+          </p:nvPr>
+        </p:nvGraphicFramePr>
+        <p:xfrm>
+          <a:off x="970189" y="3200400"/>
+          <a:ext cx="6791325" cy="2228850"/>
+        </p:xfrm>
+        <a:graphic>
+          <a:graphicData uri="http://schemas.openxmlformats.org/drawingml/2006/table">
+            <a:tbl>
+              <a:tblPr/>
+              <a:tblGrid>
+                <a:gridCol w="2186851"/>
+                <a:gridCol w="4604474"/>
+              </a:tblGrid>
+              <a:tr h="0">
+                <a:tc>
+                  <a:txBody>
+                    <a:bodyPr/>
+                    <a:lstStyle/>
+                    <a:p>
+                      <a:r>
+                        <a:rPr lang="en-US" u="sng" dirty="0" err="1">
+                          <a:solidFill>
+                            <a:srgbClr val="00A19E"/>
+                          </a:solidFill>
+                          <a:effectLst/>
+                          <a:hlinkClick r:id="rId2"/>
+                        </a:rPr>
+                        <a:t>Optional.of</a:t>
+                      </a:r>
+                      <a:r>
+                        <a:rPr lang="en-US" u="sng" dirty="0">
+                          <a:solidFill>
+                            <a:srgbClr val="00A19E"/>
+                          </a:solidFill>
+                          <a:effectLst/>
+                          <a:hlinkClick r:id="rId2"/>
+                        </a:rPr>
+                        <a:t>(T)</a:t>
+                      </a:r>
+                      <a:endParaRPr lang="en-US" dirty="0">
+                        <a:effectLst/>
+                      </a:endParaRPr>
+                    </a:p>
+                  </a:txBody>
+                  <a:tcPr marL="142875" marR="142875" marT="142875" marB="142875" anchor="ctr">
+                    <a:lnL w="9525" cap="flat" cmpd="sng" algn="ctr">
+                      <a:solidFill>
+                        <a:srgbClr val="CCCCCC"/>
+                      </a:solidFill>
+                      <a:prstDash val="solid"/>
+                      <a:round/>
+                      <a:headEnd type="none" w="med" len="med"/>
+                      <a:tailEnd type="none" w="med" len="med"/>
+                    </a:lnL>
+                    <a:lnR w="9525" cap="flat" cmpd="sng" algn="ctr">
+                      <a:solidFill>
+                        <a:srgbClr val="CCCCCC"/>
+                      </a:solidFill>
+                      <a:prstDash val="solid"/>
+                      <a:round/>
+                      <a:headEnd type="none" w="med" len="med"/>
+                      <a:tailEnd type="none" w="med" len="med"/>
+                    </a:lnR>
+                    <a:lnT w="9525" cap="flat" cmpd="sng" algn="ctr">
+                      <a:solidFill>
+                        <a:srgbClr val="CCCCCC"/>
+                      </a:solidFill>
+                      <a:prstDash val="solid"/>
+                      <a:round/>
+                      <a:headEnd type="none" w="med" len="med"/>
+                      <a:tailEnd type="none" w="med" len="med"/>
+                    </a:lnT>
+                    <a:lnB w="9525" cap="flat" cmpd="sng" algn="ctr">
+                      <a:solidFill>
+                        <a:srgbClr val="CCCCCC"/>
+                      </a:solidFill>
+                      <a:prstDash val="solid"/>
+                      <a:round/>
+                      <a:headEnd type="none" w="med" len="med"/>
+                      <a:tailEnd type="none" w="med" len="med"/>
+                    </a:lnB>
+                  </a:tcPr>
+                </a:tc>
+                <a:tc>
+                  <a:txBody>
+                    <a:bodyPr/>
+                    <a:lstStyle/>
+                    <a:p>
+                      <a:r>
+                        <a:rPr lang="zh-CN" altLang="en-US" dirty="0">
+                          <a:effectLst/>
+                        </a:rPr>
+                        <a:t>创建指定引用的</a:t>
+                      </a:r>
+                      <a:r>
+                        <a:rPr lang="en-US" altLang="zh-CN" dirty="0">
+                          <a:effectLst/>
+                        </a:rPr>
+                        <a:t>Optional</a:t>
+                      </a:r>
+                      <a:r>
+                        <a:rPr lang="zh-CN" altLang="en-US" dirty="0">
+                          <a:effectLst/>
+                        </a:rPr>
+                        <a:t>实例，若引用为</a:t>
+                      </a:r>
+                      <a:r>
+                        <a:rPr lang="en-US" altLang="zh-CN" dirty="0">
+                          <a:effectLst/>
+                        </a:rPr>
+                        <a:t>null</a:t>
+                      </a:r>
+                      <a:r>
+                        <a:rPr lang="zh-CN" altLang="en-US" dirty="0">
+                          <a:effectLst/>
+                        </a:rPr>
+                        <a:t>则快速失败</a:t>
+                      </a:r>
+                    </a:p>
+                  </a:txBody>
+                  <a:tcPr marL="142875" marR="142875" marT="142875" marB="142875" anchor="ctr">
+                    <a:lnL w="9525" cap="flat" cmpd="sng" algn="ctr">
+                      <a:solidFill>
+                        <a:srgbClr val="CCCCCC"/>
+                      </a:solidFill>
+                      <a:prstDash val="solid"/>
+                      <a:round/>
+                      <a:headEnd type="none" w="med" len="med"/>
+                      <a:tailEnd type="none" w="med" len="med"/>
+                    </a:lnL>
+                    <a:lnR w="9525" cap="flat" cmpd="sng" algn="ctr">
+                      <a:solidFill>
+                        <a:srgbClr val="CCCCCC"/>
+                      </a:solidFill>
+                      <a:prstDash val="solid"/>
+                      <a:round/>
+                      <a:headEnd type="none" w="med" len="med"/>
+                      <a:tailEnd type="none" w="med" len="med"/>
+                    </a:lnR>
+                    <a:lnT w="9525" cap="flat" cmpd="sng" algn="ctr">
+                      <a:solidFill>
+                        <a:srgbClr val="CCCCCC"/>
+                      </a:solidFill>
+                      <a:prstDash val="solid"/>
+                      <a:round/>
+                      <a:headEnd type="none" w="med" len="med"/>
+                      <a:tailEnd type="none" w="med" len="med"/>
+                    </a:lnT>
+                    <a:lnB w="9525" cap="flat" cmpd="sng" algn="ctr">
+                      <a:solidFill>
+                        <a:srgbClr val="CCCCCC"/>
+                      </a:solidFill>
+                      <a:prstDash val="solid"/>
+                      <a:round/>
+                      <a:headEnd type="none" w="med" len="med"/>
+                      <a:tailEnd type="none" w="med" len="med"/>
+                    </a:lnB>
+                  </a:tcPr>
+                </a:tc>
+              </a:tr>
+              <a:tr h="0">
+                <a:tc>
+                  <a:txBody>
+                    <a:bodyPr/>
+                    <a:lstStyle/>
+                    <a:p>
+                      <a:r>
+                        <a:rPr lang="en-US" u="sng">
+                          <a:solidFill>
+                            <a:srgbClr val="00A19E"/>
+                          </a:solidFill>
+                          <a:effectLst/>
+                          <a:hlinkClick r:id="rId3"/>
+                        </a:rPr>
+                        <a:t>Optional.absent()</a:t>
+                      </a:r>
+                      <a:endParaRPr lang="en-US">
+                        <a:effectLst/>
+                      </a:endParaRPr>
+                    </a:p>
+                  </a:txBody>
+                  <a:tcPr marL="142875" marR="142875" marT="142875" marB="142875" anchor="ctr">
+                    <a:lnL w="9525" cap="flat" cmpd="sng" algn="ctr">
+                      <a:solidFill>
+                        <a:srgbClr val="CCCCCC"/>
+                      </a:solidFill>
+                      <a:prstDash val="solid"/>
+                      <a:round/>
+                      <a:headEnd type="none" w="med" len="med"/>
+                      <a:tailEnd type="none" w="med" len="med"/>
+                    </a:lnL>
+                    <a:lnR w="9525" cap="flat" cmpd="sng" algn="ctr">
+                      <a:solidFill>
+                        <a:srgbClr val="CCCCCC"/>
+                      </a:solidFill>
+                      <a:prstDash val="solid"/>
+                      <a:round/>
+                      <a:headEnd type="none" w="med" len="med"/>
+                      <a:tailEnd type="none" w="med" len="med"/>
+                    </a:lnR>
+                    <a:lnT w="9525" cap="flat" cmpd="sng" algn="ctr">
+                      <a:solidFill>
+                        <a:srgbClr val="CCCCCC"/>
+                      </a:solidFill>
+                      <a:prstDash val="solid"/>
+                      <a:round/>
+                      <a:headEnd type="none" w="med" len="med"/>
+                      <a:tailEnd type="none" w="med" len="med"/>
+                    </a:lnT>
+                    <a:lnB w="9525" cap="flat" cmpd="sng" algn="ctr">
+                      <a:solidFill>
+                        <a:srgbClr val="CCCCCC"/>
+                      </a:solidFill>
+                      <a:prstDash val="solid"/>
+                      <a:round/>
+                      <a:headEnd type="none" w="med" len="med"/>
+                      <a:tailEnd type="none" w="med" len="med"/>
+                    </a:lnB>
+                  </a:tcPr>
+                </a:tc>
+                <a:tc>
+                  <a:txBody>
+                    <a:bodyPr/>
+                    <a:lstStyle/>
+                    <a:p>
+                      <a:r>
+                        <a:rPr lang="zh-CN" altLang="en-US">
+                          <a:effectLst/>
+                        </a:rPr>
+                        <a:t>创建引用缺失的</a:t>
+                      </a:r>
+                      <a:r>
+                        <a:rPr lang="en-US">
+                          <a:effectLst/>
+                        </a:rPr>
+                        <a:t>Optional</a:t>
+                      </a:r>
+                      <a:r>
+                        <a:rPr lang="zh-CN" altLang="en-US">
+                          <a:effectLst/>
+                        </a:rPr>
+                        <a:t>实例</a:t>
+                      </a:r>
+                    </a:p>
+                  </a:txBody>
+                  <a:tcPr marL="142875" marR="142875" marT="142875" marB="142875" anchor="ctr">
+                    <a:lnL w="9525" cap="flat" cmpd="sng" algn="ctr">
+                      <a:solidFill>
+                        <a:srgbClr val="CCCCCC"/>
+                      </a:solidFill>
+                      <a:prstDash val="solid"/>
+                      <a:round/>
+                      <a:headEnd type="none" w="med" len="med"/>
+                      <a:tailEnd type="none" w="med" len="med"/>
+                    </a:lnL>
+                    <a:lnR w="9525" cap="flat" cmpd="sng" algn="ctr">
+                      <a:solidFill>
+                        <a:srgbClr val="CCCCCC"/>
+                      </a:solidFill>
+                      <a:prstDash val="solid"/>
+                      <a:round/>
+                      <a:headEnd type="none" w="med" len="med"/>
+                      <a:tailEnd type="none" w="med" len="med"/>
+                    </a:lnR>
+                    <a:lnT w="9525" cap="flat" cmpd="sng" algn="ctr">
+                      <a:solidFill>
+                        <a:srgbClr val="CCCCCC"/>
+                      </a:solidFill>
+                      <a:prstDash val="solid"/>
+                      <a:round/>
+                      <a:headEnd type="none" w="med" len="med"/>
+                      <a:tailEnd type="none" w="med" len="med"/>
+                    </a:lnT>
+                    <a:lnB w="9525" cap="flat" cmpd="sng" algn="ctr">
+                      <a:solidFill>
+                        <a:srgbClr val="CCCCCC"/>
+                      </a:solidFill>
+                      <a:prstDash val="solid"/>
+                      <a:round/>
+                      <a:headEnd type="none" w="med" len="med"/>
+                      <a:tailEnd type="none" w="med" len="med"/>
+                    </a:lnB>
+                  </a:tcPr>
+                </a:tc>
+              </a:tr>
+              <a:tr h="0">
+                <a:tc>
+                  <a:txBody>
+                    <a:bodyPr/>
+                    <a:lstStyle/>
+                    <a:p>
+                      <a:r>
+                        <a:rPr lang="en-US" u="sng">
+                          <a:solidFill>
+                            <a:srgbClr val="00A19E"/>
+                          </a:solidFill>
+                          <a:effectLst/>
+                          <a:hlinkClick r:id="rId4"/>
+                        </a:rPr>
+                        <a:t>Optional.fromNullable(T)</a:t>
+                      </a:r>
+                      <a:endParaRPr lang="en-US">
+                        <a:effectLst/>
+                      </a:endParaRPr>
+                    </a:p>
+                  </a:txBody>
+                  <a:tcPr marL="142875" marR="142875" marT="142875" marB="142875" anchor="ctr">
+                    <a:lnL w="9525" cap="flat" cmpd="sng" algn="ctr">
+                      <a:solidFill>
+                        <a:srgbClr val="CCCCCC"/>
+                      </a:solidFill>
+                      <a:prstDash val="solid"/>
+                      <a:round/>
+                      <a:headEnd type="none" w="med" len="med"/>
+                      <a:tailEnd type="none" w="med" len="med"/>
+                    </a:lnL>
+                    <a:lnR w="9525" cap="flat" cmpd="sng" algn="ctr">
+                      <a:solidFill>
+                        <a:srgbClr val="CCCCCC"/>
+                      </a:solidFill>
+                      <a:prstDash val="solid"/>
+                      <a:round/>
+                      <a:headEnd type="none" w="med" len="med"/>
+                      <a:tailEnd type="none" w="med" len="med"/>
+                    </a:lnR>
+                    <a:lnT w="9525" cap="flat" cmpd="sng" algn="ctr">
+                      <a:solidFill>
+                        <a:srgbClr val="CCCCCC"/>
+                      </a:solidFill>
+                      <a:prstDash val="solid"/>
+                      <a:round/>
+                      <a:headEnd type="none" w="med" len="med"/>
+                      <a:tailEnd type="none" w="med" len="med"/>
+                    </a:lnT>
+                    <a:lnB w="9525" cap="flat" cmpd="sng" algn="ctr">
+                      <a:solidFill>
+                        <a:srgbClr val="CCCCCC"/>
+                      </a:solidFill>
+                      <a:prstDash val="solid"/>
+                      <a:round/>
+                      <a:headEnd type="none" w="med" len="med"/>
+                      <a:tailEnd type="none" w="med" len="med"/>
+                    </a:lnB>
+                  </a:tcPr>
+                </a:tc>
+                <a:tc>
+                  <a:txBody>
+                    <a:bodyPr/>
+                    <a:lstStyle/>
+                    <a:p>
+                      <a:r>
+                        <a:rPr lang="zh-CN" altLang="en-US" dirty="0">
+                          <a:effectLst/>
+                        </a:rPr>
+                        <a:t>创建指定引用的</a:t>
+                      </a:r>
+                      <a:r>
+                        <a:rPr lang="en-US" altLang="zh-CN" dirty="0">
+                          <a:effectLst/>
+                        </a:rPr>
+                        <a:t>Optional</a:t>
+                      </a:r>
+                      <a:r>
+                        <a:rPr lang="zh-CN" altLang="en-US" dirty="0">
+                          <a:effectLst/>
+                        </a:rPr>
+                        <a:t>实例，若引用为</a:t>
+                      </a:r>
+                      <a:r>
+                        <a:rPr lang="en-US" altLang="zh-CN" dirty="0">
+                          <a:effectLst/>
+                        </a:rPr>
+                        <a:t>null</a:t>
+                      </a:r>
+                      <a:r>
+                        <a:rPr lang="zh-CN" altLang="en-US" dirty="0">
+                          <a:effectLst/>
+                        </a:rPr>
+                        <a:t>则表示缺失</a:t>
+                      </a:r>
+                    </a:p>
+                  </a:txBody>
+                  <a:tcPr marL="142875" marR="142875" marT="142875" marB="142875" anchor="ctr">
+                    <a:lnL w="9525" cap="flat" cmpd="sng" algn="ctr">
+                      <a:solidFill>
+                        <a:srgbClr val="CCCCCC"/>
+                      </a:solidFill>
+                      <a:prstDash val="solid"/>
+                      <a:round/>
+                      <a:headEnd type="none" w="med" len="med"/>
+                      <a:tailEnd type="none" w="med" len="med"/>
+                    </a:lnL>
+                    <a:lnR w="9525" cap="flat" cmpd="sng" algn="ctr">
+                      <a:solidFill>
+                        <a:srgbClr val="CCCCCC"/>
+                      </a:solidFill>
+                      <a:prstDash val="solid"/>
+                      <a:round/>
+                      <a:headEnd type="none" w="med" len="med"/>
+                      <a:tailEnd type="none" w="med" len="med"/>
+                    </a:lnR>
+                    <a:lnT w="9525" cap="flat" cmpd="sng" algn="ctr">
+                      <a:solidFill>
+                        <a:srgbClr val="CCCCCC"/>
+                      </a:solidFill>
+                      <a:prstDash val="solid"/>
+                      <a:round/>
+                      <a:headEnd type="none" w="med" len="med"/>
+                      <a:tailEnd type="none" w="med" len="med"/>
+                    </a:lnT>
+                    <a:lnB w="9525" cap="flat" cmpd="sng" algn="ctr">
+                      <a:solidFill>
+                        <a:srgbClr val="CCCCCC"/>
+                      </a:solidFill>
+                      <a:prstDash val="solid"/>
+                      <a:round/>
+                      <a:headEnd type="none" w="med" len="med"/>
+                      <a:tailEnd type="none" w="med" len="med"/>
+                    </a:lnB>
+                  </a:tcPr>
+                </a:tc>
+              </a:tr>
+            </a:tbl>
+          </a:graphicData>
+        </a:graphic>
+      </p:graphicFrame>
+    </p:spTree>
+    <p:extLst>
+      <p:ext uri="{BB962C8B-B14F-4D97-AF65-F5344CB8AC3E}">
+        <p14:creationId xmlns:p14="http://schemas.microsoft.com/office/powerpoint/2010/main" val="1429489270"/>
+      </p:ext>
+    </p:extLst>
+  </p:cSld>
+  <p:clrMapOvr>
+    <a:masterClrMapping/>
+  </p:clrMapOvr>
+  <p:timing>
+    <p:tnLst>
+      <p:par>
+        <p:cTn id="1" dur="indefinite" restart="never" nodeType="tmRoot"/>
+      </p:par>
+    </p:tnLst>
+  </p:timing>
+</p:sld>
+</file>
+
+<file path=ppt/slides/slide6.xml><?xml version="1.0" encoding="utf-8"?>
+<p:sld xmlns:a="http://schemas.openxmlformats.org/drawingml/2006/main" xmlns:r="http://schemas.openxmlformats.org/officeDocument/2006/relationships" xmlns:p="http://schemas.openxmlformats.org/presentationml/2006/main">
+  <p:cSld>
+    <p:spTree>
+      <p:nvGrpSpPr>
+        <p:cNvPr id="1" name=""/>
+        <p:cNvGrpSpPr/>
+        <p:nvPr/>
+      </p:nvGrpSpPr>
+      <p:grpSpPr>
+        <a:xfrm>
+          <a:off x="0" y="0"/>
+          <a:ext cx="0" cy="0"/>
+          <a:chOff x="0" y="0"/>
+          <a:chExt cx="0" cy="0"/>
+        </a:xfrm>
+      </p:grpSpPr>
+      <p:sp>
+        <p:nvSpPr>
+          <p:cNvPr id="4" name="TextBox 3"/>
+          <p:cNvSpPr txBox="1"/>
+          <p:nvPr/>
+        </p:nvSpPr>
+        <p:spPr>
+          <a:xfrm>
+            <a:off x="855188" y="1656146"/>
+            <a:ext cx="6040212" cy="369332"/>
+          </a:xfrm>
+          <a:prstGeom prst="rect">
+            <a:avLst/>
+          </a:prstGeom>
+          <a:noFill/>
+        </p:spPr>
+        <p:txBody>
+          <a:bodyPr wrap="square" rtlCol="0">
+            <a:spAutoFit/>
+          </a:bodyPr>
+          <a:lstStyle/>
+          <a:p>
+            <a:r>
+              <a:rPr lang="zh-CN" altLang="en-US" b="1" dirty="0"/>
+              <a:t>用</a:t>
+            </a:r>
+            <a:r>
+              <a:rPr lang="en-US" altLang="zh-CN" b="1" dirty="0"/>
+              <a:t>Optional</a:t>
+            </a:r>
+            <a:r>
+              <a:rPr lang="zh-CN" altLang="en-US" b="1" dirty="0"/>
+              <a:t>实例查询引用（以下都是非静态方法）：</a:t>
+            </a:r>
+            <a:endParaRPr lang="en-US" dirty="0" smtClean="0"/>
+          </a:p>
+        </p:txBody>
+      </p:sp>
+      <p:sp>
+        <p:nvSpPr>
+          <p:cNvPr id="6" name="TextBox 5"/>
+          <p:cNvSpPr txBox="1"/>
+          <p:nvPr/>
+        </p:nvSpPr>
+        <p:spPr bwMode="auto">
+          <a:xfrm>
+            <a:off x="743816" y="457200"/>
+            <a:ext cx="2262158" cy="523220"/>
+          </a:xfrm>
+          <a:prstGeom prst="rect">
+            <a:avLst/>
+          </a:prstGeom>
+          <a:noFill/>
+          <a:ln w="9525">
+            <a:noFill/>
+            <a:miter lim="800000"/>
+            <a:headEnd/>
+            <a:tailEnd/>
+          </a:ln>
+        </p:spPr>
+        <p:txBody>
+          <a:bodyPr wrap="none" rtlCol="0">
+            <a:spAutoFit/>
+          </a:bodyPr>
+          <a:lstStyle/>
+          <a:p>
+            <a:r>
+              <a:rPr lang="en-US" altLang="zh-CN" sz="2800" dirty="0"/>
+              <a:t>Basic </a:t>
+            </a:r>
+            <a:r>
+              <a:rPr lang="en-US" altLang="zh-CN" sz="2800" dirty="0" smtClean="0"/>
+              <a:t>utilities</a:t>
+            </a:r>
+            <a:endParaRPr lang="en-US" altLang="zh-CN" sz="2800" dirty="0"/>
+          </a:p>
+        </p:txBody>
+      </p:sp>
+      <p:sp>
+        <p:nvSpPr>
+          <p:cNvPr id="3" name="TextBox 2"/>
+          <p:cNvSpPr txBox="1"/>
+          <p:nvPr/>
+        </p:nvSpPr>
+        <p:spPr bwMode="auto">
+          <a:xfrm>
+            <a:off x="743816" y="1113034"/>
+            <a:ext cx="7028584" cy="369332"/>
+          </a:xfrm>
+          <a:prstGeom prst="rect">
+            <a:avLst/>
+          </a:prstGeom>
+          <a:noFill/>
+          <a:ln w="9525">
+            <a:noFill/>
+            <a:miter lim="800000"/>
+            <a:headEnd/>
+            <a:tailEnd/>
+          </a:ln>
+        </p:spPr>
+        <p:txBody>
+          <a:bodyPr wrap="square" rtlCol="0">
+            <a:spAutoFit/>
+          </a:bodyPr>
+          <a:lstStyle/>
+          <a:p>
+            <a:r>
+              <a:rPr lang="en-US" altLang="zh-CN" dirty="0" smtClean="0"/>
+              <a:t>Option</a:t>
+            </a:r>
+            <a:endParaRPr lang="zh-CN" altLang="en-US" dirty="0"/>
+          </a:p>
+        </p:txBody>
+      </p:sp>
+      <p:graphicFrame>
+        <p:nvGraphicFramePr>
+          <p:cNvPr id="5" name="表格 4"/>
+          <p:cNvGraphicFramePr>
+            <a:graphicFrameLocks noGrp="1"/>
+          </p:cNvGraphicFramePr>
+          <p:nvPr>
+            <p:extLst>
+              <p:ext uri="{D42A27DB-BD31-4B8C-83A1-F6EECF244321}">
+                <p14:modId xmlns:p14="http://schemas.microsoft.com/office/powerpoint/2010/main" val="2565792928"/>
+              </p:ext>
+            </p:extLst>
+          </p:nvPr>
+        </p:nvGraphicFramePr>
+        <p:xfrm>
+          <a:off x="855188" y="2003707"/>
+          <a:ext cx="7378041" cy="4446270"/>
+        </p:xfrm>
+        <a:graphic>
+          <a:graphicData uri="http://schemas.openxmlformats.org/drawingml/2006/table">
+            <a:tbl>
+              <a:tblPr/>
+              <a:tblGrid>
+                <a:gridCol w="2375778"/>
+                <a:gridCol w="5002263"/>
+              </a:tblGrid>
+              <a:tr h="523060">
+                <a:tc>
+                  <a:txBody>
+                    <a:bodyPr/>
+                    <a:lstStyle/>
+                    <a:p>
+                      <a:r>
+                        <a:rPr lang="en-US" u="sng" dirty="0" err="1">
+                          <a:solidFill>
+                            <a:srgbClr val="00A19E"/>
+                          </a:solidFill>
+                          <a:effectLst/>
+                          <a:hlinkClick r:id="rId2"/>
+                        </a:rPr>
+                        <a:t>boolean</a:t>
+                      </a:r>
+                      <a:r>
+                        <a:rPr lang="en-US" u="sng" dirty="0">
+                          <a:solidFill>
+                            <a:srgbClr val="00A19E"/>
+                          </a:solidFill>
+                          <a:effectLst/>
+                          <a:hlinkClick r:id="rId2"/>
+                        </a:rPr>
+                        <a:t> </a:t>
+                      </a:r>
+                      <a:r>
+                        <a:rPr lang="en-US" u="sng" dirty="0" err="1">
+                          <a:solidFill>
+                            <a:srgbClr val="00A19E"/>
+                          </a:solidFill>
+                          <a:effectLst/>
+                          <a:hlinkClick r:id="rId2"/>
+                        </a:rPr>
+                        <a:t>isPresent</a:t>
+                      </a:r>
+                      <a:r>
+                        <a:rPr lang="en-US" u="sng" dirty="0">
+                          <a:solidFill>
+                            <a:srgbClr val="00A19E"/>
+                          </a:solidFill>
+                          <a:effectLst/>
+                          <a:hlinkClick r:id="rId2"/>
+                        </a:rPr>
+                        <a:t>()</a:t>
+                      </a:r>
+                      <a:endParaRPr lang="en-US" dirty="0">
+                        <a:effectLst/>
+                      </a:endParaRPr>
+                    </a:p>
+                  </a:txBody>
+                  <a:tcPr marL="142875" marR="142875" marT="142875" marB="142875" anchor="ctr">
+                    <a:lnL w="9525" cap="flat" cmpd="sng" algn="ctr">
+                      <a:solidFill>
+                        <a:srgbClr val="CCCCCC"/>
+                      </a:solidFill>
+                      <a:prstDash val="solid"/>
+                      <a:round/>
+                      <a:headEnd type="none" w="med" len="med"/>
+                      <a:tailEnd type="none" w="med" len="med"/>
+                    </a:lnL>
+                    <a:lnR w="9525" cap="flat" cmpd="sng" algn="ctr">
+                      <a:solidFill>
+                        <a:srgbClr val="CCCCCC"/>
+                      </a:solidFill>
+                      <a:prstDash val="solid"/>
+                      <a:round/>
+                      <a:headEnd type="none" w="med" len="med"/>
+                      <a:tailEnd type="none" w="med" len="med"/>
+                    </a:lnR>
+                    <a:lnT w="9525" cap="flat" cmpd="sng" algn="ctr">
+                      <a:solidFill>
+                        <a:srgbClr val="CCCCCC"/>
+                      </a:solidFill>
+                      <a:prstDash val="solid"/>
+                      <a:round/>
+                      <a:headEnd type="none" w="med" len="med"/>
+                      <a:tailEnd type="none" w="med" len="med"/>
+                    </a:lnT>
+                    <a:lnB w="9525" cap="flat" cmpd="sng" algn="ctr">
+                      <a:solidFill>
+                        <a:srgbClr val="CCCCCC"/>
+                      </a:solidFill>
+                      <a:prstDash val="solid"/>
+                      <a:round/>
+                      <a:headEnd type="none" w="med" len="med"/>
+                      <a:tailEnd type="none" w="med" len="med"/>
+                    </a:lnB>
+                  </a:tcPr>
+                </a:tc>
+                <a:tc>
+                  <a:txBody>
+                    <a:bodyPr/>
+                    <a:lstStyle/>
+                    <a:p>
+                      <a:r>
+                        <a:rPr lang="zh-CN" altLang="en-US" dirty="0">
+                          <a:effectLst/>
+                        </a:rPr>
+                        <a:t>如果</a:t>
+                      </a:r>
+                      <a:r>
+                        <a:rPr lang="en-US" dirty="0">
+                          <a:effectLst/>
+                        </a:rPr>
+                        <a:t>Optional</a:t>
+                      </a:r>
+                      <a:r>
+                        <a:rPr lang="zh-CN" altLang="en-US" dirty="0">
+                          <a:effectLst/>
+                        </a:rPr>
+                        <a:t>包含非</a:t>
+                      </a:r>
+                      <a:r>
+                        <a:rPr lang="en-US" dirty="0">
+                          <a:effectLst/>
+                        </a:rPr>
+                        <a:t>null</a:t>
+                      </a:r>
+                      <a:r>
+                        <a:rPr lang="zh-CN" altLang="en-US" dirty="0">
+                          <a:effectLst/>
+                        </a:rPr>
+                        <a:t>的引用（引用存在），返回</a:t>
+                      </a:r>
+                      <a:r>
+                        <a:rPr lang="en-US" dirty="0">
+                          <a:effectLst/>
+                        </a:rPr>
+                        <a:t>true</a:t>
+                      </a:r>
+                    </a:p>
+                  </a:txBody>
+                  <a:tcPr marL="142875" marR="142875" marT="142875" marB="142875" anchor="ctr">
+                    <a:lnL w="9525" cap="flat" cmpd="sng" algn="ctr">
+                      <a:solidFill>
+                        <a:srgbClr val="CCCCCC"/>
+                      </a:solidFill>
+                      <a:prstDash val="solid"/>
+                      <a:round/>
+                      <a:headEnd type="none" w="med" len="med"/>
+                      <a:tailEnd type="none" w="med" len="med"/>
+                    </a:lnL>
+                    <a:lnR w="9525" cap="flat" cmpd="sng" algn="ctr">
+                      <a:solidFill>
+                        <a:srgbClr val="CCCCCC"/>
+                      </a:solidFill>
+                      <a:prstDash val="solid"/>
+                      <a:round/>
+                      <a:headEnd type="none" w="med" len="med"/>
+                      <a:tailEnd type="none" w="med" len="med"/>
+                    </a:lnR>
+                    <a:lnT w="9525" cap="flat" cmpd="sng" algn="ctr">
+                      <a:solidFill>
+                        <a:srgbClr val="CCCCCC"/>
+                      </a:solidFill>
+                      <a:prstDash val="solid"/>
+                      <a:round/>
+                      <a:headEnd type="none" w="med" len="med"/>
+                      <a:tailEnd type="none" w="med" len="med"/>
+                    </a:lnT>
+                    <a:lnB w="9525" cap="flat" cmpd="sng" algn="ctr">
+                      <a:solidFill>
+                        <a:srgbClr val="CCCCCC"/>
+                      </a:solidFill>
+                      <a:prstDash val="solid"/>
+                      <a:round/>
+                      <a:headEnd type="none" w="med" len="med"/>
+                      <a:tailEnd type="none" w="med" len="med"/>
+                    </a:lnB>
+                  </a:tcPr>
+                </a:tc>
+              </a:tr>
+              <a:tr h="523060">
+                <a:tc>
+                  <a:txBody>
+                    <a:bodyPr/>
+                    <a:lstStyle/>
+                    <a:p>
+                      <a:r>
+                        <a:rPr lang="en-US" u="sng" dirty="0">
+                          <a:solidFill>
+                            <a:srgbClr val="00A19E"/>
+                          </a:solidFill>
+                          <a:effectLst/>
+                          <a:hlinkClick r:id="rId3"/>
+                        </a:rPr>
+                        <a:t>T get()</a:t>
+                      </a:r>
+                      <a:endParaRPr lang="en-US" dirty="0">
+                        <a:effectLst/>
+                      </a:endParaRPr>
+                    </a:p>
+                  </a:txBody>
+                  <a:tcPr marL="142875" marR="142875" marT="142875" marB="142875" anchor="ctr">
+                    <a:lnL w="9525" cap="flat" cmpd="sng" algn="ctr">
+                      <a:solidFill>
+                        <a:srgbClr val="CCCCCC"/>
+                      </a:solidFill>
+                      <a:prstDash val="solid"/>
+                      <a:round/>
+                      <a:headEnd type="none" w="med" len="med"/>
+                      <a:tailEnd type="none" w="med" len="med"/>
+                    </a:lnL>
+                    <a:lnR w="9525" cap="flat" cmpd="sng" algn="ctr">
+                      <a:solidFill>
+                        <a:srgbClr val="CCCCCC"/>
+                      </a:solidFill>
+                      <a:prstDash val="solid"/>
+                      <a:round/>
+                      <a:headEnd type="none" w="med" len="med"/>
+                      <a:tailEnd type="none" w="med" len="med"/>
+                    </a:lnR>
+                    <a:lnT w="9525" cap="flat" cmpd="sng" algn="ctr">
+                      <a:solidFill>
+                        <a:srgbClr val="CCCCCC"/>
+                      </a:solidFill>
+                      <a:prstDash val="solid"/>
+                      <a:round/>
+                      <a:headEnd type="none" w="med" len="med"/>
+                      <a:tailEnd type="none" w="med" len="med"/>
+                    </a:lnT>
+                    <a:lnB w="9525" cap="flat" cmpd="sng" algn="ctr">
+                      <a:solidFill>
+                        <a:srgbClr val="CCCCCC"/>
+                      </a:solidFill>
+                      <a:prstDash val="solid"/>
+                      <a:round/>
+                      <a:headEnd type="none" w="med" len="med"/>
+                      <a:tailEnd type="none" w="med" len="med"/>
+                    </a:lnB>
+                  </a:tcPr>
+                </a:tc>
+                <a:tc>
+                  <a:txBody>
+                    <a:bodyPr/>
+                    <a:lstStyle/>
+                    <a:p>
+                      <a:r>
+                        <a:rPr lang="zh-CN" altLang="en-US" dirty="0">
+                          <a:effectLst/>
+                        </a:rPr>
+                        <a:t>返回</a:t>
+                      </a:r>
+                      <a:r>
+                        <a:rPr lang="en-US" dirty="0">
+                          <a:effectLst/>
+                        </a:rPr>
+                        <a:t>Optional</a:t>
+                      </a:r>
+                      <a:r>
+                        <a:rPr lang="zh-CN" altLang="en-US" dirty="0">
+                          <a:effectLst/>
+                        </a:rPr>
+                        <a:t>所包含的引用，若引用缺失，则抛出</a:t>
+                      </a:r>
+                      <a:r>
+                        <a:rPr lang="en-US" dirty="0" err="1">
+                          <a:effectLst/>
+                        </a:rPr>
+                        <a:t>java.lang.IllegalStateException</a:t>
+                      </a:r>
+                      <a:endParaRPr lang="en-US" dirty="0">
+                        <a:effectLst/>
+                      </a:endParaRPr>
+                    </a:p>
+                  </a:txBody>
+                  <a:tcPr marL="142875" marR="142875" marT="142875" marB="142875" anchor="ctr">
+                    <a:lnL w="9525" cap="flat" cmpd="sng" algn="ctr">
+                      <a:solidFill>
+                        <a:srgbClr val="CCCCCC"/>
+                      </a:solidFill>
+                      <a:prstDash val="solid"/>
+                      <a:round/>
+                      <a:headEnd type="none" w="med" len="med"/>
+                      <a:tailEnd type="none" w="med" len="med"/>
+                    </a:lnL>
+                    <a:lnR w="9525" cap="flat" cmpd="sng" algn="ctr">
+                      <a:solidFill>
+                        <a:srgbClr val="CCCCCC"/>
+                      </a:solidFill>
+                      <a:prstDash val="solid"/>
+                      <a:round/>
+                      <a:headEnd type="none" w="med" len="med"/>
+                      <a:tailEnd type="none" w="med" len="med"/>
+                    </a:lnR>
+                    <a:lnT w="9525" cap="flat" cmpd="sng" algn="ctr">
+                      <a:solidFill>
+                        <a:srgbClr val="CCCCCC"/>
+                      </a:solidFill>
+                      <a:prstDash val="solid"/>
+                      <a:round/>
+                      <a:headEnd type="none" w="med" len="med"/>
+                      <a:tailEnd type="none" w="med" len="med"/>
+                    </a:lnT>
+                    <a:lnB w="9525" cap="flat" cmpd="sng" algn="ctr">
+                      <a:solidFill>
+                        <a:srgbClr val="CCCCCC"/>
+                      </a:solidFill>
+                      <a:prstDash val="solid"/>
+                      <a:round/>
+                      <a:headEnd type="none" w="med" len="med"/>
+                      <a:tailEnd type="none" w="med" len="med"/>
+                    </a:lnB>
+                  </a:tcPr>
+                </a:tc>
+              </a:tr>
+              <a:tr h="523060">
+                <a:tc>
+                  <a:txBody>
+                    <a:bodyPr/>
+                    <a:lstStyle/>
+                    <a:p>
+                      <a:r>
+                        <a:rPr lang="en-US" u="sng">
+                          <a:solidFill>
+                            <a:srgbClr val="00A19E"/>
+                          </a:solidFill>
+                          <a:effectLst/>
+                          <a:hlinkClick r:id="rId4"/>
+                        </a:rPr>
+                        <a:t>T or(T)</a:t>
+                      </a:r>
+                      <a:endParaRPr lang="en-US">
+                        <a:effectLst/>
+                      </a:endParaRPr>
+                    </a:p>
+                  </a:txBody>
+                  <a:tcPr marL="142875" marR="142875" marT="142875" marB="142875" anchor="ctr">
+                    <a:lnL w="9525" cap="flat" cmpd="sng" algn="ctr">
+                      <a:solidFill>
+                        <a:srgbClr val="CCCCCC"/>
+                      </a:solidFill>
+                      <a:prstDash val="solid"/>
+                      <a:round/>
+                      <a:headEnd type="none" w="med" len="med"/>
+                      <a:tailEnd type="none" w="med" len="med"/>
+                    </a:lnL>
+                    <a:lnR w="9525" cap="flat" cmpd="sng" algn="ctr">
+                      <a:solidFill>
+                        <a:srgbClr val="CCCCCC"/>
+                      </a:solidFill>
+                      <a:prstDash val="solid"/>
+                      <a:round/>
+                      <a:headEnd type="none" w="med" len="med"/>
+                      <a:tailEnd type="none" w="med" len="med"/>
+                    </a:lnR>
+                    <a:lnT w="9525" cap="flat" cmpd="sng" algn="ctr">
+                      <a:solidFill>
+                        <a:srgbClr val="CCCCCC"/>
+                      </a:solidFill>
+                      <a:prstDash val="solid"/>
+                      <a:round/>
+                      <a:headEnd type="none" w="med" len="med"/>
+                      <a:tailEnd type="none" w="med" len="med"/>
+                    </a:lnT>
+                    <a:lnB w="9525" cap="flat" cmpd="sng" algn="ctr">
+                      <a:solidFill>
+                        <a:srgbClr val="CCCCCC"/>
+                      </a:solidFill>
+                      <a:prstDash val="solid"/>
+                      <a:round/>
+                      <a:headEnd type="none" w="med" len="med"/>
+                      <a:tailEnd type="none" w="med" len="med"/>
+                    </a:lnB>
+                  </a:tcPr>
+                </a:tc>
+                <a:tc>
+                  <a:txBody>
+                    <a:bodyPr/>
+                    <a:lstStyle/>
+                    <a:p>
+                      <a:r>
+                        <a:rPr lang="zh-CN" altLang="en-US">
+                          <a:effectLst/>
+                        </a:rPr>
+                        <a:t>返回</a:t>
+                      </a:r>
+                      <a:r>
+                        <a:rPr lang="en-US">
+                          <a:effectLst/>
+                        </a:rPr>
+                        <a:t>Optional</a:t>
+                      </a:r>
+                      <a:r>
+                        <a:rPr lang="zh-CN" altLang="en-US">
+                          <a:effectLst/>
+                        </a:rPr>
+                        <a:t>所包含的引用，若引用缺失，返回指定的值</a:t>
+                      </a:r>
+                    </a:p>
+                  </a:txBody>
+                  <a:tcPr marL="142875" marR="142875" marT="142875" marB="142875" anchor="ctr">
+                    <a:lnL w="9525" cap="flat" cmpd="sng" algn="ctr">
+                      <a:solidFill>
+                        <a:srgbClr val="CCCCCC"/>
+                      </a:solidFill>
+                      <a:prstDash val="solid"/>
+                      <a:round/>
+                      <a:headEnd type="none" w="med" len="med"/>
+                      <a:tailEnd type="none" w="med" len="med"/>
+                    </a:lnL>
+                    <a:lnR w="9525" cap="flat" cmpd="sng" algn="ctr">
+                      <a:solidFill>
+                        <a:srgbClr val="CCCCCC"/>
+                      </a:solidFill>
+                      <a:prstDash val="solid"/>
+                      <a:round/>
+                      <a:headEnd type="none" w="med" len="med"/>
+                      <a:tailEnd type="none" w="med" len="med"/>
+                    </a:lnR>
+                    <a:lnT w="9525" cap="flat" cmpd="sng" algn="ctr">
+                      <a:solidFill>
+                        <a:srgbClr val="CCCCCC"/>
+                      </a:solidFill>
+                      <a:prstDash val="solid"/>
+                      <a:round/>
+                      <a:headEnd type="none" w="med" len="med"/>
+                      <a:tailEnd type="none" w="med" len="med"/>
+                    </a:lnT>
+                    <a:lnB w="9525" cap="flat" cmpd="sng" algn="ctr">
+                      <a:solidFill>
+                        <a:srgbClr val="CCCCCC"/>
+                      </a:solidFill>
+                      <a:prstDash val="solid"/>
+                      <a:round/>
+                      <a:headEnd type="none" w="med" len="med"/>
+                      <a:tailEnd type="none" w="med" len="med"/>
+                    </a:lnB>
+                  </a:tcPr>
+                </a:tc>
+              </a:tr>
+              <a:tr h="523060">
+                <a:tc>
+                  <a:txBody>
+                    <a:bodyPr/>
+                    <a:lstStyle/>
+                    <a:p>
+                      <a:r>
+                        <a:rPr lang="en-US" u="sng">
+                          <a:solidFill>
+                            <a:srgbClr val="00A19E"/>
+                          </a:solidFill>
+                          <a:effectLst/>
+                          <a:hlinkClick r:id="rId5"/>
+                        </a:rPr>
+                        <a:t>T orNull()</a:t>
+                      </a:r>
+                      <a:endParaRPr lang="en-US">
+                        <a:effectLst/>
+                      </a:endParaRPr>
+                    </a:p>
+                  </a:txBody>
+                  <a:tcPr marL="142875" marR="142875" marT="142875" marB="142875" anchor="ctr">
+                    <a:lnL w="9525" cap="flat" cmpd="sng" algn="ctr">
+                      <a:solidFill>
+                        <a:srgbClr val="CCCCCC"/>
+                      </a:solidFill>
+                      <a:prstDash val="solid"/>
+                      <a:round/>
+                      <a:headEnd type="none" w="med" len="med"/>
+                      <a:tailEnd type="none" w="med" len="med"/>
+                    </a:lnL>
+                    <a:lnR w="9525" cap="flat" cmpd="sng" algn="ctr">
+                      <a:solidFill>
+                        <a:srgbClr val="CCCCCC"/>
+                      </a:solidFill>
+                      <a:prstDash val="solid"/>
+                      <a:round/>
+                      <a:headEnd type="none" w="med" len="med"/>
+                      <a:tailEnd type="none" w="med" len="med"/>
+                    </a:lnR>
+                    <a:lnT w="9525" cap="flat" cmpd="sng" algn="ctr">
+                      <a:solidFill>
+                        <a:srgbClr val="CCCCCC"/>
+                      </a:solidFill>
+                      <a:prstDash val="solid"/>
+                      <a:round/>
+                      <a:headEnd type="none" w="med" len="med"/>
+                      <a:tailEnd type="none" w="med" len="med"/>
+                    </a:lnT>
+                    <a:lnB w="9525" cap="flat" cmpd="sng" algn="ctr">
+                      <a:solidFill>
+                        <a:srgbClr val="CCCCCC"/>
+                      </a:solidFill>
+                      <a:prstDash val="solid"/>
+                      <a:round/>
+                      <a:headEnd type="none" w="med" len="med"/>
+                      <a:tailEnd type="none" w="med" len="med"/>
+                    </a:lnB>
+                  </a:tcPr>
+                </a:tc>
+                <a:tc>
+                  <a:txBody>
+                    <a:bodyPr/>
+                    <a:lstStyle/>
+                    <a:p>
+                      <a:r>
+                        <a:rPr lang="zh-CN" altLang="en-US" dirty="0">
+                          <a:effectLst/>
+                        </a:rPr>
+                        <a:t>返回</a:t>
+                      </a:r>
+                      <a:r>
+                        <a:rPr lang="en-US" dirty="0">
+                          <a:effectLst/>
+                        </a:rPr>
+                        <a:t>Optional</a:t>
+                      </a:r>
+                      <a:r>
+                        <a:rPr lang="zh-CN" altLang="en-US" dirty="0">
+                          <a:effectLst/>
+                        </a:rPr>
+                        <a:t>所包含的引用，若引用缺失，返回</a:t>
+                      </a:r>
+                      <a:r>
+                        <a:rPr lang="en-US" dirty="0">
+                          <a:effectLst/>
+                        </a:rPr>
+                        <a:t>null</a:t>
+                      </a:r>
+                    </a:p>
+                  </a:txBody>
+                  <a:tcPr marL="142875" marR="142875" marT="142875" marB="142875" anchor="ctr">
+                    <a:lnL w="9525" cap="flat" cmpd="sng" algn="ctr">
+                      <a:solidFill>
+                        <a:srgbClr val="CCCCCC"/>
+                      </a:solidFill>
+                      <a:prstDash val="solid"/>
+                      <a:round/>
+                      <a:headEnd type="none" w="med" len="med"/>
+                      <a:tailEnd type="none" w="med" len="med"/>
+                    </a:lnL>
+                    <a:lnR w="9525" cap="flat" cmpd="sng" algn="ctr">
+                      <a:solidFill>
+                        <a:srgbClr val="CCCCCC"/>
+                      </a:solidFill>
+                      <a:prstDash val="solid"/>
+                      <a:round/>
+                      <a:headEnd type="none" w="med" len="med"/>
+                      <a:tailEnd type="none" w="med" len="med"/>
+                    </a:lnR>
+                    <a:lnT w="9525" cap="flat" cmpd="sng" algn="ctr">
+                      <a:solidFill>
+                        <a:srgbClr val="CCCCCC"/>
+                      </a:solidFill>
+                      <a:prstDash val="solid"/>
+                      <a:round/>
+                      <a:headEnd type="none" w="med" len="med"/>
+                      <a:tailEnd type="none" w="med" len="med"/>
+                    </a:lnT>
+                    <a:lnB w="9525" cap="flat" cmpd="sng" algn="ctr">
+                      <a:solidFill>
+                        <a:srgbClr val="CCCCCC"/>
+                      </a:solidFill>
+                      <a:prstDash val="solid"/>
+                      <a:round/>
+                      <a:headEnd type="none" w="med" len="med"/>
+                      <a:tailEnd type="none" w="med" len="med"/>
+                    </a:lnB>
+                  </a:tcPr>
+                </a:tc>
+              </a:tr>
+              <a:tr h="695025">
+                <a:tc>
+                  <a:txBody>
+                    <a:bodyPr/>
+                    <a:lstStyle/>
+                    <a:p>
+                      <a:r>
+                        <a:rPr lang="en-US" u="sng" dirty="0">
+                          <a:solidFill>
+                            <a:srgbClr val="00A19E"/>
+                          </a:solidFill>
+                          <a:effectLst/>
+                          <a:hlinkClick r:id="rId6"/>
+                        </a:rPr>
+                        <a:t>Set&lt;T&gt; </a:t>
+                      </a:r>
+                      <a:r>
+                        <a:rPr lang="en-US" u="sng" dirty="0" err="1">
+                          <a:solidFill>
+                            <a:srgbClr val="00A19E"/>
+                          </a:solidFill>
+                          <a:effectLst/>
+                          <a:hlinkClick r:id="rId6"/>
+                        </a:rPr>
+                        <a:t>asSet</a:t>
+                      </a:r>
+                      <a:r>
+                        <a:rPr lang="en-US" u="sng" dirty="0">
+                          <a:solidFill>
+                            <a:srgbClr val="00A19E"/>
+                          </a:solidFill>
+                          <a:effectLst/>
+                          <a:hlinkClick r:id="rId6"/>
+                        </a:rPr>
+                        <a:t>()</a:t>
+                      </a:r>
+                      <a:endParaRPr lang="en-US" dirty="0">
+                        <a:effectLst/>
+                      </a:endParaRPr>
+                    </a:p>
+                  </a:txBody>
+                  <a:tcPr marL="142875" marR="142875" marT="142875" marB="142875" anchor="ctr">
+                    <a:lnL w="9525" cap="flat" cmpd="sng" algn="ctr">
+                      <a:solidFill>
+                        <a:srgbClr val="CCCCCC"/>
+                      </a:solidFill>
+                      <a:prstDash val="solid"/>
+                      <a:round/>
+                      <a:headEnd type="none" w="med" len="med"/>
+                      <a:tailEnd type="none" w="med" len="med"/>
+                    </a:lnL>
+                    <a:lnR w="9525" cap="flat" cmpd="sng" algn="ctr">
+                      <a:solidFill>
+                        <a:srgbClr val="CCCCCC"/>
+                      </a:solidFill>
+                      <a:prstDash val="solid"/>
+                      <a:round/>
+                      <a:headEnd type="none" w="med" len="med"/>
+                      <a:tailEnd type="none" w="med" len="med"/>
+                    </a:lnR>
+                    <a:lnT w="9525" cap="flat" cmpd="sng" algn="ctr">
+                      <a:solidFill>
+                        <a:srgbClr val="CCCCCC"/>
+                      </a:solidFill>
+                      <a:prstDash val="solid"/>
+                      <a:round/>
+                      <a:headEnd type="none" w="med" len="med"/>
+                      <a:tailEnd type="none" w="med" len="med"/>
+                    </a:lnT>
+                    <a:lnB w="9525" cap="flat" cmpd="sng" algn="ctr">
+                      <a:solidFill>
+                        <a:srgbClr val="CCCCCC"/>
+                      </a:solidFill>
+                      <a:prstDash val="solid"/>
+                      <a:round/>
+                      <a:headEnd type="none" w="med" len="med"/>
+                      <a:tailEnd type="none" w="med" len="med"/>
+                    </a:lnB>
+                  </a:tcPr>
+                </a:tc>
+                <a:tc>
+                  <a:txBody>
+                    <a:bodyPr/>
+                    <a:lstStyle/>
+                    <a:p>
+                      <a:r>
+                        <a:rPr lang="zh-CN" altLang="en-US" dirty="0">
+                          <a:effectLst/>
+                        </a:rPr>
+                        <a:t>返回</a:t>
+                      </a:r>
+                      <a:r>
+                        <a:rPr lang="en-US" altLang="zh-CN" dirty="0">
+                          <a:effectLst/>
+                        </a:rPr>
+                        <a:t>Optional</a:t>
+                      </a:r>
+                      <a:r>
+                        <a:rPr lang="zh-CN" altLang="en-US" dirty="0">
+                          <a:effectLst/>
+                        </a:rPr>
+                        <a:t>所包含引用的单例不可变集，如果引用存在，返回一个只有单一元素的集合，如果引用缺失，返回一个空集合。</a:t>
+                      </a:r>
+                    </a:p>
+                  </a:txBody>
+                  <a:tcPr marL="142875" marR="142875" marT="142875" marB="142875" anchor="ctr">
+                    <a:lnL w="9525" cap="flat" cmpd="sng" algn="ctr">
+                      <a:solidFill>
+                        <a:srgbClr val="CCCCCC"/>
+                      </a:solidFill>
+                      <a:prstDash val="solid"/>
+                      <a:round/>
+                      <a:headEnd type="none" w="med" len="med"/>
+                      <a:tailEnd type="none" w="med" len="med"/>
+                    </a:lnL>
+                    <a:lnR w="9525" cap="flat" cmpd="sng" algn="ctr">
+                      <a:solidFill>
+                        <a:srgbClr val="CCCCCC"/>
+                      </a:solidFill>
+                      <a:prstDash val="solid"/>
+                      <a:round/>
+                      <a:headEnd type="none" w="med" len="med"/>
+                      <a:tailEnd type="none" w="med" len="med"/>
+                    </a:lnR>
+                    <a:lnT w="9525" cap="flat" cmpd="sng" algn="ctr">
+                      <a:solidFill>
+                        <a:srgbClr val="CCCCCC"/>
+                      </a:solidFill>
+                      <a:prstDash val="solid"/>
+                      <a:round/>
+                      <a:headEnd type="none" w="med" len="med"/>
+                      <a:tailEnd type="none" w="med" len="med"/>
+                    </a:lnT>
+                    <a:lnB w="9525" cap="flat" cmpd="sng" algn="ctr">
+                      <a:solidFill>
+                        <a:srgbClr val="CCCCCC"/>
+                      </a:solidFill>
+                      <a:prstDash val="solid"/>
+                      <a:round/>
+                      <a:headEnd type="none" w="med" len="med"/>
+                      <a:tailEnd type="none" w="med" len="med"/>
+                    </a:lnB>
+                  </a:tcPr>
+                </a:tc>
+              </a:tr>
+            </a:tbl>
+          </a:graphicData>
+        </a:graphic>
+      </p:graphicFrame>
+      <p:sp>
+        <p:nvSpPr>
+          <p:cNvPr id="7" name="Rectangle 1"/>
+          <p:cNvSpPr>
+            <a:spLocks noChangeArrowheads="1"/>
+          </p:cNvSpPr>
+          <p:nvPr/>
+        </p:nvSpPr>
+        <p:spPr bwMode="auto">
+          <a:xfrm>
+            <a:off x="970189" y="3201035"/>
+            <a:ext cx="9144000" cy="0"/>
+          </a:xfrm>
+          <a:prstGeom prst="rect">
+            <a:avLst/>
+          </a:prstGeom>
+          <a:noFill/>
+          <a:ln>
+            <a:noFill/>
+          </a:ln>
+          <a:effectLst/>
+          <a:extLst>
+            <a:ext uri="{909E8E84-426E-40DD-AFC4-6F175D3DCCD1}">
+              <a14:hiddenFill xmlns:a14="http://schemas.microsoft.com/office/drawing/2010/main">
+                <a:solidFill>
+                  <a:schemeClr val="accent1"/>
+                </a:solidFill>
+              </a14:hiddenFill>
+            </a:ext>
+            <a:ext uri="{91240B29-F687-4F45-9708-019B960494DF}">
+              <a14:hiddenLine xmlns:a14="http://schemas.microsoft.com/office/drawing/2010/main" w="9525">
+                <a:solidFill>
+                  <a:schemeClr val="tx1"/>
+                </a:solidFill>
+                <a:miter lim="800000"/>
+                <a:headEnd/>
+                <a:tailEnd/>
+              </a14:hiddenLine>
+            </a:ext>
+            <a:ext uri="{AF507438-7753-43E0-B8FC-AC1667EBCBE1}">
+              <a14:hiddenEffects xmlns:a14="http://schemas.microsoft.com/office/drawing/2010/main">
+                <a:effectLst>
+                  <a:outerShdw dist="35921" dir="2700000" algn="ctr" rotWithShape="0">
+                    <a:schemeClr val="bg2"/>
+                  </a:outerShdw>
+                </a:effectLst>
+              </a14:hiddenEffects>
+            </a:ext>
+          </a:extLst>
+        </p:spPr>
+        <p:txBody>
+          <a:bodyPr vert="horz" wrap="none" lIns="91440" tIns="45720" rIns="91440" bIns="45720" numCol="1" anchor="ctr" anchorCtr="0" compatLnSpc="1">
+            <a:prstTxWarp prst="textNoShape">
+              <a:avLst/>
+            </a:prstTxWarp>
+            <a:spAutoFit/>
+          </a:bodyPr>
+          <a:lstStyle/>
+          <a:p>
+            <a:pPr marL="0" marR="0" lvl="0" indent="0" algn="l" defTabSz="914400" rtl="0" eaLnBrk="0" fontAlgn="base" latinLnBrk="0" hangingPunct="0">
+              <a:lnSpc>
+                <a:spcPct val="100000"/>
+              </a:lnSpc>
+              <a:spcBef>
+                <a:spcPct val="0"/>
+              </a:spcBef>
+              <a:spcAft>
+                <a:spcPct val="0"/>
+              </a:spcAft>
+              <a:buClrTx/>
+              <a:buSzTx/>
+              <a:buFontTx/>
+              <a:buNone/>
+              <a:tabLst/>
+            </a:pPr>
+            <a:r>
+              <a:rPr kumimoji="0" lang="zh-CN" altLang="zh-CN" sz="1800" b="0" i="0" u="none" strike="noStrike" cap="none" normalizeH="0" baseline="0" smtClean="0">
+                <a:ln>
+                  <a:noFill/>
+                </a:ln>
+                <a:solidFill>
+                  <a:schemeClr val="tx1"/>
+                </a:solidFill>
+                <a:effectLst/>
+                <a:latin typeface="Arial" panose="020B0604020202020204" pitchFamily="34" charset="0"/>
+              </a:rPr>
+              <a:t/>
+            </a:r>
+            <a:br>
+              <a:rPr kumimoji="0" lang="zh-CN" altLang="zh-CN" sz="1800" b="0" i="0" u="none" strike="noStrike" cap="none" normalizeH="0" baseline="0" smtClean="0">
+                <a:ln>
+                  <a:noFill/>
+                </a:ln>
+                <a:solidFill>
+                  <a:schemeClr val="tx1"/>
+                </a:solidFill>
+                <a:effectLst/>
+                <a:latin typeface="Arial" panose="020B0604020202020204" pitchFamily="34" charset="0"/>
+              </a:rPr>
+            </a:br>
+            <a:endParaRPr kumimoji="0" lang="zh-CN" altLang="zh-CN" sz="1800" b="0" i="0" u="none" strike="noStrike" cap="none" normalizeH="0" baseline="0" smtClean="0">
+              <a:ln>
+                <a:noFill/>
+              </a:ln>
+              <a:solidFill>
+                <a:schemeClr val="tx1"/>
+              </a:solidFill>
+              <a:effectLst/>
+              <a:latin typeface="Arial" panose="020B0604020202020204" pitchFamily="34" charset="0"/>
+            </a:endParaRPr>
+          </a:p>
+        </p:txBody>
+      </p:sp>
+    </p:spTree>
+    <p:extLst>
+      <p:ext uri="{BB962C8B-B14F-4D97-AF65-F5344CB8AC3E}">
+        <p14:creationId xmlns:p14="http://schemas.microsoft.com/office/powerpoint/2010/main" val="1335348196"/>
+      </p:ext>
+    </p:extLst>
+  </p:cSld>
+  <p:clrMapOvr>
+    <a:masterClrMapping/>
+  </p:clrMapOvr>
+  <p:timing>
+    <p:tnLst>
+      <p:par>
+        <p:cTn id="1" dur="indefinite" restart="never" nodeType="tmRoot"/>
+      </p:par>
+    </p:tnLst>
+  </p:timing>
+</p:sld>
+</file>
+
+<file path=ppt/slides/slide7.xml><?xml version="1.0" encoding="utf-8"?>
+<p:sld xmlns:a="http://schemas.openxmlformats.org/drawingml/2006/main" xmlns:r="http://schemas.openxmlformats.org/officeDocument/2006/relationships" xmlns:p="http://schemas.openxmlformats.org/presentationml/2006/main">
+  <p:cSld>
+    <p:spTree>
+      <p:nvGrpSpPr>
+        <p:cNvPr id="1" name=""/>
+        <p:cNvGrpSpPr/>
+        <p:nvPr/>
+      </p:nvGrpSpPr>
+      <p:grpSpPr>
+        <a:xfrm>
+          <a:off x="0" y="0"/>
+          <a:ext cx="0" cy="0"/>
+          <a:chOff x="0" y="0"/>
+          <a:chExt cx="0" cy="0"/>
+        </a:xfrm>
+      </p:grpSpPr>
+      <p:sp>
+        <p:nvSpPr>
+          <p:cNvPr id="6" name="TextBox 5"/>
+          <p:cNvSpPr txBox="1"/>
+          <p:nvPr/>
+        </p:nvSpPr>
+        <p:spPr bwMode="auto">
+          <a:xfrm>
+            <a:off x="743816" y="457200"/>
+            <a:ext cx="2262158" cy="523220"/>
+          </a:xfrm>
+          <a:prstGeom prst="rect">
+            <a:avLst/>
+          </a:prstGeom>
+          <a:noFill/>
+          <a:ln w="9525">
+            <a:noFill/>
+            <a:miter lim="800000"/>
+            <a:headEnd/>
+            <a:tailEnd/>
+          </a:ln>
+        </p:spPr>
+        <p:txBody>
+          <a:bodyPr wrap="none" rtlCol="0">
+            <a:spAutoFit/>
+          </a:bodyPr>
+          <a:lstStyle/>
+          <a:p>
+            <a:r>
+              <a:rPr lang="en-US" altLang="zh-CN" sz="2800" dirty="0"/>
+              <a:t>Basic </a:t>
+            </a:r>
+            <a:r>
+              <a:rPr lang="en-US" altLang="zh-CN" sz="2800" dirty="0" smtClean="0"/>
+              <a:t>utilities</a:t>
+            </a:r>
+            <a:endParaRPr lang="en-US" altLang="zh-CN" sz="2800" dirty="0"/>
+          </a:p>
+        </p:txBody>
+      </p:sp>
+      <p:sp>
+        <p:nvSpPr>
+          <p:cNvPr id="3" name="TextBox 2"/>
+          <p:cNvSpPr txBox="1"/>
+          <p:nvPr/>
+        </p:nvSpPr>
+        <p:spPr bwMode="auto">
+          <a:xfrm>
+            <a:off x="743816" y="1113034"/>
+            <a:ext cx="7028584" cy="369332"/>
+          </a:xfrm>
+          <a:prstGeom prst="rect">
+            <a:avLst/>
+          </a:prstGeom>
+          <a:noFill/>
+          <a:ln w="9525">
+            <a:noFill/>
+            <a:miter lim="800000"/>
+            <a:headEnd/>
+            <a:tailEnd/>
+          </a:ln>
+        </p:spPr>
+        <p:txBody>
+          <a:bodyPr wrap="square" rtlCol="0">
+            <a:spAutoFit/>
+          </a:bodyPr>
+          <a:lstStyle/>
+          <a:p>
+            <a:r>
+              <a:rPr lang="en-US" altLang="zh-CN" dirty="0" smtClean="0"/>
+              <a:t>Option</a:t>
+            </a:r>
+            <a:endParaRPr lang="zh-CN" altLang="en-US" dirty="0"/>
+          </a:p>
+        </p:txBody>
+      </p:sp>
+      <p:sp>
+        <p:nvSpPr>
+          <p:cNvPr id="7" name="Rectangle 1"/>
+          <p:cNvSpPr>
+            <a:spLocks noChangeArrowheads="1"/>
+          </p:cNvSpPr>
+          <p:nvPr/>
+        </p:nvSpPr>
+        <p:spPr bwMode="auto">
+          <a:xfrm>
+            <a:off x="970189" y="3201035"/>
+            <a:ext cx="9144000" cy="0"/>
+          </a:xfrm>
+          <a:prstGeom prst="rect">
+            <a:avLst/>
+          </a:prstGeom>
+          <a:noFill/>
+          <a:ln>
+            <a:noFill/>
+          </a:ln>
+          <a:effectLst/>
+          <a:extLst>
+            <a:ext uri="{909E8E84-426E-40DD-AFC4-6F175D3DCCD1}">
+              <a14:hiddenFill xmlns:a14="http://schemas.microsoft.com/office/drawing/2010/main">
+                <a:solidFill>
+                  <a:schemeClr val="accent1"/>
+                </a:solidFill>
+              </a14:hiddenFill>
+            </a:ext>
+            <a:ext uri="{91240B29-F687-4F45-9708-019B960494DF}">
+              <a14:hiddenLine xmlns:a14="http://schemas.microsoft.com/office/drawing/2010/main" w="9525">
+                <a:solidFill>
+                  <a:schemeClr val="tx1"/>
+                </a:solidFill>
+                <a:miter lim="800000"/>
+                <a:headEnd/>
+                <a:tailEnd/>
+              </a14:hiddenLine>
+            </a:ext>
+            <a:ext uri="{AF507438-7753-43E0-B8FC-AC1667EBCBE1}">
+              <a14:hiddenEffects xmlns:a14="http://schemas.microsoft.com/office/drawing/2010/main">
+                <a:effectLst>
+                  <a:outerShdw dist="35921" dir="2700000" algn="ctr" rotWithShape="0">
+                    <a:schemeClr val="bg2"/>
+                  </a:outerShdw>
+                </a:effectLst>
+              </a14:hiddenEffects>
+            </a:ext>
+          </a:extLst>
+        </p:spPr>
+        <p:txBody>
+          <a:bodyPr vert="horz" wrap="none" lIns="91440" tIns="45720" rIns="91440" bIns="45720" numCol="1" anchor="ctr" anchorCtr="0" compatLnSpc="1">
+            <a:prstTxWarp prst="textNoShape">
+              <a:avLst/>
+            </a:prstTxWarp>
+            <a:spAutoFit/>
+          </a:bodyPr>
+          <a:lstStyle/>
+          <a:p>
+            <a:pPr marL="0" marR="0" lvl="0" indent="0" algn="l" defTabSz="914400" rtl="0" eaLnBrk="0" fontAlgn="base" latinLnBrk="0" hangingPunct="0">
+              <a:lnSpc>
+                <a:spcPct val="100000"/>
+              </a:lnSpc>
+              <a:spcBef>
+                <a:spcPct val="0"/>
+              </a:spcBef>
+              <a:spcAft>
+                <a:spcPct val="0"/>
+              </a:spcAft>
+              <a:buClrTx/>
+              <a:buSzTx/>
+              <a:buFontTx/>
+              <a:buNone/>
+              <a:tabLst/>
+            </a:pPr>
+            <a:r>
+              <a:rPr kumimoji="0" lang="zh-CN" altLang="zh-CN" sz="1800" b="0" i="0" u="none" strike="noStrike" cap="none" normalizeH="0" baseline="0" smtClean="0">
+                <a:ln>
+                  <a:noFill/>
+                </a:ln>
+                <a:solidFill>
+                  <a:schemeClr val="tx1"/>
+                </a:solidFill>
+                <a:effectLst/>
+                <a:latin typeface="Arial" panose="020B0604020202020204" pitchFamily="34" charset="0"/>
+              </a:rPr>
+              <a:t/>
+            </a:r>
+            <a:br>
+              <a:rPr kumimoji="0" lang="zh-CN" altLang="zh-CN" sz="1800" b="0" i="0" u="none" strike="noStrike" cap="none" normalizeH="0" baseline="0" smtClean="0">
+                <a:ln>
+                  <a:noFill/>
+                </a:ln>
+                <a:solidFill>
+                  <a:schemeClr val="tx1"/>
+                </a:solidFill>
+                <a:effectLst/>
+                <a:latin typeface="Arial" panose="020B0604020202020204" pitchFamily="34" charset="0"/>
+              </a:rPr>
+            </a:br>
+            <a:endParaRPr kumimoji="0" lang="zh-CN" altLang="zh-CN" sz="1800" b="0" i="0" u="none" strike="noStrike" cap="none" normalizeH="0" baseline="0" smtClean="0">
+              <a:ln>
+                <a:noFill/>
+              </a:ln>
+              <a:solidFill>
+                <a:schemeClr val="tx1"/>
+              </a:solidFill>
+              <a:effectLst/>
+              <a:latin typeface="Arial" panose="020B0604020202020204" pitchFamily="34" charset="0"/>
+            </a:endParaRPr>
+          </a:p>
+        </p:txBody>
+      </p:sp>
+      <p:pic>
+        <p:nvPicPr>
+          <p:cNvPr id="2" name="图片 1"/>
+          <p:cNvPicPr>
+            <a:picLocks noChangeAspect="1"/>
+          </p:cNvPicPr>
+          <p:nvPr/>
+        </p:nvPicPr>
+        <p:blipFill>
+          <a:blip r:embed="rId2"/>
+          <a:stretch>
+            <a:fillRect/>
+          </a:stretch>
+        </p:blipFill>
+        <p:spPr>
+          <a:xfrm>
+            <a:off x="533400" y="1511395"/>
+            <a:ext cx="7620000" cy="4302303"/>
+          </a:xfrm>
+          <a:prstGeom prst="rect">
+            <a:avLst/>
+          </a:prstGeom>
+        </p:spPr>
+      </p:pic>
+    </p:spTree>
+    <p:extLst>
+      <p:ext uri="{BB962C8B-B14F-4D97-AF65-F5344CB8AC3E}">
+        <p14:creationId xmlns:p14="http://schemas.microsoft.com/office/powerpoint/2010/main" val="2677765302"/>
+      </p:ext>
+    </p:extLst>
+  </p:cSld>
+  <p:clrMapOvr>
+    <a:masterClrMapping/>
+  </p:clrMapOvr>
+  <p:timing>
+    <p:tnLst>
+      <p:par>
+        <p:cTn id="1" dur="indefinite" restart="never" nodeType="tmRoot"/>
+      </p:par>
+    </p:tnLst>
+  </p:timing>
+</p:sld>
+</file>
+
+<file path=ppt/slides/slide8.xml><?xml version="1.0" encoding="utf-8"?>
 <p:sld xmlns:a="http://schemas.openxmlformats.org/drawingml/2006/main" xmlns:r="http://schemas.openxmlformats.org/officeDocument/2006/relationships" xmlns:p="http://schemas.openxmlformats.org/presentationml/2006/main">
   <p:cSld>
     <p:spTree>

--- a/Guava.pptx
+++ b/Guava.pptx
@@ -5,7 +5,7 @@
     <p:sldMasterId id="2147483673" r:id="rId1"/>
   </p:sldMasterIdLst>
   <p:notesMasterIdLst>
-    <p:notesMasterId r:id="rId10"/>
+    <p:notesMasterId r:id="rId20"/>
   </p:notesMasterIdLst>
   <p:sldIdLst>
     <p:sldId id="295" r:id="rId2"/>
@@ -15,7 +15,17 @@
     <p:sldId id="438" r:id="rId6"/>
     <p:sldId id="439" r:id="rId7"/>
     <p:sldId id="440" r:id="rId8"/>
-    <p:sldId id="436" r:id="rId9"/>
+    <p:sldId id="441" r:id="rId9"/>
+    <p:sldId id="442" r:id="rId10"/>
+    <p:sldId id="443" r:id="rId11"/>
+    <p:sldId id="444" r:id="rId12"/>
+    <p:sldId id="445" r:id="rId13"/>
+    <p:sldId id="446" r:id="rId14"/>
+    <p:sldId id="447" r:id="rId15"/>
+    <p:sldId id="448" r:id="rId16"/>
+    <p:sldId id="449" r:id="rId17"/>
+    <p:sldId id="450" r:id="rId18"/>
+    <p:sldId id="436" r:id="rId19"/>
   </p:sldIdLst>
   <p:sldSz cx="9144000" cy="6858000" type="screen4x3"/>
   <p:notesSz cx="6858000" cy="9144000"/>
@@ -215,7 +225,7 @@
           <a:p>
             <a:fld id="{83E81F36-8AE1-45AB-BDEC-C19947B6995C}" type="datetimeFigureOut">
               <a:rPr lang="en-US" smtClean="0"/>
-              <a:t>4/2/2018</a:t>
+              <a:t>4/3/2018</a:t>
             </a:fld>
             <a:endParaRPr lang="en-US"/>
           </a:p>
@@ -978,7 +988,7 @@
             <a:fld id="{1D8BD707-D9CF-40AE-B4C6-C98DA3205C09}" type="datetimeFigureOut">
               <a:rPr lang="en-US" smtClean="0"/>
               <a:pPr/>
-              <a:t>4/2/2018</a:t>
+              <a:t>4/3/2018</a:t>
             </a:fld>
             <a:endParaRPr lang="en-US"/>
           </a:p>
@@ -1178,7 +1188,7 @@
             <a:fld id="{1D8BD707-D9CF-40AE-B4C6-C98DA3205C09}" type="datetimeFigureOut">
               <a:rPr lang="en-US" smtClean="0"/>
               <a:pPr/>
-              <a:t>4/2/2018</a:t>
+              <a:t>4/3/2018</a:t>
             </a:fld>
             <a:endParaRPr lang="en-US"/>
           </a:p>
@@ -1406,7 +1416,7 @@
             <a:fld id="{1D8BD707-D9CF-40AE-B4C6-C98DA3205C09}" type="datetimeFigureOut">
               <a:rPr lang="en-US" smtClean="0"/>
               <a:pPr/>
-              <a:t>4/2/2018</a:t>
+              <a:t>4/3/2018</a:t>
             </a:fld>
             <a:endParaRPr lang="en-US"/>
           </a:p>
@@ -1596,7 +1606,7 @@
             <a:fld id="{1D8BD707-D9CF-40AE-B4C6-C98DA3205C09}" type="datetimeFigureOut">
               <a:rPr lang="en-US" smtClean="0"/>
               <a:pPr/>
-              <a:t>4/2/2018</a:t>
+              <a:t>4/3/2018</a:t>
             </a:fld>
             <a:endParaRPr lang="en-US"/>
           </a:p>
@@ -2157,7 +2167,7 @@
             <a:fld id="{1D8BD707-D9CF-40AE-B4C6-C98DA3205C09}" type="datetimeFigureOut">
               <a:rPr lang="en-US" smtClean="0"/>
               <a:pPr/>
-              <a:t>4/2/2018</a:t>
+              <a:t>4/3/2018</a:t>
             </a:fld>
             <a:endParaRPr lang="en-US"/>
           </a:p>
@@ -2461,7 +2471,7 @@
             <a:fld id="{1D8BD707-D9CF-40AE-B4C6-C98DA3205C09}" type="datetimeFigureOut">
               <a:rPr lang="en-US" smtClean="0"/>
               <a:pPr/>
-              <a:t>4/2/2018</a:t>
+              <a:t>4/3/2018</a:t>
             </a:fld>
             <a:endParaRPr lang="en-US"/>
           </a:p>
@@ -2908,7 +2918,7 @@
             <a:fld id="{1D8BD707-D9CF-40AE-B4C6-C98DA3205C09}" type="datetimeFigureOut">
               <a:rPr lang="en-US" smtClean="0"/>
               <a:pPr/>
-              <a:t>4/2/2018</a:t>
+              <a:t>4/3/2018</a:t>
             </a:fld>
             <a:endParaRPr lang="en-US"/>
           </a:p>
@@ -3046,7 +3056,7 @@
             <a:fld id="{1D8BD707-D9CF-40AE-B4C6-C98DA3205C09}" type="datetimeFigureOut">
               <a:rPr lang="en-US" smtClean="0"/>
               <a:pPr/>
-              <a:t>4/2/2018</a:t>
+              <a:t>4/3/2018</a:t>
             </a:fld>
             <a:endParaRPr lang="en-US"/>
           </a:p>
@@ -3161,7 +3171,7 @@
             <a:fld id="{1D8BD707-D9CF-40AE-B4C6-C98DA3205C09}" type="datetimeFigureOut">
               <a:rPr lang="en-US" smtClean="0"/>
               <a:pPr/>
-              <a:t>4/2/2018</a:t>
+              <a:t>4/3/2018</a:t>
             </a:fld>
             <a:endParaRPr lang="en-US"/>
           </a:p>
@@ -3458,7 +3468,7 @@
             <a:fld id="{1D8BD707-D9CF-40AE-B4C6-C98DA3205C09}" type="datetimeFigureOut">
               <a:rPr lang="en-US" smtClean="0"/>
               <a:pPr/>
-              <a:t>4/2/2018</a:t>
+              <a:t>4/3/2018</a:t>
             </a:fld>
             <a:endParaRPr lang="en-US"/>
           </a:p>
@@ -3735,7 +3745,7 @@
             <a:fld id="{1D8BD707-D9CF-40AE-B4C6-C98DA3205C09}" type="datetimeFigureOut">
               <a:rPr lang="en-US" smtClean="0"/>
               <a:pPr/>
-              <a:t>4/2/2018</a:t>
+              <a:t>4/3/2018</a:t>
             </a:fld>
             <a:endParaRPr lang="en-US"/>
           </a:p>
@@ -4079,7 +4089,7 @@
             <a:fld id="{1D8BD707-D9CF-40AE-B4C6-C98DA3205C09}" type="datetimeFigureOut">
               <a:rPr lang="en-US" smtClean="0"/>
               <a:pPr/>
-              <a:t>4/2/2018</a:t>
+              <a:t>4/3/2018</a:t>
             </a:fld>
             <a:endParaRPr lang="en-US"/>
           </a:p>
@@ -4836,7 +4846,7 @@
 </p:sld>
 </file>
 
-<file path=ppt/slides/slide2.xml><?xml version="1.0" encoding="utf-8"?>
+<file path=ppt/slides/slide10.xml><?xml version="1.0" encoding="utf-8"?>
 <p:sld xmlns:a="http://schemas.openxmlformats.org/drawingml/2006/main" xmlns:r="http://schemas.openxmlformats.org/officeDocument/2006/relationships" xmlns:p="http://schemas.openxmlformats.org/presentationml/2006/main">
   <p:cSld>
     <p:spTree>
@@ -4855,312 +4865,6 @@
       </p:grpSpPr>
       <p:sp>
         <p:nvSpPr>
-          <p:cNvPr id="3" name="TextBox 2"/>
-          <p:cNvSpPr txBox="1"/>
-          <p:nvPr/>
-        </p:nvSpPr>
-        <p:spPr>
-          <a:xfrm>
-            <a:off x="914400" y="1143000"/>
-            <a:ext cx="7620000" cy="3416320"/>
-          </a:xfrm>
-          <a:prstGeom prst="rect">
-            <a:avLst/>
-          </a:prstGeom>
-          <a:noFill/>
-        </p:spPr>
-        <p:txBody>
-          <a:bodyPr wrap="square" rtlCol="0">
-            <a:spAutoFit/>
-          </a:bodyPr>
-          <a:lstStyle/>
-          <a:p>
-            <a:pPr marL="342900" indent="-342900">
-              <a:buAutoNum type="arabicPeriod"/>
-            </a:pPr>
-            <a:r>
-              <a:rPr lang="en-US" sz="2400" dirty="0" smtClean="0"/>
-              <a:t>What is Guava</a:t>
-            </a:r>
-          </a:p>
-          <a:p>
-            <a:pPr marL="342900" indent="-342900">
-              <a:buAutoNum type="arabicPeriod"/>
-            </a:pPr>
-            <a:endParaRPr lang="en-US" sz="2400" dirty="0" smtClean="0"/>
-          </a:p>
-          <a:p>
-            <a:pPr marL="342900" indent="-342900">
-              <a:buAutoNum type="arabicPeriod"/>
-            </a:pPr>
-            <a:r>
-              <a:rPr lang="en-US" sz="2400" dirty="0"/>
-              <a:t>Basic </a:t>
-            </a:r>
-            <a:r>
-              <a:rPr lang="en-US" sz="2400" dirty="0" smtClean="0"/>
-              <a:t>utilities.</a:t>
-            </a:r>
-          </a:p>
-          <a:p>
-            <a:pPr marL="342900" indent="-342900">
-              <a:buAutoNum type="arabicPeriod"/>
-            </a:pPr>
-            <a:endParaRPr lang="en-US" sz="2400" dirty="0" smtClean="0"/>
-          </a:p>
-          <a:p>
-            <a:pPr marL="342900" indent="-342900">
-              <a:buFontTx/>
-              <a:buAutoNum type="arabicPeriod"/>
-            </a:pPr>
-            <a:r>
-              <a:rPr lang="en-US" sz="2400" dirty="0" smtClean="0"/>
-              <a:t>Collections.</a:t>
-            </a:r>
-          </a:p>
-          <a:p>
-            <a:pPr marL="342900" indent="-342900">
-              <a:buFontTx/>
-              <a:buAutoNum type="arabicPeriod"/>
-            </a:pPr>
-            <a:endParaRPr lang="en-US" sz="2400" dirty="0"/>
-          </a:p>
-          <a:p>
-            <a:pPr marL="342900" indent="-342900">
-              <a:buFontTx/>
-              <a:buAutoNum type="arabicPeriod"/>
-            </a:pPr>
-            <a:r>
-              <a:rPr lang="en-US" sz="2400" dirty="0" smtClean="0"/>
-              <a:t>Caches.</a:t>
-            </a:r>
-          </a:p>
-          <a:p>
-            <a:pPr marL="342900" indent="-342900">
-              <a:buFontTx/>
-              <a:buAutoNum type="arabicPeriod"/>
-            </a:pPr>
-            <a:r>
-              <a:rPr lang="en-US" sz="2400" dirty="0"/>
-              <a:t>Strings</a:t>
-            </a:r>
-          </a:p>
-          <a:p>
-            <a:pPr marL="342900" indent="-342900">
-              <a:buAutoNum type="arabicPeriod"/>
-            </a:pPr>
-            <a:endParaRPr lang="en-US" sz="2400" dirty="0"/>
-          </a:p>
-        </p:txBody>
-      </p:sp>
-      <p:pic>
-        <p:nvPicPr>
-          <p:cNvPr id="4" name="Picture 3"/>
-          <p:cNvPicPr>
-            <a:picLocks noChangeAspect="1"/>
-          </p:cNvPicPr>
-          <p:nvPr/>
-        </p:nvPicPr>
-        <p:blipFill>
-          <a:blip r:embed="rId2">
-            <a:extLst>
-              <a:ext uri="{28A0092B-C50C-407E-A947-70E740481C1C}">
-                <a14:useLocalDpi xmlns:a14="http://schemas.microsoft.com/office/drawing/2010/main" val="0"/>
-              </a:ext>
-            </a:extLst>
-          </a:blip>
-          <a:stretch>
-            <a:fillRect/>
-          </a:stretch>
-        </p:blipFill>
-        <p:spPr>
-          <a:xfrm>
-            <a:off x="5550349" y="4648200"/>
-            <a:ext cx="3593651" cy="1980952"/>
-          </a:xfrm>
-          <a:prstGeom prst="rect">
-            <a:avLst/>
-          </a:prstGeom>
-        </p:spPr>
-      </p:pic>
-    </p:spTree>
-    <p:extLst>
-      <p:ext uri="{BB962C8B-B14F-4D97-AF65-F5344CB8AC3E}">
-        <p14:creationId xmlns:p14="http://schemas.microsoft.com/office/powerpoint/2010/main" val="1072908207"/>
-      </p:ext>
-    </p:extLst>
-  </p:cSld>
-  <p:clrMapOvr>
-    <a:masterClrMapping/>
-  </p:clrMapOvr>
-  <p:timing>
-    <p:tnLst>
-      <p:par>
-        <p:cTn id="1" dur="indefinite" restart="never" nodeType="tmRoot"/>
-      </p:par>
-    </p:tnLst>
-  </p:timing>
-</p:sld>
-</file>
-
-<file path=ppt/slides/slide3.xml><?xml version="1.0" encoding="utf-8"?>
-<p:sld xmlns:a="http://schemas.openxmlformats.org/drawingml/2006/main" xmlns:r="http://schemas.openxmlformats.org/officeDocument/2006/relationships" xmlns:p="http://schemas.openxmlformats.org/presentationml/2006/main">
-  <p:cSld>
-    <p:spTree>
-      <p:nvGrpSpPr>
-        <p:cNvPr id="1" name=""/>
-        <p:cNvGrpSpPr/>
-        <p:nvPr/>
-      </p:nvGrpSpPr>
-      <p:grpSpPr>
-        <a:xfrm>
-          <a:off x="0" y="0"/>
-          <a:ext cx="0" cy="0"/>
-          <a:chOff x="0" y="0"/>
-          <a:chExt cx="0" cy="0"/>
-        </a:xfrm>
-      </p:grpSpPr>
-      <p:sp>
-        <p:nvSpPr>
-          <p:cNvPr id="4" name="TextBox 3"/>
-          <p:cNvSpPr txBox="1"/>
-          <p:nvPr/>
-        </p:nvSpPr>
-        <p:spPr>
-          <a:xfrm>
-            <a:off x="732930" y="2680359"/>
-            <a:ext cx="7620000" cy="369332"/>
-          </a:xfrm>
-          <a:prstGeom prst="rect">
-            <a:avLst/>
-          </a:prstGeom>
-          <a:noFill/>
-        </p:spPr>
-        <p:txBody>
-          <a:bodyPr wrap="square" rtlCol="0">
-            <a:spAutoFit/>
-          </a:bodyPr>
-          <a:lstStyle/>
-          <a:p>
-            <a:endParaRPr lang="en-US" dirty="0" smtClean="0"/>
-          </a:p>
-        </p:txBody>
-      </p:sp>
-      <p:sp>
-        <p:nvSpPr>
-          <p:cNvPr id="6" name="TextBox 5"/>
-          <p:cNvSpPr txBox="1"/>
-          <p:nvPr/>
-        </p:nvSpPr>
-        <p:spPr bwMode="auto">
-          <a:xfrm>
-            <a:off x="743816" y="457200"/>
-            <a:ext cx="2760692" cy="523220"/>
-          </a:xfrm>
-          <a:prstGeom prst="rect">
-            <a:avLst/>
-          </a:prstGeom>
-          <a:noFill/>
-          <a:ln w="9525">
-            <a:noFill/>
-            <a:miter lim="800000"/>
-            <a:headEnd/>
-            <a:tailEnd/>
-          </a:ln>
-        </p:spPr>
-        <p:txBody>
-          <a:bodyPr wrap="none" rtlCol="0">
-            <a:spAutoFit/>
-          </a:bodyPr>
-          <a:lstStyle/>
-          <a:p>
-            <a:r>
-              <a:rPr lang="en-US" altLang="zh-CN" sz="2800" dirty="0" smtClean="0"/>
-              <a:t>What is Guava</a:t>
-            </a:r>
-            <a:r>
-              <a:rPr lang="en-US" sz="2800" b="1" dirty="0" smtClean="0"/>
-              <a:t>?</a:t>
-            </a:r>
-            <a:endParaRPr lang="en-US" sz="2800" b="1" dirty="0"/>
-          </a:p>
-        </p:txBody>
-      </p:sp>
-      <p:sp>
-        <p:nvSpPr>
-          <p:cNvPr id="3" name="TextBox 2"/>
-          <p:cNvSpPr txBox="1"/>
-          <p:nvPr/>
-        </p:nvSpPr>
-        <p:spPr bwMode="auto">
-          <a:xfrm>
-            <a:off x="743816" y="2514600"/>
-            <a:ext cx="7028584" cy="1477328"/>
-          </a:xfrm>
-          <a:prstGeom prst="rect">
-            <a:avLst/>
-          </a:prstGeom>
-          <a:noFill/>
-          <a:ln w="9525">
-            <a:noFill/>
-            <a:miter lim="800000"/>
-            <a:headEnd/>
-            <a:tailEnd/>
-          </a:ln>
-        </p:spPr>
-        <p:txBody>
-          <a:bodyPr wrap="square" rtlCol="0">
-            <a:spAutoFit/>
-          </a:bodyPr>
-          <a:lstStyle/>
-          <a:p>
-            <a:r>
-              <a:rPr lang="en-US" altLang="zh-CN" dirty="0"/>
-              <a:t>The Guava project contains several of Google's core libraries that we rely on in our Java-based projects: collections, caching, primitives support, concurrency libraries, common annotations, string processing, I/O, and so forth. Each of these tools really do get used every day by Googlers, in production services.</a:t>
-            </a:r>
-            <a:endParaRPr lang="zh-CN" altLang="en-US" dirty="0"/>
-          </a:p>
-        </p:txBody>
-      </p:sp>
-    </p:spTree>
-    <p:extLst>
-      <p:ext uri="{BB962C8B-B14F-4D97-AF65-F5344CB8AC3E}">
-        <p14:creationId xmlns:p14="http://schemas.microsoft.com/office/powerpoint/2010/main" val="3721763231"/>
-      </p:ext>
-    </p:extLst>
-  </p:cSld>
-  <p:clrMapOvr>
-    <a:masterClrMapping/>
-  </p:clrMapOvr>
-  <p:timing>
-    <p:tnLst>
-      <p:par>
-        <p:cTn id="1" dur="indefinite" restart="never" nodeType="tmRoot"/>
-      </p:par>
-    </p:tnLst>
-  </p:timing>
-</p:sld>
-</file>
-
-<file path=ppt/slides/slide4.xml><?xml version="1.0" encoding="utf-8"?>
-<p:sld xmlns:a="http://schemas.openxmlformats.org/drawingml/2006/main" xmlns:r="http://schemas.openxmlformats.org/officeDocument/2006/relationships" xmlns:p="http://schemas.openxmlformats.org/presentationml/2006/main">
-  <p:cSld>
-    <p:spTree>
-      <p:nvGrpSpPr>
-        <p:cNvPr id="1" name=""/>
-        <p:cNvGrpSpPr/>
-        <p:nvPr/>
-      </p:nvGrpSpPr>
-      <p:grpSpPr>
-        <a:xfrm>
-          <a:off x="0" y="0"/>
-          <a:ext cx="0" cy="0"/>
-          <a:chOff x="0" y="0"/>
-          <a:chExt cx="0" cy="0"/>
-        </a:xfrm>
-      </p:grpSpPr>
-      <p:sp>
-        <p:nvSpPr>
           <p:cNvPr id="4" name="TextBox 3"/>
           <p:cNvSpPr txBox="1"/>
           <p:nvPr/>
@@ -5233,7 +4937,7 @@
         </p:nvSpPr>
         <p:spPr bwMode="auto">
           <a:xfrm>
-            <a:off x="732930" y="1620323"/>
+            <a:off x="732317" y="1055760"/>
             <a:ext cx="7028584" cy="369332"/>
           </a:xfrm>
           <a:prstGeom prst="rect">
@@ -5254,8 +4958,8 @@
           <a:lstStyle/>
           <a:p>
             <a:r>
-              <a:rPr lang="en-US" altLang="zh-CN" dirty="0" smtClean="0"/>
-              <a:t>Option</a:t>
+              <a:rPr lang="en-US" altLang="zh-CN" dirty="0"/>
+              <a:t>Preconditions</a:t>
             </a:r>
             <a:endParaRPr lang="zh-CN" altLang="en-US" dirty="0"/>
           </a:p>
@@ -5271,8 +4975,8 @@
         </p:nvSpPr>
         <p:spPr bwMode="auto">
           <a:xfrm>
-            <a:off x="743816" y="2438400"/>
-            <a:ext cx="7942984" cy="1723549"/>
+            <a:off x="743816" y="3534727"/>
+            <a:ext cx="7942984" cy="246221"/>
           </a:xfrm>
           <a:prstGeom prst="rect">
             <a:avLst/>
@@ -5442,260 +5146,2646 @@
             </a:lvl9pPr>
           </a:lstStyle>
           <a:p>
-            <a:pPr marL="0" marR="0" lvl="0" indent="0" algn="l" defTabSz="914400" rtl="0" eaLnBrk="0" fontAlgn="base" latinLnBrk="0" hangingPunct="0">
-              <a:lnSpc>
-                <a:spcPct val="100000"/>
-              </a:lnSpc>
+            <a:endParaRPr lang="zh-CN" altLang="en-US" sz="1600" dirty="0"/>
+          </a:p>
+        </p:txBody>
+      </p:sp>
+      <p:pic>
+        <p:nvPicPr>
+          <p:cNvPr id="5" name="图片 4"/>
+          <p:cNvPicPr>
+            <a:picLocks noChangeAspect="1"/>
+          </p:cNvPicPr>
+          <p:nvPr/>
+        </p:nvPicPr>
+        <p:blipFill>
+          <a:blip r:embed="rId2"/>
+          <a:stretch>
+            <a:fillRect/>
+          </a:stretch>
+        </p:blipFill>
+        <p:spPr>
+          <a:xfrm>
+            <a:off x="528644" y="1420441"/>
+            <a:ext cx="8028571" cy="4228571"/>
+          </a:xfrm>
+          <a:prstGeom prst="rect">
+            <a:avLst/>
+          </a:prstGeom>
+        </p:spPr>
+      </p:pic>
+    </p:spTree>
+    <p:extLst>
+      <p:ext uri="{BB962C8B-B14F-4D97-AF65-F5344CB8AC3E}">
+        <p14:creationId xmlns:p14="http://schemas.microsoft.com/office/powerpoint/2010/main" val="3288057047"/>
+      </p:ext>
+    </p:extLst>
+  </p:cSld>
+  <p:clrMapOvr>
+    <a:masterClrMapping/>
+  </p:clrMapOvr>
+  <p:timing>
+    <p:tnLst>
+      <p:par>
+        <p:cTn id="1" dur="indefinite" restart="never" nodeType="tmRoot"/>
+      </p:par>
+    </p:tnLst>
+  </p:timing>
+</p:sld>
+</file>
+
+<file path=ppt/slides/slide11.xml><?xml version="1.0" encoding="utf-8"?>
+<p:sld xmlns:a="http://schemas.openxmlformats.org/drawingml/2006/main" xmlns:r="http://schemas.openxmlformats.org/officeDocument/2006/relationships" xmlns:p="http://schemas.openxmlformats.org/presentationml/2006/main">
+  <p:cSld>
+    <p:spTree>
+      <p:nvGrpSpPr>
+        <p:cNvPr id="1" name=""/>
+        <p:cNvGrpSpPr/>
+        <p:nvPr/>
+      </p:nvGrpSpPr>
+      <p:grpSpPr>
+        <a:xfrm>
+          <a:off x="0" y="0"/>
+          <a:ext cx="0" cy="0"/>
+          <a:chOff x="0" y="0"/>
+          <a:chExt cx="0" cy="0"/>
+        </a:xfrm>
+      </p:grpSpPr>
+      <p:sp>
+        <p:nvSpPr>
+          <p:cNvPr id="4" name="TextBox 3"/>
+          <p:cNvSpPr txBox="1"/>
+          <p:nvPr/>
+        </p:nvSpPr>
+        <p:spPr>
+          <a:xfrm>
+            <a:off x="732930" y="2895600"/>
+            <a:ext cx="6248400" cy="923330"/>
+          </a:xfrm>
+          <a:prstGeom prst="rect">
+            <a:avLst/>
+          </a:prstGeom>
+          <a:noFill/>
+        </p:spPr>
+        <p:txBody>
+          <a:bodyPr wrap="square" rtlCol="0">
+            <a:spAutoFit/>
+          </a:bodyPr>
+          <a:lstStyle/>
+          <a:p>
+            <a:r>
+              <a:rPr lang="en-US" altLang="zh-CN" dirty="0" smtClean="0"/>
+              <a:t>Object</a:t>
+            </a:r>
+            <a:r>
+              <a:rPr lang="zh-CN" altLang="en-US" dirty="0" smtClean="0"/>
+              <a:t>的一些常用的方法，例如</a:t>
+            </a:r>
+            <a:r>
+              <a:rPr lang="en-US" altLang="zh-CN" dirty="0" smtClean="0"/>
+              <a:t>equals, </a:t>
+            </a:r>
+            <a:r>
+              <a:rPr lang="en-US" altLang="zh-CN" dirty="0" err="1" smtClean="0"/>
+              <a:t>hashCode</a:t>
+            </a:r>
+            <a:r>
+              <a:rPr lang="en-US" altLang="zh-CN" dirty="0" smtClean="0"/>
+              <a:t>, </a:t>
+            </a:r>
+            <a:r>
+              <a:rPr lang="en-US" altLang="zh-CN" dirty="0" err="1" smtClean="0"/>
+              <a:t>toString</a:t>
+            </a:r>
+            <a:r>
+              <a:rPr lang="en-US" altLang="zh-CN" dirty="0" smtClean="0"/>
+              <a:t>, compare/</a:t>
+            </a:r>
+            <a:r>
+              <a:rPr lang="en-US" altLang="zh-CN" dirty="0" err="1" smtClean="0"/>
+              <a:t>compareTo</a:t>
+            </a:r>
+            <a:r>
+              <a:rPr lang="zh-CN" altLang="en-US" dirty="0" smtClean="0"/>
+              <a:t>等，</a:t>
+            </a:r>
+            <a:r>
+              <a:rPr lang="en-US" altLang="zh-CN" dirty="0" smtClean="0"/>
+              <a:t>Guava</a:t>
+            </a:r>
+            <a:r>
+              <a:rPr lang="zh-CN" altLang="en-US" dirty="0" smtClean="0"/>
+              <a:t>也提供了类似的方法，方便平时的开发</a:t>
+            </a:r>
+            <a:r>
+              <a:rPr lang="en-US" dirty="0" smtClean="0"/>
+              <a:t>。</a:t>
+            </a:r>
+            <a:endParaRPr lang="en-US" dirty="0" smtClean="0"/>
+          </a:p>
+        </p:txBody>
+      </p:sp>
+      <p:sp>
+        <p:nvSpPr>
+          <p:cNvPr id="6" name="TextBox 5"/>
+          <p:cNvSpPr txBox="1"/>
+          <p:nvPr/>
+        </p:nvSpPr>
+        <p:spPr bwMode="auto">
+          <a:xfrm>
+            <a:off x="743816" y="457200"/>
+            <a:ext cx="2262158" cy="523220"/>
+          </a:xfrm>
+          <a:prstGeom prst="rect">
+            <a:avLst/>
+          </a:prstGeom>
+          <a:noFill/>
+          <a:ln w="9525">
+            <a:noFill/>
+            <a:miter lim="800000"/>
+            <a:headEnd/>
+            <a:tailEnd/>
+          </a:ln>
+        </p:spPr>
+        <p:txBody>
+          <a:bodyPr wrap="none" rtlCol="0">
+            <a:spAutoFit/>
+          </a:bodyPr>
+          <a:lstStyle/>
+          <a:p>
+            <a:r>
+              <a:rPr lang="en-US" altLang="zh-CN" sz="2800" dirty="0"/>
+              <a:t>Basic </a:t>
+            </a:r>
+            <a:r>
+              <a:rPr lang="en-US" altLang="zh-CN" sz="2800" dirty="0" smtClean="0"/>
+              <a:t>utilities</a:t>
+            </a:r>
+            <a:endParaRPr lang="en-US" altLang="zh-CN" sz="2800" dirty="0"/>
+          </a:p>
+        </p:txBody>
+      </p:sp>
+      <p:sp>
+        <p:nvSpPr>
+          <p:cNvPr id="3" name="TextBox 2"/>
+          <p:cNvSpPr txBox="1"/>
+          <p:nvPr/>
+        </p:nvSpPr>
+        <p:spPr bwMode="auto">
+          <a:xfrm>
+            <a:off x="732930" y="1620323"/>
+            <a:ext cx="7028584" cy="369332"/>
+          </a:xfrm>
+          <a:prstGeom prst="rect">
+            <a:avLst/>
+          </a:prstGeom>
+          <a:noFill/>
+          <a:ln w="9525">
+            <a:noFill/>
+            <a:miter lim="800000"/>
+            <a:headEnd/>
+            <a:tailEnd/>
+          </a:ln>
+        </p:spPr>
+        <p:txBody>
+          <a:bodyPr wrap="square" rtlCol="0">
+            <a:spAutoFit/>
+          </a:bodyPr>
+          <a:lstStyle/>
+          <a:p>
+            <a:r>
+              <a:rPr lang="zh-CN" altLang="en-US" dirty="0" smtClean="0"/>
+              <a:t>常见的</a:t>
+            </a:r>
+            <a:r>
+              <a:rPr lang="en-US" altLang="zh-CN" dirty="0" smtClean="0"/>
+              <a:t>Object</a:t>
+            </a:r>
+            <a:r>
+              <a:rPr lang="zh-CN" altLang="en-US" dirty="0" smtClean="0"/>
+              <a:t>方法</a:t>
+            </a:r>
+            <a:endParaRPr lang="zh-CN" altLang="en-US" dirty="0"/>
+          </a:p>
+        </p:txBody>
+      </p:sp>
+    </p:spTree>
+    <p:extLst>
+      <p:ext uri="{BB962C8B-B14F-4D97-AF65-F5344CB8AC3E}">
+        <p14:creationId xmlns:p14="http://schemas.microsoft.com/office/powerpoint/2010/main" val="1688085756"/>
+      </p:ext>
+    </p:extLst>
+  </p:cSld>
+  <p:clrMapOvr>
+    <a:masterClrMapping/>
+  </p:clrMapOvr>
+  <p:timing>
+    <p:tnLst>
+      <p:par>
+        <p:cTn id="1" dur="indefinite" restart="never" nodeType="tmRoot"/>
+      </p:par>
+    </p:tnLst>
+  </p:timing>
+</p:sld>
+</file>
+
+<file path=ppt/slides/slide12.xml><?xml version="1.0" encoding="utf-8"?>
+<p:sld xmlns:a="http://schemas.openxmlformats.org/drawingml/2006/main" xmlns:r="http://schemas.openxmlformats.org/officeDocument/2006/relationships" xmlns:p="http://schemas.openxmlformats.org/presentationml/2006/main">
+  <p:cSld>
+    <p:spTree>
+      <p:nvGrpSpPr>
+        <p:cNvPr id="1" name=""/>
+        <p:cNvGrpSpPr/>
+        <p:nvPr/>
+      </p:nvGrpSpPr>
+      <p:grpSpPr>
+        <a:xfrm>
+          <a:off x="0" y="0"/>
+          <a:ext cx="0" cy="0"/>
+          <a:chOff x="0" y="0"/>
+          <a:chExt cx="0" cy="0"/>
+        </a:xfrm>
+      </p:grpSpPr>
+      <p:sp>
+        <p:nvSpPr>
+          <p:cNvPr id="4" name="TextBox 3"/>
+          <p:cNvSpPr txBox="1"/>
+          <p:nvPr/>
+        </p:nvSpPr>
+        <p:spPr>
+          <a:xfrm>
+            <a:off x="780102" y="2007008"/>
+            <a:ext cx="6248400" cy="369332"/>
+          </a:xfrm>
+          <a:prstGeom prst="rect">
+            <a:avLst/>
+          </a:prstGeom>
+          <a:noFill/>
+        </p:spPr>
+        <p:txBody>
+          <a:bodyPr wrap="square" rtlCol="0">
+            <a:spAutoFit/>
+          </a:bodyPr>
+          <a:lstStyle/>
+          <a:p>
+            <a:r>
+              <a:rPr lang="en-US" altLang="zh-CN" b="1" dirty="0"/>
+              <a:t>equals</a:t>
+            </a:r>
+            <a:endParaRPr lang="en-US" dirty="0" smtClean="0"/>
+          </a:p>
+        </p:txBody>
+      </p:sp>
+      <p:sp>
+        <p:nvSpPr>
+          <p:cNvPr id="6" name="TextBox 5"/>
+          <p:cNvSpPr txBox="1"/>
+          <p:nvPr/>
+        </p:nvSpPr>
+        <p:spPr bwMode="auto">
+          <a:xfrm>
+            <a:off x="743816" y="457200"/>
+            <a:ext cx="2262158" cy="523220"/>
+          </a:xfrm>
+          <a:prstGeom prst="rect">
+            <a:avLst/>
+          </a:prstGeom>
+          <a:noFill/>
+          <a:ln w="9525">
+            <a:noFill/>
+            <a:miter lim="800000"/>
+            <a:headEnd/>
+            <a:tailEnd/>
+          </a:ln>
+        </p:spPr>
+        <p:txBody>
+          <a:bodyPr wrap="none" rtlCol="0">
+            <a:spAutoFit/>
+          </a:bodyPr>
+          <a:lstStyle/>
+          <a:p>
+            <a:r>
+              <a:rPr lang="en-US" altLang="zh-CN" sz="2800" dirty="0"/>
+              <a:t>Basic </a:t>
+            </a:r>
+            <a:r>
+              <a:rPr lang="en-US" altLang="zh-CN" sz="2800" dirty="0" smtClean="0"/>
+              <a:t>utilities</a:t>
+            </a:r>
+            <a:endParaRPr lang="en-US" altLang="zh-CN" sz="2800" dirty="0"/>
+          </a:p>
+        </p:txBody>
+      </p:sp>
+      <p:sp>
+        <p:nvSpPr>
+          <p:cNvPr id="3" name="TextBox 2"/>
+          <p:cNvSpPr txBox="1"/>
+          <p:nvPr/>
+        </p:nvSpPr>
+        <p:spPr bwMode="auto">
+          <a:xfrm>
+            <a:off x="780102" y="1309048"/>
+            <a:ext cx="7028584" cy="369332"/>
+          </a:xfrm>
+          <a:prstGeom prst="rect">
+            <a:avLst/>
+          </a:prstGeom>
+          <a:noFill/>
+          <a:ln w="9525">
+            <a:noFill/>
+            <a:miter lim="800000"/>
+            <a:headEnd/>
+            <a:tailEnd/>
+          </a:ln>
+        </p:spPr>
+        <p:txBody>
+          <a:bodyPr wrap="square" rtlCol="0">
+            <a:spAutoFit/>
+          </a:bodyPr>
+          <a:lstStyle/>
+          <a:p>
+            <a:r>
+              <a:rPr lang="en-US" altLang="zh-CN" dirty="0"/>
+              <a:t>Objects</a:t>
+            </a:r>
+            <a:endParaRPr lang="zh-CN" altLang="en-US" dirty="0"/>
+          </a:p>
+        </p:txBody>
+      </p:sp>
+      <p:sp>
+        <p:nvSpPr>
+          <p:cNvPr id="5" name="TextBox 2"/>
+          <p:cNvSpPr txBox="1"/>
+          <p:nvPr/>
+        </p:nvSpPr>
+        <p:spPr bwMode="auto">
+          <a:xfrm>
+            <a:off x="743816" y="2376340"/>
+            <a:ext cx="7028584" cy="2585323"/>
+          </a:xfrm>
+          <a:prstGeom prst="rect">
+            <a:avLst/>
+          </a:prstGeom>
+          <a:noFill/>
+          <a:ln w="9525">
+            <a:noFill/>
+            <a:miter lim="800000"/>
+            <a:headEnd/>
+            <a:tailEnd/>
+          </a:ln>
+        </p:spPr>
+        <p:txBody>
+          <a:bodyPr wrap="square" rtlCol="0">
+            <a:spAutoFit/>
+          </a:bodyPr>
+          <a:lstStyle/>
+          <a:p>
+            <a:r>
+              <a:rPr lang="zh-CN" altLang="en-US" dirty="0"/>
+              <a:t>当一个对象中的字段可以为</a:t>
+            </a:r>
+            <a:r>
+              <a:rPr lang="en-US" altLang="zh-CN" dirty="0"/>
+              <a:t>null</a:t>
+            </a:r>
+            <a:r>
+              <a:rPr lang="zh-CN" altLang="en-US" dirty="0"/>
+              <a:t>时，实现</a:t>
+            </a:r>
+            <a:r>
+              <a:rPr lang="en-US" altLang="zh-CN" dirty="0" err="1"/>
+              <a:t>Object.equals</a:t>
+            </a:r>
+            <a:r>
+              <a:rPr lang="zh-CN" altLang="en-US" dirty="0"/>
+              <a:t>方法会很痛苦，因为不得不分别对它们进行</a:t>
+            </a:r>
+            <a:r>
+              <a:rPr lang="en-US" altLang="zh-CN" dirty="0"/>
+              <a:t>null</a:t>
+            </a:r>
+            <a:r>
+              <a:rPr lang="zh-CN" altLang="en-US" dirty="0"/>
+              <a:t>检查。使用</a:t>
+            </a:r>
+            <a:r>
+              <a:rPr lang="en-US" altLang="zh-CN" dirty="0" err="1"/>
+              <a:t>Objects.equal</a:t>
+            </a:r>
+            <a:r>
+              <a:rPr lang="zh-CN" altLang="en-US" dirty="0"/>
+              <a:t>帮助你执行</a:t>
+            </a:r>
+            <a:r>
+              <a:rPr lang="en-US" altLang="zh-CN" dirty="0"/>
+              <a:t>null</a:t>
+            </a:r>
+            <a:r>
+              <a:rPr lang="zh-CN" altLang="en-US" dirty="0"/>
+              <a:t>敏感的</a:t>
+            </a:r>
+            <a:r>
+              <a:rPr lang="en-US" altLang="zh-CN" dirty="0"/>
+              <a:t>equals</a:t>
+            </a:r>
+            <a:r>
+              <a:rPr lang="zh-CN" altLang="en-US" dirty="0"/>
+              <a:t>判断，从而避免抛出</a:t>
+            </a:r>
+            <a:r>
+              <a:rPr lang="en-US" altLang="zh-CN" dirty="0" err="1"/>
+              <a:t>NullPointerException</a:t>
+            </a:r>
+            <a:r>
+              <a:rPr lang="zh-CN" altLang="en-US" dirty="0"/>
+              <a:t>。例如</a:t>
+            </a:r>
+            <a:r>
+              <a:rPr lang="en-US" altLang="zh-CN" dirty="0"/>
+              <a:t>:</a:t>
+            </a:r>
+          </a:p>
+          <a:p>
+            <a:endParaRPr lang="en-US" altLang="zh-CN" dirty="0"/>
+          </a:p>
+          <a:p>
+            <a:r>
+              <a:rPr lang="en-US" altLang="zh-CN" dirty="0" smtClean="0"/>
+              <a:t>1. </a:t>
+            </a:r>
+            <a:r>
+              <a:rPr lang="en-US" altLang="zh-CN" dirty="0" err="1" smtClean="0"/>
+              <a:t>Objects.equal</a:t>
+            </a:r>
+            <a:r>
+              <a:rPr lang="en-US" altLang="zh-CN" dirty="0"/>
+              <a:t>("a", "a"); // returns true</a:t>
+            </a:r>
+          </a:p>
+          <a:p>
+            <a:r>
+              <a:rPr lang="en-US" altLang="zh-CN" dirty="0" smtClean="0"/>
+              <a:t>2. </a:t>
+            </a:r>
+            <a:r>
+              <a:rPr lang="en-US" altLang="zh-CN" dirty="0" err="1" smtClean="0"/>
+              <a:t>Objects.equal</a:t>
+            </a:r>
+            <a:r>
+              <a:rPr lang="en-US" altLang="zh-CN" dirty="0" smtClean="0"/>
+              <a:t>(null</a:t>
+            </a:r>
+            <a:r>
+              <a:rPr lang="en-US" altLang="zh-CN" dirty="0"/>
+              <a:t>, "a"); // returns false</a:t>
+            </a:r>
+          </a:p>
+          <a:p>
+            <a:r>
+              <a:rPr lang="en-US" altLang="zh-CN" dirty="0" smtClean="0"/>
+              <a:t>3. </a:t>
+            </a:r>
+            <a:r>
+              <a:rPr lang="en-US" altLang="zh-CN" dirty="0" err="1" smtClean="0"/>
+              <a:t>Objects.equal</a:t>
+            </a:r>
+            <a:r>
+              <a:rPr lang="en-US" altLang="zh-CN" dirty="0"/>
+              <a:t>("a", null); // returns false</a:t>
+            </a:r>
+          </a:p>
+          <a:p>
+            <a:r>
+              <a:rPr lang="en-US" altLang="zh-CN" dirty="0" smtClean="0"/>
+              <a:t>4. </a:t>
+            </a:r>
+            <a:r>
+              <a:rPr lang="en-US" altLang="zh-CN" dirty="0" err="1" smtClean="0"/>
+              <a:t>Objects.equal</a:t>
+            </a:r>
+            <a:r>
+              <a:rPr lang="en-US" altLang="zh-CN" dirty="0" smtClean="0"/>
+              <a:t>(null</a:t>
+            </a:r>
+            <a:r>
+              <a:rPr lang="en-US" altLang="zh-CN" dirty="0"/>
+              <a:t>, null); // returns true</a:t>
+            </a:r>
+          </a:p>
+          <a:p>
+            <a:endParaRPr lang="zh-CN" altLang="en-US" dirty="0"/>
+          </a:p>
+        </p:txBody>
+      </p:sp>
+    </p:spTree>
+    <p:extLst>
+      <p:ext uri="{BB962C8B-B14F-4D97-AF65-F5344CB8AC3E}">
+        <p14:creationId xmlns:p14="http://schemas.microsoft.com/office/powerpoint/2010/main" val="840796286"/>
+      </p:ext>
+    </p:extLst>
+  </p:cSld>
+  <p:clrMapOvr>
+    <a:masterClrMapping/>
+  </p:clrMapOvr>
+  <p:timing>
+    <p:tnLst>
+      <p:par>
+        <p:cTn id="1" dur="indefinite" restart="never" nodeType="tmRoot"/>
+      </p:par>
+    </p:tnLst>
+  </p:timing>
+</p:sld>
+</file>
+
+<file path=ppt/slides/slide13.xml><?xml version="1.0" encoding="utf-8"?>
+<p:sld xmlns:a="http://schemas.openxmlformats.org/drawingml/2006/main" xmlns:r="http://schemas.openxmlformats.org/officeDocument/2006/relationships" xmlns:p="http://schemas.openxmlformats.org/presentationml/2006/main">
+  <p:cSld>
+    <p:spTree>
+      <p:nvGrpSpPr>
+        <p:cNvPr id="1" name=""/>
+        <p:cNvGrpSpPr/>
+        <p:nvPr/>
+      </p:nvGrpSpPr>
+      <p:grpSpPr>
+        <a:xfrm>
+          <a:off x="0" y="0"/>
+          <a:ext cx="0" cy="0"/>
+          <a:chOff x="0" y="0"/>
+          <a:chExt cx="0" cy="0"/>
+        </a:xfrm>
+      </p:grpSpPr>
+      <p:sp>
+        <p:nvSpPr>
+          <p:cNvPr id="4" name="TextBox 3"/>
+          <p:cNvSpPr txBox="1"/>
+          <p:nvPr/>
+        </p:nvSpPr>
+        <p:spPr>
+          <a:xfrm>
+            <a:off x="780102" y="2007008"/>
+            <a:ext cx="6248400" cy="369332"/>
+          </a:xfrm>
+          <a:prstGeom prst="rect">
+            <a:avLst/>
+          </a:prstGeom>
+          <a:noFill/>
+        </p:spPr>
+        <p:txBody>
+          <a:bodyPr wrap="square" rtlCol="0">
+            <a:spAutoFit/>
+          </a:bodyPr>
+          <a:lstStyle/>
+          <a:p>
+            <a:r>
+              <a:rPr lang="en-US" altLang="zh-CN" b="1" dirty="0" err="1"/>
+              <a:t>hashCode</a:t>
+            </a:r>
+            <a:endParaRPr lang="en-US" dirty="0" smtClean="0"/>
+          </a:p>
+        </p:txBody>
+      </p:sp>
+      <p:sp>
+        <p:nvSpPr>
+          <p:cNvPr id="6" name="TextBox 5"/>
+          <p:cNvSpPr txBox="1"/>
+          <p:nvPr/>
+        </p:nvSpPr>
+        <p:spPr bwMode="auto">
+          <a:xfrm>
+            <a:off x="743816" y="457200"/>
+            <a:ext cx="2262158" cy="523220"/>
+          </a:xfrm>
+          <a:prstGeom prst="rect">
+            <a:avLst/>
+          </a:prstGeom>
+          <a:noFill/>
+          <a:ln w="9525">
+            <a:noFill/>
+            <a:miter lim="800000"/>
+            <a:headEnd/>
+            <a:tailEnd/>
+          </a:ln>
+        </p:spPr>
+        <p:txBody>
+          <a:bodyPr wrap="none" rtlCol="0">
+            <a:spAutoFit/>
+          </a:bodyPr>
+          <a:lstStyle/>
+          <a:p>
+            <a:r>
+              <a:rPr lang="en-US" altLang="zh-CN" sz="2800" dirty="0"/>
+              <a:t>Basic </a:t>
+            </a:r>
+            <a:r>
+              <a:rPr lang="en-US" altLang="zh-CN" sz="2800" dirty="0" smtClean="0"/>
+              <a:t>utilities</a:t>
+            </a:r>
+            <a:endParaRPr lang="en-US" altLang="zh-CN" sz="2800" dirty="0"/>
+          </a:p>
+        </p:txBody>
+      </p:sp>
+      <p:sp>
+        <p:nvSpPr>
+          <p:cNvPr id="3" name="TextBox 2"/>
+          <p:cNvSpPr txBox="1"/>
+          <p:nvPr/>
+        </p:nvSpPr>
+        <p:spPr bwMode="auto">
+          <a:xfrm>
+            <a:off x="780102" y="1309048"/>
+            <a:ext cx="7028584" cy="369332"/>
+          </a:xfrm>
+          <a:prstGeom prst="rect">
+            <a:avLst/>
+          </a:prstGeom>
+          <a:noFill/>
+          <a:ln w="9525">
+            <a:noFill/>
+            <a:miter lim="800000"/>
+            <a:headEnd/>
+            <a:tailEnd/>
+          </a:ln>
+        </p:spPr>
+        <p:txBody>
+          <a:bodyPr wrap="square" rtlCol="0">
+            <a:spAutoFit/>
+          </a:bodyPr>
+          <a:lstStyle/>
+          <a:p>
+            <a:r>
+              <a:rPr lang="en-US" altLang="zh-CN" dirty="0"/>
+              <a:t>Objects</a:t>
+            </a:r>
+            <a:endParaRPr lang="zh-CN" altLang="en-US" dirty="0"/>
+          </a:p>
+        </p:txBody>
+      </p:sp>
+      <p:sp>
+        <p:nvSpPr>
+          <p:cNvPr id="5" name="TextBox 2"/>
+          <p:cNvSpPr txBox="1"/>
+          <p:nvPr/>
+        </p:nvSpPr>
+        <p:spPr bwMode="auto">
+          <a:xfrm>
+            <a:off x="743816" y="2376340"/>
+            <a:ext cx="7028584" cy="2031325"/>
+          </a:xfrm>
+          <a:prstGeom prst="rect">
+            <a:avLst/>
+          </a:prstGeom>
+          <a:noFill/>
+          <a:ln w="9525">
+            <a:noFill/>
+            <a:miter lim="800000"/>
+            <a:headEnd/>
+            <a:tailEnd/>
+          </a:ln>
+        </p:spPr>
+        <p:txBody>
+          <a:bodyPr wrap="square" rtlCol="0">
+            <a:spAutoFit/>
+          </a:bodyPr>
+          <a:lstStyle/>
+          <a:p>
+            <a:r>
+              <a:rPr lang="zh-CN" altLang="en-US" dirty="0"/>
+              <a:t>用对象的所有字段作散列</a:t>
+            </a:r>
+            <a:r>
+              <a:rPr lang="en-US" altLang="zh-CN" dirty="0"/>
+              <a:t>[hash]</a:t>
+            </a:r>
+            <a:r>
+              <a:rPr lang="zh-CN" altLang="en-US" dirty="0"/>
+              <a:t>运算应当更简单。</a:t>
+            </a:r>
+            <a:r>
+              <a:rPr lang="en-US" altLang="zh-CN" dirty="0"/>
+              <a:t>Guava</a:t>
+            </a:r>
+            <a:r>
+              <a:rPr lang="zh-CN" altLang="en-US" dirty="0"/>
+              <a:t>的</a:t>
+            </a:r>
+            <a:r>
+              <a:rPr lang="en-US" altLang="zh-CN" dirty="0" err="1"/>
+              <a:t>Objects.hashCode</a:t>
+            </a:r>
+            <a:r>
+              <a:rPr lang="en-US" altLang="zh-CN" dirty="0"/>
+              <a:t>(Object...)</a:t>
+            </a:r>
+            <a:r>
+              <a:rPr lang="zh-CN" altLang="en-US" dirty="0"/>
+              <a:t>会对传入的字段序列计算出合理的、顺序敏感的散列值。你可以使用</a:t>
+            </a:r>
+            <a:r>
+              <a:rPr lang="en-US" altLang="zh-CN" dirty="0" err="1"/>
+              <a:t>Objects.hashCode</a:t>
+            </a:r>
+            <a:r>
+              <a:rPr lang="en-US" altLang="zh-CN" dirty="0"/>
+              <a:t>(field1, field2, …, </a:t>
+            </a:r>
+            <a:r>
+              <a:rPr lang="en-US" altLang="zh-CN" dirty="0" err="1"/>
+              <a:t>fieldn</a:t>
+            </a:r>
+            <a:r>
+              <a:rPr lang="en-US" altLang="zh-CN" dirty="0"/>
+              <a:t>)</a:t>
+            </a:r>
+            <a:r>
+              <a:rPr lang="zh-CN" altLang="en-US" dirty="0"/>
+              <a:t>来代替手动计算散列值</a:t>
+            </a:r>
+            <a:r>
+              <a:rPr lang="zh-CN" altLang="en-US" dirty="0" smtClean="0"/>
+              <a:t>。</a:t>
+            </a:r>
+          </a:p>
+          <a:p>
+            <a:endParaRPr lang="zh-CN" altLang="en-US" dirty="0"/>
+          </a:p>
+          <a:p>
+            <a:r>
+              <a:rPr lang="zh-CN" altLang="en-US" dirty="0"/>
+              <a:t>注意：</a:t>
+            </a:r>
+            <a:r>
+              <a:rPr lang="en-US" altLang="zh-CN" dirty="0"/>
+              <a:t>JDK7</a:t>
+            </a:r>
+            <a:r>
+              <a:rPr lang="zh-CN" altLang="en-US" dirty="0"/>
+              <a:t>引入的</a:t>
+            </a:r>
+            <a:r>
+              <a:rPr lang="en-US" altLang="zh-CN" dirty="0"/>
+              <a:t>Objects</a:t>
+            </a:r>
+            <a:r>
+              <a:rPr lang="zh-CN" altLang="en-US" dirty="0"/>
+              <a:t>类提供了一样的方法</a:t>
+            </a:r>
+            <a:r>
+              <a:rPr lang="en-US" altLang="zh-CN" dirty="0" err="1"/>
+              <a:t>Objects.hash</a:t>
+            </a:r>
+            <a:r>
+              <a:rPr lang="en-US" altLang="zh-CN" dirty="0"/>
+              <a:t>(Object...)</a:t>
+            </a:r>
+            <a:endParaRPr lang="zh-CN" altLang="en-US" dirty="0"/>
+          </a:p>
+        </p:txBody>
+      </p:sp>
+    </p:spTree>
+    <p:extLst>
+      <p:ext uri="{BB962C8B-B14F-4D97-AF65-F5344CB8AC3E}">
+        <p14:creationId xmlns:p14="http://schemas.microsoft.com/office/powerpoint/2010/main" val="87672856"/>
+      </p:ext>
+    </p:extLst>
+  </p:cSld>
+  <p:clrMapOvr>
+    <a:masterClrMapping/>
+  </p:clrMapOvr>
+  <p:timing>
+    <p:tnLst>
+      <p:par>
+        <p:cTn id="1" dur="indefinite" restart="never" nodeType="tmRoot"/>
+      </p:par>
+    </p:tnLst>
+  </p:timing>
+</p:sld>
+</file>
+
+<file path=ppt/slides/slide14.xml><?xml version="1.0" encoding="utf-8"?>
+<p:sld xmlns:a="http://schemas.openxmlformats.org/drawingml/2006/main" xmlns:r="http://schemas.openxmlformats.org/officeDocument/2006/relationships" xmlns:p="http://schemas.openxmlformats.org/presentationml/2006/main">
+  <p:cSld>
+    <p:spTree>
+      <p:nvGrpSpPr>
+        <p:cNvPr id="1" name=""/>
+        <p:cNvGrpSpPr/>
+        <p:nvPr/>
+      </p:nvGrpSpPr>
+      <p:grpSpPr>
+        <a:xfrm>
+          <a:off x="0" y="0"/>
+          <a:ext cx="0" cy="0"/>
+          <a:chOff x="0" y="0"/>
+          <a:chExt cx="0" cy="0"/>
+        </a:xfrm>
+      </p:grpSpPr>
+      <p:sp>
+        <p:nvSpPr>
+          <p:cNvPr id="4" name="TextBox 3"/>
+          <p:cNvSpPr txBox="1"/>
+          <p:nvPr/>
+        </p:nvSpPr>
+        <p:spPr>
+          <a:xfrm>
+            <a:off x="304800" y="1822342"/>
+            <a:ext cx="6248400" cy="369332"/>
+          </a:xfrm>
+          <a:prstGeom prst="rect">
+            <a:avLst/>
+          </a:prstGeom>
+          <a:noFill/>
+        </p:spPr>
+        <p:txBody>
+          <a:bodyPr wrap="square" rtlCol="0">
+            <a:spAutoFit/>
+          </a:bodyPr>
+          <a:lstStyle/>
+          <a:p>
+            <a:r>
+              <a:rPr lang="en-US" altLang="zh-CN" b="1" dirty="0" err="1"/>
+              <a:t>hashCode</a:t>
+            </a:r>
+            <a:endParaRPr lang="en-US" dirty="0" smtClean="0"/>
+          </a:p>
+        </p:txBody>
+      </p:sp>
+      <p:sp>
+        <p:nvSpPr>
+          <p:cNvPr id="6" name="TextBox 5"/>
+          <p:cNvSpPr txBox="1"/>
+          <p:nvPr/>
+        </p:nvSpPr>
+        <p:spPr bwMode="auto">
+          <a:xfrm>
+            <a:off x="743816" y="457200"/>
+            <a:ext cx="2262158" cy="523220"/>
+          </a:xfrm>
+          <a:prstGeom prst="rect">
+            <a:avLst/>
+          </a:prstGeom>
+          <a:noFill/>
+          <a:ln w="9525">
+            <a:noFill/>
+            <a:miter lim="800000"/>
+            <a:headEnd/>
+            <a:tailEnd/>
+          </a:ln>
+        </p:spPr>
+        <p:txBody>
+          <a:bodyPr wrap="none" rtlCol="0">
+            <a:spAutoFit/>
+          </a:bodyPr>
+          <a:lstStyle/>
+          <a:p>
+            <a:r>
+              <a:rPr lang="en-US" altLang="zh-CN" sz="2800" dirty="0"/>
+              <a:t>Basic </a:t>
+            </a:r>
+            <a:r>
+              <a:rPr lang="en-US" altLang="zh-CN" sz="2800" dirty="0" smtClean="0"/>
+              <a:t>utilities</a:t>
+            </a:r>
+            <a:endParaRPr lang="en-US" altLang="zh-CN" sz="2800" dirty="0"/>
+          </a:p>
+        </p:txBody>
+      </p:sp>
+      <p:sp>
+        <p:nvSpPr>
+          <p:cNvPr id="3" name="TextBox 2"/>
+          <p:cNvSpPr txBox="1"/>
+          <p:nvPr/>
+        </p:nvSpPr>
+        <p:spPr bwMode="auto">
+          <a:xfrm>
+            <a:off x="272143" y="1309048"/>
+            <a:ext cx="7028584" cy="369332"/>
+          </a:xfrm>
+          <a:prstGeom prst="rect">
+            <a:avLst/>
+          </a:prstGeom>
+          <a:noFill/>
+          <a:ln w="9525">
+            <a:noFill/>
+            <a:miter lim="800000"/>
+            <a:headEnd/>
+            <a:tailEnd/>
+          </a:ln>
+        </p:spPr>
+        <p:txBody>
+          <a:bodyPr wrap="square" rtlCol="0">
+            <a:spAutoFit/>
+          </a:bodyPr>
+          <a:lstStyle/>
+          <a:p>
+            <a:r>
+              <a:rPr lang="en-US" altLang="zh-CN" dirty="0"/>
+              <a:t>Objects</a:t>
+            </a:r>
+            <a:endParaRPr lang="zh-CN" altLang="en-US" dirty="0"/>
+          </a:p>
+        </p:txBody>
+      </p:sp>
+      <p:sp>
+        <p:nvSpPr>
+          <p:cNvPr id="5" name="TextBox 2"/>
+          <p:cNvSpPr txBox="1"/>
+          <p:nvPr/>
+        </p:nvSpPr>
+        <p:spPr bwMode="auto">
+          <a:xfrm>
+            <a:off x="1874895" y="1309048"/>
+            <a:ext cx="7028584" cy="4524315"/>
+          </a:xfrm>
+          <a:prstGeom prst="rect">
+            <a:avLst/>
+          </a:prstGeom>
+          <a:noFill/>
+          <a:ln w="9525">
+            <a:noFill/>
+            <a:miter lim="800000"/>
+            <a:headEnd/>
+            <a:tailEnd/>
+          </a:ln>
+        </p:spPr>
+        <p:txBody>
+          <a:bodyPr wrap="square" rtlCol="0">
+            <a:spAutoFit/>
+          </a:bodyPr>
+          <a:lstStyle/>
+          <a:p>
+            <a:r>
+              <a:rPr lang="zh-CN" altLang="en-US" dirty="0"/>
+              <a:t>因为重写的</a:t>
+            </a:r>
+            <a:r>
+              <a:rPr lang="en-US" altLang="zh-CN" dirty="0"/>
+              <a:t>equal</a:t>
+            </a:r>
+            <a:r>
+              <a:rPr lang="zh-CN" altLang="en-US" dirty="0"/>
+              <a:t>（）里一般比较的比较全面比较复杂，这样效率就比较低，而利用</a:t>
+            </a:r>
+            <a:r>
+              <a:rPr lang="en-US" altLang="zh-CN" dirty="0" err="1"/>
+              <a:t>hashCode</a:t>
+            </a:r>
+            <a:r>
+              <a:rPr lang="en-US" altLang="zh-CN" dirty="0"/>
+              <a:t>()</a:t>
+            </a:r>
+            <a:r>
+              <a:rPr lang="zh-CN" altLang="en-US" dirty="0"/>
+              <a:t>进行对比，则只要生成一个</a:t>
+            </a:r>
+            <a:r>
+              <a:rPr lang="en-US" altLang="zh-CN" dirty="0"/>
+              <a:t>hash</a:t>
+            </a:r>
+            <a:r>
+              <a:rPr lang="zh-CN" altLang="en-US" dirty="0"/>
+              <a:t>值进行比较就可以了，效率很高，那么</a:t>
+            </a:r>
+            <a:r>
+              <a:rPr lang="en-US" altLang="zh-CN" dirty="0" err="1"/>
+              <a:t>hashCode</a:t>
+            </a:r>
+            <a:r>
+              <a:rPr lang="en-US" altLang="zh-CN" dirty="0"/>
+              <a:t>()</a:t>
+            </a:r>
+            <a:r>
+              <a:rPr lang="zh-CN" altLang="en-US" dirty="0"/>
+              <a:t>既然效率这么高为什么还要</a:t>
+            </a:r>
+            <a:r>
+              <a:rPr lang="en-US" altLang="zh-CN" dirty="0"/>
+              <a:t>equal()</a:t>
+            </a:r>
+            <a:r>
+              <a:rPr lang="zh-CN" altLang="en-US" dirty="0"/>
+              <a:t>呢？</a:t>
+            </a:r>
+          </a:p>
+          <a:p>
+            <a:r>
+              <a:rPr lang="zh-CN" altLang="en-US" dirty="0"/>
+              <a:t/>
+            </a:r>
+            <a:br>
+              <a:rPr lang="zh-CN" altLang="en-US" dirty="0"/>
+            </a:br>
+            <a:endParaRPr lang="zh-CN" altLang="en-US" dirty="0"/>
+          </a:p>
+          <a:p>
+            <a:r>
+              <a:rPr lang="zh-CN" altLang="en-US" dirty="0"/>
+              <a:t>           因为</a:t>
+            </a:r>
+            <a:r>
+              <a:rPr lang="en-US" altLang="zh-CN" dirty="0" err="1"/>
+              <a:t>hashCode</a:t>
+            </a:r>
+            <a:r>
+              <a:rPr lang="en-US" altLang="zh-CN" dirty="0"/>
+              <a:t>()</a:t>
+            </a:r>
+            <a:r>
+              <a:rPr lang="zh-CN" altLang="en-US" dirty="0"/>
+              <a:t>并不是完全可靠，有时候不同的对象他们生成的</a:t>
+            </a:r>
+            <a:r>
+              <a:rPr lang="en-US" altLang="zh-CN" dirty="0" err="1"/>
+              <a:t>hashcode</a:t>
+            </a:r>
+            <a:r>
+              <a:rPr lang="zh-CN" altLang="en-US" dirty="0"/>
+              <a:t>也会一样（生成</a:t>
+            </a:r>
+            <a:r>
+              <a:rPr lang="en-US" altLang="zh-CN" dirty="0"/>
+              <a:t>hash</a:t>
+            </a:r>
+            <a:r>
+              <a:rPr lang="zh-CN" altLang="en-US" dirty="0"/>
+              <a:t>值得公式可能存在的问题），所以</a:t>
+            </a:r>
+            <a:r>
+              <a:rPr lang="en-US" altLang="zh-CN" dirty="0" err="1"/>
+              <a:t>hashCode</a:t>
+            </a:r>
+            <a:r>
+              <a:rPr lang="en-US" altLang="zh-CN" dirty="0"/>
+              <a:t>()</a:t>
+            </a:r>
+            <a:r>
+              <a:rPr lang="zh-CN" altLang="en-US" dirty="0"/>
+              <a:t>只能说是大部分时候可靠，并不是绝对可靠，所以我们可以得出：</a:t>
+            </a:r>
+          </a:p>
+          <a:p>
+            <a:r>
+              <a:rPr lang="zh-CN" altLang="en-US" dirty="0"/>
+              <a:t/>
+            </a:r>
+            <a:br>
+              <a:rPr lang="zh-CN" altLang="en-US" dirty="0"/>
+            </a:br>
+            <a:endParaRPr lang="zh-CN" altLang="en-US" dirty="0"/>
+          </a:p>
+          <a:p>
+            <a:r>
+              <a:rPr lang="zh-CN" altLang="en-US" dirty="0"/>
+              <a:t>         </a:t>
+            </a:r>
+            <a:r>
+              <a:rPr lang="en-US" altLang="zh-CN" dirty="0"/>
+              <a:t>1.equal()</a:t>
+            </a:r>
+            <a:r>
+              <a:rPr lang="zh-CN" altLang="en-US" dirty="0"/>
+              <a:t>相等的两个对象他们的</a:t>
+            </a:r>
+            <a:r>
+              <a:rPr lang="en-US" altLang="zh-CN" dirty="0" err="1"/>
+              <a:t>hashCode</a:t>
+            </a:r>
+            <a:r>
+              <a:rPr lang="en-US" altLang="zh-CN" dirty="0"/>
+              <a:t>()</a:t>
+            </a:r>
+            <a:r>
+              <a:rPr lang="zh-CN" altLang="en-US" dirty="0"/>
+              <a:t>肯定相等，也就是用</a:t>
+            </a:r>
+            <a:r>
+              <a:rPr lang="en-US" altLang="zh-CN" dirty="0"/>
+              <a:t>equal()</a:t>
+            </a:r>
+            <a:r>
+              <a:rPr lang="zh-CN" altLang="en-US" dirty="0"/>
+              <a:t>对比是绝对可靠的。</a:t>
+            </a:r>
+          </a:p>
+          <a:p>
+            <a:r>
+              <a:rPr lang="zh-CN" altLang="en-US" dirty="0"/>
+              <a:t>         </a:t>
+            </a:r>
+            <a:r>
+              <a:rPr lang="en-US" altLang="zh-CN" dirty="0"/>
+              <a:t>2.hashCode()</a:t>
+            </a:r>
+            <a:r>
+              <a:rPr lang="zh-CN" altLang="en-US" dirty="0"/>
+              <a:t>相等的两个对象他们的</a:t>
+            </a:r>
+            <a:r>
+              <a:rPr lang="en-US" altLang="zh-CN" dirty="0"/>
+              <a:t>equal()</a:t>
+            </a:r>
+            <a:r>
+              <a:rPr lang="zh-CN" altLang="en-US" dirty="0"/>
+              <a:t>不一定相等，也就是</a:t>
+            </a:r>
+            <a:r>
+              <a:rPr lang="en-US" altLang="zh-CN" dirty="0" err="1"/>
+              <a:t>hashCode</a:t>
+            </a:r>
+            <a:r>
+              <a:rPr lang="en-US" altLang="zh-CN" dirty="0"/>
+              <a:t>()</a:t>
+            </a:r>
+            <a:r>
+              <a:rPr lang="zh-CN" altLang="en-US" dirty="0"/>
+              <a:t>不是绝对可靠的。</a:t>
+            </a:r>
+          </a:p>
+        </p:txBody>
+      </p:sp>
+    </p:spTree>
+    <p:extLst>
+      <p:ext uri="{BB962C8B-B14F-4D97-AF65-F5344CB8AC3E}">
+        <p14:creationId xmlns:p14="http://schemas.microsoft.com/office/powerpoint/2010/main" val="648456646"/>
+      </p:ext>
+    </p:extLst>
+  </p:cSld>
+  <p:clrMapOvr>
+    <a:masterClrMapping/>
+  </p:clrMapOvr>
+  <p:timing>
+    <p:tnLst>
+      <p:par>
+        <p:cTn id="1" dur="indefinite" restart="never" nodeType="tmRoot"/>
+      </p:par>
+    </p:tnLst>
+  </p:timing>
+</p:sld>
+</file>
+
+<file path=ppt/slides/slide15.xml><?xml version="1.0" encoding="utf-8"?>
+<p:sld xmlns:a="http://schemas.openxmlformats.org/drawingml/2006/main" xmlns:r="http://schemas.openxmlformats.org/officeDocument/2006/relationships" xmlns:p="http://schemas.openxmlformats.org/presentationml/2006/main">
+  <p:cSld>
+    <p:spTree>
+      <p:nvGrpSpPr>
+        <p:cNvPr id="1" name=""/>
+        <p:cNvGrpSpPr/>
+        <p:nvPr/>
+      </p:nvGrpSpPr>
+      <p:grpSpPr>
+        <a:xfrm>
+          <a:off x="0" y="0"/>
+          <a:ext cx="0" cy="0"/>
+          <a:chOff x="0" y="0"/>
+          <a:chExt cx="0" cy="0"/>
+        </a:xfrm>
+      </p:grpSpPr>
+      <p:sp>
+        <p:nvSpPr>
+          <p:cNvPr id="4" name="TextBox 3"/>
+          <p:cNvSpPr txBox="1"/>
+          <p:nvPr/>
+        </p:nvSpPr>
+        <p:spPr>
+          <a:xfrm>
+            <a:off x="304800" y="1822342"/>
+            <a:ext cx="6248400" cy="369332"/>
+          </a:xfrm>
+          <a:prstGeom prst="rect">
+            <a:avLst/>
+          </a:prstGeom>
+          <a:noFill/>
+        </p:spPr>
+        <p:txBody>
+          <a:bodyPr wrap="square" rtlCol="0">
+            <a:spAutoFit/>
+          </a:bodyPr>
+          <a:lstStyle/>
+          <a:p>
+            <a:r>
+              <a:rPr lang="en-US" altLang="zh-CN" b="1" dirty="0" err="1"/>
+              <a:t>hashCode</a:t>
+            </a:r>
+            <a:endParaRPr lang="en-US" dirty="0" smtClean="0"/>
+          </a:p>
+        </p:txBody>
+      </p:sp>
+      <p:sp>
+        <p:nvSpPr>
+          <p:cNvPr id="6" name="TextBox 5"/>
+          <p:cNvSpPr txBox="1"/>
+          <p:nvPr/>
+        </p:nvSpPr>
+        <p:spPr bwMode="auto">
+          <a:xfrm>
+            <a:off x="743816" y="457200"/>
+            <a:ext cx="2262158" cy="523220"/>
+          </a:xfrm>
+          <a:prstGeom prst="rect">
+            <a:avLst/>
+          </a:prstGeom>
+          <a:noFill/>
+          <a:ln w="9525">
+            <a:noFill/>
+            <a:miter lim="800000"/>
+            <a:headEnd/>
+            <a:tailEnd/>
+          </a:ln>
+        </p:spPr>
+        <p:txBody>
+          <a:bodyPr wrap="none" rtlCol="0">
+            <a:spAutoFit/>
+          </a:bodyPr>
+          <a:lstStyle/>
+          <a:p>
+            <a:r>
+              <a:rPr lang="en-US" altLang="zh-CN" sz="2800" dirty="0"/>
+              <a:t>Basic </a:t>
+            </a:r>
+            <a:r>
+              <a:rPr lang="en-US" altLang="zh-CN" sz="2800" dirty="0" smtClean="0"/>
+              <a:t>utilities</a:t>
+            </a:r>
+            <a:endParaRPr lang="en-US" altLang="zh-CN" sz="2800" dirty="0"/>
+          </a:p>
+        </p:txBody>
+      </p:sp>
+      <p:sp>
+        <p:nvSpPr>
+          <p:cNvPr id="3" name="TextBox 2"/>
+          <p:cNvSpPr txBox="1"/>
+          <p:nvPr/>
+        </p:nvSpPr>
+        <p:spPr bwMode="auto">
+          <a:xfrm>
+            <a:off x="272143" y="1309048"/>
+            <a:ext cx="7028584" cy="369332"/>
+          </a:xfrm>
+          <a:prstGeom prst="rect">
+            <a:avLst/>
+          </a:prstGeom>
+          <a:noFill/>
+          <a:ln w="9525">
+            <a:noFill/>
+            <a:miter lim="800000"/>
+            <a:headEnd/>
+            <a:tailEnd/>
+          </a:ln>
+        </p:spPr>
+        <p:txBody>
+          <a:bodyPr wrap="square" rtlCol="0">
+            <a:spAutoFit/>
+          </a:bodyPr>
+          <a:lstStyle/>
+          <a:p>
+            <a:r>
+              <a:rPr lang="en-US" altLang="zh-CN" dirty="0"/>
+              <a:t>Objects</a:t>
+            </a:r>
+            <a:endParaRPr lang="zh-CN" altLang="en-US" dirty="0"/>
+          </a:p>
+        </p:txBody>
+      </p:sp>
+      <p:pic>
+        <p:nvPicPr>
+          <p:cNvPr id="7" name="图片 6"/>
+          <p:cNvPicPr>
+            <a:picLocks noChangeAspect="1"/>
+          </p:cNvPicPr>
+          <p:nvPr/>
+        </p:nvPicPr>
+        <p:blipFill>
+          <a:blip r:embed="rId2"/>
+          <a:stretch>
+            <a:fillRect/>
+          </a:stretch>
+        </p:blipFill>
+        <p:spPr>
+          <a:xfrm>
+            <a:off x="1752600" y="1272762"/>
+            <a:ext cx="5548127" cy="4514286"/>
+          </a:xfrm>
+          <a:prstGeom prst="rect">
+            <a:avLst/>
+          </a:prstGeom>
+        </p:spPr>
+      </p:pic>
+    </p:spTree>
+    <p:extLst>
+      <p:ext uri="{BB962C8B-B14F-4D97-AF65-F5344CB8AC3E}">
+        <p14:creationId xmlns:p14="http://schemas.microsoft.com/office/powerpoint/2010/main" val="4229757531"/>
+      </p:ext>
+    </p:extLst>
+  </p:cSld>
+  <p:clrMapOvr>
+    <a:masterClrMapping/>
+  </p:clrMapOvr>
+  <p:timing>
+    <p:tnLst>
+      <p:par>
+        <p:cTn id="1" dur="indefinite" restart="never" nodeType="tmRoot"/>
+      </p:par>
+    </p:tnLst>
+  </p:timing>
+</p:sld>
+</file>
+
+<file path=ppt/slides/slide16.xml><?xml version="1.0" encoding="utf-8"?>
+<p:sld xmlns:a="http://schemas.openxmlformats.org/drawingml/2006/main" xmlns:r="http://schemas.openxmlformats.org/officeDocument/2006/relationships" xmlns:p="http://schemas.openxmlformats.org/presentationml/2006/main">
+  <p:cSld>
+    <p:spTree>
+      <p:nvGrpSpPr>
+        <p:cNvPr id="1" name=""/>
+        <p:cNvGrpSpPr/>
+        <p:nvPr/>
+      </p:nvGrpSpPr>
+      <p:grpSpPr>
+        <a:xfrm>
+          <a:off x="0" y="0"/>
+          <a:ext cx="0" cy="0"/>
+          <a:chOff x="0" y="0"/>
+          <a:chExt cx="0" cy="0"/>
+        </a:xfrm>
+      </p:grpSpPr>
+      <p:sp>
+        <p:nvSpPr>
+          <p:cNvPr id="4" name="TextBox 3"/>
+          <p:cNvSpPr txBox="1"/>
+          <p:nvPr/>
+        </p:nvSpPr>
+        <p:spPr>
+          <a:xfrm>
+            <a:off x="304800" y="1822342"/>
+            <a:ext cx="6248400" cy="369332"/>
+          </a:xfrm>
+          <a:prstGeom prst="rect">
+            <a:avLst/>
+          </a:prstGeom>
+          <a:noFill/>
+        </p:spPr>
+        <p:txBody>
+          <a:bodyPr wrap="square" rtlCol="0">
+            <a:spAutoFit/>
+          </a:bodyPr>
+          <a:lstStyle/>
+          <a:p>
+            <a:r>
+              <a:rPr lang="en-US" altLang="zh-CN" b="1" dirty="0" err="1"/>
+              <a:t>hashCode</a:t>
+            </a:r>
+            <a:endParaRPr lang="en-US" dirty="0" smtClean="0"/>
+          </a:p>
+        </p:txBody>
+      </p:sp>
+      <p:sp>
+        <p:nvSpPr>
+          <p:cNvPr id="6" name="TextBox 5"/>
+          <p:cNvSpPr txBox="1"/>
+          <p:nvPr/>
+        </p:nvSpPr>
+        <p:spPr bwMode="auto">
+          <a:xfrm>
+            <a:off x="743816" y="457200"/>
+            <a:ext cx="2262158" cy="523220"/>
+          </a:xfrm>
+          <a:prstGeom prst="rect">
+            <a:avLst/>
+          </a:prstGeom>
+          <a:noFill/>
+          <a:ln w="9525">
+            <a:noFill/>
+            <a:miter lim="800000"/>
+            <a:headEnd/>
+            <a:tailEnd/>
+          </a:ln>
+        </p:spPr>
+        <p:txBody>
+          <a:bodyPr wrap="none" rtlCol="0">
+            <a:spAutoFit/>
+          </a:bodyPr>
+          <a:lstStyle/>
+          <a:p>
+            <a:r>
+              <a:rPr lang="en-US" altLang="zh-CN" sz="2800" dirty="0"/>
+              <a:t>Basic </a:t>
+            </a:r>
+            <a:r>
+              <a:rPr lang="en-US" altLang="zh-CN" sz="2800" dirty="0" smtClean="0"/>
+              <a:t>utilities</a:t>
+            </a:r>
+            <a:endParaRPr lang="en-US" altLang="zh-CN" sz="2800" dirty="0"/>
+          </a:p>
+        </p:txBody>
+      </p:sp>
+      <p:sp>
+        <p:nvSpPr>
+          <p:cNvPr id="3" name="TextBox 2"/>
+          <p:cNvSpPr txBox="1"/>
+          <p:nvPr/>
+        </p:nvSpPr>
+        <p:spPr bwMode="auto">
+          <a:xfrm>
+            <a:off x="272143" y="1309048"/>
+            <a:ext cx="7028584" cy="369332"/>
+          </a:xfrm>
+          <a:prstGeom prst="rect">
+            <a:avLst/>
+          </a:prstGeom>
+          <a:noFill/>
+          <a:ln w="9525">
+            <a:noFill/>
+            <a:miter lim="800000"/>
+            <a:headEnd/>
+            <a:tailEnd/>
+          </a:ln>
+        </p:spPr>
+        <p:txBody>
+          <a:bodyPr wrap="square" rtlCol="0">
+            <a:spAutoFit/>
+          </a:bodyPr>
+          <a:lstStyle/>
+          <a:p>
+            <a:r>
+              <a:rPr lang="en-US" altLang="zh-CN" dirty="0"/>
+              <a:t>Objects</a:t>
+            </a:r>
+            <a:endParaRPr lang="zh-CN" altLang="en-US" dirty="0"/>
+          </a:p>
+        </p:txBody>
+      </p:sp>
+      <p:pic>
+        <p:nvPicPr>
+          <p:cNvPr id="2" name="图片 1"/>
+          <p:cNvPicPr>
+            <a:picLocks noChangeAspect="1"/>
+          </p:cNvPicPr>
+          <p:nvPr/>
+        </p:nvPicPr>
+        <p:blipFill>
+          <a:blip r:embed="rId2"/>
+          <a:stretch>
+            <a:fillRect/>
+          </a:stretch>
+        </p:blipFill>
+        <p:spPr>
+          <a:xfrm>
+            <a:off x="1752600" y="1143000"/>
+            <a:ext cx="6019800" cy="4870722"/>
+          </a:xfrm>
+          <a:prstGeom prst="rect">
+            <a:avLst/>
+          </a:prstGeom>
+        </p:spPr>
+      </p:pic>
+    </p:spTree>
+    <p:extLst>
+      <p:ext uri="{BB962C8B-B14F-4D97-AF65-F5344CB8AC3E}">
+        <p14:creationId xmlns:p14="http://schemas.microsoft.com/office/powerpoint/2010/main" val="1190916814"/>
+      </p:ext>
+    </p:extLst>
+  </p:cSld>
+  <p:clrMapOvr>
+    <a:masterClrMapping/>
+  </p:clrMapOvr>
+  <p:timing>
+    <p:tnLst>
+      <p:par>
+        <p:cTn id="1" dur="indefinite" restart="never" nodeType="tmRoot"/>
+      </p:par>
+    </p:tnLst>
+  </p:timing>
+</p:sld>
+</file>
+
+<file path=ppt/slides/slide17.xml><?xml version="1.0" encoding="utf-8"?>
+<p:sld xmlns:a="http://schemas.openxmlformats.org/drawingml/2006/main" xmlns:r="http://schemas.openxmlformats.org/officeDocument/2006/relationships" xmlns:p="http://schemas.openxmlformats.org/presentationml/2006/main">
+  <p:cSld>
+    <p:spTree>
+      <p:nvGrpSpPr>
+        <p:cNvPr id="1" name=""/>
+        <p:cNvGrpSpPr/>
+        <p:nvPr/>
+      </p:nvGrpSpPr>
+      <p:grpSpPr>
+        <a:xfrm>
+          <a:off x="0" y="0"/>
+          <a:ext cx="0" cy="0"/>
+          <a:chOff x="0" y="0"/>
+          <a:chExt cx="0" cy="0"/>
+        </a:xfrm>
+      </p:grpSpPr>
+      <p:sp>
+        <p:nvSpPr>
+          <p:cNvPr id="4" name="TextBox 3"/>
+          <p:cNvSpPr txBox="1"/>
+          <p:nvPr/>
+        </p:nvSpPr>
+        <p:spPr>
+          <a:xfrm>
+            <a:off x="780102" y="2007008"/>
+            <a:ext cx="6248400" cy="369332"/>
+          </a:xfrm>
+          <a:prstGeom prst="rect">
+            <a:avLst/>
+          </a:prstGeom>
+          <a:noFill/>
+        </p:spPr>
+        <p:txBody>
+          <a:bodyPr wrap="square" rtlCol="0">
+            <a:spAutoFit/>
+          </a:bodyPr>
+          <a:lstStyle/>
+          <a:p>
+            <a:r>
+              <a:rPr lang="en-US" altLang="zh-CN" b="1" dirty="0" err="1"/>
+              <a:t>toString</a:t>
+            </a:r>
+            <a:endParaRPr lang="en-US" dirty="0" smtClean="0"/>
+          </a:p>
+        </p:txBody>
+      </p:sp>
+      <p:sp>
+        <p:nvSpPr>
+          <p:cNvPr id="6" name="TextBox 5"/>
+          <p:cNvSpPr txBox="1"/>
+          <p:nvPr/>
+        </p:nvSpPr>
+        <p:spPr bwMode="auto">
+          <a:xfrm>
+            <a:off x="743816" y="457200"/>
+            <a:ext cx="2262158" cy="523220"/>
+          </a:xfrm>
+          <a:prstGeom prst="rect">
+            <a:avLst/>
+          </a:prstGeom>
+          <a:noFill/>
+          <a:ln w="9525">
+            <a:noFill/>
+            <a:miter lim="800000"/>
+            <a:headEnd/>
+            <a:tailEnd/>
+          </a:ln>
+        </p:spPr>
+        <p:txBody>
+          <a:bodyPr wrap="none" rtlCol="0">
+            <a:spAutoFit/>
+          </a:bodyPr>
+          <a:lstStyle/>
+          <a:p>
+            <a:r>
+              <a:rPr lang="en-US" altLang="zh-CN" sz="2800" dirty="0"/>
+              <a:t>Basic </a:t>
+            </a:r>
+            <a:r>
+              <a:rPr lang="en-US" altLang="zh-CN" sz="2800" dirty="0" smtClean="0"/>
+              <a:t>utilities</a:t>
+            </a:r>
+            <a:endParaRPr lang="en-US" altLang="zh-CN" sz="2800" dirty="0"/>
+          </a:p>
+        </p:txBody>
+      </p:sp>
+      <p:sp>
+        <p:nvSpPr>
+          <p:cNvPr id="3" name="TextBox 2"/>
+          <p:cNvSpPr txBox="1"/>
+          <p:nvPr/>
+        </p:nvSpPr>
+        <p:spPr bwMode="auto">
+          <a:xfrm>
+            <a:off x="780102" y="1309048"/>
+            <a:ext cx="7028584" cy="369332"/>
+          </a:xfrm>
+          <a:prstGeom prst="rect">
+            <a:avLst/>
+          </a:prstGeom>
+          <a:noFill/>
+          <a:ln w="9525">
+            <a:noFill/>
+            <a:miter lim="800000"/>
+            <a:headEnd/>
+            <a:tailEnd/>
+          </a:ln>
+        </p:spPr>
+        <p:txBody>
+          <a:bodyPr wrap="square" rtlCol="0">
+            <a:spAutoFit/>
+          </a:bodyPr>
+          <a:lstStyle/>
+          <a:p>
+            <a:r>
+              <a:rPr lang="en-US" altLang="zh-CN" dirty="0" err="1"/>
+              <a:t>MoreObjects</a:t>
+            </a:r>
+            <a:endParaRPr lang="zh-CN" altLang="en-US" dirty="0"/>
+          </a:p>
+        </p:txBody>
+      </p:sp>
+      <p:sp>
+        <p:nvSpPr>
+          <p:cNvPr id="5" name="TextBox 2"/>
+          <p:cNvSpPr txBox="1"/>
+          <p:nvPr/>
+        </p:nvSpPr>
+        <p:spPr bwMode="auto">
+          <a:xfrm>
+            <a:off x="743816" y="2357823"/>
+            <a:ext cx="7028584" cy="2031325"/>
+          </a:xfrm>
+          <a:prstGeom prst="rect">
+            <a:avLst/>
+          </a:prstGeom>
+          <a:noFill/>
+          <a:ln w="9525">
+            <a:noFill/>
+            <a:miter lim="800000"/>
+            <a:headEnd/>
+            <a:tailEnd/>
+          </a:ln>
+        </p:spPr>
+        <p:txBody>
+          <a:bodyPr wrap="square" rtlCol="0">
+            <a:spAutoFit/>
+          </a:bodyPr>
+          <a:lstStyle/>
+          <a:p>
+            <a:r>
+              <a:rPr lang="zh-CN" altLang="en-US" dirty="0"/>
+              <a:t>好的</a:t>
+            </a:r>
+            <a:r>
+              <a:rPr lang="en-US" altLang="zh-CN" dirty="0" err="1"/>
+              <a:t>toString</a:t>
+            </a:r>
+            <a:r>
+              <a:rPr lang="zh-CN" altLang="en-US" dirty="0"/>
+              <a:t>方法在调试时是无价之宝，但是编写</a:t>
+            </a:r>
+            <a:r>
+              <a:rPr lang="en-US" altLang="zh-CN" dirty="0" err="1"/>
+              <a:t>toString</a:t>
+            </a:r>
+            <a:r>
+              <a:rPr lang="zh-CN" altLang="en-US" dirty="0"/>
+              <a:t>方法有时候却很痛苦。使用 </a:t>
+            </a:r>
+            <a:r>
+              <a:rPr lang="en-US" altLang="zh-CN" dirty="0" err="1"/>
+              <a:t>Objects.toStringHelper</a:t>
+            </a:r>
+            <a:r>
+              <a:rPr lang="zh-CN" altLang="en-US" dirty="0"/>
+              <a:t>可以轻松编写有用的</a:t>
+            </a:r>
+            <a:r>
+              <a:rPr lang="en-US" altLang="zh-CN" dirty="0" err="1"/>
+              <a:t>toString</a:t>
+            </a:r>
+            <a:r>
+              <a:rPr lang="zh-CN" altLang="en-US" dirty="0"/>
+              <a:t>方法。例如：</a:t>
+            </a:r>
+          </a:p>
+          <a:p>
+            <a:r>
+              <a:rPr lang="en-US" altLang="zh-CN" dirty="0" smtClean="0"/>
+              <a:t>// </a:t>
+            </a:r>
+            <a:r>
+              <a:rPr lang="en-US" altLang="zh-CN" dirty="0"/>
+              <a:t>Returns "</a:t>
+            </a:r>
+            <a:r>
+              <a:rPr lang="en-US" altLang="zh-CN" dirty="0" err="1"/>
+              <a:t>ClassName</a:t>
+            </a:r>
+            <a:r>
+              <a:rPr lang="en-US" altLang="zh-CN" dirty="0"/>
+              <a:t>{x=1}"</a:t>
+            </a:r>
+          </a:p>
+          <a:p>
+            <a:r>
+              <a:rPr lang="en-US" altLang="zh-CN" dirty="0" err="1"/>
+              <a:t>MoreObjects</a:t>
+            </a:r>
+            <a:r>
+              <a:rPr lang="en-US" altLang="zh-CN" dirty="0" err="1" smtClean="0"/>
+              <a:t>.toStringHelper</a:t>
+            </a:r>
+            <a:r>
+              <a:rPr lang="en-US" altLang="zh-CN" dirty="0" smtClean="0"/>
+              <a:t>(this</a:t>
+            </a:r>
+            <a:r>
+              <a:rPr lang="en-US" altLang="zh-CN" dirty="0"/>
+              <a:t>).add("x", 1).</a:t>
+            </a:r>
+            <a:r>
+              <a:rPr lang="en-US" altLang="zh-CN" dirty="0" err="1"/>
+              <a:t>toString</a:t>
+            </a:r>
+            <a:r>
+              <a:rPr lang="en-US" altLang="zh-CN" dirty="0" smtClean="0"/>
+              <a:t>();</a:t>
+            </a:r>
+            <a:endParaRPr lang="en-US" altLang="zh-CN" dirty="0"/>
+          </a:p>
+          <a:p>
+            <a:r>
+              <a:rPr lang="en-US" altLang="zh-CN" dirty="0"/>
+              <a:t>// </a:t>
+            </a:r>
+            <a:r>
+              <a:rPr lang="en-US" altLang="zh-CN" dirty="0" smtClean="0"/>
+              <a:t>Returns </a:t>
+            </a:r>
+            <a:r>
+              <a:rPr lang="en-US" altLang="zh-CN" dirty="0"/>
+              <a:t>"</a:t>
+            </a:r>
+            <a:r>
+              <a:rPr lang="en-US" altLang="zh-CN" dirty="0" err="1"/>
+              <a:t>MyObject</a:t>
+            </a:r>
+            <a:r>
+              <a:rPr lang="en-US" altLang="zh-CN" dirty="0"/>
+              <a:t>{x=1</a:t>
+            </a:r>
+            <a:r>
+              <a:rPr lang="en-US" altLang="zh-CN" dirty="0" smtClean="0"/>
+              <a:t>}"</a:t>
+            </a:r>
+            <a:endParaRPr lang="en-US" altLang="zh-CN" dirty="0"/>
+          </a:p>
+          <a:p>
+            <a:r>
+              <a:rPr lang="en-US" altLang="zh-CN" dirty="0" err="1"/>
+              <a:t>MoreObjects</a:t>
+            </a:r>
+            <a:r>
+              <a:rPr lang="en-US" altLang="zh-CN" dirty="0" err="1" smtClean="0"/>
+              <a:t>.toStringHelper</a:t>
+            </a:r>
+            <a:r>
+              <a:rPr lang="en-US" altLang="zh-CN" dirty="0" smtClean="0"/>
+              <a:t>("</a:t>
+            </a:r>
+            <a:r>
+              <a:rPr lang="en-US" altLang="zh-CN" dirty="0" err="1"/>
+              <a:t>MyObject</a:t>
+            </a:r>
+            <a:r>
+              <a:rPr lang="en-US" altLang="zh-CN" dirty="0"/>
+              <a:t>").add("x", 1).</a:t>
+            </a:r>
+            <a:r>
+              <a:rPr lang="en-US" altLang="zh-CN" dirty="0" err="1"/>
+              <a:t>toString</a:t>
+            </a:r>
+            <a:r>
+              <a:rPr lang="en-US" altLang="zh-CN" dirty="0"/>
+              <a:t>();</a:t>
+            </a:r>
+          </a:p>
+        </p:txBody>
+      </p:sp>
+      <p:pic>
+        <p:nvPicPr>
+          <p:cNvPr id="2" name="图片 1"/>
+          <p:cNvPicPr>
+            <a:picLocks noChangeAspect="1"/>
+          </p:cNvPicPr>
+          <p:nvPr/>
+        </p:nvPicPr>
+        <p:blipFill>
+          <a:blip r:embed="rId2"/>
+          <a:stretch>
+            <a:fillRect/>
+          </a:stretch>
+        </p:blipFill>
+        <p:spPr>
+          <a:xfrm>
+            <a:off x="801873" y="4640019"/>
+            <a:ext cx="6285714" cy="857143"/>
+          </a:xfrm>
+          <a:prstGeom prst="rect">
+            <a:avLst/>
+          </a:prstGeom>
+        </p:spPr>
+      </p:pic>
+    </p:spTree>
+    <p:extLst>
+      <p:ext uri="{BB962C8B-B14F-4D97-AF65-F5344CB8AC3E}">
+        <p14:creationId xmlns:p14="http://schemas.microsoft.com/office/powerpoint/2010/main" val="2466403601"/>
+      </p:ext>
+    </p:extLst>
+  </p:cSld>
+  <p:clrMapOvr>
+    <a:masterClrMapping/>
+  </p:clrMapOvr>
+  <p:timing>
+    <p:tnLst>
+      <p:par>
+        <p:cTn id="1" dur="indefinite" restart="never" nodeType="tmRoot"/>
+      </p:par>
+    </p:tnLst>
+  </p:timing>
+</p:sld>
+</file>
+
+<file path=ppt/slides/slide18.xml><?xml version="1.0" encoding="utf-8"?>
+<p:sld xmlns:a="http://schemas.openxmlformats.org/drawingml/2006/main" xmlns:r="http://schemas.openxmlformats.org/officeDocument/2006/relationships" xmlns:p="http://schemas.openxmlformats.org/presentationml/2006/main">
+  <p:cSld>
+    <p:spTree>
+      <p:nvGrpSpPr>
+        <p:cNvPr id="1" name=""/>
+        <p:cNvGrpSpPr/>
+        <p:nvPr/>
+      </p:nvGrpSpPr>
+      <p:grpSpPr>
+        <a:xfrm>
+          <a:off x="0" y="0"/>
+          <a:ext cx="0" cy="0"/>
+          <a:chOff x="0" y="0"/>
+          <a:chExt cx="0" cy="0"/>
+        </a:xfrm>
+      </p:grpSpPr>
+      <p:sp>
+        <p:nvSpPr>
+          <p:cNvPr id="2" name="TextBox 1"/>
+          <p:cNvSpPr txBox="1"/>
+          <p:nvPr/>
+        </p:nvSpPr>
+        <p:spPr bwMode="auto">
+          <a:xfrm>
+            <a:off x="3352800" y="2590800"/>
+            <a:ext cx="1590692" cy="707886"/>
+          </a:xfrm>
+          <a:prstGeom prst="rect">
+            <a:avLst/>
+          </a:prstGeom>
+          <a:noFill/>
+          <a:ln w="9525">
+            <a:noFill/>
+            <a:miter lim="800000"/>
+            <a:headEnd/>
+            <a:tailEnd/>
+          </a:ln>
+        </p:spPr>
+        <p:txBody>
+          <a:bodyPr wrap="none" rtlCol="0">
+            <a:spAutoFit/>
+          </a:bodyPr>
+          <a:lstStyle/>
+          <a:p>
+            <a:r>
+              <a:rPr lang="en-US" sz="4000" b="1" dirty="0" smtClean="0"/>
+              <a:t>Q &amp; A</a:t>
+            </a:r>
+            <a:endParaRPr lang="en-US" sz="4000" b="1" dirty="0"/>
+          </a:p>
+        </p:txBody>
+      </p:sp>
+    </p:spTree>
+    <p:extLst>
+      <p:ext uri="{BB962C8B-B14F-4D97-AF65-F5344CB8AC3E}">
+        <p14:creationId xmlns:p14="http://schemas.microsoft.com/office/powerpoint/2010/main" val="1865794899"/>
+      </p:ext>
+    </p:extLst>
+  </p:cSld>
+  <p:clrMapOvr>
+    <a:masterClrMapping/>
+  </p:clrMapOvr>
+  <p:timing>
+    <p:tnLst>
+      <p:par>
+        <p:cTn id="1" dur="indefinite" restart="never" nodeType="tmRoot"/>
+      </p:par>
+    </p:tnLst>
+  </p:timing>
+</p:sld>
+</file>
+
+<file path=ppt/slides/slide2.xml><?xml version="1.0" encoding="utf-8"?>
+<p:sld xmlns:a="http://schemas.openxmlformats.org/drawingml/2006/main" xmlns:r="http://schemas.openxmlformats.org/officeDocument/2006/relationships" xmlns:p="http://schemas.openxmlformats.org/presentationml/2006/main">
+  <p:cSld>
+    <p:spTree>
+      <p:nvGrpSpPr>
+        <p:cNvPr id="1" name=""/>
+        <p:cNvGrpSpPr/>
+        <p:nvPr/>
+      </p:nvGrpSpPr>
+      <p:grpSpPr>
+        <a:xfrm>
+          <a:off x="0" y="0"/>
+          <a:ext cx="0" cy="0"/>
+          <a:chOff x="0" y="0"/>
+          <a:chExt cx="0" cy="0"/>
+        </a:xfrm>
+      </p:grpSpPr>
+      <p:sp>
+        <p:nvSpPr>
+          <p:cNvPr id="3" name="TextBox 2"/>
+          <p:cNvSpPr txBox="1"/>
+          <p:nvPr/>
+        </p:nvSpPr>
+        <p:spPr>
+          <a:xfrm>
+            <a:off x="914400" y="1143000"/>
+            <a:ext cx="7620000" cy="3416320"/>
+          </a:xfrm>
+          <a:prstGeom prst="rect">
+            <a:avLst/>
+          </a:prstGeom>
+          <a:noFill/>
+        </p:spPr>
+        <p:txBody>
+          <a:bodyPr wrap="square" rtlCol="0">
+            <a:spAutoFit/>
+          </a:bodyPr>
+          <a:lstStyle/>
+          <a:p>
+            <a:pPr marL="342900" indent="-342900">
+              <a:buAutoNum type="arabicPeriod"/>
+            </a:pPr>
+            <a:r>
+              <a:rPr lang="en-US" sz="2400" dirty="0" smtClean="0"/>
+              <a:t>What is Guava</a:t>
+            </a:r>
+          </a:p>
+          <a:p>
+            <a:pPr marL="342900" indent="-342900">
+              <a:buAutoNum type="arabicPeriod"/>
+            </a:pPr>
+            <a:endParaRPr lang="en-US" sz="2400" dirty="0" smtClean="0"/>
+          </a:p>
+          <a:p>
+            <a:pPr marL="342900" indent="-342900">
+              <a:buAutoNum type="arabicPeriod"/>
+            </a:pPr>
+            <a:r>
+              <a:rPr lang="en-US" sz="2400" dirty="0"/>
+              <a:t>Basic </a:t>
+            </a:r>
+            <a:r>
+              <a:rPr lang="en-US" sz="2400" dirty="0" smtClean="0"/>
+              <a:t>utilities.</a:t>
+            </a:r>
+          </a:p>
+          <a:p>
+            <a:pPr marL="342900" indent="-342900">
+              <a:buAutoNum type="arabicPeriod"/>
+            </a:pPr>
+            <a:endParaRPr lang="en-US" sz="2400" dirty="0" smtClean="0"/>
+          </a:p>
+          <a:p>
+            <a:pPr marL="342900" indent="-342900">
+              <a:buFontTx/>
+              <a:buAutoNum type="arabicPeriod"/>
+            </a:pPr>
+            <a:r>
+              <a:rPr lang="en-US" sz="2400" dirty="0" smtClean="0"/>
+              <a:t>Collections.</a:t>
+            </a:r>
+          </a:p>
+          <a:p>
+            <a:pPr marL="342900" indent="-342900">
+              <a:buFontTx/>
+              <a:buAutoNum type="arabicPeriod"/>
+            </a:pPr>
+            <a:endParaRPr lang="en-US" sz="2400" dirty="0"/>
+          </a:p>
+          <a:p>
+            <a:pPr marL="342900" indent="-342900">
+              <a:buFontTx/>
+              <a:buAutoNum type="arabicPeriod"/>
+            </a:pPr>
+            <a:r>
+              <a:rPr lang="en-US" sz="2400" dirty="0" smtClean="0"/>
+              <a:t>Caches.</a:t>
+            </a:r>
+          </a:p>
+          <a:p>
+            <a:pPr marL="342900" indent="-342900">
+              <a:buFontTx/>
+              <a:buAutoNum type="arabicPeriod"/>
+            </a:pPr>
+            <a:r>
+              <a:rPr lang="en-US" sz="2400" dirty="0"/>
+              <a:t>Strings</a:t>
+            </a:r>
+          </a:p>
+          <a:p>
+            <a:pPr marL="342900" indent="-342900">
+              <a:buAutoNum type="arabicPeriod"/>
+            </a:pPr>
+            <a:endParaRPr lang="en-US" sz="2400" dirty="0"/>
+          </a:p>
+        </p:txBody>
+      </p:sp>
+    </p:spTree>
+    <p:extLst>
+      <p:ext uri="{BB962C8B-B14F-4D97-AF65-F5344CB8AC3E}">
+        <p14:creationId xmlns:p14="http://schemas.microsoft.com/office/powerpoint/2010/main" val="1072908207"/>
+      </p:ext>
+    </p:extLst>
+  </p:cSld>
+  <p:clrMapOvr>
+    <a:masterClrMapping/>
+  </p:clrMapOvr>
+  <p:timing>
+    <p:tnLst>
+      <p:par>
+        <p:cTn id="1" dur="indefinite" restart="never" nodeType="tmRoot"/>
+      </p:par>
+    </p:tnLst>
+  </p:timing>
+</p:sld>
+</file>
+
+<file path=ppt/slides/slide3.xml><?xml version="1.0" encoding="utf-8"?>
+<p:sld xmlns:a="http://schemas.openxmlformats.org/drawingml/2006/main" xmlns:r="http://schemas.openxmlformats.org/officeDocument/2006/relationships" xmlns:p="http://schemas.openxmlformats.org/presentationml/2006/main">
+  <p:cSld>
+    <p:spTree>
+      <p:nvGrpSpPr>
+        <p:cNvPr id="1" name=""/>
+        <p:cNvGrpSpPr/>
+        <p:nvPr/>
+      </p:nvGrpSpPr>
+      <p:grpSpPr>
+        <a:xfrm>
+          <a:off x="0" y="0"/>
+          <a:ext cx="0" cy="0"/>
+          <a:chOff x="0" y="0"/>
+          <a:chExt cx="0" cy="0"/>
+        </a:xfrm>
+      </p:grpSpPr>
+      <p:sp>
+        <p:nvSpPr>
+          <p:cNvPr id="4" name="TextBox 3"/>
+          <p:cNvSpPr txBox="1"/>
+          <p:nvPr/>
+        </p:nvSpPr>
+        <p:spPr>
+          <a:xfrm>
+            <a:off x="732930" y="2680359"/>
+            <a:ext cx="7620000" cy="369332"/>
+          </a:xfrm>
+          <a:prstGeom prst="rect">
+            <a:avLst/>
+          </a:prstGeom>
+          <a:noFill/>
+        </p:spPr>
+        <p:txBody>
+          <a:bodyPr wrap="square" rtlCol="0">
+            <a:spAutoFit/>
+          </a:bodyPr>
+          <a:lstStyle/>
+          <a:p>
+            <a:endParaRPr lang="en-US" dirty="0" smtClean="0"/>
+          </a:p>
+        </p:txBody>
+      </p:sp>
+      <p:sp>
+        <p:nvSpPr>
+          <p:cNvPr id="6" name="TextBox 5"/>
+          <p:cNvSpPr txBox="1"/>
+          <p:nvPr/>
+        </p:nvSpPr>
+        <p:spPr bwMode="auto">
+          <a:xfrm>
+            <a:off x="743816" y="457200"/>
+            <a:ext cx="2760692" cy="523220"/>
+          </a:xfrm>
+          <a:prstGeom prst="rect">
+            <a:avLst/>
+          </a:prstGeom>
+          <a:noFill/>
+          <a:ln w="9525">
+            <a:noFill/>
+            <a:miter lim="800000"/>
+            <a:headEnd/>
+            <a:tailEnd/>
+          </a:ln>
+        </p:spPr>
+        <p:txBody>
+          <a:bodyPr wrap="none" rtlCol="0">
+            <a:spAutoFit/>
+          </a:bodyPr>
+          <a:lstStyle/>
+          <a:p>
+            <a:r>
+              <a:rPr lang="en-US" altLang="zh-CN" sz="2800" dirty="0" smtClean="0"/>
+              <a:t>What is Guava</a:t>
+            </a:r>
+            <a:r>
+              <a:rPr lang="en-US" sz="2800" b="1" dirty="0" smtClean="0"/>
+              <a:t>?</a:t>
+            </a:r>
+            <a:endParaRPr lang="en-US" sz="2800" b="1" dirty="0"/>
+          </a:p>
+        </p:txBody>
+      </p:sp>
+      <p:sp>
+        <p:nvSpPr>
+          <p:cNvPr id="3" name="TextBox 2"/>
+          <p:cNvSpPr txBox="1"/>
+          <p:nvPr/>
+        </p:nvSpPr>
+        <p:spPr bwMode="auto">
+          <a:xfrm>
+            <a:off x="743816" y="2514600"/>
+            <a:ext cx="7028584" cy="1477328"/>
+          </a:xfrm>
+          <a:prstGeom prst="rect">
+            <a:avLst/>
+          </a:prstGeom>
+          <a:noFill/>
+          <a:ln w="9525">
+            <a:noFill/>
+            <a:miter lim="800000"/>
+            <a:headEnd/>
+            <a:tailEnd/>
+          </a:ln>
+        </p:spPr>
+        <p:txBody>
+          <a:bodyPr wrap="square" rtlCol="0">
+            <a:spAutoFit/>
+          </a:bodyPr>
+          <a:lstStyle/>
+          <a:p>
+            <a:r>
+              <a:rPr lang="en-US" altLang="zh-CN" dirty="0"/>
+              <a:t>The Guava project contains several of Google's core libraries that we rely on in our Java-based projects: collections, caching, primitives support, concurrency libraries, common annotations, string processing, I/O, and so forth. Each of these tools really do get used every day by Googlers, in production services.</a:t>
+            </a:r>
+            <a:endParaRPr lang="zh-CN" altLang="en-US" dirty="0"/>
+          </a:p>
+        </p:txBody>
+      </p:sp>
+    </p:spTree>
+    <p:extLst>
+      <p:ext uri="{BB962C8B-B14F-4D97-AF65-F5344CB8AC3E}">
+        <p14:creationId xmlns:p14="http://schemas.microsoft.com/office/powerpoint/2010/main" val="3721763231"/>
+      </p:ext>
+    </p:extLst>
+  </p:cSld>
+  <p:clrMapOvr>
+    <a:masterClrMapping/>
+  </p:clrMapOvr>
+  <p:timing>
+    <p:tnLst>
+      <p:par>
+        <p:cTn id="1" dur="indefinite" restart="never" nodeType="tmRoot"/>
+      </p:par>
+    </p:tnLst>
+  </p:timing>
+</p:sld>
+</file>
+
+<file path=ppt/slides/slide4.xml><?xml version="1.0" encoding="utf-8"?>
+<p:sld xmlns:a="http://schemas.openxmlformats.org/drawingml/2006/main" xmlns:r="http://schemas.openxmlformats.org/officeDocument/2006/relationships" xmlns:p="http://schemas.openxmlformats.org/presentationml/2006/main">
+  <p:cSld>
+    <p:spTree>
+      <p:nvGrpSpPr>
+        <p:cNvPr id="1" name=""/>
+        <p:cNvGrpSpPr/>
+        <p:nvPr/>
+      </p:nvGrpSpPr>
+      <p:grpSpPr>
+        <a:xfrm>
+          <a:off x="0" y="0"/>
+          <a:ext cx="0" cy="0"/>
+          <a:chOff x="0" y="0"/>
+          <a:chExt cx="0" cy="0"/>
+        </a:xfrm>
+      </p:grpSpPr>
+      <p:sp>
+        <p:nvSpPr>
+          <p:cNvPr id="4" name="TextBox 3"/>
+          <p:cNvSpPr txBox="1"/>
+          <p:nvPr/>
+        </p:nvSpPr>
+        <p:spPr>
+          <a:xfrm>
+            <a:off x="732930" y="2680359"/>
+            <a:ext cx="3810000" cy="369332"/>
+          </a:xfrm>
+          <a:prstGeom prst="rect">
+            <a:avLst/>
+          </a:prstGeom>
+          <a:noFill/>
+        </p:spPr>
+        <p:txBody>
+          <a:bodyPr wrap="square" rtlCol="0">
+            <a:spAutoFit/>
+          </a:bodyPr>
+          <a:lstStyle/>
+          <a:p>
+            <a:endParaRPr lang="en-US" dirty="0" smtClean="0"/>
+          </a:p>
+        </p:txBody>
+      </p:sp>
+      <p:sp>
+        <p:nvSpPr>
+          <p:cNvPr id="6" name="TextBox 5"/>
+          <p:cNvSpPr txBox="1"/>
+          <p:nvPr/>
+        </p:nvSpPr>
+        <p:spPr bwMode="auto">
+          <a:xfrm>
+            <a:off x="743816" y="457200"/>
+            <a:ext cx="2262158" cy="523220"/>
+          </a:xfrm>
+          <a:prstGeom prst="rect">
+            <a:avLst/>
+          </a:prstGeom>
+          <a:noFill/>
+          <a:ln w="9525">
+            <a:noFill/>
+            <a:miter lim="800000"/>
+            <a:headEnd/>
+            <a:tailEnd/>
+          </a:ln>
+        </p:spPr>
+        <p:txBody>
+          <a:bodyPr wrap="none" rtlCol="0">
+            <a:spAutoFit/>
+          </a:bodyPr>
+          <a:lstStyle/>
+          <a:p>
+            <a:r>
+              <a:rPr lang="en-US" altLang="zh-CN" sz="2800" dirty="0"/>
+              <a:t>Basic </a:t>
+            </a:r>
+            <a:r>
+              <a:rPr lang="en-US" altLang="zh-CN" sz="2800" dirty="0" smtClean="0"/>
+              <a:t>utilities</a:t>
+            </a:r>
+            <a:endParaRPr lang="en-US" altLang="zh-CN" sz="2800" dirty="0"/>
+          </a:p>
+        </p:txBody>
+      </p:sp>
+      <p:sp>
+        <p:nvSpPr>
+          <p:cNvPr id="3" name="TextBox 2"/>
+          <p:cNvSpPr txBox="1"/>
+          <p:nvPr/>
+        </p:nvSpPr>
+        <p:spPr bwMode="auto">
+          <a:xfrm>
+            <a:off x="732930" y="1620323"/>
+            <a:ext cx="7028584" cy="369332"/>
+          </a:xfrm>
+          <a:prstGeom prst="rect">
+            <a:avLst/>
+          </a:prstGeom>
+          <a:noFill/>
+          <a:ln w="9525">
+            <a:noFill/>
+            <a:miter lim="800000"/>
+            <a:headEnd/>
+            <a:tailEnd/>
+          </a:ln>
+        </p:spPr>
+        <p:txBody>
+          <a:bodyPr wrap="square" rtlCol="0">
+            <a:spAutoFit/>
+          </a:bodyPr>
+          <a:lstStyle/>
+          <a:p>
+            <a:r>
+              <a:rPr lang="en-US" altLang="zh-CN" dirty="0" smtClean="0"/>
+              <a:t>Option</a:t>
+            </a:r>
+            <a:endParaRPr lang="zh-CN" altLang="en-US" dirty="0"/>
+          </a:p>
+        </p:txBody>
+      </p:sp>
+      <p:sp>
+        <p:nvSpPr>
+          <p:cNvPr id="9" name="Rectangle 2"/>
+          <p:cNvSpPr>
+            <a:spLocks noChangeArrowheads="1"/>
+          </p:cNvSpPr>
+          <p:nvPr/>
+        </p:nvSpPr>
+        <p:spPr bwMode="auto">
+          <a:xfrm>
+            <a:off x="743816" y="2315289"/>
+            <a:ext cx="7942984" cy="1969770"/>
+          </a:xfrm>
+          <a:prstGeom prst="rect">
+            <a:avLst/>
+          </a:prstGeom>
+          <a:solidFill>
+            <a:srgbClr val="FFFFFF"/>
+          </a:solidFill>
+          <a:ln>
+            <a:noFill/>
+          </a:ln>
+          <a:effectLst/>
+          <a:extLst>
+            <a:ext uri="{91240B29-F687-4F45-9708-019B960494DF}">
+              <a14:hiddenLine xmlns:a14="http://schemas.microsoft.com/office/drawing/2010/main" w="9525">
+                <a:solidFill>
+                  <a:schemeClr val="tx1"/>
+                </a:solidFill>
+                <a:miter lim="800000"/>
+                <a:headEnd/>
+                <a:tailEnd/>
+              </a14:hiddenLine>
+            </a:ext>
+            <a:ext uri="{AF507438-7753-43E0-B8FC-AC1667EBCBE1}">
+              <a14:hiddenEffects xmlns:a14="http://schemas.microsoft.com/office/drawing/2010/main">
+                <a:effectLst>
+                  <a:outerShdw dist="35921" dir="2700000" algn="ctr" rotWithShape="0">
+                    <a:schemeClr val="bg2"/>
+                  </a:outerShdw>
+                </a:effectLst>
+              </a14:hiddenEffects>
+            </a:ext>
+          </a:extLst>
+        </p:spPr>
+        <p:txBody>
+          <a:bodyPr vert="horz" wrap="square" lIns="0" tIns="0" rIns="0" bIns="0" numCol="1" anchor="ctr" anchorCtr="0" compatLnSpc="1">
+            <a:prstTxWarp prst="textNoShape">
+              <a:avLst/>
+            </a:prstTxWarp>
+            <a:spAutoFit/>
+          </a:bodyPr>
+          <a:lstStyle>
+            <a:lvl1pPr eaLnBrk="0" fontAlgn="base" hangingPunct="0">
               <a:spcBef>
                 <a:spcPct val="0"/>
               </a:spcBef>
               <a:spcAft>
                 <a:spcPct val="0"/>
               </a:spcAft>
-              <a:buClrTx/>
-              <a:buSzTx/>
-              <a:buFontTx/>
-              <a:buNone/>
-              <a:tabLst/>
-            </a:pPr>
-            <a:r>
-              <a:rPr kumimoji="0" lang="zh-CN" altLang="zh-CN" sz="1600" b="0" i="0" u="none" strike="noStrike" cap="none" normalizeH="0" baseline="0" dirty="0" smtClean="0">
-                <a:ln>
-                  <a:noFill/>
-                </a:ln>
+              <a:defRPr>
                 <a:solidFill>
-                  <a:srgbClr val="24292E"/>
+                  <a:schemeClr val="tx1"/>
                 </a:solidFill>
-                <a:effectLst/>
-                <a:ea typeface="-apple-system"/>
-              </a:rPr>
-              <a:t>Many of the cases where programmers use </a:t>
-            </a:r>
-            <a:r>
-              <a:rPr kumimoji="0" lang="zh-CN" altLang="zh-CN" sz="1600" b="0" i="0" u="none" strike="noStrike" cap="none" normalizeH="0" baseline="0" dirty="0" smtClean="0">
-                <a:ln>
-                  <a:noFill/>
-                </a:ln>
-                <a:solidFill>
-                  <a:srgbClr val="24292E"/>
-                </a:solidFill>
-                <a:effectLst/>
-                <a:latin typeface="Arial Unicode MS" panose="020B0604020202020204" pitchFamily="34" charset="-122"/>
-                <a:ea typeface="SFMono-Regular"/>
-              </a:rPr>
-              <a:t>null</a:t>
-            </a:r>
-            <a:r>
-              <a:rPr kumimoji="0" lang="zh-CN" altLang="zh-CN" sz="1600" b="0" i="0" u="none" strike="noStrike" cap="none" normalizeH="0" baseline="0" dirty="0" smtClean="0">
-                <a:ln>
-                  <a:noFill/>
-                </a:ln>
-                <a:solidFill>
-                  <a:srgbClr val="24292E"/>
-                </a:solidFill>
-                <a:effectLst/>
-                <a:ea typeface="-apple-system"/>
-              </a:rPr>
-              <a:t> is to indicate some sort of absence: perhaps where there might have been a value, there is none, or one could not be found. For example, </a:t>
-            </a:r>
-            <a:r>
-              <a:rPr kumimoji="0" lang="zh-CN" altLang="zh-CN" sz="1600" b="0" i="0" u="none" strike="noStrike" cap="none" normalizeH="0" baseline="0" dirty="0" smtClean="0">
-                <a:ln>
-                  <a:noFill/>
-                </a:ln>
-                <a:solidFill>
-                  <a:srgbClr val="24292E"/>
-                </a:solidFill>
-                <a:effectLst/>
-                <a:latin typeface="Arial Unicode MS" panose="020B0604020202020204" pitchFamily="34" charset="-122"/>
-                <a:ea typeface="SFMono-Regular"/>
-              </a:rPr>
-              <a:t>Map.get</a:t>
-            </a:r>
-            <a:r>
-              <a:rPr kumimoji="0" lang="zh-CN" altLang="zh-CN" sz="1600" b="0" i="0" u="none" strike="noStrike" cap="none" normalizeH="0" baseline="0" dirty="0" smtClean="0">
-                <a:ln>
-                  <a:noFill/>
-                </a:ln>
-                <a:solidFill>
-                  <a:srgbClr val="24292E"/>
-                </a:solidFill>
-                <a:effectLst/>
-                <a:ea typeface="-apple-system"/>
-              </a:rPr>
-              <a:t> returns </a:t>
-            </a:r>
-            <a:r>
-              <a:rPr kumimoji="0" lang="zh-CN" altLang="zh-CN" sz="1600" b="0" i="0" u="none" strike="noStrike" cap="none" normalizeH="0" baseline="0" dirty="0" smtClean="0">
-                <a:ln>
-                  <a:noFill/>
-                </a:ln>
-                <a:solidFill>
-                  <a:srgbClr val="24292E"/>
-                </a:solidFill>
-                <a:effectLst/>
-                <a:latin typeface="Arial Unicode MS" panose="020B0604020202020204" pitchFamily="34" charset="-122"/>
-                <a:ea typeface="SFMono-Regular"/>
-              </a:rPr>
-              <a:t>null</a:t>
-            </a:r>
-            <a:r>
-              <a:rPr kumimoji="0" lang="zh-CN" altLang="zh-CN" sz="1600" b="0" i="0" u="none" strike="noStrike" cap="none" normalizeH="0" baseline="0" dirty="0" smtClean="0">
-                <a:ln>
-                  <a:noFill/>
-                </a:ln>
-                <a:solidFill>
-                  <a:srgbClr val="24292E"/>
-                </a:solidFill>
-                <a:effectLst/>
-                <a:ea typeface="-apple-system"/>
-              </a:rPr>
-              <a:t> when no value is found for a key.</a:t>
-            </a:r>
-            <a:endParaRPr kumimoji="0" lang="zh-CN" altLang="zh-CN" sz="1600" b="0" i="0" u="none" strike="noStrike" cap="none" normalizeH="0" baseline="0" dirty="0" smtClean="0">
-              <a:ln>
-                <a:noFill/>
-              </a:ln>
-              <a:solidFill>
-                <a:schemeClr val="tx1"/>
-              </a:solidFill>
-              <a:effectLst/>
-            </a:endParaRPr>
-          </a:p>
-          <a:p>
-            <a:pPr marL="0" marR="0" lvl="0" indent="0" algn="l" defTabSz="914400" rtl="0" eaLnBrk="0" fontAlgn="base" latinLnBrk="0" hangingPunct="0">
-              <a:lnSpc>
-                <a:spcPct val="100000"/>
-              </a:lnSpc>
+                <a:latin typeface="Arial" panose="020B0604020202020204" pitchFamily="34" charset="0"/>
+              </a:defRPr>
+            </a:lvl1pPr>
+            <a:lvl2pPr eaLnBrk="0" fontAlgn="base" hangingPunct="0">
               <a:spcBef>
                 <a:spcPct val="0"/>
               </a:spcBef>
               <a:spcAft>
                 <a:spcPct val="0"/>
               </a:spcAft>
-              <a:buClrTx/>
-              <a:buSzTx/>
-              <a:buFontTx/>
-              <a:buNone/>
-              <a:tabLst/>
-            </a:pPr>
-            <a:r>
-              <a:rPr kumimoji="0" lang="zh-CN" altLang="zh-CN" sz="1600" b="0" i="0" u="none" strike="noStrike" cap="none" normalizeH="0" baseline="0" dirty="0" smtClean="0">
-                <a:ln>
-                  <a:noFill/>
-                </a:ln>
+              <a:defRPr>
                 <a:solidFill>
-                  <a:srgbClr val="24292E"/>
+                  <a:schemeClr val="tx1"/>
                 </a:solidFill>
-                <a:effectLst/>
-                <a:latin typeface="Arial Unicode MS" panose="020B0604020202020204" pitchFamily="34" charset="-122"/>
-                <a:ea typeface="SFMono-Regular"/>
-              </a:rPr>
-              <a:t>Optional&lt;T&gt;</a:t>
-            </a:r>
-            <a:r>
-              <a:rPr kumimoji="0" lang="zh-CN" altLang="zh-CN" sz="1600" b="0" i="0" u="none" strike="noStrike" cap="none" normalizeH="0" baseline="0" dirty="0" smtClean="0">
-                <a:ln>
-                  <a:noFill/>
-                </a:ln>
+                <a:latin typeface="Arial" panose="020B0604020202020204" pitchFamily="34" charset="0"/>
+              </a:defRPr>
+            </a:lvl2pPr>
+            <a:lvl3pPr eaLnBrk="0" fontAlgn="base" hangingPunct="0">
+              <a:spcBef>
+                <a:spcPct val="0"/>
+              </a:spcBef>
+              <a:spcAft>
+                <a:spcPct val="0"/>
+              </a:spcAft>
+              <a:defRPr>
                 <a:solidFill>
-                  <a:srgbClr val="24292E"/>
+                  <a:schemeClr val="tx1"/>
                 </a:solidFill>
-                <a:effectLst/>
-                <a:ea typeface="-apple-system"/>
-              </a:rPr>
-              <a:t> is a way of replacing a nullable </a:t>
-            </a:r>
-            <a:r>
-              <a:rPr kumimoji="0" lang="zh-CN" altLang="zh-CN" sz="1600" b="0" i="0" u="none" strike="noStrike" cap="none" normalizeH="0" baseline="0" dirty="0" smtClean="0">
-                <a:ln>
-                  <a:noFill/>
-                </a:ln>
+                <a:latin typeface="Arial" panose="020B0604020202020204" pitchFamily="34" charset="0"/>
+              </a:defRPr>
+            </a:lvl3pPr>
+            <a:lvl4pPr eaLnBrk="0" fontAlgn="base" hangingPunct="0">
+              <a:spcBef>
+                <a:spcPct val="0"/>
+              </a:spcBef>
+              <a:spcAft>
+                <a:spcPct val="0"/>
+              </a:spcAft>
+              <a:defRPr>
                 <a:solidFill>
-                  <a:srgbClr val="24292E"/>
+                  <a:schemeClr val="tx1"/>
                 </a:solidFill>
-                <a:effectLst/>
-                <a:latin typeface="Arial Unicode MS" panose="020B0604020202020204" pitchFamily="34" charset="-122"/>
-                <a:ea typeface="SFMono-Regular"/>
-              </a:rPr>
-              <a:t>T</a:t>
-            </a:r>
-            <a:r>
-              <a:rPr kumimoji="0" lang="zh-CN" altLang="zh-CN" sz="1600" b="0" i="0" u="none" strike="noStrike" cap="none" normalizeH="0" baseline="0" dirty="0" smtClean="0">
-                <a:ln>
-                  <a:noFill/>
-                </a:ln>
+                <a:latin typeface="Arial" panose="020B0604020202020204" pitchFamily="34" charset="0"/>
+              </a:defRPr>
+            </a:lvl4pPr>
+            <a:lvl5pPr eaLnBrk="0" fontAlgn="base" hangingPunct="0">
+              <a:spcBef>
+                <a:spcPct val="0"/>
+              </a:spcBef>
+              <a:spcAft>
+                <a:spcPct val="0"/>
+              </a:spcAft>
+              <a:defRPr>
                 <a:solidFill>
-                  <a:srgbClr val="24292E"/>
+                  <a:schemeClr val="tx1"/>
                 </a:solidFill>
-                <a:effectLst/>
-                <a:ea typeface="-apple-system"/>
-              </a:rPr>
-              <a:t> reference with a non-null value. An </a:t>
-            </a:r>
-            <a:r>
-              <a:rPr kumimoji="0" lang="zh-CN" altLang="zh-CN" sz="1600" b="0" i="0" u="none" strike="noStrike" cap="none" normalizeH="0" baseline="0" dirty="0" smtClean="0">
-                <a:ln>
-                  <a:noFill/>
-                </a:ln>
+                <a:latin typeface="Arial" panose="020B0604020202020204" pitchFamily="34" charset="0"/>
+              </a:defRPr>
+            </a:lvl5pPr>
+            <a:lvl6pPr eaLnBrk="0" fontAlgn="base" hangingPunct="0">
+              <a:spcBef>
+                <a:spcPct val="0"/>
+              </a:spcBef>
+              <a:spcAft>
+                <a:spcPct val="0"/>
+              </a:spcAft>
+              <a:defRPr>
                 <a:solidFill>
-                  <a:srgbClr val="24292E"/>
+                  <a:schemeClr val="tx1"/>
                 </a:solidFill>
-                <a:effectLst/>
-                <a:latin typeface="Arial Unicode MS" panose="020B0604020202020204" pitchFamily="34" charset="-122"/>
-                <a:ea typeface="SFMono-Regular"/>
-              </a:rPr>
-              <a:t>Optional</a:t>
-            </a:r>
-            <a:r>
-              <a:rPr kumimoji="0" lang="zh-CN" altLang="zh-CN" sz="1600" b="0" i="0" u="none" strike="noStrike" cap="none" normalizeH="0" baseline="0" dirty="0" smtClean="0">
-                <a:ln>
-                  <a:noFill/>
-                </a:ln>
+                <a:latin typeface="Arial" panose="020B0604020202020204" pitchFamily="34" charset="0"/>
+              </a:defRPr>
+            </a:lvl6pPr>
+            <a:lvl7pPr eaLnBrk="0" fontAlgn="base" hangingPunct="0">
+              <a:spcBef>
+                <a:spcPct val="0"/>
+              </a:spcBef>
+              <a:spcAft>
+                <a:spcPct val="0"/>
+              </a:spcAft>
+              <a:defRPr>
                 <a:solidFill>
-                  <a:srgbClr val="24292E"/>
+                  <a:schemeClr val="tx1"/>
                 </a:solidFill>
-                <a:effectLst/>
-                <a:ea typeface="-apple-system"/>
-              </a:rPr>
-              <a:t> may either contain a non-null </a:t>
-            </a:r>
-            <a:r>
-              <a:rPr kumimoji="0" lang="zh-CN" altLang="zh-CN" sz="1600" b="0" i="0" u="none" strike="noStrike" cap="none" normalizeH="0" baseline="0" dirty="0" smtClean="0">
-                <a:ln>
-                  <a:noFill/>
-                </a:ln>
+                <a:latin typeface="Arial" panose="020B0604020202020204" pitchFamily="34" charset="0"/>
+              </a:defRPr>
+            </a:lvl7pPr>
+            <a:lvl8pPr eaLnBrk="0" fontAlgn="base" hangingPunct="0">
+              <a:spcBef>
+                <a:spcPct val="0"/>
+              </a:spcBef>
+              <a:spcAft>
+                <a:spcPct val="0"/>
+              </a:spcAft>
+              <a:defRPr>
                 <a:solidFill>
-                  <a:srgbClr val="24292E"/>
+                  <a:schemeClr val="tx1"/>
                 </a:solidFill>
-                <a:effectLst/>
-                <a:latin typeface="Arial Unicode MS" panose="020B0604020202020204" pitchFamily="34" charset="-122"/>
-                <a:ea typeface="SFMono-Regular"/>
-              </a:rPr>
-              <a:t>T</a:t>
-            </a:r>
-            <a:r>
-              <a:rPr kumimoji="0" lang="zh-CN" altLang="zh-CN" sz="1600" b="0" i="0" u="none" strike="noStrike" cap="none" normalizeH="0" baseline="0" dirty="0" smtClean="0">
-                <a:ln>
-                  <a:noFill/>
-                </a:ln>
+                <a:latin typeface="Arial" panose="020B0604020202020204" pitchFamily="34" charset="0"/>
+              </a:defRPr>
+            </a:lvl8pPr>
+            <a:lvl9pPr eaLnBrk="0" fontAlgn="base" hangingPunct="0">
+              <a:spcBef>
+                <a:spcPct val="0"/>
+              </a:spcBef>
+              <a:spcAft>
+                <a:spcPct val="0"/>
+              </a:spcAft>
+              <a:defRPr>
                 <a:solidFill>
-                  <a:srgbClr val="24292E"/>
+                  <a:schemeClr val="tx1"/>
                 </a:solidFill>
-                <a:effectLst/>
-                <a:ea typeface="-apple-system"/>
-              </a:rPr>
-              <a:t> reference (in which case we say the reference is "present"), or it may contain nothing (in which case we say the reference is "absent"). It is never said to "contain null."</a:t>
-            </a:r>
-            <a:endParaRPr kumimoji="0" lang="zh-CN" altLang="zh-CN" sz="1600" b="0" i="0" u="none" strike="noStrike" cap="none" normalizeH="0" baseline="0" dirty="0" smtClean="0">
-              <a:ln>
-                <a:noFill/>
-              </a:ln>
-              <a:solidFill>
-                <a:schemeClr val="tx1"/>
-              </a:solidFill>
-              <a:effectLst/>
-            </a:endParaRPr>
+                <a:latin typeface="Arial" panose="020B0604020202020204" pitchFamily="34" charset="0"/>
+              </a:defRPr>
+            </a:lvl9pPr>
+          </a:lstStyle>
+          <a:p>
+            <a:r>
+              <a:rPr lang="zh-CN" altLang="en-US" sz="1600" dirty="0"/>
+              <a:t>轻率地使用</a:t>
+            </a:r>
+            <a:r>
+              <a:rPr lang="en-US" altLang="zh-CN" sz="1600" dirty="0"/>
+              <a:t>null</a:t>
+            </a:r>
+            <a:r>
+              <a:rPr lang="zh-CN" altLang="en-US" sz="1600" dirty="0"/>
+              <a:t>可能会导致很多令人惊愕的问题。通过学习</a:t>
+            </a:r>
+            <a:r>
+              <a:rPr lang="en-US" altLang="zh-CN" sz="1600" dirty="0"/>
+              <a:t>Google</a:t>
+            </a:r>
+            <a:r>
+              <a:rPr lang="zh-CN" altLang="en-US" sz="1600" dirty="0"/>
+              <a:t>底层代码库，我们发现</a:t>
+            </a:r>
+            <a:r>
+              <a:rPr lang="en-US" altLang="zh-CN" sz="1600" dirty="0"/>
+              <a:t>95%</a:t>
+            </a:r>
+            <a:r>
+              <a:rPr lang="zh-CN" altLang="en-US" sz="1600" dirty="0"/>
+              <a:t>的集合类不接受</a:t>
+            </a:r>
+            <a:r>
+              <a:rPr lang="en-US" altLang="zh-CN" sz="1600" dirty="0"/>
+              <a:t>null</a:t>
+            </a:r>
+            <a:r>
+              <a:rPr lang="zh-CN" altLang="en-US" sz="1600" dirty="0"/>
+              <a:t>值作为元素。我们认为， 相比默默地接受</a:t>
+            </a:r>
+            <a:r>
+              <a:rPr lang="en-US" altLang="zh-CN" sz="1600" dirty="0"/>
+              <a:t>null</a:t>
+            </a:r>
+            <a:r>
+              <a:rPr lang="zh-CN" altLang="en-US" sz="1600" dirty="0"/>
+              <a:t>，使用快速失败操作拒绝</a:t>
+            </a:r>
+            <a:r>
+              <a:rPr lang="en-US" altLang="zh-CN" sz="1600" dirty="0"/>
+              <a:t>null</a:t>
+            </a:r>
+            <a:r>
+              <a:rPr lang="zh-CN" altLang="en-US" sz="1600" dirty="0"/>
+              <a:t>值对开发者更有帮助。</a:t>
+            </a:r>
+            <a:br>
+              <a:rPr lang="zh-CN" altLang="en-US" sz="1600" dirty="0"/>
+            </a:br>
+            <a:endParaRPr lang="zh-CN" altLang="en-US" sz="1600" dirty="0"/>
+          </a:p>
+          <a:p>
+            <a:r>
+              <a:rPr lang="zh-CN" altLang="en-US" sz="1600" dirty="0"/>
+              <a:t>此外，</a:t>
+            </a:r>
+            <a:r>
+              <a:rPr lang="en-US" altLang="zh-CN" sz="1600" dirty="0"/>
+              <a:t>Null</a:t>
+            </a:r>
+            <a:r>
+              <a:rPr lang="zh-CN" altLang="en-US" sz="1600" dirty="0"/>
+              <a:t>的含糊语义让人很不舒服。</a:t>
+            </a:r>
+            <a:r>
+              <a:rPr lang="en-US" altLang="zh-CN" sz="1600" dirty="0"/>
+              <a:t>Null</a:t>
+            </a:r>
+            <a:r>
+              <a:rPr lang="zh-CN" altLang="en-US" sz="1600" dirty="0"/>
+              <a:t>很少可以明确地表示某种语义，例如，</a:t>
+            </a:r>
+            <a:r>
+              <a:rPr lang="en-US" altLang="zh-CN" sz="1600" dirty="0" err="1"/>
+              <a:t>Map.get</a:t>
+            </a:r>
+            <a:r>
+              <a:rPr lang="en-US" altLang="zh-CN" sz="1600" dirty="0"/>
+              <a:t>(key)</a:t>
+            </a:r>
+            <a:r>
+              <a:rPr lang="zh-CN" altLang="en-US" sz="1600" dirty="0"/>
+              <a:t>返回</a:t>
+            </a:r>
+            <a:r>
+              <a:rPr lang="en-US" altLang="zh-CN" sz="1600" dirty="0"/>
+              <a:t>Null</a:t>
+            </a:r>
+            <a:r>
+              <a:rPr lang="zh-CN" altLang="en-US" sz="1600" dirty="0"/>
+              <a:t>时，可能表示</a:t>
+            </a:r>
+            <a:r>
+              <a:rPr lang="en-US" altLang="zh-CN" sz="1600" dirty="0"/>
+              <a:t>map</a:t>
+            </a:r>
+            <a:r>
+              <a:rPr lang="zh-CN" altLang="en-US" sz="1600" dirty="0"/>
+              <a:t>中的值是</a:t>
+            </a:r>
+            <a:r>
+              <a:rPr lang="en-US" altLang="zh-CN" sz="1600" dirty="0"/>
+              <a:t>null</a:t>
+            </a:r>
+            <a:r>
+              <a:rPr lang="zh-CN" altLang="en-US" sz="1600" dirty="0"/>
+              <a:t>，亦或</a:t>
+            </a:r>
+            <a:r>
+              <a:rPr lang="en-US" altLang="zh-CN" sz="1600" dirty="0"/>
+              <a:t>map</a:t>
+            </a:r>
+            <a:r>
+              <a:rPr lang="zh-CN" altLang="en-US" sz="1600" dirty="0"/>
+              <a:t>中没有</a:t>
+            </a:r>
+            <a:r>
+              <a:rPr lang="en-US" altLang="zh-CN" sz="1600" dirty="0"/>
+              <a:t>key</a:t>
+            </a:r>
+            <a:r>
+              <a:rPr lang="zh-CN" altLang="en-US" sz="1600" dirty="0"/>
+              <a:t>对应的值。</a:t>
+            </a:r>
+            <a:r>
+              <a:rPr lang="en-US" altLang="zh-CN" sz="1600" dirty="0"/>
+              <a:t>Null</a:t>
+            </a:r>
+            <a:r>
+              <a:rPr lang="zh-CN" altLang="en-US" sz="1600" dirty="0"/>
+              <a:t>可以表示失败、成功或几乎任何情况。使用</a:t>
+            </a:r>
+            <a:r>
+              <a:rPr lang="en-US" altLang="zh-CN" sz="1600" dirty="0"/>
+              <a:t>Null</a:t>
+            </a:r>
+            <a:r>
+              <a:rPr lang="zh-CN" altLang="en-US" sz="1600" dirty="0"/>
+              <a:t>以外的特定值，会让你的逻辑描述变得更清晰。</a:t>
+            </a:r>
           </a:p>
         </p:txBody>
       </p:sp>
@@ -7580,14 +9670,40 @@
       </p:grpSpPr>
       <p:sp>
         <p:nvSpPr>
-          <p:cNvPr id="2" name="TextBox 1"/>
+          <p:cNvPr id="4" name="TextBox 3"/>
           <p:cNvSpPr txBox="1"/>
           <p:nvPr/>
         </p:nvSpPr>
+        <p:spPr>
+          <a:xfrm>
+            <a:off x="732930" y="2680359"/>
+            <a:ext cx="3810000" cy="369332"/>
+          </a:xfrm>
+          <a:prstGeom prst="rect">
+            <a:avLst/>
+          </a:prstGeom>
+          <a:noFill/>
+        </p:spPr>
+        <p:txBody>
+          <a:bodyPr wrap="square" rtlCol="0">
+            <a:spAutoFit/>
+          </a:bodyPr>
+          <a:lstStyle/>
+          <a:p>
+            <a:endParaRPr lang="en-US" dirty="0" smtClean="0"/>
+          </a:p>
+        </p:txBody>
+      </p:sp>
+      <p:sp>
+        <p:nvSpPr>
+          <p:cNvPr id="6" name="TextBox 5"/>
+          <p:cNvSpPr txBox="1"/>
+          <p:nvPr/>
+        </p:nvSpPr>
         <p:spPr bwMode="auto">
           <a:xfrm>
-            <a:off x="3352800" y="2590800"/>
-            <a:ext cx="1590692" cy="707886"/>
+            <a:off x="743816" y="457200"/>
+            <a:ext cx="2262158" cy="523220"/>
           </a:xfrm>
           <a:prstGeom prst="rect">
             <a:avLst/>
@@ -7607,47 +9723,2050 @@
           <a:lstStyle/>
           <a:p>
             <a:r>
-              <a:rPr lang="en-US" sz="4000" b="1" dirty="0" smtClean="0"/>
-              <a:t>Q &amp; A</a:t>
-            </a:r>
-            <a:endParaRPr lang="en-US" sz="4000" b="1" dirty="0"/>
-          </a:p>
-        </p:txBody>
-      </p:sp>
-      <p:pic>
-        <p:nvPicPr>
-          <p:cNvPr id="3" name="Picture 2"/>
-          <p:cNvPicPr>
-            <a:picLocks noChangeAspect="1"/>
-          </p:cNvPicPr>
+              <a:rPr lang="en-US" altLang="zh-CN" sz="2800" dirty="0"/>
+              <a:t>Basic </a:t>
+            </a:r>
+            <a:r>
+              <a:rPr lang="en-US" altLang="zh-CN" sz="2800" dirty="0" smtClean="0"/>
+              <a:t>utilities</a:t>
+            </a:r>
+            <a:endParaRPr lang="en-US" altLang="zh-CN" sz="2800" dirty="0"/>
+          </a:p>
+        </p:txBody>
+      </p:sp>
+      <p:sp>
+        <p:nvSpPr>
+          <p:cNvPr id="3" name="TextBox 2"/>
+          <p:cNvSpPr txBox="1"/>
           <p:nvPr/>
-        </p:nvPicPr>
-        <p:blipFill>
-          <a:blip r:embed="rId2">
-            <a:extLst>
-              <a:ext uri="{28A0092B-C50C-407E-A947-70E740481C1C}">
-                <a14:useLocalDpi xmlns:a14="http://schemas.microsoft.com/office/drawing/2010/main" val="0"/>
-              </a:ext>
-            </a:extLst>
-          </a:blip>
-          <a:stretch>
-            <a:fillRect/>
-          </a:stretch>
-        </p:blipFill>
-        <p:spPr>
+        </p:nvSpPr>
+        <p:spPr bwMode="auto">
           <a:xfrm>
-            <a:off x="5541113" y="4648200"/>
-            <a:ext cx="3593651" cy="1980952"/>
+            <a:off x="732930" y="1620323"/>
+            <a:ext cx="7028584" cy="369332"/>
           </a:xfrm>
           <a:prstGeom prst="rect">
             <a:avLst/>
           </a:prstGeom>
-        </p:spPr>
-      </p:pic>
+          <a:noFill/>
+          <a:ln w="9525">
+            <a:noFill/>
+            <a:miter lim="800000"/>
+            <a:headEnd/>
+            <a:tailEnd/>
+          </a:ln>
+        </p:spPr>
+        <p:txBody>
+          <a:bodyPr wrap="square" rtlCol="0">
+            <a:spAutoFit/>
+          </a:bodyPr>
+          <a:lstStyle/>
+          <a:p>
+            <a:r>
+              <a:rPr lang="en-US" altLang="zh-CN" dirty="0"/>
+              <a:t>Preconditions</a:t>
+            </a:r>
+            <a:endParaRPr lang="zh-CN" altLang="en-US" dirty="0"/>
+          </a:p>
+        </p:txBody>
+      </p:sp>
+      <p:sp>
+        <p:nvSpPr>
+          <p:cNvPr id="9" name="Rectangle 2"/>
+          <p:cNvSpPr>
+            <a:spLocks noChangeArrowheads="1"/>
+          </p:cNvSpPr>
+          <p:nvPr/>
+        </p:nvSpPr>
+        <p:spPr bwMode="auto">
+          <a:xfrm>
+            <a:off x="743816" y="2057400"/>
+            <a:ext cx="7942984" cy="3200876"/>
+          </a:xfrm>
+          <a:prstGeom prst="rect">
+            <a:avLst/>
+          </a:prstGeom>
+          <a:solidFill>
+            <a:srgbClr val="FFFFFF"/>
+          </a:solidFill>
+          <a:ln>
+            <a:noFill/>
+          </a:ln>
+          <a:effectLst/>
+          <a:extLst>
+            <a:ext uri="{91240B29-F687-4F45-9708-019B960494DF}">
+              <a14:hiddenLine xmlns:a14="http://schemas.microsoft.com/office/drawing/2010/main" w="9525">
+                <a:solidFill>
+                  <a:schemeClr val="tx1"/>
+                </a:solidFill>
+                <a:miter lim="800000"/>
+                <a:headEnd/>
+                <a:tailEnd/>
+              </a14:hiddenLine>
+            </a:ext>
+            <a:ext uri="{AF507438-7753-43E0-B8FC-AC1667EBCBE1}">
+              <a14:hiddenEffects xmlns:a14="http://schemas.microsoft.com/office/drawing/2010/main">
+                <a:effectLst>
+                  <a:outerShdw dist="35921" dir="2700000" algn="ctr" rotWithShape="0">
+                    <a:schemeClr val="bg2"/>
+                  </a:outerShdw>
+                </a:effectLst>
+              </a14:hiddenEffects>
+            </a:ext>
+          </a:extLst>
+        </p:spPr>
+        <p:txBody>
+          <a:bodyPr vert="horz" wrap="square" lIns="0" tIns="0" rIns="0" bIns="0" numCol="1" anchor="ctr" anchorCtr="0" compatLnSpc="1">
+            <a:prstTxWarp prst="textNoShape">
+              <a:avLst/>
+            </a:prstTxWarp>
+            <a:spAutoFit/>
+          </a:bodyPr>
+          <a:lstStyle>
+            <a:lvl1pPr eaLnBrk="0" fontAlgn="base" hangingPunct="0">
+              <a:spcBef>
+                <a:spcPct val="0"/>
+              </a:spcBef>
+              <a:spcAft>
+                <a:spcPct val="0"/>
+              </a:spcAft>
+              <a:defRPr>
+                <a:solidFill>
+                  <a:schemeClr val="tx1"/>
+                </a:solidFill>
+                <a:latin typeface="Arial" panose="020B0604020202020204" pitchFamily="34" charset="0"/>
+              </a:defRPr>
+            </a:lvl1pPr>
+            <a:lvl2pPr eaLnBrk="0" fontAlgn="base" hangingPunct="0">
+              <a:spcBef>
+                <a:spcPct val="0"/>
+              </a:spcBef>
+              <a:spcAft>
+                <a:spcPct val="0"/>
+              </a:spcAft>
+              <a:defRPr>
+                <a:solidFill>
+                  <a:schemeClr val="tx1"/>
+                </a:solidFill>
+                <a:latin typeface="Arial" panose="020B0604020202020204" pitchFamily="34" charset="0"/>
+              </a:defRPr>
+            </a:lvl2pPr>
+            <a:lvl3pPr eaLnBrk="0" fontAlgn="base" hangingPunct="0">
+              <a:spcBef>
+                <a:spcPct val="0"/>
+              </a:spcBef>
+              <a:spcAft>
+                <a:spcPct val="0"/>
+              </a:spcAft>
+              <a:defRPr>
+                <a:solidFill>
+                  <a:schemeClr val="tx1"/>
+                </a:solidFill>
+                <a:latin typeface="Arial" panose="020B0604020202020204" pitchFamily="34" charset="0"/>
+              </a:defRPr>
+            </a:lvl3pPr>
+            <a:lvl4pPr eaLnBrk="0" fontAlgn="base" hangingPunct="0">
+              <a:spcBef>
+                <a:spcPct val="0"/>
+              </a:spcBef>
+              <a:spcAft>
+                <a:spcPct val="0"/>
+              </a:spcAft>
+              <a:defRPr>
+                <a:solidFill>
+                  <a:schemeClr val="tx1"/>
+                </a:solidFill>
+                <a:latin typeface="Arial" panose="020B0604020202020204" pitchFamily="34" charset="0"/>
+              </a:defRPr>
+            </a:lvl4pPr>
+            <a:lvl5pPr eaLnBrk="0" fontAlgn="base" hangingPunct="0">
+              <a:spcBef>
+                <a:spcPct val="0"/>
+              </a:spcBef>
+              <a:spcAft>
+                <a:spcPct val="0"/>
+              </a:spcAft>
+              <a:defRPr>
+                <a:solidFill>
+                  <a:schemeClr val="tx1"/>
+                </a:solidFill>
+                <a:latin typeface="Arial" panose="020B0604020202020204" pitchFamily="34" charset="0"/>
+              </a:defRPr>
+            </a:lvl5pPr>
+            <a:lvl6pPr eaLnBrk="0" fontAlgn="base" hangingPunct="0">
+              <a:spcBef>
+                <a:spcPct val="0"/>
+              </a:spcBef>
+              <a:spcAft>
+                <a:spcPct val="0"/>
+              </a:spcAft>
+              <a:defRPr>
+                <a:solidFill>
+                  <a:schemeClr val="tx1"/>
+                </a:solidFill>
+                <a:latin typeface="Arial" panose="020B0604020202020204" pitchFamily="34" charset="0"/>
+              </a:defRPr>
+            </a:lvl6pPr>
+            <a:lvl7pPr eaLnBrk="0" fontAlgn="base" hangingPunct="0">
+              <a:spcBef>
+                <a:spcPct val="0"/>
+              </a:spcBef>
+              <a:spcAft>
+                <a:spcPct val="0"/>
+              </a:spcAft>
+              <a:defRPr>
+                <a:solidFill>
+                  <a:schemeClr val="tx1"/>
+                </a:solidFill>
+                <a:latin typeface="Arial" panose="020B0604020202020204" pitchFamily="34" charset="0"/>
+              </a:defRPr>
+            </a:lvl7pPr>
+            <a:lvl8pPr eaLnBrk="0" fontAlgn="base" hangingPunct="0">
+              <a:spcBef>
+                <a:spcPct val="0"/>
+              </a:spcBef>
+              <a:spcAft>
+                <a:spcPct val="0"/>
+              </a:spcAft>
+              <a:defRPr>
+                <a:solidFill>
+                  <a:schemeClr val="tx1"/>
+                </a:solidFill>
+                <a:latin typeface="Arial" panose="020B0604020202020204" pitchFamily="34" charset="0"/>
+              </a:defRPr>
+            </a:lvl8pPr>
+            <a:lvl9pPr eaLnBrk="0" fontAlgn="base" hangingPunct="0">
+              <a:spcBef>
+                <a:spcPct val="0"/>
+              </a:spcBef>
+              <a:spcAft>
+                <a:spcPct val="0"/>
+              </a:spcAft>
+              <a:defRPr>
+                <a:solidFill>
+                  <a:schemeClr val="tx1"/>
+                </a:solidFill>
+                <a:latin typeface="Arial" panose="020B0604020202020204" pitchFamily="34" charset="0"/>
+              </a:defRPr>
+            </a:lvl9pPr>
+          </a:lstStyle>
+          <a:p>
+            <a:r>
+              <a:rPr lang="zh-CN" altLang="en-US" sz="1600" dirty="0"/>
+              <a:t>前置条件：让方法调用的前置条件判断更简单。</a:t>
+            </a:r>
+          </a:p>
+          <a:p>
+            <a:endParaRPr lang="zh-CN" altLang="en-US" sz="1600" dirty="0"/>
+          </a:p>
+          <a:p>
+            <a:r>
+              <a:rPr lang="en-US" altLang="zh-CN" sz="1600" dirty="0"/>
+              <a:t>Guava</a:t>
+            </a:r>
+            <a:r>
+              <a:rPr lang="zh-CN" altLang="en-US" sz="1600" dirty="0"/>
+              <a:t>在</a:t>
+            </a:r>
+            <a:r>
+              <a:rPr lang="en-US" altLang="zh-CN" sz="1600" dirty="0"/>
+              <a:t>Preconditions</a:t>
+            </a:r>
+            <a:r>
+              <a:rPr lang="zh-CN" altLang="en-US" sz="1600" dirty="0"/>
+              <a:t>类中提供了若干前置条件判断的实用方法，我们强烈建议在</a:t>
+            </a:r>
+            <a:r>
+              <a:rPr lang="en-US" altLang="zh-CN" sz="1600" dirty="0"/>
+              <a:t>Eclipse</a:t>
+            </a:r>
+            <a:r>
+              <a:rPr lang="zh-CN" altLang="en-US" sz="1600" dirty="0"/>
+              <a:t>中静态导入这些方法。每个方法都有三个变种：</a:t>
+            </a:r>
+          </a:p>
+          <a:p>
+            <a:endParaRPr lang="zh-CN" altLang="en-US" sz="1600" dirty="0"/>
+          </a:p>
+          <a:p>
+            <a:r>
+              <a:rPr lang="zh-CN" altLang="en-US" sz="1600" dirty="0"/>
+              <a:t>没有额外参数：抛出的异常中没有错误消息；</a:t>
+            </a:r>
+          </a:p>
+          <a:p>
+            <a:r>
+              <a:rPr lang="zh-CN" altLang="en-US" sz="1600" dirty="0"/>
+              <a:t>有一个</a:t>
+            </a:r>
+            <a:r>
+              <a:rPr lang="en-US" altLang="zh-CN" sz="1600" dirty="0"/>
+              <a:t>Object</a:t>
+            </a:r>
+            <a:r>
+              <a:rPr lang="zh-CN" altLang="en-US" sz="1600" dirty="0"/>
+              <a:t>对象作为额外参数：抛出的异常使用</a:t>
+            </a:r>
+            <a:r>
+              <a:rPr lang="en-US" altLang="zh-CN" sz="1600" dirty="0" err="1"/>
+              <a:t>Object.toString</a:t>
+            </a:r>
+            <a:r>
+              <a:rPr lang="en-US" altLang="zh-CN" sz="1600" dirty="0"/>
+              <a:t>() </a:t>
+            </a:r>
+            <a:r>
+              <a:rPr lang="zh-CN" altLang="en-US" sz="1600" dirty="0"/>
+              <a:t>作为错误消息；</a:t>
+            </a:r>
+          </a:p>
+          <a:p>
+            <a:r>
+              <a:rPr lang="zh-CN" altLang="en-US" sz="1600" dirty="0"/>
+              <a:t>有一个</a:t>
+            </a:r>
+            <a:r>
+              <a:rPr lang="en-US" altLang="zh-CN" sz="1600" dirty="0"/>
+              <a:t>String</a:t>
+            </a:r>
+            <a:r>
+              <a:rPr lang="zh-CN" altLang="en-US" sz="1600" dirty="0"/>
+              <a:t>对象作为额外参数，并且有一组任意数量的附加</a:t>
+            </a:r>
+            <a:r>
+              <a:rPr lang="en-US" altLang="zh-CN" sz="1600" dirty="0"/>
+              <a:t>Object</a:t>
+            </a:r>
+            <a:r>
+              <a:rPr lang="zh-CN" altLang="en-US" sz="1600" dirty="0"/>
+              <a:t>对象：这个变种处理异常消息的方式有点类似</a:t>
+            </a:r>
+            <a:r>
+              <a:rPr lang="en-US" altLang="zh-CN" sz="1600" dirty="0" err="1" smtClean="0"/>
+              <a:t>printf</a:t>
+            </a:r>
+            <a:r>
+              <a:rPr lang="zh-CN" altLang="en-US" sz="1600" dirty="0" smtClean="0"/>
+              <a:t>。</a:t>
+            </a:r>
+            <a:r>
+              <a:rPr lang="zh-CN" altLang="en-US" sz="1600" dirty="0"/>
+              <a:t>例如</a:t>
+            </a:r>
+            <a:r>
+              <a:rPr lang="zh-CN" altLang="en-US" sz="1600" dirty="0" smtClean="0"/>
+              <a:t>：</a:t>
+            </a:r>
+          </a:p>
+          <a:p>
+            <a:endParaRPr lang="en-US" altLang="zh-CN" sz="1600" dirty="0" smtClean="0"/>
+          </a:p>
+          <a:p>
+            <a:r>
+              <a:rPr lang="en-US" altLang="zh-CN" sz="1600" dirty="0" err="1" smtClean="0"/>
+              <a:t>checkArgument</a:t>
+            </a:r>
+            <a:r>
+              <a:rPr lang="en-US" altLang="zh-CN" sz="1600" dirty="0" smtClean="0"/>
+              <a:t>(</a:t>
+            </a:r>
+            <a:r>
+              <a:rPr lang="en-US" altLang="zh-CN" sz="1600" dirty="0" err="1" smtClean="0"/>
+              <a:t>i</a:t>
+            </a:r>
+            <a:r>
+              <a:rPr lang="en-US" altLang="zh-CN" sz="1600" dirty="0" smtClean="0"/>
+              <a:t> </a:t>
+            </a:r>
+            <a:r>
+              <a:rPr lang="en-US" altLang="zh-CN" sz="1600" dirty="0"/>
+              <a:t>&gt;= 0, "Argument was %s but expected nonnegative", </a:t>
+            </a:r>
+            <a:r>
+              <a:rPr lang="en-US" altLang="zh-CN" sz="1600" dirty="0" err="1"/>
+              <a:t>i</a:t>
+            </a:r>
+            <a:r>
+              <a:rPr lang="en-US" altLang="zh-CN" sz="1600" dirty="0" smtClean="0"/>
+              <a:t>);</a:t>
+            </a:r>
+            <a:endParaRPr lang="en-US" altLang="zh-CN" sz="1600" dirty="0"/>
+          </a:p>
+          <a:p>
+            <a:r>
+              <a:rPr lang="en-US" altLang="zh-CN" sz="1600" dirty="0" err="1"/>
+              <a:t>checkArgument</a:t>
+            </a:r>
+            <a:r>
+              <a:rPr lang="en-US" altLang="zh-CN" sz="1600" dirty="0"/>
+              <a:t>(</a:t>
+            </a:r>
+            <a:r>
+              <a:rPr lang="en-US" altLang="zh-CN" sz="1600" dirty="0" err="1"/>
+              <a:t>i</a:t>
+            </a:r>
+            <a:r>
+              <a:rPr lang="en-US" altLang="zh-CN" sz="1600" dirty="0"/>
+              <a:t> &lt; j, "Expected </a:t>
+            </a:r>
+            <a:r>
+              <a:rPr lang="en-US" altLang="zh-CN" sz="1600" dirty="0" err="1"/>
+              <a:t>i</a:t>
+            </a:r>
+            <a:r>
+              <a:rPr lang="en-US" altLang="zh-CN" sz="1600" dirty="0"/>
+              <a:t> &lt; j, but %s &gt; %s", </a:t>
+            </a:r>
+            <a:r>
+              <a:rPr lang="en-US" altLang="zh-CN" sz="1600" dirty="0" err="1"/>
+              <a:t>i</a:t>
+            </a:r>
+            <a:r>
+              <a:rPr lang="en-US" altLang="zh-CN" sz="1600" dirty="0"/>
+              <a:t>, j);</a:t>
+            </a:r>
+          </a:p>
+          <a:p>
+            <a:endParaRPr lang="zh-CN" altLang="en-US" sz="1600" dirty="0"/>
+          </a:p>
+        </p:txBody>
+      </p:sp>
     </p:spTree>
     <p:extLst>
       <p:ext uri="{BB962C8B-B14F-4D97-AF65-F5344CB8AC3E}">
-        <p14:creationId xmlns:p14="http://schemas.microsoft.com/office/powerpoint/2010/main" val="1865794899"/>
+        <p14:creationId xmlns:p14="http://schemas.microsoft.com/office/powerpoint/2010/main" val="648062526"/>
+      </p:ext>
+    </p:extLst>
+  </p:cSld>
+  <p:clrMapOvr>
+    <a:masterClrMapping/>
+  </p:clrMapOvr>
+  <p:timing>
+    <p:tnLst>
+      <p:par>
+        <p:cTn id="1" dur="indefinite" restart="never" nodeType="tmRoot"/>
+      </p:par>
+    </p:tnLst>
+  </p:timing>
+</p:sld>
+</file>
+
+<file path=ppt/slides/slide9.xml><?xml version="1.0" encoding="utf-8"?>
+<p:sld xmlns:a="http://schemas.openxmlformats.org/drawingml/2006/main" xmlns:r="http://schemas.openxmlformats.org/officeDocument/2006/relationships" xmlns:p="http://schemas.openxmlformats.org/presentationml/2006/main">
+  <p:cSld>
+    <p:spTree>
+      <p:nvGrpSpPr>
+        <p:cNvPr id="1" name=""/>
+        <p:cNvGrpSpPr/>
+        <p:nvPr/>
+      </p:nvGrpSpPr>
+      <p:grpSpPr>
+        <a:xfrm>
+          <a:off x="0" y="0"/>
+          <a:ext cx="0" cy="0"/>
+          <a:chOff x="0" y="0"/>
+          <a:chExt cx="0" cy="0"/>
+        </a:xfrm>
+      </p:grpSpPr>
+      <p:sp>
+        <p:nvSpPr>
+          <p:cNvPr id="4" name="TextBox 3"/>
+          <p:cNvSpPr txBox="1"/>
+          <p:nvPr/>
+        </p:nvSpPr>
+        <p:spPr>
+          <a:xfrm>
+            <a:off x="732930" y="2680359"/>
+            <a:ext cx="3810000" cy="369332"/>
+          </a:xfrm>
+          <a:prstGeom prst="rect">
+            <a:avLst/>
+          </a:prstGeom>
+          <a:noFill/>
+        </p:spPr>
+        <p:txBody>
+          <a:bodyPr wrap="square" rtlCol="0">
+            <a:spAutoFit/>
+          </a:bodyPr>
+          <a:lstStyle/>
+          <a:p>
+            <a:endParaRPr lang="en-US" dirty="0" smtClean="0"/>
+          </a:p>
+        </p:txBody>
+      </p:sp>
+      <p:sp>
+        <p:nvSpPr>
+          <p:cNvPr id="6" name="TextBox 5"/>
+          <p:cNvSpPr txBox="1"/>
+          <p:nvPr/>
+        </p:nvSpPr>
+        <p:spPr bwMode="auto">
+          <a:xfrm>
+            <a:off x="743816" y="457200"/>
+            <a:ext cx="2262158" cy="523220"/>
+          </a:xfrm>
+          <a:prstGeom prst="rect">
+            <a:avLst/>
+          </a:prstGeom>
+          <a:noFill/>
+          <a:ln w="9525">
+            <a:noFill/>
+            <a:miter lim="800000"/>
+            <a:headEnd/>
+            <a:tailEnd/>
+          </a:ln>
+        </p:spPr>
+        <p:txBody>
+          <a:bodyPr wrap="none" rtlCol="0">
+            <a:spAutoFit/>
+          </a:bodyPr>
+          <a:lstStyle/>
+          <a:p>
+            <a:r>
+              <a:rPr lang="en-US" altLang="zh-CN" sz="2800" dirty="0"/>
+              <a:t>Basic </a:t>
+            </a:r>
+            <a:r>
+              <a:rPr lang="en-US" altLang="zh-CN" sz="2800" dirty="0" smtClean="0"/>
+              <a:t>utilities</a:t>
+            </a:r>
+            <a:endParaRPr lang="en-US" altLang="zh-CN" sz="2800" dirty="0"/>
+          </a:p>
+        </p:txBody>
+      </p:sp>
+      <p:sp>
+        <p:nvSpPr>
+          <p:cNvPr id="3" name="TextBox 2"/>
+          <p:cNvSpPr txBox="1"/>
+          <p:nvPr/>
+        </p:nvSpPr>
+        <p:spPr bwMode="auto">
+          <a:xfrm>
+            <a:off x="732930" y="1620323"/>
+            <a:ext cx="7028584" cy="369332"/>
+          </a:xfrm>
+          <a:prstGeom prst="rect">
+            <a:avLst/>
+          </a:prstGeom>
+          <a:noFill/>
+          <a:ln w="9525">
+            <a:noFill/>
+            <a:miter lim="800000"/>
+            <a:headEnd/>
+            <a:tailEnd/>
+          </a:ln>
+        </p:spPr>
+        <p:txBody>
+          <a:bodyPr wrap="square" rtlCol="0">
+            <a:spAutoFit/>
+          </a:bodyPr>
+          <a:lstStyle/>
+          <a:p>
+            <a:r>
+              <a:rPr lang="en-US" altLang="zh-CN" dirty="0"/>
+              <a:t>Preconditions</a:t>
+            </a:r>
+            <a:endParaRPr lang="zh-CN" altLang="en-US" dirty="0"/>
+          </a:p>
+        </p:txBody>
+      </p:sp>
+      <p:sp>
+        <p:nvSpPr>
+          <p:cNvPr id="9" name="Rectangle 2"/>
+          <p:cNvSpPr>
+            <a:spLocks noChangeArrowheads="1"/>
+          </p:cNvSpPr>
+          <p:nvPr/>
+        </p:nvSpPr>
+        <p:spPr bwMode="auto">
+          <a:xfrm>
+            <a:off x="743816" y="3534727"/>
+            <a:ext cx="7942984" cy="246221"/>
+          </a:xfrm>
+          <a:prstGeom prst="rect">
+            <a:avLst/>
+          </a:prstGeom>
+          <a:solidFill>
+            <a:srgbClr val="FFFFFF"/>
+          </a:solidFill>
+          <a:ln>
+            <a:noFill/>
+          </a:ln>
+          <a:effectLst/>
+          <a:extLst>
+            <a:ext uri="{91240B29-F687-4F45-9708-019B960494DF}">
+              <a14:hiddenLine xmlns:a14="http://schemas.microsoft.com/office/drawing/2010/main" w="9525">
+                <a:solidFill>
+                  <a:schemeClr val="tx1"/>
+                </a:solidFill>
+                <a:miter lim="800000"/>
+                <a:headEnd/>
+                <a:tailEnd/>
+              </a14:hiddenLine>
+            </a:ext>
+            <a:ext uri="{AF507438-7753-43E0-B8FC-AC1667EBCBE1}">
+              <a14:hiddenEffects xmlns:a14="http://schemas.microsoft.com/office/drawing/2010/main">
+                <a:effectLst>
+                  <a:outerShdw dist="35921" dir="2700000" algn="ctr" rotWithShape="0">
+                    <a:schemeClr val="bg2"/>
+                  </a:outerShdw>
+                </a:effectLst>
+              </a14:hiddenEffects>
+            </a:ext>
+          </a:extLst>
+        </p:spPr>
+        <p:txBody>
+          <a:bodyPr vert="horz" wrap="square" lIns="0" tIns="0" rIns="0" bIns="0" numCol="1" anchor="ctr" anchorCtr="0" compatLnSpc="1">
+            <a:prstTxWarp prst="textNoShape">
+              <a:avLst/>
+            </a:prstTxWarp>
+            <a:spAutoFit/>
+          </a:bodyPr>
+          <a:lstStyle>
+            <a:lvl1pPr eaLnBrk="0" fontAlgn="base" hangingPunct="0">
+              <a:spcBef>
+                <a:spcPct val="0"/>
+              </a:spcBef>
+              <a:spcAft>
+                <a:spcPct val="0"/>
+              </a:spcAft>
+              <a:defRPr>
+                <a:solidFill>
+                  <a:schemeClr val="tx1"/>
+                </a:solidFill>
+                <a:latin typeface="Arial" panose="020B0604020202020204" pitchFamily="34" charset="0"/>
+              </a:defRPr>
+            </a:lvl1pPr>
+            <a:lvl2pPr eaLnBrk="0" fontAlgn="base" hangingPunct="0">
+              <a:spcBef>
+                <a:spcPct val="0"/>
+              </a:spcBef>
+              <a:spcAft>
+                <a:spcPct val="0"/>
+              </a:spcAft>
+              <a:defRPr>
+                <a:solidFill>
+                  <a:schemeClr val="tx1"/>
+                </a:solidFill>
+                <a:latin typeface="Arial" panose="020B0604020202020204" pitchFamily="34" charset="0"/>
+              </a:defRPr>
+            </a:lvl2pPr>
+            <a:lvl3pPr eaLnBrk="0" fontAlgn="base" hangingPunct="0">
+              <a:spcBef>
+                <a:spcPct val="0"/>
+              </a:spcBef>
+              <a:spcAft>
+                <a:spcPct val="0"/>
+              </a:spcAft>
+              <a:defRPr>
+                <a:solidFill>
+                  <a:schemeClr val="tx1"/>
+                </a:solidFill>
+                <a:latin typeface="Arial" panose="020B0604020202020204" pitchFamily="34" charset="0"/>
+              </a:defRPr>
+            </a:lvl3pPr>
+            <a:lvl4pPr eaLnBrk="0" fontAlgn="base" hangingPunct="0">
+              <a:spcBef>
+                <a:spcPct val="0"/>
+              </a:spcBef>
+              <a:spcAft>
+                <a:spcPct val="0"/>
+              </a:spcAft>
+              <a:defRPr>
+                <a:solidFill>
+                  <a:schemeClr val="tx1"/>
+                </a:solidFill>
+                <a:latin typeface="Arial" panose="020B0604020202020204" pitchFamily="34" charset="0"/>
+              </a:defRPr>
+            </a:lvl4pPr>
+            <a:lvl5pPr eaLnBrk="0" fontAlgn="base" hangingPunct="0">
+              <a:spcBef>
+                <a:spcPct val="0"/>
+              </a:spcBef>
+              <a:spcAft>
+                <a:spcPct val="0"/>
+              </a:spcAft>
+              <a:defRPr>
+                <a:solidFill>
+                  <a:schemeClr val="tx1"/>
+                </a:solidFill>
+                <a:latin typeface="Arial" panose="020B0604020202020204" pitchFamily="34" charset="0"/>
+              </a:defRPr>
+            </a:lvl5pPr>
+            <a:lvl6pPr eaLnBrk="0" fontAlgn="base" hangingPunct="0">
+              <a:spcBef>
+                <a:spcPct val="0"/>
+              </a:spcBef>
+              <a:spcAft>
+                <a:spcPct val="0"/>
+              </a:spcAft>
+              <a:defRPr>
+                <a:solidFill>
+                  <a:schemeClr val="tx1"/>
+                </a:solidFill>
+                <a:latin typeface="Arial" panose="020B0604020202020204" pitchFamily="34" charset="0"/>
+              </a:defRPr>
+            </a:lvl6pPr>
+            <a:lvl7pPr eaLnBrk="0" fontAlgn="base" hangingPunct="0">
+              <a:spcBef>
+                <a:spcPct val="0"/>
+              </a:spcBef>
+              <a:spcAft>
+                <a:spcPct val="0"/>
+              </a:spcAft>
+              <a:defRPr>
+                <a:solidFill>
+                  <a:schemeClr val="tx1"/>
+                </a:solidFill>
+                <a:latin typeface="Arial" panose="020B0604020202020204" pitchFamily="34" charset="0"/>
+              </a:defRPr>
+            </a:lvl7pPr>
+            <a:lvl8pPr eaLnBrk="0" fontAlgn="base" hangingPunct="0">
+              <a:spcBef>
+                <a:spcPct val="0"/>
+              </a:spcBef>
+              <a:spcAft>
+                <a:spcPct val="0"/>
+              </a:spcAft>
+              <a:defRPr>
+                <a:solidFill>
+                  <a:schemeClr val="tx1"/>
+                </a:solidFill>
+                <a:latin typeface="Arial" panose="020B0604020202020204" pitchFamily="34" charset="0"/>
+              </a:defRPr>
+            </a:lvl8pPr>
+            <a:lvl9pPr eaLnBrk="0" fontAlgn="base" hangingPunct="0">
+              <a:spcBef>
+                <a:spcPct val="0"/>
+              </a:spcBef>
+              <a:spcAft>
+                <a:spcPct val="0"/>
+              </a:spcAft>
+              <a:defRPr>
+                <a:solidFill>
+                  <a:schemeClr val="tx1"/>
+                </a:solidFill>
+                <a:latin typeface="Arial" panose="020B0604020202020204" pitchFamily="34" charset="0"/>
+              </a:defRPr>
+            </a:lvl9pPr>
+          </a:lstStyle>
+          <a:p>
+            <a:endParaRPr lang="zh-CN" altLang="en-US" sz="1600" dirty="0"/>
+          </a:p>
+        </p:txBody>
+      </p:sp>
+      <p:graphicFrame>
+        <p:nvGraphicFramePr>
+          <p:cNvPr id="2" name="表格 1"/>
+          <p:cNvGraphicFramePr>
+            <a:graphicFrameLocks noGrp="1"/>
+          </p:cNvGraphicFramePr>
+          <p:nvPr>
+            <p:extLst>
+              <p:ext uri="{D42A27DB-BD31-4B8C-83A1-F6EECF244321}">
+                <p14:modId xmlns:p14="http://schemas.microsoft.com/office/powerpoint/2010/main" val="2526294267"/>
+              </p:ext>
+            </p:extLst>
+          </p:nvPr>
+        </p:nvGraphicFramePr>
+        <p:xfrm>
+          <a:off x="3005975" y="1447799"/>
+          <a:ext cx="5181582" cy="4647072"/>
+        </p:xfrm>
+        <a:graphic>
+          <a:graphicData uri="http://schemas.openxmlformats.org/drawingml/2006/table">
+            <a:tbl>
+              <a:tblPr/>
+              <a:tblGrid>
+                <a:gridCol w="1634128"/>
+                <a:gridCol w="1822997"/>
+                <a:gridCol w="1724457"/>
+              </a:tblGrid>
+              <a:tr h="439649">
+                <a:tc>
+                  <a:txBody>
+                    <a:bodyPr/>
+                    <a:lstStyle/>
+                    <a:p>
+                      <a:r>
+                        <a:rPr lang="zh-CN" altLang="en-US" sz="900" b="1" dirty="0">
+                          <a:effectLst/>
+                        </a:rPr>
+                        <a:t>方法声明（不包括额外参数）</a:t>
+                      </a:r>
+                      <a:endParaRPr lang="zh-CN" altLang="en-US" sz="900" dirty="0">
+                        <a:effectLst/>
+                      </a:endParaRPr>
+                    </a:p>
+                  </a:txBody>
+                  <a:tcPr marL="74971" marR="74971" marT="74971" marB="74971" anchor="ctr">
+                    <a:lnL w="9525" cap="flat" cmpd="sng" algn="ctr">
+                      <a:solidFill>
+                        <a:srgbClr val="CCCCCC"/>
+                      </a:solidFill>
+                      <a:prstDash val="solid"/>
+                      <a:round/>
+                      <a:headEnd type="none" w="med" len="med"/>
+                      <a:tailEnd type="none" w="med" len="med"/>
+                    </a:lnL>
+                    <a:lnR w="9525" cap="flat" cmpd="sng" algn="ctr">
+                      <a:solidFill>
+                        <a:srgbClr val="CCCCCC"/>
+                      </a:solidFill>
+                      <a:prstDash val="solid"/>
+                      <a:round/>
+                      <a:headEnd type="none" w="med" len="med"/>
+                      <a:tailEnd type="none" w="med" len="med"/>
+                    </a:lnR>
+                    <a:lnT w="9525" cap="flat" cmpd="sng" algn="ctr">
+                      <a:solidFill>
+                        <a:srgbClr val="CCCCCC"/>
+                      </a:solidFill>
+                      <a:prstDash val="solid"/>
+                      <a:round/>
+                      <a:headEnd type="none" w="med" len="med"/>
+                      <a:tailEnd type="none" w="med" len="med"/>
+                    </a:lnT>
+                    <a:lnB w="9525" cap="flat" cmpd="sng" algn="ctr">
+                      <a:solidFill>
+                        <a:srgbClr val="CCCCCC"/>
+                      </a:solidFill>
+                      <a:prstDash val="solid"/>
+                      <a:round/>
+                      <a:headEnd type="none" w="med" len="med"/>
+                      <a:tailEnd type="none" w="med" len="med"/>
+                    </a:lnB>
+                  </a:tcPr>
+                </a:tc>
+                <a:tc>
+                  <a:txBody>
+                    <a:bodyPr/>
+                    <a:lstStyle/>
+                    <a:p>
+                      <a:r>
+                        <a:rPr lang="zh-CN" altLang="en-US" sz="900" b="1">
+                          <a:effectLst/>
+                        </a:rPr>
+                        <a:t>描述</a:t>
+                      </a:r>
+                      <a:endParaRPr lang="zh-CN" altLang="en-US" sz="900">
+                        <a:effectLst/>
+                      </a:endParaRPr>
+                    </a:p>
+                  </a:txBody>
+                  <a:tcPr marL="74971" marR="74971" marT="74971" marB="74971">
+                    <a:lnL w="9525" cap="flat" cmpd="sng" algn="ctr">
+                      <a:solidFill>
+                        <a:srgbClr val="CCCCCC"/>
+                      </a:solidFill>
+                      <a:prstDash val="solid"/>
+                      <a:round/>
+                      <a:headEnd type="none" w="med" len="med"/>
+                      <a:tailEnd type="none" w="med" len="med"/>
+                    </a:lnL>
+                    <a:lnR w="9525" cap="flat" cmpd="sng" algn="ctr">
+                      <a:solidFill>
+                        <a:srgbClr val="CCCCCC"/>
+                      </a:solidFill>
+                      <a:prstDash val="solid"/>
+                      <a:round/>
+                      <a:headEnd type="none" w="med" len="med"/>
+                      <a:tailEnd type="none" w="med" len="med"/>
+                    </a:lnR>
+                    <a:lnT w="9525" cap="flat" cmpd="sng" algn="ctr">
+                      <a:solidFill>
+                        <a:srgbClr val="CCCCCC"/>
+                      </a:solidFill>
+                      <a:prstDash val="solid"/>
+                      <a:round/>
+                      <a:headEnd type="none" w="med" len="med"/>
+                      <a:tailEnd type="none" w="med" len="med"/>
+                    </a:lnT>
+                    <a:lnB w="9525" cap="flat" cmpd="sng" algn="ctr">
+                      <a:solidFill>
+                        <a:srgbClr val="CCCCCC"/>
+                      </a:solidFill>
+                      <a:prstDash val="solid"/>
+                      <a:round/>
+                      <a:headEnd type="none" w="med" len="med"/>
+                      <a:tailEnd type="none" w="med" len="med"/>
+                    </a:lnB>
+                  </a:tcPr>
+                </a:tc>
+                <a:tc>
+                  <a:txBody>
+                    <a:bodyPr/>
+                    <a:lstStyle/>
+                    <a:p>
+                      <a:r>
+                        <a:rPr lang="zh-CN" altLang="en-US" sz="900" b="1">
+                          <a:effectLst/>
+                        </a:rPr>
+                        <a:t>检查失败时抛出的异常</a:t>
+                      </a:r>
+                      <a:endParaRPr lang="zh-CN" altLang="en-US" sz="900">
+                        <a:effectLst/>
+                      </a:endParaRPr>
+                    </a:p>
+                  </a:txBody>
+                  <a:tcPr marL="74971" marR="74971" marT="74971" marB="74971">
+                    <a:lnL w="9525" cap="flat" cmpd="sng" algn="ctr">
+                      <a:solidFill>
+                        <a:srgbClr val="CCCCCC"/>
+                      </a:solidFill>
+                      <a:prstDash val="solid"/>
+                      <a:round/>
+                      <a:headEnd type="none" w="med" len="med"/>
+                      <a:tailEnd type="none" w="med" len="med"/>
+                    </a:lnL>
+                    <a:lnR w="9525" cap="flat" cmpd="sng" algn="ctr">
+                      <a:solidFill>
+                        <a:srgbClr val="CCCCCC"/>
+                      </a:solidFill>
+                      <a:prstDash val="solid"/>
+                      <a:round/>
+                      <a:headEnd type="none" w="med" len="med"/>
+                      <a:tailEnd type="none" w="med" len="med"/>
+                    </a:lnR>
+                    <a:lnT w="9525" cap="flat" cmpd="sng" algn="ctr">
+                      <a:solidFill>
+                        <a:srgbClr val="CCCCCC"/>
+                      </a:solidFill>
+                      <a:prstDash val="solid"/>
+                      <a:round/>
+                      <a:headEnd type="none" w="med" len="med"/>
+                      <a:tailEnd type="none" w="med" len="med"/>
+                    </a:lnT>
+                    <a:lnB w="9525" cap="flat" cmpd="sng" algn="ctr">
+                      <a:solidFill>
+                        <a:srgbClr val="CCCCCC"/>
+                      </a:solidFill>
+                      <a:prstDash val="solid"/>
+                      <a:round/>
+                      <a:headEnd type="none" w="med" len="med"/>
+                      <a:tailEnd type="none" w="med" len="med"/>
+                    </a:lnB>
+                  </a:tcPr>
+                </a:tc>
+              </a:tr>
+              <a:tr h="563754">
+                <a:tc>
+                  <a:txBody>
+                    <a:bodyPr/>
+                    <a:lstStyle/>
+                    <a:p>
+                      <a:r>
+                        <a:rPr lang="en-US" sz="900" u="sng">
+                          <a:solidFill>
+                            <a:srgbClr val="00A19E"/>
+                          </a:solidFill>
+                          <a:effectLst/>
+                          <a:hlinkClick r:id="rId2"/>
+                        </a:rPr>
+                        <a:t>checkArgument(boolean)</a:t>
+                      </a:r>
+                      <a:endParaRPr lang="en-US" sz="900">
+                        <a:effectLst/>
+                      </a:endParaRPr>
+                    </a:p>
+                  </a:txBody>
+                  <a:tcPr marL="74971" marR="74971" marT="74971" marB="74971" anchor="ctr">
+                    <a:lnL w="9525" cap="flat" cmpd="sng" algn="ctr">
+                      <a:solidFill>
+                        <a:srgbClr val="CCCCCC"/>
+                      </a:solidFill>
+                      <a:prstDash val="solid"/>
+                      <a:round/>
+                      <a:headEnd type="none" w="med" len="med"/>
+                      <a:tailEnd type="none" w="med" len="med"/>
+                    </a:lnL>
+                    <a:lnR w="9525" cap="flat" cmpd="sng" algn="ctr">
+                      <a:solidFill>
+                        <a:srgbClr val="CCCCCC"/>
+                      </a:solidFill>
+                      <a:prstDash val="solid"/>
+                      <a:round/>
+                      <a:headEnd type="none" w="med" len="med"/>
+                      <a:tailEnd type="none" w="med" len="med"/>
+                    </a:lnR>
+                    <a:lnT w="9525" cap="flat" cmpd="sng" algn="ctr">
+                      <a:solidFill>
+                        <a:srgbClr val="CCCCCC"/>
+                      </a:solidFill>
+                      <a:prstDash val="solid"/>
+                      <a:round/>
+                      <a:headEnd type="none" w="med" len="med"/>
+                      <a:tailEnd type="none" w="med" len="med"/>
+                    </a:lnT>
+                    <a:lnB w="9525" cap="flat" cmpd="sng" algn="ctr">
+                      <a:solidFill>
+                        <a:srgbClr val="CCCCCC"/>
+                      </a:solidFill>
+                      <a:prstDash val="solid"/>
+                      <a:round/>
+                      <a:headEnd type="none" w="med" len="med"/>
+                      <a:tailEnd type="none" w="med" len="med"/>
+                    </a:lnB>
+                  </a:tcPr>
+                </a:tc>
+                <a:tc>
+                  <a:txBody>
+                    <a:bodyPr/>
+                    <a:lstStyle/>
+                    <a:p>
+                      <a:r>
+                        <a:rPr lang="zh-CN" altLang="en-US" sz="900">
+                          <a:effectLst/>
+                        </a:rPr>
+                        <a:t>检查</a:t>
+                      </a:r>
+                      <a:r>
+                        <a:rPr lang="en-US" altLang="zh-CN" sz="900">
+                          <a:effectLst/>
+                        </a:rPr>
+                        <a:t>boolean</a:t>
+                      </a:r>
+                      <a:r>
+                        <a:rPr lang="zh-CN" altLang="en-US" sz="900">
+                          <a:effectLst/>
+                        </a:rPr>
+                        <a:t>是否为</a:t>
+                      </a:r>
+                      <a:r>
+                        <a:rPr lang="en-US" altLang="zh-CN" sz="900">
+                          <a:effectLst/>
+                        </a:rPr>
+                        <a:t>true</a:t>
+                      </a:r>
+                      <a:r>
+                        <a:rPr lang="zh-CN" altLang="en-US" sz="900">
+                          <a:effectLst/>
+                        </a:rPr>
+                        <a:t>，用来检查传递给方法的参数。</a:t>
+                      </a:r>
+                    </a:p>
+                  </a:txBody>
+                  <a:tcPr marL="74971" marR="74971" marT="74971" marB="74971" anchor="ctr">
+                    <a:lnL w="9525" cap="flat" cmpd="sng" algn="ctr">
+                      <a:solidFill>
+                        <a:srgbClr val="CCCCCC"/>
+                      </a:solidFill>
+                      <a:prstDash val="solid"/>
+                      <a:round/>
+                      <a:headEnd type="none" w="med" len="med"/>
+                      <a:tailEnd type="none" w="med" len="med"/>
+                    </a:lnL>
+                    <a:lnR w="9525" cap="flat" cmpd="sng" algn="ctr">
+                      <a:solidFill>
+                        <a:srgbClr val="CCCCCC"/>
+                      </a:solidFill>
+                      <a:prstDash val="solid"/>
+                      <a:round/>
+                      <a:headEnd type="none" w="med" len="med"/>
+                      <a:tailEnd type="none" w="med" len="med"/>
+                    </a:lnR>
+                    <a:lnT w="9525" cap="flat" cmpd="sng" algn="ctr">
+                      <a:solidFill>
+                        <a:srgbClr val="CCCCCC"/>
+                      </a:solidFill>
+                      <a:prstDash val="solid"/>
+                      <a:round/>
+                      <a:headEnd type="none" w="med" len="med"/>
+                      <a:tailEnd type="none" w="med" len="med"/>
+                    </a:lnT>
+                    <a:lnB w="9525" cap="flat" cmpd="sng" algn="ctr">
+                      <a:solidFill>
+                        <a:srgbClr val="CCCCCC"/>
+                      </a:solidFill>
+                      <a:prstDash val="solid"/>
+                      <a:round/>
+                      <a:headEnd type="none" w="med" len="med"/>
+                      <a:tailEnd type="none" w="med" len="med"/>
+                    </a:lnB>
+                  </a:tcPr>
+                </a:tc>
+                <a:tc>
+                  <a:txBody>
+                    <a:bodyPr/>
+                    <a:lstStyle/>
+                    <a:p>
+                      <a:r>
+                        <a:rPr lang="en-US" sz="900">
+                          <a:effectLst/>
+                        </a:rPr>
+                        <a:t>IllegalArgumentException</a:t>
+                      </a:r>
+                    </a:p>
+                  </a:txBody>
+                  <a:tcPr marL="74971" marR="74971" marT="74971" marB="74971" anchor="ctr">
+                    <a:lnL w="9525" cap="flat" cmpd="sng" algn="ctr">
+                      <a:solidFill>
+                        <a:srgbClr val="CCCCCC"/>
+                      </a:solidFill>
+                      <a:prstDash val="solid"/>
+                      <a:round/>
+                      <a:headEnd type="none" w="med" len="med"/>
+                      <a:tailEnd type="none" w="med" len="med"/>
+                    </a:lnL>
+                    <a:lnR w="9525" cap="flat" cmpd="sng" algn="ctr">
+                      <a:solidFill>
+                        <a:srgbClr val="CCCCCC"/>
+                      </a:solidFill>
+                      <a:prstDash val="solid"/>
+                      <a:round/>
+                      <a:headEnd type="none" w="med" len="med"/>
+                      <a:tailEnd type="none" w="med" len="med"/>
+                    </a:lnR>
+                    <a:lnT w="9525" cap="flat" cmpd="sng" algn="ctr">
+                      <a:solidFill>
+                        <a:srgbClr val="CCCCCC"/>
+                      </a:solidFill>
+                      <a:prstDash val="solid"/>
+                      <a:round/>
+                      <a:headEnd type="none" w="med" len="med"/>
+                      <a:tailEnd type="none" w="med" len="med"/>
+                    </a:lnT>
+                    <a:lnB w="9525" cap="flat" cmpd="sng" algn="ctr">
+                      <a:solidFill>
+                        <a:srgbClr val="CCCCCC"/>
+                      </a:solidFill>
+                      <a:prstDash val="solid"/>
+                      <a:round/>
+                      <a:headEnd type="none" w="med" len="med"/>
+                      <a:tailEnd type="none" w="med" len="med"/>
+                    </a:lnB>
+                  </a:tcPr>
+                </a:tc>
+              </a:tr>
+              <a:tr h="728734">
+                <a:tc>
+                  <a:txBody>
+                    <a:bodyPr/>
+                    <a:lstStyle/>
+                    <a:p>
+                      <a:r>
+                        <a:rPr lang="en-US" sz="900" u="sng">
+                          <a:solidFill>
+                            <a:srgbClr val="00A19E"/>
+                          </a:solidFill>
+                          <a:effectLst/>
+                          <a:hlinkClick r:id="rId3"/>
+                        </a:rPr>
+                        <a:t>checkNotNull(T)</a:t>
+                      </a:r>
+                      <a:endParaRPr lang="en-US" sz="900">
+                        <a:effectLst/>
+                      </a:endParaRPr>
+                    </a:p>
+                  </a:txBody>
+                  <a:tcPr marL="74971" marR="74971" marT="74971" marB="74971" anchor="ctr">
+                    <a:lnL w="9525" cap="flat" cmpd="sng" algn="ctr">
+                      <a:solidFill>
+                        <a:srgbClr val="CCCCCC"/>
+                      </a:solidFill>
+                      <a:prstDash val="solid"/>
+                      <a:round/>
+                      <a:headEnd type="none" w="med" len="med"/>
+                      <a:tailEnd type="none" w="med" len="med"/>
+                    </a:lnL>
+                    <a:lnR w="9525" cap="flat" cmpd="sng" algn="ctr">
+                      <a:solidFill>
+                        <a:srgbClr val="CCCCCC"/>
+                      </a:solidFill>
+                      <a:prstDash val="solid"/>
+                      <a:round/>
+                      <a:headEnd type="none" w="med" len="med"/>
+                      <a:tailEnd type="none" w="med" len="med"/>
+                    </a:lnR>
+                    <a:lnT w="9525" cap="flat" cmpd="sng" algn="ctr">
+                      <a:solidFill>
+                        <a:srgbClr val="CCCCCC"/>
+                      </a:solidFill>
+                      <a:prstDash val="solid"/>
+                      <a:round/>
+                      <a:headEnd type="none" w="med" len="med"/>
+                      <a:tailEnd type="none" w="med" len="med"/>
+                    </a:lnT>
+                    <a:lnB w="9525" cap="flat" cmpd="sng" algn="ctr">
+                      <a:solidFill>
+                        <a:srgbClr val="CCCCCC"/>
+                      </a:solidFill>
+                      <a:prstDash val="solid"/>
+                      <a:round/>
+                      <a:headEnd type="none" w="med" len="med"/>
+                      <a:tailEnd type="none" w="med" len="med"/>
+                    </a:lnB>
+                  </a:tcPr>
+                </a:tc>
+                <a:tc>
+                  <a:txBody>
+                    <a:bodyPr/>
+                    <a:lstStyle/>
+                    <a:p>
+                      <a:r>
+                        <a:rPr lang="zh-CN" altLang="en-US" sz="900">
+                          <a:effectLst/>
+                        </a:rPr>
+                        <a:t>检查</a:t>
+                      </a:r>
+                      <a:r>
+                        <a:rPr lang="en-US" sz="900">
+                          <a:effectLst/>
+                        </a:rPr>
+                        <a:t>value</a:t>
+                      </a:r>
+                      <a:r>
+                        <a:rPr lang="zh-CN" altLang="en-US" sz="900">
+                          <a:effectLst/>
+                        </a:rPr>
+                        <a:t>是否为</a:t>
+                      </a:r>
+                      <a:r>
+                        <a:rPr lang="en-US" sz="900">
+                          <a:effectLst/>
+                        </a:rPr>
+                        <a:t>null，</a:t>
+                      </a:r>
+                      <a:r>
+                        <a:rPr lang="zh-CN" altLang="en-US" sz="900">
+                          <a:effectLst/>
+                        </a:rPr>
+                        <a:t>该方法直接返回</a:t>
+                      </a:r>
+                      <a:r>
+                        <a:rPr lang="en-US" sz="900">
+                          <a:effectLst/>
+                        </a:rPr>
+                        <a:t>value，</a:t>
+                      </a:r>
+                      <a:r>
+                        <a:rPr lang="zh-CN" altLang="en-US" sz="900">
+                          <a:effectLst/>
+                        </a:rPr>
+                        <a:t>因此可以内嵌使用</a:t>
+                      </a:r>
+                      <a:r>
+                        <a:rPr lang="en-US" sz="900">
+                          <a:effectLst/>
+                        </a:rPr>
+                        <a:t>checkNotNull。</a:t>
+                      </a:r>
+                    </a:p>
+                  </a:txBody>
+                  <a:tcPr marL="74971" marR="74971" marT="74971" marB="74971" anchor="ctr">
+                    <a:lnL w="9525" cap="flat" cmpd="sng" algn="ctr">
+                      <a:solidFill>
+                        <a:srgbClr val="CCCCCC"/>
+                      </a:solidFill>
+                      <a:prstDash val="solid"/>
+                      <a:round/>
+                      <a:headEnd type="none" w="med" len="med"/>
+                      <a:tailEnd type="none" w="med" len="med"/>
+                    </a:lnL>
+                    <a:lnR w="9525" cap="flat" cmpd="sng" algn="ctr">
+                      <a:solidFill>
+                        <a:srgbClr val="CCCCCC"/>
+                      </a:solidFill>
+                      <a:prstDash val="solid"/>
+                      <a:round/>
+                      <a:headEnd type="none" w="med" len="med"/>
+                      <a:tailEnd type="none" w="med" len="med"/>
+                    </a:lnR>
+                    <a:lnT w="9525" cap="flat" cmpd="sng" algn="ctr">
+                      <a:solidFill>
+                        <a:srgbClr val="CCCCCC"/>
+                      </a:solidFill>
+                      <a:prstDash val="solid"/>
+                      <a:round/>
+                      <a:headEnd type="none" w="med" len="med"/>
+                      <a:tailEnd type="none" w="med" len="med"/>
+                    </a:lnT>
+                    <a:lnB w="9525" cap="flat" cmpd="sng" algn="ctr">
+                      <a:solidFill>
+                        <a:srgbClr val="CCCCCC"/>
+                      </a:solidFill>
+                      <a:prstDash val="solid"/>
+                      <a:round/>
+                      <a:headEnd type="none" w="med" len="med"/>
+                      <a:tailEnd type="none" w="med" len="med"/>
+                    </a:lnB>
+                  </a:tcPr>
+                </a:tc>
+                <a:tc>
+                  <a:txBody>
+                    <a:bodyPr/>
+                    <a:lstStyle/>
+                    <a:p>
+                      <a:r>
+                        <a:rPr lang="en-US" sz="900">
+                          <a:effectLst/>
+                        </a:rPr>
+                        <a:t>NullPointerException</a:t>
+                      </a:r>
+                    </a:p>
+                  </a:txBody>
+                  <a:tcPr marL="74971" marR="74971" marT="74971" marB="74971" anchor="ctr">
+                    <a:lnL w="9525" cap="flat" cmpd="sng" algn="ctr">
+                      <a:solidFill>
+                        <a:srgbClr val="CCCCCC"/>
+                      </a:solidFill>
+                      <a:prstDash val="solid"/>
+                      <a:round/>
+                      <a:headEnd type="none" w="med" len="med"/>
+                      <a:tailEnd type="none" w="med" len="med"/>
+                    </a:lnL>
+                    <a:lnR w="9525" cap="flat" cmpd="sng" algn="ctr">
+                      <a:solidFill>
+                        <a:srgbClr val="CCCCCC"/>
+                      </a:solidFill>
+                      <a:prstDash val="solid"/>
+                      <a:round/>
+                      <a:headEnd type="none" w="med" len="med"/>
+                      <a:tailEnd type="none" w="med" len="med"/>
+                    </a:lnR>
+                    <a:lnT w="9525" cap="flat" cmpd="sng" algn="ctr">
+                      <a:solidFill>
+                        <a:srgbClr val="CCCCCC"/>
+                      </a:solidFill>
+                      <a:prstDash val="solid"/>
+                      <a:round/>
+                      <a:headEnd type="none" w="med" len="med"/>
+                      <a:tailEnd type="none" w="med" len="med"/>
+                    </a:lnT>
+                    <a:lnB w="9525" cap="flat" cmpd="sng" algn="ctr">
+                      <a:solidFill>
+                        <a:srgbClr val="CCCCCC"/>
+                      </a:solidFill>
+                      <a:prstDash val="solid"/>
+                      <a:round/>
+                      <a:headEnd type="none" w="med" len="med"/>
+                      <a:tailEnd type="none" w="med" len="med"/>
+                    </a:lnB>
+                  </a:tcPr>
+                </a:tc>
+              </a:tr>
+              <a:tr h="439649">
+                <a:tc>
+                  <a:txBody>
+                    <a:bodyPr/>
+                    <a:lstStyle/>
+                    <a:p>
+                      <a:r>
+                        <a:rPr lang="en-US" sz="900" u="sng">
+                          <a:solidFill>
+                            <a:srgbClr val="00A19E"/>
+                          </a:solidFill>
+                          <a:effectLst/>
+                          <a:hlinkClick r:id="rId4"/>
+                        </a:rPr>
+                        <a:t>checkState(boolean)</a:t>
+                      </a:r>
+                      <a:endParaRPr lang="en-US" sz="900">
+                        <a:effectLst/>
+                      </a:endParaRPr>
+                    </a:p>
+                  </a:txBody>
+                  <a:tcPr marL="74971" marR="74971" marT="74971" marB="74971" anchor="ctr">
+                    <a:lnL w="9525" cap="flat" cmpd="sng" algn="ctr">
+                      <a:solidFill>
+                        <a:srgbClr val="CCCCCC"/>
+                      </a:solidFill>
+                      <a:prstDash val="solid"/>
+                      <a:round/>
+                      <a:headEnd type="none" w="med" len="med"/>
+                      <a:tailEnd type="none" w="med" len="med"/>
+                    </a:lnL>
+                    <a:lnR w="9525" cap="flat" cmpd="sng" algn="ctr">
+                      <a:solidFill>
+                        <a:srgbClr val="CCCCCC"/>
+                      </a:solidFill>
+                      <a:prstDash val="solid"/>
+                      <a:round/>
+                      <a:headEnd type="none" w="med" len="med"/>
+                      <a:tailEnd type="none" w="med" len="med"/>
+                    </a:lnR>
+                    <a:lnT w="9525" cap="flat" cmpd="sng" algn="ctr">
+                      <a:solidFill>
+                        <a:srgbClr val="CCCCCC"/>
+                      </a:solidFill>
+                      <a:prstDash val="solid"/>
+                      <a:round/>
+                      <a:headEnd type="none" w="med" len="med"/>
+                      <a:tailEnd type="none" w="med" len="med"/>
+                    </a:lnT>
+                    <a:lnB w="9525" cap="flat" cmpd="sng" algn="ctr">
+                      <a:solidFill>
+                        <a:srgbClr val="CCCCCC"/>
+                      </a:solidFill>
+                      <a:prstDash val="solid"/>
+                      <a:round/>
+                      <a:headEnd type="none" w="med" len="med"/>
+                      <a:tailEnd type="none" w="med" len="med"/>
+                    </a:lnB>
+                  </a:tcPr>
+                </a:tc>
+                <a:tc>
+                  <a:txBody>
+                    <a:bodyPr/>
+                    <a:lstStyle/>
+                    <a:p>
+                      <a:r>
+                        <a:rPr lang="zh-CN" altLang="en-US" sz="900">
+                          <a:effectLst/>
+                        </a:rPr>
+                        <a:t>用来检查对象的某些状态。</a:t>
+                      </a:r>
+                    </a:p>
+                  </a:txBody>
+                  <a:tcPr marL="74971" marR="74971" marT="74971" marB="74971" anchor="ctr">
+                    <a:lnL w="9525" cap="flat" cmpd="sng" algn="ctr">
+                      <a:solidFill>
+                        <a:srgbClr val="CCCCCC"/>
+                      </a:solidFill>
+                      <a:prstDash val="solid"/>
+                      <a:round/>
+                      <a:headEnd type="none" w="med" len="med"/>
+                      <a:tailEnd type="none" w="med" len="med"/>
+                    </a:lnL>
+                    <a:lnR w="9525" cap="flat" cmpd="sng" algn="ctr">
+                      <a:solidFill>
+                        <a:srgbClr val="CCCCCC"/>
+                      </a:solidFill>
+                      <a:prstDash val="solid"/>
+                      <a:round/>
+                      <a:headEnd type="none" w="med" len="med"/>
+                      <a:tailEnd type="none" w="med" len="med"/>
+                    </a:lnR>
+                    <a:lnT w="9525" cap="flat" cmpd="sng" algn="ctr">
+                      <a:solidFill>
+                        <a:srgbClr val="CCCCCC"/>
+                      </a:solidFill>
+                      <a:prstDash val="solid"/>
+                      <a:round/>
+                      <a:headEnd type="none" w="med" len="med"/>
+                      <a:tailEnd type="none" w="med" len="med"/>
+                    </a:lnT>
+                    <a:lnB w="9525" cap="flat" cmpd="sng" algn="ctr">
+                      <a:solidFill>
+                        <a:srgbClr val="CCCCCC"/>
+                      </a:solidFill>
+                      <a:prstDash val="solid"/>
+                      <a:round/>
+                      <a:headEnd type="none" w="med" len="med"/>
+                      <a:tailEnd type="none" w="med" len="med"/>
+                    </a:lnB>
+                  </a:tcPr>
+                </a:tc>
+                <a:tc>
+                  <a:txBody>
+                    <a:bodyPr/>
+                    <a:lstStyle/>
+                    <a:p>
+                      <a:r>
+                        <a:rPr lang="en-US" sz="900" dirty="0" err="1">
+                          <a:effectLst/>
+                        </a:rPr>
+                        <a:t>IllegalStateException</a:t>
+                      </a:r>
+                      <a:endParaRPr lang="en-US" sz="900" dirty="0">
+                        <a:effectLst/>
+                      </a:endParaRPr>
+                    </a:p>
+                  </a:txBody>
+                  <a:tcPr marL="74971" marR="74971" marT="74971" marB="74971" anchor="ctr">
+                    <a:lnL w="9525" cap="flat" cmpd="sng" algn="ctr">
+                      <a:solidFill>
+                        <a:srgbClr val="CCCCCC"/>
+                      </a:solidFill>
+                      <a:prstDash val="solid"/>
+                      <a:round/>
+                      <a:headEnd type="none" w="med" len="med"/>
+                      <a:tailEnd type="none" w="med" len="med"/>
+                    </a:lnL>
+                    <a:lnR w="9525" cap="flat" cmpd="sng" algn="ctr">
+                      <a:solidFill>
+                        <a:srgbClr val="CCCCCC"/>
+                      </a:solidFill>
+                      <a:prstDash val="solid"/>
+                      <a:round/>
+                      <a:headEnd type="none" w="med" len="med"/>
+                      <a:tailEnd type="none" w="med" len="med"/>
+                    </a:lnR>
+                    <a:lnT w="9525" cap="flat" cmpd="sng" algn="ctr">
+                      <a:solidFill>
+                        <a:srgbClr val="CCCCCC"/>
+                      </a:solidFill>
+                      <a:prstDash val="solid"/>
+                      <a:round/>
+                      <a:headEnd type="none" w="med" len="med"/>
+                      <a:tailEnd type="none" w="med" len="med"/>
+                    </a:lnT>
+                    <a:lnB w="9525" cap="flat" cmpd="sng" algn="ctr">
+                      <a:solidFill>
+                        <a:srgbClr val="CCCCCC"/>
+                      </a:solidFill>
+                      <a:prstDash val="solid"/>
+                      <a:round/>
+                      <a:headEnd type="none" w="med" len="med"/>
+                      <a:tailEnd type="none" w="med" len="med"/>
+                    </a:lnB>
+                  </a:tcPr>
+                </a:tc>
+              </a:tr>
+              <a:tr h="873276">
+                <a:tc>
+                  <a:txBody>
+                    <a:bodyPr/>
+                    <a:lstStyle/>
+                    <a:p>
+                      <a:r>
+                        <a:rPr lang="en-US" sz="900" u="sng">
+                          <a:solidFill>
+                            <a:srgbClr val="00A19E"/>
+                          </a:solidFill>
+                          <a:effectLst/>
+                          <a:hlinkClick r:id="rId5"/>
+                        </a:rPr>
+                        <a:t>checkElementIndex(int index, int size)</a:t>
+                      </a:r>
+                      <a:endParaRPr lang="en-US" sz="900">
+                        <a:effectLst/>
+                      </a:endParaRPr>
+                    </a:p>
+                  </a:txBody>
+                  <a:tcPr marL="74971" marR="74971" marT="74971" marB="74971" anchor="ctr">
+                    <a:lnL w="9525" cap="flat" cmpd="sng" algn="ctr">
+                      <a:solidFill>
+                        <a:srgbClr val="CCCCCC"/>
+                      </a:solidFill>
+                      <a:prstDash val="solid"/>
+                      <a:round/>
+                      <a:headEnd type="none" w="med" len="med"/>
+                      <a:tailEnd type="none" w="med" len="med"/>
+                    </a:lnL>
+                    <a:lnR w="9525" cap="flat" cmpd="sng" algn="ctr">
+                      <a:solidFill>
+                        <a:srgbClr val="CCCCCC"/>
+                      </a:solidFill>
+                      <a:prstDash val="solid"/>
+                      <a:round/>
+                      <a:headEnd type="none" w="med" len="med"/>
+                      <a:tailEnd type="none" w="med" len="med"/>
+                    </a:lnR>
+                    <a:lnT w="9525" cap="flat" cmpd="sng" algn="ctr">
+                      <a:solidFill>
+                        <a:srgbClr val="CCCCCC"/>
+                      </a:solidFill>
+                      <a:prstDash val="solid"/>
+                      <a:round/>
+                      <a:headEnd type="none" w="med" len="med"/>
+                      <a:tailEnd type="none" w="med" len="med"/>
+                    </a:lnT>
+                    <a:lnB w="9525" cap="flat" cmpd="sng" algn="ctr">
+                      <a:solidFill>
+                        <a:srgbClr val="CCCCCC"/>
+                      </a:solidFill>
+                      <a:prstDash val="solid"/>
+                      <a:round/>
+                      <a:headEnd type="none" w="med" len="med"/>
+                      <a:tailEnd type="none" w="med" len="med"/>
+                    </a:lnB>
+                  </a:tcPr>
+                </a:tc>
+                <a:tc>
+                  <a:txBody>
+                    <a:bodyPr/>
+                    <a:lstStyle/>
+                    <a:p>
+                      <a:r>
+                        <a:rPr lang="zh-CN" altLang="en-US" sz="900" dirty="0">
+                          <a:effectLst/>
+                        </a:rPr>
+                        <a:t>检查</a:t>
+                      </a:r>
+                      <a:r>
+                        <a:rPr lang="en-US" sz="900" dirty="0">
+                          <a:effectLst/>
+                        </a:rPr>
+                        <a:t>index</a:t>
+                      </a:r>
+                      <a:r>
+                        <a:rPr lang="zh-CN" altLang="en-US" sz="900" dirty="0">
+                          <a:effectLst/>
+                        </a:rPr>
+                        <a:t>作为索引值对某个列表、字符串或数组是否有效。</a:t>
+                      </a:r>
+                      <a:r>
+                        <a:rPr lang="en-US" sz="900" dirty="0">
+                          <a:effectLst/>
+                        </a:rPr>
+                        <a:t>index&gt;=0 &amp;&amp; index&lt;size *</a:t>
+                      </a:r>
+                    </a:p>
+                  </a:txBody>
+                  <a:tcPr marL="74971" marR="74971" marT="74971" marB="74971" anchor="ctr">
+                    <a:lnL w="9525" cap="flat" cmpd="sng" algn="ctr">
+                      <a:solidFill>
+                        <a:srgbClr val="CCCCCC"/>
+                      </a:solidFill>
+                      <a:prstDash val="solid"/>
+                      <a:round/>
+                      <a:headEnd type="none" w="med" len="med"/>
+                      <a:tailEnd type="none" w="med" len="med"/>
+                    </a:lnL>
+                    <a:lnR w="9525" cap="flat" cmpd="sng" algn="ctr">
+                      <a:solidFill>
+                        <a:srgbClr val="CCCCCC"/>
+                      </a:solidFill>
+                      <a:prstDash val="solid"/>
+                      <a:round/>
+                      <a:headEnd type="none" w="med" len="med"/>
+                      <a:tailEnd type="none" w="med" len="med"/>
+                    </a:lnR>
+                    <a:lnT w="9525" cap="flat" cmpd="sng" algn="ctr">
+                      <a:solidFill>
+                        <a:srgbClr val="CCCCCC"/>
+                      </a:solidFill>
+                      <a:prstDash val="solid"/>
+                      <a:round/>
+                      <a:headEnd type="none" w="med" len="med"/>
+                      <a:tailEnd type="none" w="med" len="med"/>
+                    </a:lnT>
+                    <a:lnB w="9525" cap="flat" cmpd="sng" algn="ctr">
+                      <a:solidFill>
+                        <a:srgbClr val="CCCCCC"/>
+                      </a:solidFill>
+                      <a:prstDash val="solid"/>
+                      <a:round/>
+                      <a:headEnd type="none" w="med" len="med"/>
+                      <a:tailEnd type="none" w="med" len="med"/>
+                    </a:lnB>
+                  </a:tcPr>
+                </a:tc>
+                <a:tc>
+                  <a:txBody>
+                    <a:bodyPr/>
+                    <a:lstStyle/>
+                    <a:p>
+                      <a:r>
+                        <a:rPr lang="en-US" sz="900">
+                          <a:effectLst/>
+                        </a:rPr>
+                        <a:t>IndexOutOfBoundsException</a:t>
+                      </a:r>
+                    </a:p>
+                  </a:txBody>
+                  <a:tcPr marL="74971" marR="74971" marT="74971" marB="74971" anchor="ctr">
+                    <a:lnL w="9525" cap="flat" cmpd="sng" algn="ctr">
+                      <a:solidFill>
+                        <a:srgbClr val="CCCCCC"/>
+                      </a:solidFill>
+                      <a:prstDash val="solid"/>
+                      <a:round/>
+                      <a:headEnd type="none" w="med" len="med"/>
+                      <a:tailEnd type="none" w="med" len="med"/>
+                    </a:lnL>
+                    <a:lnR w="9525" cap="flat" cmpd="sng" algn="ctr">
+                      <a:solidFill>
+                        <a:srgbClr val="CCCCCC"/>
+                      </a:solidFill>
+                      <a:prstDash val="solid"/>
+                      <a:round/>
+                      <a:headEnd type="none" w="med" len="med"/>
+                      <a:tailEnd type="none" w="med" len="med"/>
+                    </a:lnR>
+                    <a:lnT w="9525" cap="flat" cmpd="sng" algn="ctr">
+                      <a:solidFill>
+                        <a:srgbClr val="CCCCCC"/>
+                      </a:solidFill>
+                      <a:prstDash val="solid"/>
+                      <a:round/>
+                      <a:headEnd type="none" w="med" len="med"/>
+                      <a:tailEnd type="none" w="med" len="med"/>
+                    </a:lnT>
+                    <a:lnB w="9525" cap="flat" cmpd="sng" algn="ctr">
+                      <a:solidFill>
+                        <a:srgbClr val="CCCCCC"/>
+                      </a:solidFill>
+                      <a:prstDash val="solid"/>
+                      <a:round/>
+                      <a:headEnd type="none" w="med" len="med"/>
+                      <a:tailEnd type="none" w="med" len="med"/>
+                    </a:lnB>
+                  </a:tcPr>
+                </a:tc>
+              </a:tr>
+              <a:tr h="873276">
+                <a:tc>
+                  <a:txBody>
+                    <a:bodyPr/>
+                    <a:lstStyle/>
+                    <a:p>
+                      <a:r>
+                        <a:rPr lang="en-US" sz="900" u="sng">
+                          <a:solidFill>
+                            <a:srgbClr val="00A19E"/>
+                          </a:solidFill>
+                          <a:effectLst/>
+                          <a:hlinkClick r:id="rId6"/>
+                        </a:rPr>
+                        <a:t>checkPositionIndex(int index, int size)</a:t>
+                      </a:r>
+                      <a:endParaRPr lang="en-US" sz="900">
+                        <a:effectLst/>
+                      </a:endParaRPr>
+                    </a:p>
+                  </a:txBody>
+                  <a:tcPr marL="74971" marR="74971" marT="74971" marB="74971" anchor="ctr">
+                    <a:lnL w="9525" cap="flat" cmpd="sng" algn="ctr">
+                      <a:solidFill>
+                        <a:srgbClr val="CCCCCC"/>
+                      </a:solidFill>
+                      <a:prstDash val="solid"/>
+                      <a:round/>
+                      <a:headEnd type="none" w="med" len="med"/>
+                      <a:tailEnd type="none" w="med" len="med"/>
+                    </a:lnL>
+                    <a:lnR w="9525" cap="flat" cmpd="sng" algn="ctr">
+                      <a:solidFill>
+                        <a:srgbClr val="CCCCCC"/>
+                      </a:solidFill>
+                      <a:prstDash val="solid"/>
+                      <a:round/>
+                      <a:headEnd type="none" w="med" len="med"/>
+                      <a:tailEnd type="none" w="med" len="med"/>
+                    </a:lnR>
+                    <a:lnT w="9525" cap="flat" cmpd="sng" algn="ctr">
+                      <a:solidFill>
+                        <a:srgbClr val="CCCCCC"/>
+                      </a:solidFill>
+                      <a:prstDash val="solid"/>
+                      <a:round/>
+                      <a:headEnd type="none" w="med" len="med"/>
+                      <a:tailEnd type="none" w="med" len="med"/>
+                    </a:lnT>
+                    <a:lnB w="9525" cap="flat" cmpd="sng" algn="ctr">
+                      <a:solidFill>
+                        <a:srgbClr val="CCCCCC"/>
+                      </a:solidFill>
+                      <a:prstDash val="solid"/>
+                      <a:round/>
+                      <a:headEnd type="none" w="med" len="med"/>
+                      <a:tailEnd type="none" w="med" len="med"/>
+                    </a:lnB>
+                  </a:tcPr>
+                </a:tc>
+                <a:tc>
+                  <a:txBody>
+                    <a:bodyPr/>
+                    <a:lstStyle/>
+                    <a:p>
+                      <a:r>
+                        <a:rPr lang="zh-CN" altLang="en-US" sz="900">
+                          <a:effectLst/>
+                        </a:rPr>
+                        <a:t>检查</a:t>
+                      </a:r>
+                      <a:r>
+                        <a:rPr lang="en-US" sz="900">
+                          <a:effectLst/>
+                        </a:rPr>
+                        <a:t>index</a:t>
+                      </a:r>
+                      <a:r>
+                        <a:rPr lang="zh-CN" altLang="en-US" sz="900">
+                          <a:effectLst/>
+                        </a:rPr>
+                        <a:t>作为位置值对某个列表、字符串或数组是否有效。</a:t>
+                      </a:r>
+                      <a:r>
+                        <a:rPr lang="en-US" sz="900">
+                          <a:effectLst/>
+                        </a:rPr>
+                        <a:t>index&gt;=0 &amp;&amp; index&lt;=size *</a:t>
+                      </a:r>
+                    </a:p>
+                  </a:txBody>
+                  <a:tcPr marL="74971" marR="74971" marT="74971" marB="74971" anchor="ctr">
+                    <a:lnL w="9525" cap="flat" cmpd="sng" algn="ctr">
+                      <a:solidFill>
+                        <a:srgbClr val="CCCCCC"/>
+                      </a:solidFill>
+                      <a:prstDash val="solid"/>
+                      <a:round/>
+                      <a:headEnd type="none" w="med" len="med"/>
+                      <a:tailEnd type="none" w="med" len="med"/>
+                    </a:lnL>
+                    <a:lnR w="9525" cap="flat" cmpd="sng" algn="ctr">
+                      <a:solidFill>
+                        <a:srgbClr val="CCCCCC"/>
+                      </a:solidFill>
+                      <a:prstDash val="solid"/>
+                      <a:round/>
+                      <a:headEnd type="none" w="med" len="med"/>
+                      <a:tailEnd type="none" w="med" len="med"/>
+                    </a:lnR>
+                    <a:lnT w="9525" cap="flat" cmpd="sng" algn="ctr">
+                      <a:solidFill>
+                        <a:srgbClr val="CCCCCC"/>
+                      </a:solidFill>
+                      <a:prstDash val="solid"/>
+                      <a:round/>
+                      <a:headEnd type="none" w="med" len="med"/>
+                      <a:tailEnd type="none" w="med" len="med"/>
+                    </a:lnT>
+                    <a:lnB w="9525" cap="flat" cmpd="sng" algn="ctr">
+                      <a:solidFill>
+                        <a:srgbClr val="CCCCCC"/>
+                      </a:solidFill>
+                      <a:prstDash val="solid"/>
+                      <a:round/>
+                      <a:headEnd type="none" w="med" len="med"/>
+                      <a:tailEnd type="none" w="med" len="med"/>
+                    </a:lnB>
+                  </a:tcPr>
+                </a:tc>
+                <a:tc>
+                  <a:txBody>
+                    <a:bodyPr/>
+                    <a:lstStyle/>
+                    <a:p>
+                      <a:r>
+                        <a:rPr lang="en-US" sz="900">
+                          <a:effectLst/>
+                        </a:rPr>
+                        <a:t>IndexOutOfBoundsException</a:t>
+                      </a:r>
+                    </a:p>
+                  </a:txBody>
+                  <a:tcPr marL="74971" marR="74971" marT="74971" marB="74971" anchor="ctr">
+                    <a:lnL w="9525" cap="flat" cmpd="sng" algn="ctr">
+                      <a:solidFill>
+                        <a:srgbClr val="CCCCCC"/>
+                      </a:solidFill>
+                      <a:prstDash val="solid"/>
+                      <a:round/>
+                      <a:headEnd type="none" w="med" len="med"/>
+                      <a:tailEnd type="none" w="med" len="med"/>
+                    </a:lnL>
+                    <a:lnR w="9525" cap="flat" cmpd="sng" algn="ctr">
+                      <a:solidFill>
+                        <a:srgbClr val="CCCCCC"/>
+                      </a:solidFill>
+                      <a:prstDash val="solid"/>
+                      <a:round/>
+                      <a:headEnd type="none" w="med" len="med"/>
+                      <a:tailEnd type="none" w="med" len="med"/>
+                    </a:lnR>
+                    <a:lnT w="9525" cap="flat" cmpd="sng" algn="ctr">
+                      <a:solidFill>
+                        <a:srgbClr val="CCCCCC"/>
+                      </a:solidFill>
+                      <a:prstDash val="solid"/>
+                      <a:round/>
+                      <a:headEnd type="none" w="med" len="med"/>
+                      <a:tailEnd type="none" w="med" len="med"/>
+                    </a:lnT>
+                    <a:lnB w="9525" cap="flat" cmpd="sng" algn="ctr">
+                      <a:solidFill>
+                        <a:srgbClr val="CCCCCC"/>
+                      </a:solidFill>
+                      <a:prstDash val="solid"/>
+                      <a:round/>
+                      <a:headEnd type="none" w="med" len="med"/>
+                      <a:tailEnd type="none" w="med" len="med"/>
+                    </a:lnB>
+                  </a:tcPr>
+                </a:tc>
+              </a:tr>
+              <a:tr h="728734">
+                <a:tc>
+                  <a:txBody>
+                    <a:bodyPr/>
+                    <a:lstStyle/>
+                    <a:p>
+                      <a:r>
+                        <a:rPr lang="en-US" sz="900" u="sng">
+                          <a:solidFill>
+                            <a:srgbClr val="00A19E"/>
+                          </a:solidFill>
+                          <a:effectLst/>
+                          <a:hlinkClick r:id="rId7"/>
+                        </a:rPr>
+                        <a:t>checkPositionIndexes(int start, int end, int size)</a:t>
+                      </a:r>
+                      <a:endParaRPr lang="en-US" sz="900">
+                        <a:effectLst/>
+                      </a:endParaRPr>
+                    </a:p>
+                  </a:txBody>
+                  <a:tcPr marL="74971" marR="74971" marT="74971" marB="74971" anchor="ctr">
+                    <a:lnL w="9525" cap="flat" cmpd="sng" algn="ctr">
+                      <a:solidFill>
+                        <a:srgbClr val="CCCCCC"/>
+                      </a:solidFill>
+                      <a:prstDash val="solid"/>
+                      <a:round/>
+                      <a:headEnd type="none" w="med" len="med"/>
+                      <a:tailEnd type="none" w="med" len="med"/>
+                    </a:lnL>
+                    <a:lnR w="9525" cap="flat" cmpd="sng" algn="ctr">
+                      <a:solidFill>
+                        <a:srgbClr val="CCCCCC"/>
+                      </a:solidFill>
+                      <a:prstDash val="solid"/>
+                      <a:round/>
+                      <a:headEnd type="none" w="med" len="med"/>
+                      <a:tailEnd type="none" w="med" len="med"/>
+                    </a:lnR>
+                    <a:lnT w="9525" cap="flat" cmpd="sng" algn="ctr">
+                      <a:solidFill>
+                        <a:srgbClr val="CCCCCC"/>
+                      </a:solidFill>
+                      <a:prstDash val="solid"/>
+                      <a:round/>
+                      <a:headEnd type="none" w="med" len="med"/>
+                      <a:tailEnd type="none" w="med" len="med"/>
+                    </a:lnT>
+                    <a:lnB w="9525" cap="flat" cmpd="sng" algn="ctr">
+                      <a:solidFill>
+                        <a:srgbClr val="CCCCCC"/>
+                      </a:solidFill>
+                      <a:prstDash val="solid"/>
+                      <a:round/>
+                      <a:headEnd type="none" w="med" len="med"/>
+                      <a:tailEnd type="none" w="med" len="med"/>
+                    </a:lnB>
+                  </a:tcPr>
+                </a:tc>
+                <a:tc>
+                  <a:txBody>
+                    <a:bodyPr/>
+                    <a:lstStyle/>
+                    <a:p>
+                      <a:r>
+                        <a:rPr lang="zh-CN" altLang="en-US" sz="900">
+                          <a:effectLst/>
+                        </a:rPr>
+                        <a:t>检查</a:t>
+                      </a:r>
+                      <a:r>
+                        <a:rPr lang="en-US" altLang="zh-CN" sz="900">
+                          <a:effectLst/>
+                        </a:rPr>
+                        <a:t>[start, end]</a:t>
+                      </a:r>
+                      <a:r>
+                        <a:rPr lang="zh-CN" altLang="en-US" sz="900">
+                          <a:effectLst/>
+                        </a:rPr>
+                        <a:t>表示的位置范围对某个列表、字符串或数组是否有效*</a:t>
+                      </a:r>
+                    </a:p>
+                  </a:txBody>
+                  <a:tcPr marL="74971" marR="74971" marT="74971" marB="74971" anchor="ctr">
+                    <a:lnL w="9525" cap="flat" cmpd="sng" algn="ctr">
+                      <a:solidFill>
+                        <a:srgbClr val="CCCCCC"/>
+                      </a:solidFill>
+                      <a:prstDash val="solid"/>
+                      <a:round/>
+                      <a:headEnd type="none" w="med" len="med"/>
+                      <a:tailEnd type="none" w="med" len="med"/>
+                    </a:lnL>
+                    <a:lnR w="9525" cap="flat" cmpd="sng" algn="ctr">
+                      <a:solidFill>
+                        <a:srgbClr val="CCCCCC"/>
+                      </a:solidFill>
+                      <a:prstDash val="solid"/>
+                      <a:round/>
+                      <a:headEnd type="none" w="med" len="med"/>
+                      <a:tailEnd type="none" w="med" len="med"/>
+                    </a:lnR>
+                    <a:lnT w="9525" cap="flat" cmpd="sng" algn="ctr">
+                      <a:solidFill>
+                        <a:srgbClr val="CCCCCC"/>
+                      </a:solidFill>
+                      <a:prstDash val="solid"/>
+                      <a:round/>
+                      <a:headEnd type="none" w="med" len="med"/>
+                      <a:tailEnd type="none" w="med" len="med"/>
+                    </a:lnT>
+                    <a:lnB w="9525" cap="flat" cmpd="sng" algn="ctr">
+                      <a:solidFill>
+                        <a:srgbClr val="CCCCCC"/>
+                      </a:solidFill>
+                      <a:prstDash val="solid"/>
+                      <a:round/>
+                      <a:headEnd type="none" w="med" len="med"/>
+                      <a:tailEnd type="none" w="med" len="med"/>
+                    </a:lnB>
+                  </a:tcPr>
+                </a:tc>
+                <a:tc>
+                  <a:txBody>
+                    <a:bodyPr/>
+                    <a:lstStyle/>
+                    <a:p>
+                      <a:r>
+                        <a:rPr lang="en-US" sz="900" dirty="0" err="1">
+                          <a:effectLst/>
+                        </a:rPr>
+                        <a:t>IndexOutOfBoundsException</a:t>
+                      </a:r>
+                      <a:endParaRPr lang="en-US" sz="900" dirty="0">
+                        <a:effectLst/>
+                      </a:endParaRPr>
+                    </a:p>
+                  </a:txBody>
+                  <a:tcPr marL="74971" marR="74971" marT="74971" marB="74971" anchor="ctr">
+                    <a:lnL w="9525" cap="flat" cmpd="sng" algn="ctr">
+                      <a:solidFill>
+                        <a:srgbClr val="CCCCCC"/>
+                      </a:solidFill>
+                      <a:prstDash val="solid"/>
+                      <a:round/>
+                      <a:headEnd type="none" w="med" len="med"/>
+                      <a:tailEnd type="none" w="med" len="med"/>
+                    </a:lnL>
+                    <a:lnR w="9525" cap="flat" cmpd="sng" algn="ctr">
+                      <a:solidFill>
+                        <a:srgbClr val="CCCCCC"/>
+                      </a:solidFill>
+                      <a:prstDash val="solid"/>
+                      <a:round/>
+                      <a:headEnd type="none" w="med" len="med"/>
+                      <a:tailEnd type="none" w="med" len="med"/>
+                    </a:lnR>
+                    <a:lnT w="9525" cap="flat" cmpd="sng" algn="ctr">
+                      <a:solidFill>
+                        <a:srgbClr val="CCCCCC"/>
+                      </a:solidFill>
+                      <a:prstDash val="solid"/>
+                      <a:round/>
+                      <a:headEnd type="none" w="med" len="med"/>
+                      <a:tailEnd type="none" w="med" len="med"/>
+                    </a:lnT>
+                    <a:lnB w="9525" cap="flat" cmpd="sng" algn="ctr">
+                      <a:solidFill>
+                        <a:srgbClr val="CCCCCC"/>
+                      </a:solidFill>
+                      <a:prstDash val="solid"/>
+                      <a:round/>
+                      <a:headEnd type="none" w="med" len="med"/>
+                      <a:tailEnd type="none" w="med" len="med"/>
+                    </a:lnB>
+                  </a:tcPr>
+                </a:tc>
+              </a:tr>
+            </a:tbl>
+          </a:graphicData>
+        </a:graphic>
+      </p:graphicFrame>
+    </p:spTree>
+    <p:extLst>
+      <p:ext uri="{BB962C8B-B14F-4D97-AF65-F5344CB8AC3E}">
+        <p14:creationId xmlns:p14="http://schemas.microsoft.com/office/powerpoint/2010/main" val="575063803"/>
       </p:ext>
     </p:extLst>
   </p:cSld>

--- a/Guava.pptx
+++ b/Guava.pptx
@@ -5,7 +5,7 @@
     <p:sldMasterId id="2147483673" r:id="rId1"/>
   </p:sldMasterIdLst>
   <p:notesMasterIdLst>
-    <p:notesMasterId r:id="rId20"/>
+    <p:notesMasterId r:id="rId22"/>
   </p:notesMasterIdLst>
   <p:sldIdLst>
     <p:sldId id="295" r:id="rId2"/>
@@ -25,7 +25,9 @@
     <p:sldId id="448" r:id="rId16"/>
     <p:sldId id="449" r:id="rId17"/>
     <p:sldId id="450" r:id="rId18"/>
-    <p:sldId id="436" r:id="rId19"/>
+    <p:sldId id="451" r:id="rId19"/>
+    <p:sldId id="452" r:id="rId20"/>
+    <p:sldId id="436" r:id="rId21"/>
   </p:sldIdLst>
   <p:sldSz cx="9144000" cy="6858000" type="screen4x3"/>
   <p:notesSz cx="6858000" cy="9144000"/>
@@ -225,7 +227,7 @@
           <a:p>
             <a:fld id="{83E81F36-8AE1-45AB-BDEC-C19947B6995C}" type="datetimeFigureOut">
               <a:rPr lang="en-US" smtClean="0"/>
-              <a:t>4/3/2018</a:t>
+              <a:t>4/4/2018</a:t>
             </a:fld>
             <a:endParaRPr lang="en-US"/>
           </a:p>
@@ -988,7 +990,7 @@
             <a:fld id="{1D8BD707-D9CF-40AE-B4C6-C98DA3205C09}" type="datetimeFigureOut">
               <a:rPr lang="en-US" smtClean="0"/>
               <a:pPr/>
-              <a:t>4/3/2018</a:t>
+              <a:t>4/4/2018</a:t>
             </a:fld>
             <a:endParaRPr lang="en-US"/>
           </a:p>
@@ -1188,7 +1190,7 @@
             <a:fld id="{1D8BD707-D9CF-40AE-B4C6-C98DA3205C09}" type="datetimeFigureOut">
               <a:rPr lang="en-US" smtClean="0"/>
               <a:pPr/>
-              <a:t>4/3/2018</a:t>
+              <a:t>4/4/2018</a:t>
             </a:fld>
             <a:endParaRPr lang="en-US"/>
           </a:p>
@@ -1416,7 +1418,7 @@
             <a:fld id="{1D8BD707-D9CF-40AE-B4C6-C98DA3205C09}" type="datetimeFigureOut">
               <a:rPr lang="en-US" smtClean="0"/>
               <a:pPr/>
-              <a:t>4/3/2018</a:t>
+              <a:t>4/4/2018</a:t>
             </a:fld>
             <a:endParaRPr lang="en-US"/>
           </a:p>
@@ -1606,7 +1608,7 @@
             <a:fld id="{1D8BD707-D9CF-40AE-B4C6-C98DA3205C09}" type="datetimeFigureOut">
               <a:rPr lang="en-US" smtClean="0"/>
               <a:pPr/>
-              <a:t>4/3/2018</a:t>
+              <a:t>4/4/2018</a:t>
             </a:fld>
             <a:endParaRPr lang="en-US"/>
           </a:p>
@@ -2167,7 +2169,7 @@
             <a:fld id="{1D8BD707-D9CF-40AE-B4C6-C98DA3205C09}" type="datetimeFigureOut">
               <a:rPr lang="en-US" smtClean="0"/>
               <a:pPr/>
-              <a:t>4/3/2018</a:t>
+              <a:t>4/4/2018</a:t>
             </a:fld>
             <a:endParaRPr lang="en-US"/>
           </a:p>
@@ -2471,7 +2473,7 @@
             <a:fld id="{1D8BD707-D9CF-40AE-B4C6-C98DA3205C09}" type="datetimeFigureOut">
               <a:rPr lang="en-US" smtClean="0"/>
               <a:pPr/>
-              <a:t>4/3/2018</a:t>
+              <a:t>4/4/2018</a:t>
             </a:fld>
             <a:endParaRPr lang="en-US"/>
           </a:p>
@@ -2918,7 +2920,7 @@
             <a:fld id="{1D8BD707-D9CF-40AE-B4C6-C98DA3205C09}" type="datetimeFigureOut">
               <a:rPr lang="en-US" smtClean="0"/>
               <a:pPr/>
-              <a:t>4/3/2018</a:t>
+              <a:t>4/4/2018</a:t>
             </a:fld>
             <a:endParaRPr lang="en-US"/>
           </a:p>
@@ -3056,7 +3058,7 @@
             <a:fld id="{1D8BD707-D9CF-40AE-B4C6-C98DA3205C09}" type="datetimeFigureOut">
               <a:rPr lang="en-US" smtClean="0"/>
               <a:pPr/>
-              <a:t>4/3/2018</a:t>
+              <a:t>4/4/2018</a:t>
             </a:fld>
             <a:endParaRPr lang="en-US"/>
           </a:p>
@@ -3171,7 +3173,7 @@
             <a:fld id="{1D8BD707-D9CF-40AE-B4C6-C98DA3205C09}" type="datetimeFigureOut">
               <a:rPr lang="en-US" smtClean="0"/>
               <a:pPr/>
-              <a:t>4/3/2018</a:t>
+              <a:t>4/4/2018</a:t>
             </a:fld>
             <a:endParaRPr lang="en-US"/>
           </a:p>
@@ -3468,7 +3470,7 @@
             <a:fld id="{1D8BD707-D9CF-40AE-B4C6-C98DA3205C09}" type="datetimeFigureOut">
               <a:rPr lang="en-US" smtClean="0"/>
               <a:pPr/>
-              <a:t>4/3/2018</a:t>
+              <a:t>4/4/2018</a:t>
             </a:fld>
             <a:endParaRPr lang="en-US"/>
           </a:p>
@@ -3745,7 +3747,7 @@
             <a:fld id="{1D8BD707-D9CF-40AE-B4C6-C98DA3205C09}" type="datetimeFigureOut">
               <a:rPr lang="en-US" smtClean="0"/>
               <a:pPr/>
-              <a:t>4/3/2018</a:t>
+              <a:t>4/4/2018</a:t>
             </a:fld>
             <a:endParaRPr lang="en-US"/>
           </a:p>
@@ -4089,7 +4091,7 @@
             <a:fld id="{1D8BD707-D9CF-40AE-B4C6-C98DA3205C09}" type="datetimeFigureOut">
               <a:rPr lang="en-US" smtClean="0"/>
               <a:pPr/>
-              <a:t>4/3/2018</a:t>
+              <a:t>4/4/2018</a:t>
             </a:fld>
             <a:endParaRPr lang="en-US"/>
           </a:p>
@@ -5281,7 +5283,6 @@
               <a:rPr lang="en-US" dirty="0" smtClean="0"/>
               <a:t>。</a:t>
             </a:r>
-            <a:endParaRPr lang="en-US" dirty="0" smtClean="0"/>
           </a:p>
         </p:txBody>
       </p:sp>
@@ -7010,14 +7011,14 @@
       </p:grpSpPr>
       <p:sp>
         <p:nvSpPr>
-          <p:cNvPr id="2" name="TextBox 1"/>
+          <p:cNvPr id="6" name="TextBox 5"/>
           <p:cNvSpPr txBox="1"/>
           <p:nvPr/>
         </p:nvSpPr>
         <p:spPr bwMode="auto">
           <a:xfrm>
-            <a:off x="3352800" y="2590800"/>
-            <a:ext cx="1590692" cy="707886"/>
+            <a:off x="743816" y="457200"/>
+            <a:ext cx="2262158" cy="523220"/>
           </a:xfrm>
           <a:prstGeom prst="rect">
             <a:avLst/>
@@ -7037,17 +7038,326 @@
           <a:lstStyle/>
           <a:p>
             <a:r>
-              <a:rPr lang="en-US" sz="4000" b="1" dirty="0" smtClean="0"/>
-              <a:t>Q &amp; A</a:t>
-            </a:r>
-            <a:endParaRPr lang="en-US" sz="4000" b="1" dirty="0"/>
-          </a:p>
-        </p:txBody>
-      </p:sp>
+              <a:rPr lang="en-US" altLang="zh-CN" sz="2800" dirty="0"/>
+              <a:t>Basic </a:t>
+            </a:r>
+            <a:r>
+              <a:rPr lang="en-US" altLang="zh-CN" sz="2800" dirty="0" smtClean="0"/>
+              <a:t>utilities</a:t>
+            </a:r>
+            <a:endParaRPr lang="en-US" altLang="zh-CN" sz="2800" dirty="0"/>
+          </a:p>
+        </p:txBody>
+      </p:sp>
+      <p:sp>
+        <p:nvSpPr>
+          <p:cNvPr id="3" name="TextBox 2"/>
+          <p:cNvSpPr txBox="1"/>
+          <p:nvPr/>
+        </p:nvSpPr>
+        <p:spPr bwMode="auto">
+          <a:xfrm>
+            <a:off x="780102" y="1309048"/>
+            <a:ext cx="7028584" cy="369332"/>
+          </a:xfrm>
+          <a:prstGeom prst="rect">
+            <a:avLst/>
+          </a:prstGeom>
+          <a:noFill/>
+          <a:ln w="9525">
+            <a:noFill/>
+            <a:miter lim="800000"/>
+            <a:headEnd/>
+            <a:tailEnd/>
+          </a:ln>
+        </p:spPr>
+        <p:txBody>
+          <a:bodyPr wrap="square" rtlCol="0">
+            <a:spAutoFit/>
+          </a:bodyPr>
+          <a:lstStyle/>
+          <a:p>
+            <a:r>
+              <a:rPr lang="en-US" altLang="zh-CN" dirty="0" err="1"/>
+              <a:t>ComparisonChain</a:t>
+            </a:r>
+            <a:endParaRPr lang="zh-CN" altLang="en-US" dirty="0"/>
+          </a:p>
+        </p:txBody>
+      </p:sp>
+      <p:sp>
+        <p:nvSpPr>
+          <p:cNvPr id="5" name="TextBox 2"/>
+          <p:cNvSpPr txBox="1"/>
+          <p:nvPr/>
+        </p:nvSpPr>
+        <p:spPr bwMode="auto">
+          <a:xfrm>
+            <a:off x="743816" y="2357823"/>
+            <a:ext cx="7028584" cy="646331"/>
+          </a:xfrm>
+          <a:prstGeom prst="rect">
+            <a:avLst/>
+          </a:prstGeom>
+          <a:noFill/>
+          <a:ln w="9525">
+            <a:noFill/>
+            <a:miter lim="800000"/>
+            <a:headEnd/>
+            <a:tailEnd/>
+          </a:ln>
+        </p:spPr>
+        <p:txBody>
+          <a:bodyPr wrap="square" rtlCol="0">
+            <a:spAutoFit/>
+          </a:bodyPr>
+          <a:lstStyle/>
+          <a:p>
+            <a:r>
+              <a:rPr lang="zh-CN" altLang="en-US" dirty="0"/>
+              <a:t>实现一个比较器</a:t>
+            </a:r>
+            <a:r>
+              <a:rPr lang="en-US" altLang="zh-CN" dirty="0"/>
+              <a:t>[Comparator]</a:t>
+            </a:r>
+            <a:r>
+              <a:rPr lang="zh-CN" altLang="en-US" dirty="0"/>
+              <a:t>，或者直接实现</a:t>
+            </a:r>
+            <a:r>
+              <a:rPr lang="en-US" altLang="zh-CN" dirty="0"/>
+              <a:t>Comparable</a:t>
+            </a:r>
+            <a:r>
+              <a:rPr lang="zh-CN" altLang="en-US" dirty="0"/>
+              <a:t>接口有时也伤不起。考虑一下这种情况：</a:t>
+            </a:r>
+            <a:endParaRPr lang="en-US" altLang="zh-CN" dirty="0"/>
+          </a:p>
+        </p:txBody>
+      </p:sp>
+      <p:pic>
+        <p:nvPicPr>
+          <p:cNvPr id="7" name="图片 6"/>
+          <p:cNvPicPr>
+            <a:picLocks noChangeAspect="1"/>
+          </p:cNvPicPr>
+          <p:nvPr/>
+        </p:nvPicPr>
+        <p:blipFill>
+          <a:blip r:embed="rId2"/>
+          <a:stretch>
+            <a:fillRect/>
+          </a:stretch>
+        </p:blipFill>
+        <p:spPr>
+          <a:xfrm>
+            <a:off x="1295400" y="3043462"/>
+            <a:ext cx="4657143" cy="2676190"/>
+          </a:xfrm>
+          <a:prstGeom prst="rect">
+            <a:avLst/>
+          </a:prstGeom>
+        </p:spPr>
+      </p:pic>
     </p:spTree>
     <p:extLst>
       <p:ext uri="{BB962C8B-B14F-4D97-AF65-F5344CB8AC3E}">
-        <p14:creationId xmlns:p14="http://schemas.microsoft.com/office/powerpoint/2010/main" val="1865794899"/>
+        <p14:creationId xmlns:p14="http://schemas.microsoft.com/office/powerpoint/2010/main" val="3175753985"/>
+      </p:ext>
+    </p:extLst>
+  </p:cSld>
+  <p:clrMapOvr>
+    <a:masterClrMapping/>
+  </p:clrMapOvr>
+  <p:timing>
+    <p:tnLst>
+      <p:par>
+        <p:cTn id="1" dur="indefinite" restart="never" nodeType="tmRoot"/>
+      </p:par>
+    </p:tnLst>
+  </p:timing>
+</p:sld>
+</file>
+
+<file path=ppt/slides/slide19.xml><?xml version="1.0" encoding="utf-8"?>
+<p:sld xmlns:a="http://schemas.openxmlformats.org/drawingml/2006/main" xmlns:r="http://schemas.openxmlformats.org/officeDocument/2006/relationships" xmlns:p="http://schemas.openxmlformats.org/presentationml/2006/main">
+  <p:cSld>
+    <p:spTree>
+      <p:nvGrpSpPr>
+        <p:cNvPr id="1" name=""/>
+        <p:cNvGrpSpPr/>
+        <p:nvPr/>
+      </p:nvGrpSpPr>
+      <p:grpSpPr>
+        <a:xfrm>
+          <a:off x="0" y="0"/>
+          <a:ext cx="0" cy="0"/>
+          <a:chOff x="0" y="0"/>
+          <a:chExt cx="0" cy="0"/>
+        </a:xfrm>
+      </p:grpSpPr>
+      <p:sp>
+        <p:nvSpPr>
+          <p:cNvPr id="6" name="TextBox 5"/>
+          <p:cNvSpPr txBox="1"/>
+          <p:nvPr/>
+        </p:nvSpPr>
+        <p:spPr bwMode="auto">
+          <a:xfrm>
+            <a:off x="743816" y="457200"/>
+            <a:ext cx="2262158" cy="523220"/>
+          </a:xfrm>
+          <a:prstGeom prst="rect">
+            <a:avLst/>
+          </a:prstGeom>
+          <a:noFill/>
+          <a:ln w="9525">
+            <a:noFill/>
+            <a:miter lim="800000"/>
+            <a:headEnd/>
+            <a:tailEnd/>
+          </a:ln>
+        </p:spPr>
+        <p:txBody>
+          <a:bodyPr wrap="none" rtlCol="0">
+            <a:spAutoFit/>
+          </a:bodyPr>
+          <a:lstStyle/>
+          <a:p>
+            <a:r>
+              <a:rPr lang="en-US" altLang="zh-CN" sz="2800" dirty="0"/>
+              <a:t>Basic </a:t>
+            </a:r>
+            <a:r>
+              <a:rPr lang="en-US" altLang="zh-CN" sz="2800" dirty="0" smtClean="0"/>
+              <a:t>utilities</a:t>
+            </a:r>
+            <a:endParaRPr lang="en-US" altLang="zh-CN" sz="2800" dirty="0"/>
+          </a:p>
+        </p:txBody>
+      </p:sp>
+      <p:sp>
+        <p:nvSpPr>
+          <p:cNvPr id="3" name="TextBox 2"/>
+          <p:cNvSpPr txBox="1"/>
+          <p:nvPr/>
+        </p:nvSpPr>
+        <p:spPr bwMode="auto">
+          <a:xfrm>
+            <a:off x="780102" y="1309048"/>
+            <a:ext cx="7028584" cy="369332"/>
+          </a:xfrm>
+          <a:prstGeom prst="rect">
+            <a:avLst/>
+          </a:prstGeom>
+          <a:noFill/>
+          <a:ln w="9525">
+            <a:noFill/>
+            <a:miter lim="800000"/>
+            <a:headEnd/>
+            <a:tailEnd/>
+          </a:ln>
+        </p:spPr>
+        <p:txBody>
+          <a:bodyPr wrap="square" rtlCol="0">
+            <a:spAutoFit/>
+          </a:bodyPr>
+          <a:lstStyle/>
+          <a:p>
+            <a:r>
+              <a:rPr lang="en-US" altLang="zh-CN" dirty="0" err="1"/>
+              <a:t>ComparisonChain</a:t>
+            </a:r>
+            <a:endParaRPr lang="zh-CN" altLang="en-US" dirty="0"/>
+          </a:p>
+        </p:txBody>
+      </p:sp>
+      <p:sp>
+        <p:nvSpPr>
+          <p:cNvPr id="5" name="TextBox 2"/>
+          <p:cNvSpPr txBox="1"/>
+          <p:nvPr/>
+        </p:nvSpPr>
+        <p:spPr bwMode="auto">
+          <a:xfrm>
+            <a:off x="714787" y="2037755"/>
+            <a:ext cx="7028584" cy="1200329"/>
+          </a:xfrm>
+          <a:prstGeom prst="rect">
+            <a:avLst/>
+          </a:prstGeom>
+          <a:noFill/>
+          <a:ln w="9525">
+            <a:noFill/>
+            <a:miter lim="800000"/>
+            <a:headEnd/>
+            <a:tailEnd/>
+          </a:ln>
+        </p:spPr>
+        <p:txBody>
+          <a:bodyPr wrap="square" rtlCol="0">
+            <a:spAutoFit/>
+          </a:bodyPr>
+          <a:lstStyle/>
+          <a:p>
+            <a:r>
+              <a:rPr lang="zh-CN" altLang="en-US" dirty="0"/>
+              <a:t>这部分代码太琐碎了，因此很容易搞乱，也很难调试。我们应该能把这种代码变得更优雅，为此，</a:t>
+            </a:r>
+            <a:r>
+              <a:rPr lang="en-US" altLang="zh-CN" dirty="0"/>
+              <a:t>Guava</a:t>
+            </a:r>
+            <a:r>
+              <a:rPr lang="zh-CN" altLang="en-US" dirty="0"/>
+              <a:t>提供</a:t>
+            </a:r>
+            <a:r>
+              <a:rPr lang="zh-CN" altLang="en-US" dirty="0" smtClean="0"/>
+              <a:t>了</a:t>
+            </a:r>
+            <a:r>
+              <a:rPr lang="en-US" altLang="zh-CN" dirty="0" err="1"/>
+              <a:t>ComparisonChain</a:t>
+            </a:r>
+            <a:r>
+              <a:rPr lang="zh-CN" altLang="en-US" dirty="0"/>
+              <a:t>执行一种懒比较：它执行比较操作直至发现非零的结果，在那之后的比较输入将被忽略。</a:t>
+            </a:r>
+            <a:endParaRPr lang="en-US" altLang="zh-CN" dirty="0"/>
+          </a:p>
+        </p:txBody>
+      </p:sp>
+      <p:pic>
+        <p:nvPicPr>
+          <p:cNvPr id="2" name="图片 1"/>
+          <p:cNvPicPr>
+            <a:picLocks noChangeAspect="1"/>
+          </p:cNvPicPr>
+          <p:nvPr/>
+        </p:nvPicPr>
+        <p:blipFill>
+          <a:blip r:embed="rId2"/>
+          <a:stretch>
+            <a:fillRect/>
+          </a:stretch>
+        </p:blipFill>
+        <p:spPr>
+          <a:xfrm>
+            <a:off x="1637251" y="3597459"/>
+            <a:ext cx="5314286" cy="2238095"/>
+          </a:xfrm>
+          <a:prstGeom prst="rect">
+            <a:avLst/>
+          </a:prstGeom>
+        </p:spPr>
+      </p:pic>
+    </p:spTree>
+    <p:extLst>
+      <p:ext uri="{BB962C8B-B14F-4D97-AF65-F5344CB8AC3E}">
+        <p14:creationId xmlns:p14="http://schemas.microsoft.com/office/powerpoint/2010/main" val="656555"/>
       </p:ext>
     </p:extLst>
   </p:cSld>
@@ -7185,6 +7495,79 @@
     <p:extLst>
       <p:ext uri="{BB962C8B-B14F-4D97-AF65-F5344CB8AC3E}">
         <p14:creationId xmlns:p14="http://schemas.microsoft.com/office/powerpoint/2010/main" val="1072908207"/>
+      </p:ext>
+    </p:extLst>
+  </p:cSld>
+  <p:clrMapOvr>
+    <a:masterClrMapping/>
+  </p:clrMapOvr>
+  <p:timing>
+    <p:tnLst>
+      <p:par>
+        <p:cTn id="1" dur="indefinite" restart="never" nodeType="tmRoot"/>
+      </p:par>
+    </p:tnLst>
+  </p:timing>
+</p:sld>
+</file>
+
+<file path=ppt/slides/slide20.xml><?xml version="1.0" encoding="utf-8"?>
+<p:sld xmlns:a="http://schemas.openxmlformats.org/drawingml/2006/main" xmlns:r="http://schemas.openxmlformats.org/officeDocument/2006/relationships" xmlns:p="http://schemas.openxmlformats.org/presentationml/2006/main">
+  <p:cSld>
+    <p:spTree>
+      <p:nvGrpSpPr>
+        <p:cNvPr id="1" name=""/>
+        <p:cNvGrpSpPr/>
+        <p:nvPr/>
+      </p:nvGrpSpPr>
+      <p:grpSpPr>
+        <a:xfrm>
+          <a:off x="0" y="0"/>
+          <a:ext cx="0" cy="0"/>
+          <a:chOff x="0" y="0"/>
+          <a:chExt cx="0" cy="0"/>
+        </a:xfrm>
+      </p:grpSpPr>
+      <p:sp>
+        <p:nvSpPr>
+          <p:cNvPr id="2" name="TextBox 1"/>
+          <p:cNvSpPr txBox="1"/>
+          <p:nvPr/>
+        </p:nvSpPr>
+        <p:spPr bwMode="auto">
+          <a:xfrm>
+            <a:off x="3352800" y="2590800"/>
+            <a:ext cx="1590692" cy="707886"/>
+          </a:xfrm>
+          <a:prstGeom prst="rect">
+            <a:avLst/>
+          </a:prstGeom>
+          <a:noFill/>
+          <a:ln w="9525">
+            <a:noFill/>
+            <a:miter lim="800000"/>
+            <a:headEnd/>
+            <a:tailEnd/>
+          </a:ln>
+        </p:spPr>
+        <p:txBody>
+          <a:bodyPr wrap="none" rtlCol="0">
+            <a:spAutoFit/>
+          </a:bodyPr>
+          <a:lstStyle/>
+          <a:p>
+            <a:r>
+              <a:rPr lang="en-US" sz="4000" b="1" dirty="0" smtClean="0"/>
+              <a:t>Q &amp; A</a:t>
+            </a:r>
+            <a:endParaRPr lang="en-US" sz="4000" b="1" dirty="0"/>
+          </a:p>
+        </p:txBody>
+      </p:sp>
+    </p:spTree>
+    <p:extLst>
+      <p:ext uri="{BB962C8B-B14F-4D97-AF65-F5344CB8AC3E}">
+        <p14:creationId xmlns:p14="http://schemas.microsoft.com/office/powerpoint/2010/main" val="1865794899"/>
       </p:ext>
     </p:extLst>
   </p:cSld>

--- a/Guava.pptx
+++ b/Guava.pptx
@@ -5,7 +5,7 @@
     <p:sldMasterId id="2147483673" r:id="rId1"/>
   </p:sldMasterIdLst>
   <p:notesMasterIdLst>
-    <p:notesMasterId r:id="rId22"/>
+    <p:notesMasterId r:id="rId26"/>
   </p:notesMasterIdLst>
   <p:sldIdLst>
     <p:sldId id="295" r:id="rId2"/>
@@ -27,7 +27,11 @@
     <p:sldId id="450" r:id="rId18"/>
     <p:sldId id="451" r:id="rId19"/>
     <p:sldId id="452" r:id="rId20"/>
-    <p:sldId id="436" r:id="rId21"/>
+    <p:sldId id="453" r:id="rId21"/>
+    <p:sldId id="454" r:id="rId22"/>
+    <p:sldId id="455" r:id="rId23"/>
+    <p:sldId id="456" r:id="rId24"/>
+    <p:sldId id="436" r:id="rId25"/>
   </p:sldIdLst>
   <p:sldSz cx="9144000" cy="6858000" type="screen4x3"/>
   <p:notesSz cx="6858000" cy="9144000"/>
@@ -227,7 +231,7 @@
           <a:p>
             <a:fld id="{83E81F36-8AE1-45AB-BDEC-C19947B6995C}" type="datetimeFigureOut">
               <a:rPr lang="en-US" smtClean="0"/>
-              <a:t>4/4/2018</a:t>
+              <a:t>4/6/2018</a:t>
             </a:fld>
             <a:endParaRPr lang="en-US"/>
           </a:p>
@@ -990,7 +994,7 @@
             <a:fld id="{1D8BD707-D9CF-40AE-B4C6-C98DA3205C09}" type="datetimeFigureOut">
               <a:rPr lang="en-US" smtClean="0"/>
               <a:pPr/>
-              <a:t>4/4/2018</a:t>
+              <a:t>4/6/2018</a:t>
             </a:fld>
             <a:endParaRPr lang="en-US"/>
           </a:p>
@@ -1190,7 +1194,7 @@
             <a:fld id="{1D8BD707-D9CF-40AE-B4C6-C98DA3205C09}" type="datetimeFigureOut">
               <a:rPr lang="en-US" smtClean="0"/>
               <a:pPr/>
-              <a:t>4/4/2018</a:t>
+              <a:t>4/6/2018</a:t>
             </a:fld>
             <a:endParaRPr lang="en-US"/>
           </a:p>
@@ -1418,7 +1422,7 @@
             <a:fld id="{1D8BD707-D9CF-40AE-B4C6-C98DA3205C09}" type="datetimeFigureOut">
               <a:rPr lang="en-US" smtClean="0"/>
               <a:pPr/>
-              <a:t>4/4/2018</a:t>
+              <a:t>4/6/2018</a:t>
             </a:fld>
             <a:endParaRPr lang="en-US"/>
           </a:p>
@@ -1608,7 +1612,7 @@
             <a:fld id="{1D8BD707-D9CF-40AE-B4C6-C98DA3205C09}" type="datetimeFigureOut">
               <a:rPr lang="en-US" smtClean="0"/>
               <a:pPr/>
-              <a:t>4/4/2018</a:t>
+              <a:t>4/6/2018</a:t>
             </a:fld>
             <a:endParaRPr lang="en-US"/>
           </a:p>
@@ -2169,7 +2173,7 @@
             <a:fld id="{1D8BD707-D9CF-40AE-B4C6-C98DA3205C09}" type="datetimeFigureOut">
               <a:rPr lang="en-US" smtClean="0"/>
               <a:pPr/>
-              <a:t>4/4/2018</a:t>
+              <a:t>4/6/2018</a:t>
             </a:fld>
             <a:endParaRPr lang="en-US"/>
           </a:p>
@@ -2473,7 +2477,7 @@
             <a:fld id="{1D8BD707-D9CF-40AE-B4C6-C98DA3205C09}" type="datetimeFigureOut">
               <a:rPr lang="en-US" smtClean="0"/>
               <a:pPr/>
-              <a:t>4/4/2018</a:t>
+              <a:t>4/6/2018</a:t>
             </a:fld>
             <a:endParaRPr lang="en-US"/>
           </a:p>
@@ -2920,7 +2924,7 @@
             <a:fld id="{1D8BD707-D9CF-40AE-B4C6-C98DA3205C09}" type="datetimeFigureOut">
               <a:rPr lang="en-US" smtClean="0"/>
               <a:pPr/>
-              <a:t>4/4/2018</a:t>
+              <a:t>4/6/2018</a:t>
             </a:fld>
             <a:endParaRPr lang="en-US"/>
           </a:p>
@@ -3058,7 +3062,7 @@
             <a:fld id="{1D8BD707-D9CF-40AE-B4C6-C98DA3205C09}" type="datetimeFigureOut">
               <a:rPr lang="en-US" smtClean="0"/>
               <a:pPr/>
-              <a:t>4/4/2018</a:t>
+              <a:t>4/6/2018</a:t>
             </a:fld>
             <a:endParaRPr lang="en-US"/>
           </a:p>
@@ -3173,7 +3177,7 @@
             <a:fld id="{1D8BD707-D9CF-40AE-B4C6-C98DA3205C09}" type="datetimeFigureOut">
               <a:rPr lang="en-US" smtClean="0"/>
               <a:pPr/>
-              <a:t>4/4/2018</a:t>
+              <a:t>4/6/2018</a:t>
             </a:fld>
             <a:endParaRPr lang="en-US"/>
           </a:p>
@@ -3470,7 +3474,7 @@
             <a:fld id="{1D8BD707-D9CF-40AE-B4C6-C98DA3205C09}" type="datetimeFigureOut">
               <a:rPr lang="en-US" smtClean="0"/>
               <a:pPr/>
-              <a:t>4/4/2018</a:t>
+              <a:t>4/6/2018</a:t>
             </a:fld>
             <a:endParaRPr lang="en-US"/>
           </a:p>
@@ -3747,7 +3751,7 @@
             <a:fld id="{1D8BD707-D9CF-40AE-B4C6-C98DA3205C09}" type="datetimeFigureOut">
               <a:rPr lang="en-US" smtClean="0"/>
               <a:pPr/>
-              <a:t>4/4/2018</a:t>
+              <a:t>4/6/2018</a:t>
             </a:fld>
             <a:endParaRPr lang="en-US"/>
           </a:p>
@@ -4091,7 +4095,7 @@
             <a:fld id="{1D8BD707-D9CF-40AE-B4C6-C98DA3205C09}" type="datetimeFigureOut">
               <a:rPr lang="en-US" smtClean="0"/>
               <a:pPr/>
-              <a:t>4/4/2018</a:t>
+              <a:t>4/6/2018</a:t>
             </a:fld>
             <a:endParaRPr lang="en-US"/>
           </a:p>
@@ -7530,6 +7534,2251 @@
       </p:grpSpPr>
       <p:sp>
         <p:nvSpPr>
+          <p:cNvPr id="6" name="TextBox 5"/>
+          <p:cNvSpPr txBox="1"/>
+          <p:nvPr/>
+        </p:nvSpPr>
+        <p:spPr bwMode="auto">
+          <a:xfrm>
+            <a:off x="743816" y="457200"/>
+            <a:ext cx="2262158" cy="523220"/>
+          </a:xfrm>
+          <a:prstGeom prst="rect">
+            <a:avLst/>
+          </a:prstGeom>
+          <a:noFill/>
+          <a:ln w="9525">
+            <a:noFill/>
+            <a:miter lim="800000"/>
+            <a:headEnd/>
+            <a:tailEnd/>
+          </a:ln>
+        </p:spPr>
+        <p:txBody>
+          <a:bodyPr wrap="none" rtlCol="0">
+            <a:spAutoFit/>
+          </a:bodyPr>
+          <a:lstStyle/>
+          <a:p>
+            <a:r>
+              <a:rPr lang="en-US" altLang="zh-CN" sz="2800" dirty="0"/>
+              <a:t>Basic </a:t>
+            </a:r>
+            <a:r>
+              <a:rPr lang="en-US" altLang="zh-CN" sz="2800" dirty="0" smtClean="0"/>
+              <a:t>utilities</a:t>
+            </a:r>
+            <a:endParaRPr lang="en-US" altLang="zh-CN" sz="2800" dirty="0"/>
+          </a:p>
+        </p:txBody>
+      </p:sp>
+      <p:sp>
+        <p:nvSpPr>
+          <p:cNvPr id="3" name="TextBox 2"/>
+          <p:cNvSpPr txBox="1"/>
+          <p:nvPr/>
+        </p:nvSpPr>
+        <p:spPr bwMode="auto">
+          <a:xfrm>
+            <a:off x="780102" y="1309048"/>
+            <a:ext cx="7028584" cy="369332"/>
+          </a:xfrm>
+          <a:prstGeom prst="rect">
+            <a:avLst/>
+          </a:prstGeom>
+          <a:noFill/>
+          <a:ln w="9525">
+            <a:noFill/>
+            <a:miter lim="800000"/>
+            <a:headEnd/>
+            <a:tailEnd/>
+          </a:ln>
+        </p:spPr>
+        <p:txBody>
+          <a:bodyPr wrap="square" rtlCol="0">
+            <a:spAutoFit/>
+          </a:bodyPr>
+          <a:lstStyle/>
+          <a:p>
+            <a:r>
+              <a:rPr lang="en-US" altLang="zh-CN" dirty="0"/>
+              <a:t>Ordering</a:t>
+            </a:r>
+            <a:endParaRPr lang="zh-CN" altLang="en-US" dirty="0"/>
+          </a:p>
+        </p:txBody>
+      </p:sp>
+      <p:sp>
+        <p:nvSpPr>
+          <p:cNvPr id="5" name="TextBox 2"/>
+          <p:cNvSpPr txBox="1"/>
+          <p:nvPr/>
+        </p:nvSpPr>
+        <p:spPr bwMode="auto">
+          <a:xfrm>
+            <a:off x="743816" y="2357823"/>
+            <a:ext cx="7028584" cy="2031325"/>
+          </a:xfrm>
+          <a:prstGeom prst="rect">
+            <a:avLst/>
+          </a:prstGeom>
+          <a:noFill/>
+          <a:ln w="9525">
+            <a:noFill/>
+            <a:miter lim="800000"/>
+            <a:headEnd/>
+            <a:tailEnd/>
+          </a:ln>
+        </p:spPr>
+        <p:txBody>
+          <a:bodyPr wrap="square" rtlCol="0">
+            <a:spAutoFit/>
+          </a:bodyPr>
+          <a:lstStyle/>
+          <a:p>
+            <a:r>
+              <a:rPr lang="zh-CN" altLang="en-US" dirty="0"/>
+              <a:t>排序器</a:t>
+            </a:r>
+            <a:r>
+              <a:rPr lang="en-US" altLang="zh-CN" dirty="0"/>
+              <a:t>[Ordering]</a:t>
+            </a:r>
+            <a:r>
+              <a:rPr lang="zh-CN" altLang="en-US" dirty="0"/>
+              <a:t>是</a:t>
+            </a:r>
+            <a:r>
+              <a:rPr lang="en-US" altLang="zh-CN" dirty="0"/>
+              <a:t>Guava</a:t>
+            </a:r>
+            <a:r>
+              <a:rPr lang="zh-CN" altLang="en-US" dirty="0"/>
+              <a:t>流畅风格比较器</a:t>
+            </a:r>
+            <a:r>
+              <a:rPr lang="en-US" altLang="zh-CN" dirty="0"/>
+              <a:t>[Comparator]</a:t>
+            </a:r>
+            <a:r>
+              <a:rPr lang="zh-CN" altLang="en-US" dirty="0"/>
+              <a:t>的实现，它可以用来为构建复杂的比较器，以完成集合排序的功能。</a:t>
+            </a:r>
+          </a:p>
+          <a:p>
+            <a:endParaRPr lang="zh-CN" altLang="en-US" dirty="0"/>
+          </a:p>
+          <a:p>
+            <a:r>
+              <a:rPr lang="zh-CN" altLang="en-US" dirty="0"/>
+              <a:t>从实现上说，</a:t>
+            </a:r>
+            <a:r>
+              <a:rPr lang="en-US" altLang="zh-CN" dirty="0"/>
+              <a:t>Ordering</a:t>
+            </a:r>
+            <a:r>
+              <a:rPr lang="zh-CN" altLang="en-US" dirty="0"/>
+              <a:t>实例就是一个特殊的</a:t>
+            </a:r>
+            <a:r>
+              <a:rPr lang="en-US" altLang="zh-CN" dirty="0"/>
+              <a:t>Comparator</a:t>
+            </a:r>
+            <a:r>
+              <a:rPr lang="zh-CN" altLang="en-US" dirty="0"/>
+              <a:t>实例。</a:t>
+            </a:r>
+            <a:r>
+              <a:rPr lang="en-US" altLang="zh-CN" dirty="0"/>
+              <a:t>Ordering</a:t>
+            </a:r>
+            <a:r>
+              <a:rPr lang="zh-CN" altLang="en-US" dirty="0"/>
+              <a:t>把很多基于</a:t>
+            </a:r>
+            <a:r>
+              <a:rPr lang="en-US" altLang="zh-CN" dirty="0"/>
+              <a:t>Comparator</a:t>
+            </a:r>
+            <a:r>
+              <a:rPr lang="zh-CN" altLang="en-US" dirty="0"/>
+              <a:t>的静态方法（如</a:t>
+            </a:r>
+            <a:r>
+              <a:rPr lang="en-US" altLang="zh-CN" dirty="0" err="1"/>
+              <a:t>Collections.max</a:t>
+            </a:r>
+            <a:r>
+              <a:rPr lang="zh-CN" altLang="en-US" dirty="0"/>
+              <a:t>）包装为自己的实例方法（非静态方法），并且提供了链式调用方法，来定制和增强现有的比较器。</a:t>
+            </a:r>
+            <a:endParaRPr lang="en-US" altLang="zh-CN" dirty="0"/>
+          </a:p>
+        </p:txBody>
+      </p:sp>
+    </p:spTree>
+    <p:extLst>
+      <p:ext uri="{BB962C8B-B14F-4D97-AF65-F5344CB8AC3E}">
+        <p14:creationId xmlns:p14="http://schemas.microsoft.com/office/powerpoint/2010/main" val="1264667267"/>
+      </p:ext>
+    </p:extLst>
+  </p:cSld>
+  <p:clrMapOvr>
+    <a:masterClrMapping/>
+  </p:clrMapOvr>
+  <p:timing>
+    <p:tnLst>
+      <p:par>
+        <p:cTn id="1" dur="indefinite" restart="never" nodeType="tmRoot"/>
+      </p:par>
+    </p:tnLst>
+  </p:timing>
+</p:sld>
+</file>
+
+<file path=ppt/slides/slide21.xml><?xml version="1.0" encoding="utf-8"?>
+<p:sld xmlns:a="http://schemas.openxmlformats.org/drawingml/2006/main" xmlns:r="http://schemas.openxmlformats.org/officeDocument/2006/relationships" xmlns:p="http://schemas.openxmlformats.org/presentationml/2006/main">
+  <p:cSld>
+    <p:spTree>
+      <p:nvGrpSpPr>
+        <p:cNvPr id="1" name=""/>
+        <p:cNvGrpSpPr/>
+        <p:nvPr/>
+      </p:nvGrpSpPr>
+      <p:grpSpPr>
+        <a:xfrm>
+          <a:off x="0" y="0"/>
+          <a:ext cx="0" cy="0"/>
+          <a:chOff x="0" y="0"/>
+          <a:chExt cx="0" cy="0"/>
+        </a:xfrm>
+      </p:grpSpPr>
+      <p:sp>
+        <p:nvSpPr>
+          <p:cNvPr id="6" name="TextBox 5"/>
+          <p:cNvSpPr txBox="1"/>
+          <p:nvPr/>
+        </p:nvSpPr>
+        <p:spPr bwMode="auto">
+          <a:xfrm>
+            <a:off x="743816" y="457200"/>
+            <a:ext cx="2262158" cy="523220"/>
+          </a:xfrm>
+          <a:prstGeom prst="rect">
+            <a:avLst/>
+          </a:prstGeom>
+          <a:noFill/>
+          <a:ln w="9525">
+            <a:noFill/>
+            <a:miter lim="800000"/>
+            <a:headEnd/>
+            <a:tailEnd/>
+          </a:ln>
+        </p:spPr>
+        <p:txBody>
+          <a:bodyPr wrap="none" rtlCol="0">
+            <a:spAutoFit/>
+          </a:bodyPr>
+          <a:lstStyle/>
+          <a:p>
+            <a:r>
+              <a:rPr lang="en-US" altLang="zh-CN" sz="2800" dirty="0"/>
+              <a:t>Basic </a:t>
+            </a:r>
+            <a:r>
+              <a:rPr lang="en-US" altLang="zh-CN" sz="2800" dirty="0" smtClean="0"/>
+              <a:t>utilities</a:t>
+            </a:r>
+            <a:endParaRPr lang="en-US" altLang="zh-CN" sz="2800" dirty="0"/>
+          </a:p>
+        </p:txBody>
+      </p:sp>
+      <p:sp>
+        <p:nvSpPr>
+          <p:cNvPr id="3" name="TextBox 2"/>
+          <p:cNvSpPr txBox="1"/>
+          <p:nvPr/>
+        </p:nvSpPr>
+        <p:spPr bwMode="auto">
+          <a:xfrm>
+            <a:off x="780102" y="1309048"/>
+            <a:ext cx="7028584" cy="369332"/>
+          </a:xfrm>
+          <a:prstGeom prst="rect">
+            <a:avLst/>
+          </a:prstGeom>
+          <a:noFill/>
+          <a:ln w="9525">
+            <a:noFill/>
+            <a:miter lim="800000"/>
+            <a:headEnd/>
+            <a:tailEnd/>
+          </a:ln>
+        </p:spPr>
+        <p:txBody>
+          <a:bodyPr wrap="square" rtlCol="0">
+            <a:spAutoFit/>
+          </a:bodyPr>
+          <a:lstStyle/>
+          <a:p>
+            <a:r>
+              <a:rPr lang="en-US" altLang="zh-CN" dirty="0"/>
+              <a:t>Ordering</a:t>
+            </a:r>
+            <a:endParaRPr lang="zh-CN" altLang="en-US" dirty="0"/>
+          </a:p>
+        </p:txBody>
+      </p:sp>
+      <p:sp>
+        <p:nvSpPr>
+          <p:cNvPr id="5" name="TextBox 2"/>
+          <p:cNvSpPr txBox="1"/>
+          <p:nvPr/>
+        </p:nvSpPr>
+        <p:spPr bwMode="auto">
+          <a:xfrm>
+            <a:off x="780102" y="1801868"/>
+            <a:ext cx="7028584" cy="369332"/>
+          </a:xfrm>
+          <a:prstGeom prst="rect">
+            <a:avLst/>
+          </a:prstGeom>
+          <a:noFill/>
+          <a:ln w="9525">
+            <a:noFill/>
+            <a:miter lim="800000"/>
+            <a:headEnd/>
+            <a:tailEnd/>
+          </a:ln>
+        </p:spPr>
+        <p:txBody>
+          <a:bodyPr wrap="square" rtlCol="0">
+            <a:spAutoFit/>
+          </a:bodyPr>
+          <a:lstStyle/>
+          <a:p>
+            <a:r>
+              <a:rPr lang="zh-CN" altLang="en-US" b="1" dirty="0"/>
+              <a:t>创建排序器</a:t>
+            </a:r>
+            <a:r>
+              <a:rPr lang="zh-CN" altLang="en-US" dirty="0"/>
+              <a:t>：常见的排序器可以由下面的静态方法创建</a:t>
+            </a:r>
+            <a:endParaRPr lang="en-US" altLang="zh-CN" dirty="0"/>
+          </a:p>
+        </p:txBody>
+      </p:sp>
+      <p:graphicFrame>
+        <p:nvGraphicFramePr>
+          <p:cNvPr id="2" name="Table 1"/>
+          <p:cNvGraphicFramePr>
+            <a:graphicFrameLocks noGrp="1"/>
+          </p:cNvGraphicFramePr>
+          <p:nvPr>
+            <p:extLst>
+              <p:ext uri="{D42A27DB-BD31-4B8C-83A1-F6EECF244321}">
+                <p14:modId xmlns:p14="http://schemas.microsoft.com/office/powerpoint/2010/main" val="1205359622"/>
+              </p:ext>
+            </p:extLst>
+          </p:nvPr>
+        </p:nvGraphicFramePr>
+        <p:xfrm>
+          <a:off x="609600" y="2294688"/>
+          <a:ext cx="8267700" cy="1788000"/>
+        </p:xfrm>
+        <a:graphic>
+          <a:graphicData uri="http://schemas.openxmlformats.org/drawingml/2006/table">
+            <a:tbl>
+              <a:tblPr/>
+              <a:tblGrid>
+                <a:gridCol w="2662253">
+                  <a:extLst>
+                    <a:ext uri="{9D8B030D-6E8A-4147-A177-3AD203B41FA5}">
+                      <a16:colId xmlns:a16="http://schemas.microsoft.com/office/drawing/2014/main" val="3042613032"/>
+                    </a:ext>
+                  </a:extLst>
+                </a:gridCol>
+                <a:gridCol w="5605447">
+                  <a:extLst>
+                    <a:ext uri="{9D8B030D-6E8A-4147-A177-3AD203B41FA5}">
+                      <a16:colId xmlns:a16="http://schemas.microsoft.com/office/drawing/2014/main" val="2274778014"/>
+                    </a:ext>
+                  </a:extLst>
+                </a:gridCol>
+              </a:tblGrid>
+              <a:tr h="441144">
+                <a:tc>
+                  <a:txBody>
+                    <a:bodyPr/>
+                    <a:lstStyle/>
+                    <a:p>
+                      <a:r>
+                        <a:rPr lang="zh-CN" altLang="en-US" sz="1400" b="1">
+                          <a:effectLst/>
+                        </a:rPr>
+                        <a:t>方法</a:t>
+                      </a:r>
+                      <a:endParaRPr lang="zh-CN" altLang="en-US" sz="1400">
+                        <a:effectLst/>
+                      </a:endParaRPr>
+                    </a:p>
+                  </a:txBody>
+                  <a:tcPr marL="112537" marR="112537" marT="112537" marB="112537" anchor="ctr">
+                    <a:lnL w="9525" cap="flat" cmpd="sng" algn="ctr">
+                      <a:solidFill>
+                        <a:srgbClr val="CCCCCC"/>
+                      </a:solidFill>
+                      <a:prstDash val="solid"/>
+                      <a:round/>
+                      <a:headEnd type="none" w="med" len="med"/>
+                      <a:tailEnd type="none" w="med" len="med"/>
+                    </a:lnL>
+                    <a:lnR w="9525" cap="flat" cmpd="sng" algn="ctr">
+                      <a:solidFill>
+                        <a:srgbClr val="CCCCCC"/>
+                      </a:solidFill>
+                      <a:prstDash val="solid"/>
+                      <a:round/>
+                      <a:headEnd type="none" w="med" len="med"/>
+                      <a:tailEnd type="none" w="med" len="med"/>
+                    </a:lnR>
+                    <a:lnT w="9525" cap="flat" cmpd="sng" algn="ctr">
+                      <a:solidFill>
+                        <a:srgbClr val="CCCCCC"/>
+                      </a:solidFill>
+                      <a:prstDash val="solid"/>
+                      <a:round/>
+                      <a:headEnd type="none" w="med" len="med"/>
+                      <a:tailEnd type="none" w="med" len="med"/>
+                    </a:lnT>
+                    <a:lnB w="9525" cap="flat" cmpd="sng" algn="ctr">
+                      <a:solidFill>
+                        <a:srgbClr val="CCCCCC"/>
+                      </a:solidFill>
+                      <a:prstDash val="solid"/>
+                      <a:round/>
+                      <a:headEnd type="none" w="med" len="med"/>
+                      <a:tailEnd type="none" w="med" len="med"/>
+                    </a:lnB>
+                  </a:tcPr>
+                </a:tc>
+                <a:tc>
+                  <a:txBody>
+                    <a:bodyPr/>
+                    <a:lstStyle/>
+                    <a:p>
+                      <a:r>
+                        <a:rPr lang="zh-CN" altLang="en-US" sz="1400" b="1">
+                          <a:effectLst/>
+                        </a:rPr>
+                        <a:t>描述</a:t>
+                      </a:r>
+                      <a:endParaRPr lang="zh-CN" altLang="en-US" sz="1400">
+                        <a:effectLst/>
+                      </a:endParaRPr>
+                    </a:p>
+                  </a:txBody>
+                  <a:tcPr marL="112537" marR="112537" marT="112537" marB="112537" anchor="ctr">
+                    <a:lnL w="9525" cap="flat" cmpd="sng" algn="ctr">
+                      <a:solidFill>
+                        <a:srgbClr val="CCCCCC"/>
+                      </a:solidFill>
+                      <a:prstDash val="solid"/>
+                      <a:round/>
+                      <a:headEnd type="none" w="med" len="med"/>
+                      <a:tailEnd type="none" w="med" len="med"/>
+                    </a:lnL>
+                    <a:lnR w="9525" cap="flat" cmpd="sng" algn="ctr">
+                      <a:solidFill>
+                        <a:srgbClr val="CCCCCC"/>
+                      </a:solidFill>
+                      <a:prstDash val="solid"/>
+                      <a:round/>
+                      <a:headEnd type="none" w="med" len="med"/>
+                      <a:tailEnd type="none" w="med" len="med"/>
+                    </a:lnR>
+                    <a:lnT w="9525" cap="flat" cmpd="sng" algn="ctr">
+                      <a:solidFill>
+                        <a:srgbClr val="CCCCCC"/>
+                      </a:solidFill>
+                      <a:prstDash val="solid"/>
+                      <a:round/>
+                      <a:headEnd type="none" w="med" len="med"/>
+                      <a:tailEnd type="none" w="med" len="med"/>
+                    </a:lnT>
+                    <a:lnB w="9525" cap="flat" cmpd="sng" algn="ctr">
+                      <a:solidFill>
+                        <a:srgbClr val="CCCCCC"/>
+                      </a:solidFill>
+                      <a:prstDash val="solid"/>
+                      <a:round/>
+                      <a:headEnd type="none" w="med" len="med"/>
+                      <a:tailEnd type="none" w="med" len="med"/>
+                    </a:lnB>
+                  </a:tcPr>
+                </a:tc>
+                <a:extLst>
+                  <a:ext uri="{0D108BD9-81ED-4DB2-BD59-A6C34878D82A}">
+                    <a16:rowId xmlns:a16="http://schemas.microsoft.com/office/drawing/2014/main" val="1660271125"/>
+                  </a:ext>
+                </a:extLst>
+              </a:tr>
+              <a:tr h="464568">
+                <a:tc>
+                  <a:txBody>
+                    <a:bodyPr/>
+                    <a:lstStyle/>
+                    <a:p>
+                      <a:r>
+                        <a:rPr lang="en-US" sz="1400" u="sng" dirty="0">
+                          <a:solidFill>
+                            <a:srgbClr val="00A19E"/>
+                          </a:solidFill>
+                          <a:effectLst/>
+                          <a:hlinkClick r:id="rId2"/>
+                        </a:rPr>
+                        <a:t>natural()</a:t>
+                      </a:r>
+                      <a:endParaRPr lang="en-US" sz="1400" dirty="0">
+                        <a:effectLst/>
+                      </a:endParaRPr>
+                    </a:p>
+                  </a:txBody>
+                  <a:tcPr marL="112537" marR="112537" marT="112537" marB="112537" anchor="ctr">
+                    <a:lnL w="9525" cap="flat" cmpd="sng" algn="ctr">
+                      <a:solidFill>
+                        <a:srgbClr val="CCCCCC"/>
+                      </a:solidFill>
+                      <a:prstDash val="solid"/>
+                      <a:round/>
+                      <a:headEnd type="none" w="med" len="med"/>
+                      <a:tailEnd type="none" w="med" len="med"/>
+                    </a:lnL>
+                    <a:lnR w="9525" cap="flat" cmpd="sng" algn="ctr">
+                      <a:solidFill>
+                        <a:srgbClr val="CCCCCC"/>
+                      </a:solidFill>
+                      <a:prstDash val="solid"/>
+                      <a:round/>
+                      <a:headEnd type="none" w="med" len="med"/>
+                      <a:tailEnd type="none" w="med" len="med"/>
+                    </a:lnR>
+                    <a:lnT w="9525" cap="flat" cmpd="sng" algn="ctr">
+                      <a:solidFill>
+                        <a:srgbClr val="CCCCCC"/>
+                      </a:solidFill>
+                      <a:prstDash val="solid"/>
+                      <a:round/>
+                      <a:headEnd type="none" w="med" len="med"/>
+                      <a:tailEnd type="none" w="med" len="med"/>
+                    </a:lnT>
+                    <a:lnB w="9525" cap="flat" cmpd="sng" algn="ctr">
+                      <a:solidFill>
+                        <a:srgbClr val="CCCCCC"/>
+                      </a:solidFill>
+                      <a:prstDash val="solid"/>
+                      <a:round/>
+                      <a:headEnd type="none" w="med" len="med"/>
+                      <a:tailEnd type="none" w="med" len="med"/>
+                    </a:lnB>
+                  </a:tcPr>
+                </a:tc>
+                <a:tc>
+                  <a:txBody>
+                    <a:bodyPr/>
+                    <a:lstStyle/>
+                    <a:p>
+                      <a:r>
+                        <a:rPr lang="zh-CN" altLang="en-US" sz="1400">
+                          <a:effectLst/>
+                        </a:rPr>
+                        <a:t>对可排序类型做自然排序，如数字按大小，日期按先后排序</a:t>
+                      </a:r>
+                    </a:p>
+                  </a:txBody>
+                  <a:tcPr marL="112537" marR="112537" marT="112537" marB="112537" anchor="ctr">
+                    <a:lnL w="9525" cap="flat" cmpd="sng" algn="ctr">
+                      <a:solidFill>
+                        <a:srgbClr val="CCCCCC"/>
+                      </a:solidFill>
+                      <a:prstDash val="solid"/>
+                      <a:round/>
+                      <a:headEnd type="none" w="med" len="med"/>
+                      <a:tailEnd type="none" w="med" len="med"/>
+                    </a:lnL>
+                    <a:lnR w="9525" cap="flat" cmpd="sng" algn="ctr">
+                      <a:solidFill>
+                        <a:srgbClr val="CCCCCC"/>
+                      </a:solidFill>
+                      <a:prstDash val="solid"/>
+                      <a:round/>
+                      <a:headEnd type="none" w="med" len="med"/>
+                      <a:tailEnd type="none" w="med" len="med"/>
+                    </a:lnR>
+                    <a:lnT w="9525" cap="flat" cmpd="sng" algn="ctr">
+                      <a:solidFill>
+                        <a:srgbClr val="CCCCCC"/>
+                      </a:solidFill>
+                      <a:prstDash val="solid"/>
+                      <a:round/>
+                      <a:headEnd type="none" w="med" len="med"/>
+                      <a:tailEnd type="none" w="med" len="med"/>
+                    </a:lnT>
+                    <a:lnB w="9525" cap="flat" cmpd="sng" algn="ctr">
+                      <a:solidFill>
+                        <a:srgbClr val="CCCCCC"/>
+                      </a:solidFill>
+                      <a:prstDash val="solid"/>
+                      <a:round/>
+                      <a:headEnd type="none" w="med" len="med"/>
+                      <a:tailEnd type="none" w="med" len="med"/>
+                    </a:lnB>
+                  </a:tcPr>
+                </a:tc>
+                <a:extLst>
+                  <a:ext uri="{0D108BD9-81ED-4DB2-BD59-A6C34878D82A}">
+                    <a16:rowId xmlns:a16="http://schemas.microsoft.com/office/drawing/2014/main" val="3747208260"/>
+                  </a:ext>
+                </a:extLst>
+              </a:tr>
+              <a:tr h="441144">
+                <a:tc>
+                  <a:txBody>
+                    <a:bodyPr/>
+                    <a:lstStyle/>
+                    <a:p>
+                      <a:r>
+                        <a:rPr lang="en-US" sz="1400" u="sng">
+                          <a:solidFill>
+                            <a:srgbClr val="00A19E"/>
+                          </a:solidFill>
+                          <a:effectLst/>
+                          <a:hlinkClick r:id="rId3"/>
+                        </a:rPr>
+                        <a:t>usingToString()</a:t>
+                      </a:r>
+                      <a:endParaRPr lang="en-US" sz="1400">
+                        <a:effectLst/>
+                      </a:endParaRPr>
+                    </a:p>
+                  </a:txBody>
+                  <a:tcPr marL="112537" marR="112537" marT="112537" marB="112537" anchor="ctr">
+                    <a:lnL w="9525" cap="flat" cmpd="sng" algn="ctr">
+                      <a:solidFill>
+                        <a:srgbClr val="CCCCCC"/>
+                      </a:solidFill>
+                      <a:prstDash val="solid"/>
+                      <a:round/>
+                      <a:headEnd type="none" w="med" len="med"/>
+                      <a:tailEnd type="none" w="med" len="med"/>
+                    </a:lnL>
+                    <a:lnR w="9525" cap="flat" cmpd="sng" algn="ctr">
+                      <a:solidFill>
+                        <a:srgbClr val="CCCCCC"/>
+                      </a:solidFill>
+                      <a:prstDash val="solid"/>
+                      <a:round/>
+                      <a:headEnd type="none" w="med" len="med"/>
+                      <a:tailEnd type="none" w="med" len="med"/>
+                    </a:lnR>
+                    <a:lnT w="9525" cap="flat" cmpd="sng" algn="ctr">
+                      <a:solidFill>
+                        <a:srgbClr val="CCCCCC"/>
+                      </a:solidFill>
+                      <a:prstDash val="solid"/>
+                      <a:round/>
+                      <a:headEnd type="none" w="med" len="med"/>
+                      <a:tailEnd type="none" w="med" len="med"/>
+                    </a:lnT>
+                    <a:lnB w="9525" cap="flat" cmpd="sng" algn="ctr">
+                      <a:solidFill>
+                        <a:srgbClr val="CCCCCC"/>
+                      </a:solidFill>
+                      <a:prstDash val="solid"/>
+                      <a:round/>
+                      <a:headEnd type="none" w="med" len="med"/>
+                      <a:tailEnd type="none" w="med" len="med"/>
+                    </a:lnB>
+                  </a:tcPr>
+                </a:tc>
+                <a:tc>
+                  <a:txBody>
+                    <a:bodyPr/>
+                    <a:lstStyle/>
+                    <a:p>
+                      <a:r>
+                        <a:rPr lang="zh-CN" altLang="en-US" sz="1400" dirty="0">
+                          <a:effectLst/>
+                        </a:rPr>
+                        <a:t>按对象的字符串形式做字典排序</a:t>
+                      </a:r>
+                      <a:r>
+                        <a:rPr lang="en-US" altLang="zh-CN" sz="1400" dirty="0">
+                          <a:effectLst/>
+                        </a:rPr>
+                        <a:t>[</a:t>
+                      </a:r>
+                      <a:r>
+                        <a:rPr lang="en-US" sz="1400" dirty="0">
+                          <a:effectLst/>
+                        </a:rPr>
+                        <a:t>lexicographical ordering]</a:t>
+                      </a:r>
+                    </a:p>
+                  </a:txBody>
+                  <a:tcPr marL="112537" marR="112537" marT="112537" marB="112537" anchor="ctr">
+                    <a:lnL w="9525" cap="flat" cmpd="sng" algn="ctr">
+                      <a:solidFill>
+                        <a:srgbClr val="CCCCCC"/>
+                      </a:solidFill>
+                      <a:prstDash val="solid"/>
+                      <a:round/>
+                      <a:headEnd type="none" w="med" len="med"/>
+                      <a:tailEnd type="none" w="med" len="med"/>
+                    </a:lnL>
+                    <a:lnR w="9525" cap="flat" cmpd="sng" algn="ctr">
+                      <a:solidFill>
+                        <a:srgbClr val="CCCCCC"/>
+                      </a:solidFill>
+                      <a:prstDash val="solid"/>
+                      <a:round/>
+                      <a:headEnd type="none" w="med" len="med"/>
+                      <a:tailEnd type="none" w="med" len="med"/>
+                    </a:lnR>
+                    <a:lnT w="9525" cap="flat" cmpd="sng" algn="ctr">
+                      <a:solidFill>
+                        <a:srgbClr val="CCCCCC"/>
+                      </a:solidFill>
+                      <a:prstDash val="solid"/>
+                      <a:round/>
+                      <a:headEnd type="none" w="med" len="med"/>
+                      <a:tailEnd type="none" w="med" len="med"/>
+                    </a:lnT>
+                    <a:lnB w="9525" cap="flat" cmpd="sng" algn="ctr">
+                      <a:solidFill>
+                        <a:srgbClr val="CCCCCC"/>
+                      </a:solidFill>
+                      <a:prstDash val="solid"/>
+                      <a:round/>
+                      <a:headEnd type="none" w="med" len="med"/>
+                      <a:tailEnd type="none" w="med" len="med"/>
+                    </a:lnB>
+                  </a:tcPr>
+                </a:tc>
+                <a:extLst>
+                  <a:ext uri="{0D108BD9-81ED-4DB2-BD59-A6C34878D82A}">
+                    <a16:rowId xmlns:a16="http://schemas.microsoft.com/office/drawing/2014/main" val="824084111"/>
+                  </a:ext>
+                </a:extLst>
+              </a:tr>
+              <a:tr h="441144">
+                <a:tc>
+                  <a:txBody>
+                    <a:bodyPr/>
+                    <a:lstStyle/>
+                    <a:p>
+                      <a:r>
+                        <a:rPr lang="en-US" sz="1400" u="sng">
+                          <a:solidFill>
+                            <a:srgbClr val="00A19E"/>
+                          </a:solidFill>
+                          <a:effectLst/>
+                          <a:hlinkClick r:id="rId4"/>
+                        </a:rPr>
+                        <a:t>from(Comparator)</a:t>
+                      </a:r>
+                      <a:endParaRPr lang="en-US" sz="1400">
+                        <a:effectLst/>
+                      </a:endParaRPr>
+                    </a:p>
+                  </a:txBody>
+                  <a:tcPr marL="112537" marR="112537" marT="112537" marB="112537" anchor="ctr">
+                    <a:lnL w="9525" cap="flat" cmpd="sng" algn="ctr">
+                      <a:solidFill>
+                        <a:srgbClr val="CCCCCC"/>
+                      </a:solidFill>
+                      <a:prstDash val="solid"/>
+                      <a:round/>
+                      <a:headEnd type="none" w="med" len="med"/>
+                      <a:tailEnd type="none" w="med" len="med"/>
+                    </a:lnL>
+                    <a:lnR w="9525" cap="flat" cmpd="sng" algn="ctr">
+                      <a:solidFill>
+                        <a:srgbClr val="CCCCCC"/>
+                      </a:solidFill>
+                      <a:prstDash val="solid"/>
+                      <a:round/>
+                      <a:headEnd type="none" w="med" len="med"/>
+                      <a:tailEnd type="none" w="med" len="med"/>
+                    </a:lnR>
+                    <a:lnT w="9525" cap="flat" cmpd="sng" algn="ctr">
+                      <a:solidFill>
+                        <a:srgbClr val="CCCCCC"/>
+                      </a:solidFill>
+                      <a:prstDash val="solid"/>
+                      <a:round/>
+                      <a:headEnd type="none" w="med" len="med"/>
+                      <a:tailEnd type="none" w="med" len="med"/>
+                    </a:lnT>
+                    <a:lnB w="9525" cap="flat" cmpd="sng" algn="ctr">
+                      <a:solidFill>
+                        <a:srgbClr val="CCCCCC"/>
+                      </a:solidFill>
+                      <a:prstDash val="solid"/>
+                      <a:round/>
+                      <a:headEnd type="none" w="med" len="med"/>
+                      <a:tailEnd type="none" w="med" len="med"/>
+                    </a:lnB>
+                  </a:tcPr>
+                </a:tc>
+                <a:tc>
+                  <a:txBody>
+                    <a:bodyPr/>
+                    <a:lstStyle/>
+                    <a:p>
+                      <a:r>
+                        <a:rPr lang="zh-CN" altLang="en-US" sz="1400" dirty="0">
+                          <a:effectLst/>
+                        </a:rPr>
+                        <a:t>把给定的</a:t>
+                      </a:r>
+                      <a:r>
+                        <a:rPr lang="en-US" sz="1400" dirty="0">
+                          <a:effectLst/>
+                        </a:rPr>
+                        <a:t>Comparator</a:t>
+                      </a:r>
+                      <a:r>
+                        <a:rPr lang="zh-CN" altLang="en-US" sz="1400" dirty="0">
+                          <a:effectLst/>
+                        </a:rPr>
+                        <a:t>转化为排序器</a:t>
+                      </a:r>
+                    </a:p>
+                  </a:txBody>
+                  <a:tcPr marL="112537" marR="112537" marT="112537" marB="112537" anchor="ctr">
+                    <a:lnL w="9525" cap="flat" cmpd="sng" algn="ctr">
+                      <a:solidFill>
+                        <a:srgbClr val="CCCCCC"/>
+                      </a:solidFill>
+                      <a:prstDash val="solid"/>
+                      <a:round/>
+                      <a:headEnd type="none" w="med" len="med"/>
+                      <a:tailEnd type="none" w="med" len="med"/>
+                    </a:lnL>
+                    <a:lnR w="9525" cap="flat" cmpd="sng" algn="ctr">
+                      <a:solidFill>
+                        <a:srgbClr val="CCCCCC"/>
+                      </a:solidFill>
+                      <a:prstDash val="solid"/>
+                      <a:round/>
+                      <a:headEnd type="none" w="med" len="med"/>
+                      <a:tailEnd type="none" w="med" len="med"/>
+                    </a:lnR>
+                    <a:lnT w="9525" cap="flat" cmpd="sng" algn="ctr">
+                      <a:solidFill>
+                        <a:srgbClr val="CCCCCC"/>
+                      </a:solidFill>
+                      <a:prstDash val="solid"/>
+                      <a:round/>
+                      <a:headEnd type="none" w="med" len="med"/>
+                      <a:tailEnd type="none" w="med" len="med"/>
+                    </a:lnT>
+                    <a:lnB w="9525" cap="flat" cmpd="sng" algn="ctr">
+                      <a:solidFill>
+                        <a:srgbClr val="CCCCCC"/>
+                      </a:solidFill>
+                      <a:prstDash val="solid"/>
+                      <a:round/>
+                      <a:headEnd type="none" w="med" len="med"/>
+                      <a:tailEnd type="none" w="med" len="med"/>
+                    </a:lnB>
+                  </a:tcPr>
+                </a:tc>
+                <a:extLst>
+                  <a:ext uri="{0D108BD9-81ED-4DB2-BD59-A6C34878D82A}">
+                    <a16:rowId xmlns:a16="http://schemas.microsoft.com/office/drawing/2014/main" val="3810718656"/>
+                  </a:ext>
+                </a:extLst>
+              </a:tr>
+            </a:tbl>
+          </a:graphicData>
+        </a:graphic>
+      </p:graphicFrame>
+      <p:sp>
+        <p:nvSpPr>
+          <p:cNvPr id="12" name="Rectangle 11"/>
+          <p:cNvSpPr/>
+          <p:nvPr/>
+        </p:nvSpPr>
+        <p:spPr>
+          <a:xfrm>
+            <a:off x="457200" y="4182752"/>
+            <a:ext cx="8267700" cy="2031325"/>
+          </a:xfrm>
+          <a:prstGeom prst="rect">
+            <a:avLst/>
+          </a:prstGeom>
+        </p:spPr>
+        <p:txBody>
+          <a:bodyPr wrap="square">
+            <a:spAutoFit/>
+          </a:bodyPr>
+          <a:lstStyle/>
+          <a:p>
+            <a:r>
+              <a:rPr lang="en-US" dirty="0" err="1"/>
+              <a:t>实现自定义的排序器时，除了用上面的from方法，也可以跳过实现Comparator，而直接继承Ordering</a:t>
+            </a:r>
+            <a:r>
+              <a:rPr lang="en-US" dirty="0" smtClean="0"/>
+              <a:t>：</a:t>
+            </a:r>
+            <a:endParaRPr lang="en-US" dirty="0"/>
+          </a:p>
+          <a:p>
+            <a:r>
+              <a:rPr lang="en-US" dirty="0"/>
+              <a:t>Ordering&lt;String&gt; </a:t>
+            </a:r>
+            <a:r>
+              <a:rPr lang="en-US" dirty="0" err="1"/>
+              <a:t>byLengthOrdering</a:t>
+            </a:r>
+            <a:r>
+              <a:rPr lang="en-US" dirty="0"/>
+              <a:t> = new Ordering&lt;String&gt;() {</a:t>
+            </a:r>
+          </a:p>
+          <a:p>
+            <a:r>
+              <a:rPr lang="en-US" dirty="0"/>
+              <a:t>  public </a:t>
+            </a:r>
+            <a:r>
+              <a:rPr lang="en-US" dirty="0" err="1"/>
+              <a:t>int</a:t>
+            </a:r>
+            <a:r>
+              <a:rPr lang="en-US" dirty="0"/>
+              <a:t> compare(String left, String right) {</a:t>
+            </a:r>
+          </a:p>
+          <a:p>
+            <a:r>
+              <a:rPr lang="en-US" dirty="0"/>
+              <a:t>  return </a:t>
+            </a:r>
+            <a:r>
+              <a:rPr lang="en-US" dirty="0" err="1"/>
+              <a:t>Ints.compare</a:t>
+            </a:r>
+            <a:r>
+              <a:rPr lang="en-US" dirty="0"/>
+              <a:t>(</a:t>
+            </a:r>
+            <a:r>
+              <a:rPr lang="en-US" dirty="0" err="1"/>
+              <a:t>left.length</a:t>
+            </a:r>
+            <a:r>
+              <a:rPr lang="en-US" dirty="0"/>
+              <a:t>(), </a:t>
+            </a:r>
+            <a:r>
+              <a:rPr lang="en-US" dirty="0" err="1"/>
+              <a:t>right.length</a:t>
+            </a:r>
+            <a:r>
+              <a:rPr lang="en-US" dirty="0"/>
+              <a:t>());</a:t>
+            </a:r>
+          </a:p>
+          <a:p>
+            <a:r>
+              <a:rPr lang="en-US" dirty="0"/>
+              <a:t> }</a:t>
+            </a:r>
+          </a:p>
+          <a:p>
+            <a:r>
+              <a:rPr lang="en-US" dirty="0" smtClean="0"/>
+              <a:t>}</a:t>
+            </a:r>
+            <a:endParaRPr lang="en-US" dirty="0"/>
+          </a:p>
+        </p:txBody>
+      </p:sp>
+    </p:spTree>
+    <p:extLst>
+      <p:ext uri="{BB962C8B-B14F-4D97-AF65-F5344CB8AC3E}">
+        <p14:creationId xmlns:p14="http://schemas.microsoft.com/office/powerpoint/2010/main" val="945045762"/>
+      </p:ext>
+    </p:extLst>
+  </p:cSld>
+  <p:clrMapOvr>
+    <a:masterClrMapping/>
+  </p:clrMapOvr>
+  <p:timing>
+    <p:tnLst>
+      <p:par>
+        <p:cTn id="1" dur="indefinite" restart="never" nodeType="tmRoot"/>
+      </p:par>
+    </p:tnLst>
+  </p:timing>
+</p:sld>
+</file>
+
+<file path=ppt/slides/slide22.xml><?xml version="1.0" encoding="utf-8"?>
+<p:sld xmlns:a="http://schemas.openxmlformats.org/drawingml/2006/main" xmlns:r="http://schemas.openxmlformats.org/officeDocument/2006/relationships" xmlns:p="http://schemas.openxmlformats.org/presentationml/2006/main">
+  <p:cSld>
+    <p:spTree>
+      <p:nvGrpSpPr>
+        <p:cNvPr id="1" name=""/>
+        <p:cNvGrpSpPr/>
+        <p:nvPr/>
+      </p:nvGrpSpPr>
+      <p:grpSpPr>
+        <a:xfrm>
+          <a:off x="0" y="0"/>
+          <a:ext cx="0" cy="0"/>
+          <a:chOff x="0" y="0"/>
+          <a:chExt cx="0" cy="0"/>
+        </a:xfrm>
+      </p:grpSpPr>
+      <p:sp>
+        <p:nvSpPr>
+          <p:cNvPr id="6" name="TextBox 5"/>
+          <p:cNvSpPr txBox="1"/>
+          <p:nvPr/>
+        </p:nvSpPr>
+        <p:spPr bwMode="auto">
+          <a:xfrm>
+            <a:off x="743816" y="457200"/>
+            <a:ext cx="2262158" cy="523220"/>
+          </a:xfrm>
+          <a:prstGeom prst="rect">
+            <a:avLst/>
+          </a:prstGeom>
+          <a:noFill/>
+          <a:ln w="9525">
+            <a:noFill/>
+            <a:miter lim="800000"/>
+            <a:headEnd/>
+            <a:tailEnd/>
+          </a:ln>
+        </p:spPr>
+        <p:txBody>
+          <a:bodyPr wrap="none" rtlCol="0">
+            <a:spAutoFit/>
+          </a:bodyPr>
+          <a:lstStyle/>
+          <a:p>
+            <a:r>
+              <a:rPr lang="en-US" altLang="zh-CN" sz="2800" dirty="0"/>
+              <a:t>Basic </a:t>
+            </a:r>
+            <a:r>
+              <a:rPr lang="en-US" altLang="zh-CN" sz="2800" dirty="0" smtClean="0"/>
+              <a:t>utilities</a:t>
+            </a:r>
+            <a:endParaRPr lang="en-US" altLang="zh-CN" sz="2800" dirty="0"/>
+          </a:p>
+        </p:txBody>
+      </p:sp>
+      <p:sp>
+        <p:nvSpPr>
+          <p:cNvPr id="3" name="TextBox 2"/>
+          <p:cNvSpPr txBox="1"/>
+          <p:nvPr/>
+        </p:nvSpPr>
+        <p:spPr bwMode="auto">
+          <a:xfrm>
+            <a:off x="780102" y="1309048"/>
+            <a:ext cx="7028584" cy="369332"/>
+          </a:xfrm>
+          <a:prstGeom prst="rect">
+            <a:avLst/>
+          </a:prstGeom>
+          <a:noFill/>
+          <a:ln w="9525">
+            <a:noFill/>
+            <a:miter lim="800000"/>
+            <a:headEnd/>
+            <a:tailEnd/>
+          </a:ln>
+        </p:spPr>
+        <p:txBody>
+          <a:bodyPr wrap="square" rtlCol="0">
+            <a:spAutoFit/>
+          </a:bodyPr>
+          <a:lstStyle/>
+          <a:p>
+            <a:r>
+              <a:rPr lang="en-US" altLang="zh-CN" dirty="0"/>
+              <a:t>Ordering</a:t>
+            </a:r>
+            <a:endParaRPr lang="zh-CN" altLang="en-US" dirty="0"/>
+          </a:p>
+        </p:txBody>
+      </p:sp>
+      <p:pic>
+        <p:nvPicPr>
+          <p:cNvPr id="7" name="Picture 6"/>
+          <p:cNvPicPr>
+            <a:picLocks noChangeAspect="1"/>
+          </p:cNvPicPr>
+          <p:nvPr/>
+        </p:nvPicPr>
+        <p:blipFill>
+          <a:blip r:embed="rId2"/>
+          <a:stretch>
+            <a:fillRect/>
+          </a:stretch>
+        </p:blipFill>
+        <p:spPr>
+          <a:xfrm>
+            <a:off x="1902249" y="1447800"/>
+            <a:ext cx="6886575" cy="4591050"/>
+          </a:xfrm>
+          <a:prstGeom prst="rect">
+            <a:avLst/>
+          </a:prstGeom>
+        </p:spPr>
+      </p:pic>
+    </p:spTree>
+    <p:extLst>
+      <p:ext uri="{BB962C8B-B14F-4D97-AF65-F5344CB8AC3E}">
+        <p14:creationId xmlns:p14="http://schemas.microsoft.com/office/powerpoint/2010/main" val="638392456"/>
+      </p:ext>
+    </p:extLst>
+  </p:cSld>
+  <p:clrMapOvr>
+    <a:masterClrMapping/>
+  </p:clrMapOvr>
+  <p:timing>
+    <p:tnLst>
+      <p:par>
+        <p:cTn id="1" dur="indefinite" restart="never" nodeType="tmRoot"/>
+      </p:par>
+    </p:tnLst>
+  </p:timing>
+</p:sld>
+</file>
+
+<file path=ppt/slides/slide23.xml><?xml version="1.0" encoding="utf-8"?>
+<p:sld xmlns:a="http://schemas.openxmlformats.org/drawingml/2006/main" xmlns:r="http://schemas.openxmlformats.org/officeDocument/2006/relationships" xmlns:p="http://schemas.openxmlformats.org/presentationml/2006/main">
+  <p:cSld>
+    <p:spTree>
+      <p:nvGrpSpPr>
+        <p:cNvPr id="1" name=""/>
+        <p:cNvGrpSpPr/>
+        <p:nvPr/>
+      </p:nvGrpSpPr>
+      <p:grpSpPr>
+        <a:xfrm>
+          <a:off x="0" y="0"/>
+          <a:ext cx="0" cy="0"/>
+          <a:chOff x="0" y="0"/>
+          <a:chExt cx="0" cy="0"/>
+        </a:xfrm>
+      </p:grpSpPr>
+      <p:sp>
+        <p:nvSpPr>
+          <p:cNvPr id="6" name="TextBox 5"/>
+          <p:cNvSpPr txBox="1"/>
+          <p:nvPr/>
+        </p:nvSpPr>
+        <p:spPr bwMode="auto">
+          <a:xfrm>
+            <a:off x="743816" y="457200"/>
+            <a:ext cx="2262158" cy="523220"/>
+          </a:xfrm>
+          <a:prstGeom prst="rect">
+            <a:avLst/>
+          </a:prstGeom>
+          <a:noFill/>
+          <a:ln w="9525">
+            <a:noFill/>
+            <a:miter lim="800000"/>
+            <a:headEnd/>
+            <a:tailEnd/>
+          </a:ln>
+        </p:spPr>
+        <p:txBody>
+          <a:bodyPr wrap="none" rtlCol="0">
+            <a:spAutoFit/>
+          </a:bodyPr>
+          <a:lstStyle/>
+          <a:p>
+            <a:r>
+              <a:rPr lang="en-US" altLang="zh-CN" sz="2800" dirty="0"/>
+              <a:t>Basic </a:t>
+            </a:r>
+            <a:r>
+              <a:rPr lang="en-US" altLang="zh-CN" sz="2800" dirty="0" smtClean="0"/>
+              <a:t>utilities</a:t>
+            </a:r>
+            <a:endParaRPr lang="en-US" altLang="zh-CN" sz="2800" dirty="0"/>
+          </a:p>
+        </p:txBody>
+      </p:sp>
+      <p:sp>
+        <p:nvSpPr>
+          <p:cNvPr id="3" name="TextBox 2"/>
+          <p:cNvSpPr txBox="1"/>
+          <p:nvPr/>
+        </p:nvSpPr>
+        <p:spPr bwMode="auto">
+          <a:xfrm>
+            <a:off x="780102" y="1309048"/>
+            <a:ext cx="7028584" cy="369332"/>
+          </a:xfrm>
+          <a:prstGeom prst="rect">
+            <a:avLst/>
+          </a:prstGeom>
+          <a:noFill/>
+          <a:ln w="9525">
+            <a:noFill/>
+            <a:miter lim="800000"/>
+            <a:headEnd/>
+            <a:tailEnd/>
+          </a:ln>
+        </p:spPr>
+        <p:txBody>
+          <a:bodyPr wrap="square" rtlCol="0">
+            <a:spAutoFit/>
+          </a:bodyPr>
+          <a:lstStyle/>
+          <a:p>
+            <a:r>
+              <a:rPr lang="en-US" altLang="zh-CN" dirty="0"/>
+              <a:t>Ordering</a:t>
+            </a:r>
+            <a:endParaRPr lang="zh-CN" altLang="en-US" dirty="0"/>
+          </a:p>
+        </p:txBody>
+      </p:sp>
+      <p:sp>
+        <p:nvSpPr>
+          <p:cNvPr id="5" name="TextBox 2"/>
+          <p:cNvSpPr txBox="1"/>
+          <p:nvPr/>
+        </p:nvSpPr>
+        <p:spPr bwMode="auto">
+          <a:xfrm>
+            <a:off x="780102" y="1801868"/>
+            <a:ext cx="7028584" cy="646331"/>
+          </a:xfrm>
+          <a:prstGeom prst="rect">
+            <a:avLst/>
+          </a:prstGeom>
+          <a:noFill/>
+          <a:ln w="9525">
+            <a:noFill/>
+            <a:miter lim="800000"/>
+            <a:headEnd/>
+            <a:tailEnd/>
+          </a:ln>
+        </p:spPr>
+        <p:txBody>
+          <a:bodyPr wrap="square" rtlCol="0">
+            <a:spAutoFit/>
+          </a:bodyPr>
+          <a:lstStyle/>
+          <a:p>
+            <a:r>
+              <a:rPr lang="zh-CN" altLang="en-US" b="1" dirty="0"/>
+              <a:t>链式调用方法：通过链式调用，可以由给定的排序器衍生出其它排序器</a:t>
+            </a:r>
+            <a:endParaRPr lang="en-US" altLang="zh-CN" dirty="0"/>
+          </a:p>
+        </p:txBody>
+      </p:sp>
+      <p:graphicFrame>
+        <p:nvGraphicFramePr>
+          <p:cNvPr id="4" name="Table 3"/>
+          <p:cNvGraphicFramePr>
+            <a:graphicFrameLocks noGrp="1"/>
+          </p:cNvGraphicFramePr>
+          <p:nvPr>
+            <p:extLst>
+              <p:ext uri="{D42A27DB-BD31-4B8C-83A1-F6EECF244321}">
+                <p14:modId xmlns:p14="http://schemas.microsoft.com/office/powerpoint/2010/main" val="214272374"/>
+              </p:ext>
+            </p:extLst>
+          </p:nvPr>
+        </p:nvGraphicFramePr>
+        <p:xfrm>
+          <a:off x="457200" y="2667000"/>
+          <a:ext cx="8267700" cy="3304079"/>
+        </p:xfrm>
+        <a:graphic>
+          <a:graphicData uri="http://schemas.openxmlformats.org/drawingml/2006/table">
+            <a:tbl>
+              <a:tblPr/>
+              <a:tblGrid>
+                <a:gridCol w="2662253">
+                  <a:extLst>
+                    <a:ext uri="{9D8B030D-6E8A-4147-A177-3AD203B41FA5}">
+                      <a16:colId xmlns:a16="http://schemas.microsoft.com/office/drawing/2014/main" val="331462742"/>
+                    </a:ext>
+                  </a:extLst>
+                </a:gridCol>
+                <a:gridCol w="5605447">
+                  <a:extLst>
+                    <a:ext uri="{9D8B030D-6E8A-4147-A177-3AD203B41FA5}">
+                      <a16:colId xmlns:a16="http://schemas.microsoft.com/office/drawing/2014/main" val="1270116112"/>
+                    </a:ext>
+                  </a:extLst>
+                </a:gridCol>
+              </a:tblGrid>
+              <a:tr h="441144">
+                <a:tc>
+                  <a:txBody>
+                    <a:bodyPr/>
+                    <a:lstStyle/>
+                    <a:p>
+                      <a:r>
+                        <a:rPr lang="zh-CN" altLang="en-US" sz="1400" b="1">
+                          <a:effectLst/>
+                        </a:rPr>
+                        <a:t>方法</a:t>
+                      </a:r>
+                      <a:endParaRPr lang="zh-CN" altLang="en-US" sz="1400">
+                        <a:effectLst/>
+                      </a:endParaRPr>
+                    </a:p>
+                  </a:txBody>
+                  <a:tcPr marL="112537" marR="112537" marT="112537" marB="112537" anchor="ctr">
+                    <a:lnL w="9525" cap="flat" cmpd="sng" algn="ctr">
+                      <a:solidFill>
+                        <a:srgbClr val="CCCCCC"/>
+                      </a:solidFill>
+                      <a:prstDash val="solid"/>
+                      <a:round/>
+                      <a:headEnd type="none" w="med" len="med"/>
+                      <a:tailEnd type="none" w="med" len="med"/>
+                    </a:lnL>
+                    <a:lnR w="9525" cap="flat" cmpd="sng" algn="ctr">
+                      <a:solidFill>
+                        <a:srgbClr val="CCCCCC"/>
+                      </a:solidFill>
+                      <a:prstDash val="solid"/>
+                      <a:round/>
+                      <a:headEnd type="none" w="med" len="med"/>
+                      <a:tailEnd type="none" w="med" len="med"/>
+                    </a:lnR>
+                    <a:lnT w="9525" cap="flat" cmpd="sng" algn="ctr">
+                      <a:solidFill>
+                        <a:srgbClr val="CCCCCC"/>
+                      </a:solidFill>
+                      <a:prstDash val="solid"/>
+                      <a:round/>
+                      <a:headEnd type="none" w="med" len="med"/>
+                      <a:tailEnd type="none" w="med" len="med"/>
+                    </a:lnT>
+                    <a:lnB w="9525" cap="flat" cmpd="sng" algn="ctr">
+                      <a:solidFill>
+                        <a:srgbClr val="CCCCCC"/>
+                      </a:solidFill>
+                      <a:prstDash val="solid"/>
+                      <a:round/>
+                      <a:headEnd type="none" w="med" len="med"/>
+                      <a:tailEnd type="none" w="med" len="med"/>
+                    </a:lnB>
+                  </a:tcPr>
+                </a:tc>
+                <a:tc>
+                  <a:txBody>
+                    <a:bodyPr/>
+                    <a:lstStyle/>
+                    <a:p>
+                      <a:r>
+                        <a:rPr lang="zh-CN" altLang="en-US" sz="1400" b="1">
+                          <a:effectLst/>
+                        </a:rPr>
+                        <a:t>描述</a:t>
+                      </a:r>
+                      <a:endParaRPr lang="zh-CN" altLang="en-US" sz="1400">
+                        <a:effectLst/>
+                      </a:endParaRPr>
+                    </a:p>
+                  </a:txBody>
+                  <a:tcPr marL="112537" marR="112537" marT="112537" marB="112537" anchor="ctr">
+                    <a:lnL w="9525" cap="flat" cmpd="sng" algn="ctr">
+                      <a:solidFill>
+                        <a:srgbClr val="CCCCCC"/>
+                      </a:solidFill>
+                      <a:prstDash val="solid"/>
+                      <a:round/>
+                      <a:headEnd type="none" w="med" len="med"/>
+                      <a:tailEnd type="none" w="med" len="med"/>
+                    </a:lnL>
+                    <a:lnR w="9525" cap="flat" cmpd="sng" algn="ctr">
+                      <a:solidFill>
+                        <a:srgbClr val="CCCCCC"/>
+                      </a:solidFill>
+                      <a:prstDash val="solid"/>
+                      <a:round/>
+                      <a:headEnd type="none" w="med" len="med"/>
+                      <a:tailEnd type="none" w="med" len="med"/>
+                    </a:lnR>
+                    <a:lnT w="9525" cap="flat" cmpd="sng" algn="ctr">
+                      <a:solidFill>
+                        <a:srgbClr val="CCCCCC"/>
+                      </a:solidFill>
+                      <a:prstDash val="solid"/>
+                      <a:round/>
+                      <a:headEnd type="none" w="med" len="med"/>
+                      <a:tailEnd type="none" w="med" len="med"/>
+                    </a:lnT>
+                    <a:lnB w="9525" cap="flat" cmpd="sng" algn="ctr">
+                      <a:solidFill>
+                        <a:srgbClr val="CCCCCC"/>
+                      </a:solidFill>
+                      <a:prstDash val="solid"/>
+                      <a:round/>
+                      <a:headEnd type="none" w="med" len="med"/>
+                      <a:tailEnd type="none" w="med" len="med"/>
+                    </a:lnB>
+                  </a:tcPr>
+                </a:tc>
+                <a:extLst>
+                  <a:ext uri="{0D108BD9-81ED-4DB2-BD59-A6C34878D82A}">
+                    <a16:rowId xmlns:a16="http://schemas.microsoft.com/office/drawing/2014/main" val="2753159519"/>
+                  </a:ext>
+                </a:extLst>
+              </a:tr>
+              <a:tr h="441144">
+                <a:tc>
+                  <a:txBody>
+                    <a:bodyPr/>
+                    <a:lstStyle/>
+                    <a:p>
+                      <a:r>
+                        <a:rPr lang="en-US" sz="1400" u="sng">
+                          <a:solidFill>
+                            <a:srgbClr val="00A19E"/>
+                          </a:solidFill>
+                          <a:effectLst/>
+                          <a:hlinkClick r:id="rId2"/>
+                        </a:rPr>
+                        <a:t>reverse()</a:t>
+                      </a:r>
+                      <a:endParaRPr lang="en-US" sz="1400">
+                        <a:effectLst/>
+                      </a:endParaRPr>
+                    </a:p>
+                  </a:txBody>
+                  <a:tcPr marL="112537" marR="112537" marT="112537" marB="112537" anchor="ctr">
+                    <a:lnL w="9525" cap="flat" cmpd="sng" algn="ctr">
+                      <a:solidFill>
+                        <a:srgbClr val="CCCCCC"/>
+                      </a:solidFill>
+                      <a:prstDash val="solid"/>
+                      <a:round/>
+                      <a:headEnd type="none" w="med" len="med"/>
+                      <a:tailEnd type="none" w="med" len="med"/>
+                    </a:lnL>
+                    <a:lnR w="9525" cap="flat" cmpd="sng" algn="ctr">
+                      <a:solidFill>
+                        <a:srgbClr val="CCCCCC"/>
+                      </a:solidFill>
+                      <a:prstDash val="solid"/>
+                      <a:round/>
+                      <a:headEnd type="none" w="med" len="med"/>
+                      <a:tailEnd type="none" w="med" len="med"/>
+                    </a:lnR>
+                    <a:lnT w="9525" cap="flat" cmpd="sng" algn="ctr">
+                      <a:solidFill>
+                        <a:srgbClr val="CCCCCC"/>
+                      </a:solidFill>
+                      <a:prstDash val="solid"/>
+                      <a:round/>
+                      <a:headEnd type="none" w="med" len="med"/>
+                      <a:tailEnd type="none" w="med" len="med"/>
+                    </a:lnT>
+                    <a:lnB w="9525" cap="flat" cmpd="sng" algn="ctr">
+                      <a:solidFill>
+                        <a:srgbClr val="CCCCCC"/>
+                      </a:solidFill>
+                      <a:prstDash val="solid"/>
+                      <a:round/>
+                      <a:headEnd type="none" w="med" len="med"/>
+                      <a:tailEnd type="none" w="med" len="med"/>
+                    </a:lnB>
+                  </a:tcPr>
+                </a:tc>
+                <a:tc>
+                  <a:txBody>
+                    <a:bodyPr/>
+                    <a:lstStyle/>
+                    <a:p>
+                      <a:r>
+                        <a:rPr lang="zh-CN" altLang="en-US" sz="1400">
+                          <a:effectLst/>
+                        </a:rPr>
+                        <a:t>获取语义相反的排序器</a:t>
+                      </a:r>
+                    </a:p>
+                  </a:txBody>
+                  <a:tcPr marL="112537" marR="112537" marT="112537" marB="112537" anchor="ctr">
+                    <a:lnL w="9525" cap="flat" cmpd="sng" algn="ctr">
+                      <a:solidFill>
+                        <a:srgbClr val="CCCCCC"/>
+                      </a:solidFill>
+                      <a:prstDash val="solid"/>
+                      <a:round/>
+                      <a:headEnd type="none" w="med" len="med"/>
+                      <a:tailEnd type="none" w="med" len="med"/>
+                    </a:lnL>
+                    <a:lnR w="9525" cap="flat" cmpd="sng" algn="ctr">
+                      <a:solidFill>
+                        <a:srgbClr val="CCCCCC"/>
+                      </a:solidFill>
+                      <a:prstDash val="solid"/>
+                      <a:round/>
+                      <a:headEnd type="none" w="med" len="med"/>
+                      <a:tailEnd type="none" w="med" len="med"/>
+                    </a:lnR>
+                    <a:lnT w="9525" cap="flat" cmpd="sng" algn="ctr">
+                      <a:solidFill>
+                        <a:srgbClr val="CCCCCC"/>
+                      </a:solidFill>
+                      <a:prstDash val="solid"/>
+                      <a:round/>
+                      <a:headEnd type="none" w="med" len="med"/>
+                      <a:tailEnd type="none" w="med" len="med"/>
+                    </a:lnT>
+                    <a:lnB w="9525" cap="flat" cmpd="sng" algn="ctr">
+                      <a:solidFill>
+                        <a:srgbClr val="CCCCCC"/>
+                      </a:solidFill>
+                      <a:prstDash val="solid"/>
+                      <a:round/>
+                      <a:headEnd type="none" w="med" len="med"/>
+                      <a:tailEnd type="none" w="med" len="med"/>
+                    </a:lnB>
+                  </a:tcPr>
+                </a:tc>
+                <a:extLst>
+                  <a:ext uri="{0D108BD9-81ED-4DB2-BD59-A6C34878D82A}">
+                    <a16:rowId xmlns:a16="http://schemas.microsoft.com/office/drawing/2014/main" val="3440811622"/>
+                  </a:ext>
+                </a:extLst>
+              </a:tr>
+              <a:tr h="441144">
+                <a:tc>
+                  <a:txBody>
+                    <a:bodyPr/>
+                    <a:lstStyle/>
+                    <a:p>
+                      <a:r>
+                        <a:rPr lang="en-US" sz="1400" u="sng">
+                          <a:solidFill>
+                            <a:srgbClr val="00A19E"/>
+                          </a:solidFill>
+                          <a:effectLst/>
+                          <a:hlinkClick r:id="rId3"/>
+                        </a:rPr>
+                        <a:t>nullsFirst()</a:t>
+                      </a:r>
+                      <a:endParaRPr lang="en-US" sz="1400">
+                        <a:effectLst/>
+                      </a:endParaRPr>
+                    </a:p>
+                  </a:txBody>
+                  <a:tcPr marL="112537" marR="112537" marT="112537" marB="112537" anchor="ctr">
+                    <a:lnL w="9525" cap="flat" cmpd="sng" algn="ctr">
+                      <a:solidFill>
+                        <a:srgbClr val="CCCCCC"/>
+                      </a:solidFill>
+                      <a:prstDash val="solid"/>
+                      <a:round/>
+                      <a:headEnd type="none" w="med" len="med"/>
+                      <a:tailEnd type="none" w="med" len="med"/>
+                    </a:lnL>
+                    <a:lnR w="9525" cap="flat" cmpd="sng" algn="ctr">
+                      <a:solidFill>
+                        <a:srgbClr val="CCCCCC"/>
+                      </a:solidFill>
+                      <a:prstDash val="solid"/>
+                      <a:round/>
+                      <a:headEnd type="none" w="med" len="med"/>
+                      <a:tailEnd type="none" w="med" len="med"/>
+                    </a:lnR>
+                    <a:lnT w="9525" cap="flat" cmpd="sng" algn="ctr">
+                      <a:solidFill>
+                        <a:srgbClr val="CCCCCC"/>
+                      </a:solidFill>
+                      <a:prstDash val="solid"/>
+                      <a:round/>
+                      <a:headEnd type="none" w="med" len="med"/>
+                      <a:tailEnd type="none" w="med" len="med"/>
+                    </a:lnT>
+                    <a:lnB w="9525" cap="flat" cmpd="sng" algn="ctr">
+                      <a:solidFill>
+                        <a:srgbClr val="CCCCCC"/>
+                      </a:solidFill>
+                      <a:prstDash val="solid"/>
+                      <a:round/>
+                      <a:headEnd type="none" w="med" len="med"/>
+                      <a:tailEnd type="none" w="med" len="med"/>
+                    </a:lnB>
+                  </a:tcPr>
+                </a:tc>
+                <a:tc>
+                  <a:txBody>
+                    <a:bodyPr/>
+                    <a:lstStyle/>
+                    <a:p>
+                      <a:r>
+                        <a:rPr lang="zh-CN" altLang="en-US" sz="1400">
+                          <a:effectLst/>
+                        </a:rPr>
+                        <a:t>使用当前排序器，但额外把</a:t>
+                      </a:r>
+                      <a:r>
+                        <a:rPr lang="en-US" altLang="zh-CN" sz="1400">
+                          <a:effectLst/>
+                        </a:rPr>
+                        <a:t>null</a:t>
+                      </a:r>
+                      <a:r>
+                        <a:rPr lang="zh-CN" altLang="en-US" sz="1400">
+                          <a:effectLst/>
+                        </a:rPr>
+                        <a:t>值排到最前面。</a:t>
+                      </a:r>
+                    </a:p>
+                  </a:txBody>
+                  <a:tcPr marL="112537" marR="112537" marT="112537" marB="112537" anchor="ctr">
+                    <a:lnL w="9525" cap="flat" cmpd="sng" algn="ctr">
+                      <a:solidFill>
+                        <a:srgbClr val="CCCCCC"/>
+                      </a:solidFill>
+                      <a:prstDash val="solid"/>
+                      <a:round/>
+                      <a:headEnd type="none" w="med" len="med"/>
+                      <a:tailEnd type="none" w="med" len="med"/>
+                    </a:lnL>
+                    <a:lnR w="9525" cap="flat" cmpd="sng" algn="ctr">
+                      <a:solidFill>
+                        <a:srgbClr val="CCCCCC"/>
+                      </a:solidFill>
+                      <a:prstDash val="solid"/>
+                      <a:round/>
+                      <a:headEnd type="none" w="med" len="med"/>
+                      <a:tailEnd type="none" w="med" len="med"/>
+                    </a:lnR>
+                    <a:lnT w="9525" cap="flat" cmpd="sng" algn="ctr">
+                      <a:solidFill>
+                        <a:srgbClr val="CCCCCC"/>
+                      </a:solidFill>
+                      <a:prstDash val="solid"/>
+                      <a:round/>
+                      <a:headEnd type="none" w="med" len="med"/>
+                      <a:tailEnd type="none" w="med" len="med"/>
+                    </a:lnT>
+                    <a:lnB w="9525" cap="flat" cmpd="sng" algn="ctr">
+                      <a:solidFill>
+                        <a:srgbClr val="CCCCCC"/>
+                      </a:solidFill>
+                      <a:prstDash val="solid"/>
+                      <a:round/>
+                      <a:headEnd type="none" w="med" len="med"/>
+                      <a:tailEnd type="none" w="med" len="med"/>
+                    </a:lnB>
+                  </a:tcPr>
+                </a:tc>
+                <a:extLst>
+                  <a:ext uri="{0D108BD9-81ED-4DB2-BD59-A6C34878D82A}">
+                    <a16:rowId xmlns:a16="http://schemas.microsoft.com/office/drawing/2014/main" val="1178024355"/>
+                  </a:ext>
+                </a:extLst>
+              </a:tr>
+              <a:tr h="441144">
+                <a:tc>
+                  <a:txBody>
+                    <a:bodyPr/>
+                    <a:lstStyle/>
+                    <a:p>
+                      <a:r>
+                        <a:rPr lang="en-US" sz="1400" u="sng">
+                          <a:solidFill>
+                            <a:srgbClr val="00A19E"/>
+                          </a:solidFill>
+                          <a:effectLst/>
+                          <a:hlinkClick r:id="rId4"/>
+                        </a:rPr>
+                        <a:t>nullsLast()</a:t>
+                      </a:r>
+                      <a:endParaRPr lang="en-US" sz="1400">
+                        <a:effectLst/>
+                      </a:endParaRPr>
+                    </a:p>
+                  </a:txBody>
+                  <a:tcPr marL="112537" marR="112537" marT="112537" marB="112537" anchor="ctr">
+                    <a:lnL w="9525" cap="flat" cmpd="sng" algn="ctr">
+                      <a:solidFill>
+                        <a:srgbClr val="CCCCCC"/>
+                      </a:solidFill>
+                      <a:prstDash val="solid"/>
+                      <a:round/>
+                      <a:headEnd type="none" w="med" len="med"/>
+                      <a:tailEnd type="none" w="med" len="med"/>
+                    </a:lnL>
+                    <a:lnR w="9525" cap="flat" cmpd="sng" algn="ctr">
+                      <a:solidFill>
+                        <a:srgbClr val="CCCCCC"/>
+                      </a:solidFill>
+                      <a:prstDash val="solid"/>
+                      <a:round/>
+                      <a:headEnd type="none" w="med" len="med"/>
+                      <a:tailEnd type="none" w="med" len="med"/>
+                    </a:lnR>
+                    <a:lnT w="9525" cap="flat" cmpd="sng" algn="ctr">
+                      <a:solidFill>
+                        <a:srgbClr val="CCCCCC"/>
+                      </a:solidFill>
+                      <a:prstDash val="solid"/>
+                      <a:round/>
+                      <a:headEnd type="none" w="med" len="med"/>
+                      <a:tailEnd type="none" w="med" len="med"/>
+                    </a:lnT>
+                    <a:lnB w="9525" cap="flat" cmpd="sng" algn="ctr">
+                      <a:solidFill>
+                        <a:srgbClr val="CCCCCC"/>
+                      </a:solidFill>
+                      <a:prstDash val="solid"/>
+                      <a:round/>
+                      <a:headEnd type="none" w="med" len="med"/>
+                      <a:tailEnd type="none" w="med" len="med"/>
+                    </a:lnB>
+                  </a:tcPr>
+                </a:tc>
+                <a:tc>
+                  <a:txBody>
+                    <a:bodyPr/>
+                    <a:lstStyle/>
+                    <a:p>
+                      <a:r>
+                        <a:rPr lang="zh-CN" altLang="en-US" sz="1400">
+                          <a:effectLst/>
+                        </a:rPr>
+                        <a:t>使用当前排序器，但额外把</a:t>
+                      </a:r>
+                      <a:r>
+                        <a:rPr lang="en-US" altLang="zh-CN" sz="1400">
+                          <a:effectLst/>
+                        </a:rPr>
+                        <a:t>null</a:t>
+                      </a:r>
+                      <a:r>
+                        <a:rPr lang="zh-CN" altLang="en-US" sz="1400">
+                          <a:effectLst/>
+                        </a:rPr>
+                        <a:t>值排到最后面。</a:t>
+                      </a:r>
+                    </a:p>
+                  </a:txBody>
+                  <a:tcPr marL="112537" marR="112537" marT="112537" marB="112537" anchor="ctr">
+                    <a:lnL w="9525" cap="flat" cmpd="sng" algn="ctr">
+                      <a:solidFill>
+                        <a:srgbClr val="CCCCCC"/>
+                      </a:solidFill>
+                      <a:prstDash val="solid"/>
+                      <a:round/>
+                      <a:headEnd type="none" w="med" len="med"/>
+                      <a:tailEnd type="none" w="med" len="med"/>
+                    </a:lnL>
+                    <a:lnR w="9525" cap="flat" cmpd="sng" algn="ctr">
+                      <a:solidFill>
+                        <a:srgbClr val="CCCCCC"/>
+                      </a:solidFill>
+                      <a:prstDash val="solid"/>
+                      <a:round/>
+                      <a:headEnd type="none" w="med" len="med"/>
+                      <a:tailEnd type="none" w="med" len="med"/>
+                    </a:lnR>
+                    <a:lnT w="9525" cap="flat" cmpd="sng" algn="ctr">
+                      <a:solidFill>
+                        <a:srgbClr val="CCCCCC"/>
+                      </a:solidFill>
+                      <a:prstDash val="solid"/>
+                      <a:round/>
+                      <a:headEnd type="none" w="med" len="med"/>
+                      <a:tailEnd type="none" w="med" len="med"/>
+                    </a:lnT>
+                    <a:lnB w="9525" cap="flat" cmpd="sng" algn="ctr">
+                      <a:solidFill>
+                        <a:srgbClr val="CCCCCC"/>
+                      </a:solidFill>
+                      <a:prstDash val="solid"/>
+                      <a:round/>
+                      <a:headEnd type="none" w="med" len="med"/>
+                      <a:tailEnd type="none" w="med" len="med"/>
+                    </a:lnB>
+                  </a:tcPr>
+                </a:tc>
+                <a:extLst>
+                  <a:ext uri="{0D108BD9-81ED-4DB2-BD59-A6C34878D82A}">
+                    <a16:rowId xmlns:a16="http://schemas.microsoft.com/office/drawing/2014/main" val="3501301743"/>
+                  </a:ext>
+                </a:extLst>
+              </a:tr>
+              <a:tr h="441144">
+                <a:tc>
+                  <a:txBody>
+                    <a:bodyPr/>
+                    <a:lstStyle/>
+                    <a:p>
+                      <a:r>
+                        <a:rPr lang="en-US" sz="1400" u="sng">
+                          <a:solidFill>
+                            <a:srgbClr val="00A19E"/>
+                          </a:solidFill>
+                          <a:effectLst/>
+                          <a:hlinkClick r:id="rId5"/>
+                        </a:rPr>
+                        <a:t>compound(Comparator)</a:t>
+                      </a:r>
+                      <a:endParaRPr lang="en-US" sz="1400">
+                        <a:effectLst/>
+                      </a:endParaRPr>
+                    </a:p>
+                  </a:txBody>
+                  <a:tcPr marL="112537" marR="112537" marT="112537" marB="112537" anchor="ctr">
+                    <a:lnL w="9525" cap="flat" cmpd="sng" algn="ctr">
+                      <a:solidFill>
+                        <a:srgbClr val="CCCCCC"/>
+                      </a:solidFill>
+                      <a:prstDash val="solid"/>
+                      <a:round/>
+                      <a:headEnd type="none" w="med" len="med"/>
+                      <a:tailEnd type="none" w="med" len="med"/>
+                    </a:lnL>
+                    <a:lnR w="9525" cap="flat" cmpd="sng" algn="ctr">
+                      <a:solidFill>
+                        <a:srgbClr val="CCCCCC"/>
+                      </a:solidFill>
+                      <a:prstDash val="solid"/>
+                      <a:round/>
+                      <a:headEnd type="none" w="med" len="med"/>
+                      <a:tailEnd type="none" w="med" len="med"/>
+                    </a:lnR>
+                    <a:lnT w="9525" cap="flat" cmpd="sng" algn="ctr">
+                      <a:solidFill>
+                        <a:srgbClr val="CCCCCC"/>
+                      </a:solidFill>
+                      <a:prstDash val="solid"/>
+                      <a:round/>
+                      <a:headEnd type="none" w="med" len="med"/>
+                      <a:tailEnd type="none" w="med" len="med"/>
+                    </a:lnT>
+                    <a:lnB w="9525" cap="flat" cmpd="sng" algn="ctr">
+                      <a:solidFill>
+                        <a:srgbClr val="CCCCCC"/>
+                      </a:solidFill>
+                      <a:prstDash val="solid"/>
+                      <a:round/>
+                      <a:headEnd type="none" w="med" len="med"/>
+                      <a:tailEnd type="none" w="med" len="med"/>
+                    </a:lnB>
+                  </a:tcPr>
+                </a:tc>
+                <a:tc>
+                  <a:txBody>
+                    <a:bodyPr/>
+                    <a:lstStyle/>
+                    <a:p>
+                      <a:r>
+                        <a:rPr lang="zh-CN" altLang="en-US" sz="1400">
+                          <a:effectLst/>
+                        </a:rPr>
+                        <a:t>合成另一个比较器，以处理当前排序器中的相等情况。</a:t>
+                      </a:r>
+                    </a:p>
+                  </a:txBody>
+                  <a:tcPr marL="112537" marR="112537" marT="112537" marB="112537" anchor="ctr">
+                    <a:lnL w="9525" cap="flat" cmpd="sng" algn="ctr">
+                      <a:solidFill>
+                        <a:srgbClr val="CCCCCC"/>
+                      </a:solidFill>
+                      <a:prstDash val="solid"/>
+                      <a:round/>
+                      <a:headEnd type="none" w="med" len="med"/>
+                      <a:tailEnd type="none" w="med" len="med"/>
+                    </a:lnL>
+                    <a:lnR w="9525" cap="flat" cmpd="sng" algn="ctr">
+                      <a:solidFill>
+                        <a:srgbClr val="CCCCCC"/>
+                      </a:solidFill>
+                      <a:prstDash val="solid"/>
+                      <a:round/>
+                      <a:headEnd type="none" w="med" len="med"/>
+                      <a:tailEnd type="none" w="med" len="med"/>
+                    </a:lnR>
+                    <a:lnT w="9525" cap="flat" cmpd="sng" algn="ctr">
+                      <a:solidFill>
+                        <a:srgbClr val="CCCCCC"/>
+                      </a:solidFill>
+                      <a:prstDash val="solid"/>
+                      <a:round/>
+                      <a:headEnd type="none" w="med" len="med"/>
+                      <a:tailEnd type="none" w="med" len="med"/>
+                    </a:lnT>
+                    <a:lnB w="9525" cap="flat" cmpd="sng" algn="ctr">
+                      <a:solidFill>
+                        <a:srgbClr val="CCCCCC"/>
+                      </a:solidFill>
+                      <a:prstDash val="solid"/>
+                      <a:round/>
+                      <a:headEnd type="none" w="med" len="med"/>
+                      <a:tailEnd type="none" w="med" len="med"/>
+                    </a:lnB>
+                  </a:tcPr>
+                </a:tc>
+                <a:extLst>
+                  <a:ext uri="{0D108BD9-81ED-4DB2-BD59-A6C34878D82A}">
+                    <a16:rowId xmlns:a16="http://schemas.microsoft.com/office/drawing/2014/main" val="136001188"/>
+                  </a:ext>
+                </a:extLst>
+              </a:tr>
+              <a:tr h="657215">
+                <a:tc>
+                  <a:txBody>
+                    <a:bodyPr/>
+                    <a:lstStyle/>
+                    <a:p>
+                      <a:r>
+                        <a:rPr lang="en-US" sz="1400" u="sng" dirty="0">
+                          <a:solidFill>
+                            <a:srgbClr val="00A19E"/>
+                          </a:solidFill>
+                          <a:effectLst/>
+                          <a:hlinkClick r:id="rId6"/>
+                        </a:rPr>
+                        <a:t>lexicographical()</a:t>
+                      </a:r>
+                      <a:endParaRPr lang="en-US" sz="1400" dirty="0">
+                        <a:effectLst/>
+                      </a:endParaRPr>
+                    </a:p>
+                  </a:txBody>
+                  <a:tcPr marL="112537" marR="112537" marT="112537" marB="112537" anchor="ctr">
+                    <a:lnL w="9525" cap="flat" cmpd="sng" algn="ctr">
+                      <a:solidFill>
+                        <a:srgbClr val="CCCCCC"/>
+                      </a:solidFill>
+                      <a:prstDash val="solid"/>
+                      <a:round/>
+                      <a:headEnd type="none" w="med" len="med"/>
+                      <a:tailEnd type="none" w="med" len="med"/>
+                    </a:lnL>
+                    <a:lnR w="9525" cap="flat" cmpd="sng" algn="ctr">
+                      <a:solidFill>
+                        <a:srgbClr val="CCCCCC"/>
+                      </a:solidFill>
+                      <a:prstDash val="solid"/>
+                      <a:round/>
+                      <a:headEnd type="none" w="med" len="med"/>
+                      <a:tailEnd type="none" w="med" len="med"/>
+                    </a:lnR>
+                    <a:lnT w="9525" cap="flat" cmpd="sng" algn="ctr">
+                      <a:solidFill>
+                        <a:srgbClr val="CCCCCC"/>
+                      </a:solidFill>
+                      <a:prstDash val="solid"/>
+                      <a:round/>
+                      <a:headEnd type="none" w="med" len="med"/>
+                      <a:tailEnd type="none" w="med" len="med"/>
+                    </a:lnT>
+                    <a:lnB w="9525" cap="flat" cmpd="sng" algn="ctr">
+                      <a:solidFill>
+                        <a:srgbClr val="CCCCCC"/>
+                      </a:solidFill>
+                      <a:prstDash val="solid"/>
+                      <a:round/>
+                      <a:headEnd type="none" w="med" len="med"/>
+                      <a:tailEnd type="none" w="med" len="med"/>
+                    </a:lnB>
+                  </a:tcPr>
+                </a:tc>
+                <a:tc>
+                  <a:txBody>
+                    <a:bodyPr/>
+                    <a:lstStyle/>
+                    <a:p>
+                      <a:r>
+                        <a:rPr lang="zh-CN" altLang="en-US" sz="1400" dirty="0">
+                          <a:effectLst/>
+                        </a:rPr>
+                        <a:t>基于处理类型</a:t>
+                      </a:r>
+                      <a:r>
+                        <a:rPr lang="en-US" sz="1400" dirty="0">
+                          <a:effectLst/>
+                        </a:rPr>
+                        <a:t>T</a:t>
+                      </a:r>
+                      <a:r>
+                        <a:rPr lang="zh-CN" altLang="en-US" sz="1400" dirty="0">
+                          <a:effectLst/>
+                        </a:rPr>
+                        <a:t>的排序器，返回该类型的可迭代对象</a:t>
+                      </a:r>
+                      <a:r>
+                        <a:rPr lang="en-US" sz="1400" dirty="0" err="1">
+                          <a:effectLst/>
+                        </a:rPr>
+                        <a:t>Iterable</a:t>
+                      </a:r>
+                      <a:r>
+                        <a:rPr lang="en-US" sz="1400" dirty="0">
+                          <a:effectLst/>
+                        </a:rPr>
+                        <a:t>&lt;T&gt;</a:t>
+                      </a:r>
+                      <a:r>
+                        <a:rPr lang="zh-CN" altLang="en-US" sz="1400" dirty="0">
+                          <a:effectLst/>
+                        </a:rPr>
+                        <a:t>的排序器。</a:t>
+                      </a:r>
+                    </a:p>
+                  </a:txBody>
+                  <a:tcPr marL="112537" marR="112537" marT="112537" marB="112537" anchor="ctr">
+                    <a:lnL w="9525" cap="flat" cmpd="sng" algn="ctr">
+                      <a:solidFill>
+                        <a:srgbClr val="CCCCCC"/>
+                      </a:solidFill>
+                      <a:prstDash val="solid"/>
+                      <a:round/>
+                      <a:headEnd type="none" w="med" len="med"/>
+                      <a:tailEnd type="none" w="med" len="med"/>
+                    </a:lnL>
+                    <a:lnR w="9525" cap="flat" cmpd="sng" algn="ctr">
+                      <a:solidFill>
+                        <a:srgbClr val="CCCCCC"/>
+                      </a:solidFill>
+                      <a:prstDash val="solid"/>
+                      <a:round/>
+                      <a:headEnd type="none" w="med" len="med"/>
+                      <a:tailEnd type="none" w="med" len="med"/>
+                    </a:lnR>
+                    <a:lnT w="9525" cap="flat" cmpd="sng" algn="ctr">
+                      <a:solidFill>
+                        <a:srgbClr val="CCCCCC"/>
+                      </a:solidFill>
+                      <a:prstDash val="solid"/>
+                      <a:round/>
+                      <a:headEnd type="none" w="med" len="med"/>
+                      <a:tailEnd type="none" w="med" len="med"/>
+                    </a:lnT>
+                    <a:lnB w="9525" cap="flat" cmpd="sng" algn="ctr">
+                      <a:solidFill>
+                        <a:srgbClr val="CCCCCC"/>
+                      </a:solidFill>
+                      <a:prstDash val="solid"/>
+                      <a:round/>
+                      <a:headEnd type="none" w="med" len="med"/>
+                      <a:tailEnd type="none" w="med" len="med"/>
+                    </a:lnB>
+                  </a:tcPr>
+                </a:tc>
+                <a:extLst>
+                  <a:ext uri="{0D108BD9-81ED-4DB2-BD59-A6C34878D82A}">
+                    <a16:rowId xmlns:a16="http://schemas.microsoft.com/office/drawing/2014/main" val="1989949116"/>
+                  </a:ext>
+                </a:extLst>
+              </a:tr>
+              <a:tr h="441144">
+                <a:tc>
+                  <a:txBody>
+                    <a:bodyPr/>
+                    <a:lstStyle/>
+                    <a:p>
+                      <a:r>
+                        <a:rPr lang="en-US" sz="1400" u="sng" dirty="0" err="1">
+                          <a:solidFill>
+                            <a:srgbClr val="00A19E"/>
+                          </a:solidFill>
+                          <a:effectLst/>
+                          <a:hlinkClick r:id="rId7"/>
+                        </a:rPr>
+                        <a:t>onResultOf</a:t>
+                      </a:r>
+                      <a:r>
+                        <a:rPr lang="en-US" sz="1400" u="sng" dirty="0">
+                          <a:solidFill>
+                            <a:srgbClr val="00A19E"/>
+                          </a:solidFill>
+                          <a:effectLst/>
+                          <a:hlinkClick r:id="rId7"/>
+                        </a:rPr>
+                        <a:t>(Function)</a:t>
+                      </a:r>
+                      <a:endParaRPr lang="en-US" sz="1400" dirty="0">
+                        <a:effectLst/>
+                      </a:endParaRPr>
+                    </a:p>
+                  </a:txBody>
+                  <a:tcPr marL="112537" marR="112537" marT="112537" marB="112537" anchor="ctr">
+                    <a:lnL w="9525" cap="flat" cmpd="sng" algn="ctr">
+                      <a:solidFill>
+                        <a:srgbClr val="CCCCCC"/>
+                      </a:solidFill>
+                      <a:prstDash val="solid"/>
+                      <a:round/>
+                      <a:headEnd type="none" w="med" len="med"/>
+                      <a:tailEnd type="none" w="med" len="med"/>
+                    </a:lnL>
+                    <a:lnR w="9525" cap="flat" cmpd="sng" algn="ctr">
+                      <a:solidFill>
+                        <a:srgbClr val="CCCCCC"/>
+                      </a:solidFill>
+                      <a:prstDash val="solid"/>
+                      <a:round/>
+                      <a:headEnd type="none" w="med" len="med"/>
+                      <a:tailEnd type="none" w="med" len="med"/>
+                    </a:lnR>
+                    <a:lnT w="9525" cap="flat" cmpd="sng" algn="ctr">
+                      <a:solidFill>
+                        <a:srgbClr val="CCCCCC"/>
+                      </a:solidFill>
+                      <a:prstDash val="solid"/>
+                      <a:round/>
+                      <a:headEnd type="none" w="med" len="med"/>
+                      <a:tailEnd type="none" w="med" len="med"/>
+                    </a:lnT>
+                    <a:lnB w="9525" cap="flat" cmpd="sng" algn="ctr">
+                      <a:solidFill>
+                        <a:srgbClr val="CCCCCC"/>
+                      </a:solidFill>
+                      <a:prstDash val="solid"/>
+                      <a:round/>
+                      <a:headEnd type="none" w="med" len="med"/>
+                      <a:tailEnd type="none" w="med" len="med"/>
+                    </a:lnB>
+                  </a:tcPr>
+                </a:tc>
+                <a:tc>
+                  <a:txBody>
+                    <a:bodyPr/>
+                    <a:lstStyle/>
+                    <a:p>
+                      <a:r>
+                        <a:rPr lang="zh-CN" altLang="en-US" sz="1400" dirty="0">
+                          <a:effectLst/>
+                        </a:rPr>
+                        <a:t>对集合中元素调用</a:t>
+                      </a:r>
+                      <a:r>
+                        <a:rPr lang="en-US" sz="1400" dirty="0">
+                          <a:effectLst/>
+                        </a:rPr>
+                        <a:t>Function，</a:t>
+                      </a:r>
+                      <a:r>
+                        <a:rPr lang="zh-CN" altLang="en-US" sz="1400" dirty="0">
+                          <a:effectLst/>
+                        </a:rPr>
+                        <a:t>再按返回值用当前排序器排序。</a:t>
+                      </a:r>
+                    </a:p>
+                  </a:txBody>
+                  <a:tcPr marL="112537" marR="112537" marT="112537" marB="112537" anchor="ctr">
+                    <a:lnL w="9525" cap="flat" cmpd="sng" algn="ctr">
+                      <a:solidFill>
+                        <a:srgbClr val="CCCCCC"/>
+                      </a:solidFill>
+                      <a:prstDash val="solid"/>
+                      <a:round/>
+                      <a:headEnd type="none" w="med" len="med"/>
+                      <a:tailEnd type="none" w="med" len="med"/>
+                    </a:lnL>
+                    <a:lnR w="9525" cap="flat" cmpd="sng" algn="ctr">
+                      <a:solidFill>
+                        <a:srgbClr val="CCCCCC"/>
+                      </a:solidFill>
+                      <a:prstDash val="solid"/>
+                      <a:round/>
+                      <a:headEnd type="none" w="med" len="med"/>
+                      <a:tailEnd type="none" w="med" len="med"/>
+                    </a:lnR>
+                    <a:lnT w="9525" cap="flat" cmpd="sng" algn="ctr">
+                      <a:solidFill>
+                        <a:srgbClr val="CCCCCC"/>
+                      </a:solidFill>
+                      <a:prstDash val="solid"/>
+                      <a:round/>
+                      <a:headEnd type="none" w="med" len="med"/>
+                      <a:tailEnd type="none" w="med" len="med"/>
+                    </a:lnT>
+                    <a:lnB w="9525" cap="flat" cmpd="sng" algn="ctr">
+                      <a:solidFill>
+                        <a:srgbClr val="CCCCCC"/>
+                      </a:solidFill>
+                      <a:prstDash val="solid"/>
+                      <a:round/>
+                      <a:headEnd type="none" w="med" len="med"/>
+                      <a:tailEnd type="none" w="med" len="med"/>
+                    </a:lnB>
+                  </a:tcPr>
+                </a:tc>
+                <a:extLst>
+                  <a:ext uri="{0D108BD9-81ED-4DB2-BD59-A6C34878D82A}">
+                    <a16:rowId xmlns:a16="http://schemas.microsoft.com/office/drawing/2014/main" val="89094788"/>
+                  </a:ext>
+                </a:extLst>
+              </a:tr>
+            </a:tbl>
+          </a:graphicData>
+        </a:graphic>
+      </p:graphicFrame>
+    </p:spTree>
+    <p:extLst>
+      <p:ext uri="{BB962C8B-B14F-4D97-AF65-F5344CB8AC3E}">
+        <p14:creationId xmlns:p14="http://schemas.microsoft.com/office/powerpoint/2010/main" val="3791510910"/>
+      </p:ext>
+    </p:extLst>
+  </p:cSld>
+  <p:clrMapOvr>
+    <a:masterClrMapping/>
+  </p:clrMapOvr>
+  <p:timing>
+    <p:tnLst>
+      <p:par>
+        <p:cTn id="1" dur="indefinite" restart="never" nodeType="tmRoot"/>
+      </p:par>
+    </p:tnLst>
+  </p:timing>
+</p:sld>
+</file>
+
+<file path=ppt/slides/slide24.xml><?xml version="1.0" encoding="utf-8"?>
+<p:sld xmlns:a="http://schemas.openxmlformats.org/drawingml/2006/main" xmlns:r="http://schemas.openxmlformats.org/officeDocument/2006/relationships" xmlns:p="http://schemas.openxmlformats.org/presentationml/2006/main">
+  <p:cSld>
+    <p:spTree>
+      <p:nvGrpSpPr>
+        <p:cNvPr id="1" name=""/>
+        <p:cNvGrpSpPr/>
+        <p:nvPr/>
+      </p:nvGrpSpPr>
+      <p:grpSpPr>
+        <a:xfrm>
+          <a:off x="0" y="0"/>
+          <a:ext cx="0" cy="0"/>
+          <a:chOff x="0" y="0"/>
+          <a:chExt cx="0" cy="0"/>
+        </a:xfrm>
+      </p:grpSpPr>
+      <p:sp>
+        <p:nvSpPr>
           <p:cNvPr id="2" name="TextBox 1"/>
           <p:cNvSpPr txBox="1"/>
           <p:nvPr/>
@@ -8346,8 +10595,20 @@
             <a:tbl>
               <a:tblPr/>
               <a:tblGrid>
-                <a:gridCol w="2186851"/>
-                <a:gridCol w="4604474"/>
+                <a:gridCol w="2186851">
+                  <a:extLst>
+                    <a:ext uri="{9D8B030D-6E8A-4147-A177-3AD203B41FA5}">
+                      <a16:colId xmlns:a16="http://schemas.microsoft.com/office/drawing/2014/main" val="20000"/>
+                    </a:ext>
+                  </a:extLst>
+                </a:gridCol>
+                <a:gridCol w="4604474">
+                  <a:extLst>
+                    <a:ext uri="{9D8B030D-6E8A-4147-A177-3AD203B41FA5}">
+                      <a16:colId xmlns:a16="http://schemas.microsoft.com/office/drawing/2014/main" val="20001"/>
+                    </a:ext>
+                  </a:extLst>
+                </a:gridCol>
               </a:tblGrid>
               <a:tr h="0">
                 <a:tc>
@@ -8495,6 +10756,11 @@
                     </a:lnB>
                   </a:tcPr>
                 </a:tc>
+                <a:extLst>
+                  <a:ext uri="{0D108BD9-81ED-4DB2-BD59-A6C34878D82A}">
+                    <a16:rowId xmlns:a16="http://schemas.microsoft.com/office/drawing/2014/main" val="10000"/>
+                  </a:ext>
+                </a:extLst>
               </a:tr>
               <a:tr h="0">
                 <a:tc>
@@ -8620,6 +10886,11 @@
                     </a:lnB>
                   </a:tcPr>
                 </a:tc>
+                <a:extLst>
+                  <a:ext uri="{0D108BD9-81ED-4DB2-BD59-A6C34878D82A}">
+                    <a16:rowId xmlns:a16="http://schemas.microsoft.com/office/drawing/2014/main" val="10001"/>
+                  </a:ext>
+                </a:extLst>
               </a:tr>
               <a:tr h="0">
                 <a:tc>
@@ -8757,6 +11028,11 @@
                     </a:lnB>
                   </a:tcPr>
                 </a:tc>
+                <a:extLst>
+                  <a:ext uri="{0D108BD9-81ED-4DB2-BD59-A6C34878D82A}">
+                    <a16:rowId xmlns:a16="http://schemas.microsoft.com/office/drawing/2014/main" val="10002"/>
+                  </a:ext>
+                </a:extLst>
               </a:tr>
             </a:tbl>
           </a:graphicData>
@@ -8936,8 +11212,20 @@
             <a:tbl>
               <a:tblPr/>
               <a:tblGrid>
-                <a:gridCol w="2375778"/>
-                <a:gridCol w="5002263"/>
+                <a:gridCol w="2375778">
+                  <a:extLst>
+                    <a:ext uri="{9D8B030D-6E8A-4147-A177-3AD203B41FA5}">
+                      <a16:colId xmlns:a16="http://schemas.microsoft.com/office/drawing/2014/main" val="20000"/>
+                    </a:ext>
+                  </a:extLst>
+                </a:gridCol>
+                <a:gridCol w="5002263">
+                  <a:extLst>
+                    <a:ext uri="{9D8B030D-6E8A-4147-A177-3AD203B41FA5}">
+                      <a16:colId xmlns:a16="http://schemas.microsoft.com/office/drawing/2014/main" val="20001"/>
+                    </a:ext>
+                  </a:extLst>
+                </a:gridCol>
               </a:tblGrid>
               <a:tr h="523060">
                 <a:tc>
@@ -9111,6 +11399,11 @@
                     </a:lnB>
                   </a:tcPr>
                 </a:tc>
+                <a:extLst>
+                  <a:ext uri="{0D108BD9-81ED-4DB2-BD59-A6C34878D82A}">
+                    <a16:rowId xmlns:a16="http://schemas.microsoft.com/office/drawing/2014/main" val="10000"/>
+                  </a:ext>
+                </a:extLst>
               </a:tr>
               <a:tr h="523060">
                 <a:tc>
@@ -9245,6 +11538,11 @@
                     </a:lnB>
                   </a:tcPr>
                 </a:tc>
+                <a:extLst>
+                  <a:ext uri="{0D108BD9-81ED-4DB2-BD59-A6C34878D82A}">
+                    <a16:rowId xmlns:a16="http://schemas.microsoft.com/office/drawing/2014/main" val="10001"/>
+                  </a:ext>
+                </a:extLst>
               </a:tr>
               <a:tr h="523060">
                 <a:tc>
@@ -9370,6 +11668,11 @@
                     </a:lnB>
                   </a:tcPr>
                 </a:tc>
+                <a:extLst>
+                  <a:ext uri="{0D108BD9-81ED-4DB2-BD59-A6C34878D82A}">
+                    <a16:rowId xmlns:a16="http://schemas.microsoft.com/office/drawing/2014/main" val="10002"/>
+                  </a:ext>
+                </a:extLst>
               </a:tr>
               <a:tr h="523060">
                 <a:tc>
@@ -9501,6 +11804,11 @@
                     </a:lnB>
                   </a:tcPr>
                 </a:tc>
+                <a:extLst>
+                  <a:ext uri="{0D108BD9-81ED-4DB2-BD59-A6C34878D82A}">
+                    <a16:rowId xmlns:a16="http://schemas.microsoft.com/office/drawing/2014/main" val="10003"/>
+                  </a:ext>
+                </a:extLst>
               </a:tr>
               <a:tr h="695025">
                 <a:tc>
@@ -9646,6 +11954,11 @@
                     </a:lnB>
                   </a:tcPr>
                 </a:tc>
+                <a:extLst>
+                  <a:ext uri="{0D108BD9-81ED-4DB2-BD59-A6C34878D82A}">
+                    <a16:rowId xmlns:a16="http://schemas.microsoft.com/office/drawing/2014/main" val="10004"/>
+                  </a:ext>
+                </a:extLst>
               </a:tr>
             </a:tbl>
           </a:graphicData>
@@ -10861,9 +13174,27 @@
             <a:tbl>
               <a:tblPr/>
               <a:tblGrid>
-                <a:gridCol w="1634128"/>
-                <a:gridCol w="1822997"/>
-                <a:gridCol w="1724457"/>
+                <a:gridCol w="1634128">
+                  <a:extLst>
+                    <a:ext uri="{9D8B030D-6E8A-4147-A177-3AD203B41FA5}">
+                      <a16:colId xmlns:a16="http://schemas.microsoft.com/office/drawing/2014/main" val="20000"/>
+                    </a:ext>
+                  </a:extLst>
+                </a:gridCol>
+                <a:gridCol w="1822997">
+                  <a:extLst>
+                    <a:ext uri="{9D8B030D-6E8A-4147-A177-3AD203B41FA5}">
+                      <a16:colId xmlns:a16="http://schemas.microsoft.com/office/drawing/2014/main" val="20001"/>
+                    </a:ext>
+                  </a:extLst>
+                </a:gridCol>
+                <a:gridCol w="1724457">
+                  <a:extLst>
+                    <a:ext uri="{9D8B030D-6E8A-4147-A177-3AD203B41FA5}">
+                      <a16:colId xmlns:a16="http://schemas.microsoft.com/office/drawing/2014/main" val="20002"/>
+                    </a:ext>
+                  </a:extLst>
+                </a:gridCol>
               </a:tblGrid>
               <a:tr h="439649">
                 <a:tc>
@@ -11031,6 +13362,11 @@
                     </a:lnB>
                   </a:tcPr>
                 </a:tc>
+                <a:extLst>
+                  <a:ext uri="{0D108BD9-81ED-4DB2-BD59-A6C34878D82A}">
+                    <a16:rowId xmlns:a16="http://schemas.microsoft.com/office/drawing/2014/main" val="10000"/>
+                  </a:ext>
+                </a:extLst>
               </a:tr>
               <a:tr h="563754">
                 <a:tc>
@@ -11220,6 +13556,11 @@
                     </a:lnB>
                   </a:tcPr>
                 </a:tc>
+                <a:extLst>
+                  <a:ext uri="{0D108BD9-81ED-4DB2-BD59-A6C34878D82A}">
+                    <a16:rowId xmlns:a16="http://schemas.microsoft.com/office/drawing/2014/main" val="10001"/>
+                  </a:ext>
+                </a:extLst>
               </a:tr>
               <a:tr h="728734">
                 <a:tc>
@@ -11427,6 +13768,11 @@
                     </a:lnB>
                   </a:tcPr>
                 </a:tc>
+                <a:extLst>
+                  <a:ext uri="{0D108BD9-81ED-4DB2-BD59-A6C34878D82A}">
+                    <a16:rowId xmlns:a16="http://schemas.microsoft.com/office/drawing/2014/main" val="10002"/>
+                  </a:ext>
+                </a:extLst>
               </a:tr>
               <a:tr h="439649">
                 <a:tc>
@@ -11595,6 +13941,11 @@
                     </a:lnB>
                   </a:tcPr>
                 </a:tc>
+                <a:extLst>
+                  <a:ext uri="{0D108BD9-81ED-4DB2-BD59-A6C34878D82A}">
+                    <a16:rowId xmlns:a16="http://schemas.microsoft.com/office/drawing/2014/main" val="10003"/>
+                  </a:ext>
+                </a:extLst>
               </a:tr>
               <a:tr h="873276">
                 <a:tc>
@@ -11778,6 +14129,11 @@
                     </a:lnB>
                   </a:tcPr>
                 </a:tc>
+                <a:extLst>
+                  <a:ext uri="{0D108BD9-81ED-4DB2-BD59-A6C34878D82A}">
+                    <a16:rowId xmlns:a16="http://schemas.microsoft.com/office/drawing/2014/main" val="10004"/>
+                  </a:ext>
+                </a:extLst>
               </a:tr>
               <a:tr h="873276">
                 <a:tc>
@@ -11961,6 +14317,11 @@
                     </a:lnB>
                   </a:tcPr>
                 </a:tc>
+                <a:extLst>
+                  <a:ext uri="{0D108BD9-81ED-4DB2-BD59-A6C34878D82A}">
+                    <a16:rowId xmlns:a16="http://schemas.microsoft.com/office/drawing/2014/main" val="10005"/>
+                  </a:ext>
+                </a:extLst>
               </a:tr>
               <a:tr h="728734">
                 <a:tc>
@@ -12141,6 +14502,11 @@
                     </a:lnB>
                   </a:tcPr>
                 </a:tc>
+                <a:extLst>
+                  <a:ext uri="{0D108BD9-81ED-4DB2-BD59-A6C34878D82A}">
+                    <a16:rowId xmlns:a16="http://schemas.microsoft.com/office/drawing/2014/main" val="10006"/>
+                  </a:ext>
+                </a:extLst>
               </a:tr>
             </a:tbl>
           </a:graphicData>

--- a/Guava.pptx
+++ b/Guava.pptx
@@ -5,7 +5,7 @@
     <p:sldMasterId id="2147483673" r:id="rId1"/>
   </p:sldMasterIdLst>
   <p:notesMasterIdLst>
-    <p:notesMasterId r:id="rId26"/>
+    <p:notesMasterId r:id="rId27"/>
   </p:notesMasterIdLst>
   <p:sldIdLst>
     <p:sldId id="295" r:id="rId2"/>
@@ -31,7 +31,8 @@
     <p:sldId id="454" r:id="rId22"/>
     <p:sldId id="455" r:id="rId23"/>
     <p:sldId id="456" r:id="rId24"/>
-    <p:sldId id="436" r:id="rId25"/>
+    <p:sldId id="457" r:id="rId25"/>
+    <p:sldId id="436" r:id="rId26"/>
   </p:sldIdLst>
   <p:sldSz cx="9144000" cy="6858000" type="screen4x3"/>
   <p:notesSz cx="6858000" cy="9144000"/>
@@ -231,7 +232,7 @@
           <a:p>
             <a:fld id="{83E81F36-8AE1-45AB-BDEC-C19947B6995C}" type="datetimeFigureOut">
               <a:rPr lang="en-US" smtClean="0"/>
-              <a:t>4/6/2018</a:t>
+              <a:t>4/8/2018</a:t>
             </a:fld>
             <a:endParaRPr lang="en-US"/>
           </a:p>
@@ -994,7 +995,7 @@
             <a:fld id="{1D8BD707-D9CF-40AE-B4C6-C98DA3205C09}" type="datetimeFigureOut">
               <a:rPr lang="en-US" smtClean="0"/>
               <a:pPr/>
-              <a:t>4/6/2018</a:t>
+              <a:t>4/8/2018</a:t>
             </a:fld>
             <a:endParaRPr lang="en-US"/>
           </a:p>
@@ -1194,7 +1195,7 @@
             <a:fld id="{1D8BD707-D9CF-40AE-B4C6-C98DA3205C09}" type="datetimeFigureOut">
               <a:rPr lang="en-US" smtClean="0"/>
               <a:pPr/>
-              <a:t>4/6/2018</a:t>
+              <a:t>4/8/2018</a:t>
             </a:fld>
             <a:endParaRPr lang="en-US"/>
           </a:p>
@@ -1422,7 +1423,7 @@
             <a:fld id="{1D8BD707-D9CF-40AE-B4C6-C98DA3205C09}" type="datetimeFigureOut">
               <a:rPr lang="en-US" smtClean="0"/>
               <a:pPr/>
-              <a:t>4/6/2018</a:t>
+              <a:t>4/8/2018</a:t>
             </a:fld>
             <a:endParaRPr lang="en-US"/>
           </a:p>
@@ -1612,7 +1613,7 @@
             <a:fld id="{1D8BD707-D9CF-40AE-B4C6-C98DA3205C09}" type="datetimeFigureOut">
               <a:rPr lang="en-US" smtClean="0"/>
               <a:pPr/>
-              <a:t>4/6/2018</a:t>
+              <a:t>4/8/2018</a:t>
             </a:fld>
             <a:endParaRPr lang="en-US"/>
           </a:p>
@@ -2173,7 +2174,7 @@
             <a:fld id="{1D8BD707-D9CF-40AE-B4C6-C98DA3205C09}" type="datetimeFigureOut">
               <a:rPr lang="en-US" smtClean="0"/>
               <a:pPr/>
-              <a:t>4/6/2018</a:t>
+              <a:t>4/8/2018</a:t>
             </a:fld>
             <a:endParaRPr lang="en-US"/>
           </a:p>
@@ -2477,7 +2478,7 @@
             <a:fld id="{1D8BD707-D9CF-40AE-B4C6-C98DA3205C09}" type="datetimeFigureOut">
               <a:rPr lang="en-US" smtClean="0"/>
               <a:pPr/>
-              <a:t>4/6/2018</a:t>
+              <a:t>4/8/2018</a:t>
             </a:fld>
             <a:endParaRPr lang="en-US"/>
           </a:p>
@@ -2924,7 +2925,7 @@
             <a:fld id="{1D8BD707-D9CF-40AE-B4C6-C98DA3205C09}" type="datetimeFigureOut">
               <a:rPr lang="en-US" smtClean="0"/>
               <a:pPr/>
-              <a:t>4/6/2018</a:t>
+              <a:t>4/8/2018</a:t>
             </a:fld>
             <a:endParaRPr lang="en-US"/>
           </a:p>
@@ -3062,7 +3063,7 @@
             <a:fld id="{1D8BD707-D9CF-40AE-B4C6-C98DA3205C09}" type="datetimeFigureOut">
               <a:rPr lang="en-US" smtClean="0"/>
               <a:pPr/>
-              <a:t>4/6/2018</a:t>
+              <a:t>4/8/2018</a:t>
             </a:fld>
             <a:endParaRPr lang="en-US"/>
           </a:p>
@@ -3177,7 +3178,7 @@
             <a:fld id="{1D8BD707-D9CF-40AE-B4C6-C98DA3205C09}" type="datetimeFigureOut">
               <a:rPr lang="en-US" smtClean="0"/>
               <a:pPr/>
-              <a:t>4/6/2018</a:t>
+              <a:t>4/8/2018</a:t>
             </a:fld>
             <a:endParaRPr lang="en-US"/>
           </a:p>
@@ -3474,7 +3475,7 @@
             <a:fld id="{1D8BD707-D9CF-40AE-B4C6-C98DA3205C09}" type="datetimeFigureOut">
               <a:rPr lang="en-US" smtClean="0"/>
               <a:pPr/>
-              <a:t>4/6/2018</a:t>
+              <a:t>4/8/2018</a:t>
             </a:fld>
             <a:endParaRPr lang="en-US"/>
           </a:p>
@@ -3751,7 +3752,7 @@
             <a:fld id="{1D8BD707-D9CF-40AE-B4C6-C98DA3205C09}" type="datetimeFigureOut">
               <a:rPr lang="en-US" smtClean="0"/>
               <a:pPr/>
-              <a:t>4/6/2018</a:t>
+              <a:t>4/8/2018</a:t>
             </a:fld>
             <a:endParaRPr lang="en-US"/>
           </a:p>
@@ -4095,7 +4096,7 @@
             <a:fld id="{1D8BD707-D9CF-40AE-B4C6-C98DA3205C09}" type="datetimeFigureOut">
               <a:rPr lang="en-US" smtClean="0"/>
               <a:pPr/>
-              <a:t>4/6/2018</a:t>
+              <a:t>4/8/2018</a:t>
             </a:fld>
             <a:endParaRPr lang="en-US"/>
           </a:p>
@@ -7896,14 +7897,14 @@
                 <a:gridCol w="2662253">
                   <a:extLst>
                     <a:ext uri="{9D8B030D-6E8A-4147-A177-3AD203B41FA5}">
-                      <a16:colId xmlns:a16="http://schemas.microsoft.com/office/drawing/2014/main" val="3042613032"/>
+                      <a16:colId xmlns:a16="http://schemas.microsoft.com/office/drawing/2014/main" xmlns="" val="3042613032"/>
                     </a:ext>
                   </a:extLst>
                 </a:gridCol>
                 <a:gridCol w="5605447">
                   <a:extLst>
                     <a:ext uri="{9D8B030D-6E8A-4147-A177-3AD203B41FA5}">
-                      <a16:colId xmlns:a16="http://schemas.microsoft.com/office/drawing/2014/main" val="2274778014"/>
+                      <a16:colId xmlns:a16="http://schemas.microsoft.com/office/drawing/2014/main" xmlns="" val="2274778014"/>
                     </a:ext>
                   </a:extLst>
                 </a:gridCol>
@@ -8021,7 +8022,7 @@
                 </a:tc>
                 <a:extLst>
                   <a:ext uri="{0D108BD9-81ED-4DB2-BD59-A6C34878D82A}">
-                    <a16:rowId xmlns:a16="http://schemas.microsoft.com/office/drawing/2014/main" val="1660271125"/>
+                    <a16:rowId xmlns:a16="http://schemas.microsoft.com/office/drawing/2014/main" xmlns="" val="1660271125"/>
                   </a:ext>
                 </a:extLst>
               </a:tr>
@@ -8139,7 +8140,7 @@
                 </a:tc>
                 <a:extLst>
                   <a:ext uri="{0D108BD9-81ED-4DB2-BD59-A6C34878D82A}">
-                    <a16:rowId xmlns:a16="http://schemas.microsoft.com/office/drawing/2014/main" val="3747208260"/>
+                    <a16:rowId xmlns:a16="http://schemas.microsoft.com/office/drawing/2014/main" xmlns="" val="3747208260"/>
                   </a:ext>
                 </a:extLst>
               </a:tr>
@@ -8269,7 +8270,7 @@
                 </a:tc>
                 <a:extLst>
                   <a:ext uri="{0D108BD9-81ED-4DB2-BD59-A6C34878D82A}">
-                    <a16:rowId xmlns:a16="http://schemas.microsoft.com/office/drawing/2014/main" val="824084111"/>
+                    <a16:rowId xmlns:a16="http://schemas.microsoft.com/office/drawing/2014/main" xmlns="" val="824084111"/>
                   </a:ext>
                 </a:extLst>
               </a:tr>
@@ -8399,7 +8400,7 @@
                 </a:tc>
                 <a:extLst>
                   <a:ext uri="{0D108BD9-81ED-4DB2-BD59-A6C34878D82A}">
-                    <a16:rowId xmlns:a16="http://schemas.microsoft.com/office/drawing/2014/main" val="3810718656"/>
+                    <a16:rowId xmlns:a16="http://schemas.microsoft.com/office/drawing/2014/main" xmlns="" val="3810718656"/>
                   </a:ext>
                 </a:extLst>
               </a:tr>
@@ -8806,14 +8807,14 @@
           <p:nvPr>
             <p:extLst>
               <p:ext uri="{D42A27DB-BD31-4B8C-83A1-F6EECF244321}">
-                <p14:modId xmlns:p14="http://schemas.microsoft.com/office/powerpoint/2010/main" val="214272374"/>
+                <p14:modId xmlns:p14="http://schemas.microsoft.com/office/powerpoint/2010/main" val="957938832"/>
               </p:ext>
             </p:extLst>
           </p:nvPr>
         </p:nvGraphicFramePr>
         <p:xfrm>
           <a:off x="457200" y="2667000"/>
-          <a:ext cx="8267700" cy="3304079"/>
+          <a:ext cx="8267700" cy="2862935"/>
         </p:xfrm>
         <a:graphic>
           <a:graphicData uri="http://schemas.openxmlformats.org/drawingml/2006/table">
@@ -8823,14 +8824,14 @@
                 <a:gridCol w="2662253">
                   <a:extLst>
                     <a:ext uri="{9D8B030D-6E8A-4147-A177-3AD203B41FA5}">
-                      <a16:colId xmlns:a16="http://schemas.microsoft.com/office/drawing/2014/main" val="331462742"/>
+                      <a16:colId xmlns:a16="http://schemas.microsoft.com/office/drawing/2014/main" xmlns="" val="331462742"/>
                     </a:ext>
                   </a:extLst>
                 </a:gridCol>
                 <a:gridCol w="5605447">
                   <a:extLst>
                     <a:ext uri="{9D8B030D-6E8A-4147-A177-3AD203B41FA5}">
-                      <a16:colId xmlns:a16="http://schemas.microsoft.com/office/drawing/2014/main" val="1270116112"/>
+                      <a16:colId xmlns:a16="http://schemas.microsoft.com/office/drawing/2014/main" xmlns="" val="1270116112"/>
                     </a:ext>
                   </a:extLst>
                 </a:gridCol>
@@ -8842,12 +8843,12 @@
                     <a:lstStyle/>
                     <a:p>
                       <a:r>
-                        <a:rPr lang="zh-CN" altLang="en-US" sz="1400" b="1">
+                        <a:rPr lang="zh-CN" altLang="en-US" sz="1400" b="1" dirty="0">
                           <a:effectLst/>
                         </a:rPr>
                         <a:t>方法</a:t>
                       </a:r>
-                      <a:endParaRPr lang="zh-CN" altLang="en-US" sz="1400">
+                      <a:endParaRPr lang="zh-CN" altLang="en-US" sz="1400" dirty="0">
                         <a:effectLst/>
                       </a:endParaRPr>
                     </a:p>
@@ -8948,7 +8949,7 @@
                 </a:tc>
                 <a:extLst>
                   <a:ext uri="{0D108BD9-81ED-4DB2-BD59-A6C34878D82A}">
-                    <a16:rowId xmlns:a16="http://schemas.microsoft.com/office/drawing/2014/main" val="2753159519"/>
+                    <a16:rowId xmlns:a16="http://schemas.microsoft.com/office/drawing/2014/main" xmlns="" val="2753159519"/>
                   </a:ext>
                 </a:extLst>
               </a:tr>
@@ -9066,7 +9067,7 @@
                 </a:tc>
                 <a:extLst>
                   <a:ext uri="{0D108BD9-81ED-4DB2-BD59-A6C34878D82A}">
-                    <a16:rowId xmlns:a16="http://schemas.microsoft.com/office/drawing/2014/main" val="3440811622"/>
+                    <a16:rowId xmlns:a16="http://schemas.microsoft.com/office/drawing/2014/main" xmlns="" val="3440811622"/>
                   </a:ext>
                 </a:extLst>
               </a:tr>
@@ -9196,7 +9197,7 @@
                 </a:tc>
                 <a:extLst>
                   <a:ext uri="{0D108BD9-81ED-4DB2-BD59-A6C34878D82A}">
-                    <a16:rowId xmlns:a16="http://schemas.microsoft.com/office/drawing/2014/main" val="1178024355"/>
+                    <a16:rowId xmlns:a16="http://schemas.microsoft.com/office/drawing/2014/main" xmlns="" val="1178024355"/>
                   </a:ext>
                 </a:extLst>
               </a:tr>
@@ -9326,7 +9327,7 @@
                 </a:tc>
                 <a:extLst>
                   <a:ext uri="{0D108BD9-81ED-4DB2-BD59-A6C34878D82A}">
-                    <a16:rowId xmlns:a16="http://schemas.microsoft.com/office/drawing/2014/main" val="3501301743"/>
+                    <a16:rowId xmlns:a16="http://schemas.microsoft.com/office/drawing/2014/main" xmlns="" val="3501301743"/>
                   </a:ext>
                 </a:extLst>
               </a:tr>
@@ -9337,7 +9338,7 @@
                     <a:lstStyle/>
                     <a:p>
                       <a:r>
-                        <a:rPr lang="en-US" sz="1400" u="sng">
+                        <a:rPr lang="en-US" sz="1400" u="sng" dirty="0">
                           <a:solidFill>
                             <a:srgbClr val="00A19E"/>
                           </a:solidFill>
@@ -9346,7 +9347,7 @@
                         </a:rPr>
                         <a:t>compound(Comparator)</a:t>
                       </a:r>
-                      <a:endParaRPr lang="en-US" sz="1400">
+                      <a:endParaRPr lang="en-US" sz="1400" dirty="0">
                         <a:effectLst/>
                       </a:endParaRPr>
                     </a:p>
@@ -9444,159 +9445,11 @@
                 </a:tc>
                 <a:extLst>
                   <a:ext uri="{0D108BD9-81ED-4DB2-BD59-A6C34878D82A}">
-                    <a16:rowId xmlns:a16="http://schemas.microsoft.com/office/drawing/2014/main" val="136001188"/>
+                    <a16:rowId xmlns:a16="http://schemas.microsoft.com/office/drawing/2014/main" xmlns="" val="136001188"/>
                   </a:ext>
                 </a:extLst>
               </a:tr>
               <a:tr h="657215">
-                <a:tc>
-                  <a:txBody>
-                    <a:bodyPr/>
-                    <a:lstStyle/>
-                    <a:p>
-                      <a:r>
-                        <a:rPr lang="en-US" sz="1400" u="sng" dirty="0">
-                          <a:solidFill>
-                            <a:srgbClr val="00A19E"/>
-                          </a:solidFill>
-                          <a:effectLst/>
-                          <a:hlinkClick r:id="rId6"/>
-                        </a:rPr>
-                        <a:t>lexicographical()</a:t>
-                      </a:r>
-                      <a:endParaRPr lang="en-US" sz="1400" dirty="0">
-                        <a:effectLst/>
-                      </a:endParaRPr>
-                    </a:p>
-                  </a:txBody>
-                  <a:tcPr marL="112537" marR="112537" marT="112537" marB="112537" anchor="ctr">
-                    <a:lnL w="9525" cap="flat" cmpd="sng" algn="ctr">
-                      <a:solidFill>
-                        <a:srgbClr val="CCCCCC"/>
-                      </a:solidFill>
-                      <a:prstDash val="solid"/>
-                      <a:round/>
-                      <a:headEnd type="none" w="med" len="med"/>
-                      <a:tailEnd type="none" w="med" len="med"/>
-                    </a:lnL>
-                    <a:lnR w="9525" cap="flat" cmpd="sng" algn="ctr">
-                      <a:solidFill>
-                        <a:srgbClr val="CCCCCC"/>
-                      </a:solidFill>
-                      <a:prstDash val="solid"/>
-                      <a:round/>
-                      <a:headEnd type="none" w="med" len="med"/>
-                      <a:tailEnd type="none" w="med" len="med"/>
-                    </a:lnR>
-                    <a:lnT w="9525" cap="flat" cmpd="sng" algn="ctr">
-                      <a:solidFill>
-                        <a:srgbClr val="CCCCCC"/>
-                      </a:solidFill>
-                      <a:prstDash val="solid"/>
-                      <a:round/>
-                      <a:headEnd type="none" w="med" len="med"/>
-                      <a:tailEnd type="none" w="med" len="med"/>
-                    </a:lnT>
-                    <a:lnB w="9525" cap="flat" cmpd="sng" algn="ctr">
-                      <a:solidFill>
-                        <a:srgbClr val="CCCCCC"/>
-                      </a:solidFill>
-                      <a:prstDash val="solid"/>
-                      <a:round/>
-                      <a:headEnd type="none" w="med" len="med"/>
-                      <a:tailEnd type="none" w="med" len="med"/>
-                    </a:lnB>
-                  </a:tcPr>
-                </a:tc>
-                <a:tc>
-                  <a:txBody>
-                    <a:bodyPr/>
-                    <a:lstStyle/>
-                    <a:p>
-                      <a:r>
-                        <a:rPr lang="zh-CN" altLang="en-US" sz="1400" dirty="0">
-                          <a:effectLst/>
-                        </a:rPr>
-                        <a:t>基于处理类型</a:t>
-                      </a:r>
-                      <a:r>
-                        <a:rPr lang="en-US" sz="1400" dirty="0">
-                          <a:effectLst/>
-                        </a:rPr>
-                        <a:t>T</a:t>
-                      </a:r>
-                      <a:r>
-                        <a:rPr lang="zh-CN" altLang="en-US" sz="1400" dirty="0">
-                          <a:effectLst/>
-                        </a:rPr>
-                        <a:t>的排序器，返回该类型的可迭代对象</a:t>
-                      </a:r>
-                      <a:r>
-                        <a:rPr lang="en-US" sz="1400" dirty="0" err="1">
-                          <a:effectLst/>
-                        </a:rPr>
-                        <a:t>Iterable</a:t>
-                      </a:r>
-                      <a:r>
-                        <a:rPr lang="en-US" sz="1400" dirty="0">
-                          <a:effectLst/>
-                        </a:rPr>
-                        <a:t>&lt;T&gt;</a:t>
-                      </a:r>
-                      <a:r>
-                        <a:rPr lang="zh-CN" altLang="en-US" sz="1400" dirty="0">
-                          <a:effectLst/>
-                        </a:rPr>
-                        <a:t>的排序器。</a:t>
-                      </a:r>
-                    </a:p>
-                  </a:txBody>
-                  <a:tcPr marL="112537" marR="112537" marT="112537" marB="112537" anchor="ctr">
-                    <a:lnL w="9525" cap="flat" cmpd="sng" algn="ctr">
-                      <a:solidFill>
-                        <a:srgbClr val="CCCCCC"/>
-                      </a:solidFill>
-                      <a:prstDash val="solid"/>
-                      <a:round/>
-                      <a:headEnd type="none" w="med" len="med"/>
-                      <a:tailEnd type="none" w="med" len="med"/>
-                    </a:lnL>
-                    <a:lnR w="9525" cap="flat" cmpd="sng" algn="ctr">
-                      <a:solidFill>
-                        <a:srgbClr val="CCCCCC"/>
-                      </a:solidFill>
-                      <a:prstDash val="solid"/>
-                      <a:round/>
-                      <a:headEnd type="none" w="med" len="med"/>
-                      <a:tailEnd type="none" w="med" len="med"/>
-                    </a:lnR>
-                    <a:lnT w="9525" cap="flat" cmpd="sng" algn="ctr">
-                      <a:solidFill>
-                        <a:srgbClr val="CCCCCC"/>
-                      </a:solidFill>
-                      <a:prstDash val="solid"/>
-                      <a:round/>
-                      <a:headEnd type="none" w="med" len="med"/>
-                      <a:tailEnd type="none" w="med" len="med"/>
-                    </a:lnT>
-                    <a:lnB w="9525" cap="flat" cmpd="sng" algn="ctr">
-                      <a:solidFill>
-                        <a:srgbClr val="CCCCCC"/>
-                      </a:solidFill>
-                      <a:prstDash val="solid"/>
-                      <a:round/>
-                      <a:headEnd type="none" w="med" len="med"/>
-                      <a:tailEnd type="none" w="med" len="med"/>
-                    </a:lnB>
-                  </a:tcPr>
-                </a:tc>
-                <a:extLst>
-                  <a:ext uri="{0D108BD9-81ED-4DB2-BD59-A6C34878D82A}">
-                    <a16:rowId xmlns:a16="http://schemas.microsoft.com/office/drawing/2014/main" val="1989949116"/>
-                  </a:ext>
-                </a:extLst>
-              </a:tr>
-              <a:tr h="441144">
                 <a:tc>
                   <a:txBody>
                     <a:bodyPr/>
@@ -9608,7 +9461,7 @@
                             <a:srgbClr val="00A19E"/>
                           </a:solidFill>
                           <a:effectLst/>
-                          <a:hlinkClick r:id="rId7"/>
+                          <a:hlinkClick r:id="rId6"/>
                         </a:rPr>
                         <a:t>onResultOf</a:t>
                       </a:r>
@@ -9618,7 +9471,7 @@
                             <a:srgbClr val="00A19E"/>
                           </a:solidFill>
                           <a:effectLst/>
-                          <a:hlinkClick r:id="rId7"/>
+                          <a:hlinkClick r:id="rId6"/>
                         </a:rPr>
                         <a:t>(Function)</a:t>
                       </a:r>
@@ -9732,7 +9585,7 @@
                 </a:tc>
                 <a:extLst>
                   <a:ext uri="{0D108BD9-81ED-4DB2-BD59-A6C34878D82A}">
-                    <a16:rowId xmlns:a16="http://schemas.microsoft.com/office/drawing/2014/main" val="89094788"/>
+                    <a16:rowId xmlns:a16="http://schemas.microsoft.com/office/drawing/2014/main" xmlns="" val="1989949116"/>
                   </a:ext>
                 </a:extLst>
               </a:tr>
@@ -9761,6 +9614,143 @@
 </file>
 
 <file path=ppt/slides/slide24.xml><?xml version="1.0" encoding="utf-8"?>
+<p:sld xmlns:a="http://schemas.openxmlformats.org/drawingml/2006/main" xmlns:r="http://schemas.openxmlformats.org/officeDocument/2006/relationships" xmlns:p="http://schemas.openxmlformats.org/presentationml/2006/main">
+  <p:cSld>
+    <p:spTree>
+      <p:nvGrpSpPr>
+        <p:cNvPr id="1" name=""/>
+        <p:cNvGrpSpPr/>
+        <p:nvPr/>
+      </p:nvGrpSpPr>
+      <p:grpSpPr>
+        <a:xfrm>
+          <a:off x="0" y="0"/>
+          <a:ext cx="0" cy="0"/>
+          <a:chOff x="0" y="0"/>
+          <a:chExt cx="0" cy="0"/>
+        </a:xfrm>
+      </p:grpSpPr>
+      <p:sp>
+        <p:nvSpPr>
+          <p:cNvPr id="6" name="TextBox 5"/>
+          <p:cNvSpPr txBox="1"/>
+          <p:nvPr/>
+        </p:nvSpPr>
+        <p:spPr bwMode="auto">
+          <a:xfrm>
+            <a:off x="743816" y="457200"/>
+            <a:ext cx="2262158" cy="523220"/>
+          </a:xfrm>
+          <a:prstGeom prst="rect">
+            <a:avLst/>
+          </a:prstGeom>
+          <a:noFill/>
+          <a:ln w="9525">
+            <a:noFill/>
+            <a:miter lim="800000"/>
+            <a:headEnd/>
+            <a:tailEnd/>
+          </a:ln>
+        </p:spPr>
+        <p:txBody>
+          <a:bodyPr wrap="none" rtlCol="0">
+            <a:spAutoFit/>
+          </a:bodyPr>
+          <a:lstStyle/>
+          <a:p>
+            <a:r>
+              <a:rPr lang="en-US" altLang="zh-CN" sz="2800" dirty="0"/>
+              <a:t>Basic </a:t>
+            </a:r>
+            <a:r>
+              <a:rPr lang="en-US" altLang="zh-CN" sz="2800" dirty="0" smtClean="0"/>
+              <a:t>utilities</a:t>
+            </a:r>
+            <a:endParaRPr lang="en-US" altLang="zh-CN" sz="2800" dirty="0"/>
+          </a:p>
+        </p:txBody>
+      </p:sp>
+      <p:sp>
+        <p:nvSpPr>
+          <p:cNvPr id="3" name="TextBox 2"/>
+          <p:cNvSpPr txBox="1"/>
+          <p:nvPr/>
+        </p:nvSpPr>
+        <p:spPr bwMode="auto">
+          <a:xfrm>
+            <a:off x="780102" y="1309048"/>
+            <a:ext cx="7028584" cy="369332"/>
+          </a:xfrm>
+          <a:prstGeom prst="rect">
+            <a:avLst/>
+          </a:prstGeom>
+          <a:noFill/>
+          <a:ln w="9525">
+            <a:noFill/>
+            <a:miter lim="800000"/>
+            <a:headEnd/>
+            <a:tailEnd/>
+          </a:ln>
+        </p:spPr>
+        <p:txBody>
+          <a:bodyPr wrap="square" rtlCol="0">
+            <a:spAutoFit/>
+          </a:bodyPr>
+          <a:lstStyle/>
+          <a:p>
+            <a:r>
+              <a:rPr lang="en-US" altLang="zh-CN" dirty="0"/>
+              <a:t>Ordering</a:t>
+            </a:r>
+            <a:endParaRPr lang="zh-CN" altLang="en-US" dirty="0"/>
+          </a:p>
+        </p:txBody>
+      </p:sp>
+      <p:pic>
+        <p:nvPicPr>
+          <p:cNvPr id="2" name="图片 1"/>
+          <p:cNvPicPr>
+            <a:picLocks noChangeAspect="1"/>
+          </p:cNvPicPr>
+          <p:nvPr/>
+        </p:nvPicPr>
+        <p:blipFill>
+          <a:blip r:embed="rId2"/>
+          <a:stretch>
+            <a:fillRect/>
+          </a:stretch>
+        </p:blipFill>
+        <p:spPr>
+          <a:xfrm>
+            <a:off x="2667000" y="951391"/>
+            <a:ext cx="6011026" cy="5198306"/>
+          </a:xfrm>
+          <a:prstGeom prst="rect">
+            <a:avLst/>
+          </a:prstGeom>
+        </p:spPr>
+      </p:pic>
+    </p:spTree>
+    <p:extLst>
+      <p:ext uri="{BB962C8B-B14F-4D97-AF65-F5344CB8AC3E}">
+        <p14:creationId xmlns:p14="http://schemas.microsoft.com/office/powerpoint/2010/main" val="1430876533"/>
+      </p:ext>
+    </p:extLst>
+  </p:cSld>
+  <p:clrMapOvr>
+    <a:masterClrMapping/>
+  </p:clrMapOvr>
+  <p:timing>
+    <p:tnLst>
+      <p:par>
+        <p:cTn id="1" dur="indefinite" restart="never" nodeType="tmRoot"/>
+      </p:par>
+    </p:tnLst>
+  </p:timing>
+</p:sld>
+</file>
+
+<file path=ppt/slides/slide25.xml><?xml version="1.0" encoding="utf-8"?>
 <p:sld xmlns:a="http://schemas.openxmlformats.org/drawingml/2006/main" xmlns:r="http://schemas.openxmlformats.org/officeDocument/2006/relationships" xmlns:p="http://schemas.openxmlformats.org/presentationml/2006/main">
   <p:cSld>
     <p:spTree>
@@ -10598,14 +10588,14 @@
                 <a:gridCol w="2186851">
                   <a:extLst>
                     <a:ext uri="{9D8B030D-6E8A-4147-A177-3AD203B41FA5}">
-                      <a16:colId xmlns:a16="http://schemas.microsoft.com/office/drawing/2014/main" val="20000"/>
+                      <a16:colId xmlns:a16="http://schemas.microsoft.com/office/drawing/2014/main" xmlns="" val="20000"/>
                     </a:ext>
                   </a:extLst>
                 </a:gridCol>
                 <a:gridCol w="4604474">
                   <a:extLst>
                     <a:ext uri="{9D8B030D-6E8A-4147-A177-3AD203B41FA5}">
-                      <a16:colId xmlns:a16="http://schemas.microsoft.com/office/drawing/2014/main" val="20001"/>
+                      <a16:colId xmlns:a16="http://schemas.microsoft.com/office/drawing/2014/main" xmlns="" val="20001"/>
                     </a:ext>
                   </a:extLst>
                 </a:gridCol>
@@ -10758,7 +10748,7 @@
                 </a:tc>
                 <a:extLst>
                   <a:ext uri="{0D108BD9-81ED-4DB2-BD59-A6C34878D82A}">
-                    <a16:rowId xmlns:a16="http://schemas.microsoft.com/office/drawing/2014/main" val="10000"/>
+                    <a16:rowId xmlns:a16="http://schemas.microsoft.com/office/drawing/2014/main" xmlns="" val="10000"/>
                   </a:ext>
                 </a:extLst>
               </a:tr>
@@ -10888,7 +10878,7 @@
                 </a:tc>
                 <a:extLst>
                   <a:ext uri="{0D108BD9-81ED-4DB2-BD59-A6C34878D82A}">
-                    <a16:rowId xmlns:a16="http://schemas.microsoft.com/office/drawing/2014/main" val="10001"/>
+                    <a16:rowId xmlns:a16="http://schemas.microsoft.com/office/drawing/2014/main" xmlns="" val="10001"/>
                   </a:ext>
                 </a:extLst>
               </a:tr>
@@ -11030,7 +11020,7 @@
                 </a:tc>
                 <a:extLst>
                   <a:ext uri="{0D108BD9-81ED-4DB2-BD59-A6C34878D82A}">
-                    <a16:rowId xmlns:a16="http://schemas.microsoft.com/office/drawing/2014/main" val="10002"/>
+                    <a16:rowId xmlns:a16="http://schemas.microsoft.com/office/drawing/2014/main" xmlns="" val="10002"/>
                   </a:ext>
                 </a:extLst>
               </a:tr>
@@ -11215,14 +11205,14 @@
                 <a:gridCol w="2375778">
                   <a:extLst>
                     <a:ext uri="{9D8B030D-6E8A-4147-A177-3AD203B41FA5}">
-                      <a16:colId xmlns:a16="http://schemas.microsoft.com/office/drawing/2014/main" val="20000"/>
+                      <a16:colId xmlns:a16="http://schemas.microsoft.com/office/drawing/2014/main" xmlns="" val="20000"/>
                     </a:ext>
                   </a:extLst>
                 </a:gridCol>
                 <a:gridCol w="5002263">
                   <a:extLst>
                     <a:ext uri="{9D8B030D-6E8A-4147-A177-3AD203B41FA5}">
-                      <a16:colId xmlns:a16="http://schemas.microsoft.com/office/drawing/2014/main" val="20001"/>
+                      <a16:colId xmlns:a16="http://schemas.microsoft.com/office/drawing/2014/main" xmlns="" val="20001"/>
                     </a:ext>
                   </a:extLst>
                 </a:gridCol>
@@ -11401,7 +11391,7 @@
                 </a:tc>
                 <a:extLst>
                   <a:ext uri="{0D108BD9-81ED-4DB2-BD59-A6C34878D82A}">
-                    <a16:rowId xmlns:a16="http://schemas.microsoft.com/office/drawing/2014/main" val="10000"/>
+                    <a16:rowId xmlns:a16="http://schemas.microsoft.com/office/drawing/2014/main" xmlns="" val="10000"/>
                   </a:ext>
                 </a:extLst>
               </a:tr>
@@ -11540,7 +11530,7 @@
                 </a:tc>
                 <a:extLst>
                   <a:ext uri="{0D108BD9-81ED-4DB2-BD59-A6C34878D82A}">
-                    <a16:rowId xmlns:a16="http://schemas.microsoft.com/office/drawing/2014/main" val="10001"/>
+                    <a16:rowId xmlns:a16="http://schemas.microsoft.com/office/drawing/2014/main" xmlns="" val="10001"/>
                   </a:ext>
                 </a:extLst>
               </a:tr>
@@ -11670,7 +11660,7 @@
                 </a:tc>
                 <a:extLst>
                   <a:ext uri="{0D108BD9-81ED-4DB2-BD59-A6C34878D82A}">
-                    <a16:rowId xmlns:a16="http://schemas.microsoft.com/office/drawing/2014/main" val="10002"/>
+                    <a16:rowId xmlns:a16="http://schemas.microsoft.com/office/drawing/2014/main" xmlns="" val="10002"/>
                   </a:ext>
                 </a:extLst>
               </a:tr>
@@ -11806,7 +11796,7 @@
                 </a:tc>
                 <a:extLst>
                   <a:ext uri="{0D108BD9-81ED-4DB2-BD59-A6C34878D82A}">
-                    <a16:rowId xmlns:a16="http://schemas.microsoft.com/office/drawing/2014/main" val="10003"/>
+                    <a16:rowId xmlns:a16="http://schemas.microsoft.com/office/drawing/2014/main" xmlns="" val="10003"/>
                   </a:ext>
                 </a:extLst>
               </a:tr>
@@ -11956,7 +11946,7 @@
                 </a:tc>
                 <a:extLst>
                   <a:ext uri="{0D108BD9-81ED-4DB2-BD59-A6C34878D82A}">
-                    <a16:rowId xmlns:a16="http://schemas.microsoft.com/office/drawing/2014/main" val="10004"/>
+                    <a16:rowId xmlns:a16="http://schemas.microsoft.com/office/drawing/2014/main" xmlns="" val="10004"/>
                   </a:ext>
                 </a:extLst>
               </a:tr>
@@ -13177,21 +13167,21 @@
                 <a:gridCol w="1634128">
                   <a:extLst>
                     <a:ext uri="{9D8B030D-6E8A-4147-A177-3AD203B41FA5}">
-                      <a16:colId xmlns:a16="http://schemas.microsoft.com/office/drawing/2014/main" val="20000"/>
+                      <a16:colId xmlns:a16="http://schemas.microsoft.com/office/drawing/2014/main" xmlns="" val="20000"/>
                     </a:ext>
                   </a:extLst>
                 </a:gridCol>
                 <a:gridCol w="1822997">
                   <a:extLst>
                     <a:ext uri="{9D8B030D-6E8A-4147-A177-3AD203B41FA5}">
-                      <a16:colId xmlns:a16="http://schemas.microsoft.com/office/drawing/2014/main" val="20001"/>
+                      <a16:colId xmlns:a16="http://schemas.microsoft.com/office/drawing/2014/main" xmlns="" val="20001"/>
                     </a:ext>
                   </a:extLst>
                 </a:gridCol>
                 <a:gridCol w="1724457">
                   <a:extLst>
                     <a:ext uri="{9D8B030D-6E8A-4147-A177-3AD203B41FA5}">
-                      <a16:colId xmlns:a16="http://schemas.microsoft.com/office/drawing/2014/main" val="20002"/>
+                      <a16:colId xmlns:a16="http://schemas.microsoft.com/office/drawing/2014/main" xmlns="" val="20002"/>
                     </a:ext>
                   </a:extLst>
                 </a:gridCol>
@@ -13364,7 +13354,7 @@
                 </a:tc>
                 <a:extLst>
                   <a:ext uri="{0D108BD9-81ED-4DB2-BD59-A6C34878D82A}">
-                    <a16:rowId xmlns:a16="http://schemas.microsoft.com/office/drawing/2014/main" val="10000"/>
+                    <a16:rowId xmlns:a16="http://schemas.microsoft.com/office/drawing/2014/main" xmlns="" val="10000"/>
                   </a:ext>
                 </a:extLst>
               </a:tr>
@@ -13558,7 +13548,7 @@
                 </a:tc>
                 <a:extLst>
                   <a:ext uri="{0D108BD9-81ED-4DB2-BD59-A6C34878D82A}">
-                    <a16:rowId xmlns:a16="http://schemas.microsoft.com/office/drawing/2014/main" val="10001"/>
+                    <a16:rowId xmlns:a16="http://schemas.microsoft.com/office/drawing/2014/main" xmlns="" val="10001"/>
                   </a:ext>
                 </a:extLst>
               </a:tr>
@@ -13770,7 +13760,7 @@
                 </a:tc>
                 <a:extLst>
                   <a:ext uri="{0D108BD9-81ED-4DB2-BD59-A6C34878D82A}">
-                    <a16:rowId xmlns:a16="http://schemas.microsoft.com/office/drawing/2014/main" val="10002"/>
+                    <a16:rowId xmlns:a16="http://schemas.microsoft.com/office/drawing/2014/main" xmlns="" val="10002"/>
                   </a:ext>
                 </a:extLst>
               </a:tr>
@@ -13943,7 +13933,7 @@
                 </a:tc>
                 <a:extLst>
                   <a:ext uri="{0D108BD9-81ED-4DB2-BD59-A6C34878D82A}">
-                    <a16:rowId xmlns:a16="http://schemas.microsoft.com/office/drawing/2014/main" val="10003"/>
+                    <a16:rowId xmlns:a16="http://schemas.microsoft.com/office/drawing/2014/main" xmlns="" val="10003"/>
                   </a:ext>
                 </a:extLst>
               </a:tr>
@@ -14131,7 +14121,7 @@
                 </a:tc>
                 <a:extLst>
                   <a:ext uri="{0D108BD9-81ED-4DB2-BD59-A6C34878D82A}">
-                    <a16:rowId xmlns:a16="http://schemas.microsoft.com/office/drawing/2014/main" val="10004"/>
+                    <a16:rowId xmlns:a16="http://schemas.microsoft.com/office/drawing/2014/main" xmlns="" val="10004"/>
                   </a:ext>
                 </a:extLst>
               </a:tr>
@@ -14319,7 +14309,7 @@
                 </a:tc>
                 <a:extLst>
                   <a:ext uri="{0D108BD9-81ED-4DB2-BD59-A6C34878D82A}">
-                    <a16:rowId xmlns:a16="http://schemas.microsoft.com/office/drawing/2014/main" val="10005"/>
+                    <a16:rowId xmlns:a16="http://schemas.microsoft.com/office/drawing/2014/main" xmlns="" val="10005"/>
                   </a:ext>
                 </a:extLst>
               </a:tr>
@@ -14504,7 +14494,7 @@
                 </a:tc>
                 <a:extLst>
                   <a:ext uri="{0D108BD9-81ED-4DB2-BD59-A6C34878D82A}">
-                    <a16:rowId xmlns:a16="http://schemas.microsoft.com/office/drawing/2014/main" val="10006"/>
+                    <a16:rowId xmlns:a16="http://schemas.microsoft.com/office/drawing/2014/main" xmlns="" val="10006"/>
                   </a:ext>
                 </a:extLst>
               </a:tr>

--- a/Guava.pptx
+++ b/Guava.pptx
@@ -5,7 +5,7 @@
     <p:sldMasterId id="2147483673" r:id="rId1"/>
   </p:sldMasterIdLst>
   <p:notesMasterIdLst>
-    <p:notesMasterId r:id="rId27"/>
+    <p:notesMasterId r:id="rId36"/>
   </p:notesMasterIdLst>
   <p:sldIdLst>
     <p:sldId id="295" r:id="rId2"/>
@@ -30,9 +30,18 @@
     <p:sldId id="453" r:id="rId21"/>
     <p:sldId id="454" r:id="rId22"/>
     <p:sldId id="455" r:id="rId23"/>
-    <p:sldId id="456" r:id="rId24"/>
-    <p:sldId id="457" r:id="rId25"/>
-    <p:sldId id="436" r:id="rId26"/>
+    <p:sldId id="460" r:id="rId24"/>
+    <p:sldId id="456" r:id="rId25"/>
+    <p:sldId id="458" r:id="rId26"/>
+    <p:sldId id="457" r:id="rId27"/>
+    <p:sldId id="459" r:id="rId28"/>
+    <p:sldId id="461" r:id="rId29"/>
+    <p:sldId id="462" r:id="rId30"/>
+    <p:sldId id="463" r:id="rId31"/>
+    <p:sldId id="464" r:id="rId32"/>
+    <p:sldId id="465" r:id="rId33"/>
+    <p:sldId id="466" r:id="rId34"/>
+    <p:sldId id="436" r:id="rId35"/>
   </p:sldIdLst>
   <p:sldSz cx="9144000" cy="6858000" type="screen4x3"/>
   <p:notesSz cx="6858000" cy="9144000"/>
@@ -232,7 +241,7 @@
           <a:p>
             <a:fld id="{83E81F36-8AE1-45AB-BDEC-C19947B6995C}" type="datetimeFigureOut">
               <a:rPr lang="en-US" smtClean="0"/>
-              <a:t>4/8/2018</a:t>
+              <a:t>4/9/2018</a:t>
             </a:fld>
             <a:endParaRPr lang="en-US"/>
           </a:p>
@@ -995,7 +1004,7 @@
             <a:fld id="{1D8BD707-D9CF-40AE-B4C6-C98DA3205C09}" type="datetimeFigureOut">
               <a:rPr lang="en-US" smtClean="0"/>
               <a:pPr/>
-              <a:t>4/8/2018</a:t>
+              <a:t>4/9/2018</a:t>
             </a:fld>
             <a:endParaRPr lang="en-US"/>
           </a:p>
@@ -1195,7 +1204,7 @@
             <a:fld id="{1D8BD707-D9CF-40AE-B4C6-C98DA3205C09}" type="datetimeFigureOut">
               <a:rPr lang="en-US" smtClean="0"/>
               <a:pPr/>
-              <a:t>4/8/2018</a:t>
+              <a:t>4/9/2018</a:t>
             </a:fld>
             <a:endParaRPr lang="en-US"/>
           </a:p>
@@ -1423,7 +1432,7 @@
             <a:fld id="{1D8BD707-D9CF-40AE-B4C6-C98DA3205C09}" type="datetimeFigureOut">
               <a:rPr lang="en-US" smtClean="0"/>
               <a:pPr/>
-              <a:t>4/8/2018</a:t>
+              <a:t>4/9/2018</a:t>
             </a:fld>
             <a:endParaRPr lang="en-US"/>
           </a:p>
@@ -1613,7 +1622,7 @@
             <a:fld id="{1D8BD707-D9CF-40AE-B4C6-C98DA3205C09}" type="datetimeFigureOut">
               <a:rPr lang="en-US" smtClean="0"/>
               <a:pPr/>
-              <a:t>4/8/2018</a:t>
+              <a:t>4/9/2018</a:t>
             </a:fld>
             <a:endParaRPr lang="en-US"/>
           </a:p>
@@ -2174,7 +2183,7 @@
             <a:fld id="{1D8BD707-D9CF-40AE-B4C6-C98DA3205C09}" type="datetimeFigureOut">
               <a:rPr lang="en-US" smtClean="0"/>
               <a:pPr/>
-              <a:t>4/8/2018</a:t>
+              <a:t>4/9/2018</a:t>
             </a:fld>
             <a:endParaRPr lang="en-US"/>
           </a:p>
@@ -2478,7 +2487,7 @@
             <a:fld id="{1D8BD707-D9CF-40AE-B4C6-C98DA3205C09}" type="datetimeFigureOut">
               <a:rPr lang="en-US" smtClean="0"/>
               <a:pPr/>
-              <a:t>4/8/2018</a:t>
+              <a:t>4/9/2018</a:t>
             </a:fld>
             <a:endParaRPr lang="en-US"/>
           </a:p>
@@ -2925,7 +2934,7 @@
             <a:fld id="{1D8BD707-D9CF-40AE-B4C6-C98DA3205C09}" type="datetimeFigureOut">
               <a:rPr lang="en-US" smtClean="0"/>
               <a:pPr/>
-              <a:t>4/8/2018</a:t>
+              <a:t>4/9/2018</a:t>
             </a:fld>
             <a:endParaRPr lang="en-US"/>
           </a:p>
@@ -3063,7 +3072,7 @@
             <a:fld id="{1D8BD707-D9CF-40AE-B4C6-C98DA3205C09}" type="datetimeFigureOut">
               <a:rPr lang="en-US" smtClean="0"/>
               <a:pPr/>
-              <a:t>4/8/2018</a:t>
+              <a:t>4/9/2018</a:t>
             </a:fld>
             <a:endParaRPr lang="en-US"/>
           </a:p>
@@ -3178,7 +3187,7 @@
             <a:fld id="{1D8BD707-D9CF-40AE-B4C6-C98DA3205C09}" type="datetimeFigureOut">
               <a:rPr lang="en-US" smtClean="0"/>
               <a:pPr/>
-              <a:t>4/8/2018</a:t>
+              <a:t>4/9/2018</a:t>
             </a:fld>
             <a:endParaRPr lang="en-US"/>
           </a:p>
@@ -3475,7 +3484,7 @@
             <a:fld id="{1D8BD707-D9CF-40AE-B4C6-C98DA3205C09}" type="datetimeFigureOut">
               <a:rPr lang="en-US" smtClean="0"/>
               <a:pPr/>
-              <a:t>4/8/2018</a:t>
+              <a:t>4/9/2018</a:t>
             </a:fld>
             <a:endParaRPr lang="en-US"/>
           </a:p>
@@ -3752,7 +3761,7 @@
             <a:fld id="{1D8BD707-D9CF-40AE-B4C6-C98DA3205C09}" type="datetimeFigureOut">
               <a:rPr lang="en-US" smtClean="0"/>
               <a:pPr/>
-              <a:t>4/8/2018</a:t>
+              <a:t>4/9/2018</a:t>
             </a:fld>
             <a:endParaRPr lang="en-US"/>
           </a:p>
@@ -4096,7 +4105,7 @@
             <a:fld id="{1D8BD707-D9CF-40AE-B4C6-C98DA3205C09}" type="datetimeFigureOut">
               <a:rPr lang="en-US" smtClean="0"/>
               <a:pPr/>
-              <a:t>4/8/2018</a:t>
+              <a:t>4/9/2018</a:t>
             </a:fld>
             <a:endParaRPr lang="en-US"/>
           </a:p>
@@ -7897,14 +7906,14 @@
                 <a:gridCol w="2662253">
                   <a:extLst>
                     <a:ext uri="{9D8B030D-6E8A-4147-A177-3AD203B41FA5}">
-                      <a16:colId xmlns:a16="http://schemas.microsoft.com/office/drawing/2014/main" xmlns="" val="3042613032"/>
+                      <a16:colId xmlns="" xmlns:a16="http://schemas.microsoft.com/office/drawing/2014/main" val="3042613032"/>
                     </a:ext>
                   </a:extLst>
                 </a:gridCol>
                 <a:gridCol w="5605447">
                   <a:extLst>
                     <a:ext uri="{9D8B030D-6E8A-4147-A177-3AD203B41FA5}">
-                      <a16:colId xmlns:a16="http://schemas.microsoft.com/office/drawing/2014/main" xmlns="" val="2274778014"/>
+                      <a16:colId xmlns="" xmlns:a16="http://schemas.microsoft.com/office/drawing/2014/main" val="2274778014"/>
                     </a:ext>
                   </a:extLst>
                 </a:gridCol>
@@ -8022,7 +8031,7 @@
                 </a:tc>
                 <a:extLst>
                   <a:ext uri="{0D108BD9-81ED-4DB2-BD59-A6C34878D82A}">
-                    <a16:rowId xmlns:a16="http://schemas.microsoft.com/office/drawing/2014/main" xmlns="" val="1660271125"/>
+                    <a16:rowId xmlns="" xmlns:a16="http://schemas.microsoft.com/office/drawing/2014/main" val="1660271125"/>
                   </a:ext>
                 </a:extLst>
               </a:tr>
@@ -8140,7 +8149,7 @@
                 </a:tc>
                 <a:extLst>
                   <a:ext uri="{0D108BD9-81ED-4DB2-BD59-A6C34878D82A}">
-                    <a16:rowId xmlns:a16="http://schemas.microsoft.com/office/drawing/2014/main" xmlns="" val="3747208260"/>
+                    <a16:rowId xmlns="" xmlns:a16="http://schemas.microsoft.com/office/drawing/2014/main" val="3747208260"/>
                   </a:ext>
                 </a:extLst>
               </a:tr>
@@ -8270,7 +8279,7 @@
                 </a:tc>
                 <a:extLst>
                   <a:ext uri="{0D108BD9-81ED-4DB2-BD59-A6C34878D82A}">
-                    <a16:rowId xmlns:a16="http://schemas.microsoft.com/office/drawing/2014/main" xmlns="" val="824084111"/>
+                    <a16:rowId xmlns="" xmlns:a16="http://schemas.microsoft.com/office/drawing/2014/main" val="824084111"/>
                   </a:ext>
                 </a:extLst>
               </a:tr>
@@ -8400,7 +8409,7 @@
                 </a:tc>
                 <a:extLst>
                   <a:ext uri="{0D108BD9-81ED-4DB2-BD59-A6C34878D82A}">
-                    <a16:rowId xmlns:a16="http://schemas.microsoft.com/office/drawing/2014/main" xmlns="" val="3810718656"/>
+                    <a16:rowId xmlns="" xmlns:a16="http://schemas.microsoft.com/office/drawing/2014/main" val="3810718656"/>
                   </a:ext>
                 </a:extLst>
               </a:tr>
@@ -8755,7 +8764,7 @@
           <a:lstStyle/>
           <a:p>
             <a:r>
-              <a:rPr lang="en-US" altLang="zh-CN" dirty="0"/>
+              <a:rPr lang="en-US" altLang="zh-CN" dirty="0" smtClean="0"/>
               <a:t>Ordering</a:t>
             </a:r>
             <a:endParaRPr lang="zh-CN" altLang="en-US" dirty="0"/>
@@ -8770,8 +8779,8 @@
         </p:nvSpPr>
         <p:spPr bwMode="auto">
           <a:xfrm>
-            <a:off x="780102" y="1801868"/>
-            <a:ext cx="7028584" cy="646331"/>
+            <a:off x="743816" y="2357823"/>
+            <a:ext cx="7028584" cy="2031325"/>
           </a:xfrm>
           <a:prstGeom prst="rect">
             <a:avLst/>
@@ -8791,812 +8800,90 @@
           <a:lstStyle/>
           <a:p>
             <a:r>
-              <a:rPr lang="zh-CN" altLang="en-US" b="1" dirty="0"/>
-              <a:t>链式调用方法：通过链式调用，可以由给定的排序器衍生出其它排序器</a:t>
+              <a:rPr lang="zh-CN" altLang="en-US" dirty="0" smtClean="0"/>
+              <a:t>排序器</a:t>
+            </a:r>
+            <a:r>
+              <a:rPr lang="en-US" altLang="zh-CN" dirty="0" smtClean="0"/>
+              <a:t>[Ordering]</a:t>
+            </a:r>
+            <a:r>
+              <a:rPr lang="zh-CN" altLang="en-US" dirty="0" smtClean="0"/>
+              <a:t>是</a:t>
+            </a:r>
+            <a:r>
+              <a:rPr lang="en-US" altLang="zh-CN" dirty="0" smtClean="0"/>
+              <a:t>Guava</a:t>
+            </a:r>
+            <a:r>
+              <a:rPr lang="zh-CN" altLang="en-US" dirty="0" smtClean="0"/>
+              <a:t>流畅风格比较器</a:t>
+            </a:r>
+            <a:r>
+              <a:rPr lang="en-US" altLang="zh-CN" dirty="0" smtClean="0"/>
+              <a:t>[Comparator]</a:t>
+            </a:r>
+            <a:r>
+              <a:rPr lang="zh-CN" altLang="en-US" dirty="0" smtClean="0"/>
+              <a:t>的实现，它可以用来为构建复杂的比较器，以完成集合排序的功能。</a:t>
+            </a:r>
+          </a:p>
+          <a:p>
+            <a:endParaRPr lang="zh-CN" altLang="en-US" dirty="0" smtClean="0"/>
+          </a:p>
+          <a:p>
+            <a:r>
+              <a:rPr lang="zh-CN" altLang="en-US" dirty="0" smtClean="0"/>
+              <a:t>从实现上说，</a:t>
+            </a:r>
+            <a:r>
+              <a:rPr lang="en-US" altLang="zh-CN" dirty="0" smtClean="0"/>
+              <a:t>Ordering</a:t>
+            </a:r>
+            <a:r>
+              <a:rPr lang="zh-CN" altLang="en-US" dirty="0" smtClean="0"/>
+              <a:t>实例就是一个特殊的</a:t>
+            </a:r>
+            <a:r>
+              <a:rPr lang="en-US" altLang="zh-CN" dirty="0" smtClean="0"/>
+              <a:t>Comparator</a:t>
+            </a:r>
+            <a:r>
+              <a:rPr lang="zh-CN" altLang="en-US" dirty="0" smtClean="0"/>
+              <a:t>实例。</a:t>
+            </a:r>
+            <a:r>
+              <a:rPr lang="en-US" altLang="zh-CN" dirty="0" smtClean="0"/>
+              <a:t>Ordering</a:t>
+            </a:r>
+            <a:r>
+              <a:rPr lang="zh-CN" altLang="en-US" dirty="0" smtClean="0"/>
+              <a:t>把很多基于</a:t>
+            </a:r>
+            <a:r>
+              <a:rPr lang="en-US" altLang="zh-CN" dirty="0" smtClean="0"/>
+              <a:t>Comparator</a:t>
+            </a:r>
+            <a:r>
+              <a:rPr lang="zh-CN" altLang="en-US" dirty="0" smtClean="0"/>
+              <a:t>的静态方法（如</a:t>
+            </a:r>
+            <a:r>
+              <a:rPr lang="en-US" altLang="zh-CN" dirty="0" err="1" smtClean="0"/>
+              <a:t>Collections.max</a:t>
+            </a:r>
+            <a:r>
+              <a:rPr lang="zh-CN" altLang="en-US" dirty="0" smtClean="0"/>
+              <a:t>）包装为自己的实例方法（非静态方法），并且提供了链式调用方法，来定制和增强现有的比较器。</a:t>
             </a:r>
             <a:endParaRPr lang="en-US" altLang="zh-CN" dirty="0"/>
           </a:p>
         </p:txBody>
       </p:sp>
-      <p:graphicFrame>
-        <p:nvGraphicFramePr>
-          <p:cNvPr id="4" name="Table 3"/>
-          <p:cNvGraphicFramePr>
-            <a:graphicFrameLocks noGrp="1"/>
-          </p:cNvGraphicFramePr>
-          <p:nvPr>
-            <p:extLst>
-              <p:ext uri="{D42A27DB-BD31-4B8C-83A1-F6EECF244321}">
-                <p14:modId xmlns:p14="http://schemas.microsoft.com/office/powerpoint/2010/main" val="957938832"/>
-              </p:ext>
-            </p:extLst>
-          </p:nvPr>
-        </p:nvGraphicFramePr>
-        <p:xfrm>
-          <a:off x="457200" y="2667000"/>
-          <a:ext cx="8267700" cy="2862935"/>
-        </p:xfrm>
-        <a:graphic>
-          <a:graphicData uri="http://schemas.openxmlformats.org/drawingml/2006/table">
-            <a:tbl>
-              <a:tblPr/>
-              <a:tblGrid>
-                <a:gridCol w="2662253">
-                  <a:extLst>
-                    <a:ext uri="{9D8B030D-6E8A-4147-A177-3AD203B41FA5}">
-                      <a16:colId xmlns:a16="http://schemas.microsoft.com/office/drawing/2014/main" xmlns="" val="331462742"/>
-                    </a:ext>
-                  </a:extLst>
-                </a:gridCol>
-                <a:gridCol w="5605447">
-                  <a:extLst>
-                    <a:ext uri="{9D8B030D-6E8A-4147-A177-3AD203B41FA5}">
-                      <a16:colId xmlns:a16="http://schemas.microsoft.com/office/drawing/2014/main" xmlns="" val="1270116112"/>
-                    </a:ext>
-                  </a:extLst>
-                </a:gridCol>
-              </a:tblGrid>
-              <a:tr h="441144">
-                <a:tc>
-                  <a:txBody>
-                    <a:bodyPr/>
-                    <a:lstStyle/>
-                    <a:p>
-                      <a:r>
-                        <a:rPr lang="zh-CN" altLang="en-US" sz="1400" b="1" dirty="0">
-                          <a:effectLst/>
-                        </a:rPr>
-                        <a:t>方法</a:t>
-                      </a:r>
-                      <a:endParaRPr lang="zh-CN" altLang="en-US" sz="1400" dirty="0">
-                        <a:effectLst/>
-                      </a:endParaRPr>
-                    </a:p>
-                  </a:txBody>
-                  <a:tcPr marL="112537" marR="112537" marT="112537" marB="112537" anchor="ctr">
-                    <a:lnL w="9525" cap="flat" cmpd="sng" algn="ctr">
-                      <a:solidFill>
-                        <a:srgbClr val="CCCCCC"/>
-                      </a:solidFill>
-                      <a:prstDash val="solid"/>
-                      <a:round/>
-                      <a:headEnd type="none" w="med" len="med"/>
-                      <a:tailEnd type="none" w="med" len="med"/>
-                    </a:lnL>
-                    <a:lnR w="9525" cap="flat" cmpd="sng" algn="ctr">
-                      <a:solidFill>
-                        <a:srgbClr val="CCCCCC"/>
-                      </a:solidFill>
-                      <a:prstDash val="solid"/>
-                      <a:round/>
-                      <a:headEnd type="none" w="med" len="med"/>
-                      <a:tailEnd type="none" w="med" len="med"/>
-                    </a:lnR>
-                    <a:lnT w="9525" cap="flat" cmpd="sng" algn="ctr">
-                      <a:solidFill>
-                        <a:srgbClr val="CCCCCC"/>
-                      </a:solidFill>
-                      <a:prstDash val="solid"/>
-                      <a:round/>
-                      <a:headEnd type="none" w="med" len="med"/>
-                      <a:tailEnd type="none" w="med" len="med"/>
-                    </a:lnT>
-                    <a:lnB w="9525" cap="flat" cmpd="sng" algn="ctr">
-                      <a:solidFill>
-                        <a:srgbClr val="CCCCCC"/>
-                      </a:solidFill>
-                      <a:prstDash val="solid"/>
-                      <a:round/>
-                      <a:headEnd type="none" w="med" len="med"/>
-                      <a:tailEnd type="none" w="med" len="med"/>
-                    </a:lnB>
-                  </a:tcPr>
-                </a:tc>
-                <a:tc>
-                  <a:txBody>
-                    <a:bodyPr/>
-                    <a:lstStyle/>
-                    <a:p>
-                      <a:r>
-                        <a:rPr lang="zh-CN" altLang="en-US" sz="1400" b="1">
-                          <a:effectLst/>
-                        </a:rPr>
-                        <a:t>描述</a:t>
-                      </a:r>
-                      <a:endParaRPr lang="zh-CN" altLang="en-US" sz="1400">
-                        <a:effectLst/>
-                      </a:endParaRPr>
-                    </a:p>
-                  </a:txBody>
-                  <a:tcPr marL="112537" marR="112537" marT="112537" marB="112537" anchor="ctr">
-                    <a:lnL w="9525" cap="flat" cmpd="sng" algn="ctr">
-                      <a:solidFill>
-                        <a:srgbClr val="CCCCCC"/>
-                      </a:solidFill>
-                      <a:prstDash val="solid"/>
-                      <a:round/>
-                      <a:headEnd type="none" w="med" len="med"/>
-                      <a:tailEnd type="none" w="med" len="med"/>
-                    </a:lnL>
-                    <a:lnR w="9525" cap="flat" cmpd="sng" algn="ctr">
-                      <a:solidFill>
-                        <a:srgbClr val="CCCCCC"/>
-                      </a:solidFill>
-                      <a:prstDash val="solid"/>
-                      <a:round/>
-                      <a:headEnd type="none" w="med" len="med"/>
-                      <a:tailEnd type="none" w="med" len="med"/>
-                    </a:lnR>
-                    <a:lnT w="9525" cap="flat" cmpd="sng" algn="ctr">
-                      <a:solidFill>
-                        <a:srgbClr val="CCCCCC"/>
-                      </a:solidFill>
-                      <a:prstDash val="solid"/>
-                      <a:round/>
-                      <a:headEnd type="none" w="med" len="med"/>
-                      <a:tailEnd type="none" w="med" len="med"/>
-                    </a:lnT>
-                    <a:lnB w="9525" cap="flat" cmpd="sng" algn="ctr">
-                      <a:solidFill>
-                        <a:srgbClr val="CCCCCC"/>
-                      </a:solidFill>
-                      <a:prstDash val="solid"/>
-                      <a:round/>
-                      <a:headEnd type="none" w="med" len="med"/>
-                      <a:tailEnd type="none" w="med" len="med"/>
-                    </a:lnB>
-                  </a:tcPr>
-                </a:tc>
-                <a:extLst>
-                  <a:ext uri="{0D108BD9-81ED-4DB2-BD59-A6C34878D82A}">
-                    <a16:rowId xmlns:a16="http://schemas.microsoft.com/office/drawing/2014/main" xmlns="" val="2753159519"/>
-                  </a:ext>
-                </a:extLst>
-              </a:tr>
-              <a:tr h="441144">
-                <a:tc>
-                  <a:txBody>
-                    <a:bodyPr/>
-                    <a:lstStyle/>
-                    <a:p>
-                      <a:r>
-                        <a:rPr lang="en-US" sz="1400" u="sng">
-                          <a:solidFill>
-                            <a:srgbClr val="00A19E"/>
-                          </a:solidFill>
-                          <a:effectLst/>
-                          <a:hlinkClick r:id="rId2"/>
-                        </a:rPr>
-                        <a:t>reverse()</a:t>
-                      </a:r>
-                      <a:endParaRPr lang="en-US" sz="1400">
-                        <a:effectLst/>
-                      </a:endParaRPr>
-                    </a:p>
-                  </a:txBody>
-                  <a:tcPr marL="112537" marR="112537" marT="112537" marB="112537" anchor="ctr">
-                    <a:lnL w="9525" cap="flat" cmpd="sng" algn="ctr">
-                      <a:solidFill>
-                        <a:srgbClr val="CCCCCC"/>
-                      </a:solidFill>
-                      <a:prstDash val="solid"/>
-                      <a:round/>
-                      <a:headEnd type="none" w="med" len="med"/>
-                      <a:tailEnd type="none" w="med" len="med"/>
-                    </a:lnL>
-                    <a:lnR w="9525" cap="flat" cmpd="sng" algn="ctr">
-                      <a:solidFill>
-                        <a:srgbClr val="CCCCCC"/>
-                      </a:solidFill>
-                      <a:prstDash val="solid"/>
-                      <a:round/>
-                      <a:headEnd type="none" w="med" len="med"/>
-                      <a:tailEnd type="none" w="med" len="med"/>
-                    </a:lnR>
-                    <a:lnT w="9525" cap="flat" cmpd="sng" algn="ctr">
-                      <a:solidFill>
-                        <a:srgbClr val="CCCCCC"/>
-                      </a:solidFill>
-                      <a:prstDash val="solid"/>
-                      <a:round/>
-                      <a:headEnd type="none" w="med" len="med"/>
-                      <a:tailEnd type="none" w="med" len="med"/>
-                    </a:lnT>
-                    <a:lnB w="9525" cap="flat" cmpd="sng" algn="ctr">
-                      <a:solidFill>
-                        <a:srgbClr val="CCCCCC"/>
-                      </a:solidFill>
-                      <a:prstDash val="solid"/>
-                      <a:round/>
-                      <a:headEnd type="none" w="med" len="med"/>
-                      <a:tailEnd type="none" w="med" len="med"/>
-                    </a:lnB>
-                  </a:tcPr>
-                </a:tc>
-                <a:tc>
-                  <a:txBody>
-                    <a:bodyPr/>
-                    <a:lstStyle/>
-                    <a:p>
-                      <a:r>
-                        <a:rPr lang="zh-CN" altLang="en-US" sz="1400">
-                          <a:effectLst/>
-                        </a:rPr>
-                        <a:t>获取语义相反的排序器</a:t>
-                      </a:r>
-                    </a:p>
-                  </a:txBody>
-                  <a:tcPr marL="112537" marR="112537" marT="112537" marB="112537" anchor="ctr">
-                    <a:lnL w="9525" cap="flat" cmpd="sng" algn="ctr">
-                      <a:solidFill>
-                        <a:srgbClr val="CCCCCC"/>
-                      </a:solidFill>
-                      <a:prstDash val="solid"/>
-                      <a:round/>
-                      <a:headEnd type="none" w="med" len="med"/>
-                      <a:tailEnd type="none" w="med" len="med"/>
-                    </a:lnL>
-                    <a:lnR w="9525" cap="flat" cmpd="sng" algn="ctr">
-                      <a:solidFill>
-                        <a:srgbClr val="CCCCCC"/>
-                      </a:solidFill>
-                      <a:prstDash val="solid"/>
-                      <a:round/>
-                      <a:headEnd type="none" w="med" len="med"/>
-                      <a:tailEnd type="none" w="med" len="med"/>
-                    </a:lnR>
-                    <a:lnT w="9525" cap="flat" cmpd="sng" algn="ctr">
-                      <a:solidFill>
-                        <a:srgbClr val="CCCCCC"/>
-                      </a:solidFill>
-                      <a:prstDash val="solid"/>
-                      <a:round/>
-                      <a:headEnd type="none" w="med" len="med"/>
-                      <a:tailEnd type="none" w="med" len="med"/>
-                    </a:lnT>
-                    <a:lnB w="9525" cap="flat" cmpd="sng" algn="ctr">
-                      <a:solidFill>
-                        <a:srgbClr val="CCCCCC"/>
-                      </a:solidFill>
-                      <a:prstDash val="solid"/>
-                      <a:round/>
-                      <a:headEnd type="none" w="med" len="med"/>
-                      <a:tailEnd type="none" w="med" len="med"/>
-                    </a:lnB>
-                  </a:tcPr>
-                </a:tc>
-                <a:extLst>
-                  <a:ext uri="{0D108BD9-81ED-4DB2-BD59-A6C34878D82A}">
-                    <a16:rowId xmlns:a16="http://schemas.microsoft.com/office/drawing/2014/main" xmlns="" val="3440811622"/>
-                  </a:ext>
-                </a:extLst>
-              </a:tr>
-              <a:tr h="441144">
-                <a:tc>
-                  <a:txBody>
-                    <a:bodyPr/>
-                    <a:lstStyle/>
-                    <a:p>
-                      <a:r>
-                        <a:rPr lang="en-US" sz="1400" u="sng">
-                          <a:solidFill>
-                            <a:srgbClr val="00A19E"/>
-                          </a:solidFill>
-                          <a:effectLst/>
-                          <a:hlinkClick r:id="rId3"/>
-                        </a:rPr>
-                        <a:t>nullsFirst()</a:t>
-                      </a:r>
-                      <a:endParaRPr lang="en-US" sz="1400">
-                        <a:effectLst/>
-                      </a:endParaRPr>
-                    </a:p>
-                  </a:txBody>
-                  <a:tcPr marL="112537" marR="112537" marT="112537" marB="112537" anchor="ctr">
-                    <a:lnL w="9525" cap="flat" cmpd="sng" algn="ctr">
-                      <a:solidFill>
-                        <a:srgbClr val="CCCCCC"/>
-                      </a:solidFill>
-                      <a:prstDash val="solid"/>
-                      <a:round/>
-                      <a:headEnd type="none" w="med" len="med"/>
-                      <a:tailEnd type="none" w="med" len="med"/>
-                    </a:lnL>
-                    <a:lnR w="9525" cap="flat" cmpd="sng" algn="ctr">
-                      <a:solidFill>
-                        <a:srgbClr val="CCCCCC"/>
-                      </a:solidFill>
-                      <a:prstDash val="solid"/>
-                      <a:round/>
-                      <a:headEnd type="none" w="med" len="med"/>
-                      <a:tailEnd type="none" w="med" len="med"/>
-                    </a:lnR>
-                    <a:lnT w="9525" cap="flat" cmpd="sng" algn="ctr">
-                      <a:solidFill>
-                        <a:srgbClr val="CCCCCC"/>
-                      </a:solidFill>
-                      <a:prstDash val="solid"/>
-                      <a:round/>
-                      <a:headEnd type="none" w="med" len="med"/>
-                      <a:tailEnd type="none" w="med" len="med"/>
-                    </a:lnT>
-                    <a:lnB w="9525" cap="flat" cmpd="sng" algn="ctr">
-                      <a:solidFill>
-                        <a:srgbClr val="CCCCCC"/>
-                      </a:solidFill>
-                      <a:prstDash val="solid"/>
-                      <a:round/>
-                      <a:headEnd type="none" w="med" len="med"/>
-                      <a:tailEnd type="none" w="med" len="med"/>
-                    </a:lnB>
-                  </a:tcPr>
-                </a:tc>
-                <a:tc>
-                  <a:txBody>
-                    <a:bodyPr/>
-                    <a:lstStyle/>
-                    <a:p>
-                      <a:r>
-                        <a:rPr lang="zh-CN" altLang="en-US" sz="1400">
-                          <a:effectLst/>
-                        </a:rPr>
-                        <a:t>使用当前排序器，但额外把</a:t>
-                      </a:r>
-                      <a:r>
-                        <a:rPr lang="en-US" altLang="zh-CN" sz="1400">
-                          <a:effectLst/>
-                        </a:rPr>
-                        <a:t>null</a:t>
-                      </a:r>
-                      <a:r>
-                        <a:rPr lang="zh-CN" altLang="en-US" sz="1400">
-                          <a:effectLst/>
-                        </a:rPr>
-                        <a:t>值排到最前面。</a:t>
-                      </a:r>
-                    </a:p>
-                  </a:txBody>
-                  <a:tcPr marL="112537" marR="112537" marT="112537" marB="112537" anchor="ctr">
-                    <a:lnL w="9525" cap="flat" cmpd="sng" algn="ctr">
-                      <a:solidFill>
-                        <a:srgbClr val="CCCCCC"/>
-                      </a:solidFill>
-                      <a:prstDash val="solid"/>
-                      <a:round/>
-                      <a:headEnd type="none" w="med" len="med"/>
-                      <a:tailEnd type="none" w="med" len="med"/>
-                    </a:lnL>
-                    <a:lnR w="9525" cap="flat" cmpd="sng" algn="ctr">
-                      <a:solidFill>
-                        <a:srgbClr val="CCCCCC"/>
-                      </a:solidFill>
-                      <a:prstDash val="solid"/>
-                      <a:round/>
-                      <a:headEnd type="none" w="med" len="med"/>
-                      <a:tailEnd type="none" w="med" len="med"/>
-                    </a:lnR>
-                    <a:lnT w="9525" cap="flat" cmpd="sng" algn="ctr">
-                      <a:solidFill>
-                        <a:srgbClr val="CCCCCC"/>
-                      </a:solidFill>
-                      <a:prstDash val="solid"/>
-                      <a:round/>
-                      <a:headEnd type="none" w="med" len="med"/>
-                      <a:tailEnd type="none" w="med" len="med"/>
-                    </a:lnT>
-                    <a:lnB w="9525" cap="flat" cmpd="sng" algn="ctr">
-                      <a:solidFill>
-                        <a:srgbClr val="CCCCCC"/>
-                      </a:solidFill>
-                      <a:prstDash val="solid"/>
-                      <a:round/>
-                      <a:headEnd type="none" w="med" len="med"/>
-                      <a:tailEnd type="none" w="med" len="med"/>
-                    </a:lnB>
-                  </a:tcPr>
-                </a:tc>
-                <a:extLst>
-                  <a:ext uri="{0D108BD9-81ED-4DB2-BD59-A6C34878D82A}">
-                    <a16:rowId xmlns:a16="http://schemas.microsoft.com/office/drawing/2014/main" xmlns="" val="1178024355"/>
-                  </a:ext>
-                </a:extLst>
-              </a:tr>
-              <a:tr h="441144">
-                <a:tc>
-                  <a:txBody>
-                    <a:bodyPr/>
-                    <a:lstStyle/>
-                    <a:p>
-                      <a:r>
-                        <a:rPr lang="en-US" sz="1400" u="sng">
-                          <a:solidFill>
-                            <a:srgbClr val="00A19E"/>
-                          </a:solidFill>
-                          <a:effectLst/>
-                          <a:hlinkClick r:id="rId4"/>
-                        </a:rPr>
-                        <a:t>nullsLast()</a:t>
-                      </a:r>
-                      <a:endParaRPr lang="en-US" sz="1400">
-                        <a:effectLst/>
-                      </a:endParaRPr>
-                    </a:p>
-                  </a:txBody>
-                  <a:tcPr marL="112537" marR="112537" marT="112537" marB="112537" anchor="ctr">
-                    <a:lnL w="9525" cap="flat" cmpd="sng" algn="ctr">
-                      <a:solidFill>
-                        <a:srgbClr val="CCCCCC"/>
-                      </a:solidFill>
-                      <a:prstDash val="solid"/>
-                      <a:round/>
-                      <a:headEnd type="none" w="med" len="med"/>
-                      <a:tailEnd type="none" w="med" len="med"/>
-                    </a:lnL>
-                    <a:lnR w="9525" cap="flat" cmpd="sng" algn="ctr">
-                      <a:solidFill>
-                        <a:srgbClr val="CCCCCC"/>
-                      </a:solidFill>
-                      <a:prstDash val="solid"/>
-                      <a:round/>
-                      <a:headEnd type="none" w="med" len="med"/>
-                      <a:tailEnd type="none" w="med" len="med"/>
-                    </a:lnR>
-                    <a:lnT w="9525" cap="flat" cmpd="sng" algn="ctr">
-                      <a:solidFill>
-                        <a:srgbClr val="CCCCCC"/>
-                      </a:solidFill>
-                      <a:prstDash val="solid"/>
-                      <a:round/>
-                      <a:headEnd type="none" w="med" len="med"/>
-                      <a:tailEnd type="none" w="med" len="med"/>
-                    </a:lnT>
-                    <a:lnB w="9525" cap="flat" cmpd="sng" algn="ctr">
-                      <a:solidFill>
-                        <a:srgbClr val="CCCCCC"/>
-                      </a:solidFill>
-                      <a:prstDash val="solid"/>
-                      <a:round/>
-                      <a:headEnd type="none" w="med" len="med"/>
-                      <a:tailEnd type="none" w="med" len="med"/>
-                    </a:lnB>
-                  </a:tcPr>
-                </a:tc>
-                <a:tc>
-                  <a:txBody>
-                    <a:bodyPr/>
-                    <a:lstStyle/>
-                    <a:p>
-                      <a:r>
-                        <a:rPr lang="zh-CN" altLang="en-US" sz="1400">
-                          <a:effectLst/>
-                        </a:rPr>
-                        <a:t>使用当前排序器，但额外把</a:t>
-                      </a:r>
-                      <a:r>
-                        <a:rPr lang="en-US" altLang="zh-CN" sz="1400">
-                          <a:effectLst/>
-                        </a:rPr>
-                        <a:t>null</a:t>
-                      </a:r>
-                      <a:r>
-                        <a:rPr lang="zh-CN" altLang="en-US" sz="1400">
-                          <a:effectLst/>
-                        </a:rPr>
-                        <a:t>值排到最后面。</a:t>
-                      </a:r>
-                    </a:p>
-                  </a:txBody>
-                  <a:tcPr marL="112537" marR="112537" marT="112537" marB="112537" anchor="ctr">
-                    <a:lnL w="9525" cap="flat" cmpd="sng" algn="ctr">
-                      <a:solidFill>
-                        <a:srgbClr val="CCCCCC"/>
-                      </a:solidFill>
-                      <a:prstDash val="solid"/>
-                      <a:round/>
-                      <a:headEnd type="none" w="med" len="med"/>
-                      <a:tailEnd type="none" w="med" len="med"/>
-                    </a:lnL>
-                    <a:lnR w="9525" cap="flat" cmpd="sng" algn="ctr">
-                      <a:solidFill>
-                        <a:srgbClr val="CCCCCC"/>
-                      </a:solidFill>
-                      <a:prstDash val="solid"/>
-                      <a:round/>
-                      <a:headEnd type="none" w="med" len="med"/>
-                      <a:tailEnd type="none" w="med" len="med"/>
-                    </a:lnR>
-                    <a:lnT w="9525" cap="flat" cmpd="sng" algn="ctr">
-                      <a:solidFill>
-                        <a:srgbClr val="CCCCCC"/>
-                      </a:solidFill>
-                      <a:prstDash val="solid"/>
-                      <a:round/>
-                      <a:headEnd type="none" w="med" len="med"/>
-                      <a:tailEnd type="none" w="med" len="med"/>
-                    </a:lnT>
-                    <a:lnB w="9525" cap="flat" cmpd="sng" algn="ctr">
-                      <a:solidFill>
-                        <a:srgbClr val="CCCCCC"/>
-                      </a:solidFill>
-                      <a:prstDash val="solid"/>
-                      <a:round/>
-                      <a:headEnd type="none" w="med" len="med"/>
-                      <a:tailEnd type="none" w="med" len="med"/>
-                    </a:lnB>
-                  </a:tcPr>
-                </a:tc>
-                <a:extLst>
-                  <a:ext uri="{0D108BD9-81ED-4DB2-BD59-A6C34878D82A}">
-                    <a16:rowId xmlns:a16="http://schemas.microsoft.com/office/drawing/2014/main" xmlns="" val="3501301743"/>
-                  </a:ext>
-                </a:extLst>
-              </a:tr>
-              <a:tr h="441144">
-                <a:tc>
-                  <a:txBody>
-                    <a:bodyPr/>
-                    <a:lstStyle/>
-                    <a:p>
-                      <a:r>
-                        <a:rPr lang="en-US" sz="1400" u="sng" dirty="0">
-                          <a:solidFill>
-                            <a:srgbClr val="00A19E"/>
-                          </a:solidFill>
-                          <a:effectLst/>
-                          <a:hlinkClick r:id="rId5"/>
-                        </a:rPr>
-                        <a:t>compound(Comparator)</a:t>
-                      </a:r>
-                      <a:endParaRPr lang="en-US" sz="1400" dirty="0">
-                        <a:effectLst/>
-                      </a:endParaRPr>
-                    </a:p>
-                  </a:txBody>
-                  <a:tcPr marL="112537" marR="112537" marT="112537" marB="112537" anchor="ctr">
-                    <a:lnL w="9525" cap="flat" cmpd="sng" algn="ctr">
-                      <a:solidFill>
-                        <a:srgbClr val="CCCCCC"/>
-                      </a:solidFill>
-                      <a:prstDash val="solid"/>
-                      <a:round/>
-                      <a:headEnd type="none" w="med" len="med"/>
-                      <a:tailEnd type="none" w="med" len="med"/>
-                    </a:lnL>
-                    <a:lnR w="9525" cap="flat" cmpd="sng" algn="ctr">
-                      <a:solidFill>
-                        <a:srgbClr val="CCCCCC"/>
-                      </a:solidFill>
-                      <a:prstDash val="solid"/>
-                      <a:round/>
-                      <a:headEnd type="none" w="med" len="med"/>
-                      <a:tailEnd type="none" w="med" len="med"/>
-                    </a:lnR>
-                    <a:lnT w="9525" cap="flat" cmpd="sng" algn="ctr">
-                      <a:solidFill>
-                        <a:srgbClr val="CCCCCC"/>
-                      </a:solidFill>
-                      <a:prstDash val="solid"/>
-                      <a:round/>
-                      <a:headEnd type="none" w="med" len="med"/>
-                      <a:tailEnd type="none" w="med" len="med"/>
-                    </a:lnT>
-                    <a:lnB w="9525" cap="flat" cmpd="sng" algn="ctr">
-                      <a:solidFill>
-                        <a:srgbClr val="CCCCCC"/>
-                      </a:solidFill>
-                      <a:prstDash val="solid"/>
-                      <a:round/>
-                      <a:headEnd type="none" w="med" len="med"/>
-                      <a:tailEnd type="none" w="med" len="med"/>
-                    </a:lnB>
-                  </a:tcPr>
-                </a:tc>
-                <a:tc>
-                  <a:txBody>
-                    <a:bodyPr/>
-                    <a:lstStyle/>
-                    <a:p>
-                      <a:r>
-                        <a:rPr lang="zh-CN" altLang="en-US" sz="1400">
-                          <a:effectLst/>
-                        </a:rPr>
-                        <a:t>合成另一个比较器，以处理当前排序器中的相等情况。</a:t>
-                      </a:r>
-                    </a:p>
-                  </a:txBody>
-                  <a:tcPr marL="112537" marR="112537" marT="112537" marB="112537" anchor="ctr">
-                    <a:lnL w="9525" cap="flat" cmpd="sng" algn="ctr">
-                      <a:solidFill>
-                        <a:srgbClr val="CCCCCC"/>
-                      </a:solidFill>
-                      <a:prstDash val="solid"/>
-                      <a:round/>
-                      <a:headEnd type="none" w="med" len="med"/>
-                      <a:tailEnd type="none" w="med" len="med"/>
-                    </a:lnL>
-                    <a:lnR w="9525" cap="flat" cmpd="sng" algn="ctr">
-                      <a:solidFill>
-                        <a:srgbClr val="CCCCCC"/>
-                      </a:solidFill>
-                      <a:prstDash val="solid"/>
-                      <a:round/>
-                      <a:headEnd type="none" w="med" len="med"/>
-                      <a:tailEnd type="none" w="med" len="med"/>
-                    </a:lnR>
-                    <a:lnT w="9525" cap="flat" cmpd="sng" algn="ctr">
-                      <a:solidFill>
-                        <a:srgbClr val="CCCCCC"/>
-                      </a:solidFill>
-                      <a:prstDash val="solid"/>
-                      <a:round/>
-                      <a:headEnd type="none" w="med" len="med"/>
-                      <a:tailEnd type="none" w="med" len="med"/>
-                    </a:lnT>
-                    <a:lnB w="9525" cap="flat" cmpd="sng" algn="ctr">
-                      <a:solidFill>
-                        <a:srgbClr val="CCCCCC"/>
-                      </a:solidFill>
-                      <a:prstDash val="solid"/>
-                      <a:round/>
-                      <a:headEnd type="none" w="med" len="med"/>
-                      <a:tailEnd type="none" w="med" len="med"/>
-                    </a:lnB>
-                  </a:tcPr>
-                </a:tc>
-                <a:extLst>
-                  <a:ext uri="{0D108BD9-81ED-4DB2-BD59-A6C34878D82A}">
-                    <a16:rowId xmlns:a16="http://schemas.microsoft.com/office/drawing/2014/main" xmlns="" val="136001188"/>
-                  </a:ext>
-                </a:extLst>
-              </a:tr>
-              <a:tr h="657215">
-                <a:tc>
-                  <a:txBody>
-                    <a:bodyPr/>
-                    <a:lstStyle/>
-                    <a:p>
-                      <a:r>
-                        <a:rPr lang="en-US" sz="1400" u="sng" dirty="0" err="1">
-                          <a:solidFill>
-                            <a:srgbClr val="00A19E"/>
-                          </a:solidFill>
-                          <a:effectLst/>
-                          <a:hlinkClick r:id="rId6"/>
-                        </a:rPr>
-                        <a:t>onResultOf</a:t>
-                      </a:r>
-                      <a:r>
-                        <a:rPr lang="en-US" sz="1400" u="sng" dirty="0">
-                          <a:solidFill>
-                            <a:srgbClr val="00A19E"/>
-                          </a:solidFill>
-                          <a:effectLst/>
-                          <a:hlinkClick r:id="rId6"/>
-                        </a:rPr>
-                        <a:t>(Function)</a:t>
-                      </a:r>
-                      <a:endParaRPr lang="en-US" sz="1400" dirty="0">
-                        <a:effectLst/>
-                      </a:endParaRPr>
-                    </a:p>
-                  </a:txBody>
-                  <a:tcPr marL="112537" marR="112537" marT="112537" marB="112537" anchor="ctr">
-                    <a:lnL w="9525" cap="flat" cmpd="sng" algn="ctr">
-                      <a:solidFill>
-                        <a:srgbClr val="CCCCCC"/>
-                      </a:solidFill>
-                      <a:prstDash val="solid"/>
-                      <a:round/>
-                      <a:headEnd type="none" w="med" len="med"/>
-                      <a:tailEnd type="none" w="med" len="med"/>
-                    </a:lnL>
-                    <a:lnR w="9525" cap="flat" cmpd="sng" algn="ctr">
-                      <a:solidFill>
-                        <a:srgbClr val="CCCCCC"/>
-                      </a:solidFill>
-                      <a:prstDash val="solid"/>
-                      <a:round/>
-                      <a:headEnd type="none" w="med" len="med"/>
-                      <a:tailEnd type="none" w="med" len="med"/>
-                    </a:lnR>
-                    <a:lnT w="9525" cap="flat" cmpd="sng" algn="ctr">
-                      <a:solidFill>
-                        <a:srgbClr val="CCCCCC"/>
-                      </a:solidFill>
-                      <a:prstDash val="solid"/>
-                      <a:round/>
-                      <a:headEnd type="none" w="med" len="med"/>
-                      <a:tailEnd type="none" w="med" len="med"/>
-                    </a:lnT>
-                    <a:lnB w="9525" cap="flat" cmpd="sng" algn="ctr">
-                      <a:solidFill>
-                        <a:srgbClr val="CCCCCC"/>
-                      </a:solidFill>
-                      <a:prstDash val="solid"/>
-                      <a:round/>
-                      <a:headEnd type="none" w="med" len="med"/>
-                      <a:tailEnd type="none" w="med" len="med"/>
-                    </a:lnB>
-                  </a:tcPr>
-                </a:tc>
-                <a:tc>
-                  <a:txBody>
-                    <a:bodyPr/>
-                    <a:lstStyle/>
-                    <a:p>
-                      <a:r>
-                        <a:rPr lang="zh-CN" altLang="en-US" sz="1400" dirty="0">
-                          <a:effectLst/>
-                        </a:rPr>
-                        <a:t>对集合中元素调用</a:t>
-                      </a:r>
-                      <a:r>
-                        <a:rPr lang="en-US" sz="1400" dirty="0">
-                          <a:effectLst/>
-                        </a:rPr>
-                        <a:t>Function，</a:t>
-                      </a:r>
-                      <a:r>
-                        <a:rPr lang="zh-CN" altLang="en-US" sz="1400" dirty="0">
-                          <a:effectLst/>
-                        </a:rPr>
-                        <a:t>再按返回值用当前排序器排序。</a:t>
-                      </a:r>
-                    </a:p>
-                  </a:txBody>
-                  <a:tcPr marL="112537" marR="112537" marT="112537" marB="112537" anchor="ctr">
-                    <a:lnL w="9525" cap="flat" cmpd="sng" algn="ctr">
-                      <a:solidFill>
-                        <a:srgbClr val="CCCCCC"/>
-                      </a:solidFill>
-                      <a:prstDash val="solid"/>
-                      <a:round/>
-                      <a:headEnd type="none" w="med" len="med"/>
-                      <a:tailEnd type="none" w="med" len="med"/>
-                    </a:lnL>
-                    <a:lnR w="9525" cap="flat" cmpd="sng" algn="ctr">
-                      <a:solidFill>
-                        <a:srgbClr val="CCCCCC"/>
-                      </a:solidFill>
-                      <a:prstDash val="solid"/>
-                      <a:round/>
-                      <a:headEnd type="none" w="med" len="med"/>
-                      <a:tailEnd type="none" w="med" len="med"/>
-                    </a:lnR>
-                    <a:lnT w="9525" cap="flat" cmpd="sng" algn="ctr">
-                      <a:solidFill>
-                        <a:srgbClr val="CCCCCC"/>
-                      </a:solidFill>
-                      <a:prstDash val="solid"/>
-                      <a:round/>
-                      <a:headEnd type="none" w="med" len="med"/>
-                      <a:tailEnd type="none" w="med" len="med"/>
-                    </a:lnT>
-                    <a:lnB w="9525" cap="flat" cmpd="sng" algn="ctr">
-                      <a:solidFill>
-                        <a:srgbClr val="CCCCCC"/>
-                      </a:solidFill>
-                      <a:prstDash val="solid"/>
-                      <a:round/>
-                      <a:headEnd type="none" w="med" len="med"/>
-                      <a:tailEnd type="none" w="med" len="med"/>
-                    </a:lnB>
-                  </a:tcPr>
-                </a:tc>
-                <a:extLst>
-                  <a:ext uri="{0D108BD9-81ED-4DB2-BD59-A6C34878D82A}">
-                    <a16:rowId xmlns:a16="http://schemas.microsoft.com/office/drawing/2014/main" xmlns="" val="1989949116"/>
-                  </a:ext>
-                </a:extLst>
-              </a:tr>
-            </a:tbl>
-          </a:graphicData>
-        </a:graphic>
-      </p:graphicFrame>
     </p:spTree>
     <p:extLst>
       <p:ext uri="{BB962C8B-B14F-4D97-AF65-F5344CB8AC3E}">
-        <p14:creationId xmlns:p14="http://schemas.microsoft.com/office/powerpoint/2010/main" val="3791510910"/>
+        <p14:creationId xmlns:p14="http://schemas.microsoft.com/office/powerpoint/2010/main" val="1808424841"/>
       </p:ext>
     </p:extLst>
   </p:cSld>
@@ -9706,34 +8993,841 @@
           </a:p>
         </p:txBody>
       </p:sp>
-      <p:pic>
-        <p:nvPicPr>
-          <p:cNvPr id="2" name="图片 1"/>
-          <p:cNvPicPr>
-            <a:picLocks noChangeAspect="1"/>
-          </p:cNvPicPr>
+      <p:sp>
+        <p:nvSpPr>
+          <p:cNvPr id="5" name="TextBox 2"/>
+          <p:cNvSpPr txBox="1"/>
           <p:nvPr/>
-        </p:nvPicPr>
-        <p:blipFill>
-          <a:blip r:embed="rId2"/>
-          <a:stretch>
-            <a:fillRect/>
-          </a:stretch>
-        </p:blipFill>
-        <p:spPr>
+        </p:nvSpPr>
+        <p:spPr bwMode="auto">
           <a:xfrm>
-            <a:off x="2667000" y="951391"/>
-            <a:ext cx="6011026" cy="5198306"/>
+            <a:off x="780102" y="1801868"/>
+            <a:ext cx="7028584" cy="646331"/>
           </a:xfrm>
           <a:prstGeom prst="rect">
             <a:avLst/>
           </a:prstGeom>
+          <a:noFill/>
+          <a:ln w="9525">
+            <a:noFill/>
+            <a:miter lim="800000"/>
+            <a:headEnd/>
+            <a:tailEnd/>
+          </a:ln>
         </p:spPr>
-      </p:pic>
+        <p:txBody>
+          <a:bodyPr wrap="square" rtlCol="0">
+            <a:spAutoFit/>
+          </a:bodyPr>
+          <a:lstStyle/>
+          <a:p>
+            <a:r>
+              <a:rPr lang="zh-CN" altLang="en-US" b="1" dirty="0"/>
+              <a:t>链式调用方法：通过链式调用，可以由给定的排序器衍生出其它排序器</a:t>
+            </a:r>
+            <a:endParaRPr lang="en-US" altLang="zh-CN" dirty="0"/>
+          </a:p>
+        </p:txBody>
+      </p:sp>
+      <p:graphicFrame>
+        <p:nvGraphicFramePr>
+          <p:cNvPr id="4" name="Table 3"/>
+          <p:cNvGraphicFramePr>
+            <a:graphicFrameLocks noGrp="1"/>
+          </p:cNvGraphicFramePr>
+          <p:nvPr>
+            <p:extLst>
+              <p:ext uri="{D42A27DB-BD31-4B8C-83A1-F6EECF244321}">
+                <p14:modId xmlns:p14="http://schemas.microsoft.com/office/powerpoint/2010/main" val="957938832"/>
+              </p:ext>
+            </p:extLst>
+          </p:nvPr>
+        </p:nvGraphicFramePr>
+        <p:xfrm>
+          <a:off x="457200" y="2667000"/>
+          <a:ext cx="8267700" cy="2862935"/>
+        </p:xfrm>
+        <a:graphic>
+          <a:graphicData uri="http://schemas.openxmlformats.org/drawingml/2006/table">
+            <a:tbl>
+              <a:tblPr/>
+              <a:tblGrid>
+                <a:gridCol w="2662253">
+                  <a:extLst>
+                    <a:ext uri="{9D8B030D-6E8A-4147-A177-3AD203B41FA5}">
+                      <a16:colId xmlns="" xmlns:a16="http://schemas.microsoft.com/office/drawing/2014/main" val="331462742"/>
+                    </a:ext>
+                  </a:extLst>
+                </a:gridCol>
+                <a:gridCol w="5605447">
+                  <a:extLst>
+                    <a:ext uri="{9D8B030D-6E8A-4147-A177-3AD203B41FA5}">
+                      <a16:colId xmlns="" xmlns:a16="http://schemas.microsoft.com/office/drawing/2014/main" val="1270116112"/>
+                    </a:ext>
+                  </a:extLst>
+                </a:gridCol>
+              </a:tblGrid>
+              <a:tr h="441144">
+                <a:tc>
+                  <a:txBody>
+                    <a:bodyPr/>
+                    <a:lstStyle/>
+                    <a:p>
+                      <a:r>
+                        <a:rPr lang="zh-CN" altLang="en-US" sz="1400" b="1" dirty="0">
+                          <a:effectLst/>
+                        </a:rPr>
+                        <a:t>方法</a:t>
+                      </a:r>
+                      <a:endParaRPr lang="zh-CN" altLang="en-US" sz="1400" dirty="0">
+                        <a:effectLst/>
+                      </a:endParaRPr>
+                    </a:p>
+                  </a:txBody>
+                  <a:tcPr marL="112537" marR="112537" marT="112537" marB="112537" anchor="ctr">
+                    <a:lnL w="9525" cap="flat" cmpd="sng" algn="ctr">
+                      <a:solidFill>
+                        <a:srgbClr val="CCCCCC"/>
+                      </a:solidFill>
+                      <a:prstDash val="solid"/>
+                      <a:round/>
+                      <a:headEnd type="none" w="med" len="med"/>
+                      <a:tailEnd type="none" w="med" len="med"/>
+                    </a:lnL>
+                    <a:lnR w="9525" cap="flat" cmpd="sng" algn="ctr">
+                      <a:solidFill>
+                        <a:srgbClr val="CCCCCC"/>
+                      </a:solidFill>
+                      <a:prstDash val="solid"/>
+                      <a:round/>
+                      <a:headEnd type="none" w="med" len="med"/>
+                      <a:tailEnd type="none" w="med" len="med"/>
+                    </a:lnR>
+                    <a:lnT w="9525" cap="flat" cmpd="sng" algn="ctr">
+                      <a:solidFill>
+                        <a:srgbClr val="CCCCCC"/>
+                      </a:solidFill>
+                      <a:prstDash val="solid"/>
+                      <a:round/>
+                      <a:headEnd type="none" w="med" len="med"/>
+                      <a:tailEnd type="none" w="med" len="med"/>
+                    </a:lnT>
+                    <a:lnB w="9525" cap="flat" cmpd="sng" algn="ctr">
+                      <a:solidFill>
+                        <a:srgbClr val="CCCCCC"/>
+                      </a:solidFill>
+                      <a:prstDash val="solid"/>
+                      <a:round/>
+                      <a:headEnd type="none" w="med" len="med"/>
+                      <a:tailEnd type="none" w="med" len="med"/>
+                    </a:lnB>
+                  </a:tcPr>
+                </a:tc>
+                <a:tc>
+                  <a:txBody>
+                    <a:bodyPr/>
+                    <a:lstStyle/>
+                    <a:p>
+                      <a:r>
+                        <a:rPr lang="zh-CN" altLang="en-US" sz="1400" b="1">
+                          <a:effectLst/>
+                        </a:rPr>
+                        <a:t>描述</a:t>
+                      </a:r>
+                      <a:endParaRPr lang="zh-CN" altLang="en-US" sz="1400">
+                        <a:effectLst/>
+                      </a:endParaRPr>
+                    </a:p>
+                  </a:txBody>
+                  <a:tcPr marL="112537" marR="112537" marT="112537" marB="112537" anchor="ctr">
+                    <a:lnL w="9525" cap="flat" cmpd="sng" algn="ctr">
+                      <a:solidFill>
+                        <a:srgbClr val="CCCCCC"/>
+                      </a:solidFill>
+                      <a:prstDash val="solid"/>
+                      <a:round/>
+                      <a:headEnd type="none" w="med" len="med"/>
+                      <a:tailEnd type="none" w="med" len="med"/>
+                    </a:lnL>
+                    <a:lnR w="9525" cap="flat" cmpd="sng" algn="ctr">
+                      <a:solidFill>
+                        <a:srgbClr val="CCCCCC"/>
+                      </a:solidFill>
+                      <a:prstDash val="solid"/>
+                      <a:round/>
+                      <a:headEnd type="none" w="med" len="med"/>
+                      <a:tailEnd type="none" w="med" len="med"/>
+                    </a:lnR>
+                    <a:lnT w="9525" cap="flat" cmpd="sng" algn="ctr">
+                      <a:solidFill>
+                        <a:srgbClr val="CCCCCC"/>
+                      </a:solidFill>
+                      <a:prstDash val="solid"/>
+                      <a:round/>
+                      <a:headEnd type="none" w="med" len="med"/>
+                      <a:tailEnd type="none" w="med" len="med"/>
+                    </a:lnT>
+                    <a:lnB w="9525" cap="flat" cmpd="sng" algn="ctr">
+                      <a:solidFill>
+                        <a:srgbClr val="CCCCCC"/>
+                      </a:solidFill>
+                      <a:prstDash val="solid"/>
+                      <a:round/>
+                      <a:headEnd type="none" w="med" len="med"/>
+                      <a:tailEnd type="none" w="med" len="med"/>
+                    </a:lnB>
+                  </a:tcPr>
+                </a:tc>
+                <a:extLst>
+                  <a:ext uri="{0D108BD9-81ED-4DB2-BD59-A6C34878D82A}">
+                    <a16:rowId xmlns="" xmlns:a16="http://schemas.microsoft.com/office/drawing/2014/main" val="2753159519"/>
+                  </a:ext>
+                </a:extLst>
+              </a:tr>
+              <a:tr h="441144">
+                <a:tc>
+                  <a:txBody>
+                    <a:bodyPr/>
+                    <a:lstStyle/>
+                    <a:p>
+                      <a:r>
+                        <a:rPr lang="en-US" sz="1400" u="sng">
+                          <a:solidFill>
+                            <a:srgbClr val="00A19E"/>
+                          </a:solidFill>
+                          <a:effectLst/>
+                          <a:hlinkClick r:id="rId2"/>
+                        </a:rPr>
+                        <a:t>reverse()</a:t>
+                      </a:r>
+                      <a:endParaRPr lang="en-US" sz="1400">
+                        <a:effectLst/>
+                      </a:endParaRPr>
+                    </a:p>
+                  </a:txBody>
+                  <a:tcPr marL="112537" marR="112537" marT="112537" marB="112537" anchor="ctr">
+                    <a:lnL w="9525" cap="flat" cmpd="sng" algn="ctr">
+                      <a:solidFill>
+                        <a:srgbClr val="CCCCCC"/>
+                      </a:solidFill>
+                      <a:prstDash val="solid"/>
+                      <a:round/>
+                      <a:headEnd type="none" w="med" len="med"/>
+                      <a:tailEnd type="none" w="med" len="med"/>
+                    </a:lnL>
+                    <a:lnR w="9525" cap="flat" cmpd="sng" algn="ctr">
+                      <a:solidFill>
+                        <a:srgbClr val="CCCCCC"/>
+                      </a:solidFill>
+                      <a:prstDash val="solid"/>
+                      <a:round/>
+                      <a:headEnd type="none" w="med" len="med"/>
+                      <a:tailEnd type="none" w="med" len="med"/>
+                    </a:lnR>
+                    <a:lnT w="9525" cap="flat" cmpd="sng" algn="ctr">
+                      <a:solidFill>
+                        <a:srgbClr val="CCCCCC"/>
+                      </a:solidFill>
+                      <a:prstDash val="solid"/>
+                      <a:round/>
+                      <a:headEnd type="none" w="med" len="med"/>
+                      <a:tailEnd type="none" w="med" len="med"/>
+                    </a:lnT>
+                    <a:lnB w="9525" cap="flat" cmpd="sng" algn="ctr">
+                      <a:solidFill>
+                        <a:srgbClr val="CCCCCC"/>
+                      </a:solidFill>
+                      <a:prstDash val="solid"/>
+                      <a:round/>
+                      <a:headEnd type="none" w="med" len="med"/>
+                      <a:tailEnd type="none" w="med" len="med"/>
+                    </a:lnB>
+                  </a:tcPr>
+                </a:tc>
+                <a:tc>
+                  <a:txBody>
+                    <a:bodyPr/>
+                    <a:lstStyle/>
+                    <a:p>
+                      <a:r>
+                        <a:rPr lang="zh-CN" altLang="en-US" sz="1400">
+                          <a:effectLst/>
+                        </a:rPr>
+                        <a:t>获取语义相反的排序器</a:t>
+                      </a:r>
+                    </a:p>
+                  </a:txBody>
+                  <a:tcPr marL="112537" marR="112537" marT="112537" marB="112537" anchor="ctr">
+                    <a:lnL w="9525" cap="flat" cmpd="sng" algn="ctr">
+                      <a:solidFill>
+                        <a:srgbClr val="CCCCCC"/>
+                      </a:solidFill>
+                      <a:prstDash val="solid"/>
+                      <a:round/>
+                      <a:headEnd type="none" w="med" len="med"/>
+                      <a:tailEnd type="none" w="med" len="med"/>
+                    </a:lnL>
+                    <a:lnR w="9525" cap="flat" cmpd="sng" algn="ctr">
+                      <a:solidFill>
+                        <a:srgbClr val="CCCCCC"/>
+                      </a:solidFill>
+                      <a:prstDash val="solid"/>
+                      <a:round/>
+                      <a:headEnd type="none" w="med" len="med"/>
+                      <a:tailEnd type="none" w="med" len="med"/>
+                    </a:lnR>
+                    <a:lnT w="9525" cap="flat" cmpd="sng" algn="ctr">
+                      <a:solidFill>
+                        <a:srgbClr val="CCCCCC"/>
+                      </a:solidFill>
+                      <a:prstDash val="solid"/>
+                      <a:round/>
+                      <a:headEnd type="none" w="med" len="med"/>
+                      <a:tailEnd type="none" w="med" len="med"/>
+                    </a:lnT>
+                    <a:lnB w="9525" cap="flat" cmpd="sng" algn="ctr">
+                      <a:solidFill>
+                        <a:srgbClr val="CCCCCC"/>
+                      </a:solidFill>
+                      <a:prstDash val="solid"/>
+                      <a:round/>
+                      <a:headEnd type="none" w="med" len="med"/>
+                      <a:tailEnd type="none" w="med" len="med"/>
+                    </a:lnB>
+                  </a:tcPr>
+                </a:tc>
+                <a:extLst>
+                  <a:ext uri="{0D108BD9-81ED-4DB2-BD59-A6C34878D82A}">
+                    <a16:rowId xmlns="" xmlns:a16="http://schemas.microsoft.com/office/drawing/2014/main" val="3440811622"/>
+                  </a:ext>
+                </a:extLst>
+              </a:tr>
+              <a:tr h="441144">
+                <a:tc>
+                  <a:txBody>
+                    <a:bodyPr/>
+                    <a:lstStyle/>
+                    <a:p>
+                      <a:r>
+                        <a:rPr lang="en-US" sz="1400" u="sng">
+                          <a:solidFill>
+                            <a:srgbClr val="00A19E"/>
+                          </a:solidFill>
+                          <a:effectLst/>
+                          <a:hlinkClick r:id="rId3"/>
+                        </a:rPr>
+                        <a:t>nullsFirst()</a:t>
+                      </a:r>
+                      <a:endParaRPr lang="en-US" sz="1400">
+                        <a:effectLst/>
+                      </a:endParaRPr>
+                    </a:p>
+                  </a:txBody>
+                  <a:tcPr marL="112537" marR="112537" marT="112537" marB="112537" anchor="ctr">
+                    <a:lnL w="9525" cap="flat" cmpd="sng" algn="ctr">
+                      <a:solidFill>
+                        <a:srgbClr val="CCCCCC"/>
+                      </a:solidFill>
+                      <a:prstDash val="solid"/>
+                      <a:round/>
+                      <a:headEnd type="none" w="med" len="med"/>
+                      <a:tailEnd type="none" w="med" len="med"/>
+                    </a:lnL>
+                    <a:lnR w="9525" cap="flat" cmpd="sng" algn="ctr">
+                      <a:solidFill>
+                        <a:srgbClr val="CCCCCC"/>
+                      </a:solidFill>
+                      <a:prstDash val="solid"/>
+                      <a:round/>
+                      <a:headEnd type="none" w="med" len="med"/>
+                      <a:tailEnd type="none" w="med" len="med"/>
+                    </a:lnR>
+                    <a:lnT w="9525" cap="flat" cmpd="sng" algn="ctr">
+                      <a:solidFill>
+                        <a:srgbClr val="CCCCCC"/>
+                      </a:solidFill>
+                      <a:prstDash val="solid"/>
+                      <a:round/>
+                      <a:headEnd type="none" w="med" len="med"/>
+                      <a:tailEnd type="none" w="med" len="med"/>
+                    </a:lnT>
+                    <a:lnB w="9525" cap="flat" cmpd="sng" algn="ctr">
+                      <a:solidFill>
+                        <a:srgbClr val="CCCCCC"/>
+                      </a:solidFill>
+                      <a:prstDash val="solid"/>
+                      <a:round/>
+                      <a:headEnd type="none" w="med" len="med"/>
+                      <a:tailEnd type="none" w="med" len="med"/>
+                    </a:lnB>
+                  </a:tcPr>
+                </a:tc>
+                <a:tc>
+                  <a:txBody>
+                    <a:bodyPr/>
+                    <a:lstStyle/>
+                    <a:p>
+                      <a:r>
+                        <a:rPr lang="zh-CN" altLang="en-US" sz="1400" dirty="0">
+                          <a:effectLst/>
+                        </a:rPr>
+                        <a:t>使用当前排序器，但额外把</a:t>
+                      </a:r>
+                      <a:r>
+                        <a:rPr lang="en-US" altLang="zh-CN" sz="1400" dirty="0">
+                          <a:effectLst/>
+                        </a:rPr>
+                        <a:t>null</a:t>
+                      </a:r>
+                      <a:r>
+                        <a:rPr lang="zh-CN" altLang="en-US" sz="1400" dirty="0">
+                          <a:effectLst/>
+                        </a:rPr>
+                        <a:t>值排到最前面。</a:t>
+                      </a:r>
+                    </a:p>
+                  </a:txBody>
+                  <a:tcPr marL="112537" marR="112537" marT="112537" marB="112537" anchor="ctr">
+                    <a:lnL w="9525" cap="flat" cmpd="sng" algn="ctr">
+                      <a:solidFill>
+                        <a:srgbClr val="CCCCCC"/>
+                      </a:solidFill>
+                      <a:prstDash val="solid"/>
+                      <a:round/>
+                      <a:headEnd type="none" w="med" len="med"/>
+                      <a:tailEnd type="none" w="med" len="med"/>
+                    </a:lnL>
+                    <a:lnR w="9525" cap="flat" cmpd="sng" algn="ctr">
+                      <a:solidFill>
+                        <a:srgbClr val="CCCCCC"/>
+                      </a:solidFill>
+                      <a:prstDash val="solid"/>
+                      <a:round/>
+                      <a:headEnd type="none" w="med" len="med"/>
+                      <a:tailEnd type="none" w="med" len="med"/>
+                    </a:lnR>
+                    <a:lnT w="9525" cap="flat" cmpd="sng" algn="ctr">
+                      <a:solidFill>
+                        <a:srgbClr val="CCCCCC"/>
+                      </a:solidFill>
+                      <a:prstDash val="solid"/>
+                      <a:round/>
+                      <a:headEnd type="none" w="med" len="med"/>
+                      <a:tailEnd type="none" w="med" len="med"/>
+                    </a:lnT>
+                    <a:lnB w="9525" cap="flat" cmpd="sng" algn="ctr">
+                      <a:solidFill>
+                        <a:srgbClr val="CCCCCC"/>
+                      </a:solidFill>
+                      <a:prstDash val="solid"/>
+                      <a:round/>
+                      <a:headEnd type="none" w="med" len="med"/>
+                      <a:tailEnd type="none" w="med" len="med"/>
+                    </a:lnB>
+                  </a:tcPr>
+                </a:tc>
+                <a:extLst>
+                  <a:ext uri="{0D108BD9-81ED-4DB2-BD59-A6C34878D82A}">
+                    <a16:rowId xmlns="" xmlns:a16="http://schemas.microsoft.com/office/drawing/2014/main" val="1178024355"/>
+                  </a:ext>
+                </a:extLst>
+              </a:tr>
+              <a:tr h="441144">
+                <a:tc>
+                  <a:txBody>
+                    <a:bodyPr/>
+                    <a:lstStyle/>
+                    <a:p>
+                      <a:r>
+                        <a:rPr lang="en-US" sz="1400" u="sng">
+                          <a:solidFill>
+                            <a:srgbClr val="00A19E"/>
+                          </a:solidFill>
+                          <a:effectLst/>
+                          <a:hlinkClick r:id="rId4"/>
+                        </a:rPr>
+                        <a:t>nullsLast()</a:t>
+                      </a:r>
+                      <a:endParaRPr lang="en-US" sz="1400">
+                        <a:effectLst/>
+                      </a:endParaRPr>
+                    </a:p>
+                  </a:txBody>
+                  <a:tcPr marL="112537" marR="112537" marT="112537" marB="112537" anchor="ctr">
+                    <a:lnL w="9525" cap="flat" cmpd="sng" algn="ctr">
+                      <a:solidFill>
+                        <a:srgbClr val="CCCCCC"/>
+                      </a:solidFill>
+                      <a:prstDash val="solid"/>
+                      <a:round/>
+                      <a:headEnd type="none" w="med" len="med"/>
+                      <a:tailEnd type="none" w="med" len="med"/>
+                    </a:lnL>
+                    <a:lnR w="9525" cap="flat" cmpd="sng" algn="ctr">
+                      <a:solidFill>
+                        <a:srgbClr val="CCCCCC"/>
+                      </a:solidFill>
+                      <a:prstDash val="solid"/>
+                      <a:round/>
+                      <a:headEnd type="none" w="med" len="med"/>
+                      <a:tailEnd type="none" w="med" len="med"/>
+                    </a:lnR>
+                    <a:lnT w="9525" cap="flat" cmpd="sng" algn="ctr">
+                      <a:solidFill>
+                        <a:srgbClr val="CCCCCC"/>
+                      </a:solidFill>
+                      <a:prstDash val="solid"/>
+                      <a:round/>
+                      <a:headEnd type="none" w="med" len="med"/>
+                      <a:tailEnd type="none" w="med" len="med"/>
+                    </a:lnT>
+                    <a:lnB w="9525" cap="flat" cmpd="sng" algn="ctr">
+                      <a:solidFill>
+                        <a:srgbClr val="CCCCCC"/>
+                      </a:solidFill>
+                      <a:prstDash val="solid"/>
+                      <a:round/>
+                      <a:headEnd type="none" w="med" len="med"/>
+                      <a:tailEnd type="none" w="med" len="med"/>
+                    </a:lnB>
+                  </a:tcPr>
+                </a:tc>
+                <a:tc>
+                  <a:txBody>
+                    <a:bodyPr/>
+                    <a:lstStyle/>
+                    <a:p>
+                      <a:r>
+                        <a:rPr lang="zh-CN" altLang="en-US" sz="1400">
+                          <a:effectLst/>
+                        </a:rPr>
+                        <a:t>使用当前排序器，但额外把</a:t>
+                      </a:r>
+                      <a:r>
+                        <a:rPr lang="en-US" altLang="zh-CN" sz="1400">
+                          <a:effectLst/>
+                        </a:rPr>
+                        <a:t>null</a:t>
+                      </a:r>
+                      <a:r>
+                        <a:rPr lang="zh-CN" altLang="en-US" sz="1400">
+                          <a:effectLst/>
+                        </a:rPr>
+                        <a:t>值排到最后面。</a:t>
+                      </a:r>
+                    </a:p>
+                  </a:txBody>
+                  <a:tcPr marL="112537" marR="112537" marT="112537" marB="112537" anchor="ctr">
+                    <a:lnL w="9525" cap="flat" cmpd="sng" algn="ctr">
+                      <a:solidFill>
+                        <a:srgbClr val="CCCCCC"/>
+                      </a:solidFill>
+                      <a:prstDash val="solid"/>
+                      <a:round/>
+                      <a:headEnd type="none" w="med" len="med"/>
+                      <a:tailEnd type="none" w="med" len="med"/>
+                    </a:lnL>
+                    <a:lnR w="9525" cap="flat" cmpd="sng" algn="ctr">
+                      <a:solidFill>
+                        <a:srgbClr val="CCCCCC"/>
+                      </a:solidFill>
+                      <a:prstDash val="solid"/>
+                      <a:round/>
+                      <a:headEnd type="none" w="med" len="med"/>
+                      <a:tailEnd type="none" w="med" len="med"/>
+                    </a:lnR>
+                    <a:lnT w="9525" cap="flat" cmpd="sng" algn="ctr">
+                      <a:solidFill>
+                        <a:srgbClr val="CCCCCC"/>
+                      </a:solidFill>
+                      <a:prstDash val="solid"/>
+                      <a:round/>
+                      <a:headEnd type="none" w="med" len="med"/>
+                      <a:tailEnd type="none" w="med" len="med"/>
+                    </a:lnT>
+                    <a:lnB w="9525" cap="flat" cmpd="sng" algn="ctr">
+                      <a:solidFill>
+                        <a:srgbClr val="CCCCCC"/>
+                      </a:solidFill>
+                      <a:prstDash val="solid"/>
+                      <a:round/>
+                      <a:headEnd type="none" w="med" len="med"/>
+                      <a:tailEnd type="none" w="med" len="med"/>
+                    </a:lnB>
+                  </a:tcPr>
+                </a:tc>
+                <a:extLst>
+                  <a:ext uri="{0D108BD9-81ED-4DB2-BD59-A6C34878D82A}">
+                    <a16:rowId xmlns="" xmlns:a16="http://schemas.microsoft.com/office/drawing/2014/main" val="3501301743"/>
+                  </a:ext>
+                </a:extLst>
+              </a:tr>
+              <a:tr h="441144">
+                <a:tc>
+                  <a:txBody>
+                    <a:bodyPr/>
+                    <a:lstStyle/>
+                    <a:p>
+                      <a:r>
+                        <a:rPr lang="en-US" sz="1400" u="sng" dirty="0">
+                          <a:solidFill>
+                            <a:srgbClr val="00A19E"/>
+                          </a:solidFill>
+                          <a:effectLst/>
+                          <a:hlinkClick r:id="rId5"/>
+                        </a:rPr>
+                        <a:t>compound(Comparator)</a:t>
+                      </a:r>
+                      <a:endParaRPr lang="en-US" sz="1400" dirty="0">
+                        <a:effectLst/>
+                      </a:endParaRPr>
+                    </a:p>
+                  </a:txBody>
+                  <a:tcPr marL="112537" marR="112537" marT="112537" marB="112537" anchor="ctr">
+                    <a:lnL w="9525" cap="flat" cmpd="sng" algn="ctr">
+                      <a:solidFill>
+                        <a:srgbClr val="CCCCCC"/>
+                      </a:solidFill>
+                      <a:prstDash val="solid"/>
+                      <a:round/>
+                      <a:headEnd type="none" w="med" len="med"/>
+                      <a:tailEnd type="none" w="med" len="med"/>
+                    </a:lnL>
+                    <a:lnR w="9525" cap="flat" cmpd="sng" algn="ctr">
+                      <a:solidFill>
+                        <a:srgbClr val="CCCCCC"/>
+                      </a:solidFill>
+                      <a:prstDash val="solid"/>
+                      <a:round/>
+                      <a:headEnd type="none" w="med" len="med"/>
+                      <a:tailEnd type="none" w="med" len="med"/>
+                    </a:lnR>
+                    <a:lnT w="9525" cap="flat" cmpd="sng" algn="ctr">
+                      <a:solidFill>
+                        <a:srgbClr val="CCCCCC"/>
+                      </a:solidFill>
+                      <a:prstDash val="solid"/>
+                      <a:round/>
+                      <a:headEnd type="none" w="med" len="med"/>
+                      <a:tailEnd type="none" w="med" len="med"/>
+                    </a:lnT>
+                    <a:lnB w="9525" cap="flat" cmpd="sng" algn="ctr">
+                      <a:solidFill>
+                        <a:srgbClr val="CCCCCC"/>
+                      </a:solidFill>
+                      <a:prstDash val="solid"/>
+                      <a:round/>
+                      <a:headEnd type="none" w="med" len="med"/>
+                      <a:tailEnd type="none" w="med" len="med"/>
+                    </a:lnB>
+                  </a:tcPr>
+                </a:tc>
+                <a:tc>
+                  <a:txBody>
+                    <a:bodyPr/>
+                    <a:lstStyle/>
+                    <a:p>
+                      <a:r>
+                        <a:rPr lang="zh-CN" altLang="en-US" sz="1400">
+                          <a:effectLst/>
+                        </a:rPr>
+                        <a:t>合成另一个比较器，以处理当前排序器中的相等情况。</a:t>
+                      </a:r>
+                    </a:p>
+                  </a:txBody>
+                  <a:tcPr marL="112537" marR="112537" marT="112537" marB="112537" anchor="ctr">
+                    <a:lnL w="9525" cap="flat" cmpd="sng" algn="ctr">
+                      <a:solidFill>
+                        <a:srgbClr val="CCCCCC"/>
+                      </a:solidFill>
+                      <a:prstDash val="solid"/>
+                      <a:round/>
+                      <a:headEnd type="none" w="med" len="med"/>
+                      <a:tailEnd type="none" w="med" len="med"/>
+                    </a:lnL>
+                    <a:lnR w="9525" cap="flat" cmpd="sng" algn="ctr">
+                      <a:solidFill>
+                        <a:srgbClr val="CCCCCC"/>
+                      </a:solidFill>
+                      <a:prstDash val="solid"/>
+                      <a:round/>
+                      <a:headEnd type="none" w="med" len="med"/>
+                      <a:tailEnd type="none" w="med" len="med"/>
+                    </a:lnR>
+                    <a:lnT w="9525" cap="flat" cmpd="sng" algn="ctr">
+                      <a:solidFill>
+                        <a:srgbClr val="CCCCCC"/>
+                      </a:solidFill>
+                      <a:prstDash val="solid"/>
+                      <a:round/>
+                      <a:headEnd type="none" w="med" len="med"/>
+                      <a:tailEnd type="none" w="med" len="med"/>
+                    </a:lnT>
+                    <a:lnB w="9525" cap="flat" cmpd="sng" algn="ctr">
+                      <a:solidFill>
+                        <a:srgbClr val="CCCCCC"/>
+                      </a:solidFill>
+                      <a:prstDash val="solid"/>
+                      <a:round/>
+                      <a:headEnd type="none" w="med" len="med"/>
+                      <a:tailEnd type="none" w="med" len="med"/>
+                    </a:lnB>
+                  </a:tcPr>
+                </a:tc>
+                <a:extLst>
+                  <a:ext uri="{0D108BD9-81ED-4DB2-BD59-A6C34878D82A}">
+                    <a16:rowId xmlns="" xmlns:a16="http://schemas.microsoft.com/office/drawing/2014/main" val="136001188"/>
+                  </a:ext>
+                </a:extLst>
+              </a:tr>
+              <a:tr h="657215">
+                <a:tc>
+                  <a:txBody>
+                    <a:bodyPr/>
+                    <a:lstStyle/>
+                    <a:p>
+                      <a:r>
+                        <a:rPr lang="en-US" sz="1400" u="sng" dirty="0" err="1">
+                          <a:solidFill>
+                            <a:srgbClr val="00A19E"/>
+                          </a:solidFill>
+                          <a:effectLst/>
+                          <a:hlinkClick r:id="rId6"/>
+                        </a:rPr>
+                        <a:t>onResultOf</a:t>
+                      </a:r>
+                      <a:r>
+                        <a:rPr lang="en-US" sz="1400" u="sng" dirty="0">
+                          <a:solidFill>
+                            <a:srgbClr val="00A19E"/>
+                          </a:solidFill>
+                          <a:effectLst/>
+                          <a:hlinkClick r:id="rId6"/>
+                        </a:rPr>
+                        <a:t>(Function)</a:t>
+                      </a:r>
+                      <a:endParaRPr lang="en-US" sz="1400" dirty="0">
+                        <a:effectLst/>
+                      </a:endParaRPr>
+                    </a:p>
+                  </a:txBody>
+                  <a:tcPr marL="112537" marR="112537" marT="112537" marB="112537" anchor="ctr">
+                    <a:lnL w="9525" cap="flat" cmpd="sng" algn="ctr">
+                      <a:solidFill>
+                        <a:srgbClr val="CCCCCC"/>
+                      </a:solidFill>
+                      <a:prstDash val="solid"/>
+                      <a:round/>
+                      <a:headEnd type="none" w="med" len="med"/>
+                      <a:tailEnd type="none" w="med" len="med"/>
+                    </a:lnL>
+                    <a:lnR w="9525" cap="flat" cmpd="sng" algn="ctr">
+                      <a:solidFill>
+                        <a:srgbClr val="CCCCCC"/>
+                      </a:solidFill>
+                      <a:prstDash val="solid"/>
+                      <a:round/>
+                      <a:headEnd type="none" w="med" len="med"/>
+                      <a:tailEnd type="none" w="med" len="med"/>
+                    </a:lnR>
+                    <a:lnT w="9525" cap="flat" cmpd="sng" algn="ctr">
+                      <a:solidFill>
+                        <a:srgbClr val="CCCCCC"/>
+                      </a:solidFill>
+                      <a:prstDash val="solid"/>
+                      <a:round/>
+                      <a:headEnd type="none" w="med" len="med"/>
+                      <a:tailEnd type="none" w="med" len="med"/>
+                    </a:lnT>
+                    <a:lnB w="9525" cap="flat" cmpd="sng" algn="ctr">
+                      <a:solidFill>
+                        <a:srgbClr val="CCCCCC"/>
+                      </a:solidFill>
+                      <a:prstDash val="solid"/>
+                      <a:round/>
+                      <a:headEnd type="none" w="med" len="med"/>
+                      <a:tailEnd type="none" w="med" len="med"/>
+                    </a:lnB>
+                  </a:tcPr>
+                </a:tc>
+                <a:tc>
+                  <a:txBody>
+                    <a:bodyPr/>
+                    <a:lstStyle/>
+                    <a:p>
+                      <a:r>
+                        <a:rPr lang="zh-CN" altLang="en-US" sz="1400" dirty="0">
+                          <a:effectLst/>
+                        </a:rPr>
+                        <a:t>对集合中元素调用</a:t>
+                      </a:r>
+                      <a:r>
+                        <a:rPr lang="en-US" sz="1400" dirty="0">
+                          <a:effectLst/>
+                        </a:rPr>
+                        <a:t>Function，</a:t>
+                      </a:r>
+                      <a:r>
+                        <a:rPr lang="zh-CN" altLang="en-US" sz="1400" dirty="0">
+                          <a:effectLst/>
+                        </a:rPr>
+                        <a:t>再按返回值用当前排序器排序。</a:t>
+                      </a:r>
+                    </a:p>
+                  </a:txBody>
+                  <a:tcPr marL="112537" marR="112537" marT="112537" marB="112537" anchor="ctr">
+                    <a:lnL w="9525" cap="flat" cmpd="sng" algn="ctr">
+                      <a:solidFill>
+                        <a:srgbClr val="CCCCCC"/>
+                      </a:solidFill>
+                      <a:prstDash val="solid"/>
+                      <a:round/>
+                      <a:headEnd type="none" w="med" len="med"/>
+                      <a:tailEnd type="none" w="med" len="med"/>
+                    </a:lnL>
+                    <a:lnR w="9525" cap="flat" cmpd="sng" algn="ctr">
+                      <a:solidFill>
+                        <a:srgbClr val="CCCCCC"/>
+                      </a:solidFill>
+                      <a:prstDash val="solid"/>
+                      <a:round/>
+                      <a:headEnd type="none" w="med" len="med"/>
+                      <a:tailEnd type="none" w="med" len="med"/>
+                    </a:lnR>
+                    <a:lnT w="9525" cap="flat" cmpd="sng" algn="ctr">
+                      <a:solidFill>
+                        <a:srgbClr val="CCCCCC"/>
+                      </a:solidFill>
+                      <a:prstDash val="solid"/>
+                      <a:round/>
+                      <a:headEnd type="none" w="med" len="med"/>
+                      <a:tailEnd type="none" w="med" len="med"/>
+                    </a:lnT>
+                    <a:lnB w="9525" cap="flat" cmpd="sng" algn="ctr">
+                      <a:solidFill>
+                        <a:srgbClr val="CCCCCC"/>
+                      </a:solidFill>
+                      <a:prstDash val="solid"/>
+                      <a:round/>
+                      <a:headEnd type="none" w="med" len="med"/>
+                      <a:tailEnd type="none" w="med" len="med"/>
+                    </a:lnB>
+                  </a:tcPr>
+                </a:tc>
+                <a:extLst>
+                  <a:ext uri="{0D108BD9-81ED-4DB2-BD59-A6C34878D82A}">
+                    <a16:rowId xmlns="" xmlns:a16="http://schemas.microsoft.com/office/drawing/2014/main" val="1989949116"/>
+                  </a:ext>
+                </a:extLst>
+              </a:tr>
+            </a:tbl>
+          </a:graphicData>
+        </a:graphic>
+      </p:graphicFrame>
     </p:spTree>
     <p:extLst>
       <p:ext uri="{BB962C8B-B14F-4D97-AF65-F5344CB8AC3E}">
-        <p14:creationId xmlns:p14="http://schemas.microsoft.com/office/powerpoint/2010/main" val="1430876533"/>
+        <p14:creationId xmlns:p14="http://schemas.microsoft.com/office/powerpoint/2010/main" val="3791510910"/>
       </p:ext>
     </p:extLst>
   </p:cSld>
@@ -9769,14 +9863,14 @@
       </p:grpSpPr>
       <p:sp>
         <p:nvSpPr>
-          <p:cNvPr id="2" name="TextBox 1"/>
+          <p:cNvPr id="6" name="TextBox 5"/>
           <p:cNvSpPr txBox="1"/>
           <p:nvPr/>
         </p:nvSpPr>
         <p:spPr bwMode="auto">
           <a:xfrm>
-            <a:off x="3352800" y="2590800"/>
-            <a:ext cx="1590692" cy="707886"/>
+            <a:off x="743816" y="457200"/>
+            <a:ext cx="2262158" cy="523220"/>
           </a:xfrm>
           <a:prstGeom prst="rect">
             <a:avLst/>
@@ -9796,17 +9890,2548 @@
           <a:lstStyle/>
           <a:p>
             <a:r>
-              <a:rPr lang="en-US" sz="4000" b="1" dirty="0" smtClean="0"/>
-              <a:t>Q &amp; A</a:t>
-            </a:r>
-            <a:endParaRPr lang="en-US" sz="4000" b="1" dirty="0"/>
+              <a:rPr lang="en-US" altLang="zh-CN" sz="2800" dirty="0"/>
+              <a:t>Basic </a:t>
+            </a:r>
+            <a:r>
+              <a:rPr lang="en-US" altLang="zh-CN" sz="2800" dirty="0" smtClean="0"/>
+              <a:t>utilities</a:t>
+            </a:r>
+            <a:endParaRPr lang="en-US" altLang="zh-CN" sz="2800" dirty="0"/>
+          </a:p>
+        </p:txBody>
+      </p:sp>
+      <p:sp>
+        <p:nvSpPr>
+          <p:cNvPr id="3" name="TextBox 2"/>
+          <p:cNvSpPr txBox="1"/>
+          <p:nvPr/>
+        </p:nvSpPr>
+        <p:spPr bwMode="auto">
+          <a:xfrm>
+            <a:off x="780102" y="1309048"/>
+            <a:ext cx="7028584" cy="369332"/>
+          </a:xfrm>
+          <a:prstGeom prst="rect">
+            <a:avLst/>
+          </a:prstGeom>
+          <a:noFill/>
+          <a:ln w="9525">
+            <a:noFill/>
+            <a:miter lim="800000"/>
+            <a:headEnd/>
+            <a:tailEnd/>
+          </a:ln>
+        </p:spPr>
+        <p:txBody>
+          <a:bodyPr wrap="square" rtlCol="0">
+            <a:spAutoFit/>
+          </a:bodyPr>
+          <a:lstStyle/>
+          <a:p>
+            <a:r>
+              <a:rPr lang="en-US" altLang="zh-CN" dirty="0"/>
+              <a:t>Ordering</a:t>
+            </a:r>
+            <a:endParaRPr lang="zh-CN" altLang="en-US" dirty="0"/>
+          </a:p>
+        </p:txBody>
+      </p:sp>
+      <p:sp>
+        <p:nvSpPr>
+          <p:cNvPr id="5" name="TextBox 2"/>
+          <p:cNvSpPr txBox="1"/>
+          <p:nvPr/>
+        </p:nvSpPr>
+        <p:spPr bwMode="auto">
+          <a:xfrm>
+            <a:off x="780102" y="1801868"/>
+            <a:ext cx="7028584" cy="369332"/>
+          </a:xfrm>
+          <a:prstGeom prst="rect">
+            <a:avLst/>
+          </a:prstGeom>
+          <a:noFill/>
+          <a:ln w="9525">
+            <a:noFill/>
+            <a:miter lim="800000"/>
+            <a:headEnd/>
+            <a:tailEnd/>
+          </a:ln>
+        </p:spPr>
+        <p:txBody>
+          <a:bodyPr wrap="square" rtlCol="0">
+            <a:spAutoFit/>
+          </a:bodyPr>
+          <a:lstStyle/>
+          <a:p>
+            <a:r>
+              <a:rPr lang="zh-CN" altLang="en-US" b="1" dirty="0"/>
+              <a:t>运用排序器：</a:t>
+            </a:r>
+            <a:r>
+              <a:rPr lang="en-US" altLang="zh-CN" dirty="0"/>
+              <a:t>Guava</a:t>
+            </a:r>
+            <a:r>
+              <a:rPr lang="zh-CN" altLang="en-US" dirty="0"/>
+              <a:t>的排序器实现有若干操纵集合或元素值的方法</a:t>
+            </a:r>
+            <a:endParaRPr lang="en-US" altLang="zh-CN" dirty="0"/>
+          </a:p>
+        </p:txBody>
+      </p:sp>
+      <p:graphicFrame>
+        <p:nvGraphicFramePr>
+          <p:cNvPr id="2" name="表格 1"/>
+          <p:cNvGraphicFramePr>
+            <a:graphicFrameLocks noGrp="1"/>
+          </p:cNvGraphicFramePr>
+          <p:nvPr>
+            <p:extLst>
+              <p:ext uri="{D42A27DB-BD31-4B8C-83A1-F6EECF244321}">
+                <p14:modId xmlns:p14="http://schemas.microsoft.com/office/powerpoint/2010/main" val="3563589980"/>
+              </p:ext>
+            </p:extLst>
+          </p:nvPr>
+        </p:nvGraphicFramePr>
+        <p:xfrm>
+          <a:off x="780102" y="2171202"/>
+          <a:ext cx="7449498" cy="3619997"/>
+        </p:xfrm>
+        <a:graphic>
+          <a:graphicData uri="http://schemas.openxmlformats.org/drawingml/2006/table">
+            <a:tbl>
+              <a:tblPr/>
+              <a:tblGrid>
+                <a:gridCol w="2483166"/>
+                <a:gridCol w="2483166"/>
+                <a:gridCol w="2483166"/>
+              </a:tblGrid>
+              <a:tr h="311349">
+                <a:tc>
+                  <a:txBody>
+                    <a:bodyPr/>
+                    <a:lstStyle/>
+                    <a:p>
+                      <a:r>
+                        <a:rPr lang="zh-CN" altLang="en-US" sz="900" b="1" dirty="0">
+                          <a:effectLst/>
+                        </a:rPr>
+                        <a:t>方法</a:t>
+                      </a:r>
+                      <a:endParaRPr lang="zh-CN" altLang="en-US" sz="900" dirty="0">
+                        <a:effectLst/>
+                      </a:endParaRPr>
+                    </a:p>
+                  </a:txBody>
+                  <a:tcPr marL="72719" marR="72719" marT="72719" marB="72719" anchor="ctr">
+                    <a:lnL w="9525" cap="flat" cmpd="sng" algn="ctr">
+                      <a:solidFill>
+                        <a:srgbClr val="CCCCCC"/>
+                      </a:solidFill>
+                      <a:prstDash val="solid"/>
+                      <a:round/>
+                      <a:headEnd type="none" w="med" len="med"/>
+                      <a:tailEnd type="none" w="med" len="med"/>
+                    </a:lnL>
+                    <a:lnR w="9525" cap="flat" cmpd="sng" algn="ctr">
+                      <a:solidFill>
+                        <a:srgbClr val="CCCCCC"/>
+                      </a:solidFill>
+                      <a:prstDash val="solid"/>
+                      <a:round/>
+                      <a:headEnd type="none" w="med" len="med"/>
+                      <a:tailEnd type="none" w="med" len="med"/>
+                    </a:lnR>
+                    <a:lnT w="9525" cap="flat" cmpd="sng" algn="ctr">
+                      <a:solidFill>
+                        <a:srgbClr val="CCCCCC"/>
+                      </a:solidFill>
+                      <a:prstDash val="solid"/>
+                      <a:round/>
+                      <a:headEnd type="none" w="med" len="med"/>
+                      <a:tailEnd type="none" w="med" len="med"/>
+                    </a:lnT>
+                    <a:lnB w="9525" cap="flat" cmpd="sng" algn="ctr">
+                      <a:solidFill>
+                        <a:srgbClr val="CCCCCC"/>
+                      </a:solidFill>
+                      <a:prstDash val="solid"/>
+                      <a:round/>
+                      <a:headEnd type="none" w="med" len="med"/>
+                      <a:tailEnd type="none" w="med" len="med"/>
+                    </a:lnB>
+                  </a:tcPr>
+                </a:tc>
+                <a:tc>
+                  <a:txBody>
+                    <a:bodyPr/>
+                    <a:lstStyle/>
+                    <a:p>
+                      <a:r>
+                        <a:rPr lang="zh-CN" altLang="en-US" sz="900" b="1">
+                          <a:effectLst/>
+                        </a:rPr>
+                        <a:t>描述</a:t>
+                      </a:r>
+                      <a:endParaRPr lang="zh-CN" altLang="en-US" sz="900">
+                        <a:effectLst/>
+                      </a:endParaRPr>
+                    </a:p>
+                  </a:txBody>
+                  <a:tcPr marL="72719" marR="72719" marT="72719" marB="72719" anchor="ctr">
+                    <a:lnL w="9525" cap="flat" cmpd="sng" algn="ctr">
+                      <a:solidFill>
+                        <a:srgbClr val="CCCCCC"/>
+                      </a:solidFill>
+                      <a:prstDash val="solid"/>
+                      <a:round/>
+                      <a:headEnd type="none" w="med" len="med"/>
+                      <a:tailEnd type="none" w="med" len="med"/>
+                    </a:lnL>
+                    <a:lnR w="9525" cap="flat" cmpd="sng" algn="ctr">
+                      <a:solidFill>
+                        <a:srgbClr val="CCCCCC"/>
+                      </a:solidFill>
+                      <a:prstDash val="solid"/>
+                      <a:round/>
+                      <a:headEnd type="none" w="med" len="med"/>
+                      <a:tailEnd type="none" w="med" len="med"/>
+                    </a:lnR>
+                    <a:lnT w="9525" cap="flat" cmpd="sng" algn="ctr">
+                      <a:solidFill>
+                        <a:srgbClr val="CCCCCC"/>
+                      </a:solidFill>
+                      <a:prstDash val="solid"/>
+                      <a:round/>
+                      <a:headEnd type="none" w="med" len="med"/>
+                      <a:tailEnd type="none" w="med" len="med"/>
+                    </a:lnT>
+                    <a:lnB w="9525" cap="flat" cmpd="sng" algn="ctr">
+                      <a:solidFill>
+                        <a:srgbClr val="CCCCCC"/>
+                      </a:solidFill>
+                      <a:prstDash val="solid"/>
+                      <a:round/>
+                      <a:headEnd type="none" w="med" len="med"/>
+                      <a:tailEnd type="none" w="med" len="med"/>
+                    </a:lnB>
+                  </a:tcPr>
+                </a:tc>
+                <a:tc>
+                  <a:txBody>
+                    <a:bodyPr/>
+                    <a:lstStyle/>
+                    <a:p>
+                      <a:r>
+                        <a:rPr lang="zh-CN" altLang="en-US" sz="900" b="1">
+                          <a:effectLst/>
+                        </a:rPr>
+                        <a:t>另请参见</a:t>
+                      </a:r>
+                      <a:endParaRPr lang="zh-CN" altLang="en-US" sz="900">
+                        <a:effectLst/>
+                      </a:endParaRPr>
+                    </a:p>
+                  </a:txBody>
+                  <a:tcPr marL="72719" marR="72719" marT="72719" marB="72719" anchor="ctr">
+                    <a:lnL w="9525" cap="flat" cmpd="sng" algn="ctr">
+                      <a:solidFill>
+                        <a:srgbClr val="CCCCCC"/>
+                      </a:solidFill>
+                      <a:prstDash val="solid"/>
+                      <a:round/>
+                      <a:headEnd type="none" w="med" len="med"/>
+                      <a:tailEnd type="none" w="med" len="med"/>
+                    </a:lnL>
+                    <a:lnR w="9525" cap="flat" cmpd="sng" algn="ctr">
+                      <a:solidFill>
+                        <a:srgbClr val="CCCCCC"/>
+                      </a:solidFill>
+                      <a:prstDash val="solid"/>
+                      <a:round/>
+                      <a:headEnd type="none" w="med" len="med"/>
+                      <a:tailEnd type="none" w="med" len="med"/>
+                    </a:lnR>
+                    <a:lnT w="9525" cap="flat" cmpd="sng" algn="ctr">
+                      <a:solidFill>
+                        <a:srgbClr val="CCCCCC"/>
+                      </a:solidFill>
+                      <a:prstDash val="solid"/>
+                      <a:round/>
+                      <a:headEnd type="none" w="med" len="med"/>
+                      <a:tailEnd type="none" w="med" len="med"/>
+                    </a:lnT>
+                    <a:lnB w="9525" cap="flat" cmpd="sng" algn="ctr">
+                      <a:solidFill>
+                        <a:srgbClr val="CCCCCC"/>
+                      </a:solidFill>
+                      <a:prstDash val="solid"/>
+                      <a:round/>
+                      <a:headEnd type="none" w="med" len="med"/>
+                      <a:tailEnd type="none" w="med" len="med"/>
+                    </a:lnB>
+                  </a:tcPr>
+                </a:tc>
+              </a:tr>
+              <a:tr h="322862">
+                <a:tc>
+                  <a:txBody>
+                    <a:bodyPr/>
+                    <a:lstStyle/>
+                    <a:p>
+                      <a:r>
+                        <a:rPr lang="en-US" sz="900" u="sng">
+                          <a:solidFill>
+                            <a:srgbClr val="00A19E"/>
+                          </a:solidFill>
+                          <a:effectLst/>
+                          <a:hlinkClick r:id="rId2"/>
+                        </a:rPr>
+                        <a:t>greatestOf(Iterable iterable, int k)</a:t>
+                      </a:r>
+                      <a:endParaRPr lang="en-US" sz="900">
+                        <a:effectLst/>
+                      </a:endParaRPr>
+                    </a:p>
+                  </a:txBody>
+                  <a:tcPr marL="72719" marR="72719" marT="72719" marB="72719" anchor="ctr">
+                    <a:lnL w="9525" cap="flat" cmpd="sng" algn="ctr">
+                      <a:solidFill>
+                        <a:srgbClr val="CCCCCC"/>
+                      </a:solidFill>
+                      <a:prstDash val="solid"/>
+                      <a:round/>
+                      <a:headEnd type="none" w="med" len="med"/>
+                      <a:tailEnd type="none" w="med" len="med"/>
+                    </a:lnL>
+                    <a:lnR w="9525" cap="flat" cmpd="sng" algn="ctr">
+                      <a:solidFill>
+                        <a:srgbClr val="CCCCCC"/>
+                      </a:solidFill>
+                      <a:prstDash val="solid"/>
+                      <a:round/>
+                      <a:headEnd type="none" w="med" len="med"/>
+                      <a:tailEnd type="none" w="med" len="med"/>
+                    </a:lnR>
+                    <a:lnT w="9525" cap="flat" cmpd="sng" algn="ctr">
+                      <a:solidFill>
+                        <a:srgbClr val="CCCCCC"/>
+                      </a:solidFill>
+                      <a:prstDash val="solid"/>
+                      <a:round/>
+                      <a:headEnd type="none" w="med" len="med"/>
+                      <a:tailEnd type="none" w="med" len="med"/>
+                    </a:lnT>
+                    <a:lnB w="9525" cap="flat" cmpd="sng" algn="ctr">
+                      <a:solidFill>
+                        <a:srgbClr val="CCCCCC"/>
+                      </a:solidFill>
+                      <a:prstDash val="solid"/>
+                      <a:round/>
+                      <a:headEnd type="none" w="med" len="med"/>
+                      <a:tailEnd type="none" w="med" len="med"/>
+                    </a:lnB>
+                  </a:tcPr>
+                </a:tc>
+                <a:tc>
+                  <a:txBody>
+                    <a:bodyPr/>
+                    <a:lstStyle/>
+                    <a:p>
+                      <a:r>
+                        <a:rPr lang="zh-CN" altLang="en-US" sz="900">
+                          <a:effectLst/>
+                        </a:rPr>
+                        <a:t>获取可迭代对象中最大的</a:t>
+                      </a:r>
+                      <a:r>
+                        <a:rPr lang="en-US" altLang="zh-CN" sz="900">
+                          <a:effectLst/>
+                        </a:rPr>
+                        <a:t>k</a:t>
+                      </a:r>
+                      <a:r>
+                        <a:rPr lang="zh-CN" altLang="en-US" sz="900">
+                          <a:effectLst/>
+                        </a:rPr>
+                        <a:t>个元素。</a:t>
+                      </a:r>
+                    </a:p>
+                  </a:txBody>
+                  <a:tcPr marL="72719" marR="72719" marT="72719" marB="72719" anchor="ctr">
+                    <a:lnL w="9525" cap="flat" cmpd="sng" algn="ctr">
+                      <a:solidFill>
+                        <a:srgbClr val="CCCCCC"/>
+                      </a:solidFill>
+                      <a:prstDash val="solid"/>
+                      <a:round/>
+                      <a:headEnd type="none" w="med" len="med"/>
+                      <a:tailEnd type="none" w="med" len="med"/>
+                    </a:lnL>
+                    <a:lnR w="9525" cap="flat" cmpd="sng" algn="ctr">
+                      <a:solidFill>
+                        <a:srgbClr val="CCCCCC"/>
+                      </a:solidFill>
+                      <a:prstDash val="solid"/>
+                      <a:round/>
+                      <a:headEnd type="none" w="med" len="med"/>
+                      <a:tailEnd type="none" w="med" len="med"/>
+                    </a:lnR>
+                    <a:lnT w="9525" cap="flat" cmpd="sng" algn="ctr">
+                      <a:solidFill>
+                        <a:srgbClr val="CCCCCC"/>
+                      </a:solidFill>
+                      <a:prstDash val="solid"/>
+                      <a:round/>
+                      <a:headEnd type="none" w="med" len="med"/>
+                      <a:tailEnd type="none" w="med" len="med"/>
+                    </a:lnT>
+                    <a:lnB w="9525" cap="flat" cmpd="sng" algn="ctr">
+                      <a:solidFill>
+                        <a:srgbClr val="CCCCCC"/>
+                      </a:solidFill>
+                      <a:prstDash val="solid"/>
+                      <a:round/>
+                      <a:headEnd type="none" w="med" len="med"/>
+                      <a:tailEnd type="none" w="med" len="med"/>
+                    </a:lnB>
+                  </a:tcPr>
+                </a:tc>
+                <a:tc>
+                  <a:txBody>
+                    <a:bodyPr/>
+                    <a:lstStyle/>
+                    <a:p>
+                      <a:r>
+                        <a:rPr lang="en-US" sz="900" u="sng">
+                          <a:solidFill>
+                            <a:srgbClr val="00A19E"/>
+                          </a:solidFill>
+                          <a:effectLst/>
+                          <a:hlinkClick r:id="rId3"/>
+                        </a:rPr>
+                        <a:t>leastOf</a:t>
+                      </a:r>
+                      <a:endParaRPr lang="en-US" sz="900">
+                        <a:effectLst/>
+                      </a:endParaRPr>
+                    </a:p>
+                  </a:txBody>
+                  <a:tcPr marL="72719" marR="72719" marT="72719" marB="72719" anchor="ctr">
+                    <a:lnL w="9525" cap="flat" cmpd="sng" algn="ctr">
+                      <a:solidFill>
+                        <a:srgbClr val="CCCCCC"/>
+                      </a:solidFill>
+                      <a:prstDash val="solid"/>
+                      <a:round/>
+                      <a:headEnd type="none" w="med" len="med"/>
+                      <a:tailEnd type="none" w="med" len="med"/>
+                    </a:lnL>
+                    <a:lnR w="9525" cap="flat" cmpd="sng" algn="ctr">
+                      <a:solidFill>
+                        <a:srgbClr val="CCCCCC"/>
+                      </a:solidFill>
+                      <a:prstDash val="solid"/>
+                      <a:round/>
+                      <a:headEnd type="none" w="med" len="med"/>
+                      <a:tailEnd type="none" w="med" len="med"/>
+                    </a:lnR>
+                    <a:lnT w="9525" cap="flat" cmpd="sng" algn="ctr">
+                      <a:solidFill>
+                        <a:srgbClr val="CCCCCC"/>
+                      </a:solidFill>
+                      <a:prstDash val="solid"/>
+                      <a:round/>
+                      <a:headEnd type="none" w="med" len="med"/>
+                      <a:tailEnd type="none" w="med" len="med"/>
+                    </a:lnT>
+                    <a:lnB w="9525" cap="flat" cmpd="sng" algn="ctr">
+                      <a:solidFill>
+                        <a:srgbClr val="CCCCCC"/>
+                      </a:solidFill>
+                      <a:prstDash val="solid"/>
+                      <a:round/>
+                      <a:headEnd type="none" w="med" len="med"/>
+                      <a:tailEnd type="none" w="med" len="med"/>
+                    </a:lnB>
+                  </a:tcPr>
+                </a:tc>
+              </a:tr>
+              <a:tr h="533858">
+                <a:tc>
+                  <a:txBody>
+                    <a:bodyPr/>
+                    <a:lstStyle/>
+                    <a:p>
+                      <a:r>
+                        <a:rPr lang="en-US" sz="900" u="sng">
+                          <a:solidFill>
+                            <a:srgbClr val="00A19E"/>
+                          </a:solidFill>
+                          <a:effectLst/>
+                          <a:hlinkClick r:id="rId4"/>
+                        </a:rPr>
+                        <a:t>isOrdered(Iterable)</a:t>
+                      </a:r>
+                      <a:endParaRPr lang="en-US" sz="900">
+                        <a:effectLst/>
+                      </a:endParaRPr>
+                    </a:p>
+                  </a:txBody>
+                  <a:tcPr marL="72719" marR="72719" marT="72719" marB="72719" anchor="ctr">
+                    <a:lnL w="9525" cap="flat" cmpd="sng" algn="ctr">
+                      <a:solidFill>
+                        <a:srgbClr val="CCCCCC"/>
+                      </a:solidFill>
+                      <a:prstDash val="solid"/>
+                      <a:round/>
+                      <a:headEnd type="none" w="med" len="med"/>
+                      <a:tailEnd type="none" w="med" len="med"/>
+                    </a:lnL>
+                    <a:lnR w="9525" cap="flat" cmpd="sng" algn="ctr">
+                      <a:solidFill>
+                        <a:srgbClr val="CCCCCC"/>
+                      </a:solidFill>
+                      <a:prstDash val="solid"/>
+                      <a:round/>
+                      <a:headEnd type="none" w="med" len="med"/>
+                      <a:tailEnd type="none" w="med" len="med"/>
+                    </a:lnR>
+                    <a:lnT w="9525" cap="flat" cmpd="sng" algn="ctr">
+                      <a:solidFill>
+                        <a:srgbClr val="CCCCCC"/>
+                      </a:solidFill>
+                      <a:prstDash val="solid"/>
+                      <a:round/>
+                      <a:headEnd type="none" w="med" len="med"/>
+                      <a:tailEnd type="none" w="med" len="med"/>
+                    </a:lnT>
+                    <a:lnB w="9525" cap="flat" cmpd="sng" algn="ctr">
+                      <a:solidFill>
+                        <a:srgbClr val="CCCCCC"/>
+                      </a:solidFill>
+                      <a:prstDash val="solid"/>
+                      <a:round/>
+                      <a:headEnd type="none" w="med" len="med"/>
+                      <a:tailEnd type="none" w="med" len="med"/>
+                    </a:lnB>
+                  </a:tcPr>
+                </a:tc>
+                <a:tc>
+                  <a:txBody>
+                    <a:bodyPr/>
+                    <a:lstStyle/>
+                    <a:p>
+                      <a:r>
+                        <a:rPr lang="zh-CN" altLang="en-US" sz="900" dirty="0">
+                          <a:effectLst/>
+                        </a:rPr>
+                        <a:t>判断可迭代对象是否已按排序器排序：允许有排序值相等的元素。</a:t>
+                      </a:r>
+                    </a:p>
+                  </a:txBody>
+                  <a:tcPr marL="72719" marR="72719" marT="72719" marB="72719" anchor="ctr">
+                    <a:lnL w="9525" cap="flat" cmpd="sng" algn="ctr">
+                      <a:solidFill>
+                        <a:srgbClr val="CCCCCC"/>
+                      </a:solidFill>
+                      <a:prstDash val="solid"/>
+                      <a:round/>
+                      <a:headEnd type="none" w="med" len="med"/>
+                      <a:tailEnd type="none" w="med" len="med"/>
+                    </a:lnL>
+                    <a:lnR w="9525" cap="flat" cmpd="sng" algn="ctr">
+                      <a:solidFill>
+                        <a:srgbClr val="CCCCCC"/>
+                      </a:solidFill>
+                      <a:prstDash val="solid"/>
+                      <a:round/>
+                      <a:headEnd type="none" w="med" len="med"/>
+                      <a:tailEnd type="none" w="med" len="med"/>
+                    </a:lnR>
+                    <a:lnT w="9525" cap="flat" cmpd="sng" algn="ctr">
+                      <a:solidFill>
+                        <a:srgbClr val="CCCCCC"/>
+                      </a:solidFill>
+                      <a:prstDash val="solid"/>
+                      <a:round/>
+                      <a:headEnd type="none" w="med" len="med"/>
+                      <a:tailEnd type="none" w="med" len="med"/>
+                    </a:lnT>
+                    <a:lnB w="9525" cap="flat" cmpd="sng" algn="ctr">
+                      <a:solidFill>
+                        <a:srgbClr val="CCCCCC"/>
+                      </a:solidFill>
+                      <a:prstDash val="solid"/>
+                      <a:round/>
+                      <a:headEnd type="none" w="med" len="med"/>
+                      <a:tailEnd type="none" w="med" len="med"/>
+                    </a:lnB>
+                  </a:tcPr>
+                </a:tc>
+                <a:tc>
+                  <a:txBody>
+                    <a:bodyPr/>
+                    <a:lstStyle/>
+                    <a:p>
+                      <a:r>
+                        <a:rPr lang="en-US" sz="900" u="sng">
+                          <a:solidFill>
+                            <a:srgbClr val="00A19E"/>
+                          </a:solidFill>
+                          <a:effectLst/>
+                          <a:hlinkClick r:id="rId5"/>
+                        </a:rPr>
+                        <a:t>isStrictlyOrdered</a:t>
+                      </a:r>
+                      <a:endParaRPr lang="en-US" sz="900">
+                        <a:effectLst/>
+                      </a:endParaRPr>
+                    </a:p>
+                  </a:txBody>
+                  <a:tcPr marL="72719" marR="72719" marT="72719" marB="72719" anchor="ctr">
+                    <a:lnL w="9525" cap="flat" cmpd="sng" algn="ctr">
+                      <a:solidFill>
+                        <a:srgbClr val="CCCCCC"/>
+                      </a:solidFill>
+                      <a:prstDash val="solid"/>
+                      <a:round/>
+                      <a:headEnd type="none" w="med" len="med"/>
+                      <a:tailEnd type="none" w="med" len="med"/>
+                    </a:lnL>
+                    <a:lnR w="9525" cap="flat" cmpd="sng" algn="ctr">
+                      <a:solidFill>
+                        <a:srgbClr val="CCCCCC"/>
+                      </a:solidFill>
+                      <a:prstDash val="solid"/>
+                      <a:round/>
+                      <a:headEnd type="none" w="med" len="med"/>
+                      <a:tailEnd type="none" w="med" len="med"/>
+                    </a:lnR>
+                    <a:lnT w="9525" cap="flat" cmpd="sng" algn="ctr">
+                      <a:solidFill>
+                        <a:srgbClr val="CCCCCC"/>
+                      </a:solidFill>
+                      <a:prstDash val="solid"/>
+                      <a:round/>
+                      <a:headEnd type="none" w="med" len="med"/>
+                      <a:tailEnd type="none" w="med" len="med"/>
+                    </a:lnT>
+                    <a:lnB w="9525" cap="flat" cmpd="sng" algn="ctr">
+                      <a:solidFill>
+                        <a:srgbClr val="CCCCCC"/>
+                      </a:solidFill>
+                      <a:prstDash val="solid"/>
+                      <a:round/>
+                      <a:headEnd type="none" w="med" len="med"/>
+                      <a:tailEnd type="none" w="med" len="med"/>
+                    </a:lnB>
+                  </a:tcPr>
+                </a:tc>
+              </a:tr>
+              <a:tr h="533858">
+                <a:tc>
+                  <a:txBody>
+                    <a:bodyPr/>
+                    <a:lstStyle/>
+                    <a:p>
+                      <a:r>
+                        <a:rPr lang="en-US" sz="900" u="sng">
+                          <a:solidFill>
+                            <a:srgbClr val="00A19E"/>
+                          </a:solidFill>
+                          <a:effectLst/>
+                          <a:hlinkClick r:id="rId6"/>
+                        </a:rPr>
+                        <a:t>sortedCopy(Iterable)</a:t>
+                      </a:r>
+                      <a:endParaRPr lang="en-US" sz="900">
+                        <a:effectLst/>
+                      </a:endParaRPr>
+                    </a:p>
+                  </a:txBody>
+                  <a:tcPr marL="72719" marR="72719" marT="72719" marB="72719" anchor="ctr">
+                    <a:lnL w="9525" cap="flat" cmpd="sng" algn="ctr">
+                      <a:solidFill>
+                        <a:srgbClr val="CCCCCC"/>
+                      </a:solidFill>
+                      <a:prstDash val="solid"/>
+                      <a:round/>
+                      <a:headEnd type="none" w="med" len="med"/>
+                      <a:tailEnd type="none" w="med" len="med"/>
+                    </a:lnL>
+                    <a:lnR w="9525" cap="flat" cmpd="sng" algn="ctr">
+                      <a:solidFill>
+                        <a:srgbClr val="CCCCCC"/>
+                      </a:solidFill>
+                      <a:prstDash val="solid"/>
+                      <a:round/>
+                      <a:headEnd type="none" w="med" len="med"/>
+                      <a:tailEnd type="none" w="med" len="med"/>
+                    </a:lnR>
+                    <a:lnT w="9525" cap="flat" cmpd="sng" algn="ctr">
+                      <a:solidFill>
+                        <a:srgbClr val="CCCCCC"/>
+                      </a:solidFill>
+                      <a:prstDash val="solid"/>
+                      <a:round/>
+                      <a:headEnd type="none" w="med" len="med"/>
+                      <a:tailEnd type="none" w="med" len="med"/>
+                    </a:lnT>
+                    <a:lnB w="9525" cap="flat" cmpd="sng" algn="ctr">
+                      <a:solidFill>
+                        <a:srgbClr val="CCCCCC"/>
+                      </a:solidFill>
+                      <a:prstDash val="solid"/>
+                      <a:round/>
+                      <a:headEnd type="none" w="med" len="med"/>
+                      <a:tailEnd type="none" w="med" len="med"/>
+                    </a:lnB>
+                  </a:tcPr>
+                </a:tc>
+                <a:tc>
+                  <a:txBody>
+                    <a:bodyPr/>
+                    <a:lstStyle/>
+                    <a:p>
+                      <a:r>
+                        <a:rPr lang="zh-CN" altLang="en-US" sz="900" dirty="0">
+                          <a:effectLst/>
+                        </a:rPr>
+                        <a:t>判断可迭代对象是否已严格按排序器排序：不允许排序值相等的元素。</a:t>
+                      </a:r>
+                    </a:p>
+                  </a:txBody>
+                  <a:tcPr marL="72719" marR="72719" marT="72719" marB="72719" anchor="ctr">
+                    <a:lnL w="9525" cap="flat" cmpd="sng" algn="ctr">
+                      <a:solidFill>
+                        <a:srgbClr val="CCCCCC"/>
+                      </a:solidFill>
+                      <a:prstDash val="solid"/>
+                      <a:round/>
+                      <a:headEnd type="none" w="med" len="med"/>
+                      <a:tailEnd type="none" w="med" len="med"/>
+                    </a:lnL>
+                    <a:lnR w="9525" cap="flat" cmpd="sng" algn="ctr">
+                      <a:solidFill>
+                        <a:srgbClr val="CCCCCC"/>
+                      </a:solidFill>
+                      <a:prstDash val="solid"/>
+                      <a:round/>
+                      <a:headEnd type="none" w="med" len="med"/>
+                      <a:tailEnd type="none" w="med" len="med"/>
+                    </a:lnR>
+                    <a:lnT w="9525" cap="flat" cmpd="sng" algn="ctr">
+                      <a:solidFill>
+                        <a:srgbClr val="CCCCCC"/>
+                      </a:solidFill>
+                      <a:prstDash val="solid"/>
+                      <a:round/>
+                      <a:headEnd type="none" w="med" len="med"/>
+                      <a:tailEnd type="none" w="med" len="med"/>
+                    </a:lnT>
+                    <a:lnB w="9525" cap="flat" cmpd="sng" algn="ctr">
+                      <a:solidFill>
+                        <a:srgbClr val="CCCCCC"/>
+                      </a:solidFill>
+                      <a:prstDash val="solid"/>
+                      <a:round/>
+                      <a:headEnd type="none" w="med" len="med"/>
+                      <a:tailEnd type="none" w="med" len="med"/>
+                    </a:lnB>
+                  </a:tcPr>
+                </a:tc>
+                <a:tc>
+                  <a:txBody>
+                    <a:bodyPr/>
+                    <a:lstStyle/>
+                    <a:p>
+                      <a:r>
+                        <a:rPr lang="en-US" sz="900" u="sng">
+                          <a:solidFill>
+                            <a:srgbClr val="00A19E"/>
+                          </a:solidFill>
+                          <a:effectLst/>
+                          <a:hlinkClick r:id="rId7"/>
+                        </a:rPr>
+                        <a:t>immutableSortedCopy</a:t>
+                      </a:r>
+                      <a:endParaRPr lang="en-US" sz="900">
+                        <a:effectLst/>
+                      </a:endParaRPr>
+                    </a:p>
+                  </a:txBody>
+                  <a:tcPr marL="72719" marR="72719" marT="72719" marB="72719" anchor="ctr">
+                    <a:lnL w="9525" cap="flat" cmpd="sng" algn="ctr">
+                      <a:solidFill>
+                        <a:srgbClr val="CCCCCC"/>
+                      </a:solidFill>
+                      <a:prstDash val="solid"/>
+                      <a:round/>
+                      <a:headEnd type="none" w="med" len="med"/>
+                      <a:tailEnd type="none" w="med" len="med"/>
+                    </a:lnL>
+                    <a:lnR w="9525" cap="flat" cmpd="sng" algn="ctr">
+                      <a:solidFill>
+                        <a:srgbClr val="CCCCCC"/>
+                      </a:solidFill>
+                      <a:prstDash val="solid"/>
+                      <a:round/>
+                      <a:headEnd type="none" w="med" len="med"/>
+                      <a:tailEnd type="none" w="med" len="med"/>
+                    </a:lnR>
+                    <a:lnT w="9525" cap="flat" cmpd="sng" algn="ctr">
+                      <a:solidFill>
+                        <a:srgbClr val="CCCCCC"/>
+                      </a:solidFill>
+                      <a:prstDash val="solid"/>
+                      <a:round/>
+                      <a:headEnd type="none" w="med" len="med"/>
+                      <a:tailEnd type="none" w="med" len="med"/>
+                    </a:lnT>
+                    <a:lnB w="9525" cap="flat" cmpd="sng" algn="ctr">
+                      <a:solidFill>
+                        <a:srgbClr val="CCCCCC"/>
+                      </a:solidFill>
+                      <a:prstDash val="solid"/>
+                      <a:round/>
+                      <a:headEnd type="none" w="med" len="med"/>
+                      <a:tailEnd type="none" w="med" len="med"/>
+                    </a:lnB>
+                  </a:tcPr>
+                </a:tc>
+              </a:tr>
+              <a:tr h="533858">
+                <a:tc>
+                  <a:txBody>
+                    <a:bodyPr/>
+                    <a:lstStyle/>
+                    <a:p>
+                      <a:r>
+                        <a:rPr lang="en-US" sz="900" u="sng" dirty="0">
+                          <a:solidFill>
+                            <a:srgbClr val="00A19E"/>
+                          </a:solidFill>
+                          <a:effectLst/>
+                          <a:hlinkClick r:id="rId8"/>
+                        </a:rPr>
+                        <a:t>min(E, E)</a:t>
+                      </a:r>
+                      <a:endParaRPr lang="en-US" sz="900" dirty="0">
+                        <a:effectLst/>
+                      </a:endParaRPr>
+                    </a:p>
+                  </a:txBody>
+                  <a:tcPr marL="72719" marR="72719" marT="72719" marB="72719" anchor="ctr">
+                    <a:lnL w="9525" cap="flat" cmpd="sng" algn="ctr">
+                      <a:solidFill>
+                        <a:srgbClr val="CCCCCC"/>
+                      </a:solidFill>
+                      <a:prstDash val="solid"/>
+                      <a:round/>
+                      <a:headEnd type="none" w="med" len="med"/>
+                      <a:tailEnd type="none" w="med" len="med"/>
+                    </a:lnL>
+                    <a:lnR w="9525" cap="flat" cmpd="sng" algn="ctr">
+                      <a:solidFill>
+                        <a:srgbClr val="CCCCCC"/>
+                      </a:solidFill>
+                      <a:prstDash val="solid"/>
+                      <a:round/>
+                      <a:headEnd type="none" w="med" len="med"/>
+                      <a:tailEnd type="none" w="med" len="med"/>
+                    </a:lnR>
+                    <a:lnT w="9525" cap="flat" cmpd="sng" algn="ctr">
+                      <a:solidFill>
+                        <a:srgbClr val="CCCCCC"/>
+                      </a:solidFill>
+                      <a:prstDash val="solid"/>
+                      <a:round/>
+                      <a:headEnd type="none" w="med" len="med"/>
+                      <a:tailEnd type="none" w="med" len="med"/>
+                    </a:lnT>
+                    <a:lnB w="9525" cap="flat" cmpd="sng" algn="ctr">
+                      <a:solidFill>
+                        <a:srgbClr val="CCCCCC"/>
+                      </a:solidFill>
+                      <a:prstDash val="solid"/>
+                      <a:round/>
+                      <a:headEnd type="none" w="med" len="med"/>
+                      <a:tailEnd type="none" w="med" len="med"/>
+                    </a:lnB>
+                  </a:tcPr>
+                </a:tc>
+                <a:tc>
+                  <a:txBody>
+                    <a:bodyPr/>
+                    <a:lstStyle/>
+                    <a:p>
+                      <a:r>
+                        <a:rPr lang="zh-CN" altLang="en-US" sz="900">
+                          <a:effectLst/>
+                        </a:rPr>
+                        <a:t>返回两个参数中最小的那个。如果相等，则返回第一个参数。</a:t>
+                      </a:r>
+                    </a:p>
+                  </a:txBody>
+                  <a:tcPr marL="72719" marR="72719" marT="72719" marB="72719" anchor="ctr">
+                    <a:lnL w="9525" cap="flat" cmpd="sng" algn="ctr">
+                      <a:solidFill>
+                        <a:srgbClr val="CCCCCC"/>
+                      </a:solidFill>
+                      <a:prstDash val="solid"/>
+                      <a:round/>
+                      <a:headEnd type="none" w="med" len="med"/>
+                      <a:tailEnd type="none" w="med" len="med"/>
+                    </a:lnL>
+                    <a:lnR w="9525" cap="flat" cmpd="sng" algn="ctr">
+                      <a:solidFill>
+                        <a:srgbClr val="CCCCCC"/>
+                      </a:solidFill>
+                      <a:prstDash val="solid"/>
+                      <a:round/>
+                      <a:headEnd type="none" w="med" len="med"/>
+                      <a:tailEnd type="none" w="med" len="med"/>
+                    </a:lnR>
+                    <a:lnT w="9525" cap="flat" cmpd="sng" algn="ctr">
+                      <a:solidFill>
+                        <a:srgbClr val="CCCCCC"/>
+                      </a:solidFill>
+                      <a:prstDash val="solid"/>
+                      <a:round/>
+                      <a:headEnd type="none" w="med" len="med"/>
+                      <a:tailEnd type="none" w="med" len="med"/>
+                    </a:lnT>
+                    <a:lnB w="9525" cap="flat" cmpd="sng" algn="ctr">
+                      <a:solidFill>
+                        <a:srgbClr val="CCCCCC"/>
+                      </a:solidFill>
+                      <a:prstDash val="solid"/>
+                      <a:round/>
+                      <a:headEnd type="none" w="med" len="med"/>
+                      <a:tailEnd type="none" w="med" len="med"/>
+                    </a:lnB>
+                  </a:tcPr>
+                </a:tc>
+                <a:tc>
+                  <a:txBody>
+                    <a:bodyPr/>
+                    <a:lstStyle/>
+                    <a:p>
+                      <a:r>
+                        <a:rPr lang="en-US" sz="900" u="sng">
+                          <a:solidFill>
+                            <a:srgbClr val="00A19E"/>
+                          </a:solidFill>
+                          <a:effectLst/>
+                          <a:hlinkClick r:id="rId9"/>
+                        </a:rPr>
+                        <a:t>max(E, E)</a:t>
+                      </a:r>
+                      <a:endParaRPr lang="en-US" sz="900">
+                        <a:effectLst/>
+                      </a:endParaRPr>
+                    </a:p>
+                  </a:txBody>
+                  <a:tcPr marL="72719" marR="72719" marT="72719" marB="72719" anchor="ctr">
+                    <a:lnL w="9525" cap="flat" cmpd="sng" algn="ctr">
+                      <a:solidFill>
+                        <a:srgbClr val="CCCCCC"/>
+                      </a:solidFill>
+                      <a:prstDash val="solid"/>
+                      <a:round/>
+                      <a:headEnd type="none" w="med" len="med"/>
+                      <a:tailEnd type="none" w="med" len="med"/>
+                    </a:lnL>
+                    <a:lnR w="9525" cap="flat" cmpd="sng" algn="ctr">
+                      <a:solidFill>
+                        <a:srgbClr val="CCCCCC"/>
+                      </a:solidFill>
+                      <a:prstDash val="solid"/>
+                      <a:round/>
+                      <a:headEnd type="none" w="med" len="med"/>
+                      <a:tailEnd type="none" w="med" len="med"/>
+                    </a:lnR>
+                    <a:lnT w="9525" cap="flat" cmpd="sng" algn="ctr">
+                      <a:solidFill>
+                        <a:srgbClr val="CCCCCC"/>
+                      </a:solidFill>
+                      <a:prstDash val="solid"/>
+                      <a:round/>
+                      <a:headEnd type="none" w="med" len="med"/>
+                      <a:tailEnd type="none" w="med" len="med"/>
+                    </a:lnT>
+                    <a:lnB w="9525" cap="flat" cmpd="sng" algn="ctr">
+                      <a:solidFill>
+                        <a:srgbClr val="CCCCCC"/>
+                      </a:solidFill>
+                      <a:prstDash val="solid"/>
+                      <a:round/>
+                      <a:headEnd type="none" w="med" len="med"/>
+                      <a:tailEnd type="none" w="med" len="med"/>
+                    </a:lnB>
+                  </a:tcPr>
+                </a:tc>
+              </a:tr>
+              <a:tr h="639357">
+                <a:tc>
+                  <a:txBody>
+                    <a:bodyPr/>
+                    <a:lstStyle/>
+                    <a:p>
+                      <a:r>
+                        <a:rPr lang="en-US" sz="900" u="sng">
+                          <a:solidFill>
+                            <a:srgbClr val="00A19E"/>
+                          </a:solidFill>
+                          <a:effectLst/>
+                          <a:hlinkClick r:id="rId10"/>
+                        </a:rPr>
+                        <a:t>min(E, E, E, E...)</a:t>
+                      </a:r>
+                      <a:endParaRPr lang="en-US" sz="900">
+                        <a:effectLst/>
+                      </a:endParaRPr>
+                    </a:p>
+                  </a:txBody>
+                  <a:tcPr marL="72719" marR="72719" marT="72719" marB="72719" anchor="ctr">
+                    <a:lnL w="9525" cap="flat" cmpd="sng" algn="ctr">
+                      <a:solidFill>
+                        <a:srgbClr val="CCCCCC"/>
+                      </a:solidFill>
+                      <a:prstDash val="solid"/>
+                      <a:round/>
+                      <a:headEnd type="none" w="med" len="med"/>
+                      <a:tailEnd type="none" w="med" len="med"/>
+                    </a:lnL>
+                    <a:lnR w="9525" cap="flat" cmpd="sng" algn="ctr">
+                      <a:solidFill>
+                        <a:srgbClr val="CCCCCC"/>
+                      </a:solidFill>
+                      <a:prstDash val="solid"/>
+                      <a:round/>
+                      <a:headEnd type="none" w="med" len="med"/>
+                      <a:tailEnd type="none" w="med" len="med"/>
+                    </a:lnR>
+                    <a:lnT w="9525" cap="flat" cmpd="sng" algn="ctr">
+                      <a:solidFill>
+                        <a:srgbClr val="CCCCCC"/>
+                      </a:solidFill>
+                      <a:prstDash val="solid"/>
+                      <a:round/>
+                      <a:headEnd type="none" w="med" len="med"/>
+                      <a:tailEnd type="none" w="med" len="med"/>
+                    </a:lnT>
+                    <a:lnB w="9525" cap="flat" cmpd="sng" algn="ctr">
+                      <a:solidFill>
+                        <a:srgbClr val="CCCCCC"/>
+                      </a:solidFill>
+                      <a:prstDash val="solid"/>
+                      <a:round/>
+                      <a:headEnd type="none" w="med" len="med"/>
+                      <a:tailEnd type="none" w="med" len="med"/>
+                    </a:lnB>
+                  </a:tcPr>
+                </a:tc>
+                <a:tc>
+                  <a:txBody>
+                    <a:bodyPr/>
+                    <a:lstStyle/>
+                    <a:p>
+                      <a:r>
+                        <a:rPr lang="zh-CN" altLang="en-US" sz="900" dirty="0">
+                          <a:effectLst/>
+                        </a:rPr>
+                        <a:t>返回多个参数中最小的那个。如果有超过一个参数都最小，则返回第一个最小的参数。</a:t>
+                      </a:r>
+                    </a:p>
+                  </a:txBody>
+                  <a:tcPr marL="72719" marR="72719" marT="72719" marB="72719" anchor="ctr">
+                    <a:lnL w="9525" cap="flat" cmpd="sng" algn="ctr">
+                      <a:solidFill>
+                        <a:srgbClr val="CCCCCC"/>
+                      </a:solidFill>
+                      <a:prstDash val="solid"/>
+                      <a:round/>
+                      <a:headEnd type="none" w="med" len="med"/>
+                      <a:tailEnd type="none" w="med" len="med"/>
+                    </a:lnL>
+                    <a:lnR w="9525" cap="flat" cmpd="sng" algn="ctr">
+                      <a:solidFill>
+                        <a:srgbClr val="CCCCCC"/>
+                      </a:solidFill>
+                      <a:prstDash val="solid"/>
+                      <a:round/>
+                      <a:headEnd type="none" w="med" len="med"/>
+                      <a:tailEnd type="none" w="med" len="med"/>
+                    </a:lnR>
+                    <a:lnT w="9525" cap="flat" cmpd="sng" algn="ctr">
+                      <a:solidFill>
+                        <a:srgbClr val="CCCCCC"/>
+                      </a:solidFill>
+                      <a:prstDash val="solid"/>
+                      <a:round/>
+                      <a:headEnd type="none" w="med" len="med"/>
+                      <a:tailEnd type="none" w="med" len="med"/>
+                    </a:lnT>
+                    <a:lnB w="9525" cap="flat" cmpd="sng" algn="ctr">
+                      <a:solidFill>
+                        <a:srgbClr val="CCCCCC"/>
+                      </a:solidFill>
+                      <a:prstDash val="solid"/>
+                      <a:round/>
+                      <a:headEnd type="none" w="med" len="med"/>
+                      <a:tailEnd type="none" w="med" len="med"/>
+                    </a:lnB>
+                  </a:tcPr>
+                </a:tc>
+                <a:tc>
+                  <a:txBody>
+                    <a:bodyPr/>
+                    <a:lstStyle/>
+                    <a:p>
+                      <a:r>
+                        <a:rPr lang="en-US" sz="900" u="sng">
+                          <a:solidFill>
+                            <a:srgbClr val="00A19E"/>
+                          </a:solidFill>
+                          <a:effectLst/>
+                          <a:hlinkClick r:id="rId11"/>
+                        </a:rPr>
+                        <a:t>max(E, E, E, E...)</a:t>
+                      </a:r>
+                      <a:endParaRPr lang="en-US" sz="900">
+                        <a:effectLst/>
+                      </a:endParaRPr>
+                    </a:p>
+                  </a:txBody>
+                  <a:tcPr marL="72719" marR="72719" marT="72719" marB="72719" anchor="ctr">
+                    <a:lnL w="9525" cap="flat" cmpd="sng" algn="ctr">
+                      <a:solidFill>
+                        <a:srgbClr val="CCCCCC"/>
+                      </a:solidFill>
+                      <a:prstDash val="solid"/>
+                      <a:round/>
+                      <a:headEnd type="none" w="med" len="med"/>
+                      <a:tailEnd type="none" w="med" len="med"/>
+                    </a:lnL>
+                    <a:lnR w="9525" cap="flat" cmpd="sng" algn="ctr">
+                      <a:solidFill>
+                        <a:srgbClr val="CCCCCC"/>
+                      </a:solidFill>
+                      <a:prstDash val="solid"/>
+                      <a:round/>
+                      <a:headEnd type="none" w="med" len="med"/>
+                      <a:tailEnd type="none" w="med" len="med"/>
+                    </a:lnR>
+                    <a:lnT w="9525" cap="flat" cmpd="sng" algn="ctr">
+                      <a:solidFill>
+                        <a:srgbClr val="CCCCCC"/>
+                      </a:solidFill>
+                      <a:prstDash val="solid"/>
+                      <a:round/>
+                      <a:headEnd type="none" w="med" len="med"/>
+                      <a:tailEnd type="none" w="med" len="med"/>
+                    </a:lnT>
+                    <a:lnB w="9525" cap="flat" cmpd="sng" algn="ctr">
+                      <a:solidFill>
+                        <a:srgbClr val="CCCCCC"/>
+                      </a:solidFill>
+                      <a:prstDash val="solid"/>
+                      <a:round/>
+                      <a:headEnd type="none" w="med" len="med"/>
+                      <a:tailEnd type="none" w="med" len="med"/>
+                    </a:lnB>
+                  </a:tcPr>
+                </a:tc>
+              </a:tr>
+              <a:tr h="744855">
+                <a:tc>
+                  <a:txBody>
+                    <a:bodyPr/>
+                    <a:lstStyle/>
+                    <a:p>
+                      <a:r>
+                        <a:rPr lang="en-US" sz="900" u="sng">
+                          <a:solidFill>
+                            <a:srgbClr val="00A19E"/>
+                          </a:solidFill>
+                          <a:effectLst/>
+                          <a:hlinkClick r:id="rId12"/>
+                        </a:rPr>
+                        <a:t>min(Iterable)</a:t>
+                      </a:r>
+                      <a:endParaRPr lang="en-US" sz="900">
+                        <a:effectLst/>
+                      </a:endParaRPr>
+                    </a:p>
+                  </a:txBody>
+                  <a:tcPr marL="72719" marR="72719" marT="72719" marB="72719" anchor="ctr">
+                    <a:lnL w="9525" cap="flat" cmpd="sng" algn="ctr">
+                      <a:solidFill>
+                        <a:srgbClr val="CCCCCC"/>
+                      </a:solidFill>
+                      <a:prstDash val="solid"/>
+                      <a:round/>
+                      <a:headEnd type="none" w="med" len="med"/>
+                      <a:tailEnd type="none" w="med" len="med"/>
+                    </a:lnL>
+                    <a:lnR w="9525" cap="flat" cmpd="sng" algn="ctr">
+                      <a:solidFill>
+                        <a:srgbClr val="CCCCCC"/>
+                      </a:solidFill>
+                      <a:prstDash val="solid"/>
+                      <a:round/>
+                      <a:headEnd type="none" w="med" len="med"/>
+                      <a:tailEnd type="none" w="med" len="med"/>
+                    </a:lnR>
+                    <a:lnT w="9525" cap="flat" cmpd="sng" algn="ctr">
+                      <a:solidFill>
+                        <a:srgbClr val="CCCCCC"/>
+                      </a:solidFill>
+                      <a:prstDash val="solid"/>
+                      <a:round/>
+                      <a:headEnd type="none" w="med" len="med"/>
+                      <a:tailEnd type="none" w="med" len="med"/>
+                    </a:lnT>
+                    <a:lnB w="9525" cap="flat" cmpd="sng" algn="ctr">
+                      <a:solidFill>
+                        <a:srgbClr val="CCCCCC"/>
+                      </a:solidFill>
+                      <a:prstDash val="solid"/>
+                      <a:round/>
+                      <a:headEnd type="none" w="med" len="med"/>
+                      <a:tailEnd type="none" w="med" len="med"/>
+                    </a:lnB>
+                  </a:tcPr>
+                </a:tc>
+                <a:tc>
+                  <a:txBody>
+                    <a:bodyPr/>
+                    <a:lstStyle/>
+                    <a:p>
+                      <a:r>
+                        <a:rPr lang="zh-CN" altLang="en-US" sz="900">
+                          <a:effectLst/>
+                        </a:rPr>
+                        <a:t>返回迭代器中最小的元素。如果可迭代对象中没有元素，则抛出</a:t>
+                      </a:r>
+                      <a:r>
+                        <a:rPr lang="en-US" sz="900">
+                          <a:effectLst/>
+                        </a:rPr>
+                        <a:t>NoSuchElementException。</a:t>
+                      </a:r>
+                    </a:p>
+                  </a:txBody>
+                  <a:tcPr marL="72719" marR="72719" marT="72719" marB="72719" anchor="ctr">
+                    <a:lnL w="9525" cap="flat" cmpd="sng" algn="ctr">
+                      <a:solidFill>
+                        <a:srgbClr val="CCCCCC"/>
+                      </a:solidFill>
+                      <a:prstDash val="solid"/>
+                      <a:round/>
+                      <a:headEnd type="none" w="med" len="med"/>
+                      <a:tailEnd type="none" w="med" len="med"/>
+                    </a:lnL>
+                    <a:lnR w="9525" cap="flat" cmpd="sng" algn="ctr">
+                      <a:solidFill>
+                        <a:srgbClr val="CCCCCC"/>
+                      </a:solidFill>
+                      <a:prstDash val="solid"/>
+                      <a:round/>
+                      <a:headEnd type="none" w="med" len="med"/>
+                      <a:tailEnd type="none" w="med" len="med"/>
+                    </a:lnR>
+                    <a:lnT w="9525" cap="flat" cmpd="sng" algn="ctr">
+                      <a:solidFill>
+                        <a:srgbClr val="CCCCCC"/>
+                      </a:solidFill>
+                      <a:prstDash val="solid"/>
+                      <a:round/>
+                      <a:headEnd type="none" w="med" len="med"/>
+                      <a:tailEnd type="none" w="med" len="med"/>
+                    </a:lnT>
+                    <a:lnB w="9525" cap="flat" cmpd="sng" algn="ctr">
+                      <a:solidFill>
+                        <a:srgbClr val="CCCCCC"/>
+                      </a:solidFill>
+                      <a:prstDash val="solid"/>
+                      <a:round/>
+                      <a:headEnd type="none" w="med" len="med"/>
+                      <a:tailEnd type="none" w="med" len="med"/>
+                    </a:lnB>
+                  </a:tcPr>
+                </a:tc>
+                <a:tc>
+                  <a:txBody>
+                    <a:bodyPr/>
+                    <a:lstStyle/>
+                    <a:p>
+                      <a:r>
+                        <a:rPr lang="en-US" sz="900" u="sng" dirty="0">
+                          <a:solidFill>
+                            <a:srgbClr val="00A19E"/>
+                          </a:solidFill>
+                          <a:effectLst/>
+                          <a:hlinkClick r:id="rId13"/>
+                        </a:rPr>
+                        <a:t>max(</a:t>
+                      </a:r>
+                      <a:r>
+                        <a:rPr lang="en-US" sz="900" u="sng" dirty="0" err="1">
+                          <a:solidFill>
+                            <a:srgbClr val="00A19E"/>
+                          </a:solidFill>
+                          <a:effectLst/>
+                          <a:hlinkClick r:id="rId13"/>
+                        </a:rPr>
+                        <a:t>Iterable</a:t>
+                      </a:r>
+                      <a:r>
+                        <a:rPr lang="en-US" sz="900" u="sng" dirty="0">
+                          <a:solidFill>
+                            <a:srgbClr val="00A19E"/>
+                          </a:solidFill>
+                          <a:effectLst/>
+                          <a:hlinkClick r:id="rId13"/>
+                        </a:rPr>
+                        <a:t>)</a:t>
+                      </a:r>
+                      <a:r>
+                        <a:rPr lang="en-US" sz="900" dirty="0">
+                          <a:effectLst/>
+                        </a:rPr>
+                        <a:t>, </a:t>
+                      </a:r>
+                      <a:r>
+                        <a:rPr lang="en-US" sz="900" u="sng" dirty="0">
+                          <a:solidFill>
+                            <a:srgbClr val="00A19E"/>
+                          </a:solidFill>
+                          <a:effectLst/>
+                          <a:hlinkClick r:id="rId14"/>
+                        </a:rPr>
+                        <a:t>min(Iterator)</a:t>
+                      </a:r>
+                      <a:r>
+                        <a:rPr lang="en-US" sz="900" dirty="0">
+                          <a:effectLst/>
+                        </a:rPr>
+                        <a:t>, </a:t>
+                      </a:r>
+                      <a:r>
+                        <a:rPr lang="en-US" sz="900" u="sng" dirty="0">
+                          <a:solidFill>
+                            <a:srgbClr val="00A19E"/>
+                          </a:solidFill>
+                          <a:effectLst/>
+                          <a:hlinkClick r:id="rId15"/>
+                        </a:rPr>
+                        <a:t>max(Iterator)</a:t>
+                      </a:r>
+                      <a:endParaRPr lang="en-US" sz="900" dirty="0">
+                        <a:effectLst/>
+                      </a:endParaRPr>
+                    </a:p>
+                  </a:txBody>
+                  <a:tcPr marL="72719" marR="72719" marT="72719" marB="72719" anchor="ctr">
+                    <a:lnL w="9525" cap="flat" cmpd="sng" algn="ctr">
+                      <a:solidFill>
+                        <a:srgbClr val="CCCCCC"/>
+                      </a:solidFill>
+                      <a:prstDash val="solid"/>
+                      <a:round/>
+                      <a:headEnd type="none" w="med" len="med"/>
+                      <a:tailEnd type="none" w="med" len="med"/>
+                    </a:lnL>
+                    <a:lnR w="9525" cap="flat" cmpd="sng" algn="ctr">
+                      <a:solidFill>
+                        <a:srgbClr val="CCCCCC"/>
+                      </a:solidFill>
+                      <a:prstDash val="solid"/>
+                      <a:round/>
+                      <a:headEnd type="none" w="med" len="med"/>
+                      <a:tailEnd type="none" w="med" len="med"/>
+                    </a:lnR>
+                    <a:lnT w="9525" cap="flat" cmpd="sng" algn="ctr">
+                      <a:solidFill>
+                        <a:srgbClr val="CCCCCC"/>
+                      </a:solidFill>
+                      <a:prstDash val="solid"/>
+                      <a:round/>
+                      <a:headEnd type="none" w="med" len="med"/>
+                      <a:tailEnd type="none" w="med" len="med"/>
+                    </a:lnT>
+                    <a:lnB w="9525" cap="flat" cmpd="sng" algn="ctr">
+                      <a:solidFill>
+                        <a:srgbClr val="CCCCCC"/>
+                      </a:solidFill>
+                      <a:prstDash val="solid"/>
+                      <a:round/>
+                      <a:headEnd type="none" w="med" len="med"/>
+                      <a:tailEnd type="none" w="med" len="med"/>
+                    </a:lnB>
+                  </a:tcPr>
+                </a:tc>
+              </a:tr>
+            </a:tbl>
+          </a:graphicData>
+        </a:graphic>
+      </p:graphicFrame>
+    </p:spTree>
+    <p:extLst>
+      <p:ext uri="{BB962C8B-B14F-4D97-AF65-F5344CB8AC3E}">
+        <p14:creationId xmlns:p14="http://schemas.microsoft.com/office/powerpoint/2010/main" val="3771622621"/>
+      </p:ext>
+    </p:extLst>
+  </p:cSld>
+  <p:clrMapOvr>
+    <a:masterClrMapping/>
+  </p:clrMapOvr>
+  <p:timing>
+    <p:tnLst>
+      <p:par>
+        <p:cTn id="1" dur="indefinite" restart="never" nodeType="tmRoot"/>
+      </p:par>
+    </p:tnLst>
+  </p:timing>
+</p:sld>
+</file>
+
+<file path=ppt/slides/slide26.xml><?xml version="1.0" encoding="utf-8"?>
+<p:sld xmlns:a="http://schemas.openxmlformats.org/drawingml/2006/main" xmlns:r="http://schemas.openxmlformats.org/officeDocument/2006/relationships" xmlns:p="http://schemas.openxmlformats.org/presentationml/2006/main">
+  <p:cSld>
+    <p:spTree>
+      <p:nvGrpSpPr>
+        <p:cNvPr id="1" name=""/>
+        <p:cNvGrpSpPr/>
+        <p:nvPr/>
+      </p:nvGrpSpPr>
+      <p:grpSpPr>
+        <a:xfrm>
+          <a:off x="0" y="0"/>
+          <a:ext cx="0" cy="0"/>
+          <a:chOff x="0" y="0"/>
+          <a:chExt cx="0" cy="0"/>
+        </a:xfrm>
+      </p:grpSpPr>
+      <p:sp>
+        <p:nvSpPr>
+          <p:cNvPr id="6" name="TextBox 5"/>
+          <p:cNvSpPr txBox="1"/>
+          <p:nvPr/>
+        </p:nvSpPr>
+        <p:spPr bwMode="auto">
+          <a:xfrm>
+            <a:off x="743816" y="457200"/>
+            <a:ext cx="2262158" cy="523220"/>
+          </a:xfrm>
+          <a:prstGeom prst="rect">
+            <a:avLst/>
+          </a:prstGeom>
+          <a:noFill/>
+          <a:ln w="9525">
+            <a:noFill/>
+            <a:miter lim="800000"/>
+            <a:headEnd/>
+            <a:tailEnd/>
+          </a:ln>
+        </p:spPr>
+        <p:txBody>
+          <a:bodyPr wrap="none" rtlCol="0">
+            <a:spAutoFit/>
+          </a:bodyPr>
+          <a:lstStyle/>
+          <a:p>
+            <a:r>
+              <a:rPr lang="en-US" altLang="zh-CN" sz="2800" dirty="0"/>
+              <a:t>Basic </a:t>
+            </a:r>
+            <a:r>
+              <a:rPr lang="en-US" altLang="zh-CN" sz="2800" dirty="0" smtClean="0"/>
+              <a:t>utilities</a:t>
+            </a:r>
+            <a:endParaRPr lang="en-US" altLang="zh-CN" sz="2800" dirty="0"/>
+          </a:p>
+        </p:txBody>
+      </p:sp>
+      <p:sp>
+        <p:nvSpPr>
+          <p:cNvPr id="3" name="TextBox 2"/>
+          <p:cNvSpPr txBox="1"/>
+          <p:nvPr/>
+        </p:nvSpPr>
+        <p:spPr bwMode="auto">
+          <a:xfrm>
+            <a:off x="780102" y="1309048"/>
+            <a:ext cx="7028584" cy="369332"/>
+          </a:xfrm>
+          <a:prstGeom prst="rect">
+            <a:avLst/>
+          </a:prstGeom>
+          <a:noFill/>
+          <a:ln w="9525">
+            <a:noFill/>
+            <a:miter lim="800000"/>
+            <a:headEnd/>
+            <a:tailEnd/>
+          </a:ln>
+        </p:spPr>
+        <p:txBody>
+          <a:bodyPr wrap="square" rtlCol="0">
+            <a:spAutoFit/>
+          </a:bodyPr>
+          <a:lstStyle/>
+          <a:p>
+            <a:r>
+              <a:rPr lang="en-US" altLang="zh-CN" dirty="0"/>
+              <a:t>Ordering</a:t>
+            </a:r>
+            <a:endParaRPr lang="zh-CN" altLang="en-US" dirty="0"/>
+          </a:p>
+        </p:txBody>
+      </p:sp>
+      <p:pic>
+        <p:nvPicPr>
+          <p:cNvPr id="7" name="图片 6"/>
+          <p:cNvPicPr>
+            <a:picLocks noChangeAspect="1"/>
+          </p:cNvPicPr>
+          <p:nvPr/>
+        </p:nvPicPr>
+        <p:blipFill>
+          <a:blip r:embed="rId2"/>
+          <a:stretch>
+            <a:fillRect/>
+          </a:stretch>
+        </p:blipFill>
+        <p:spPr>
+          <a:xfrm>
+            <a:off x="2208679" y="2032408"/>
+            <a:ext cx="4171429" cy="2971429"/>
+          </a:xfrm>
+          <a:prstGeom prst="rect">
+            <a:avLst/>
+          </a:prstGeom>
+        </p:spPr>
+      </p:pic>
+    </p:spTree>
+    <p:extLst>
+      <p:ext uri="{BB962C8B-B14F-4D97-AF65-F5344CB8AC3E}">
+        <p14:creationId xmlns:p14="http://schemas.microsoft.com/office/powerpoint/2010/main" val="1430876533"/>
+      </p:ext>
+    </p:extLst>
+  </p:cSld>
+  <p:clrMapOvr>
+    <a:masterClrMapping/>
+  </p:clrMapOvr>
+  <p:timing>
+    <p:tnLst>
+      <p:par>
+        <p:cTn id="1" dur="indefinite" restart="never" nodeType="tmRoot"/>
+      </p:par>
+    </p:tnLst>
+  </p:timing>
+</p:sld>
+</file>
+
+<file path=ppt/slides/slide27.xml><?xml version="1.0" encoding="utf-8"?>
+<p:sld xmlns:a="http://schemas.openxmlformats.org/drawingml/2006/main" xmlns:r="http://schemas.openxmlformats.org/officeDocument/2006/relationships" xmlns:p="http://schemas.openxmlformats.org/presentationml/2006/main">
+  <p:cSld>
+    <p:spTree>
+      <p:nvGrpSpPr>
+        <p:cNvPr id="1" name=""/>
+        <p:cNvGrpSpPr/>
+        <p:nvPr/>
+      </p:nvGrpSpPr>
+      <p:grpSpPr>
+        <a:xfrm>
+          <a:off x="0" y="0"/>
+          <a:ext cx="0" cy="0"/>
+          <a:chOff x="0" y="0"/>
+          <a:chExt cx="0" cy="0"/>
+        </a:xfrm>
+      </p:grpSpPr>
+      <p:sp>
+        <p:nvSpPr>
+          <p:cNvPr id="6" name="TextBox 5"/>
+          <p:cNvSpPr txBox="1"/>
+          <p:nvPr/>
+        </p:nvSpPr>
+        <p:spPr bwMode="auto">
+          <a:xfrm>
+            <a:off x="743816" y="457200"/>
+            <a:ext cx="2262158" cy="523220"/>
+          </a:xfrm>
+          <a:prstGeom prst="rect">
+            <a:avLst/>
+          </a:prstGeom>
+          <a:noFill/>
+          <a:ln w="9525">
+            <a:noFill/>
+            <a:miter lim="800000"/>
+            <a:headEnd/>
+            <a:tailEnd/>
+          </a:ln>
+        </p:spPr>
+        <p:txBody>
+          <a:bodyPr wrap="none" rtlCol="0">
+            <a:spAutoFit/>
+          </a:bodyPr>
+          <a:lstStyle/>
+          <a:p>
+            <a:r>
+              <a:rPr lang="en-US" altLang="zh-CN" sz="2800" dirty="0"/>
+              <a:t>Basic </a:t>
+            </a:r>
+            <a:r>
+              <a:rPr lang="en-US" altLang="zh-CN" sz="2800" dirty="0" smtClean="0"/>
+              <a:t>utilities</a:t>
+            </a:r>
+            <a:endParaRPr lang="en-US" altLang="zh-CN" sz="2800" dirty="0"/>
+          </a:p>
+        </p:txBody>
+      </p:sp>
+      <p:sp>
+        <p:nvSpPr>
+          <p:cNvPr id="3" name="TextBox 2"/>
+          <p:cNvSpPr txBox="1"/>
+          <p:nvPr/>
+        </p:nvSpPr>
+        <p:spPr bwMode="auto">
+          <a:xfrm>
+            <a:off x="780102" y="1309048"/>
+            <a:ext cx="7028584" cy="369332"/>
+          </a:xfrm>
+          <a:prstGeom prst="rect">
+            <a:avLst/>
+          </a:prstGeom>
+          <a:noFill/>
+          <a:ln w="9525">
+            <a:noFill/>
+            <a:miter lim="800000"/>
+            <a:headEnd/>
+            <a:tailEnd/>
+          </a:ln>
+        </p:spPr>
+        <p:txBody>
+          <a:bodyPr wrap="square" rtlCol="0">
+            <a:spAutoFit/>
+          </a:bodyPr>
+          <a:lstStyle/>
+          <a:p>
+            <a:r>
+              <a:rPr lang="en-US" altLang="zh-CN" dirty="0"/>
+              <a:t>Ordering</a:t>
+            </a:r>
+            <a:endParaRPr lang="zh-CN" altLang="en-US" dirty="0"/>
+          </a:p>
+        </p:txBody>
+      </p:sp>
+      <p:pic>
+        <p:nvPicPr>
+          <p:cNvPr id="8" name="图片 7"/>
+          <p:cNvPicPr>
+            <a:picLocks noChangeAspect="1"/>
+          </p:cNvPicPr>
+          <p:nvPr/>
+        </p:nvPicPr>
+        <p:blipFill>
+          <a:blip r:embed="rId2"/>
+          <a:stretch>
+            <a:fillRect/>
+          </a:stretch>
+        </p:blipFill>
+        <p:spPr>
+          <a:xfrm>
+            <a:off x="457200" y="1905000"/>
+            <a:ext cx="8305800" cy="3285714"/>
+          </a:xfrm>
+          <a:prstGeom prst="rect">
+            <a:avLst/>
+          </a:prstGeom>
+        </p:spPr>
+      </p:pic>
+    </p:spTree>
+    <p:extLst>
+      <p:ext uri="{BB962C8B-B14F-4D97-AF65-F5344CB8AC3E}">
+        <p14:creationId xmlns:p14="http://schemas.microsoft.com/office/powerpoint/2010/main" val="4265620856"/>
+      </p:ext>
+    </p:extLst>
+  </p:cSld>
+  <p:clrMapOvr>
+    <a:masterClrMapping/>
+  </p:clrMapOvr>
+  <p:timing>
+    <p:tnLst>
+      <p:par>
+        <p:cTn id="1" dur="indefinite" restart="never" nodeType="tmRoot"/>
+      </p:par>
+    </p:tnLst>
+  </p:timing>
+</p:sld>
+</file>
+
+<file path=ppt/slides/slide28.xml><?xml version="1.0" encoding="utf-8"?>
+<p:sld xmlns:a="http://schemas.openxmlformats.org/drawingml/2006/main" xmlns:r="http://schemas.openxmlformats.org/officeDocument/2006/relationships" xmlns:p="http://schemas.openxmlformats.org/presentationml/2006/main">
+  <p:cSld>
+    <p:spTree>
+      <p:nvGrpSpPr>
+        <p:cNvPr id="1" name=""/>
+        <p:cNvGrpSpPr/>
+        <p:nvPr/>
+      </p:nvGrpSpPr>
+      <p:grpSpPr>
+        <a:xfrm>
+          <a:off x="0" y="0"/>
+          <a:ext cx="0" cy="0"/>
+          <a:chOff x="0" y="0"/>
+          <a:chExt cx="0" cy="0"/>
+        </a:xfrm>
+      </p:grpSpPr>
+      <p:sp>
+        <p:nvSpPr>
+          <p:cNvPr id="6" name="TextBox 5"/>
+          <p:cNvSpPr txBox="1"/>
+          <p:nvPr/>
+        </p:nvSpPr>
+        <p:spPr bwMode="auto">
+          <a:xfrm>
+            <a:off x="743816" y="457200"/>
+            <a:ext cx="2262158" cy="523220"/>
+          </a:xfrm>
+          <a:prstGeom prst="rect">
+            <a:avLst/>
+          </a:prstGeom>
+          <a:noFill/>
+          <a:ln w="9525">
+            <a:noFill/>
+            <a:miter lim="800000"/>
+            <a:headEnd/>
+            <a:tailEnd/>
+          </a:ln>
+        </p:spPr>
+        <p:txBody>
+          <a:bodyPr wrap="none" rtlCol="0">
+            <a:spAutoFit/>
+          </a:bodyPr>
+          <a:lstStyle/>
+          <a:p>
+            <a:r>
+              <a:rPr lang="en-US" altLang="zh-CN" sz="2800" dirty="0"/>
+              <a:t>Basic </a:t>
+            </a:r>
+            <a:r>
+              <a:rPr lang="en-US" altLang="zh-CN" sz="2800" dirty="0" smtClean="0"/>
+              <a:t>utilities</a:t>
+            </a:r>
+            <a:endParaRPr lang="en-US" altLang="zh-CN" sz="2800" dirty="0"/>
+          </a:p>
+        </p:txBody>
+      </p:sp>
+      <p:sp>
+        <p:nvSpPr>
+          <p:cNvPr id="3" name="TextBox 2"/>
+          <p:cNvSpPr txBox="1"/>
+          <p:nvPr/>
+        </p:nvSpPr>
+        <p:spPr bwMode="auto">
+          <a:xfrm>
+            <a:off x="780102" y="1309048"/>
+            <a:ext cx="7028584" cy="369332"/>
+          </a:xfrm>
+          <a:prstGeom prst="rect">
+            <a:avLst/>
+          </a:prstGeom>
+          <a:noFill/>
+          <a:ln w="9525">
+            <a:noFill/>
+            <a:miter lim="800000"/>
+            <a:headEnd/>
+            <a:tailEnd/>
+          </a:ln>
+        </p:spPr>
+        <p:txBody>
+          <a:bodyPr wrap="square" rtlCol="0">
+            <a:spAutoFit/>
+          </a:bodyPr>
+          <a:lstStyle/>
+          <a:p>
+            <a:r>
+              <a:rPr lang="en-US" altLang="zh-CN" dirty="0" err="1"/>
+              <a:t>Throwables</a:t>
+            </a:r>
+            <a:r>
+              <a:rPr lang="zh-CN" altLang="en-US" dirty="0"/>
+              <a:t>：简化异常和错误的传播与检查</a:t>
+            </a:r>
+            <a:endParaRPr lang="zh-CN" altLang="en-US" dirty="0"/>
+          </a:p>
+        </p:txBody>
+      </p:sp>
+      <p:sp>
+        <p:nvSpPr>
+          <p:cNvPr id="5" name="TextBox 2"/>
+          <p:cNvSpPr txBox="1"/>
+          <p:nvPr/>
+        </p:nvSpPr>
+        <p:spPr bwMode="auto">
+          <a:xfrm>
+            <a:off x="743816" y="2357823"/>
+            <a:ext cx="7028584" cy="1754326"/>
+          </a:xfrm>
+          <a:prstGeom prst="rect">
+            <a:avLst/>
+          </a:prstGeom>
+          <a:noFill/>
+          <a:ln w="9525">
+            <a:noFill/>
+            <a:miter lim="800000"/>
+            <a:headEnd/>
+            <a:tailEnd/>
+          </a:ln>
+        </p:spPr>
+        <p:txBody>
+          <a:bodyPr wrap="square" rtlCol="0">
+            <a:spAutoFit/>
+          </a:bodyPr>
+          <a:lstStyle/>
+          <a:p>
+            <a:r>
+              <a:rPr lang="zh-CN" altLang="en-US" b="1" dirty="0"/>
+              <a:t>异常传播</a:t>
+            </a:r>
+          </a:p>
+          <a:p>
+            <a:r>
+              <a:rPr lang="zh-CN" altLang="en-US" dirty="0"/>
+              <a:t>有时候，你会想把捕获到的异常再次抛出。这种情况通常发生在</a:t>
+            </a:r>
+            <a:r>
+              <a:rPr lang="en-US" altLang="zh-CN" dirty="0"/>
+              <a:t>Error</a:t>
+            </a:r>
+            <a:r>
+              <a:rPr lang="zh-CN" altLang="en-US" dirty="0"/>
+              <a:t>或</a:t>
+            </a:r>
+            <a:r>
+              <a:rPr lang="en-US" altLang="zh-CN" dirty="0" err="1"/>
+              <a:t>RuntimeException</a:t>
+            </a:r>
+            <a:r>
+              <a:rPr lang="zh-CN" altLang="en-US" dirty="0"/>
+              <a:t>被捕获的时候，你没想捕获它们，但是声明捕获</a:t>
+            </a:r>
+            <a:r>
+              <a:rPr lang="en-US" altLang="zh-CN" dirty="0" err="1"/>
+              <a:t>Throwable</a:t>
+            </a:r>
+            <a:r>
+              <a:rPr lang="zh-CN" altLang="en-US" dirty="0"/>
+              <a:t>和</a:t>
+            </a:r>
+            <a:r>
+              <a:rPr lang="en-US" altLang="zh-CN" dirty="0"/>
+              <a:t>Exception</a:t>
+            </a:r>
+            <a:r>
+              <a:rPr lang="zh-CN" altLang="en-US" dirty="0"/>
+              <a:t>的时候，也包括了了</a:t>
+            </a:r>
+            <a:r>
+              <a:rPr lang="en-US" altLang="zh-CN" dirty="0"/>
+              <a:t>Error</a:t>
+            </a:r>
+            <a:r>
+              <a:rPr lang="zh-CN" altLang="en-US" dirty="0"/>
+              <a:t>或</a:t>
+            </a:r>
+            <a:r>
+              <a:rPr lang="en-US" altLang="zh-CN" dirty="0" err="1"/>
+              <a:t>RuntimeException</a:t>
+            </a:r>
+            <a:r>
+              <a:rPr lang="zh-CN" altLang="en-US" dirty="0"/>
+              <a:t>。</a:t>
+            </a:r>
+            <a:r>
+              <a:rPr lang="en-US" altLang="zh-CN" dirty="0"/>
+              <a:t>Guava</a:t>
+            </a:r>
+            <a:r>
+              <a:rPr lang="zh-CN" altLang="en-US" dirty="0"/>
+              <a:t>提供了若干方法，来判断异常类型并且重新传播异常。</a:t>
+            </a:r>
           </a:p>
         </p:txBody>
       </p:sp>
     </p:spTree>
     <p:extLst>
       <p:ext uri="{BB962C8B-B14F-4D97-AF65-F5344CB8AC3E}">
-        <p14:creationId xmlns:p14="http://schemas.microsoft.com/office/powerpoint/2010/main" val="1865794899"/>
+        <p14:creationId xmlns:p14="http://schemas.microsoft.com/office/powerpoint/2010/main" val="1615591274"/>
+      </p:ext>
+    </p:extLst>
+  </p:cSld>
+  <p:clrMapOvr>
+    <a:masterClrMapping/>
+  </p:clrMapOvr>
+  <p:timing>
+    <p:tnLst>
+      <p:par>
+        <p:cTn id="1" dur="indefinite" restart="never" nodeType="tmRoot"/>
+      </p:par>
+    </p:tnLst>
+  </p:timing>
+</p:sld>
+</file>
+
+<file path=ppt/slides/slide29.xml><?xml version="1.0" encoding="utf-8"?>
+<p:sld xmlns:a="http://schemas.openxmlformats.org/drawingml/2006/main" xmlns:r="http://schemas.openxmlformats.org/officeDocument/2006/relationships" xmlns:p="http://schemas.openxmlformats.org/presentationml/2006/main">
+  <p:cSld>
+    <p:spTree>
+      <p:nvGrpSpPr>
+        <p:cNvPr id="1" name=""/>
+        <p:cNvGrpSpPr/>
+        <p:nvPr/>
+      </p:nvGrpSpPr>
+      <p:grpSpPr>
+        <a:xfrm>
+          <a:off x="0" y="0"/>
+          <a:ext cx="0" cy="0"/>
+          <a:chOff x="0" y="0"/>
+          <a:chExt cx="0" cy="0"/>
+        </a:xfrm>
+      </p:grpSpPr>
+      <p:sp>
+        <p:nvSpPr>
+          <p:cNvPr id="6" name="TextBox 5"/>
+          <p:cNvSpPr txBox="1"/>
+          <p:nvPr/>
+        </p:nvSpPr>
+        <p:spPr bwMode="auto">
+          <a:xfrm>
+            <a:off x="743816" y="457200"/>
+            <a:ext cx="2262158" cy="523220"/>
+          </a:xfrm>
+          <a:prstGeom prst="rect">
+            <a:avLst/>
+          </a:prstGeom>
+          <a:noFill/>
+          <a:ln w="9525">
+            <a:noFill/>
+            <a:miter lim="800000"/>
+            <a:headEnd/>
+            <a:tailEnd/>
+          </a:ln>
+        </p:spPr>
+        <p:txBody>
+          <a:bodyPr wrap="none" rtlCol="0">
+            <a:spAutoFit/>
+          </a:bodyPr>
+          <a:lstStyle/>
+          <a:p>
+            <a:r>
+              <a:rPr lang="en-US" altLang="zh-CN" sz="2800" dirty="0"/>
+              <a:t>Basic </a:t>
+            </a:r>
+            <a:r>
+              <a:rPr lang="en-US" altLang="zh-CN" sz="2800" dirty="0" smtClean="0"/>
+              <a:t>utilities</a:t>
+            </a:r>
+            <a:endParaRPr lang="en-US" altLang="zh-CN" sz="2800" dirty="0"/>
+          </a:p>
+        </p:txBody>
+      </p:sp>
+      <p:sp>
+        <p:nvSpPr>
+          <p:cNvPr id="3" name="TextBox 2"/>
+          <p:cNvSpPr txBox="1"/>
+          <p:nvPr/>
+        </p:nvSpPr>
+        <p:spPr bwMode="auto">
+          <a:xfrm>
+            <a:off x="780102" y="1309048"/>
+            <a:ext cx="7028584" cy="369332"/>
+          </a:xfrm>
+          <a:prstGeom prst="rect">
+            <a:avLst/>
+          </a:prstGeom>
+          <a:noFill/>
+          <a:ln w="9525">
+            <a:noFill/>
+            <a:miter lim="800000"/>
+            <a:headEnd/>
+            <a:tailEnd/>
+          </a:ln>
+        </p:spPr>
+        <p:txBody>
+          <a:bodyPr wrap="square" rtlCol="0">
+            <a:spAutoFit/>
+          </a:bodyPr>
+          <a:lstStyle/>
+          <a:p>
+            <a:r>
+              <a:rPr lang="en-US" altLang="zh-CN" dirty="0" err="1" smtClean="0"/>
+              <a:t>Throwables</a:t>
+            </a:r>
+            <a:endParaRPr lang="zh-CN" altLang="en-US" dirty="0"/>
+          </a:p>
+        </p:txBody>
+      </p:sp>
+      <p:graphicFrame>
+        <p:nvGraphicFramePr>
+          <p:cNvPr id="2" name="表格 1"/>
+          <p:cNvGraphicFramePr>
+            <a:graphicFrameLocks noGrp="1"/>
+          </p:cNvGraphicFramePr>
+          <p:nvPr>
+            <p:extLst>
+              <p:ext uri="{D42A27DB-BD31-4B8C-83A1-F6EECF244321}">
+                <p14:modId xmlns:p14="http://schemas.microsoft.com/office/powerpoint/2010/main" val="3120369161"/>
+              </p:ext>
+            </p:extLst>
+          </p:nvPr>
+        </p:nvGraphicFramePr>
+        <p:xfrm>
+          <a:off x="152400" y="1974351"/>
+          <a:ext cx="8763000" cy="2766060"/>
+        </p:xfrm>
+        <a:graphic>
+          <a:graphicData uri="http://schemas.openxmlformats.org/drawingml/2006/table">
+            <a:tbl>
+              <a:tblPr/>
+              <a:tblGrid>
+                <a:gridCol w="3227729"/>
+                <a:gridCol w="5535271"/>
+              </a:tblGrid>
+              <a:tr h="0">
+                <a:tc>
+                  <a:txBody>
+                    <a:bodyPr/>
+                    <a:lstStyle/>
+                    <a:p>
+                      <a:r>
+                        <a:rPr lang="en-US" altLang="zh-CN" sz="1800" kern="1200" dirty="0" smtClean="0">
+                          <a:solidFill>
+                            <a:schemeClr val="tx1"/>
+                          </a:solidFill>
+                          <a:latin typeface="+mn-lt"/>
+                          <a:ea typeface="+mn-ea"/>
+                          <a:cs typeface="+mn-cs"/>
+                        </a:rPr>
+                        <a:t>&lt;X </a:t>
+                      </a:r>
+                      <a:r>
+                        <a:rPr lang="en-US" altLang="zh-CN" sz="1800" b="1" kern="1200" dirty="0" smtClean="0">
+                          <a:solidFill>
+                            <a:schemeClr val="tx1"/>
+                          </a:solidFill>
+                          <a:latin typeface="+mn-lt"/>
+                          <a:ea typeface="+mn-ea"/>
+                          <a:cs typeface="+mn-cs"/>
+                        </a:rPr>
+                        <a:t>extends </a:t>
+                      </a:r>
+                      <a:r>
+                        <a:rPr lang="en-US" altLang="zh-CN" sz="1800" b="1" kern="1200" dirty="0" err="1" smtClean="0">
+                          <a:solidFill>
+                            <a:schemeClr val="tx1"/>
+                          </a:solidFill>
+                          <a:latin typeface="+mn-lt"/>
+                          <a:ea typeface="+mn-ea"/>
+                          <a:cs typeface="+mn-cs"/>
+                        </a:rPr>
+                        <a:t>Throwable</a:t>
+                      </a:r>
+                      <a:r>
+                        <a:rPr lang="en-US" altLang="zh-CN" sz="1800" b="1" kern="1200" dirty="0" smtClean="0">
+                          <a:solidFill>
+                            <a:schemeClr val="tx1"/>
+                          </a:solidFill>
+                          <a:latin typeface="+mn-lt"/>
+                          <a:ea typeface="+mn-ea"/>
+                          <a:cs typeface="+mn-cs"/>
+                        </a:rPr>
+                        <a:t>&gt; void </a:t>
+                      </a:r>
+                      <a:r>
+                        <a:rPr lang="en-US" altLang="zh-CN" sz="1800" b="1" kern="1200" dirty="0" err="1" smtClean="0">
+                          <a:solidFill>
+                            <a:schemeClr val="tx1"/>
+                          </a:solidFill>
+                          <a:latin typeface="+mn-lt"/>
+                          <a:ea typeface="+mn-ea"/>
+                          <a:cs typeface="+mn-cs"/>
+                        </a:rPr>
+                        <a:t>throwIfInstanceOf</a:t>
+                      </a:r>
+                      <a:r>
+                        <a:rPr lang="en-US" altLang="zh-CN" sz="1800" kern="1200" dirty="0" smtClean="0">
+                          <a:solidFill>
+                            <a:schemeClr val="tx1"/>
+                          </a:solidFill>
+                          <a:latin typeface="+mn-lt"/>
+                          <a:ea typeface="+mn-ea"/>
+                          <a:cs typeface="+mn-cs"/>
+                        </a:rPr>
+                        <a:t>(</a:t>
+                      </a:r>
+                    </a:p>
+                    <a:p>
+                      <a:r>
+                        <a:rPr lang="en-US" altLang="zh-CN" sz="1800" kern="1200" dirty="0" smtClean="0">
+                          <a:solidFill>
+                            <a:schemeClr val="tx1"/>
+                          </a:solidFill>
+                          <a:latin typeface="+mn-lt"/>
+                          <a:ea typeface="+mn-ea"/>
+                          <a:cs typeface="+mn-cs"/>
+                        </a:rPr>
+                        <a:t>      </a:t>
+                      </a:r>
+                      <a:r>
+                        <a:rPr lang="en-US" altLang="zh-CN" sz="1800" kern="1200" dirty="0" err="1" smtClean="0">
+                          <a:solidFill>
+                            <a:schemeClr val="tx1"/>
+                          </a:solidFill>
+                          <a:latin typeface="+mn-lt"/>
+                          <a:ea typeface="+mn-ea"/>
+                          <a:cs typeface="+mn-cs"/>
+                        </a:rPr>
+                        <a:t>Throwable</a:t>
+                      </a:r>
+                      <a:r>
+                        <a:rPr lang="en-US" altLang="zh-CN" sz="1800" kern="1200" dirty="0" smtClean="0">
+                          <a:solidFill>
+                            <a:schemeClr val="tx1"/>
+                          </a:solidFill>
+                          <a:latin typeface="+mn-lt"/>
+                          <a:ea typeface="+mn-ea"/>
+                          <a:cs typeface="+mn-cs"/>
+                        </a:rPr>
+                        <a:t> </a:t>
+                      </a:r>
+                      <a:r>
+                        <a:rPr lang="en-US" altLang="zh-CN" sz="1800" kern="1200" dirty="0" err="1" smtClean="0">
+                          <a:solidFill>
+                            <a:schemeClr val="tx1"/>
+                          </a:solidFill>
+                          <a:latin typeface="+mn-lt"/>
+                          <a:ea typeface="+mn-ea"/>
+                          <a:cs typeface="+mn-cs"/>
+                        </a:rPr>
+                        <a:t>throwable</a:t>
+                      </a:r>
+                      <a:r>
+                        <a:rPr lang="en-US" altLang="zh-CN" sz="1800" kern="1200" dirty="0" smtClean="0">
+                          <a:solidFill>
+                            <a:schemeClr val="tx1"/>
+                          </a:solidFill>
+                          <a:latin typeface="+mn-lt"/>
+                          <a:ea typeface="+mn-ea"/>
+                          <a:cs typeface="+mn-cs"/>
+                        </a:rPr>
+                        <a:t>, Class&lt;X&gt; </a:t>
+                      </a:r>
+                      <a:r>
+                        <a:rPr lang="en-US" altLang="zh-CN" sz="1800" kern="1200" dirty="0" err="1" smtClean="0">
+                          <a:solidFill>
+                            <a:schemeClr val="tx1"/>
+                          </a:solidFill>
+                          <a:latin typeface="+mn-lt"/>
+                          <a:ea typeface="+mn-ea"/>
+                          <a:cs typeface="+mn-cs"/>
+                        </a:rPr>
+                        <a:t>declaredType</a:t>
+                      </a:r>
+                      <a:r>
+                        <a:rPr lang="en-US" altLang="zh-CN" sz="1800" kern="1200" dirty="0" smtClean="0">
+                          <a:solidFill>
+                            <a:schemeClr val="tx1"/>
+                          </a:solidFill>
+                          <a:latin typeface="+mn-lt"/>
+                          <a:ea typeface="+mn-ea"/>
+                          <a:cs typeface="+mn-cs"/>
+                        </a:rPr>
+                        <a:t>) </a:t>
+                      </a:r>
+                      <a:r>
+                        <a:rPr lang="en-US" altLang="zh-CN" sz="1800" b="1" kern="1200" dirty="0" smtClean="0">
+                          <a:solidFill>
+                            <a:schemeClr val="tx1"/>
+                          </a:solidFill>
+                          <a:latin typeface="+mn-lt"/>
+                          <a:ea typeface="+mn-ea"/>
+                          <a:cs typeface="+mn-cs"/>
+                        </a:rPr>
+                        <a:t>throws X</a:t>
+                      </a:r>
+                      <a:endParaRPr lang="en-US" dirty="0">
+                        <a:effectLst/>
+                      </a:endParaRPr>
+                    </a:p>
+                  </a:txBody>
+                  <a:tcPr marL="142875" marR="142875" marT="142875" marB="142875" anchor="ctr">
+                    <a:lnL w="9525" cap="flat" cmpd="sng" algn="ctr">
+                      <a:solidFill>
+                        <a:srgbClr val="CCCCCC"/>
+                      </a:solidFill>
+                      <a:prstDash val="solid"/>
+                      <a:round/>
+                      <a:headEnd type="none" w="med" len="med"/>
+                      <a:tailEnd type="none" w="med" len="med"/>
+                    </a:lnL>
+                    <a:lnR w="9525" cap="flat" cmpd="sng" algn="ctr">
+                      <a:solidFill>
+                        <a:srgbClr val="CCCCCC"/>
+                      </a:solidFill>
+                      <a:prstDash val="solid"/>
+                      <a:round/>
+                      <a:headEnd type="none" w="med" len="med"/>
+                      <a:tailEnd type="none" w="med" len="med"/>
+                    </a:lnR>
+                    <a:lnT w="9525" cap="flat" cmpd="sng" algn="ctr">
+                      <a:solidFill>
+                        <a:srgbClr val="CCCCCC"/>
+                      </a:solidFill>
+                      <a:prstDash val="solid"/>
+                      <a:round/>
+                      <a:headEnd type="none" w="med" len="med"/>
+                      <a:tailEnd type="none" w="med" len="med"/>
+                    </a:lnT>
+                    <a:lnB w="9525" cap="flat" cmpd="sng" algn="ctr">
+                      <a:solidFill>
+                        <a:srgbClr val="CCCCCC"/>
+                      </a:solidFill>
+                      <a:prstDash val="solid"/>
+                      <a:round/>
+                      <a:headEnd type="none" w="med" len="med"/>
+                      <a:tailEnd type="none" w="med" len="med"/>
+                    </a:lnB>
+                  </a:tcPr>
+                </a:tc>
+                <a:tc>
+                  <a:txBody>
+                    <a:bodyPr/>
+                    <a:lstStyle/>
+                    <a:p>
+                      <a:r>
+                        <a:rPr lang="zh-CN" altLang="en-US" dirty="0" smtClean="0">
+                          <a:effectLst/>
+                        </a:rPr>
+                        <a:t>如果是</a:t>
+                      </a:r>
+                      <a:r>
+                        <a:rPr lang="en-US" altLang="zh-CN" sz="1800" kern="1200" dirty="0" err="1" smtClean="0">
+                          <a:solidFill>
+                            <a:schemeClr val="tx1"/>
+                          </a:solidFill>
+                          <a:latin typeface="+mn-lt"/>
+                          <a:ea typeface="+mn-ea"/>
+                          <a:cs typeface="+mn-cs"/>
+                        </a:rPr>
+                        <a:t>declaredType</a:t>
+                      </a:r>
+                      <a:r>
+                        <a:rPr lang="zh-CN" altLang="en-US" sz="1800" kern="1200" dirty="0" smtClean="0">
+                          <a:solidFill>
+                            <a:schemeClr val="tx1"/>
+                          </a:solidFill>
+                          <a:latin typeface="+mn-lt"/>
+                          <a:ea typeface="+mn-ea"/>
+                          <a:cs typeface="+mn-cs"/>
+                        </a:rPr>
+                        <a:t>类型的</a:t>
+                      </a:r>
+                      <a:r>
+                        <a:rPr lang="en-US" altLang="zh-CN" sz="1800" kern="1200" dirty="0" smtClean="0">
+                          <a:solidFill>
+                            <a:schemeClr val="tx1"/>
+                          </a:solidFill>
+                          <a:latin typeface="+mn-lt"/>
+                          <a:ea typeface="+mn-ea"/>
+                          <a:cs typeface="+mn-cs"/>
+                        </a:rPr>
+                        <a:t>Exception</a:t>
+                      </a:r>
+                      <a:r>
+                        <a:rPr lang="zh-CN" altLang="en-US" sz="1800" kern="1200" dirty="0" smtClean="0">
+                          <a:solidFill>
+                            <a:schemeClr val="tx1"/>
+                          </a:solidFill>
+                          <a:latin typeface="+mn-lt"/>
+                          <a:ea typeface="+mn-ea"/>
+                          <a:cs typeface="+mn-cs"/>
+                        </a:rPr>
+                        <a:t>才抛出</a:t>
+                      </a:r>
+                      <a:endParaRPr lang="zh-CN" altLang="en-US" dirty="0">
+                        <a:effectLst/>
+                      </a:endParaRPr>
+                    </a:p>
+                  </a:txBody>
+                  <a:tcPr marL="142875" marR="142875" marT="142875" marB="142875" anchor="ctr">
+                    <a:lnL w="9525" cap="flat" cmpd="sng" algn="ctr">
+                      <a:solidFill>
+                        <a:srgbClr val="CCCCCC"/>
+                      </a:solidFill>
+                      <a:prstDash val="solid"/>
+                      <a:round/>
+                      <a:headEnd type="none" w="med" len="med"/>
+                      <a:tailEnd type="none" w="med" len="med"/>
+                    </a:lnL>
+                    <a:lnR w="9525" cap="flat" cmpd="sng" algn="ctr">
+                      <a:solidFill>
+                        <a:srgbClr val="CCCCCC"/>
+                      </a:solidFill>
+                      <a:prstDash val="solid"/>
+                      <a:round/>
+                      <a:headEnd type="none" w="med" len="med"/>
+                      <a:tailEnd type="none" w="med" len="med"/>
+                    </a:lnR>
+                    <a:lnT w="9525" cap="flat" cmpd="sng" algn="ctr">
+                      <a:solidFill>
+                        <a:srgbClr val="CCCCCC"/>
+                      </a:solidFill>
+                      <a:prstDash val="solid"/>
+                      <a:round/>
+                      <a:headEnd type="none" w="med" len="med"/>
+                      <a:tailEnd type="none" w="med" len="med"/>
+                    </a:lnT>
+                    <a:lnB w="9525" cap="flat" cmpd="sng" algn="ctr">
+                      <a:solidFill>
+                        <a:srgbClr val="CCCCCC"/>
+                      </a:solidFill>
+                      <a:prstDash val="solid"/>
+                      <a:round/>
+                      <a:headEnd type="none" w="med" len="med"/>
+                      <a:tailEnd type="none" w="med" len="med"/>
+                    </a:lnB>
+                  </a:tcPr>
+                </a:tc>
+              </a:tr>
+              <a:tr h="0">
+                <a:tc>
+                  <a:txBody>
+                    <a:bodyPr/>
+                    <a:lstStyle/>
+                    <a:p>
+                      <a:r>
+                        <a:rPr lang="en-US" altLang="zh-CN" sz="1800" b="1" kern="1200" dirty="0" smtClean="0">
+                          <a:solidFill>
+                            <a:schemeClr val="tx1"/>
+                          </a:solidFill>
+                          <a:latin typeface="+mn-lt"/>
+                          <a:ea typeface="+mn-ea"/>
+                          <a:cs typeface="+mn-cs"/>
+                        </a:rPr>
+                        <a:t>void </a:t>
+                      </a:r>
+                      <a:r>
+                        <a:rPr lang="en-US" altLang="zh-CN" sz="1800" b="1" kern="1200" dirty="0" err="1" smtClean="0">
+                          <a:solidFill>
+                            <a:schemeClr val="tx1"/>
+                          </a:solidFill>
+                          <a:latin typeface="+mn-lt"/>
+                          <a:ea typeface="+mn-ea"/>
+                          <a:cs typeface="+mn-cs"/>
+                        </a:rPr>
+                        <a:t>throwIfUnchecked</a:t>
+                      </a:r>
+                      <a:r>
+                        <a:rPr lang="en-US" altLang="zh-CN" sz="1800" b="1" kern="1200" dirty="0" smtClean="0">
+                          <a:solidFill>
+                            <a:schemeClr val="tx1"/>
+                          </a:solidFill>
+                          <a:latin typeface="+mn-lt"/>
+                          <a:ea typeface="+mn-ea"/>
+                          <a:cs typeface="+mn-cs"/>
+                        </a:rPr>
+                        <a:t>(</a:t>
+                      </a:r>
+                      <a:r>
+                        <a:rPr lang="en-US" altLang="zh-CN" sz="1800" b="1" kern="1200" dirty="0" err="1" smtClean="0">
+                          <a:solidFill>
+                            <a:schemeClr val="tx1"/>
+                          </a:solidFill>
+                          <a:latin typeface="+mn-lt"/>
+                          <a:ea typeface="+mn-ea"/>
+                          <a:cs typeface="+mn-cs"/>
+                        </a:rPr>
+                        <a:t>Throwable</a:t>
+                      </a:r>
+                      <a:r>
+                        <a:rPr lang="en-US" altLang="zh-CN" sz="1800" b="1" kern="1200" dirty="0" smtClean="0">
+                          <a:solidFill>
+                            <a:schemeClr val="tx1"/>
+                          </a:solidFill>
+                          <a:latin typeface="+mn-lt"/>
+                          <a:ea typeface="+mn-ea"/>
+                          <a:cs typeface="+mn-cs"/>
+                        </a:rPr>
+                        <a:t> </a:t>
+                      </a:r>
+                      <a:r>
+                        <a:rPr lang="en-US" altLang="zh-CN" sz="1800" b="1" kern="1200" dirty="0" err="1" smtClean="0">
+                          <a:solidFill>
+                            <a:schemeClr val="tx1"/>
+                          </a:solidFill>
+                          <a:latin typeface="+mn-lt"/>
+                          <a:ea typeface="+mn-ea"/>
+                          <a:cs typeface="+mn-cs"/>
+                        </a:rPr>
+                        <a:t>throwable</a:t>
+                      </a:r>
+                      <a:r>
+                        <a:rPr lang="en-US" altLang="zh-CN" sz="1800" b="1" kern="1200" dirty="0" smtClean="0">
+                          <a:solidFill>
+                            <a:schemeClr val="tx1"/>
+                          </a:solidFill>
+                          <a:latin typeface="+mn-lt"/>
+                          <a:ea typeface="+mn-ea"/>
+                          <a:cs typeface="+mn-cs"/>
+                        </a:rPr>
+                        <a:t>)</a:t>
+                      </a:r>
+                      <a:endParaRPr lang="en-US" dirty="0">
+                        <a:effectLst/>
+                      </a:endParaRPr>
+                    </a:p>
+                  </a:txBody>
+                  <a:tcPr marL="142875" marR="142875" marT="142875" marB="142875" anchor="ctr">
+                    <a:lnL w="9525" cap="flat" cmpd="sng" algn="ctr">
+                      <a:solidFill>
+                        <a:srgbClr val="CCCCCC"/>
+                      </a:solidFill>
+                      <a:prstDash val="solid"/>
+                      <a:round/>
+                      <a:headEnd type="none" w="med" len="med"/>
+                      <a:tailEnd type="none" w="med" len="med"/>
+                    </a:lnL>
+                    <a:lnR w="9525" cap="flat" cmpd="sng" algn="ctr">
+                      <a:solidFill>
+                        <a:srgbClr val="CCCCCC"/>
+                      </a:solidFill>
+                      <a:prstDash val="solid"/>
+                      <a:round/>
+                      <a:headEnd type="none" w="med" len="med"/>
+                      <a:tailEnd type="none" w="med" len="med"/>
+                    </a:lnR>
+                    <a:lnT w="9525" cap="flat" cmpd="sng" algn="ctr">
+                      <a:solidFill>
+                        <a:srgbClr val="CCCCCC"/>
+                      </a:solidFill>
+                      <a:prstDash val="solid"/>
+                      <a:round/>
+                      <a:headEnd type="none" w="med" len="med"/>
+                      <a:tailEnd type="none" w="med" len="med"/>
+                    </a:lnT>
+                    <a:lnB w="9525" cap="flat" cmpd="sng" algn="ctr">
+                      <a:solidFill>
+                        <a:srgbClr val="CCCCCC"/>
+                      </a:solidFill>
+                      <a:prstDash val="solid"/>
+                      <a:round/>
+                      <a:headEnd type="none" w="med" len="med"/>
+                      <a:tailEnd type="none" w="med" len="med"/>
+                    </a:lnB>
+                  </a:tcPr>
+                </a:tc>
+                <a:tc>
+                  <a:txBody>
+                    <a:bodyPr/>
+                    <a:lstStyle/>
+                    <a:p>
+                      <a:r>
+                        <a:rPr lang="en-US" dirty="0" err="1">
+                          <a:effectLst/>
+                        </a:rPr>
+                        <a:t>Throwable</a:t>
+                      </a:r>
+                      <a:r>
+                        <a:rPr lang="zh-CN" altLang="en-US" dirty="0">
+                          <a:effectLst/>
+                        </a:rPr>
+                        <a:t>类型为</a:t>
+                      </a:r>
+                      <a:r>
+                        <a:rPr lang="en-US" dirty="0">
+                          <a:effectLst/>
+                        </a:rPr>
+                        <a:t>Error</a:t>
+                      </a:r>
+                      <a:r>
+                        <a:rPr lang="zh-CN" altLang="en-US" dirty="0">
+                          <a:effectLst/>
+                        </a:rPr>
+                        <a:t>或</a:t>
+                      </a:r>
+                      <a:r>
+                        <a:rPr lang="en-US" dirty="0" err="1">
+                          <a:effectLst/>
+                        </a:rPr>
+                        <a:t>RuntimeException</a:t>
+                      </a:r>
+                      <a:r>
+                        <a:rPr lang="zh-CN" altLang="en-US" dirty="0">
+                          <a:effectLst/>
+                        </a:rPr>
+                        <a:t>才抛出</a:t>
+                      </a:r>
+                    </a:p>
+                  </a:txBody>
+                  <a:tcPr marL="142875" marR="142875" marT="142875" marB="142875" anchor="ctr">
+                    <a:lnL w="9525" cap="flat" cmpd="sng" algn="ctr">
+                      <a:solidFill>
+                        <a:srgbClr val="CCCCCC"/>
+                      </a:solidFill>
+                      <a:prstDash val="solid"/>
+                      <a:round/>
+                      <a:headEnd type="none" w="med" len="med"/>
+                      <a:tailEnd type="none" w="med" len="med"/>
+                    </a:lnL>
+                    <a:lnR w="9525" cap="flat" cmpd="sng" algn="ctr">
+                      <a:solidFill>
+                        <a:srgbClr val="CCCCCC"/>
+                      </a:solidFill>
+                      <a:prstDash val="solid"/>
+                      <a:round/>
+                      <a:headEnd type="none" w="med" len="med"/>
+                      <a:tailEnd type="none" w="med" len="med"/>
+                    </a:lnR>
+                    <a:lnT w="9525" cap="flat" cmpd="sng" algn="ctr">
+                      <a:solidFill>
+                        <a:srgbClr val="CCCCCC"/>
+                      </a:solidFill>
+                      <a:prstDash val="solid"/>
+                      <a:round/>
+                      <a:headEnd type="none" w="med" len="med"/>
+                      <a:tailEnd type="none" w="med" len="med"/>
+                    </a:lnT>
+                    <a:lnB w="9525" cap="flat" cmpd="sng" algn="ctr">
+                      <a:solidFill>
+                        <a:srgbClr val="CCCCCC"/>
+                      </a:solidFill>
+                      <a:prstDash val="solid"/>
+                      <a:round/>
+                      <a:headEnd type="none" w="med" len="med"/>
+                      <a:tailEnd type="none" w="med" len="med"/>
+                    </a:lnB>
+                  </a:tcPr>
+                </a:tc>
+              </a:tr>
+            </a:tbl>
+          </a:graphicData>
+        </a:graphic>
+      </p:graphicFrame>
+    </p:spTree>
+    <p:extLst>
+      <p:ext uri="{BB962C8B-B14F-4D97-AF65-F5344CB8AC3E}">
+        <p14:creationId xmlns:p14="http://schemas.microsoft.com/office/powerpoint/2010/main" val="2787112021"/>
       </p:ext>
     </p:extLst>
   </p:cSld>
@@ -9946,6 +12571,914 @@
     <p:extLst>
       <p:ext uri="{BB962C8B-B14F-4D97-AF65-F5344CB8AC3E}">
         <p14:creationId xmlns:p14="http://schemas.microsoft.com/office/powerpoint/2010/main" val="3721763231"/>
+      </p:ext>
+    </p:extLst>
+  </p:cSld>
+  <p:clrMapOvr>
+    <a:masterClrMapping/>
+  </p:clrMapOvr>
+  <p:timing>
+    <p:tnLst>
+      <p:par>
+        <p:cTn id="1" dur="indefinite" restart="never" nodeType="tmRoot"/>
+      </p:par>
+    </p:tnLst>
+  </p:timing>
+</p:sld>
+</file>
+
+<file path=ppt/slides/slide30.xml><?xml version="1.0" encoding="utf-8"?>
+<p:sld xmlns:a="http://schemas.openxmlformats.org/drawingml/2006/main" xmlns:r="http://schemas.openxmlformats.org/officeDocument/2006/relationships" xmlns:p="http://schemas.openxmlformats.org/presentationml/2006/main">
+  <p:cSld>
+    <p:spTree>
+      <p:nvGrpSpPr>
+        <p:cNvPr id="1" name=""/>
+        <p:cNvGrpSpPr/>
+        <p:nvPr/>
+      </p:nvGrpSpPr>
+      <p:grpSpPr>
+        <a:xfrm>
+          <a:off x="0" y="0"/>
+          <a:ext cx="0" cy="0"/>
+          <a:chOff x="0" y="0"/>
+          <a:chExt cx="0" cy="0"/>
+        </a:xfrm>
+      </p:grpSpPr>
+      <p:sp>
+        <p:nvSpPr>
+          <p:cNvPr id="6" name="TextBox 5"/>
+          <p:cNvSpPr txBox="1"/>
+          <p:nvPr/>
+        </p:nvSpPr>
+        <p:spPr bwMode="auto">
+          <a:xfrm>
+            <a:off x="743816" y="457200"/>
+            <a:ext cx="2262158" cy="523220"/>
+          </a:xfrm>
+          <a:prstGeom prst="rect">
+            <a:avLst/>
+          </a:prstGeom>
+          <a:noFill/>
+          <a:ln w="9525">
+            <a:noFill/>
+            <a:miter lim="800000"/>
+            <a:headEnd/>
+            <a:tailEnd/>
+          </a:ln>
+        </p:spPr>
+        <p:txBody>
+          <a:bodyPr wrap="none" rtlCol="0">
+            <a:spAutoFit/>
+          </a:bodyPr>
+          <a:lstStyle/>
+          <a:p>
+            <a:r>
+              <a:rPr lang="en-US" altLang="zh-CN" sz="2800" dirty="0"/>
+              <a:t>Basic </a:t>
+            </a:r>
+            <a:r>
+              <a:rPr lang="en-US" altLang="zh-CN" sz="2800" dirty="0" smtClean="0"/>
+              <a:t>utilities</a:t>
+            </a:r>
+            <a:endParaRPr lang="en-US" altLang="zh-CN" sz="2800" dirty="0"/>
+          </a:p>
+        </p:txBody>
+      </p:sp>
+      <p:sp>
+        <p:nvSpPr>
+          <p:cNvPr id="3" name="TextBox 2"/>
+          <p:cNvSpPr txBox="1"/>
+          <p:nvPr/>
+        </p:nvSpPr>
+        <p:spPr bwMode="auto">
+          <a:xfrm>
+            <a:off x="780102" y="1309048"/>
+            <a:ext cx="7028584" cy="369332"/>
+          </a:xfrm>
+          <a:prstGeom prst="rect">
+            <a:avLst/>
+          </a:prstGeom>
+          <a:noFill/>
+          <a:ln w="9525">
+            <a:noFill/>
+            <a:miter lim="800000"/>
+            <a:headEnd/>
+            <a:tailEnd/>
+          </a:ln>
+        </p:spPr>
+        <p:txBody>
+          <a:bodyPr wrap="square" rtlCol="0">
+            <a:spAutoFit/>
+          </a:bodyPr>
+          <a:lstStyle/>
+          <a:p>
+            <a:r>
+              <a:rPr lang="en-US" altLang="zh-CN" dirty="0" err="1" smtClean="0"/>
+              <a:t>Throwables</a:t>
+            </a:r>
+            <a:endParaRPr lang="zh-CN" altLang="en-US" dirty="0"/>
+          </a:p>
+        </p:txBody>
+      </p:sp>
+      <p:sp>
+        <p:nvSpPr>
+          <p:cNvPr id="7" name="TextBox 2"/>
+          <p:cNvSpPr txBox="1"/>
+          <p:nvPr/>
+        </p:nvSpPr>
+        <p:spPr bwMode="auto">
+          <a:xfrm>
+            <a:off x="914400" y="1974351"/>
+            <a:ext cx="7028584" cy="923330"/>
+          </a:xfrm>
+          <a:prstGeom prst="rect">
+            <a:avLst/>
+          </a:prstGeom>
+          <a:noFill/>
+          <a:ln w="9525">
+            <a:noFill/>
+            <a:miter lim="800000"/>
+            <a:headEnd/>
+            <a:tailEnd/>
+          </a:ln>
+        </p:spPr>
+        <p:txBody>
+          <a:bodyPr wrap="square" rtlCol="0">
+            <a:spAutoFit/>
+          </a:bodyPr>
+          <a:lstStyle/>
+          <a:p>
+            <a:r>
+              <a:rPr lang="zh-CN" altLang="en-US" b="1" dirty="0"/>
+              <a:t>异常原因</a:t>
+            </a:r>
+            <a:r>
+              <a:rPr lang="zh-CN" altLang="en-US" b="1" dirty="0" smtClean="0"/>
+              <a:t>链</a:t>
+            </a:r>
+            <a:r>
+              <a:rPr lang="zh-CN" altLang="en-US" dirty="0"/>
+              <a:t/>
+            </a:r>
+            <a:br>
+              <a:rPr lang="zh-CN" altLang="en-US" dirty="0"/>
+            </a:br>
+            <a:r>
+              <a:rPr lang="en-US" altLang="zh-CN" dirty="0"/>
+              <a:t>Guava</a:t>
+            </a:r>
+            <a:r>
+              <a:rPr lang="zh-CN" altLang="en-US" dirty="0"/>
+              <a:t>提供了如下三个有用的方法，让研究异常的原因链变得稍微简便</a:t>
+            </a:r>
+            <a:r>
+              <a:rPr lang="zh-CN" altLang="en-US" dirty="0" smtClean="0"/>
+              <a:t>了：</a:t>
+            </a:r>
+            <a:endParaRPr lang="zh-CN" altLang="en-US" dirty="0"/>
+          </a:p>
+        </p:txBody>
+      </p:sp>
+      <p:graphicFrame>
+        <p:nvGraphicFramePr>
+          <p:cNvPr id="5" name="表格 4"/>
+          <p:cNvGraphicFramePr>
+            <a:graphicFrameLocks noGrp="1"/>
+          </p:cNvGraphicFramePr>
+          <p:nvPr>
+            <p:extLst>
+              <p:ext uri="{D42A27DB-BD31-4B8C-83A1-F6EECF244321}">
+                <p14:modId xmlns:p14="http://schemas.microsoft.com/office/powerpoint/2010/main" val="4024353965"/>
+              </p:ext>
+            </p:extLst>
+          </p:nvPr>
+        </p:nvGraphicFramePr>
+        <p:xfrm>
+          <a:off x="1143000" y="3505200"/>
+          <a:ext cx="6915150" cy="1680210"/>
+        </p:xfrm>
+        <a:graphic>
+          <a:graphicData uri="http://schemas.openxmlformats.org/drawingml/2006/table">
+            <a:tbl>
+              <a:tblPr/>
+              <a:tblGrid>
+                <a:gridCol w="6915150"/>
+              </a:tblGrid>
+              <a:tr h="0">
+                <a:tc>
+                  <a:txBody>
+                    <a:bodyPr/>
+                    <a:lstStyle/>
+                    <a:p>
+                      <a:r>
+                        <a:rPr lang="en-US" u="sng">
+                          <a:solidFill>
+                            <a:srgbClr val="00A19E"/>
+                          </a:solidFill>
+                          <a:effectLst/>
+                          <a:hlinkClick r:id="rId2"/>
+                        </a:rPr>
+                        <a:t>Throwable   getRootCause(Throwable)</a:t>
+                      </a:r>
+                      <a:endParaRPr lang="en-US">
+                        <a:effectLst/>
+                      </a:endParaRPr>
+                    </a:p>
+                  </a:txBody>
+                  <a:tcPr marL="142875" marR="142875" marT="142875" marB="142875" anchor="ctr">
+                    <a:lnL w="9525" cap="flat" cmpd="sng" algn="ctr">
+                      <a:solidFill>
+                        <a:srgbClr val="CCCCCC"/>
+                      </a:solidFill>
+                      <a:prstDash val="solid"/>
+                      <a:round/>
+                      <a:headEnd type="none" w="med" len="med"/>
+                      <a:tailEnd type="none" w="med" len="med"/>
+                    </a:lnL>
+                    <a:lnR w="9525" cap="flat" cmpd="sng" algn="ctr">
+                      <a:solidFill>
+                        <a:srgbClr val="CCCCCC"/>
+                      </a:solidFill>
+                      <a:prstDash val="solid"/>
+                      <a:round/>
+                      <a:headEnd type="none" w="med" len="med"/>
+                      <a:tailEnd type="none" w="med" len="med"/>
+                    </a:lnR>
+                    <a:lnT w="9525" cap="flat" cmpd="sng" algn="ctr">
+                      <a:solidFill>
+                        <a:srgbClr val="CCCCCC"/>
+                      </a:solidFill>
+                      <a:prstDash val="solid"/>
+                      <a:round/>
+                      <a:headEnd type="none" w="med" len="med"/>
+                      <a:tailEnd type="none" w="med" len="med"/>
+                    </a:lnT>
+                    <a:lnB w="9525" cap="flat" cmpd="sng" algn="ctr">
+                      <a:solidFill>
+                        <a:srgbClr val="CCCCCC"/>
+                      </a:solidFill>
+                      <a:prstDash val="solid"/>
+                      <a:round/>
+                      <a:headEnd type="none" w="med" len="med"/>
+                      <a:tailEnd type="none" w="med" len="med"/>
+                    </a:lnB>
+                  </a:tcPr>
+                </a:tc>
+              </a:tr>
+              <a:tr h="0">
+                <a:tc>
+                  <a:txBody>
+                    <a:bodyPr/>
+                    <a:lstStyle/>
+                    <a:p>
+                      <a:r>
+                        <a:rPr lang="en-US" u="sng">
+                          <a:solidFill>
+                            <a:srgbClr val="00A19E"/>
+                          </a:solidFill>
+                          <a:effectLst/>
+                          <a:hlinkClick r:id="rId3"/>
+                        </a:rPr>
+                        <a:t>List&lt;Throwable&gt;   getCausalChain(Throwable)</a:t>
+                      </a:r>
+                      <a:endParaRPr lang="en-US">
+                        <a:effectLst/>
+                      </a:endParaRPr>
+                    </a:p>
+                  </a:txBody>
+                  <a:tcPr marL="142875" marR="142875" marT="142875" marB="142875" anchor="ctr">
+                    <a:lnL w="9525" cap="flat" cmpd="sng" algn="ctr">
+                      <a:solidFill>
+                        <a:srgbClr val="CCCCCC"/>
+                      </a:solidFill>
+                      <a:prstDash val="solid"/>
+                      <a:round/>
+                      <a:headEnd type="none" w="med" len="med"/>
+                      <a:tailEnd type="none" w="med" len="med"/>
+                    </a:lnL>
+                    <a:lnR w="9525" cap="flat" cmpd="sng" algn="ctr">
+                      <a:solidFill>
+                        <a:srgbClr val="CCCCCC"/>
+                      </a:solidFill>
+                      <a:prstDash val="solid"/>
+                      <a:round/>
+                      <a:headEnd type="none" w="med" len="med"/>
+                      <a:tailEnd type="none" w="med" len="med"/>
+                    </a:lnR>
+                    <a:lnT w="9525" cap="flat" cmpd="sng" algn="ctr">
+                      <a:solidFill>
+                        <a:srgbClr val="CCCCCC"/>
+                      </a:solidFill>
+                      <a:prstDash val="solid"/>
+                      <a:round/>
+                      <a:headEnd type="none" w="med" len="med"/>
+                      <a:tailEnd type="none" w="med" len="med"/>
+                    </a:lnT>
+                    <a:lnB w="9525" cap="flat" cmpd="sng" algn="ctr">
+                      <a:solidFill>
+                        <a:srgbClr val="CCCCCC"/>
+                      </a:solidFill>
+                      <a:prstDash val="solid"/>
+                      <a:round/>
+                      <a:headEnd type="none" w="med" len="med"/>
+                      <a:tailEnd type="none" w="med" len="med"/>
+                    </a:lnB>
+                  </a:tcPr>
+                </a:tc>
+              </a:tr>
+              <a:tr h="0">
+                <a:tc>
+                  <a:txBody>
+                    <a:bodyPr/>
+                    <a:lstStyle/>
+                    <a:p>
+                      <a:r>
+                        <a:rPr lang="en-US" u="sng" dirty="0">
+                          <a:solidFill>
+                            <a:srgbClr val="00A19E"/>
+                          </a:solidFill>
+                          <a:effectLst/>
+                          <a:hlinkClick r:id="rId4"/>
+                        </a:rPr>
+                        <a:t>String   </a:t>
+                      </a:r>
+                      <a:r>
+                        <a:rPr lang="en-US" u="sng" dirty="0" err="1">
+                          <a:solidFill>
+                            <a:srgbClr val="00A19E"/>
+                          </a:solidFill>
+                          <a:effectLst/>
+                          <a:hlinkClick r:id="rId4"/>
+                        </a:rPr>
+                        <a:t>getStackTraceAsString</a:t>
+                      </a:r>
+                      <a:r>
+                        <a:rPr lang="en-US" u="sng" dirty="0">
+                          <a:solidFill>
+                            <a:srgbClr val="00A19E"/>
+                          </a:solidFill>
+                          <a:effectLst/>
+                          <a:hlinkClick r:id="rId4"/>
+                        </a:rPr>
+                        <a:t>(</a:t>
+                      </a:r>
+                      <a:r>
+                        <a:rPr lang="en-US" u="sng" dirty="0" err="1">
+                          <a:solidFill>
+                            <a:srgbClr val="00A19E"/>
+                          </a:solidFill>
+                          <a:effectLst/>
+                          <a:hlinkClick r:id="rId4"/>
+                        </a:rPr>
+                        <a:t>Throwable</a:t>
+                      </a:r>
+                      <a:r>
+                        <a:rPr lang="en-US" u="sng" dirty="0">
+                          <a:solidFill>
+                            <a:srgbClr val="00A19E"/>
+                          </a:solidFill>
+                          <a:effectLst/>
+                          <a:hlinkClick r:id="rId4"/>
+                        </a:rPr>
+                        <a:t>)</a:t>
+                      </a:r>
+                      <a:endParaRPr lang="en-US" dirty="0">
+                        <a:effectLst/>
+                      </a:endParaRPr>
+                    </a:p>
+                  </a:txBody>
+                  <a:tcPr marL="142875" marR="142875" marT="142875" marB="142875" anchor="ctr">
+                    <a:lnL w="9525" cap="flat" cmpd="sng" algn="ctr">
+                      <a:solidFill>
+                        <a:srgbClr val="CCCCCC"/>
+                      </a:solidFill>
+                      <a:prstDash val="solid"/>
+                      <a:round/>
+                      <a:headEnd type="none" w="med" len="med"/>
+                      <a:tailEnd type="none" w="med" len="med"/>
+                    </a:lnL>
+                    <a:lnR w="9525" cap="flat" cmpd="sng" algn="ctr">
+                      <a:solidFill>
+                        <a:srgbClr val="CCCCCC"/>
+                      </a:solidFill>
+                      <a:prstDash val="solid"/>
+                      <a:round/>
+                      <a:headEnd type="none" w="med" len="med"/>
+                      <a:tailEnd type="none" w="med" len="med"/>
+                    </a:lnR>
+                    <a:lnT w="9525" cap="flat" cmpd="sng" algn="ctr">
+                      <a:solidFill>
+                        <a:srgbClr val="CCCCCC"/>
+                      </a:solidFill>
+                      <a:prstDash val="solid"/>
+                      <a:round/>
+                      <a:headEnd type="none" w="med" len="med"/>
+                      <a:tailEnd type="none" w="med" len="med"/>
+                    </a:lnT>
+                    <a:lnB w="9525" cap="flat" cmpd="sng" algn="ctr">
+                      <a:solidFill>
+                        <a:srgbClr val="CCCCCC"/>
+                      </a:solidFill>
+                      <a:prstDash val="solid"/>
+                      <a:round/>
+                      <a:headEnd type="none" w="med" len="med"/>
+                      <a:tailEnd type="none" w="med" len="med"/>
+                    </a:lnB>
+                  </a:tcPr>
+                </a:tc>
+              </a:tr>
+            </a:tbl>
+          </a:graphicData>
+        </a:graphic>
+      </p:graphicFrame>
+    </p:spTree>
+    <p:extLst>
+      <p:ext uri="{BB962C8B-B14F-4D97-AF65-F5344CB8AC3E}">
+        <p14:creationId xmlns:p14="http://schemas.microsoft.com/office/powerpoint/2010/main" val="136223531"/>
+      </p:ext>
+    </p:extLst>
+  </p:cSld>
+  <p:clrMapOvr>
+    <a:masterClrMapping/>
+  </p:clrMapOvr>
+  <p:timing>
+    <p:tnLst>
+      <p:par>
+        <p:cTn id="1" dur="indefinite" restart="never" nodeType="tmRoot"/>
+      </p:par>
+    </p:tnLst>
+  </p:timing>
+</p:sld>
+</file>
+
+<file path=ppt/slides/slide31.xml><?xml version="1.0" encoding="utf-8"?>
+<p:sld xmlns:a="http://schemas.openxmlformats.org/drawingml/2006/main" xmlns:r="http://schemas.openxmlformats.org/officeDocument/2006/relationships" xmlns:p="http://schemas.openxmlformats.org/presentationml/2006/main">
+  <p:cSld>
+    <p:spTree>
+      <p:nvGrpSpPr>
+        <p:cNvPr id="1" name=""/>
+        <p:cNvGrpSpPr/>
+        <p:nvPr/>
+      </p:nvGrpSpPr>
+      <p:grpSpPr>
+        <a:xfrm>
+          <a:off x="0" y="0"/>
+          <a:ext cx="0" cy="0"/>
+          <a:chOff x="0" y="0"/>
+          <a:chExt cx="0" cy="0"/>
+        </a:xfrm>
+      </p:grpSpPr>
+      <p:sp>
+        <p:nvSpPr>
+          <p:cNvPr id="6" name="TextBox 5"/>
+          <p:cNvSpPr txBox="1"/>
+          <p:nvPr/>
+        </p:nvSpPr>
+        <p:spPr bwMode="auto">
+          <a:xfrm>
+            <a:off x="743816" y="457200"/>
+            <a:ext cx="2262158" cy="523220"/>
+          </a:xfrm>
+          <a:prstGeom prst="rect">
+            <a:avLst/>
+          </a:prstGeom>
+          <a:noFill/>
+          <a:ln w="9525">
+            <a:noFill/>
+            <a:miter lim="800000"/>
+            <a:headEnd/>
+            <a:tailEnd/>
+          </a:ln>
+        </p:spPr>
+        <p:txBody>
+          <a:bodyPr wrap="none" rtlCol="0">
+            <a:spAutoFit/>
+          </a:bodyPr>
+          <a:lstStyle/>
+          <a:p>
+            <a:r>
+              <a:rPr lang="en-US" altLang="zh-CN" sz="2800" dirty="0"/>
+              <a:t>Basic </a:t>
+            </a:r>
+            <a:r>
+              <a:rPr lang="en-US" altLang="zh-CN" sz="2800" dirty="0" smtClean="0"/>
+              <a:t>utilities</a:t>
+            </a:r>
+            <a:endParaRPr lang="en-US" altLang="zh-CN" sz="2800" dirty="0"/>
+          </a:p>
+        </p:txBody>
+      </p:sp>
+      <p:sp>
+        <p:nvSpPr>
+          <p:cNvPr id="3" name="TextBox 2"/>
+          <p:cNvSpPr txBox="1"/>
+          <p:nvPr/>
+        </p:nvSpPr>
+        <p:spPr bwMode="auto">
+          <a:xfrm>
+            <a:off x="780102" y="1309048"/>
+            <a:ext cx="7028584" cy="369332"/>
+          </a:xfrm>
+          <a:prstGeom prst="rect">
+            <a:avLst/>
+          </a:prstGeom>
+          <a:noFill/>
+          <a:ln w="9525">
+            <a:noFill/>
+            <a:miter lim="800000"/>
+            <a:headEnd/>
+            <a:tailEnd/>
+          </a:ln>
+        </p:spPr>
+        <p:txBody>
+          <a:bodyPr wrap="square" rtlCol="0">
+            <a:spAutoFit/>
+          </a:bodyPr>
+          <a:lstStyle/>
+          <a:p>
+            <a:r>
+              <a:rPr lang="en-US" altLang="zh-CN" dirty="0" err="1" smtClean="0"/>
+              <a:t>Throwables</a:t>
+            </a:r>
+            <a:endParaRPr lang="zh-CN" altLang="en-US" dirty="0"/>
+          </a:p>
+        </p:txBody>
+      </p:sp>
+      <p:pic>
+        <p:nvPicPr>
+          <p:cNvPr id="2" name="图片 1"/>
+          <p:cNvPicPr>
+            <a:picLocks noChangeAspect="1"/>
+          </p:cNvPicPr>
+          <p:nvPr/>
+        </p:nvPicPr>
+        <p:blipFill>
+          <a:blip r:embed="rId2"/>
+          <a:stretch>
+            <a:fillRect/>
+          </a:stretch>
+        </p:blipFill>
+        <p:spPr>
+          <a:xfrm>
+            <a:off x="2057400" y="2362200"/>
+            <a:ext cx="3885714" cy="2828571"/>
+          </a:xfrm>
+          <a:prstGeom prst="rect">
+            <a:avLst/>
+          </a:prstGeom>
+        </p:spPr>
+      </p:pic>
+    </p:spTree>
+    <p:extLst>
+      <p:ext uri="{BB962C8B-B14F-4D97-AF65-F5344CB8AC3E}">
+        <p14:creationId xmlns:p14="http://schemas.microsoft.com/office/powerpoint/2010/main" val="273213639"/>
+      </p:ext>
+    </p:extLst>
+  </p:cSld>
+  <p:clrMapOvr>
+    <a:masterClrMapping/>
+  </p:clrMapOvr>
+  <p:timing>
+    <p:tnLst>
+      <p:par>
+        <p:cTn id="1" dur="indefinite" restart="never" nodeType="tmRoot"/>
+      </p:par>
+    </p:tnLst>
+  </p:timing>
+</p:sld>
+</file>
+
+<file path=ppt/slides/slide32.xml><?xml version="1.0" encoding="utf-8"?>
+<p:sld xmlns:a="http://schemas.openxmlformats.org/drawingml/2006/main" xmlns:r="http://schemas.openxmlformats.org/officeDocument/2006/relationships" xmlns:p="http://schemas.openxmlformats.org/presentationml/2006/main">
+  <p:cSld>
+    <p:spTree>
+      <p:nvGrpSpPr>
+        <p:cNvPr id="1" name=""/>
+        <p:cNvGrpSpPr/>
+        <p:nvPr/>
+      </p:nvGrpSpPr>
+      <p:grpSpPr>
+        <a:xfrm>
+          <a:off x="0" y="0"/>
+          <a:ext cx="0" cy="0"/>
+          <a:chOff x="0" y="0"/>
+          <a:chExt cx="0" cy="0"/>
+        </a:xfrm>
+      </p:grpSpPr>
+      <p:sp>
+        <p:nvSpPr>
+          <p:cNvPr id="6" name="TextBox 5"/>
+          <p:cNvSpPr txBox="1"/>
+          <p:nvPr/>
+        </p:nvSpPr>
+        <p:spPr bwMode="auto">
+          <a:xfrm>
+            <a:off x="743816" y="457200"/>
+            <a:ext cx="2262158" cy="523220"/>
+          </a:xfrm>
+          <a:prstGeom prst="rect">
+            <a:avLst/>
+          </a:prstGeom>
+          <a:noFill/>
+          <a:ln w="9525">
+            <a:noFill/>
+            <a:miter lim="800000"/>
+            <a:headEnd/>
+            <a:tailEnd/>
+          </a:ln>
+        </p:spPr>
+        <p:txBody>
+          <a:bodyPr wrap="none" rtlCol="0">
+            <a:spAutoFit/>
+          </a:bodyPr>
+          <a:lstStyle/>
+          <a:p>
+            <a:r>
+              <a:rPr lang="en-US" altLang="zh-CN" sz="2800" dirty="0"/>
+              <a:t>Basic </a:t>
+            </a:r>
+            <a:r>
+              <a:rPr lang="en-US" altLang="zh-CN" sz="2800" dirty="0" smtClean="0"/>
+              <a:t>utilities</a:t>
+            </a:r>
+            <a:endParaRPr lang="en-US" altLang="zh-CN" sz="2800" dirty="0"/>
+          </a:p>
+        </p:txBody>
+      </p:sp>
+      <p:sp>
+        <p:nvSpPr>
+          <p:cNvPr id="3" name="TextBox 2"/>
+          <p:cNvSpPr txBox="1"/>
+          <p:nvPr/>
+        </p:nvSpPr>
+        <p:spPr bwMode="auto">
+          <a:xfrm>
+            <a:off x="780102" y="1309048"/>
+            <a:ext cx="7028584" cy="369332"/>
+          </a:xfrm>
+          <a:prstGeom prst="rect">
+            <a:avLst/>
+          </a:prstGeom>
+          <a:noFill/>
+          <a:ln w="9525">
+            <a:noFill/>
+            <a:miter lim="800000"/>
+            <a:headEnd/>
+            <a:tailEnd/>
+          </a:ln>
+        </p:spPr>
+        <p:txBody>
+          <a:bodyPr wrap="square" rtlCol="0">
+            <a:spAutoFit/>
+          </a:bodyPr>
+          <a:lstStyle/>
+          <a:p>
+            <a:r>
+              <a:rPr lang="en-US" altLang="zh-CN" dirty="0" err="1" smtClean="0"/>
+              <a:t>Throwables</a:t>
+            </a:r>
+            <a:endParaRPr lang="zh-CN" altLang="en-US" dirty="0"/>
+          </a:p>
+        </p:txBody>
+      </p:sp>
+      <p:pic>
+        <p:nvPicPr>
+          <p:cNvPr id="4" name="图片 3"/>
+          <p:cNvPicPr>
+            <a:picLocks noChangeAspect="1"/>
+          </p:cNvPicPr>
+          <p:nvPr/>
+        </p:nvPicPr>
+        <p:blipFill>
+          <a:blip r:embed="rId2"/>
+          <a:stretch>
+            <a:fillRect/>
+          </a:stretch>
+        </p:blipFill>
+        <p:spPr>
+          <a:xfrm>
+            <a:off x="2057400" y="2025151"/>
+            <a:ext cx="5161905" cy="3666667"/>
+          </a:xfrm>
+          <a:prstGeom prst="rect">
+            <a:avLst/>
+          </a:prstGeom>
+        </p:spPr>
+      </p:pic>
+    </p:spTree>
+    <p:extLst>
+      <p:ext uri="{BB962C8B-B14F-4D97-AF65-F5344CB8AC3E}">
+        <p14:creationId xmlns:p14="http://schemas.microsoft.com/office/powerpoint/2010/main" val="3354768916"/>
+      </p:ext>
+    </p:extLst>
+  </p:cSld>
+  <p:clrMapOvr>
+    <a:masterClrMapping/>
+  </p:clrMapOvr>
+  <p:timing>
+    <p:tnLst>
+      <p:par>
+        <p:cTn id="1" dur="indefinite" restart="never" nodeType="tmRoot"/>
+      </p:par>
+    </p:tnLst>
+  </p:timing>
+</p:sld>
+</file>
+
+<file path=ppt/slides/slide33.xml><?xml version="1.0" encoding="utf-8"?>
+<p:sld xmlns:a="http://schemas.openxmlformats.org/drawingml/2006/main" xmlns:r="http://schemas.openxmlformats.org/officeDocument/2006/relationships" xmlns:p="http://schemas.openxmlformats.org/presentationml/2006/main">
+  <p:cSld>
+    <p:spTree>
+      <p:nvGrpSpPr>
+        <p:cNvPr id="1" name=""/>
+        <p:cNvGrpSpPr/>
+        <p:nvPr/>
+      </p:nvGrpSpPr>
+      <p:grpSpPr>
+        <a:xfrm>
+          <a:off x="0" y="0"/>
+          <a:ext cx="0" cy="0"/>
+          <a:chOff x="0" y="0"/>
+          <a:chExt cx="0" cy="0"/>
+        </a:xfrm>
+      </p:grpSpPr>
+      <p:sp>
+        <p:nvSpPr>
+          <p:cNvPr id="6" name="TextBox 5"/>
+          <p:cNvSpPr txBox="1"/>
+          <p:nvPr/>
+        </p:nvSpPr>
+        <p:spPr bwMode="auto">
+          <a:xfrm>
+            <a:off x="743816" y="457200"/>
+            <a:ext cx="2262158" cy="523220"/>
+          </a:xfrm>
+          <a:prstGeom prst="rect">
+            <a:avLst/>
+          </a:prstGeom>
+          <a:noFill/>
+          <a:ln w="9525">
+            <a:noFill/>
+            <a:miter lim="800000"/>
+            <a:headEnd/>
+            <a:tailEnd/>
+          </a:ln>
+        </p:spPr>
+        <p:txBody>
+          <a:bodyPr wrap="none" rtlCol="0">
+            <a:spAutoFit/>
+          </a:bodyPr>
+          <a:lstStyle/>
+          <a:p>
+            <a:r>
+              <a:rPr lang="en-US" altLang="zh-CN" sz="2800" dirty="0"/>
+              <a:t>Basic </a:t>
+            </a:r>
+            <a:r>
+              <a:rPr lang="en-US" altLang="zh-CN" sz="2800" dirty="0" smtClean="0"/>
+              <a:t>utilities</a:t>
+            </a:r>
+            <a:endParaRPr lang="en-US" altLang="zh-CN" sz="2800" dirty="0"/>
+          </a:p>
+        </p:txBody>
+      </p:sp>
+      <p:sp>
+        <p:nvSpPr>
+          <p:cNvPr id="3" name="TextBox 2"/>
+          <p:cNvSpPr txBox="1"/>
+          <p:nvPr/>
+        </p:nvSpPr>
+        <p:spPr bwMode="auto">
+          <a:xfrm>
+            <a:off x="780102" y="1309048"/>
+            <a:ext cx="7028584" cy="369332"/>
+          </a:xfrm>
+          <a:prstGeom prst="rect">
+            <a:avLst/>
+          </a:prstGeom>
+          <a:noFill/>
+          <a:ln w="9525">
+            <a:noFill/>
+            <a:miter lim="800000"/>
+            <a:headEnd/>
+            <a:tailEnd/>
+          </a:ln>
+        </p:spPr>
+        <p:txBody>
+          <a:bodyPr wrap="square" rtlCol="0">
+            <a:spAutoFit/>
+          </a:bodyPr>
+          <a:lstStyle/>
+          <a:p>
+            <a:r>
+              <a:rPr lang="en-US" altLang="zh-CN" dirty="0" err="1" smtClean="0"/>
+              <a:t>Throwables</a:t>
+            </a:r>
+            <a:endParaRPr lang="zh-CN" altLang="en-US" dirty="0"/>
+          </a:p>
+        </p:txBody>
+      </p:sp>
+      <p:pic>
+        <p:nvPicPr>
+          <p:cNvPr id="2" name="图片 1"/>
+          <p:cNvPicPr>
+            <a:picLocks noChangeAspect="1"/>
+          </p:cNvPicPr>
+          <p:nvPr/>
+        </p:nvPicPr>
+        <p:blipFill>
+          <a:blip r:embed="rId2"/>
+          <a:stretch>
+            <a:fillRect/>
+          </a:stretch>
+        </p:blipFill>
+        <p:spPr>
+          <a:xfrm>
+            <a:off x="1254421" y="1678380"/>
+            <a:ext cx="6554265" cy="4145086"/>
+          </a:xfrm>
+          <a:prstGeom prst="rect">
+            <a:avLst/>
+          </a:prstGeom>
+        </p:spPr>
+      </p:pic>
+    </p:spTree>
+    <p:extLst>
+      <p:ext uri="{BB962C8B-B14F-4D97-AF65-F5344CB8AC3E}">
+        <p14:creationId xmlns:p14="http://schemas.microsoft.com/office/powerpoint/2010/main" val="588074842"/>
+      </p:ext>
+    </p:extLst>
+  </p:cSld>
+  <p:clrMapOvr>
+    <a:masterClrMapping/>
+  </p:clrMapOvr>
+  <p:timing>
+    <p:tnLst>
+      <p:par>
+        <p:cTn id="1" dur="indefinite" restart="never" nodeType="tmRoot"/>
+      </p:par>
+    </p:tnLst>
+  </p:timing>
+</p:sld>
+</file>
+
+<file path=ppt/slides/slide34.xml><?xml version="1.0" encoding="utf-8"?>
+<p:sld xmlns:a="http://schemas.openxmlformats.org/drawingml/2006/main" xmlns:r="http://schemas.openxmlformats.org/officeDocument/2006/relationships" xmlns:p="http://schemas.openxmlformats.org/presentationml/2006/main">
+  <p:cSld>
+    <p:spTree>
+      <p:nvGrpSpPr>
+        <p:cNvPr id="1" name=""/>
+        <p:cNvGrpSpPr/>
+        <p:nvPr/>
+      </p:nvGrpSpPr>
+      <p:grpSpPr>
+        <a:xfrm>
+          <a:off x="0" y="0"/>
+          <a:ext cx="0" cy="0"/>
+          <a:chOff x="0" y="0"/>
+          <a:chExt cx="0" cy="0"/>
+        </a:xfrm>
+      </p:grpSpPr>
+      <p:sp>
+        <p:nvSpPr>
+          <p:cNvPr id="2" name="TextBox 1"/>
+          <p:cNvSpPr txBox="1"/>
+          <p:nvPr/>
+        </p:nvSpPr>
+        <p:spPr bwMode="auto">
+          <a:xfrm>
+            <a:off x="3352800" y="2590800"/>
+            <a:ext cx="1590692" cy="707886"/>
+          </a:xfrm>
+          <a:prstGeom prst="rect">
+            <a:avLst/>
+          </a:prstGeom>
+          <a:noFill/>
+          <a:ln w="9525">
+            <a:noFill/>
+            <a:miter lim="800000"/>
+            <a:headEnd/>
+            <a:tailEnd/>
+          </a:ln>
+        </p:spPr>
+        <p:txBody>
+          <a:bodyPr wrap="none" rtlCol="0">
+            <a:spAutoFit/>
+          </a:bodyPr>
+          <a:lstStyle/>
+          <a:p>
+            <a:r>
+              <a:rPr lang="en-US" sz="4000" b="1" dirty="0" smtClean="0"/>
+              <a:t>Q &amp; A</a:t>
+            </a:r>
+            <a:endParaRPr lang="en-US" sz="4000" b="1" dirty="0"/>
+          </a:p>
+        </p:txBody>
+      </p:sp>
+    </p:spTree>
+    <p:extLst>
+      <p:ext uri="{BB962C8B-B14F-4D97-AF65-F5344CB8AC3E}">
+        <p14:creationId xmlns:p14="http://schemas.microsoft.com/office/powerpoint/2010/main" val="1865794899"/>
       </p:ext>
     </p:extLst>
   </p:cSld>
@@ -10588,14 +14121,14 @@
                 <a:gridCol w="2186851">
                   <a:extLst>
                     <a:ext uri="{9D8B030D-6E8A-4147-A177-3AD203B41FA5}">
-                      <a16:colId xmlns:a16="http://schemas.microsoft.com/office/drawing/2014/main" xmlns="" val="20000"/>
+                      <a16:colId xmlns="" xmlns:a16="http://schemas.microsoft.com/office/drawing/2014/main" val="20000"/>
                     </a:ext>
                   </a:extLst>
                 </a:gridCol>
                 <a:gridCol w="4604474">
                   <a:extLst>
                     <a:ext uri="{9D8B030D-6E8A-4147-A177-3AD203B41FA5}">
-                      <a16:colId xmlns:a16="http://schemas.microsoft.com/office/drawing/2014/main" xmlns="" val="20001"/>
+                      <a16:colId xmlns="" xmlns:a16="http://schemas.microsoft.com/office/drawing/2014/main" val="20001"/>
                     </a:ext>
                   </a:extLst>
                 </a:gridCol>
@@ -10748,7 +14281,7 @@
                 </a:tc>
                 <a:extLst>
                   <a:ext uri="{0D108BD9-81ED-4DB2-BD59-A6C34878D82A}">
-                    <a16:rowId xmlns:a16="http://schemas.microsoft.com/office/drawing/2014/main" xmlns="" val="10000"/>
+                    <a16:rowId xmlns="" xmlns:a16="http://schemas.microsoft.com/office/drawing/2014/main" val="10000"/>
                   </a:ext>
                 </a:extLst>
               </a:tr>
@@ -10878,7 +14411,7 @@
                 </a:tc>
                 <a:extLst>
                   <a:ext uri="{0D108BD9-81ED-4DB2-BD59-A6C34878D82A}">
-                    <a16:rowId xmlns:a16="http://schemas.microsoft.com/office/drawing/2014/main" xmlns="" val="10001"/>
+                    <a16:rowId xmlns="" xmlns:a16="http://schemas.microsoft.com/office/drawing/2014/main" val="10001"/>
                   </a:ext>
                 </a:extLst>
               </a:tr>
@@ -11020,7 +14553,7 @@
                 </a:tc>
                 <a:extLst>
                   <a:ext uri="{0D108BD9-81ED-4DB2-BD59-A6C34878D82A}">
-                    <a16:rowId xmlns:a16="http://schemas.microsoft.com/office/drawing/2014/main" xmlns="" val="10002"/>
+                    <a16:rowId xmlns="" xmlns:a16="http://schemas.microsoft.com/office/drawing/2014/main" val="10002"/>
                   </a:ext>
                 </a:extLst>
               </a:tr>
@@ -11205,14 +14738,14 @@
                 <a:gridCol w="2375778">
                   <a:extLst>
                     <a:ext uri="{9D8B030D-6E8A-4147-A177-3AD203B41FA5}">
-                      <a16:colId xmlns:a16="http://schemas.microsoft.com/office/drawing/2014/main" xmlns="" val="20000"/>
+                      <a16:colId xmlns="" xmlns:a16="http://schemas.microsoft.com/office/drawing/2014/main" val="20000"/>
                     </a:ext>
                   </a:extLst>
                 </a:gridCol>
                 <a:gridCol w="5002263">
                   <a:extLst>
                     <a:ext uri="{9D8B030D-6E8A-4147-A177-3AD203B41FA5}">
-                      <a16:colId xmlns:a16="http://schemas.microsoft.com/office/drawing/2014/main" xmlns="" val="20001"/>
+                      <a16:colId xmlns="" xmlns:a16="http://schemas.microsoft.com/office/drawing/2014/main" val="20001"/>
                     </a:ext>
                   </a:extLst>
                 </a:gridCol>
@@ -11391,7 +14924,7 @@
                 </a:tc>
                 <a:extLst>
                   <a:ext uri="{0D108BD9-81ED-4DB2-BD59-A6C34878D82A}">
-                    <a16:rowId xmlns:a16="http://schemas.microsoft.com/office/drawing/2014/main" xmlns="" val="10000"/>
+                    <a16:rowId xmlns="" xmlns:a16="http://schemas.microsoft.com/office/drawing/2014/main" val="10000"/>
                   </a:ext>
                 </a:extLst>
               </a:tr>
@@ -11530,7 +15063,7 @@
                 </a:tc>
                 <a:extLst>
                   <a:ext uri="{0D108BD9-81ED-4DB2-BD59-A6C34878D82A}">
-                    <a16:rowId xmlns:a16="http://schemas.microsoft.com/office/drawing/2014/main" xmlns="" val="10001"/>
+                    <a16:rowId xmlns="" xmlns:a16="http://schemas.microsoft.com/office/drawing/2014/main" val="10001"/>
                   </a:ext>
                 </a:extLst>
               </a:tr>
@@ -11660,7 +15193,7 @@
                 </a:tc>
                 <a:extLst>
                   <a:ext uri="{0D108BD9-81ED-4DB2-BD59-A6C34878D82A}">
-                    <a16:rowId xmlns:a16="http://schemas.microsoft.com/office/drawing/2014/main" xmlns="" val="10002"/>
+                    <a16:rowId xmlns="" xmlns:a16="http://schemas.microsoft.com/office/drawing/2014/main" val="10002"/>
                   </a:ext>
                 </a:extLst>
               </a:tr>
@@ -11796,7 +15329,7 @@
                 </a:tc>
                 <a:extLst>
                   <a:ext uri="{0D108BD9-81ED-4DB2-BD59-A6C34878D82A}">
-                    <a16:rowId xmlns:a16="http://schemas.microsoft.com/office/drawing/2014/main" xmlns="" val="10003"/>
+                    <a16:rowId xmlns="" xmlns:a16="http://schemas.microsoft.com/office/drawing/2014/main" val="10003"/>
                   </a:ext>
                 </a:extLst>
               </a:tr>
@@ -11946,7 +15479,7 @@
                 </a:tc>
                 <a:extLst>
                   <a:ext uri="{0D108BD9-81ED-4DB2-BD59-A6C34878D82A}">
-                    <a16:rowId xmlns:a16="http://schemas.microsoft.com/office/drawing/2014/main" xmlns="" val="10004"/>
+                    <a16:rowId xmlns="" xmlns:a16="http://schemas.microsoft.com/office/drawing/2014/main" val="10004"/>
                   </a:ext>
                 </a:extLst>
               </a:tr>
@@ -13167,21 +16700,21 @@
                 <a:gridCol w="1634128">
                   <a:extLst>
                     <a:ext uri="{9D8B030D-6E8A-4147-A177-3AD203B41FA5}">
-                      <a16:colId xmlns:a16="http://schemas.microsoft.com/office/drawing/2014/main" xmlns="" val="20000"/>
+                      <a16:colId xmlns="" xmlns:a16="http://schemas.microsoft.com/office/drawing/2014/main" val="20000"/>
                     </a:ext>
                   </a:extLst>
                 </a:gridCol>
                 <a:gridCol w="1822997">
                   <a:extLst>
                     <a:ext uri="{9D8B030D-6E8A-4147-A177-3AD203B41FA5}">
-                      <a16:colId xmlns:a16="http://schemas.microsoft.com/office/drawing/2014/main" xmlns="" val="20001"/>
+                      <a16:colId xmlns="" xmlns:a16="http://schemas.microsoft.com/office/drawing/2014/main" val="20001"/>
                     </a:ext>
                   </a:extLst>
                 </a:gridCol>
                 <a:gridCol w="1724457">
                   <a:extLst>
                     <a:ext uri="{9D8B030D-6E8A-4147-A177-3AD203B41FA5}">
-                      <a16:colId xmlns:a16="http://schemas.microsoft.com/office/drawing/2014/main" xmlns="" val="20002"/>
+                      <a16:colId xmlns="" xmlns:a16="http://schemas.microsoft.com/office/drawing/2014/main" val="20002"/>
                     </a:ext>
                   </a:extLst>
                 </a:gridCol>
@@ -13354,7 +16887,7 @@
                 </a:tc>
                 <a:extLst>
                   <a:ext uri="{0D108BD9-81ED-4DB2-BD59-A6C34878D82A}">
-                    <a16:rowId xmlns:a16="http://schemas.microsoft.com/office/drawing/2014/main" xmlns="" val="10000"/>
+                    <a16:rowId xmlns="" xmlns:a16="http://schemas.microsoft.com/office/drawing/2014/main" val="10000"/>
                   </a:ext>
                 </a:extLst>
               </a:tr>
@@ -13548,7 +17081,7 @@
                 </a:tc>
                 <a:extLst>
                   <a:ext uri="{0D108BD9-81ED-4DB2-BD59-A6C34878D82A}">
-                    <a16:rowId xmlns:a16="http://schemas.microsoft.com/office/drawing/2014/main" xmlns="" val="10001"/>
+                    <a16:rowId xmlns="" xmlns:a16="http://schemas.microsoft.com/office/drawing/2014/main" val="10001"/>
                   </a:ext>
                 </a:extLst>
               </a:tr>
@@ -13760,7 +17293,7 @@
                 </a:tc>
                 <a:extLst>
                   <a:ext uri="{0D108BD9-81ED-4DB2-BD59-A6C34878D82A}">
-                    <a16:rowId xmlns:a16="http://schemas.microsoft.com/office/drawing/2014/main" xmlns="" val="10002"/>
+                    <a16:rowId xmlns="" xmlns:a16="http://schemas.microsoft.com/office/drawing/2014/main" val="10002"/>
                   </a:ext>
                 </a:extLst>
               </a:tr>
@@ -13933,7 +17466,7 @@
                 </a:tc>
                 <a:extLst>
                   <a:ext uri="{0D108BD9-81ED-4DB2-BD59-A6C34878D82A}">
-                    <a16:rowId xmlns:a16="http://schemas.microsoft.com/office/drawing/2014/main" xmlns="" val="10003"/>
+                    <a16:rowId xmlns="" xmlns:a16="http://schemas.microsoft.com/office/drawing/2014/main" val="10003"/>
                   </a:ext>
                 </a:extLst>
               </a:tr>
@@ -14121,7 +17654,7 @@
                 </a:tc>
                 <a:extLst>
                   <a:ext uri="{0D108BD9-81ED-4DB2-BD59-A6C34878D82A}">
-                    <a16:rowId xmlns:a16="http://schemas.microsoft.com/office/drawing/2014/main" xmlns="" val="10004"/>
+                    <a16:rowId xmlns="" xmlns:a16="http://schemas.microsoft.com/office/drawing/2014/main" val="10004"/>
                   </a:ext>
                 </a:extLst>
               </a:tr>
@@ -14309,7 +17842,7 @@
                 </a:tc>
                 <a:extLst>
                   <a:ext uri="{0D108BD9-81ED-4DB2-BD59-A6C34878D82A}">
-                    <a16:rowId xmlns:a16="http://schemas.microsoft.com/office/drawing/2014/main" xmlns="" val="10005"/>
+                    <a16:rowId xmlns="" xmlns:a16="http://schemas.microsoft.com/office/drawing/2014/main" val="10005"/>
                   </a:ext>
                 </a:extLst>
               </a:tr>
@@ -14494,7 +18027,7 @@
                 </a:tc>
                 <a:extLst>
                   <a:ext uri="{0D108BD9-81ED-4DB2-BD59-A6C34878D82A}">
-                    <a16:rowId xmlns:a16="http://schemas.microsoft.com/office/drawing/2014/main" xmlns="" val="10006"/>
+                    <a16:rowId xmlns="" xmlns:a16="http://schemas.microsoft.com/office/drawing/2014/main" val="10006"/>
                   </a:ext>
                 </a:extLst>
               </a:tr>

--- a/Guava.pptx
+++ b/Guava.pptx
@@ -5,7 +5,7 @@
     <p:sldMasterId id="2147483673" r:id="rId1"/>
   </p:sldMasterIdLst>
   <p:notesMasterIdLst>
-    <p:notesMasterId r:id="rId36"/>
+    <p:notesMasterId r:id="rId44"/>
   </p:notesMasterIdLst>
   <p:sldIdLst>
     <p:sldId id="295" r:id="rId2"/>
@@ -41,7 +41,15 @@
     <p:sldId id="464" r:id="rId32"/>
     <p:sldId id="465" r:id="rId33"/>
     <p:sldId id="466" r:id="rId34"/>
-    <p:sldId id="436" r:id="rId35"/>
+    <p:sldId id="467" r:id="rId35"/>
+    <p:sldId id="468" r:id="rId36"/>
+    <p:sldId id="469" r:id="rId37"/>
+    <p:sldId id="470" r:id="rId38"/>
+    <p:sldId id="471" r:id="rId39"/>
+    <p:sldId id="472" r:id="rId40"/>
+    <p:sldId id="473" r:id="rId41"/>
+    <p:sldId id="474" r:id="rId42"/>
+    <p:sldId id="436" r:id="rId43"/>
   </p:sldIdLst>
   <p:sldSz cx="9144000" cy="6858000" type="screen4x3"/>
   <p:notesSz cx="6858000" cy="9144000"/>
@@ -241,7 +249,7 @@
           <a:p>
             <a:fld id="{83E81F36-8AE1-45AB-BDEC-C19947B6995C}" type="datetimeFigureOut">
               <a:rPr lang="en-US" smtClean="0"/>
-              <a:t>4/9/2018</a:t>
+              <a:t>4/10/2018</a:t>
             </a:fld>
             <a:endParaRPr lang="en-US"/>
           </a:p>
@@ -1004,7 +1012,7 @@
             <a:fld id="{1D8BD707-D9CF-40AE-B4C6-C98DA3205C09}" type="datetimeFigureOut">
               <a:rPr lang="en-US" smtClean="0"/>
               <a:pPr/>
-              <a:t>4/9/2018</a:t>
+              <a:t>4/10/2018</a:t>
             </a:fld>
             <a:endParaRPr lang="en-US"/>
           </a:p>
@@ -1204,7 +1212,7 @@
             <a:fld id="{1D8BD707-D9CF-40AE-B4C6-C98DA3205C09}" type="datetimeFigureOut">
               <a:rPr lang="en-US" smtClean="0"/>
               <a:pPr/>
-              <a:t>4/9/2018</a:t>
+              <a:t>4/10/2018</a:t>
             </a:fld>
             <a:endParaRPr lang="en-US"/>
           </a:p>
@@ -1432,7 +1440,7 @@
             <a:fld id="{1D8BD707-D9CF-40AE-B4C6-C98DA3205C09}" type="datetimeFigureOut">
               <a:rPr lang="en-US" smtClean="0"/>
               <a:pPr/>
-              <a:t>4/9/2018</a:t>
+              <a:t>4/10/2018</a:t>
             </a:fld>
             <a:endParaRPr lang="en-US"/>
           </a:p>
@@ -1622,7 +1630,7 @@
             <a:fld id="{1D8BD707-D9CF-40AE-B4C6-C98DA3205C09}" type="datetimeFigureOut">
               <a:rPr lang="en-US" smtClean="0"/>
               <a:pPr/>
-              <a:t>4/9/2018</a:t>
+              <a:t>4/10/2018</a:t>
             </a:fld>
             <a:endParaRPr lang="en-US"/>
           </a:p>
@@ -2183,7 +2191,7 @@
             <a:fld id="{1D8BD707-D9CF-40AE-B4C6-C98DA3205C09}" type="datetimeFigureOut">
               <a:rPr lang="en-US" smtClean="0"/>
               <a:pPr/>
-              <a:t>4/9/2018</a:t>
+              <a:t>4/10/2018</a:t>
             </a:fld>
             <a:endParaRPr lang="en-US"/>
           </a:p>
@@ -2487,7 +2495,7 @@
             <a:fld id="{1D8BD707-D9CF-40AE-B4C6-C98DA3205C09}" type="datetimeFigureOut">
               <a:rPr lang="en-US" smtClean="0"/>
               <a:pPr/>
-              <a:t>4/9/2018</a:t>
+              <a:t>4/10/2018</a:t>
             </a:fld>
             <a:endParaRPr lang="en-US"/>
           </a:p>
@@ -2934,7 +2942,7 @@
             <a:fld id="{1D8BD707-D9CF-40AE-B4C6-C98DA3205C09}" type="datetimeFigureOut">
               <a:rPr lang="en-US" smtClean="0"/>
               <a:pPr/>
-              <a:t>4/9/2018</a:t>
+              <a:t>4/10/2018</a:t>
             </a:fld>
             <a:endParaRPr lang="en-US"/>
           </a:p>
@@ -3072,7 +3080,7 @@
             <a:fld id="{1D8BD707-D9CF-40AE-B4C6-C98DA3205C09}" type="datetimeFigureOut">
               <a:rPr lang="en-US" smtClean="0"/>
               <a:pPr/>
-              <a:t>4/9/2018</a:t>
+              <a:t>4/10/2018</a:t>
             </a:fld>
             <a:endParaRPr lang="en-US"/>
           </a:p>
@@ -3187,7 +3195,7 @@
             <a:fld id="{1D8BD707-D9CF-40AE-B4C6-C98DA3205C09}" type="datetimeFigureOut">
               <a:rPr lang="en-US" smtClean="0"/>
               <a:pPr/>
-              <a:t>4/9/2018</a:t>
+              <a:t>4/10/2018</a:t>
             </a:fld>
             <a:endParaRPr lang="en-US"/>
           </a:p>
@@ -3484,7 +3492,7 @@
             <a:fld id="{1D8BD707-D9CF-40AE-B4C6-C98DA3205C09}" type="datetimeFigureOut">
               <a:rPr lang="en-US" smtClean="0"/>
               <a:pPr/>
-              <a:t>4/9/2018</a:t>
+              <a:t>4/10/2018</a:t>
             </a:fld>
             <a:endParaRPr lang="en-US"/>
           </a:p>
@@ -3761,7 +3769,7 @@
             <a:fld id="{1D8BD707-D9CF-40AE-B4C6-C98DA3205C09}" type="datetimeFigureOut">
               <a:rPr lang="en-US" smtClean="0"/>
               <a:pPr/>
-              <a:t>4/9/2018</a:t>
+              <a:t>4/10/2018</a:t>
             </a:fld>
             <a:endParaRPr lang="en-US"/>
           </a:p>
@@ -4105,7 +4113,7 @@
             <a:fld id="{1D8BD707-D9CF-40AE-B4C6-C98DA3205C09}" type="datetimeFigureOut">
               <a:rPr lang="en-US" smtClean="0"/>
               <a:pPr/>
-              <a:t>4/9/2018</a:t>
+              <a:t>4/10/2018</a:t>
             </a:fld>
             <a:endParaRPr lang="en-US"/>
           </a:p>
@@ -7414,7 +7422,7 @@
         <p:spPr>
           <a:xfrm>
             <a:off x="914400" y="1143000"/>
-            <a:ext cx="7620000" cy="3416320"/>
+            <a:ext cx="7620000" cy="2308324"/>
           </a:xfrm>
           <a:prstGeom prst="rect">
             <a:avLst/>
@@ -7432,33 +7440,30 @@
             </a:pPr>
             <a:r>
               <a:rPr lang="en-US" sz="2400" dirty="0" smtClean="0"/>
-              <a:t>What is Guava</a:t>
-            </a:r>
+              <a:t>What is </a:t>
+            </a:r>
+            <a:r>
+              <a:rPr lang="en-US" sz="2400" dirty="0" smtClean="0"/>
+              <a:t>Guava</a:t>
+            </a:r>
+            <a:endParaRPr lang="en-US" sz="2400" dirty="0" smtClean="0"/>
           </a:p>
           <a:p>
             <a:pPr marL="342900" indent="-342900">
               <a:buAutoNum type="arabicPeriod"/>
             </a:pPr>
-            <a:endParaRPr lang="en-US" sz="2400" dirty="0" smtClean="0"/>
-          </a:p>
-          <a:p>
-            <a:pPr marL="342900" indent="-342900">
-              <a:buAutoNum type="arabicPeriod"/>
-            </a:pPr>
             <a:r>
               <a:rPr lang="en-US" sz="2400" dirty="0"/>
               <a:t>Basic </a:t>
             </a:r>
             <a:r>
               <a:rPr lang="en-US" sz="2400" dirty="0" smtClean="0"/>
-              <a:t>utilities.</a:t>
-            </a:r>
-          </a:p>
-          <a:p>
-            <a:pPr marL="342900" indent="-342900">
-              <a:buAutoNum type="arabicPeriod"/>
-            </a:pPr>
-            <a:endParaRPr lang="en-US" sz="2400" dirty="0" smtClean="0"/>
+              <a:t>utilities</a:t>
+            </a:r>
+            <a:r>
+              <a:rPr lang="en-US" sz="2400" dirty="0" smtClean="0"/>
+              <a:t>.</a:t>
+            </a:r>
           </a:p>
           <a:p>
             <a:pPr marL="342900" indent="-342900">
@@ -7467,14 +7472,23 @@
             </a:pPr>
             <a:r>
               <a:rPr lang="en-US" sz="2400" dirty="0" smtClean="0"/>
-              <a:t>Collections.</a:t>
-            </a:r>
+              <a:t>Strings</a:t>
+            </a:r>
+            <a:endParaRPr lang="en-US" sz="2400" dirty="0" smtClean="0"/>
           </a:p>
           <a:p>
             <a:pPr marL="342900" indent="-342900">
               <a:buFontTx/>
               <a:buAutoNum type="arabicPeriod"/>
             </a:pPr>
+            <a:r>
+              <a:rPr lang="en-US" sz="2400" dirty="0" smtClean="0"/>
+              <a:t>Collections</a:t>
+            </a:r>
+            <a:r>
+              <a:rPr lang="en-US" sz="2400" dirty="0" smtClean="0"/>
+              <a:t>.</a:t>
+            </a:r>
             <a:endParaRPr lang="en-US" sz="2400" dirty="0"/>
           </a:p>
           <a:p>
@@ -7485,16 +7499,6 @@
             <a:r>
               <a:rPr lang="en-US" sz="2400" dirty="0" smtClean="0"/>
               <a:t>Caches.</a:t>
-            </a:r>
-          </a:p>
-          <a:p>
-            <a:pPr marL="342900" indent="-342900">
-              <a:buFontTx/>
-              <a:buAutoNum type="arabicPeriod"/>
-            </a:pPr>
-            <a:r>
-              <a:rPr lang="en-US" sz="2400" dirty="0"/>
-              <a:t>Strings</a:t>
             </a:r>
           </a:p>
           <a:p>
@@ -7906,14 +7910,14 @@
                 <a:gridCol w="2662253">
                   <a:extLst>
                     <a:ext uri="{9D8B030D-6E8A-4147-A177-3AD203B41FA5}">
-                      <a16:colId xmlns="" xmlns:a16="http://schemas.microsoft.com/office/drawing/2014/main" val="3042613032"/>
+                      <a16:colId xmlns:a16="http://schemas.microsoft.com/office/drawing/2014/main" val="3042613032"/>
                     </a:ext>
                   </a:extLst>
                 </a:gridCol>
                 <a:gridCol w="5605447">
                   <a:extLst>
                     <a:ext uri="{9D8B030D-6E8A-4147-A177-3AD203B41FA5}">
-                      <a16:colId xmlns="" xmlns:a16="http://schemas.microsoft.com/office/drawing/2014/main" val="2274778014"/>
+                      <a16:colId xmlns:a16="http://schemas.microsoft.com/office/drawing/2014/main" val="2274778014"/>
                     </a:ext>
                   </a:extLst>
                 </a:gridCol>
@@ -8031,7 +8035,7 @@
                 </a:tc>
                 <a:extLst>
                   <a:ext uri="{0D108BD9-81ED-4DB2-BD59-A6C34878D82A}">
-                    <a16:rowId xmlns="" xmlns:a16="http://schemas.microsoft.com/office/drawing/2014/main" val="1660271125"/>
+                    <a16:rowId xmlns:a16="http://schemas.microsoft.com/office/drawing/2014/main" val="1660271125"/>
                   </a:ext>
                 </a:extLst>
               </a:tr>
@@ -8149,7 +8153,7 @@
                 </a:tc>
                 <a:extLst>
                   <a:ext uri="{0D108BD9-81ED-4DB2-BD59-A6C34878D82A}">
-                    <a16:rowId xmlns="" xmlns:a16="http://schemas.microsoft.com/office/drawing/2014/main" val="3747208260"/>
+                    <a16:rowId xmlns:a16="http://schemas.microsoft.com/office/drawing/2014/main" val="3747208260"/>
                   </a:ext>
                 </a:extLst>
               </a:tr>
@@ -8279,7 +8283,7 @@
                 </a:tc>
                 <a:extLst>
                   <a:ext uri="{0D108BD9-81ED-4DB2-BD59-A6C34878D82A}">
-                    <a16:rowId xmlns="" xmlns:a16="http://schemas.microsoft.com/office/drawing/2014/main" val="824084111"/>
+                    <a16:rowId xmlns:a16="http://schemas.microsoft.com/office/drawing/2014/main" val="824084111"/>
                   </a:ext>
                 </a:extLst>
               </a:tr>
@@ -8409,7 +8413,7 @@
                 </a:tc>
                 <a:extLst>
                   <a:ext uri="{0D108BD9-81ED-4DB2-BD59-A6C34878D82A}">
-                    <a16:rowId xmlns="" xmlns:a16="http://schemas.microsoft.com/office/drawing/2014/main" val="3810718656"/>
+                    <a16:rowId xmlns:a16="http://schemas.microsoft.com/office/drawing/2014/main" val="3810718656"/>
                   </a:ext>
                 </a:extLst>
               </a:tr>
@@ -9055,14 +9059,14 @@
                 <a:gridCol w="2662253">
                   <a:extLst>
                     <a:ext uri="{9D8B030D-6E8A-4147-A177-3AD203B41FA5}">
-                      <a16:colId xmlns="" xmlns:a16="http://schemas.microsoft.com/office/drawing/2014/main" val="331462742"/>
+                      <a16:colId xmlns:a16="http://schemas.microsoft.com/office/drawing/2014/main" val="331462742"/>
                     </a:ext>
                   </a:extLst>
                 </a:gridCol>
                 <a:gridCol w="5605447">
                   <a:extLst>
                     <a:ext uri="{9D8B030D-6E8A-4147-A177-3AD203B41FA5}">
-                      <a16:colId xmlns="" xmlns:a16="http://schemas.microsoft.com/office/drawing/2014/main" val="1270116112"/>
+                      <a16:colId xmlns:a16="http://schemas.microsoft.com/office/drawing/2014/main" val="1270116112"/>
                     </a:ext>
                   </a:extLst>
                 </a:gridCol>
@@ -9180,7 +9184,7 @@
                 </a:tc>
                 <a:extLst>
                   <a:ext uri="{0D108BD9-81ED-4DB2-BD59-A6C34878D82A}">
-                    <a16:rowId xmlns="" xmlns:a16="http://schemas.microsoft.com/office/drawing/2014/main" val="2753159519"/>
+                    <a16:rowId xmlns:a16="http://schemas.microsoft.com/office/drawing/2014/main" val="2753159519"/>
                   </a:ext>
                 </a:extLst>
               </a:tr>
@@ -9298,7 +9302,7 @@
                 </a:tc>
                 <a:extLst>
                   <a:ext uri="{0D108BD9-81ED-4DB2-BD59-A6C34878D82A}">
-                    <a16:rowId xmlns="" xmlns:a16="http://schemas.microsoft.com/office/drawing/2014/main" val="3440811622"/>
+                    <a16:rowId xmlns:a16="http://schemas.microsoft.com/office/drawing/2014/main" val="3440811622"/>
                   </a:ext>
                 </a:extLst>
               </a:tr>
@@ -9428,7 +9432,7 @@
                 </a:tc>
                 <a:extLst>
                   <a:ext uri="{0D108BD9-81ED-4DB2-BD59-A6C34878D82A}">
-                    <a16:rowId xmlns="" xmlns:a16="http://schemas.microsoft.com/office/drawing/2014/main" val="1178024355"/>
+                    <a16:rowId xmlns:a16="http://schemas.microsoft.com/office/drawing/2014/main" val="1178024355"/>
                   </a:ext>
                 </a:extLst>
               </a:tr>
@@ -9558,7 +9562,7 @@
                 </a:tc>
                 <a:extLst>
                   <a:ext uri="{0D108BD9-81ED-4DB2-BD59-A6C34878D82A}">
-                    <a16:rowId xmlns="" xmlns:a16="http://schemas.microsoft.com/office/drawing/2014/main" val="3501301743"/>
+                    <a16:rowId xmlns:a16="http://schemas.microsoft.com/office/drawing/2014/main" val="3501301743"/>
                   </a:ext>
                 </a:extLst>
               </a:tr>
@@ -9676,7 +9680,7 @@
                 </a:tc>
                 <a:extLst>
                   <a:ext uri="{0D108BD9-81ED-4DB2-BD59-A6C34878D82A}">
-                    <a16:rowId xmlns="" xmlns:a16="http://schemas.microsoft.com/office/drawing/2014/main" val="136001188"/>
+                    <a16:rowId xmlns:a16="http://schemas.microsoft.com/office/drawing/2014/main" val="136001188"/>
                   </a:ext>
                 </a:extLst>
               </a:tr>
@@ -9816,7 +9820,7 @@
                 </a:tc>
                 <a:extLst>
                   <a:ext uri="{0D108BD9-81ED-4DB2-BD59-A6C34878D82A}">
-                    <a16:rowId xmlns="" xmlns:a16="http://schemas.microsoft.com/office/drawing/2014/main" val="1989949116"/>
+                    <a16:rowId xmlns:a16="http://schemas.microsoft.com/office/drawing/2014/main" val="1989949116"/>
                   </a:ext>
                 </a:extLst>
               </a:tr>
@@ -10004,9 +10008,27 @@
             <a:tbl>
               <a:tblPr/>
               <a:tblGrid>
-                <a:gridCol w="2483166"/>
-                <a:gridCol w="2483166"/>
-                <a:gridCol w="2483166"/>
+                <a:gridCol w="2483166">
+                  <a:extLst>
+                    <a:ext uri="{9D8B030D-6E8A-4147-A177-3AD203B41FA5}">
+                      <a16:colId xmlns:a16="http://schemas.microsoft.com/office/drawing/2014/main" val="20000"/>
+                    </a:ext>
+                  </a:extLst>
+                </a:gridCol>
+                <a:gridCol w="2483166">
+                  <a:extLst>
+                    <a:ext uri="{9D8B030D-6E8A-4147-A177-3AD203B41FA5}">
+                      <a16:colId xmlns:a16="http://schemas.microsoft.com/office/drawing/2014/main" val="20001"/>
+                    </a:ext>
+                  </a:extLst>
+                </a:gridCol>
+                <a:gridCol w="2483166">
+                  <a:extLst>
+                    <a:ext uri="{9D8B030D-6E8A-4147-A177-3AD203B41FA5}">
+                      <a16:colId xmlns:a16="http://schemas.microsoft.com/office/drawing/2014/main" val="20002"/>
+                    </a:ext>
+                  </a:extLst>
+                </a:gridCol>
               </a:tblGrid>
               <a:tr h="311349">
                 <a:tc>
@@ -10174,6 +10196,11 @@
                     </a:lnB>
                   </a:tcPr>
                 </a:tc>
+                <a:extLst>
+                  <a:ext uri="{0D108BD9-81ED-4DB2-BD59-A6C34878D82A}">
+                    <a16:rowId xmlns:a16="http://schemas.microsoft.com/office/drawing/2014/main" val="10000"/>
+                  </a:ext>
+                </a:extLst>
               </a:tr>
               <a:tr h="322862">
                 <a:tc>
@@ -10358,6 +10385,11 @@
                     </a:lnB>
                   </a:tcPr>
                 </a:tc>
+                <a:extLst>
+                  <a:ext uri="{0D108BD9-81ED-4DB2-BD59-A6C34878D82A}">
+                    <a16:rowId xmlns:a16="http://schemas.microsoft.com/office/drawing/2014/main" val="10001"/>
+                  </a:ext>
+                </a:extLst>
               </a:tr>
               <a:tr h="533858">
                 <a:tc>
@@ -10530,6 +10562,11 @@
                     </a:lnB>
                   </a:tcPr>
                 </a:tc>
+                <a:extLst>
+                  <a:ext uri="{0D108BD9-81ED-4DB2-BD59-A6C34878D82A}">
+                    <a16:rowId xmlns:a16="http://schemas.microsoft.com/office/drawing/2014/main" val="10002"/>
+                  </a:ext>
+                </a:extLst>
               </a:tr>
               <a:tr h="533858">
                 <a:tc>
@@ -10702,6 +10739,11 @@
                     </a:lnB>
                   </a:tcPr>
                 </a:tc>
+                <a:extLst>
+                  <a:ext uri="{0D108BD9-81ED-4DB2-BD59-A6C34878D82A}">
+                    <a16:rowId xmlns:a16="http://schemas.microsoft.com/office/drawing/2014/main" val="10003"/>
+                  </a:ext>
+                </a:extLst>
               </a:tr>
               <a:tr h="533858">
                 <a:tc>
@@ -10874,6 +10916,11 @@
                     </a:lnB>
                   </a:tcPr>
                 </a:tc>
+                <a:extLst>
+                  <a:ext uri="{0D108BD9-81ED-4DB2-BD59-A6C34878D82A}">
+                    <a16:rowId xmlns:a16="http://schemas.microsoft.com/office/drawing/2014/main" val="10004"/>
+                  </a:ext>
+                </a:extLst>
               </a:tr>
               <a:tr h="639357">
                 <a:tc>
@@ -11046,6 +11093,11 @@
                     </a:lnB>
                   </a:tcPr>
                 </a:tc>
+                <a:extLst>
+                  <a:ext uri="{0D108BD9-81ED-4DB2-BD59-A6C34878D82A}">
+                    <a16:rowId xmlns:a16="http://schemas.microsoft.com/office/drawing/2014/main" val="10005"/>
+                  </a:ext>
+                </a:extLst>
               </a:tr>
               <a:tr h="744855">
                 <a:tc>
@@ -11276,6 +11328,11 @@
                     </a:lnB>
                   </a:tcPr>
                 </a:tc>
+                <a:extLst>
+                  <a:ext uri="{0D108BD9-81ED-4DB2-BD59-A6C34878D82A}">
+                    <a16:rowId xmlns:a16="http://schemas.microsoft.com/office/drawing/2014/main" val="10006"/>
+                  </a:ext>
+                </a:extLst>
               </a:tr>
             </a:tbl>
           </a:graphicData>
@@ -11668,7 +11725,6 @@
               <a:rPr lang="zh-CN" altLang="en-US" dirty="0"/>
               <a:t>：简化异常和错误的传播与检查</a:t>
             </a:r>
-            <a:endParaRPr lang="zh-CN" altLang="en-US" dirty="0"/>
           </a:p>
         </p:txBody>
       </p:sp>
@@ -11905,8 +11961,20 @@
             <a:tbl>
               <a:tblPr/>
               <a:tblGrid>
-                <a:gridCol w="3227729"/>
-                <a:gridCol w="5535271"/>
+                <a:gridCol w="3227729">
+                  <a:extLst>
+                    <a:ext uri="{9D8B030D-6E8A-4147-A177-3AD203B41FA5}">
+                      <a16:colId xmlns:a16="http://schemas.microsoft.com/office/drawing/2014/main" val="20000"/>
+                    </a:ext>
+                  </a:extLst>
+                </a:gridCol>
+                <a:gridCol w="5535271">
+                  <a:extLst>
+                    <a:ext uri="{9D8B030D-6E8A-4147-A177-3AD203B41FA5}">
+                      <a16:colId xmlns:a16="http://schemas.microsoft.com/office/drawing/2014/main" val="20001"/>
+                    </a:ext>
+                  </a:extLst>
+                </a:gridCol>
               </a:tblGrid>
               <a:tr h="0">
                 <a:tc>
@@ -12213,6 +12281,11 @@
                     </a:lnB>
                   </a:tcPr>
                 </a:tc>
+                <a:extLst>
+                  <a:ext uri="{0D108BD9-81ED-4DB2-BD59-A6C34878D82A}">
+                    <a16:rowId xmlns:a16="http://schemas.microsoft.com/office/drawing/2014/main" val="10000"/>
+                  </a:ext>
+                </a:extLst>
               </a:tr>
               <a:tr h="0">
                 <a:tc>
@@ -12423,6 +12496,11 @@
                     </a:lnB>
                   </a:tcPr>
                 </a:tc>
+                <a:extLst>
+                  <a:ext uri="{0D108BD9-81ED-4DB2-BD59-A6C34878D82A}">
+                    <a16:rowId xmlns:a16="http://schemas.microsoft.com/office/drawing/2014/main" val="10001"/>
+                  </a:ext>
+                </a:extLst>
               </a:tr>
             </a:tbl>
           </a:graphicData>
@@ -12762,7 +12840,13 @@
             <a:tbl>
               <a:tblPr/>
               <a:tblGrid>
-                <a:gridCol w="6915150"/>
+                <a:gridCol w="6915150">
+                  <a:extLst>
+                    <a:ext uri="{9D8B030D-6E8A-4147-A177-3AD203B41FA5}">
+                      <a16:colId xmlns:a16="http://schemas.microsoft.com/office/drawing/2014/main" val="20000"/>
+                    </a:ext>
+                  </a:extLst>
+                </a:gridCol>
               </a:tblGrid>
               <a:tr h="0">
                 <a:tc>
@@ -12824,6 +12908,11 @@
                     </a:lnB>
                   </a:tcPr>
                 </a:tc>
+                <a:extLst>
+                  <a:ext uri="{0D108BD9-81ED-4DB2-BD59-A6C34878D82A}">
+                    <a16:rowId xmlns:a16="http://schemas.microsoft.com/office/drawing/2014/main" val="10000"/>
+                  </a:ext>
+                </a:extLst>
               </a:tr>
               <a:tr h="0">
                 <a:tc>
@@ -12885,6 +12974,11 @@
                     </a:lnB>
                   </a:tcPr>
                 </a:tc>
+                <a:extLst>
+                  <a:ext uri="{0D108BD9-81ED-4DB2-BD59-A6C34878D82A}">
+                    <a16:rowId xmlns:a16="http://schemas.microsoft.com/office/drawing/2014/main" val="10001"/>
+                  </a:ext>
+                </a:extLst>
               </a:tr>
               <a:tr h="0">
                 <a:tc>
@@ -12986,6 +13080,11 @@
                     </a:lnB>
                   </a:tcPr>
                 </a:tc>
+                <a:extLst>
+                  <a:ext uri="{0D108BD9-81ED-4DB2-BD59-A6C34878D82A}">
+                    <a16:rowId xmlns:a16="http://schemas.microsoft.com/office/drawing/2014/main" val="10002"/>
+                  </a:ext>
+                </a:extLst>
               </a:tr>
             </a:tbl>
           </a:graphicData>
@@ -13441,14 +13540,14 @@
       </p:grpSpPr>
       <p:sp>
         <p:nvSpPr>
-          <p:cNvPr id="2" name="TextBox 1"/>
+          <p:cNvPr id="6" name="TextBox 5"/>
           <p:cNvSpPr txBox="1"/>
           <p:nvPr/>
         </p:nvSpPr>
         <p:spPr bwMode="auto">
           <a:xfrm>
-            <a:off x="3352800" y="2590800"/>
-            <a:ext cx="1590692" cy="707886"/>
+            <a:off x="743816" y="457200"/>
+            <a:ext cx="1303562" cy="523220"/>
           </a:xfrm>
           <a:prstGeom prst="rect">
             <a:avLst/>
@@ -13468,17 +13567,3029 @@
           <a:lstStyle/>
           <a:p>
             <a:r>
-              <a:rPr lang="en-US" sz="4000" b="1" dirty="0" smtClean="0"/>
-              <a:t>Q &amp; A</a:t>
-            </a:r>
-            <a:endParaRPr lang="en-US" sz="4000" b="1" dirty="0"/>
+              <a:rPr lang="en-US" altLang="zh-CN" sz="2800" dirty="0" smtClean="0"/>
+              <a:t>Strings</a:t>
+            </a:r>
+            <a:endParaRPr lang="en-US" altLang="zh-CN" sz="2800" dirty="0"/>
+          </a:p>
+        </p:txBody>
+      </p:sp>
+      <p:sp>
+        <p:nvSpPr>
+          <p:cNvPr id="3" name="TextBox 2"/>
+          <p:cNvSpPr txBox="1"/>
+          <p:nvPr/>
+        </p:nvSpPr>
+        <p:spPr bwMode="auto">
+          <a:xfrm>
+            <a:off x="728576" y="1295400"/>
+            <a:ext cx="7028584" cy="646331"/>
+          </a:xfrm>
+          <a:prstGeom prst="rect">
+            <a:avLst/>
+          </a:prstGeom>
+          <a:noFill/>
+          <a:ln w="9525">
+            <a:noFill/>
+            <a:miter lim="800000"/>
+            <a:headEnd/>
+            <a:tailEnd/>
+          </a:ln>
+        </p:spPr>
+        <p:txBody>
+          <a:bodyPr wrap="square" rtlCol="0">
+            <a:spAutoFit/>
+          </a:bodyPr>
+          <a:lstStyle/>
+          <a:p>
+            <a:r>
+              <a:rPr lang="zh-CN" altLang="en-US" b="1" dirty="0"/>
+              <a:t>连接器</a:t>
+            </a:r>
+            <a:r>
+              <a:rPr lang="en-US" altLang="zh-CN" b="1" dirty="0"/>
+              <a:t>[</a:t>
+            </a:r>
+            <a:r>
+              <a:rPr lang="en-US" b="1" dirty="0"/>
+              <a:t>Joiner]</a:t>
+            </a:r>
+          </a:p>
+          <a:p>
+            <a:endParaRPr lang="zh-CN" altLang="en-US" dirty="0"/>
+          </a:p>
+        </p:txBody>
+      </p:sp>
+      <p:sp>
+        <p:nvSpPr>
+          <p:cNvPr id="10" name="TextBox 9"/>
+          <p:cNvSpPr txBox="1"/>
+          <p:nvPr/>
+        </p:nvSpPr>
+        <p:spPr bwMode="auto">
+          <a:xfrm>
+            <a:off x="1600200" y="2971800"/>
+            <a:ext cx="5715000" cy="1600200"/>
+          </a:xfrm>
+          <a:prstGeom prst="rect">
+            <a:avLst/>
+          </a:prstGeom>
+          <a:noFill/>
+          <a:ln w="9525">
+            <a:noFill/>
+            <a:miter lim="800000"/>
+            <a:headEnd/>
+            <a:tailEnd/>
+          </a:ln>
+        </p:spPr>
+        <p:txBody>
+          <a:bodyPr wrap="square" rtlCol="0">
+            <a:spAutoFit/>
+          </a:bodyPr>
+          <a:lstStyle/>
+          <a:p>
+            <a:pPr algn="r"/>
+            <a:endParaRPr lang="en-US" sz="900" spc="120" baseline="0" dirty="0" smtClean="0">
+              <a:solidFill>
+                <a:srgbClr val="808080"/>
+              </a:solidFill>
+              <a:latin typeface="Times" pitchFamily="18" charset="0"/>
+            </a:endParaRPr>
+          </a:p>
+        </p:txBody>
+      </p:sp>
+      <p:sp>
+        <p:nvSpPr>
+          <p:cNvPr id="11" name="TextBox 2"/>
+          <p:cNvSpPr txBox="1"/>
+          <p:nvPr/>
+        </p:nvSpPr>
+        <p:spPr bwMode="auto">
+          <a:xfrm>
+            <a:off x="743816" y="2357823"/>
+            <a:ext cx="7028584" cy="2862322"/>
+          </a:xfrm>
+          <a:prstGeom prst="rect">
+            <a:avLst/>
+          </a:prstGeom>
+          <a:noFill/>
+          <a:ln w="9525">
+            <a:noFill/>
+            <a:miter lim="800000"/>
+            <a:headEnd/>
+            <a:tailEnd/>
+          </a:ln>
+        </p:spPr>
+        <p:txBody>
+          <a:bodyPr wrap="square" rtlCol="0">
+            <a:spAutoFit/>
+          </a:bodyPr>
+          <a:lstStyle/>
+          <a:p>
+            <a:r>
+              <a:rPr lang="zh-CN" altLang="en-US" dirty="0"/>
+              <a:t>用分隔符把字符串序列连接起来也可能会遇上不必要的麻烦。如果字符串序列中含有</a:t>
+            </a:r>
+            <a:r>
+              <a:rPr lang="en-US" altLang="zh-CN" dirty="0"/>
+              <a:t>null</a:t>
+            </a:r>
+            <a:r>
+              <a:rPr lang="zh-CN" altLang="en-US" dirty="0"/>
+              <a:t>，那连接操作会更难。</a:t>
+            </a:r>
+            <a:r>
+              <a:rPr lang="en-US" altLang="zh-CN" dirty="0"/>
+              <a:t>Fluent</a:t>
+            </a:r>
+            <a:r>
+              <a:rPr lang="zh-CN" altLang="en-US" dirty="0"/>
+              <a:t>风格的</a:t>
+            </a:r>
+            <a:r>
+              <a:rPr lang="en-US" altLang="zh-CN" dirty="0"/>
+              <a:t>Joiner</a:t>
+            </a:r>
+            <a:r>
+              <a:rPr lang="zh-CN" altLang="en-US" dirty="0"/>
+              <a:t>让连接字符串更简单。</a:t>
+            </a:r>
+          </a:p>
+          <a:p>
+            <a:r>
+              <a:rPr lang="en-US" altLang="zh-CN" dirty="0"/>
+              <a:t>Joiner </a:t>
+            </a:r>
+            <a:r>
+              <a:rPr lang="en-US" altLang="zh-CN" dirty="0" err="1"/>
+              <a:t>joiner</a:t>
+            </a:r>
+            <a:r>
+              <a:rPr lang="en-US" altLang="zh-CN" dirty="0"/>
+              <a:t> = </a:t>
+            </a:r>
+            <a:r>
+              <a:rPr lang="en-US" altLang="zh-CN" dirty="0" err="1"/>
+              <a:t>Joiner.on</a:t>
+            </a:r>
+            <a:r>
+              <a:rPr lang="en-US" altLang="zh-CN" dirty="0"/>
+              <a:t>("; ").</a:t>
+            </a:r>
+            <a:r>
+              <a:rPr lang="en-US" altLang="zh-CN" dirty="0" err="1"/>
+              <a:t>skipNulls</a:t>
+            </a:r>
+            <a:r>
+              <a:rPr lang="en-US" altLang="zh-CN" dirty="0"/>
+              <a:t>();</a:t>
+            </a:r>
+          </a:p>
+          <a:p>
+            <a:r>
+              <a:rPr lang="en-US" altLang="zh-CN" dirty="0"/>
+              <a:t>return </a:t>
+            </a:r>
+            <a:r>
+              <a:rPr lang="en-US" altLang="zh-CN" dirty="0" err="1"/>
+              <a:t>joiner.join</a:t>
+            </a:r>
+            <a:r>
+              <a:rPr lang="en-US" altLang="zh-CN" dirty="0"/>
+              <a:t>("Harry", null, "Ron", "Hermione");</a:t>
+            </a:r>
+          </a:p>
+          <a:p>
+            <a:r>
+              <a:rPr lang="zh-CN" altLang="en-US" dirty="0"/>
+              <a:t>上述代码返回”</a:t>
+            </a:r>
+            <a:r>
+              <a:rPr lang="en-US" altLang="zh-CN" dirty="0"/>
+              <a:t>Harry; Ron; Hermione”</a:t>
+            </a:r>
+            <a:r>
+              <a:rPr lang="zh-CN" altLang="en-US" dirty="0"/>
+              <a:t>。另外，</a:t>
+            </a:r>
+            <a:r>
+              <a:rPr lang="en-US" altLang="zh-CN" dirty="0" err="1"/>
+              <a:t>useForNull</a:t>
+            </a:r>
+            <a:r>
+              <a:rPr lang="en-US" altLang="zh-CN" dirty="0"/>
+              <a:t>(String)</a:t>
+            </a:r>
+            <a:r>
+              <a:rPr lang="zh-CN" altLang="en-US" dirty="0"/>
+              <a:t>方法可以给定某个字符串来替换</a:t>
+            </a:r>
+            <a:r>
+              <a:rPr lang="en-US" altLang="zh-CN" dirty="0"/>
+              <a:t>null</a:t>
+            </a:r>
+            <a:r>
+              <a:rPr lang="zh-CN" altLang="en-US" dirty="0"/>
+              <a:t>，而不像</a:t>
+            </a:r>
+            <a:r>
+              <a:rPr lang="en-US" altLang="zh-CN" dirty="0" err="1"/>
+              <a:t>skipNulls</a:t>
+            </a:r>
+            <a:r>
+              <a:rPr lang="en-US" altLang="zh-CN" dirty="0"/>
+              <a:t>()</a:t>
+            </a:r>
+            <a:r>
+              <a:rPr lang="zh-CN" altLang="en-US" dirty="0"/>
+              <a:t>方法是直接忽略</a:t>
+            </a:r>
+            <a:r>
+              <a:rPr lang="en-US" altLang="zh-CN" dirty="0"/>
+              <a:t>null</a:t>
+            </a:r>
+            <a:r>
+              <a:rPr lang="zh-CN" altLang="en-US" dirty="0"/>
+              <a:t>。 </a:t>
+            </a:r>
+            <a:r>
+              <a:rPr lang="en-US" altLang="zh-CN" dirty="0"/>
+              <a:t>Joiner</a:t>
+            </a:r>
+            <a:r>
+              <a:rPr lang="zh-CN" altLang="en-US" dirty="0"/>
+              <a:t>也可以用来连接对象类型，在这种情况下，它会把对象的</a:t>
+            </a:r>
+            <a:r>
+              <a:rPr lang="en-US" altLang="zh-CN" dirty="0" err="1"/>
+              <a:t>toString</a:t>
+            </a:r>
+            <a:r>
+              <a:rPr lang="en-US" altLang="zh-CN" dirty="0"/>
+              <a:t>()</a:t>
+            </a:r>
+            <a:r>
+              <a:rPr lang="zh-CN" altLang="en-US" dirty="0"/>
+              <a:t>值连接起来。</a:t>
+            </a:r>
+          </a:p>
+          <a:p>
+            <a:r>
+              <a:rPr lang="en-US" altLang="zh-CN" dirty="0" err="1"/>
+              <a:t>Joiner.on</a:t>
+            </a:r>
+            <a:r>
+              <a:rPr lang="en-US" altLang="zh-CN" dirty="0"/>
+              <a:t>(",").join(</a:t>
+            </a:r>
+            <a:r>
+              <a:rPr lang="en-US" altLang="zh-CN" dirty="0" err="1"/>
+              <a:t>Arrays.asList</a:t>
+            </a:r>
+            <a:r>
+              <a:rPr lang="en-US" altLang="zh-CN" dirty="0"/>
+              <a:t>(1, 5, 7)); // returns "1,5,7"</a:t>
+            </a:r>
           </a:p>
         </p:txBody>
       </p:sp>
     </p:spTree>
     <p:extLst>
       <p:ext uri="{BB962C8B-B14F-4D97-AF65-F5344CB8AC3E}">
-        <p14:creationId xmlns:p14="http://schemas.microsoft.com/office/powerpoint/2010/main" val="1865794899"/>
+        <p14:creationId xmlns:p14="http://schemas.microsoft.com/office/powerpoint/2010/main" val="3290823261"/>
+      </p:ext>
+    </p:extLst>
+  </p:cSld>
+  <p:clrMapOvr>
+    <a:masterClrMapping/>
+  </p:clrMapOvr>
+  <p:timing>
+    <p:tnLst>
+      <p:par>
+        <p:cTn id="1" dur="indefinite" restart="never" nodeType="tmRoot"/>
+      </p:par>
+    </p:tnLst>
+  </p:timing>
+</p:sld>
+</file>
+
+<file path=ppt/slides/slide35.xml><?xml version="1.0" encoding="utf-8"?>
+<p:sld xmlns:a="http://schemas.openxmlformats.org/drawingml/2006/main" xmlns:r="http://schemas.openxmlformats.org/officeDocument/2006/relationships" xmlns:p="http://schemas.openxmlformats.org/presentationml/2006/main">
+  <p:cSld>
+    <p:spTree>
+      <p:nvGrpSpPr>
+        <p:cNvPr id="1" name=""/>
+        <p:cNvGrpSpPr/>
+        <p:nvPr/>
+      </p:nvGrpSpPr>
+      <p:grpSpPr>
+        <a:xfrm>
+          <a:off x="0" y="0"/>
+          <a:ext cx="0" cy="0"/>
+          <a:chOff x="0" y="0"/>
+          <a:chExt cx="0" cy="0"/>
+        </a:xfrm>
+      </p:grpSpPr>
+      <p:sp>
+        <p:nvSpPr>
+          <p:cNvPr id="6" name="TextBox 5"/>
+          <p:cNvSpPr txBox="1"/>
+          <p:nvPr/>
+        </p:nvSpPr>
+        <p:spPr bwMode="auto">
+          <a:xfrm>
+            <a:off x="743816" y="457200"/>
+            <a:ext cx="1303562" cy="523220"/>
+          </a:xfrm>
+          <a:prstGeom prst="rect">
+            <a:avLst/>
+          </a:prstGeom>
+          <a:noFill/>
+          <a:ln w="9525">
+            <a:noFill/>
+            <a:miter lim="800000"/>
+            <a:headEnd/>
+            <a:tailEnd/>
+          </a:ln>
+        </p:spPr>
+        <p:txBody>
+          <a:bodyPr wrap="none" rtlCol="0">
+            <a:spAutoFit/>
+          </a:bodyPr>
+          <a:lstStyle/>
+          <a:p>
+            <a:r>
+              <a:rPr lang="en-US" altLang="zh-CN" sz="2800" dirty="0" smtClean="0"/>
+              <a:t>Strings</a:t>
+            </a:r>
+            <a:endParaRPr lang="en-US" altLang="zh-CN" sz="2800" dirty="0"/>
+          </a:p>
+        </p:txBody>
+      </p:sp>
+      <p:sp>
+        <p:nvSpPr>
+          <p:cNvPr id="3" name="TextBox 2"/>
+          <p:cNvSpPr txBox="1"/>
+          <p:nvPr/>
+        </p:nvSpPr>
+        <p:spPr bwMode="auto">
+          <a:xfrm>
+            <a:off x="728576" y="1295400"/>
+            <a:ext cx="7028584" cy="646331"/>
+          </a:xfrm>
+          <a:prstGeom prst="rect">
+            <a:avLst/>
+          </a:prstGeom>
+          <a:noFill/>
+          <a:ln w="9525">
+            <a:noFill/>
+            <a:miter lim="800000"/>
+            <a:headEnd/>
+            <a:tailEnd/>
+          </a:ln>
+        </p:spPr>
+        <p:txBody>
+          <a:bodyPr wrap="square" rtlCol="0">
+            <a:spAutoFit/>
+          </a:bodyPr>
+          <a:lstStyle/>
+          <a:p>
+            <a:r>
+              <a:rPr lang="zh-CN" altLang="en-US" b="1" dirty="0"/>
+              <a:t>连接器</a:t>
+            </a:r>
+            <a:r>
+              <a:rPr lang="en-US" altLang="zh-CN" b="1" dirty="0"/>
+              <a:t>[</a:t>
+            </a:r>
+            <a:r>
+              <a:rPr lang="en-US" b="1" dirty="0"/>
+              <a:t>Joiner]</a:t>
+            </a:r>
+          </a:p>
+          <a:p>
+            <a:endParaRPr lang="zh-CN" altLang="en-US" dirty="0"/>
+          </a:p>
+        </p:txBody>
+      </p:sp>
+      <p:sp>
+        <p:nvSpPr>
+          <p:cNvPr id="10" name="TextBox 9"/>
+          <p:cNvSpPr txBox="1"/>
+          <p:nvPr/>
+        </p:nvSpPr>
+        <p:spPr bwMode="auto">
+          <a:xfrm>
+            <a:off x="1600200" y="2971800"/>
+            <a:ext cx="5715000" cy="1600200"/>
+          </a:xfrm>
+          <a:prstGeom prst="rect">
+            <a:avLst/>
+          </a:prstGeom>
+          <a:noFill/>
+          <a:ln w="9525">
+            <a:noFill/>
+            <a:miter lim="800000"/>
+            <a:headEnd/>
+            <a:tailEnd/>
+          </a:ln>
+        </p:spPr>
+        <p:txBody>
+          <a:bodyPr wrap="square" rtlCol="0">
+            <a:spAutoFit/>
+          </a:bodyPr>
+          <a:lstStyle/>
+          <a:p>
+            <a:pPr algn="r"/>
+            <a:endParaRPr lang="en-US" sz="900" spc="120" baseline="0" dirty="0" smtClean="0">
+              <a:solidFill>
+                <a:srgbClr val="808080"/>
+              </a:solidFill>
+              <a:latin typeface="Times" pitchFamily="18" charset="0"/>
+            </a:endParaRPr>
+          </a:p>
+        </p:txBody>
+      </p:sp>
+      <p:pic>
+        <p:nvPicPr>
+          <p:cNvPr id="2" name="Picture 1"/>
+          <p:cNvPicPr>
+            <a:picLocks noChangeAspect="1"/>
+          </p:cNvPicPr>
+          <p:nvPr/>
+        </p:nvPicPr>
+        <p:blipFill>
+          <a:blip r:embed="rId2"/>
+          <a:stretch>
+            <a:fillRect/>
+          </a:stretch>
+        </p:blipFill>
+        <p:spPr>
+          <a:xfrm>
+            <a:off x="728576" y="2256711"/>
+            <a:ext cx="7729624" cy="3458289"/>
+          </a:xfrm>
+          <a:prstGeom prst="rect">
+            <a:avLst/>
+          </a:prstGeom>
+        </p:spPr>
+      </p:pic>
+    </p:spTree>
+    <p:extLst>
+      <p:ext uri="{BB962C8B-B14F-4D97-AF65-F5344CB8AC3E}">
+        <p14:creationId xmlns:p14="http://schemas.microsoft.com/office/powerpoint/2010/main" val="533654735"/>
+      </p:ext>
+    </p:extLst>
+  </p:cSld>
+  <p:clrMapOvr>
+    <a:masterClrMapping/>
+  </p:clrMapOvr>
+  <p:timing>
+    <p:tnLst>
+      <p:par>
+        <p:cTn id="1" dur="indefinite" restart="never" nodeType="tmRoot"/>
+      </p:par>
+    </p:tnLst>
+  </p:timing>
+</p:sld>
+</file>
+
+<file path=ppt/slides/slide36.xml><?xml version="1.0" encoding="utf-8"?>
+<p:sld xmlns:a="http://schemas.openxmlformats.org/drawingml/2006/main" xmlns:r="http://schemas.openxmlformats.org/officeDocument/2006/relationships" xmlns:p="http://schemas.openxmlformats.org/presentationml/2006/main">
+  <p:cSld>
+    <p:spTree>
+      <p:nvGrpSpPr>
+        <p:cNvPr id="1" name=""/>
+        <p:cNvGrpSpPr/>
+        <p:nvPr/>
+      </p:nvGrpSpPr>
+      <p:grpSpPr>
+        <a:xfrm>
+          <a:off x="0" y="0"/>
+          <a:ext cx="0" cy="0"/>
+          <a:chOff x="0" y="0"/>
+          <a:chExt cx="0" cy="0"/>
+        </a:xfrm>
+      </p:grpSpPr>
+      <p:sp>
+        <p:nvSpPr>
+          <p:cNvPr id="6" name="TextBox 5"/>
+          <p:cNvSpPr txBox="1"/>
+          <p:nvPr/>
+        </p:nvSpPr>
+        <p:spPr bwMode="auto">
+          <a:xfrm>
+            <a:off x="743816" y="457200"/>
+            <a:ext cx="1303562" cy="523220"/>
+          </a:xfrm>
+          <a:prstGeom prst="rect">
+            <a:avLst/>
+          </a:prstGeom>
+          <a:noFill/>
+          <a:ln w="9525">
+            <a:noFill/>
+            <a:miter lim="800000"/>
+            <a:headEnd/>
+            <a:tailEnd/>
+          </a:ln>
+        </p:spPr>
+        <p:txBody>
+          <a:bodyPr wrap="none" rtlCol="0">
+            <a:spAutoFit/>
+          </a:bodyPr>
+          <a:lstStyle/>
+          <a:p>
+            <a:r>
+              <a:rPr lang="en-US" altLang="zh-CN" sz="2800" dirty="0" smtClean="0"/>
+              <a:t>Strings</a:t>
+            </a:r>
+            <a:endParaRPr lang="en-US" altLang="zh-CN" sz="2800" dirty="0"/>
+          </a:p>
+        </p:txBody>
+      </p:sp>
+      <p:sp>
+        <p:nvSpPr>
+          <p:cNvPr id="3" name="TextBox 2"/>
+          <p:cNvSpPr txBox="1"/>
+          <p:nvPr/>
+        </p:nvSpPr>
+        <p:spPr bwMode="auto">
+          <a:xfrm>
+            <a:off x="728576" y="1295400"/>
+            <a:ext cx="7028584" cy="646331"/>
+          </a:xfrm>
+          <a:prstGeom prst="rect">
+            <a:avLst/>
+          </a:prstGeom>
+          <a:noFill/>
+          <a:ln w="9525">
+            <a:noFill/>
+            <a:miter lim="800000"/>
+            <a:headEnd/>
+            <a:tailEnd/>
+          </a:ln>
+        </p:spPr>
+        <p:txBody>
+          <a:bodyPr wrap="square" rtlCol="0">
+            <a:spAutoFit/>
+          </a:bodyPr>
+          <a:lstStyle/>
+          <a:p>
+            <a:r>
+              <a:rPr lang="zh-CN" altLang="en-US" b="1" dirty="0"/>
+              <a:t>连接器</a:t>
+            </a:r>
+            <a:r>
+              <a:rPr lang="en-US" altLang="zh-CN" b="1" dirty="0"/>
+              <a:t>[</a:t>
+            </a:r>
+            <a:r>
+              <a:rPr lang="en-US" b="1" dirty="0"/>
+              <a:t>Joiner]</a:t>
+            </a:r>
+          </a:p>
+          <a:p>
+            <a:endParaRPr lang="zh-CN" altLang="en-US" dirty="0"/>
+          </a:p>
+        </p:txBody>
+      </p:sp>
+      <p:sp>
+        <p:nvSpPr>
+          <p:cNvPr id="10" name="TextBox 9"/>
+          <p:cNvSpPr txBox="1"/>
+          <p:nvPr/>
+        </p:nvSpPr>
+        <p:spPr bwMode="auto">
+          <a:xfrm>
+            <a:off x="1600200" y="2971800"/>
+            <a:ext cx="5715000" cy="1600200"/>
+          </a:xfrm>
+          <a:prstGeom prst="rect">
+            <a:avLst/>
+          </a:prstGeom>
+          <a:noFill/>
+          <a:ln w="9525">
+            <a:noFill/>
+            <a:miter lim="800000"/>
+            <a:headEnd/>
+            <a:tailEnd/>
+          </a:ln>
+        </p:spPr>
+        <p:txBody>
+          <a:bodyPr wrap="square" rtlCol="0">
+            <a:spAutoFit/>
+          </a:bodyPr>
+          <a:lstStyle/>
+          <a:p>
+            <a:pPr algn="r"/>
+            <a:endParaRPr lang="en-US" sz="900" spc="120" baseline="0" dirty="0" smtClean="0">
+              <a:solidFill>
+                <a:srgbClr val="808080"/>
+              </a:solidFill>
+              <a:latin typeface="Times" pitchFamily="18" charset="0"/>
+            </a:endParaRPr>
+          </a:p>
+        </p:txBody>
+      </p:sp>
+      <p:pic>
+        <p:nvPicPr>
+          <p:cNvPr id="4" name="Picture 3"/>
+          <p:cNvPicPr>
+            <a:picLocks noChangeAspect="1"/>
+          </p:cNvPicPr>
+          <p:nvPr/>
+        </p:nvPicPr>
+        <p:blipFill>
+          <a:blip r:embed="rId2"/>
+          <a:stretch>
+            <a:fillRect/>
+          </a:stretch>
+        </p:blipFill>
+        <p:spPr>
+          <a:xfrm>
+            <a:off x="713336" y="2256711"/>
+            <a:ext cx="8077200" cy="2562225"/>
+          </a:xfrm>
+          <a:prstGeom prst="rect">
+            <a:avLst/>
+          </a:prstGeom>
+        </p:spPr>
+      </p:pic>
+    </p:spTree>
+    <p:extLst>
+      <p:ext uri="{BB962C8B-B14F-4D97-AF65-F5344CB8AC3E}">
+        <p14:creationId xmlns:p14="http://schemas.microsoft.com/office/powerpoint/2010/main" val="1304136424"/>
+      </p:ext>
+    </p:extLst>
+  </p:cSld>
+  <p:clrMapOvr>
+    <a:masterClrMapping/>
+  </p:clrMapOvr>
+  <p:timing>
+    <p:tnLst>
+      <p:par>
+        <p:cTn id="1" dur="indefinite" restart="never" nodeType="tmRoot"/>
+      </p:par>
+    </p:tnLst>
+  </p:timing>
+</p:sld>
+</file>
+
+<file path=ppt/slides/slide37.xml><?xml version="1.0" encoding="utf-8"?>
+<p:sld xmlns:a="http://schemas.openxmlformats.org/drawingml/2006/main" xmlns:r="http://schemas.openxmlformats.org/officeDocument/2006/relationships" xmlns:p="http://schemas.openxmlformats.org/presentationml/2006/main">
+  <p:cSld>
+    <p:spTree>
+      <p:nvGrpSpPr>
+        <p:cNvPr id="1" name=""/>
+        <p:cNvGrpSpPr/>
+        <p:nvPr/>
+      </p:nvGrpSpPr>
+      <p:grpSpPr>
+        <a:xfrm>
+          <a:off x="0" y="0"/>
+          <a:ext cx="0" cy="0"/>
+          <a:chOff x="0" y="0"/>
+          <a:chExt cx="0" cy="0"/>
+        </a:xfrm>
+      </p:grpSpPr>
+      <p:sp>
+        <p:nvSpPr>
+          <p:cNvPr id="6" name="TextBox 5"/>
+          <p:cNvSpPr txBox="1"/>
+          <p:nvPr/>
+        </p:nvSpPr>
+        <p:spPr bwMode="auto">
+          <a:xfrm>
+            <a:off x="743816" y="457200"/>
+            <a:ext cx="1303562" cy="523220"/>
+          </a:xfrm>
+          <a:prstGeom prst="rect">
+            <a:avLst/>
+          </a:prstGeom>
+          <a:noFill/>
+          <a:ln w="9525">
+            <a:noFill/>
+            <a:miter lim="800000"/>
+            <a:headEnd/>
+            <a:tailEnd/>
+          </a:ln>
+        </p:spPr>
+        <p:txBody>
+          <a:bodyPr wrap="none" rtlCol="0">
+            <a:spAutoFit/>
+          </a:bodyPr>
+          <a:lstStyle/>
+          <a:p>
+            <a:r>
+              <a:rPr lang="en-US" altLang="zh-CN" sz="2800" dirty="0" smtClean="0"/>
+              <a:t>Strings</a:t>
+            </a:r>
+            <a:endParaRPr lang="en-US" altLang="zh-CN" sz="2800" dirty="0"/>
+          </a:p>
+        </p:txBody>
+      </p:sp>
+      <p:sp>
+        <p:nvSpPr>
+          <p:cNvPr id="3" name="TextBox 2"/>
+          <p:cNvSpPr txBox="1"/>
+          <p:nvPr/>
+        </p:nvSpPr>
+        <p:spPr bwMode="auto">
+          <a:xfrm>
+            <a:off x="728576" y="1295400"/>
+            <a:ext cx="7028584" cy="369332"/>
+          </a:xfrm>
+          <a:prstGeom prst="rect">
+            <a:avLst/>
+          </a:prstGeom>
+          <a:noFill/>
+          <a:ln w="9525">
+            <a:noFill/>
+            <a:miter lim="800000"/>
+            <a:headEnd/>
+            <a:tailEnd/>
+          </a:ln>
+        </p:spPr>
+        <p:txBody>
+          <a:bodyPr wrap="square" rtlCol="0">
+            <a:spAutoFit/>
+          </a:bodyPr>
+          <a:lstStyle/>
+          <a:p>
+            <a:r>
+              <a:rPr lang="zh-CN" altLang="en-US" b="1" dirty="0"/>
+              <a:t>拆分器</a:t>
+            </a:r>
+            <a:r>
+              <a:rPr lang="en-US" altLang="zh-CN" b="1" dirty="0"/>
+              <a:t>[</a:t>
+            </a:r>
+            <a:r>
+              <a:rPr lang="en-US" b="1" dirty="0"/>
+              <a:t>Splitter</a:t>
+            </a:r>
+            <a:r>
+              <a:rPr lang="en-US" b="1" dirty="0" smtClean="0"/>
+              <a:t>]</a:t>
+            </a:r>
+            <a:endParaRPr lang="en-US" b="1" dirty="0"/>
+          </a:p>
+        </p:txBody>
+      </p:sp>
+      <p:sp>
+        <p:nvSpPr>
+          <p:cNvPr id="8" name="TextBox 2"/>
+          <p:cNvSpPr txBox="1"/>
+          <p:nvPr/>
+        </p:nvSpPr>
+        <p:spPr bwMode="auto">
+          <a:xfrm>
+            <a:off x="911456" y="2132112"/>
+            <a:ext cx="7028584" cy="2031325"/>
+          </a:xfrm>
+          <a:prstGeom prst="rect">
+            <a:avLst/>
+          </a:prstGeom>
+          <a:noFill/>
+          <a:ln w="9525">
+            <a:noFill/>
+            <a:miter lim="800000"/>
+            <a:headEnd/>
+            <a:tailEnd/>
+          </a:ln>
+        </p:spPr>
+        <p:txBody>
+          <a:bodyPr wrap="square" rtlCol="0">
+            <a:spAutoFit/>
+          </a:bodyPr>
+          <a:lstStyle/>
+          <a:p>
+            <a:r>
+              <a:rPr lang="en-US" dirty="0"/>
+              <a:t>JDK</a:t>
+            </a:r>
+            <a:r>
+              <a:rPr lang="zh-CN" altLang="en-US" dirty="0"/>
+              <a:t>内建的字符串拆分工具有一些古怪的特性。比如，</a:t>
+            </a:r>
+            <a:r>
+              <a:rPr lang="en-US" dirty="0" err="1"/>
+              <a:t>String.split</a:t>
+            </a:r>
+            <a:r>
+              <a:rPr lang="zh-CN" altLang="en-US" dirty="0"/>
+              <a:t>悄悄丢弃了尾部的分隔符。 问题：”</a:t>
+            </a:r>
+            <a:r>
+              <a:rPr lang="en-US" altLang="zh-CN" dirty="0"/>
+              <a:t>,</a:t>
+            </a:r>
+            <a:r>
+              <a:rPr lang="en-US" dirty="0" err="1"/>
+              <a:t>a,,b,”.split</a:t>
+            </a:r>
+            <a:r>
+              <a:rPr lang="en-US" dirty="0"/>
+              <a:t>(“,”)</a:t>
+            </a:r>
+            <a:r>
+              <a:rPr lang="zh-CN" altLang="en-US" dirty="0"/>
+              <a:t>返回？</a:t>
+            </a:r>
+          </a:p>
+          <a:p>
+            <a:r>
+              <a:rPr lang="zh-CN" altLang="en-US" dirty="0"/>
+              <a:t>“”</a:t>
+            </a:r>
+            <a:r>
+              <a:rPr lang="en-US" altLang="zh-CN" dirty="0"/>
+              <a:t>, “</a:t>
+            </a:r>
+            <a:r>
+              <a:rPr lang="en-US" dirty="0"/>
+              <a:t>a”, “”, “b”, “”</a:t>
+            </a:r>
+          </a:p>
+          <a:p>
+            <a:r>
+              <a:rPr lang="en-US" dirty="0"/>
+              <a:t>null, “a”, null, “b”, null</a:t>
+            </a:r>
+          </a:p>
+          <a:p>
+            <a:r>
+              <a:rPr lang="en-US" dirty="0"/>
+              <a:t>“a”, null, “b”</a:t>
+            </a:r>
+          </a:p>
+          <a:p>
+            <a:r>
+              <a:rPr lang="en-US" dirty="0"/>
+              <a:t>“a”, “b”</a:t>
+            </a:r>
+          </a:p>
+          <a:p>
+            <a:r>
+              <a:rPr lang="zh-CN" altLang="en-US" dirty="0"/>
+              <a:t>以上都不对</a:t>
+            </a:r>
+          </a:p>
+        </p:txBody>
+      </p:sp>
+      <p:sp>
+        <p:nvSpPr>
+          <p:cNvPr id="12" name="TextBox 2"/>
+          <p:cNvSpPr txBox="1"/>
+          <p:nvPr/>
+        </p:nvSpPr>
+        <p:spPr bwMode="auto">
+          <a:xfrm>
+            <a:off x="911456" y="4664214"/>
+            <a:ext cx="7028584" cy="923330"/>
+          </a:xfrm>
+          <a:prstGeom prst="rect">
+            <a:avLst/>
+          </a:prstGeom>
+          <a:noFill/>
+          <a:ln w="9525">
+            <a:noFill/>
+            <a:miter lim="800000"/>
+            <a:headEnd/>
+            <a:tailEnd/>
+          </a:ln>
+        </p:spPr>
+        <p:txBody>
+          <a:bodyPr wrap="square" rtlCol="0">
+            <a:spAutoFit/>
+          </a:bodyPr>
+          <a:lstStyle/>
+          <a:p>
+            <a:r>
+              <a:rPr lang="en-US" altLang="zh-CN" dirty="0" err="1"/>
+              <a:t>Splitter.on</a:t>
+            </a:r>
+            <a:r>
+              <a:rPr lang="en-US" altLang="zh-CN" dirty="0"/>
+              <a:t>(',').</a:t>
+            </a:r>
+            <a:r>
+              <a:rPr lang="en-US" altLang="zh-CN" dirty="0" err="1"/>
+              <a:t>trimResults</a:t>
+            </a:r>
+            <a:r>
+              <a:rPr lang="en-US" altLang="zh-CN" dirty="0"/>
+              <a:t>().</a:t>
+            </a:r>
+            <a:r>
+              <a:rPr lang="en-US" altLang="zh-CN" dirty="0" err="1"/>
+              <a:t>omitEmptyStrings</a:t>
+            </a:r>
+            <a:r>
+              <a:rPr lang="en-US" altLang="zh-CN" dirty="0"/>
+              <a:t>().split("</a:t>
+            </a:r>
+            <a:r>
+              <a:rPr lang="en-US" altLang="zh-CN" dirty="0" err="1"/>
+              <a:t>foo,bar</a:t>
+            </a:r>
+            <a:r>
+              <a:rPr lang="en-US" altLang="zh-CN" dirty="0"/>
+              <a:t>,,   </a:t>
+            </a:r>
+            <a:r>
+              <a:rPr lang="en-US" altLang="zh-CN" dirty="0" err="1"/>
+              <a:t>qux</a:t>
+            </a:r>
+            <a:r>
+              <a:rPr lang="en-US" altLang="zh-CN" dirty="0" smtClean="0"/>
+              <a:t>");</a:t>
+            </a:r>
+          </a:p>
+          <a:p>
+            <a:r>
+              <a:rPr lang="zh-CN" altLang="en-US" dirty="0"/>
+              <a:t>返回</a:t>
+            </a:r>
+            <a:r>
+              <a:rPr lang="zh-CN" altLang="en-US" dirty="0" smtClean="0"/>
+              <a:t>值是</a:t>
+            </a:r>
+            <a:r>
+              <a:rPr lang="en-US" dirty="0" err="1" smtClean="0"/>
+              <a:t>Iterable</a:t>
+            </a:r>
+            <a:r>
+              <a:rPr lang="en-US" dirty="0" smtClean="0"/>
+              <a:t>&lt;String&gt;, </a:t>
+            </a:r>
+            <a:r>
+              <a:rPr lang="zh-CN" altLang="en-US" dirty="0" smtClean="0"/>
+              <a:t>它是所有集合类的最顶级接口。</a:t>
+            </a:r>
+            <a:endParaRPr lang="zh-CN" altLang="en-US" dirty="0"/>
+          </a:p>
+        </p:txBody>
+      </p:sp>
+    </p:spTree>
+    <p:extLst>
+      <p:ext uri="{BB962C8B-B14F-4D97-AF65-F5344CB8AC3E}">
+        <p14:creationId xmlns:p14="http://schemas.microsoft.com/office/powerpoint/2010/main" val="2259268862"/>
+      </p:ext>
+    </p:extLst>
+  </p:cSld>
+  <p:clrMapOvr>
+    <a:masterClrMapping/>
+  </p:clrMapOvr>
+  <p:timing>
+    <p:tnLst>
+      <p:par>
+        <p:cTn id="1" dur="indefinite" restart="never" nodeType="tmRoot"/>
+      </p:par>
+    </p:tnLst>
+  </p:timing>
+</p:sld>
+</file>
+
+<file path=ppt/slides/slide38.xml><?xml version="1.0" encoding="utf-8"?>
+<p:sld xmlns:a="http://schemas.openxmlformats.org/drawingml/2006/main" xmlns:r="http://schemas.openxmlformats.org/officeDocument/2006/relationships" xmlns:p="http://schemas.openxmlformats.org/presentationml/2006/main">
+  <p:cSld>
+    <p:spTree>
+      <p:nvGrpSpPr>
+        <p:cNvPr id="1" name=""/>
+        <p:cNvGrpSpPr/>
+        <p:nvPr/>
+      </p:nvGrpSpPr>
+      <p:grpSpPr>
+        <a:xfrm>
+          <a:off x="0" y="0"/>
+          <a:ext cx="0" cy="0"/>
+          <a:chOff x="0" y="0"/>
+          <a:chExt cx="0" cy="0"/>
+        </a:xfrm>
+      </p:grpSpPr>
+      <p:sp>
+        <p:nvSpPr>
+          <p:cNvPr id="6" name="TextBox 5"/>
+          <p:cNvSpPr txBox="1"/>
+          <p:nvPr/>
+        </p:nvSpPr>
+        <p:spPr bwMode="auto">
+          <a:xfrm>
+            <a:off x="743816" y="457200"/>
+            <a:ext cx="1303562" cy="523220"/>
+          </a:xfrm>
+          <a:prstGeom prst="rect">
+            <a:avLst/>
+          </a:prstGeom>
+          <a:noFill/>
+          <a:ln w="9525">
+            <a:noFill/>
+            <a:miter lim="800000"/>
+            <a:headEnd/>
+            <a:tailEnd/>
+          </a:ln>
+        </p:spPr>
+        <p:txBody>
+          <a:bodyPr wrap="none" rtlCol="0">
+            <a:spAutoFit/>
+          </a:bodyPr>
+          <a:lstStyle/>
+          <a:p>
+            <a:r>
+              <a:rPr lang="en-US" altLang="zh-CN" sz="2800" dirty="0" smtClean="0"/>
+              <a:t>Strings</a:t>
+            </a:r>
+            <a:endParaRPr lang="en-US" altLang="zh-CN" sz="2800" dirty="0"/>
+          </a:p>
+        </p:txBody>
+      </p:sp>
+      <p:sp>
+        <p:nvSpPr>
+          <p:cNvPr id="3" name="TextBox 2"/>
+          <p:cNvSpPr txBox="1"/>
+          <p:nvPr/>
+        </p:nvSpPr>
+        <p:spPr bwMode="auto">
+          <a:xfrm>
+            <a:off x="728576" y="1295400"/>
+            <a:ext cx="7028584" cy="369332"/>
+          </a:xfrm>
+          <a:prstGeom prst="rect">
+            <a:avLst/>
+          </a:prstGeom>
+          <a:noFill/>
+          <a:ln w="9525">
+            <a:noFill/>
+            <a:miter lim="800000"/>
+            <a:headEnd/>
+            <a:tailEnd/>
+          </a:ln>
+        </p:spPr>
+        <p:txBody>
+          <a:bodyPr wrap="square" rtlCol="0">
+            <a:spAutoFit/>
+          </a:bodyPr>
+          <a:lstStyle/>
+          <a:p>
+            <a:r>
+              <a:rPr lang="zh-CN" altLang="en-US" b="1" dirty="0"/>
+              <a:t>拆分器</a:t>
+            </a:r>
+            <a:r>
+              <a:rPr lang="en-US" altLang="zh-CN" b="1" dirty="0"/>
+              <a:t>[</a:t>
+            </a:r>
+            <a:r>
+              <a:rPr lang="en-US" b="1" dirty="0"/>
+              <a:t>Splitter</a:t>
+            </a:r>
+            <a:r>
+              <a:rPr lang="en-US" b="1" dirty="0" smtClean="0"/>
+              <a:t>]</a:t>
+            </a:r>
+            <a:endParaRPr lang="en-US" b="1" dirty="0"/>
+          </a:p>
+        </p:txBody>
+      </p:sp>
+      <p:sp>
+        <p:nvSpPr>
+          <p:cNvPr id="8" name="TextBox 2"/>
+          <p:cNvSpPr txBox="1"/>
+          <p:nvPr/>
+        </p:nvSpPr>
+        <p:spPr bwMode="auto">
+          <a:xfrm>
+            <a:off x="911456" y="2132112"/>
+            <a:ext cx="7028584" cy="369332"/>
+          </a:xfrm>
+          <a:prstGeom prst="rect">
+            <a:avLst/>
+          </a:prstGeom>
+          <a:noFill/>
+          <a:ln w="9525">
+            <a:noFill/>
+            <a:miter lim="800000"/>
+            <a:headEnd/>
+            <a:tailEnd/>
+          </a:ln>
+        </p:spPr>
+        <p:txBody>
+          <a:bodyPr wrap="square" rtlCol="0">
+            <a:spAutoFit/>
+          </a:bodyPr>
+          <a:lstStyle/>
+          <a:p>
+            <a:r>
+              <a:rPr lang="zh-CN" altLang="en-US" b="1" dirty="0"/>
+              <a:t>拆分器工厂</a:t>
+            </a:r>
+          </a:p>
+        </p:txBody>
+      </p:sp>
+      <p:graphicFrame>
+        <p:nvGraphicFramePr>
+          <p:cNvPr id="2" name="Table 1"/>
+          <p:cNvGraphicFramePr>
+            <a:graphicFrameLocks noGrp="1"/>
+          </p:cNvGraphicFramePr>
+          <p:nvPr>
+            <p:extLst>
+              <p:ext uri="{D42A27DB-BD31-4B8C-83A1-F6EECF244321}">
+                <p14:modId xmlns:p14="http://schemas.microsoft.com/office/powerpoint/2010/main" val="842632240"/>
+              </p:ext>
+            </p:extLst>
+          </p:nvPr>
+        </p:nvGraphicFramePr>
+        <p:xfrm>
+          <a:off x="457200" y="2501444"/>
+          <a:ext cx="8267700" cy="3511147"/>
+        </p:xfrm>
+        <a:graphic>
+          <a:graphicData uri="http://schemas.openxmlformats.org/drawingml/2006/table">
+            <a:tbl>
+              <a:tblPr/>
+              <a:tblGrid>
+                <a:gridCol w="2918012">
+                  <a:extLst>
+                    <a:ext uri="{9D8B030D-6E8A-4147-A177-3AD203B41FA5}">
+                      <a16:colId xmlns:a16="http://schemas.microsoft.com/office/drawing/2014/main" val="1571933428"/>
+                    </a:ext>
+                  </a:extLst>
+                </a:gridCol>
+                <a:gridCol w="2188509">
+                  <a:extLst>
+                    <a:ext uri="{9D8B030D-6E8A-4147-A177-3AD203B41FA5}">
+                      <a16:colId xmlns:a16="http://schemas.microsoft.com/office/drawing/2014/main" val="2056285079"/>
+                    </a:ext>
+                  </a:extLst>
+                </a:gridCol>
+                <a:gridCol w="3161179">
+                  <a:extLst>
+                    <a:ext uri="{9D8B030D-6E8A-4147-A177-3AD203B41FA5}">
+                      <a16:colId xmlns:a16="http://schemas.microsoft.com/office/drawing/2014/main" val="3200955841"/>
+                    </a:ext>
+                  </a:extLst>
+                </a:gridCol>
+              </a:tblGrid>
+              <a:tr h="441144">
+                <a:tc>
+                  <a:txBody>
+                    <a:bodyPr/>
+                    <a:lstStyle/>
+                    <a:p>
+                      <a:r>
+                        <a:rPr lang="zh-CN" altLang="en-US" sz="1400" b="1">
+                          <a:effectLst/>
+                        </a:rPr>
+                        <a:t>方法</a:t>
+                      </a:r>
+                      <a:endParaRPr lang="zh-CN" altLang="en-US" sz="1400">
+                        <a:effectLst/>
+                      </a:endParaRPr>
+                    </a:p>
+                  </a:txBody>
+                  <a:tcPr marL="112537" marR="112537" marT="112537" marB="112537" anchor="ctr">
+                    <a:lnL w="9525" cap="flat" cmpd="sng" algn="ctr">
+                      <a:solidFill>
+                        <a:srgbClr val="CCCCCC"/>
+                      </a:solidFill>
+                      <a:prstDash val="solid"/>
+                      <a:round/>
+                      <a:headEnd type="none" w="med" len="med"/>
+                      <a:tailEnd type="none" w="med" len="med"/>
+                    </a:lnL>
+                    <a:lnR w="9525" cap="flat" cmpd="sng" algn="ctr">
+                      <a:solidFill>
+                        <a:srgbClr val="CCCCCC"/>
+                      </a:solidFill>
+                      <a:prstDash val="solid"/>
+                      <a:round/>
+                      <a:headEnd type="none" w="med" len="med"/>
+                      <a:tailEnd type="none" w="med" len="med"/>
+                    </a:lnR>
+                    <a:lnT w="9525" cap="flat" cmpd="sng" algn="ctr">
+                      <a:solidFill>
+                        <a:srgbClr val="CCCCCC"/>
+                      </a:solidFill>
+                      <a:prstDash val="solid"/>
+                      <a:round/>
+                      <a:headEnd type="none" w="med" len="med"/>
+                      <a:tailEnd type="none" w="med" len="med"/>
+                    </a:lnT>
+                    <a:lnB w="9525" cap="flat" cmpd="sng" algn="ctr">
+                      <a:solidFill>
+                        <a:srgbClr val="CCCCCC"/>
+                      </a:solidFill>
+                      <a:prstDash val="solid"/>
+                      <a:round/>
+                      <a:headEnd type="none" w="med" len="med"/>
+                      <a:tailEnd type="none" w="med" len="med"/>
+                    </a:lnB>
+                  </a:tcPr>
+                </a:tc>
+                <a:tc>
+                  <a:txBody>
+                    <a:bodyPr/>
+                    <a:lstStyle/>
+                    <a:p>
+                      <a:r>
+                        <a:rPr lang="zh-CN" altLang="en-US" sz="1400" b="1">
+                          <a:effectLst/>
+                        </a:rPr>
+                        <a:t>描述</a:t>
+                      </a:r>
+                      <a:endParaRPr lang="zh-CN" altLang="en-US" sz="1400">
+                        <a:effectLst/>
+                      </a:endParaRPr>
+                    </a:p>
+                  </a:txBody>
+                  <a:tcPr marL="112537" marR="112537" marT="112537" marB="112537" anchor="ctr">
+                    <a:lnL w="9525" cap="flat" cmpd="sng" algn="ctr">
+                      <a:solidFill>
+                        <a:srgbClr val="CCCCCC"/>
+                      </a:solidFill>
+                      <a:prstDash val="solid"/>
+                      <a:round/>
+                      <a:headEnd type="none" w="med" len="med"/>
+                      <a:tailEnd type="none" w="med" len="med"/>
+                    </a:lnL>
+                    <a:lnR w="9525" cap="flat" cmpd="sng" algn="ctr">
+                      <a:solidFill>
+                        <a:srgbClr val="CCCCCC"/>
+                      </a:solidFill>
+                      <a:prstDash val="solid"/>
+                      <a:round/>
+                      <a:headEnd type="none" w="med" len="med"/>
+                      <a:tailEnd type="none" w="med" len="med"/>
+                    </a:lnR>
+                    <a:lnT w="9525" cap="flat" cmpd="sng" algn="ctr">
+                      <a:solidFill>
+                        <a:srgbClr val="CCCCCC"/>
+                      </a:solidFill>
+                      <a:prstDash val="solid"/>
+                      <a:round/>
+                      <a:headEnd type="none" w="med" len="med"/>
+                      <a:tailEnd type="none" w="med" len="med"/>
+                    </a:lnT>
+                    <a:lnB w="9525" cap="flat" cmpd="sng" algn="ctr">
+                      <a:solidFill>
+                        <a:srgbClr val="CCCCCC"/>
+                      </a:solidFill>
+                      <a:prstDash val="solid"/>
+                      <a:round/>
+                      <a:headEnd type="none" w="med" len="med"/>
+                      <a:tailEnd type="none" w="med" len="med"/>
+                    </a:lnB>
+                  </a:tcPr>
+                </a:tc>
+                <a:tc>
+                  <a:txBody>
+                    <a:bodyPr/>
+                    <a:lstStyle/>
+                    <a:p>
+                      <a:r>
+                        <a:rPr lang="zh-CN" altLang="en-US" sz="1400" b="1">
+                          <a:effectLst/>
+                        </a:rPr>
+                        <a:t>范例</a:t>
+                      </a:r>
+                      <a:endParaRPr lang="zh-CN" altLang="en-US" sz="1400">
+                        <a:effectLst/>
+                      </a:endParaRPr>
+                    </a:p>
+                  </a:txBody>
+                  <a:tcPr marL="112537" marR="112537" marT="112537" marB="112537" anchor="ctr">
+                    <a:lnL w="9525" cap="flat" cmpd="sng" algn="ctr">
+                      <a:solidFill>
+                        <a:srgbClr val="CCCCCC"/>
+                      </a:solidFill>
+                      <a:prstDash val="solid"/>
+                      <a:round/>
+                      <a:headEnd type="none" w="med" len="med"/>
+                      <a:tailEnd type="none" w="med" len="med"/>
+                    </a:lnL>
+                    <a:lnR w="9525" cap="flat" cmpd="sng" algn="ctr">
+                      <a:solidFill>
+                        <a:srgbClr val="CCCCCC"/>
+                      </a:solidFill>
+                      <a:prstDash val="solid"/>
+                      <a:round/>
+                      <a:headEnd type="none" w="med" len="med"/>
+                      <a:tailEnd type="none" w="med" len="med"/>
+                    </a:lnR>
+                    <a:lnT w="9525" cap="flat" cmpd="sng" algn="ctr">
+                      <a:solidFill>
+                        <a:srgbClr val="CCCCCC"/>
+                      </a:solidFill>
+                      <a:prstDash val="solid"/>
+                      <a:round/>
+                      <a:headEnd type="none" w="med" len="med"/>
+                      <a:tailEnd type="none" w="med" len="med"/>
+                    </a:lnT>
+                    <a:lnB w="9525" cap="flat" cmpd="sng" algn="ctr">
+                      <a:solidFill>
+                        <a:srgbClr val="CCCCCC"/>
+                      </a:solidFill>
+                      <a:prstDash val="solid"/>
+                      <a:round/>
+                      <a:headEnd type="none" w="med" len="med"/>
+                      <a:tailEnd type="none" w="med" len="med"/>
+                    </a:lnB>
+                  </a:tcPr>
+                </a:tc>
+                <a:extLst>
+                  <a:ext uri="{0D108BD9-81ED-4DB2-BD59-A6C34878D82A}">
+                    <a16:rowId xmlns:a16="http://schemas.microsoft.com/office/drawing/2014/main" val="3212651628"/>
+                  </a:ext>
+                </a:extLst>
+              </a:tr>
+              <a:tr h="441144">
+                <a:tc>
+                  <a:txBody>
+                    <a:bodyPr/>
+                    <a:lstStyle/>
+                    <a:p>
+                      <a:r>
+                        <a:rPr lang="en-US" sz="1400" u="sng">
+                          <a:solidFill>
+                            <a:srgbClr val="00A19E"/>
+                          </a:solidFill>
+                          <a:effectLst/>
+                          <a:hlinkClick r:id="rId2"/>
+                        </a:rPr>
+                        <a:t>Splitter.on(char)</a:t>
+                      </a:r>
+                      <a:endParaRPr lang="en-US" sz="1400">
+                        <a:effectLst/>
+                      </a:endParaRPr>
+                    </a:p>
+                  </a:txBody>
+                  <a:tcPr marL="112537" marR="112537" marT="112537" marB="112537" anchor="ctr">
+                    <a:lnL w="9525" cap="flat" cmpd="sng" algn="ctr">
+                      <a:solidFill>
+                        <a:srgbClr val="CCCCCC"/>
+                      </a:solidFill>
+                      <a:prstDash val="solid"/>
+                      <a:round/>
+                      <a:headEnd type="none" w="med" len="med"/>
+                      <a:tailEnd type="none" w="med" len="med"/>
+                    </a:lnL>
+                    <a:lnR w="9525" cap="flat" cmpd="sng" algn="ctr">
+                      <a:solidFill>
+                        <a:srgbClr val="CCCCCC"/>
+                      </a:solidFill>
+                      <a:prstDash val="solid"/>
+                      <a:round/>
+                      <a:headEnd type="none" w="med" len="med"/>
+                      <a:tailEnd type="none" w="med" len="med"/>
+                    </a:lnR>
+                    <a:lnT w="9525" cap="flat" cmpd="sng" algn="ctr">
+                      <a:solidFill>
+                        <a:srgbClr val="CCCCCC"/>
+                      </a:solidFill>
+                      <a:prstDash val="solid"/>
+                      <a:round/>
+                      <a:headEnd type="none" w="med" len="med"/>
+                      <a:tailEnd type="none" w="med" len="med"/>
+                    </a:lnT>
+                    <a:lnB w="9525" cap="flat" cmpd="sng" algn="ctr">
+                      <a:solidFill>
+                        <a:srgbClr val="CCCCCC"/>
+                      </a:solidFill>
+                      <a:prstDash val="solid"/>
+                      <a:round/>
+                      <a:headEnd type="none" w="med" len="med"/>
+                      <a:tailEnd type="none" w="med" len="med"/>
+                    </a:lnB>
+                  </a:tcPr>
+                </a:tc>
+                <a:tc>
+                  <a:txBody>
+                    <a:bodyPr/>
+                    <a:lstStyle/>
+                    <a:p>
+                      <a:r>
+                        <a:rPr lang="zh-CN" altLang="en-US" sz="1400">
+                          <a:effectLst/>
+                        </a:rPr>
+                        <a:t>按单个字符拆分</a:t>
+                      </a:r>
+                    </a:p>
+                  </a:txBody>
+                  <a:tcPr marL="112537" marR="112537" marT="112537" marB="112537" anchor="ctr">
+                    <a:lnL w="9525" cap="flat" cmpd="sng" algn="ctr">
+                      <a:solidFill>
+                        <a:srgbClr val="CCCCCC"/>
+                      </a:solidFill>
+                      <a:prstDash val="solid"/>
+                      <a:round/>
+                      <a:headEnd type="none" w="med" len="med"/>
+                      <a:tailEnd type="none" w="med" len="med"/>
+                    </a:lnL>
+                    <a:lnR w="9525" cap="flat" cmpd="sng" algn="ctr">
+                      <a:solidFill>
+                        <a:srgbClr val="CCCCCC"/>
+                      </a:solidFill>
+                      <a:prstDash val="solid"/>
+                      <a:round/>
+                      <a:headEnd type="none" w="med" len="med"/>
+                      <a:tailEnd type="none" w="med" len="med"/>
+                    </a:lnR>
+                    <a:lnT w="9525" cap="flat" cmpd="sng" algn="ctr">
+                      <a:solidFill>
+                        <a:srgbClr val="CCCCCC"/>
+                      </a:solidFill>
+                      <a:prstDash val="solid"/>
+                      <a:round/>
+                      <a:headEnd type="none" w="med" len="med"/>
+                      <a:tailEnd type="none" w="med" len="med"/>
+                    </a:lnT>
+                    <a:lnB w="9525" cap="flat" cmpd="sng" algn="ctr">
+                      <a:solidFill>
+                        <a:srgbClr val="CCCCCC"/>
+                      </a:solidFill>
+                      <a:prstDash val="solid"/>
+                      <a:round/>
+                      <a:headEnd type="none" w="med" len="med"/>
+                      <a:tailEnd type="none" w="med" len="med"/>
+                    </a:lnB>
+                  </a:tcPr>
+                </a:tc>
+                <a:tc>
+                  <a:txBody>
+                    <a:bodyPr/>
+                    <a:lstStyle/>
+                    <a:p>
+                      <a:r>
+                        <a:rPr lang="en-US" sz="1400">
+                          <a:effectLst/>
+                        </a:rPr>
+                        <a:t>Splitter.on(‘;’)</a:t>
+                      </a:r>
+                    </a:p>
+                  </a:txBody>
+                  <a:tcPr marL="112537" marR="112537" marT="112537" marB="112537" anchor="ctr">
+                    <a:lnL w="9525" cap="flat" cmpd="sng" algn="ctr">
+                      <a:solidFill>
+                        <a:srgbClr val="CCCCCC"/>
+                      </a:solidFill>
+                      <a:prstDash val="solid"/>
+                      <a:round/>
+                      <a:headEnd type="none" w="med" len="med"/>
+                      <a:tailEnd type="none" w="med" len="med"/>
+                    </a:lnL>
+                    <a:lnR w="9525" cap="flat" cmpd="sng" algn="ctr">
+                      <a:solidFill>
+                        <a:srgbClr val="CCCCCC"/>
+                      </a:solidFill>
+                      <a:prstDash val="solid"/>
+                      <a:round/>
+                      <a:headEnd type="none" w="med" len="med"/>
+                      <a:tailEnd type="none" w="med" len="med"/>
+                    </a:lnR>
+                    <a:lnT w="9525" cap="flat" cmpd="sng" algn="ctr">
+                      <a:solidFill>
+                        <a:srgbClr val="CCCCCC"/>
+                      </a:solidFill>
+                      <a:prstDash val="solid"/>
+                      <a:round/>
+                      <a:headEnd type="none" w="med" len="med"/>
+                      <a:tailEnd type="none" w="med" len="med"/>
+                    </a:lnT>
+                    <a:lnB w="9525" cap="flat" cmpd="sng" algn="ctr">
+                      <a:solidFill>
+                        <a:srgbClr val="CCCCCC"/>
+                      </a:solidFill>
+                      <a:prstDash val="solid"/>
+                      <a:round/>
+                      <a:headEnd type="none" w="med" len="med"/>
+                      <a:tailEnd type="none" w="med" len="med"/>
+                    </a:lnB>
+                  </a:tcPr>
+                </a:tc>
+                <a:extLst>
+                  <a:ext uri="{0D108BD9-81ED-4DB2-BD59-A6C34878D82A}">
+                    <a16:rowId xmlns:a16="http://schemas.microsoft.com/office/drawing/2014/main" val="1375289857"/>
+                  </a:ext>
+                </a:extLst>
+              </a:tr>
+              <a:tr h="657215">
+                <a:tc>
+                  <a:txBody>
+                    <a:bodyPr/>
+                    <a:lstStyle/>
+                    <a:p>
+                      <a:r>
+                        <a:rPr lang="en-US" sz="1400" u="sng">
+                          <a:solidFill>
+                            <a:srgbClr val="00A19E"/>
+                          </a:solidFill>
+                          <a:effectLst/>
+                          <a:hlinkClick r:id="rId3"/>
+                        </a:rPr>
+                        <a:t>Splitter.on(CharMatcher)</a:t>
+                      </a:r>
+                      <a:endParaRPr lang="en-US" sz="1400">
+                        <a:effectLst/>
+                      </a:endParaRPr>
+                    </a:p>
+                  </a:txBody>
+                  <a:tcPr marL="112537" marR="112537" marT="112537" marB="112537" anchor="ctr">
+                    <a:lnL w="9525" cap="flat" cmpd="sng" algn="ctr">
+                      <a:solidFill>
+                        <a:srgbClr val="CCCCCC"/>
+                      </a:solidFill>
+                      <a:prstDash val="solid"/>
+                      <a:round/>
+                      <a:headEnd type="none" w="med" len="med"/>
+                      <a:tailEnd type="none" w="med" len="med"/>
+                    </a:lnL>
+                    <a:lnR w="9525" cap="flat" cmpd="sng" algn="ctr">
+                      <a:solidFill>
+                        <a:srgbClr val="CCCCCC"/>
+                      </a:solidFill>
+                      <a:prstDash val="solid"/>
+                      <a:round/>
+                      <a:headEnd type="none" w="med" len="med"/>
+                      <a:tailEnd type="none" w="med" len="med"/>
+                    </a:lnR>
+                    <a:lnT w="9525" cap="flat" cmpd="sng" algn="ctr">
+                      <a:solidFill>
+                        <a:srgbClr val="CCCCCC"/>
+                      </a:solidFill>
+                      <a:prstDash val="solid"/>
+                      <a:round/>
+                      <a:headEnd type="none" w="med" len="med"/>
+                      <a:tailEnd type="none" w="med" len="med"/>
+                    </a:lnT>
+                    <a:lnB w="9525" cap="flat" cmpd="sng" algn="ctr">
+                      <a:solidFill>
+                        <a:srgbClr val="CCCCCC"/>
+                      </a:solidFill>
+                      <a:prstDash val="solid"/>
+                      <a:round/>
+                      <a:headEnd type="none" w="med" len="med"/>
+                      <a:tailEnd type="none" w="med" len="med"/>
+                    </a:lnB>
+                  </a:tcPr>
+                </a:tc>
+                <a:tc>
+                  <a:txBody>
+                    <a:bodyPr/>
+                    <a:lstStyle/>
+                    <a:p>
+                      <a:r>
+                        <a:rPr lang="zh-CN" altLang="en-US" sz="1400">
+                          <a:effectLst/>
+                        </a:rPr>
+                        <a:t>按字符匹配器拆分</a:t>
+                      </a:r>
+                    </a:p>
+                  </a:txBody>
+                  <a:tcPr marL="112537" marR="112537" marT="112537" marB="112537" anchor="ctr">
+                    <a:lnL w="9525" cap="flat" cmpd="sng" algn="ctr">
+                      <a:solidFill>
+                        <a:srgbClr val="CCCCCC"/>
+                      </a:solidFill>
+                      <a:prstDash val="solid"/>
+                      <a:round/>
+                      <a:headEnd type="none" w="med" len="med"/>
+                      <a:tailEnd type="none" w="med" len="med"/>
+                    </a:lnL>
+                    <a:lnR w="9525" cap="flat" cmpd="sng" algn="ctr">
+                      <a:solidFill>
+                        <a:srgbClr val="CCCCCC"/>
+                      </a:solidFill>
+                      <a:prstDash val="solid"/>
+                      <a:round/>
+                      <a:headEnd type="none" w="med" len="med"/>
+                      <a:tailEnd type="none" w="med" len="med"/>
+                    </a:lnR>
+                    <a:lnT w="9525" cap="flat" cmpd="sng" algn="ctr">
+                      <a:solidFill>
+                        <a:srgbClr val="CCCCCC"/>
+                      </a:solidFill>
+                      <a:prstDash val="solid"/>
+                      <a:round/>
+                      <a:headEnd type="none" w="med" len="med"/>
+                      <a:tailEnd type="none" w="med" len="med"/>
+                    </a:lnT>
+                    <a:lnB w="9525" cap="flat" cmpd="sng" algn="ctr">
+                      <a:solidFill>
+                        <a:srgbClr val="CCCCCC"/>
+                      </a:solidFill>
+                      <a:prstDash val="solid"/>
+                      <a:round/>
+                      <a:headEnd type="none" w="med" len="med"/>
+                      <a:tailEnd type="none" w="med" len="med"/>
+                    </a:lnB>
+                  </a:tcPr>
+                </a:tc>
+                <a:tc>
+                  <a:txBody>
+                    <a:bodyPr/>
+                    <a:lstStyle/>
+                    <a:p>
+                      <a:r>
+                        <a:rPr lang="en-US" sz="1400">
+                          <a:effectLst/>
+                        </a:rPr>
+                        <a:t>Splitter.on(CharMatcher.BREAKING_WHITESPACE)</a:t>
+                      </a:r>
+                    </a:p>
+                  </a:txBody>
+                  <a:tcPr marL="112537" marR="112537" marT="112537" marB="112537" anchor="ctr">
+                    <a:lnL w="9525" cap="flat" cmpd="sng" algn="ctr">
+                      <a:solidFill>
+                        <a:srgbClr val="CCCCCC"/>
+                      </a:solidFill>
+                      <a:prstDash val="solid"/>
+                      <a:round/>
+                      <a:headEnd type="none" w="med" len="med"/>
+                      <a:tailEnd type="none" w="med" len="med"/>
+                    </a:lnL>
+                    <a:lnR w="9525" cap="flat" cmpd="sng" algn="ctr">
+                      <a:solidFill>
+                        <a:srgbClr val="CCCCCC"/>
+                      </a:solidFill>
+                      <a:prstDash val="solid"/>
+                      <a:round/>
+                      <a:headEnd type="none" w="med" len="med"/>
+                      <a:tailEnd type="none" w="med" len="med"/>
+                    </a:lnR>
+                    <a:lnT w="9525" cap="flat" cmpd="sng" algn="ctr">
+                      <a:solidFill>
+                        <a:srgbClr val="CCCCCC"/>
+                      </a:solidFill>
+                      <a:prstDash val="solid"/>
+                      <a:round/>
+                      <a:headEnd type="none" w="med" len="med"/>
+                      <a:tailEnd type="none" w="med" len="med"/>
+                    </a:lnT>
+                    <a:lnB w="9525" cap="flat" cmpd="sng" algn="ctr">
+                      <a:solidFill>
+                        <a:srgbClr val="CCCCCC"/>
+                      </a:solidFill>
+                      <a:prstDash val="solid"/>
+                      <a:round/>
+                      <a:headEnd type="none" w="med" len="med"/>
+                      <a:tailEnd type="none" w="med" len="med"/>
+                    </a:lnB>
+                  </a:tcPr>
+                </a:tc>
+                <a:extLst>
+                  <a:ext uri="{0D108BD9-81ED-4DB2-BD59-A6C34878D82A}">
+                    <a16:rowId xmlns:a16="http://schemas.microsoft.com/office/drawing/2014/main" val="1178053374"/>
+                  </a:ext>
+                </a:extLst>
+              </a:tr>
+              <a:tr h="441144">
+                <a:tc>
+                  <a:txBody>
+                    <a:bodyPr/>
+                    <a:lstStyle/>
+                    <a:p>
+                      <a:r>
+                        <a:rPr lang="en-US" sz="1400" u="sng">
+                          <a:solidFill>
+                            <a:srgbClr val="00A19E"/>
+                          </a:solidFill>
+                          <a:effectLst/>
+                          <a:hlinkClick r:id="rId4"/>
+                        </a:rPr>
+                        <a:t>Splitter.on(String)</a:t>
+                      </a:r>
+                      <a:endParaRPr lang="en-US" sz="1400">
+                        <a:effectLst/>
+                      </a:endParaRPr>
+                    </a:p>
+                  </a:txBody>
+                  <a:tcPr marL="112537" marR="112537" marT="112537" marB="112537" anchor="ctr">
+                    <a:lnL w="9525" cap="flat" cmpd="sng" algn="ctr">
+                      <a:solidFill>
+                        <a:srgbClr val="CCCCCC"/>
+                      </a:solidFill>
+                      <a:prstDash val="solid"/>
+                      <a:round/>
+                      <a:headEnd type="none" w="med" len="med"/>
+                      <a:tailEnd type="none" w="med" len="med"/>
+                    </a:lnL>
+                    <a:lnR w="9525" cap="flat" cmpd="sng" algn="ctr">
+                      <a:solidFill>
+                        <a:srgbClr val="CCCCCC"/>
+                      </a:solidFill>
+                      <a:prstDash val="solid"/>
+                      <a:round/>
+                      <a:headEnd type="none" w="med" len="med"/>
+                      <a:tailEnd type="none" w="med" len="med"/>
+                    </a:lnR>
+                    <a:lnT w="9525" cap="flat" cmpd="sng" algn="ctr">
+                      <a:solidFill>
+                        <a:srgbClr val="CCCCCC"/>
+                      </a:solidFill>
+                      <a:prstDash val="solid"/>
+                      <a:round/>
+                      <a:headEnd type="none" w="med" len="med"/>
+                      <a:tailEnd type="none" w="med" len="med"/>
+                    </a:lnT>
+                    <a:lnB w="9525" cap="flat" cmpd="sng" algn="ctr">
+                      <a:solidFill>
+                        <a:srgbClr val="CCCCCC"/>
+                      </a:solidFill>
+                      <a:prstDash val="solid"/>
+                      <a:round/>
+                      <a:headEnd type="none" w="med" len="med"/>
+                      <a:tailEnd type="none" w="med" len="med"/>
+                    </a:lnB>
+                  </a:tcPr>
+                </a:tc>
+                <a:tc>
+                  <a:txBody>
+                    <a:bodyPr/>
+                    <a:lstStyle/>
+                    <a:p>
+                      <a:r>
+                        <a:rPr lang="zh-CN" altLang="en-US" sz="1400">
+                          <a:effectLst/>
+                        </a:rPr>
+                        <a:t>按字符串拆分</a:t>
+                      </a:r>
+                    </a:p>
+                  </a:txBody>
+                  <a:tcPr marL="112537" marR="112537" marT="112537" marB="112537" anchor="ctr">
+                    <a:lnL w="9525" cap="flat" cmpd="sng" algn="ctr">
+                      <a:solidFill>
+                        <a:srgbClr val="CCCCCC"/>
+                      </a:solidFill>
+                      <a:prstDash val="solid"/>
+                      <a:round/>
+                      <a:headEnd type="none" w="med" len="med"/>
+                      <a:tailEnd type="none" w="med" len="med"/>
+                    </a:lnL>
+                    <a:lnR w="9525" cap="flat" cmpd="sng" algn="ctr">
+                      <a:solidFill>
+                        <a:srgbClr val="CCCCCC"/>
+                      </a:solidFill>
+                      <a:prstDash val="solid"/>
+                      <a:round/>
+                      <a:headEnd type="none" w="med" len="med"/>
+                      <a:tailEnd type="none" w="med" len="med"/>
+                    </a:lnR>
+                    <a:lnT w="9525" cap="flat" cmpd="sng" algn="ctr">
+                      <a:solidFill>
+                        <a:srgbClr val="CCCCCC"/>
+                      </a:solidFill>
+                      <a:prstDash val="solid"/>
+                      <a:round/>
+                      <a:headEnd type="none" w="med" len="med"/>
+                      <a:tailEnd type="none" w="med" len="med"/>
+                    </a:lnT>
+                    <a:lnB w="9525" cap="flat" cmpd="sng" algn="ctr">
+                      <a:solidFill>
+                        <a:srgbClr val="CCCCCC"/>
+                      </a:solidFill>
+                      <a:prstDash val="solid"/>
+                      <a:round/>
+                      <a:headEnd type="none" w="med" len="med"/>
+                      <a:tailEnd type="none" w="med" len="med"/>
+                    </a:lnB>
+                  </a:tcPr>
+                </a:tc>
+                <a:tc>
+                  <a:txBody>
+                    <a:bodyPr/>
+                    <a:lstStyle/>
+                    <a:p>
+                      <a:r>
+                        <a:rPr lang="en-US" sz="1400">
+                          <a:effectLst/>
+                        </a:rPr>
+                        <a:t>Splitter.on(“,   “)</a:t>
+                      </a:r>
+                    </a:p>
+                  </a:txBody>
+                  <a:tcPr marL="112537" marR="112537" marT="112537" marB="112537" anchor="ctr">
+                    <a:lnL w="9525" cap="flat" cmpd="sng" algn="ctr">
+                      <a:solidFill>
+                        <a:srgbClr val="CCCCCC"/>
+                      </a:solidFill>
+                      <a:prstDash val="solid"/>
+                      <a:round/>
+                      <a:headEnd type="none" w="med" len="med"/>
+                      <a:tailEnd type="none" w="med" len="med"/>
+                    </a:lnL>
+                    <a:lnR w="9525" cap="flat" cmpd="sng" algn="ctr">
+                      <a:solidFill>
+                        <a:srgbClr val="CCCCCC"/>
+                      </a:solidFill>
+                      <a:prstDash val="solid"/>
+                      <a:round/>
+                      <a:headEnd type="none" w="med" len="med"/>
+                      <a:tailEnd type="none" w="med" len="med"/>
+                    </a:lnR>
+                    <a:lnT w="9525" cap="flat" cmpd="sng" algn="ctr">
+                      <a:solidFill>
+                        <a:srgbClr val="CCCCCC"/>
+                      </a:solidFill>
+                      <a:prstDash val="solid"/>
+                      <a:round/>
+                      <a:headEnd type="none" w="med" len="med"/>
+                      <a:tailEnd type="none" w="med" len="med"/>
+                    </a:lnT>
+                    <a:lnB w="9525" cap="flat" cmpd="sng" algn="ctr">
+                      <a:solidFill>
+                        <a:srgbClr val="CCCCCC"/>
+                      </a:solidFill>
+                      <a:prstDash val="solid"/>
+                      <a:round/>
+                      <a:headEnd type="none" w="med" len="med"/>
+                      <a:tailEnd type="none" w="med" len="med"/>
+                    </a:lnB>
+                  </a:tcPr>
+                </a:tc>
+                <a:extLst>
+                  <a:ext uri="{0D108BD9-81ED-4DB2-BD59-A6C34878D82A}">
+                    <a16:rowId xmlns:a16="http://schemas.microsoft.com/office/drawing/2014/main" val="446589305"/>
+                  </a:ext>
+                </a:extLst>
+              </a:tr>
+              <a:tr h="657215">
+                <a:tc>
+                  <a:txBody>
+                    <a:bodyPr/>
+                    <a:lstStyle/>
+                    <a:p>
+                      <a:r>
+                        <a:rPr lang="en-US" sz="1400" u="sng">
+                          <a:solidFill>
+                            <a:srgbClr val="00A19E"/>
+                          </a:solidFill>
+                          <a:effectLst/>
+                          <a:hlinkClick r:id="rId5"/>
+                        </a:rPr>
+                        <a:t>Splitter.on(Pattern)</a:t>
+                      </a:r>
+                      <a:r>
+                        <a:rPr lang="en-US" sz="1400" u="sng">
+                          <a:solidFill>
+                            <a:srgbClr val="00A19E"/>
+                          </a:solidFill>
+                          <a:effectLst/>
+                          <a:hlinkClick r:id="rId6"/>
+                        </a:rPr>
+                        <a:t>Splitter.onPattern(String)</a:t>
+                      </a:r>
+                      <a:endParaRPr lang="en-US" sz="1400">
+                        <a:effectLst/>
+                      </a:endParaRPr>
+                    </a:p>
+                  </a:txBody>
+                  <a:tcPr marL="112537" marR="112537" marT="112537" marB="112537" anchor="ctr">
+                    <a:lnL w="9525" cap="flat" cmpd="sng" algn="ctr">
+                      <a:solidFill>
+                        <a:srgbClr val="CCCCCC"/>
+                      </a:solidFill>
+                      <a:prstDash val="solid"/>
+                      <a:round/>
+                      <a:headEnd type="none" w="med" len="med"/>
+                      <a:tailEnd type="none" w="med" len="med"/>
+                    </a:lnL>
+                    <a:lnR w="9525" cap="flat" cmpd="sng" algn="ctr">
+                      <a:solidFill>
+                        <a:srgbClr val="CCCCCC"/>
+                      </a:solidFill>
+                      <a:prstDash val="solid"/>
+                      <a:round/>
+                      <a:headEnd type="none" w="med" len="med"/>
+                      <a:tailEnd type="none" w="med" len="med"/>
+                    </a:lnR>
+                    <a:lnT w="9525" cap="flat" cmpd="sng" algn="ctr">
+                      <a:solidFill>
+                        <a:srgbClr val="CCCCCC"/>
+                      </a:solidFill>
+                      <a:prstDash val="solid"/>
+                      <a:round/>
+                      <a:headEnd type="none" w="med" len="med"/>
+                      <a:tailEnd type="none" w="med" len="med"/>
+                    </a:lnT>
+                    <a:lnB w="9525" cap="flat" cmpd="sng" algn="ctr">
+                      <a:solidFill>
+                        <a:srgbClr val="CCCCCC"/>
+                      </a:solidFill>
+                      <a:prstDash val="solid"/>
+                      <a:round/>
+                      <a:headEnd type="none" w="med" len="med"/>
+                      <a:tailEnd type="none" w="med" len="med"/>
+                    </a:lnB>
+                  </a:tcPr>
+                </a:tc>
+                <a:tc>
+                  <a:txBody>
+                    <a:bodyPr/>
+                    <a:lstStyle/>
+                    <a:p>
+                      <a:r>
+                        <a:rPr lang="zh-CN" altLang="en-US" sz="1400">
+                          <a:effectLst/>
+                        </a:rPr>
+                        <a:t>按正则表达式拆分</a:t>
+                      </a:r>
+                    </a:p>
+                  </a:txBody>
+                  <a:tcPr marL="112537" marR="112537" marT="112537" marB="112537" anchor="ctr">
+                    <a:lnL w="9525" cap="flat" cmpd="sng" algn="ctr">
+                      <a:solidFill>
+                        <a:srgbClr val="CCCCCC"/>
+                      </a:solidFill>
+                      <a:prstDash val="solid"/>
+                      <a:round/>
+                      <a:headEnd type="none" w="med" len="med"/>
+                      <a:tailEnd type="none" w="med" len="med"/>
+                    </a:lnL>
+                    <a:lnR w="9525" cap="flat" cmpd="sng" algn="ctr">
+                      <a:solidFill>
+                        <a:srgbClr val="CCCCCC"/>
+                      </a:solidFill>
+                      <a:prstDash val="solid"/>
+                      <a:round/>
+                      <a:headEnd type="none" w="med" len="med"/>
+                      <a:tailEnd type="none" w="med" len="med"/>
+                    </a:lnR>
+                    <a:lnT w="9525" cap="flat" cmpd="sng" algn="ctr">
+                      <a:solidFill>
+                        <a:srgbClr val="CCCCCC"/>
+                      </a:solidFill>
+                      <a:prstDash val="solid"/>
+                      <a:round/>
+                      <a:headEnd type="none" w="med" len="med"/>
+                      <a:tailEnd type="none" w="med" len="med"/>
+                    </a:lnT>
+                    <a:lnB w="9525" cap="flat" cmpd="sng" algn="ctr">
+                      <a:solidFill>
+                        <a:srgbClr val="CCCCCC"/>
+                      </a:solidFill>
+                      <a:prstDash val="solid"/>
+                      <a:round/>
+                      <a:headEnd type="none" w="med" len="med"/>
+                      <a:tailEnd type="none" w="med" len="med"/>
+                    </a:lnB>
+                  </a:tcPr>
+                </a:tc>
+                <a:tc>
+                  <a:txBody>
+                    <a:bodyPr/>
+                    <a:lstStyle/>
+                    <a:p>
+                      <a:r>
+                        <a:rPr lang="en-US" sz="1400">
+                          <a:effectLst/>
+                        </a:rPr>
+                        <a:t>Splitter.onPattern(“\r?\n”)</a:t>
+                      </a:r>
+                    </a:p>
+                  </a:txBody>
+                  <a:tcPr marL="112537" marR="112537" marT="112537" marB="112537" anchor="ctr">
+                    <a:lnL w="9525" cap="flat" cmpd="sng" algn="ctr">
+                      <a:solidFill>
+                        <a:srgbClr val="CCCCCC"/>
+                      </a:solidFill>
+                      <a:prstDash val="solid"/>
+                      <a:round/>
+                      <a:headEnd type="none" w="med" len="med"/>
+                      <a:tailEnd type="none" w="med" len="med"/>
+                    </a:lnL>
+                    <a:lnR w="9525" cap="flat" cmpd="sng" algn="ctr">
+                      <a:solidFill>
+                        <a:srgbClr val="CCCCCC"/>
+                      </a:solidFill>
+                      <a:prstDash val="solid"/>
+                      <a:round/>
+                      <a:headEnd type="none" w="med" len="med"/>
+                      <a:tailEnd type="none" w="med" len="med"/>
+                    </a:lnR>
+                    <a:lnT w="9525" cap="flat" cmpd="sng" algn="ctr">
+                      <a:solidFill>
+                        <a:srgbClr val="CCCCCC"/>
+                      </a:solidFill>
+                      <a:prstDash val="solid"/>
+                      <a:round/>
+                      <a:headEnd type="none" w="med" len="med"/>
+                      <a:tailEnd type="none" w="med" len="med"/>
+                    </a:lnT>
+                    <a:lnB w="9525" cap="flat" cmpd="sng" algn="ctr">
+                      <a:solidFill>
+                        <a:srgbClr val="CCCCCC"/>
+                      </a:solidFill>
+                      <a:prstDash val="solid"/>
+                      <a:round/>
+                      <a:headEnd type="none" w="med" len="med"/>
+                      <a:tailEnd type="none" w="med" len="med"/>
+                    </a:lnB>
+                  </a:tcPr>
+                </a:tc>
+                <a:extLst>
+                  <a:ext uri="{0D108BD9-81ED-4DB2-BD59-A6C34878D82A}">
+                    <a16:rowId xmlns:a16="http://schemas.microsoft.com/office/drawing/2014/main" val="705442257"/>
+                  </a:ext>
+                </a:extLst>
+              </a:tr>
+              <a:tr h="873285">
+                <a:tc>
+                  <a:txBody>
+                    <a:bodyPr/>
+                    <a:lstStyle/>
+                    <a:p>
+                      <a:r>
+                        <a:rPr lang="en-US" sz="1400" u="sng">
+                          <a:solidFill>
+                            <a:srgbClr val="00A19E"/>
+                          </a:solidFill>
+                          <a:effectLst/>
+                          <a:hlinkClick r:id="rId7"/>
+                        </a:rPr>
+                        <a:t>Splitter.fixedLength(int)</a:t>
+                      </a:r>
+                      <a:endParaRPr lang="en-US" sz="1400">
+                        <a:effectLst/>
+                      </a:endParaRPr>
+                    </a:p>
+                  </a:txBody>
+                  <a:tcPr marL="112537" marR="112537" marT="112537" marB="112537" anchor="ctr">
+                    <a:lnL w="9525" cap="flat" cmpd="sng" algn="ctr">
+                      <a:solidFill>
+                        <a:srgbClr val="CCCCCC"/>
+                      </a:solidFill>
+                      <a:prstDash val="solid"/>
+                      <a:round/>
+                      <a:headEnd type="none" w="med" len="med"/>
+                      <a:tailEnd type="none" w="med" len="med"/>
+                    </a:lnL>
+                    <a:lnR w="9525" cap="flat" cmpd="sng" algn="ctr">
+                      <a:solidFill>
+                        <a:srgbClr val="CCCCCC"/>
+                      </a:solidFill>
+                      <a:prstDash val="solid"/>
+                      <a:round/>
+                      <a:headEnd type="none" w="med" len="med"/>
+                      <a:tailEnd type="none" w="med" len="med"/>
+                    </a:lnR>
+                    <a:lnT w="9525" cap="flat" cmpd="sng" algn="ctr">
+                      <a:solidFill>
+                        <a:srgbClr val="CCCCCC"/>
+                      </a:solidFill>
+                      <a:prstDash val="solid"/>
+                      <a:round/>
+                      <a:headEnd type="none" w="med" len="med"/>
+                      <a:tailEnd type="none" w="med" len="med"/>
+                    </a:lnT>
+                    <a:lnB w="9525" cap="flat" cmpd="sng" algn="ctr">
+                      <a:solidFill>
+                        <a:srgbClr val="CCCCCC"/>
+                      </a:solidFill>
+                      <a:prstDash val="solid"/>
+                      <a:round/>
+                      <a:headEnd type="none" w="med" len="med"/>
+                      <a:tailEnd type="none" w="med" len="med"/>
+                    </a:lnB>
+                  </a:tcPr>
+                </a:tc>
+                <a:tc>
+                  <a:txBody>
+                    <a:bodyPr/>
+                    <a:lstStyle/>
+                    <a:p>
+                      <a:r>
+                        <a:rPr lang="zh-CN" altLang="en-US" sz="1400">
+                          <a:effectLst/>
+                        </a:rPr>
+                        <a:t>按固定长度拆分；最后一段可能比给定长度短，但不会为空。</a:t>
+                      </a:r>
+                    </a:p>
+                  </a:txBody>
+                  <a:tcPr marL="112537" marR="112537" marT="112537" marB="112537" anchor="ctr">
+                    <a:lnL w="9525" cap="flat" cmpd="sng" algn="ctr">
+                      <a:solidFill>
+                        <a:srgbClr val="CCCCCC"/>
+                      </a:solidFill>
+                      <a:prstDash val="solid"/>
+                      <a:round/>
+                      <a:headEnd type="none" w="med" len="med"/>
+                      <a:tailEnd type="none" w="med" len="med"/>
+                    </a:lnL>
+                    <a:lnR w="9525" cap="flat" cmpd="sng" algn="ctr">
+                      <a:solidFill>
+                        <a:srgbClr val="CCCCCC"/>
+                      </a:solidFill>
+                      <a:prstDash val="solid"/>
+                      <a:round/>
+                      <a:headEnd type="none" w="med" len="med"/>
+                      <a:tailEnd type="none" w="med" len="med"/>
+                    </a:lnR>
+                    <a:lnT w="9525" cap="flat" cmpd="sng" algn="ctr">
+                      <a:solidFill>
+                        <a:srgbClr val="CCCCCC"/>
+                      </a:solidFill>
+                      <a:prstDash val="solid"/>
+                      <a:round/>
+                      <a:headEnd type="none" w="med" len="med"/>
+                      <a:tailEnd type="none" w="med" len="med"/>
+                    </a:lnT>
+                    <a:lnB w="9525" cap="flat" cmpd="sng" algn="ctr">
+                      <a:solidFill>
+                        <a:srgbClr val="CCCCCC"/>
+                      </a:solidFill>
+                      <a:prstDash val="solid"/>
+                      <a:round/>
+                      <a:headEnd type="none" w="med" len="med"/>
+                      <a:tailEnd type="none" w="med" len="med"/>
+                    </a:lnB>
+                  </a:tcPr>
+                </a:tc>
+                <a:tc>
+                  <a:txBody>
+                    <a:bodyPr/>
+                    <a:lstStyle/>
+                    <a:p>
+                      <a:r>
+                        <a:rPr lang="en-US" sz="1400" dirty="0" err="1">
+                          <a:effectLst/>
+                        </a:rPr>
+                        <a:t>Splitter.fixedLength</a:t>
+                      </a:r>
+                      <a:r>
+                        <a:rPr lang="en-US" sz="1400" dirty="0">
+                          <a:effectLst/>
+                        </a:rPr>
+                        <a:t>(3)</a:t>
+                      </a:r>
+                    </a:p>
+                  </a:txBody>
+                  <a:tcPr marL="112537" marR="112537" marT="112537" marB="112537" anchor="ctr">
+                    <a:lnL w="9525" cap="flat" cmpd="sng" algn="ctr">
+                      <a:solidFill>
+                        <a:srgbClr val="CCCCCC"/>
+                      </a:solidFill>
+                      <a:prstDash val="solid"/>
+                      <a:round/>
+                      <a:headEnd type="none" w="med" len="med"/>
+                      <a:tailEnd type="none" w="med" len="med"/>
+                    </a:lnL>
+                    <a:lnR w="9525" cap="flat" cmpd="sng" algn="ctr">
+                      <a:solidFill>
+                        <a:srgbClr val="CCCCCC"/>
+                      </a:solidFill>
+                      <a:prstDash val="solid"/>
+                      <a:round/>
+                      <a:headEnd type="none" w="med" len="med"/>
+                      <a:tailEnd type="none" w="med" len="med"/>
+                    </a:lnR>
+                    <a:lnT w="9525" cap="flat" cmpd="sng" algn="ctr">
+                      <a:solidFill>
+                        <a:srgbClr val="CCCCCC"/>
+                      </a:solidFill>
+                      <a:prstDash val="solid"/>
+                      <a:round/>
+                      <a:headEnd type="none" w="med" len="med"/>
+                      <a:tailEnd type="none" w="med" len="med"/>
+                    </a:lnT>
+                    <a:lnB w="9525" cap="flat" cmpd="sng" algn="ctr">
+                      <a:solidFill>
+                        <a:srgbClr val="CCCCCC"/>
+                      </a:solidFill>
+                      <a:prstDash val="solid"/>
+                      <a:round/>
+                      <a:headEnd type="none" w="med" len="med"/>
+                      <a:tailEnd type="none" w="med" len="med"/>
+                    </a:lnB>
+                  </a:tcPr>
+                </a:tc>
+                <a:extLst>
+                  <a:ext uri="{0D108BD9-81ED-4DB2-BD59-A6C34878D82A}">
+                    <a16:rowId xmlns:a16="http://schemas.microsoft.com/office/drawing/2014/main" val="1043559880"/>
+                  </a:ext>
+                </a:extLst>
+              </a:tr>
+            </a:tbl>
+          </a:graphicData>
+        </a:graphic>
+      </p:graphicFrame>
+    </p:spTree>
+    <p:extLst>
+      <p:ext uri="{BB962C8B-B14F-4D97-AF65-F5344CB8AC3E}">
+        <p14:creationId xmlns:p14="http://schemas.microsoft.com/office/powerpoint/2010/main" val="2545102164"/>
+      </p:ext>
+    </p:extLst>
+  </p:cSld>
+  <p:clrMapOvr>
+    <a:masterClrMapping/>
+  </p:clrMapOvr>
+  <p:timing>
+    <p:tnLst>
+      <p:par>
+        <p:cTn id="1" dur="indefinite" restart="never" nodeType="tmRoot"/>
+      </p:par>
+    </p:tnLst>
+  </p:timing>
+</p:sld>
+</file>
+
+<file path=ppt/slides/slide39.xml><?xml version="1.0" encoding="utf-8"?>
+<p:sld xmlns:a="http://schemas.openxmlformats.org/drawingml/2006/main" xmlns:r="http://schemas.openxmlformats.org/officeDocument/2006/relationships" xmlns:p="http://schemas.openxmlformats.org/presentationml/2006/main">
+  <p:cSld>
+    <p:spTree>
+      <p:nvGrpSpPr>
+        <p:cNvPr id="1" name=""/>
+        <p:cNvGrpSpPr/>
+        <p:nvPr/>
+      </p:nvGrpSpPr>
+      <p:grpSpPr>
+        <a:xfrm>
+          <a:off x="0" y="0"/>
+          <a:ext cx="0" cy="0"/>
+          <a:chOff x="0" y="0"/>
+          <a:chExt cx="0" cy="0"/>
+        </a:xfrm>
+      </p:grpSpPr>
+      <p:sp>
+        <p:nvSpPr>
+          <p:cNvPr id="6" name="TextBox 5"/>
+          <p:cNvSpPr txBox="1"/>
+          <p:nvPr/>
+        </p:nvSpPr>
+        <p:spPr bwMode="auto">
+          <a:xfrm>
+            <a:off x="743816" y="457200"/>
+            <a:ext cx="1303562" cy="523220"/>
+          </a:xfrm>
+          <a:prstGeom prst="rect">
+            <a:avLst/>
+          </a:prstGeom>
+          <a:noFill/>
+          <a:ln w="9525">
+            <a:noFill/>
+            <a:miter lim="800000"/>
+            <a:headEnd/>
+            <a:tailEnd/>
+          </a:ln>
+        </p:spPr>
+        <p:txBody>
+          <a:bodyPr wrap="none" rtlCol="0">
+            <a:spAutoFit/>
+          </a:bodyPr>
+          <a:lstStyle/>
+          <a:p>
+            <a:r>
+              <a:rPr lang="en-US" altLang="zh-CN" sz="2800" dirty="0" smtClean="0"/>
+              <a:t>Strings</a:t>
+            </a:r>
+            <a:endParaRPr lang="en-US" altLang="zh-CN" sz="2800" dirty="0"/>
+          </a:p>
+        </p:txBody>
+      </p:sp>
+      <p:sp>
+        <p:nvSpPr>
+          <p:cNvPr id="3" name="TextBox 2"/>
+          <p:cNvSpPr txBox="1"/>
+          <p:nvPr/>
+        </p:nvSpPr>
+        <p:spPr bwMode="auto">
+          <a:xfrm>
+            <a:off x="728576" y="1295400"/>
+            <a:ext cx="7028584" cy="369332"/>
+          </a:xfrm>
+          <a:prstGeom prst="rect">
+            <a:avLst/>
+          </a:prstGeom>
+          <a:noFill/>
+          <a:ln w="9525">
+            <a:noFill/>
+            <a:miter lim="800000"/>
+            <a:headEnd/>
+            <a:tailEnd/>
+          </a:ln>
+        </p:spPr>
+        <p:txBody>
+          <a:bodyPr wrap="square" rtlCol="0">
+            <a:spAutoFit/>
+          </a:bodyPr>
+          <a:lstStyle/>
+          <a:p>
+            <a:r>
+              <a:rPr lang="zh-CN" altLang="en-US" b="1" dirty="0"/>
+              <a:t>拆分器</a:t>
+            </a:r>
+            <a:r>
+              <a:rPr lang="en-US" altLang="zh-CN" b="1" dirty="0"/>
+              <a:t>[</a:t>
+            </a:r>
+            <a:r>
+              <a:rPr lang="en-US" b="1" dirty="0"/>
+              <a:t>Splitter</a:t>
+            </a:r>
+            <a:r>
+              <a:rPr lang="en-US" b="1" dirty="0" smtClean="0"/>
+              <a:t>]</a:t>
+            </a:r>
+            <a:endParaRPr lang="en-US" b="1" dirty="0"/>
+          </a:p>
+        </p:txBody>
+      </p:sp>
+      <p:sp>
+        <p:nvSpPr>
+          <p:cNvPr id="8" name="TextBox 2"/>
+          <p:cNvSpPr txBox="1"/>
+          <p:nvPr/>
+        </p:nvSpPr>
+        <p:spPr bwMode="auto">
+          <a:xfrm>
+            <a:off x="911456" y="2132112"/>
+            <a:ext cx="7028584" cy="369332"/>
+          </a:xfrm>
+          <a:prstGeom prst="rect">
+            <a:avLst/>
+          </a:prstGeom>
+          <a:noFill/>
+          <a:ln w="9525">
+            <a:noFill/>
+            <a:miter lim="800000"/>
+            <a:headEnd/>
+            <a:tailEnd/>
+          </a:ln>
+        </p:spPr>
+        <p:txBody>
+          <a:bodyPr wrap="square" rtlCol="0">
+            <a:spAutoFit/>
+          </a:bodyPr>
+          <a:lstStyle/>
+          <a:p>
+            <a:r>
+              <a:rPr lang="zh-CN" altLang="en-US" b="1" dirty="0"/>
+              <a:t>拆分器修饰</a:t>
+            </a:r>
+            <a:r>
+              <a:rPr lang="zh-CN" altLang="en-US" b="1" dirty="0" smtClean="0"/>
+              <a:t>符</a:t>
+            </a:r>
+            <a:endParaRPr lang="zh-CN" altLang="en-US" b="1" dirty="0"/>
+          </a:p>
+        </p:txBody>
+      </p:sp>
+      <p:graphicFrame>
+        <p:nvGraphicFramePr>
+          <p:cNvPr id="4" name="Table 3"/>
+          <p:cNvGraphicFramePr>
+            <a:graphicFrameLocks noGrp="1"/>
+          </p:cNvGraphicFramePr>
+          <p:nvPr>
+            <p:extLst>
+              <p:ext uri="{D42A27DB-BD31-4B8C-83A1-F6EECF244321}">
+                <p14:modId xmlns:p14="http://schemas.microsoft.com/office/powerpoint/2010/main" val="3560626954"/>
+              </p:ext>
+            </p:extLst>
+          </p:nvPr>
+        </p:nvGraphicFramePr>
+        <p:xfrm>
+          <a:off x="713336" y="3124200"/>
+          <a:ext cx="8267700" cy="2205720"/>
+        </p:xfrm>
+        <a:graphic>
+          <a:graphicData uri="http://schemas.openxmlformats.org/drawingml/2006/table">
+            <a:tbl>
+              <a:tblPr/>
+              <a:tblGrid>
+                <a:gridCol w="2755900">
+                  <a:extLst>
+                    <a:ext uri="{9D8B030D-6E8A-4147-A177-3AD203B41FA5}">
+                      <a16:colId xmlns:a16="http://schemas.microsoft.com/office/drawing/2014/main" val="1243619601"/>
+                    </a:ext>
+                  </a:extLst>
+                </a:gridCol>
+                <a:gridCol w="5511800">
+                  <a:extLst>
+                    <a:ext uri="{9D8B030D-6E8A-4147-A177-3AD203B41FA5}">
+                      <a16:colId xmlns:a16="http://schemas.microsoft.com/office/drawing/2014/main" val="3480460751"/>
+                    </a:ext>
+                  </a:extLst>
+                </a:gridCol>
+              </a:tblGrid>
+              <a:tr h="441144">
+                <a:tc>
+                  <a:txBody>
+                    <a:bodyPr/>
+                    <a:lstStyle/>
+                    <a:p>
+                      <a:r>
+                        <a:rPr lang="zh-CN" altLang="en-US" sz="1400" b="1">
+                          <a:effectLst/>
+                        </a:rPr>
+                        <a:t>方法</a:t>
+                      </a:r>
+                      <a:endParaRPr lang="zh-CN" altLang="en-US" sz="1400">
+                        <a:effectLst/>
+                      </a:endParaRPr>
+                    </a:p>
+                  </a:txBody>
+                  <a:tcPr marL="112537" marR="112537" marT="112537" marB="112537" anchor="ctr">
+                    <a:lnL w="9525" cap="flat" cmpd="sng" algn="ctr">
+                      <a:solidFill>
+                        <a:srgbClr val="CCCCCC"/>
+                      </a:solidFill>
+                      <a:prstDash val="solid"/>
+                      <a:round/>
+                      <a:headEnd type="none" w="med" len="med"/>
+                      <a:tailEnd type="none" w="med" len="med"/>
+                    </a:lnL>
+                    <a:lnR w="9525" cap="flat" cmpd="sng" algn="ctr">
+                      <a:solidFill>
+                        <a:srgbClr val="CCCCCC"/>
+                      </a:solidFill>
+                      <a:prstDash val="solid"/>
+                      <a:round/>
+                      <a:headEnd type="none" w="med" len="med"/>
+                      <a:tailEnd type="none" w="med" len="med"/>
+                    </a:lnR>
+                    <a:lnT w="9525" cap="flat" cmpd="sng" algn="ctr">
+                      <a:solidFill>
+                        <a:srgbClr val="CCCCCC"/>
+                      </a:solidFill>
+                      <a:prstDash val="solid"/>
+                      <a:round/>
+                      <a:headEnd type="none" w="med" len="med"/>
+                      <a:tailEnd type="none" w="med" len="med"/>
+                    </a:lnT>
+                    <a:lnB w="9525" cap="flat" cmpd="sng" algn="ctr">
+                      <a:solidFill>
+                        <a:srgbClr val="CCCCCC"/>
+                      </a:solidFill>
+                      <a:prstDash val="solid"/>
+                      <a:round/>
+                      <a:headEnd type="none" w="med" len="med"/>
+                      <a:tailEnd type="none" w="med" len="med"/>
+                    </a:lnB>
+                  </a:tcPr>
+                </a:tc>
+                <a:tc>
+                  <a:txBody>
+                    <a:bodyPr/>
+                    <a:lstStyle/>
+                    <a:p>
+                      <a:r>
+                        <a:rPr lang="zh-CN" altLang="en-US" sz="1400" b="1">
+                          <a:effectLst/>
+                        </a:rPr>
+                        <a:t>描述</a:t>
+                      </a:r>
+                      <a:endParaRPr lang="zh-CN" altLang="en-US" sz="1400">
+                        <a:effectLst/>
+                      </a:endParaRPr>
+                    </a:p>
+                  </a:txBody>
+                  <a:tcPr marL="112537" marR="112537" marT="112537" marB="112537" anchor="ctr">
+                    <a:lnL w="9525" cap="flat" cmpd="sng" algn="ctr">
+                      <a:solidFill>
+                        <a:srgbClr val="CCCCCC"/>
+                      </a:solidFill>
+                      <a:prstDash val="solid"/>
+                      <a:round/>
+                      <a:headEnd type="none" w="med" len="med"/>
+                      <a:tailEnd type="none" w="med" len="med"/>
+                    </a:lnL>
+                    <a:lnR w="9525" cap="flat" cmpd="sng" algn="ctr">
+                      <a:solidFill>
+                        <a:srgbClr val="CCCCCC"/>
+                      </a:solidFill>
+                      <a:prstDash val="solid"/>
+                      <a:round/>
+                      <a:headEnd type="none" w="med" len="med"/>
+                      <a:tailEnd type="none" w="med" len="med"/>
+                    </a:lnR>
+                    <a:lnT w="9525" cap="flat" cmpd="sng" algn="ctr">
+                      <a:solidFill>
+                        <a:srgbClr val="CCCCCC"/>
+                      </a:solidFill>
+                      <a:prstDash val="solid"/>
+                      <a:round/>
+                      <a:headEnd type="none" w="med" len="med"/>
+                      <a:tailEnd type="none" w="med" len="med"/>
+                    </a:lnT>
+                    <a:lnB w="9525" cap="flat" cmpd="sng" algn="ctr">
+                      <a:solidFill>
+                        <a:srgbClr val="CCCCCC"/>
+                      </a:solidFill>
+                      <a:prstDash val="solid"/>
+                      <a:round/>
+                      <a:headEnd type="none" w="med" len="med"/>
+                      <a:tailEnd type="none" w="med" len="med"/>
+                    </a:lnB>
+                  </a:tcPr>
+                </a:tc>
+                <a:extLst>
+                  <a:ext uri="{0D108BD9-81ED-4DB2-BD59-A6C34878D82A}">
+                    <a16:rowId xmlns:a16="http://schemas.microsoft.com/office/drawing/2014/main" val="1258159648"/>
+                  </a:ext>
+                </a:extLst>
+              </a:tr>
+              <a:tr h="441144">
+                <a:tc>
+                  <a:txBody>
+                    <a:bodyPr/>
+                    <a:lstStyle/>
+                    <a:p>
+                      <a:r>
+                        <a:rPr lang="en-US" sz="1400" u="sng">
+                          <a:solidFill>
+                            <a:srgbClr val="00A19E"/>
+                          </a:solidFill>
+                          <a:effectLst/>
+                          <a:hlinkClick r:id="rId2"/>
+                        </a:rPr>
+                        <a:t>omitEmptyStrings()</a:t>
+                      </a:r>
+                      <a:endParaRPr lang="en-US" sz="1400">
+                        <a:effectLst/>
+                      </a:endParaRPr>
+                    </a:p>
+                  </a:txBody>
+                  <a:tcPr marL="112537" marR="112537" marT="112537" marB="112537" anchor="ctr">
+                    <a:lnL w="9525" cap="flat" cmpd="sng" algn="ctr">
+                      <a:solidFill>
+                        <a:srgbClr val="CCCCCC"/>
+                      </a:solidFill>
+                      <a:prstDash val="solid"/>
+                      <a:round/>
+                      <a:headEnd type="none" w="med" len="med"/>
+                      <a:tailEnd type="none" w="med" len="med"/>
+                    </a:lnL>
+                    <a:lnR w="9525" cap="flat" cmpd="sng" algn="ctr">
+                      <a:solidFill>
+                        <a:srgbClr val="CCCCCC"/>
+                      </a:solidFill>
+                      <a:prstDash val="solid"/>
+                      <a:round/>
+                      <a:headEnd type="none" w="med" len="med"/>
+                      <a:tailEnd type="none" w="med" len="med"/>
+                    </a:lnR>
+                    <a:lnT w="9525" cap="flat" cmpd="sng" algn="ctr">
+                      <a:solidFill>
+                        <a:srgbClr val="CCCCCC"/>
+                      </a:solidFill>
+                      <a:prstDash val="solid"/>
+                      <a:round/>
+                      <a:headEnd type="none" w="med" len="med"/>
+                      <a:tailEnd type="none" w="med" len="med"/>
+                    </a:lnT>
+                    <a:lnB w="9525" cap="flat" cmpd="sng" algn="ctr">
+                      <a:solidFill>
+                        <a:srgbClr val="CCCCCC"/>
+                      </a:solidFill>
+                      <a:prstDash val="solid"/>
+                      <a:round/>
+                      <a:headEnd type="none" w="med" len="med"/>
+                      <a:tailEnd type="none" w="med" len="med"/>
+                    </a:lnB>
+                  </a:tcPr>
+                </a:tc>
+                <a:tc>
+                  <a:txBody>
+                    <a:bodyPr/>
+                    <a:lstStyle/>
+                    <a:p>
+                      <a:r>
+                        <a:rPr lang="zh-CN" altLang="en-US" sz="1400">
+                          <a:effectLst/>
+                        </a:rPr>
+                        <a:t>从结果中自动忽略空字符串</a:t>
+                      </a:r>
+                    </a:p>
+                  </a:txBody>
+                  <a:tcPr marL="112537" marR="112537" marT="112537" marB="112537" anchor="ctr">
+                    <a:lnL w="9525" cap="flat" cmpd="sng" algn="ctr">
+                      <a:solidFill>
+                        <a:srgbClr val="CCCCCC"/>
+                      </a:solidFill>
+                      <a:prstDash val="solid"/>
+                      <a:round/>
+                      <a:headEnd type="none" w="med" len="med"/>
+                      <a:tailEnd type="none" w="med" len="med"/>
+                    </a:lnL>
+                    <a:lnR w="9525" cap="flat" cmpd="sng" algn="ctr">
+                      <a:solidFill>
+                        <a:srgbClr val="CCCCCC"/>
+                      </a:solidFill>
+                      <a:prstDash val="solid"/>
+                      <a:round/>
+                      <a:headEnd type="none" w="med" len="med"/>
+                      <a:tailEnd type="none" w="med" len="med"/>
+                    </a:lnR>
+                    <a:lnT w="9525" cap="flat" cmpd="sng" algn="ctr">
+                      <a:solidFill>
+                        <a:srgbClr val="CCCCCC"/>
+                      </a:solidFill>
+                      <a:prstDash val="solid"/>
+                      <a:round/>
+                      <a:headEnd type="none" w="med" len="med"/>
+                      <a:tailEnd type="none" w="med" len="med"/>
+                    </a:lnT>
+                    <a:lnB w="9525" cap="flat" cmpd="sng" algn="ctr">
+                      <a:solidFill>
+                        <a:srgbClr val="CCCCCC"/>
+                      </a:solidFill>
+                      <a:prstDash val="solid"/>
+                      <a:round/>
+                      <a:headEnd type="none" w="med" len="med"/>
+                      <a:tailEnd type="none" w="med" len="med"/>
+                    </a:lnB>
+                  </a:tcPr>
+                </a:tc>
+                <a:extLst>
+                  <a:ext uri="{0D108BD9-81ED-4DB2-BD59-A6C34878D82A}">
+                    <a16:rowId xmlns:a16="http://schemas.microsoft.com/office/drawing/2014/main" val="1474797715"/>
+                  </a:ext>
+                </a:extLst>
+              </a:tr>
+              <a:tr h="441144">
+                <a:tc>
+                  <a:txBody>
+                    <a:bodyPr/>
+                    <a:lstStyle/>
+                    <a:p>
+                      <a:r>
+                        <a:rPr lang="en-US" sz="1400" u="sng">
+                          <a:solidFill>
+                            <a:srgbClr val="00A19E"/>
+                          </a:solidFill>
+                          <a:effectLst/>
+                          <a:hlinkClick r:id="rId3"/>
+                        </a:rPr>
+                        <a:t>trimResults()</a:t>
+                      </a:r>
+                      <a:endParaRPr lang="en-US" sz="1400">
+                        <a:effectLst/>
+                      </a:endParaRPr>
+                    </a:p>
+                  </a:txBody>
+                  <a:tcPr marL="112537" marR="112537" marT="112537" marB="112537" anchor="ctr">
+                    <a:lnL w="9525" cap="flat" cmpd="sng" algn="ctr">
+                      <a:solidFill>
+                        <a:srgbClr val="CCCCCC"/>
+                      </a:solidFill>
+                      <a:prstDash val="solid"/>
+                      <a:round/>
+                      <a:headEnd type="none" w="med" len="med"/>
+                      <a:tailEnd type="none" w="med" len="med"/>
+                    </a:lnL>
+                    <a:lnR w="9525" cap="flat" cmpd="sng" algn="ctr">
+                      <a:solidFill>
+                        <a:srgbClr val="CCCCCC"/>
+                      </a:solidFill>
+                      <a:prstDash val="solid"/>
+                      <a:round/>
+                      <a:headEnd type="none" w="med" len="med"/>
+                      <a:tailEnd type="none" w="med" len="med"/>
+                    </a:lnR>
+                    <a:lnT w="9525" cap="flat" cmpd="sng" algn="ctr">
+                      <a:solidFill>
+                        <a:srgbClr val="CCCCCC"/>
+                      </a:solidFill>
+                      <a:prstDash val="solid"/>
+                      <a:round/>
+                      <a:headEnd type="none" w="med" len="med"/>
+                      <a:tailEnd type="none" w="med" len="med"/>
+                    </a:lnT>
+                    <a:lnB w="9525" cap="flat" cmpd="sng" algn="ctr">
+                      <a:solidFill>
+                        <a:srgbClr val="CCCCCC"/>
+                      </a:solidFill>
+                      <a:prstDash val="solid"/>
+                      <a:round/>
+                      <a:headEnd type="none" w="med" len="med"/>
+                      <a:tailEnd type="none" w="med" len="med"/>
+                    </a:lnB>
+                  </a:tcPr>
+                </a:tc>
+                <a:tc>
+                  <a:txBody>
+                    <a:bodyPr/>
+                    <a:lstStyle/>
+                    <a:p>
+                      <a:r>
+                        <a:rPr lang="zh-CN" altLang="en-US" sz="1400">
+                          <a:effectLst/>
+                        </a:rPr>
+                        <a:t>移除结果字符串的前导空白和尾部空白</a:t>
+                      </a:r>
+                    </a:p>
+                  </a:txBody>
+                  <a:tcPr marL="112537" marR="112537" marT="112537" marB="112537" anchor="ctr">
+                    <a:lnL w="9525" cap="flat" cmpd="sng" algn="ctr">
+                      <a:solidFill>
+                        <a:srgbClr val="CCCCCC"/>
+                      </a:solidFill>
+                      <a:prstDash val="solid"/>
+                      <a:round/>
+                      <a:headEnd type="none" w="med" len="med"/>
+                      <a:tailEnd type="none" w="med" len="med"/>
+                    </a:lnL>
+                    <a:lnR w="9525" cap="flat" cmpd="sng" algn="ctr">
+                      <a:solidFill>
+                        <a:srgbClr val="CCCCCC"/>
+                      </a:solidFill>
+                      <a:prstDash val="solid"/>
+                      <a:round/>
+                      <a:headEnd type="none" w="med" len="med"/>
+                      <a:tailEnd type="none" w="med" len="med"/>
+                    </a:lnR>
+                    <a:lnT w="9525" cap="flat" cmpd="sng" algn="ctr">
+                      <a:solidFill>
+                        <a:srgbClr val="CCCCCC"/>
+                      </a:solidFill>
+                      <a:prstDash val="solid"/>
+                      <a:round/>
+                      <a:headEnd type="none" w="med" len="med"/>
+                      <a:tailEnd type="none" w="med" len="med"/>
+                    </a:lnT>
+                    <a:lnB w="9525" cap="flat" cmpd="sng" algn="ctr">
+                      <a:solidFill>
+                        <a:srgbClr val="CCCCCC"/>
+                      </a:solidFill>
+                      <a:prstDash val="solid"/>
+                      <a:round/>
+                      <a:headEnd type="none" w="med" len="med"/>
+                      <a:tailEnd type="none" w="med" len="med"/>
+                    </a:lnB>
+                  </a:tcPr>
+                </a:tc>
+                <a:extLst>
+                  <a:ext uri="{0D108BD9-81ED-4DB2-BD59-A6C34878D82A}">
+                    <a16:rowId xmlns:a16="http://schemas.microsoft.com/office/drawing/2014/main" val="3019963444"/>
+                  </a:ext>
+                </a:extLst>
+              </a:tr>
+              <a:tr h="441144">
+                <a:tc>
+                  <a:txBody>
+                    <a:bodyPr/>
+                    <a:lstStyle/>
+                    <a:p>
+                      <a:r>
+                        <a:rPr lang="en-US" sz="1400" u="sng">
+                          <a:solidFill>
+                            <a:srgbClr val="00A19E"/>
+                          </a:solidFill>
+                          <a:effectLst/>
+                          <a:hlinkClick r:id="rId4"/>
+                        </a:rPr>
+                        <a:t>trimResults(CharMatcher)</a:t>
+                      </a:r>
+                      <a:endParaRPr lang="en-US" sz="1400">
+                        <a:effectLst/>
+                      </a:endParaRPr>
+                    </a:p>
+                  </a:txBody>
+                  <a:tcPr marL="112537" marR="112537" marT="112537" marB="112537" anchor="ctr">
+                    <a:lnL w="9525" cap="flat" cmpd="sng" algn="ctr">
+                      <a:solidFill>
+                        <a:srgbClr val="CCCCCC"/>
+                      </a:solidFill>
+                      <a:prstDash val="solid"/>
+                      <a:round/>
+                      <a:headEnd type="none" w="med" len="med"/>
+                      <a:tailEnd type="none" w="med" len="med"/>
+                    </a:lnL>
+                    <a:lnR w="9525" cap="flat" cmpd="sng" algn="ctr">
+                      <a:solidFill>
+                        <a:srgbClr val="CCCCCC"/>
+                      </a:solidFill>
+                      <a:prstDash val="solid"/>
+                      <a:round/>
+                      <a:headEnd type="none" w="med" len="med"/>
+                      <a:tailEnd type="none" w="med" len="med"/>
+                    </a:lnR>
+                    <a:lnT w="9525" cap="flat" cmpd="sng" algn="ctr">
+                      <a:solidFill>
+                        <a:srgbClr val="CCCCCC"/>
+                      </a:solidFill>
+                      <a:prstDash val="solid"/>
+                      <a:round/>
+                      <a:headEnd type="none" w="med" len="med"/>
+                      <a:tailEnd type="none" w="med" len="med"/>
+                    </a:lnT>
+                    <a:lnB w="9525" cap="flat" cmpd="sng" algn="ctr">
+                      <a:solidFill>
+                        <a:srgbClr val="CCCCCC"/>
+                      </a:solidFill>
+                      <a:prstDash val="solid"/>
+                      <a:round/>
+                      <a:headEnd type="none" w="med" len="med"/>
+                      <a:tailEnd type="none" w="med" len="med"/>
+                    </a:lnB>
+                  </a:tcPr>
+                </a:tc>
+                <a:tc>
+                  <a:txBody>
+                    <a:bodyPr/>
+                    <a:lstStyle/>
+                    <a:p>
+                      <a:r>
+                        <a:rPr lang="zh-CN" altLang="en-US" sz="1400">
+                          <a:effectLst/>
+                        </a:rPr>
+                        <a:t>给定匹配器，移除结果字符串的前导匹配字符和尾部匹配字符</a:t>
+                      </a:r>
+                    </a:p>
+                  </a:txBody>
+                  <a:tcPr marL="112537" marR="112537" marT="112537" marB="112537" anchor="ctr">
+                    <a:lnL w="9525" cap="flat" cmpd="sng" algn="ctr">
+                      <a:solidFill>
+                        <a:srgbClr val="CCCCCC"/>
+                      </a:solidFill>
+                      <a:prstDash val="solid"/>
+                      <a:round/>
+                      <a:headEnd type="none" w="med" len="med"/>
+                      <a:tailEnd type="none" w="med" len="med"/>
+                    </a:lnL>
+                    <a:lnR w="9525" cap="flat" cmpd="sng" algn="ctr">
+                      <a:solidFill>
+                        <a:srgbClr val="CCCCCC"/>
+                      </a:solidFill>
+                      <a:prstDash val="solid"/>
+                      <a:round/>
+                      <a:headEnd type="none" w="med" len="med"/>
+                      <a:tailEnd type="none" w="med" len="med"/>
+                    </a:lnR>
+                    <a:lnT w="9525" cap="flat" cmpd="sng" algn="ctr">
+                      <a:solidFill>
+                        <a:srgbClr val="CCCCCC"/>
+                      </a:solidFill>
+                      <a:prstDash val="solid"/>
+                      <a:round/>
+                      <a:headEnd type="none" w="med" len="med"/>
+                      <a:tailEnd type="none" w="med" len="med"/>
+                    </a:lnT>
+                    <a:lnB w="9525" cap="flat" cmpd="sng" algn="ctr">
+                      <a:solidFill>
+                        <a:srgbClr val="CCCCCC"/>
+                      </a:solidFill>
+                      <a:prstDash val="solid"/>
+                      <a:round/>
+                      <a:headEnd type="none" w="med" len="med"/>
+                      <a:tailEnd type="none" w="med" len="med"/>
+                    </a:lnB>
+                  </a:tcPr>
+                </a:tc>
+                <a:extLst>
+                  <a:ext uri="{0D108BD9-81ED-4DB2-BD59-A6C34878D82A}">
+                    <a16:rowId xmlns:a16="http://schemas.microsoft.com/office/drawing/2014/main" val="2345637044"/>
+                  </a:ext>
+                </a:extLst>
+              </a:tr>
+              <a:tr h="441144">
+                <a:tc>
+                  <a:txBody>
+                    <a:bodyPr/>
+                    <a:lstStyle/>
+                    <a:p>
+                      <a:r>
+                        <a:rPr lang="en-US" sz="1400" u="sng" dirty="0">
+                          <a:solidFill>
+                            <a:srgbClr val="00A19E"/>
+                          </a:solidFill>
+                          <a:effectLst/>
+                          <a:hlinkClick r:id="rId5"/>
+                        </a:rPr>
+                        <a:t>limit(</a:t>
+                      </a:r>
+                      <a:r>
+                        <a:rPr lang="en-US" sz="1400" u="sng" dirty="0" err="1">
+                          <a:solidFill>
+                            <a:srgbClr val="00A19E"/>
+                          </a:solidFill>
+                          <a:effectLst/>
+                          <a:hlinkClick r:id="rId5"/>
+                        </a:rPr>
+                        <a:t>int</a:t>
+                      </a:r>
+                      <a:r>
+                        <a:rPr lang="en-US" sz="1400" u="sng" dirty="0">
+                          <a:solidFill>
+                            <a:srgbClr val="00A19E"/>
+                          </a:solidFill>
+                          <a:effectLst/>
+                          <a:hlinkClick r:id="rId5"/>
+                        </a:rPr>
+                        <a:t>)</a:t>
+                      </a:r>
+                      <a:endParaRPr lang="en-US" sz="1400" dirty="0">
+                        <a:effectLst/>
+                      </a:endParaRPr>
+                    </a:p>
+                  </a:txBody>
+                  <a:tcPr marL="112537" marR="112537" marT="112537" marB="112537" anchor="ctr">
+                    <a:lnL w="9525" cap="flat" cmpd="sng" algn="ctr">
+                      <a:solidFill>
+                        <a:srgbClr val="CCCCCC"/>
+                      </a:solidFill>
+                      <a:prstDash val="solid"/>
+                      <a:round/>
+                      <a:headEnd type="none" w="med" len="med"/>
+                      <a:tailEnd type="none" w="med" len="med"/>
+                    </a:lnL>
+                    <a:lnR w="9525" cap="flat" cmpd="sng" algn="ctr">
+                      <a:solidFill>
+                        <a:srgbClr val="CCCCCC"/>
+                      </a:solidFill>
+                      <a:prstDash val="solid"/>
+                      <a:round/>
+                      <a:headEnd type="none" w="med" len="med"/>
+                      <a:tailEnd type="none" w="med" len="med"/>
+                    </a:lnR>
+                    <a:lnT w="9525" cap="flat" cmpd="sng" algn="ctr">
+                      <a:solidFill>
+                        <a:srgbClr val="CCCCCC"/>
+                      </a:solidFill>
+                      <a:prstDash val="solid"/>
+                      <a:round/>
+                      <a:headEnd type="none" w="med" len="med"/>
+                      <a:tailEnd type="none" w="med" len="med"/>
+                    </a:lnT>
+                    <a:lnB w="9525" cap="flat" cmpd="sng" algn="ctr">
+                      <a:solidFill>
+                        <a:srgbClr val="CCCCCC"/>
+                      </a:solidFill>
+                      <a:prstDash val="solid"/>
+                      <a:round/>
+                      <a:headEnd type="none" w="med" len="med"/>
+                      <a:tailEnd type="none" w="med" len="med"/>
+                    </a:lnB>
+                  </a:tcPr>
+                </a:tc>
+                <a:tc>
+                  <a:txBody>
+                    <a:bodyPr/>
+                    <a:lstStyle/>
+                    <a:p>
+                      <a:r>
+                        <a:rPr lang="zh-CN" altLang="en-US" sz="1400" dirty="0">
+                          <a:effectLst/>
+                        </a:rPr>
+                        <a:t>限制拆分出的字符串数量</a:t>
+                      </a:r>
+                    </a:p>
+                  </a:txBody>
+                  <a:tcPr marL="112537" marR="112537" marT="112537" marB="112537" anchor="ctr">
+                    <a:lnL w="9525" cap="flat" cmpd="sng" algn="ctr">
+                      <a:solidFill>
+                        <a:srgbClr val="CCCCCC"/>
+                      </a:solidFill>
+                      <a:prstDash val="solid"/>
+                      <a:round/>
+                      <a:headEnd type="none" w="med" len="med"/>
+                      <a:tailEnd type="none" w="med" len="med"/>
+                    </a:lnL>
+                    <a:lnR w="9525" cap="flat" cmpd="sng" algn="ctr">
+                      <a:solidFill>
+                        <a:srgbClr val="CCCCCC"/>
+                      </a:solidFill>
+                      <a:prstDash val="solid"/>
+                      <a:round/>
+                      <a:headEnd type="none" w="med" len="med"/>
+                      <a:tailEnd type="none" w="med" len="med"/>
+                    </a:lnR>
+                    <a:lnT w="9525" cap="flat" cmpd="sng" algn="ctr">
+                      <a:solidFill>
+                        <a:srgbClr val="CCCCCC"/>
+                      </a:solidFill>
+                      <a:prstDash val="solid"/>
+                      <a:round/>
+                      <a:headEnd type="none" w="med" len="med"/>
+                      <a:tailEnd type="none" w="med" len="med"/>
+                    </a:lnT>
+                    <a:lnB w="9525" cap="flat" cmpd="sng" algn="ctr">
+                      <a:solidFill>
+                        <a:srgbClr val="CCCCCC"/>
+                      </a:solidFill>
+                      <a:prstDash val="solid"/>
+                      <a:round/>
+                      <a:headEnd type="none" w="med" len="med"/>
+                      <a:tailEnd type="none" w="med" len="med"/>
+                    </a:lnB>
+                  </a:tcPr>
+                </a:tc>
+                <a:extLst>
+                  <a:ext uri="{0D108BD9-81ED-4DB2-BD59-A6C34878D82A}">
+                    <a16:rowId xmlns:a16="http://schemas.microsoft.com/office/drawing/2014/main" val="3870459295"/>
+                  </a:ext>
+                </a:extLst>
+              </a:tr>
+            </a:tbl>
+          </a:graphicData>
+        </a:graphic>
+      </p:graphicFrame>
+    </p:spTree>
+    <p:extLst>
+      <p:ext uri="{BB962C8B-B14F-4D97-AF65-F5344CB8AC3E}">
+        <p14:creationId xmlns:p14="http://schemas.microsoft.com/office/powerpoint/2010/main" val="1825131952"/>
       </p:ext>
     </p:extLst>
   </p:cSld>
@@ -13964,6 +17075,446 @@
 </p:sld>
 </file>
 
+<file path=ppt/slides/slide40.xml><?xml version="1.0" encoding="utf-8"?>
+<p:sld xmlns:a="http://schemas.openxmlformats.org/drawingml/2006/main" xmlns:r="http://schemas.openxmlformats.org/officeDocument/2006/relationships" xmlns:p="http://schemas.openxmlformats.org/presentationml/2006/main">
+  <p:cSld>
+    <p:spTree>
+      <p:nvGrpSpPr>
+        <p:cNvPr id="1" name=""/>
+        <p:cNvGrpSpPr/>
+        <p:nvPr/>
+      </p:nvGrpSpPr>
+      <p:grpSpPr>
+        <a:xfrm>
+          <a:off x="0" y="0"/>
+          <a:ext cx="0" cy="0"/>
+          <a:chOff x="0" y="0"/>
+          <a:chExt cx="0" cy="0"/>
+        </a:xfrm>
+      </p:grpSpPr>
+      <p:sp>
+        <p:nvSpPr>
+          <p:cNvPr id="6" name="TextBox 5"/>
+          <p:cNvSpPr txBox="1"/>
+          <p:nvPr/>
+        </p:nvSpPr>
+        <p:spPr bwMode="auto">
+          <a:xfrm>
+            <a:off x="743816" y="457200"/>
+            <a:ext cx="1303562" cy="523220"/>
+          </a:xfrm>
+          <a:prstGeom prst="rect">
+            <a:avLst/>
+          </a:prstGeom>
+          <a:noFill/>
+          <a:ln w="9525">
+            <a:noFill/>
+            <a:miter lim="800000"/>
+            <a:headEnd/>
+            <a:tailEnd/>
+          </a:ln>
+        </p:spPr>
+        <p:txBody>
+          <a:bodyPr wrap="none" rtlCol="0">
+            <a:spAutoFit/>
+          </a:bodyPr>
+          <a:lstStyle/>
+          <a:p>
+            <a:r>
+              <a:rPr lang="en-US" altLang="zh-CN" sz="2800" dirty="0" smtClean="0"/>
+              <a:t>Strings</a:t>
+            </a:r>
+            <a:endParaRPr lang="en-US" altLang="zh-CN" sz="2800" dirty="0"/>
+          </a:p>
+        </p:txBody>
+      </p:sp>
+      <p:sp>
+        <p:nvSpPr>
+          <p:cNvPr id="3" name="TextBox 2"/>
+          <p:cNvSpPr txBox="1"/>
+          <p:nvPr/>
+        </p:nvSpPr>
+        <p:spPr bwMode="auto">
+          <a:xfrm>
+            <a:off x="728576" y="1295400"/>
+            <a:ext cx="7028584" cy="369332"/>
+          </a:xfrm>
+          <a:prstGeom prst="rect">
+            <a:avLst/>
+          </a:prstGeom>
+          <a:noFill/>
+          <a:ln w="9525">
+            <a:noFill/>
+            <a:miter lim="800000"/>
+            <a:headEnd/>
+            <a:tailEnd/>
+          </a:ln>
+        </p:spPr>
+        <p:txBody>
+          <a:bodyPr wrap="square" rtlCol="0">
+            <a:spAutoFit/>
+          </a:bodyPr>
+          <a:lstStyle/>
+          <a:p>
+            <a:r>
+              <a:rPr lang="zh-CN" altLang="en-US" b="1" dirty="0"/>
+              <a:t>拆分器</a:t>
+            </a:r>
+            <a:r>
+              <a:rPr lang="en-US" altLang="zh-CN" b="1" dirty="0"/>
+              <a:t>[</a:t>
+            </a:r>
+            <a:r>
+              <a:rPr lang="en-US" b="1" dirty="0"/>
+              <a:t>Splitter</a:t>
+            </a:r>
+            <a:r>
+              <a:rPr lang="en-US" b="1" dirty="0" smtClean="0"/>
+              <a:t>]</a:t>
+            </a:r>
+            <a:endParaRPr lang="en-US" b="1" dirty="0"/>
+          </a:p>
+        </p:txBody>
+      </p:sp>
+      <p:pic>
+        <p:nvPicPr>
+          <p:cNvPr id="2" name="Picture 1"/>
+          <p:cNvPicPr>
+            <a:picLocks noChangeAspect="1"/>
+          </p:cNvPicPr>
+          <p:nvPr/>
+        </p:nvPicPr>
+        <p:blipFill>
+          <a:blip r:embed="rId2"/>
+          <a:stretch>
+            <a:fillRect/>
+          </a:stretch>
+        </p:blipFill>
+        <p:spPr>
+          <a:xfrm>
+            <a:off x="670993" y="1979712"/>
+            <a:ext cx="3571875" cy="1752600"/>
+          </a:xfrm>
+          <a:prstGeom prst="rect">
+            <a:avLst/>
+          </a:prstGeom>
+        </p:spPr>
+      </p:pic>
+      <p:sp>
+        <p:nvSpPr>
+          <p:cNvPr id="5" name="TextBox 4"/>
+          <p:cNvSpPr txBox="1"/>
+          <p:nvPr/>
+        </p:nvSpPr>
+        <p:spPr bwMode="auto">
+          <a:xfrm>
+            <a:off x="370978" y="4267200"/>
+            <a:ext cx="1676400" cy="369332"/>
+          </a:xfrm>
+          <a:prstGeom prst="rect">
+            <a:avLst/>
+          </a:prstGeom>
+          <a:noFill/>
+          <a:ln w="9525">
+            <a:noFill/>
+            <a:miter lim="800000"/>
+            <a:headEnd/>
+            <a:tailEnd/>
+          </a:ln>
+        </p:spPr>
+        <p:txBody>
+          <a:bodyPr wrap="square" rtlCol="0">
+            <a:spAutoFit/>
+          </a:bodyPr>
+          <a:lstStyle/>
+          <a:p>
+            <a:pPr algn="r"/>
+            <a:r>
+              <a:rPr lang="en-US" dirty="0"/>
+              <a:t>[a, b]</a:t>
+            </a:r>
+            <a:endParaRPr lang="en-US" sz="900" spc="120" baseline="0" dirty="0" smtClean="0">
+              <a:solidFill>
+                <a:srgbClr val="808080"/>
+              </a:solidFill>
+              <a:latin typeface="Times" pitchFamily="18" charset="0"/>
+            </a:endParaRPr>
+          </a:p>
+        </p:txBody>
+      </p:sp>
+      <p:pic>
+        <p:nvPicPr>
+          <p:cNvPr id="7" name="Picture 6"/>
+          <p:cNvPicPr>
+            <a:picLocks noChangeAspect="1"/>
+          </p:cNvPicPr>
+          <p:nvPr/>
+        </p:nvPicPr>
+        <p:blipFill>
+          <a:blip r:embed="rId3"/>
+          <a:stretch>
+            <a:fillRect/>
+          </a:stretch>
+        </p:blipFill>
+        <p:spPr>
+          <a:xfrm>
+            <a:off x="4724400" y="2008287"/>
+            <a:ext cx="3609975" cy="1724025"/>
+          </a:xfrm>
+          <a:prstGeom prst="rect">
+            <a:avLst/>
+          </a:prstGeom>
+        </p:spPr>
+      </p:pic>
+      <p:sp>
+        <p:nvSpPr>
+          <p:cNvPr id="9" name="TextBox 8"/>
+          <p:cNvSpPr txBox="1"/>
+          <p:nvPr/>
+        </p:nvSpPr>
+        <p:spPr bwMode="auto">
+          <a:xfrm>
+            <a:off x="5105400" y="4267200"/>
+            <a:ext cx="1676400" cy="369332"/>
+          </a:xfrm>
+          <a:prstGeom prst="rect">
+            <a:avLst/>
+          </a:prstGeom>
+          <a:noFill/>
+          <a:ln w="9525">
+            <a:noFill/>
+            <a:miter lim="800000"/>
+            <a:headEnd/>
+            <a:tailEnd/>
+          </a:ln>
+        </p:spPr>
+        <p:txBody>
+          <a:bodyPr wrap="square" rtlCol="0">
+            <a:spAutoFit/>
+          </a:bodyPr>
+          <a:lstStyle/>
+          <a:p>
+            <a:r>
+              <a:rPr lang="en-US" dirty="0"/>
+              <a:t>[a, b;]</a:t>
+            </a:r>
+          </a:p>
+        </p:txBody>
+      </p:sp>
+    </p:spTree>
+    <p:extLst>
+      <p:ext uri="{BB962C8B-B14F-4D97-AF65-F5344CB8AC3E}">
+        <p14:creationId xmlns:p14="http://schemas.microsoft.com/office/powerpoint/2010/main" val="3995879826"/>
+      </p:ext>
+    </p:extLst>
+  </p:cSld>
+  <p:clrMapOvr>
+    <a:masterClrMapping/>
+  </p:clrMapOvr>
+  <p:timing>
+    <p:tnLst>
+      <p:par>
+        <p:cTn id="1" dur="indefinite" restart="never" nodeType="tmRoot"/>
+      </p:par>
+    </p:tnLst>
+  </p:timing>
+</p:sld>
+</file>
+
+<file path=ppt/slides/slide41.xml><?xml version="1.0" encoding="utf-8"?>
+<p:sld xmlns:a="http://schemas.openxmlformats.org/drawingml/2006/main" xmlns:r="http://schemas.openxmlformats.org/officeDocument/2006/relationships" xmlns:p="http://schemas.openxmlformats.org/presentationml/2006/main">
+  <p:cSld>
+    <p:spTree>
+      <p:nvGrpSpPr>
+        <p:cNvPr id="1" name=""/>
+        <p:cNvGrpSpPr/>
+        <p:nvPr/>
+      </p:nvGrpSpPr>
+      <p:grpSpPr>
+        <a:xfrm>
+          <a:off x="0" y="0"/>
+          <a:ext cx="0" cy="0"/>
+          <a:chOff x="0" y="0"/>
+          <a:chExt cx="0" cy="0"/>
+        </a:xfrm>
+      </p:grpSpPr>
+      <p:sp>
+        <p:nvSpPr>
+          <p:cNvPr id="6" name="TextBox 5"/>
+          <p:cNvSpPr txBox="1"/>
+          <p:nvPr/>
+        </p:nvSpPr>
+        <p:spPr bwMode="auto">
+          <a:xfrm>
+            <a:off x="743816" y="457200"/>
+            <a:ext cx="1303562" cy="523220"/>
+          </a:xfrm>
+          <a:prstGeom prst="rect">
+            <a:avLst/>
+          </a:prstGeom>
+          <a:noFill/>
+          <a:ln w="9525">
+            <a:noFill/>
+            <a:miter lim="800000"/>
+            <a:headEnd/>
+            <a:tailEnd/>
+          </a:ln>
+        </p:spPr>
+        <p:txBody>
+          <a:bodyPr wrap="none" rtlCol="0">
+            <a:spAutoFit/>
+          </a:bodyPr>
+          <a:lstStyle/>
+          <a:p>
+            <a:r>
+              <a:rPr lang="en-US" altLang="zh-CN" sz="2800" dirty="0" smtClean="0"/>
+              <a:t>Strings</a:t>
+            </a:r>
+            <a:endParaRPr lang="en-US" altLang="zh-CN" sz="2800" dirty="0"/>
+          </a:p>
+        </p:txBody>
+      </p:sp>
+      <p:sp>
+        <p:nvSpPr>
+          <p:cNvPr id="3" name="TextBox 2"/>
+          <p:cNvSpPr txBox="1"/>
+          <p:nvPr/>
+        </p:nvSpPr>
+        <p:spPr bwMode="auto">
+          <a:xfrm>
+            <a:off x="728576" y="1295400"/>
+            <a:ext cx="7028584" cy="369332"/>
+          </a:xfrm>
+          <a:prstGeom prst="rect">
+            <a:avLst/>
+          </a:prstGeom>
+          <a:noFill/>
+          <a:ln w="9525">
+            <a:noFill/>
+            <a:miter lim="800000"/>
+            <a:headEnd/>
+            <a:tailEnd/>
+          </a:ln>
+        </p:spPr>
+        <p:txBody>
+          <a:bodyPr wrap="square" rtlCol="0">
+            <a:spAutoFit/>
+          </a:bodyPr>
+          <a:lstStyle/>
+          <a:p>
+            <a:r>
+              <a:rPr lang="zh-CN" altLang="en-US" b="1" dirty="0"/>
+              <a:t>字符匹配器</a:t>
+            </a:r>
+            <a:r>
+              <a:rPr lang="en-US" altLang="zh-CN" b="1" dirty="0"/>
+              <a:t>[</a:t>
+            </a:r>
+            <a:r>
+              <a:rPr lang="en-US" b="1" dirty="0" err="1"/>
+              <a:t>CharMatcher</a:t>
+            </a:r>
+            <a:r>
+              <a:rPr lang="en-US" b="1" dirty="0" smtClean="0"/>
+              <a:t>]</a:t>
+            </a:r>
+            <a:endParaRPr lang="en-US" b="1" dirty="0"/>
+          </a:p>
+        </p:txBody>
+      </p:sp>
+    </p:spTree>
+    <p:extLst>
+      <p:ext uri="{BB962C8B-B14F-4D97-AF65-F5344CB8AC3E}">
+        <p14:creationId xmlns:p14="http://schemas.microsoft.com/office/powerpoint/2010/main" val="2946698848"/>
+      </p:ext>
+    </p:extLst>
+  </p:cSld>
+  <p:clrMapOvr>
+    <a:masterClrMapping/>
+  </p:clrMapOvr>
+  <p:timing>
+    <p:tnLst>
+      <p:par>
+        <p:cTn id="1" dur="indefinite" restart="never" nodeType="tmRoot"/>
+      </p:par>
+    </p:tnLst>
+  </p:timing>
+</p:sld>
+</file>
+
+<file path=ppt/slides/slide42.xml><?xml version="1.0" encoding="utf-8"?>
+<p:sld xmlns:a="http://schemas.openxmlformats.org/drawingml/2006/main" xmlns:r="http://schemas.openxmlformats.org/officeDocument/2006/relationships" xmlns:p="http://schemas.openxmlformats.org/presentationml/2006/main">
+  <p:cSld>
+    <p:spTree>
+      <p:nvGrpSpPr>
+        <p:cNvPr id="1" name=""/>
+        <p:cNvGrpSpPr/>
+        <p:nvPr/>
+      </p:nvGrpSpPr>
+      <p:grpSpPr>
+        <a:xfrm>
+          <a:off x="0" y="0"/>
+          <a:ext cx="0" cy="0"/>
+          <a:chOff x="0" y="0"/>
+          <a:chExt cx="0" cy="0"/>
+        </a:xfrm>
+      </p:grpSpPr>
+      <p:sp>
+        <p:nvSpPr>
+          <p:cNvPr id="2" name="TextBox 1"/>
+          <p:cNvSpPr txBox="1"/>
+          <p:nvPr/>
+        </p:nvSpPr>
+        <p:spPr bwMode="auto">
+          <a:xfrm>
+            <a:off x="3352800" y="2590800"/>
+            <a:ext cx="1590692" cy="707886"/>
+          </a:xfrm>
+          <a:prstGeom prst="rect">
+            <a:avLst/>
+          </a:prstGeom>
+          <a:noFill/>
+          <a:ln w="9525">
+            <a:noFill/>
+            <a:miter lim="800000"/>
+            <a:headEnd/>
+            <a:tailEnd/>
+          </a:ln>
+        </p:spPr>
+        <p:txBody>
+          <a:bodyPr wrap="none" rtlCol="0">
+            <a:spAutoFit/>
+          </a:bodyPr>
+          <a:lstStyle/>
+          <a:p>
+            <a:r>
+              <a:rPr lang="en-US" sz="4000" b="1" dirty="0" smtClean="0"/>
+              <a:t>Q &amp; A</a:t>
+            </a:r>
+            <a:endParaRPr lang="en-US" sz="4000" b="1" dirty="0"/>
+          </a:p>
+        </p:txBody>
+      </p:sp>
+    </p:spTree>
+    <p:extLst>
+      <p:ext uri="{BB962C8B-B14F-4D97-AF65-F5344CB8AC3E}">
+        <p14:creationId xmlns:p14="http://schemas.microsoft.com/office/powerpoint/2010/main" val="1865794899"/>
+      </p:ext>
+    </p:extLst>
+  </p:cSld>
+  <p:clrMapOvr>
+    <a:masterClrMapping/>
+  </p:clrMapOvr>
+  <p:timing>
+    <p:tnLst>
+      <p:par>
+        <p:cTn id="1" dur="indefinite" restart="never" nodeType="tmRoot"/>
+      </p:par>
+    </p:tnLst>
+  </p:timing>
+</p:sld>
+</file>
+
 <file path=ppt/slides/slide5.xml><?xml version="1.0" encoding="utf-8"?>
 <p:sld xmlns:a="http://schemas.openxmlformats.org/drawingml/2006/main" xmlns:r="http://schemas.openxmlformats.org/officeDocument/2006/relationships" xmlns:p="http://schemas.openxmlformats.org/presentationml/2006/main">
   <p:cSld>
@@ -14121,14 +17672,14 @@
                 <a:gridCol w="2186851">
                   <a:extLst>
                     <a:ext uri="{9D8B030D-6E8A-4147-A177-3AD203B41FA5}">
-                      <a16:colId xmlns="" xmlns:a16="http://schemas.microsoft.com/office/drawing/2014/main" val="20000"/>
+                      <a16:colId xmlns:a16="http://schemas.microsoft.com/office/drawing/2014/main" val="20000"/>
                     </a:ext>
                   </a:extLst>
                 </a:gridCol>
                 <a:gridCol w="4604474">
                   <a:extLst>
                     <a:ext uri="{9D8B030D-6E8A-4147-A177-3AD203B41FA5}">
-                      <a16:colId xmlns="" xmlns:a16="http://schemas.microsoft.com/office/drawing/2014/main" val="20001"/>
+                      <a16:colId xmlns:a16="http://schemas.microsoft.com/office/drawing/2014/main" val="20001"/>
                     </a:ext>
                   </a:extLst>
                 </a:gridCol>
@@ -14281,7 +17832,7 @@
                 </a:tc>
                 <a:extLst>
                   <a:ext uri="{0D108BD9-81ED-4DB2-BD59-A6C34878D82A}">
-                    <a16:rowId xmlns="" xmlns:a16="http://schemas.microsoft.com/office/drawing/2014/main" val="10000"/>
+                    <a16:rowId xmlns:a16="http://schemas.microsoft.com/office/drawing/2014/main" val="10000"/>
                   </a:ext>
                 </a:extLst>
               </a:tr>
@@ -14411,7 +17962,7 @@
                 </a:tc>
                 <a:extLst>
                   <a:ext uri="{0D108BD9-81ED-4DB2-BD59-A6C34878D82A}">
-                    <a16:rowId xmlns="" xmlns:a16="http://schemas.microsoft.com/office/drawing/2014/main" val="10001"/>
+                    <a16:rowId xmlns:a16="http://schemas.microsoft.com/office/drawing/2014/main" val="10001"/>
                   </a:ext>
                 </a:extLst>
               </a:tr>
@@ -14553,7 +18104,7 @@
                 </a:tc>
                 <a:extLst>
                   <a:ext uri="{0D108BD9-81ED-4DB2-BD59-A6C34878D82A}">
-                    <a16:rowId xmlns="" xmlns:a16="http://schemas.microsoft.com/office/drawing/2014/main" val="10002"/>
+                    <a16:rowId xmlns:a16="http://schemas.microsoft.com/office/drawing/2014/main" val="10002"/>
                   </a:ext>
                 </a:extLst>
               </a:tr>
@@ -14738,14 +18289,14 @@
                 <a:gridCol w="2375778">
                   <a:extLst>
                     <a:ext uri="{9D8B030D-6E8A-4147-A177-3AD203B41FA5}">
-                      <a16:colId xmlns="" xmlns:a16="http://schemas.microsoft.com/office/drawing/2014/main" val="20000"/>
+                      <a16:colId xmlns:a16="http://schemas.microsoft.com/office/drawing/2014/main" val="20000"/>
                     </a:ext>
                   </a:extLst>
                 </a:gridCol>
                 <a:gridCol w="5002263">
                   <a:extLst>
                     <a:ext uri="{9D8B030D-6E8A-4147-A177-3AD203B41FA5}">
-                      <a16:colId xmlns="" xmlns:a16="http://schemas.microsoft.com/office/drawing/2014/main" val="20001"/>
+                      <a16:colId xmlns:a16="http://schemas.microsoft.com/office/drawing/2014/main" val="20001"/>
                     </a:ext>
                   </a:extLst>
                 </a:gridCol>
@@ -14924,7 +18475,7 @@
                 </a:tc>
                 <a:extLst>
                   <a:ext uri="{0D108BD9-81ED-4DB2-BD59-A6C34878D82A}">
-                    <a16:rowId xmlns="" xmlns:a16="http://schemas.microsoft.com/office/drawing/2014/main" val="10000"/>
+                    <a16:rowId xmlns:a16="http://schemas.microsoft.com/office/drawing/2014/main" val="10000"/>
                   </a:ext>
                 </a:extLst>
               </a:tr>
@@ -15063,7 +18614,7 @@
                 </a:tc>
                 <a:extLst>
                   <a:ext uri="{0D108BD9-81ED-4DB2-BD59-A6C34878D82A}">
-                    <a16:rowId xmlns="" xmlns:a16="http://schemas.microsoft.com/office/drawing/2014/main" val="10001"/>
+                    <a16:rowId xmlns:a16="http://schemas.microsoft.com/office/drawing/2014/main" val="10001"/>
                   </a:ext>
                 </a:extLst>
               </a:tr>
@@ -15193,7 +18744,7 @@
                 </a:tc>
                 <a:extLst>
                   <a:ext uri="{0D108BD9-81ED-4DB2-BD59-A6C34878D82A}">
-                    <a16:rowId xmlns="" xmlns:a16="http://schemas.microsoft.com/office/drawing/2014/main" val="10002"/>
+                    <a16:rowId xmlns:a16="http://schemas.microsoft.com/office/drawing/2014/main" val="10002"/>
                   </a:ext>
                 </a:extLst>
               </a:tr>
@@ -15329,7 +18880,7 @@
                 </a:tc>
                 <a:extLst>
                   <a:ext uri="{0D108BD9-81ED-4DB2-BD59-A6C34878D82A}">
-                    <a16:rowId xmlns="" xmlns:a16="http://schemas.microsoft.com/office/drawing/2014/main" val="10003"/>
+                    <a16:rowId xmlns:a16="http://schemas.microsoft.com/office/drawing/2014/main" val="10003"/>
                   </a:ext>
                 </a:extLst>
               </a:tr>
@@ -15479,7 +19030,7 @@
                 </a:tc>
                 <a:extLst>
                   <a:ext uri="{0D108BD9-81ED-4DB2-BD59-A6C34878D82A}">
-                    <a16:rowId xmlns="" xmlns:a16="http://schemas.microsoft.com/office/drawing/2014/main" val="10004"/>
+                    <a16:rowId xmlns:a16="http://schemas.microsoft.com/office/drawing/2014/main" val="10004"/>
                   </a:ext>
                 </a:extLst>
               </a:tr>
@@ -16700,21 +20251,21 @@
                 <a:gridCol w="1634128">
                   <a:extLst>
                     <a:ext uri="{9D8B030D-6E8A-4147-A177-3AD203B41FA5}">
-                      <a16:colId xmlns="" xmlns:a16="http://schemas.microsoft.com/office/drawing/2014/main" val="20000"/>
+                      <a16:colId xmlns:a16="http://schemas.microsoft.com/office/drawing/2014/main" val="20000"/>
                     </a:ext>
                   </a:extLst>
                 </a:gridCol>
                 <a:gridCol w="1822997">
                   <a:extLst>
                     <a:ext uri="{9D8B030D-6E8A-4147-A177-3AD203B41FA5}">
-                      <a16:colId xmlns="" xmlns:a16="http://schemas.microsoft.com/office/drawing/2014/main" val="20001"/>
+                      <a16:colId xmlns:a16="http://schemas.microsoft.com/office/drawing/2014/main" val="20001"/>
                     </a:ext>
                   </a:extLst>
                 </a:gridCol>
                 <a:gridCol w="1724457">
                   <a:extLst>
                     <a:ext uri="{9D8B030D-6E8A-4147-A177-3AD203B41FA5}">
-                      <a16:colId xmlns="" xmlns:a16="http://schemas.microsoft.com/office/drawing/2014/main" val="20002"/>
+                      <a16:colId xmlns:a16="http://schemas.microsoft.com/office/drawing/2014/main" val="20002"/>
                     </a:ext>
                   </a:extLst>
                 </a:gridCol>
@@ -16887,7 +20438,7 @@
                 </a:tc>
                 <a:extLst>
                   <a:ext uri="{0D108BD9-81ED-4DB2-BD59-A6C34878D82A}">
-                    <a16:rowId xmlns="" xmlns:a16="http://schemas.microsoft.com/office/drawing/2014/main" val="10000"/>
+                    <a16:rowId xmlns:a16="http://schemas.microsoft.com/office/drawing/2014/main" val="10000"/>
                   </a:ext>
                 </a:extLst>
               </a:tr>
@@ -17081,7 +20632,7 @@
                 </a:tc>
                 <a:extLst>
                   <a:ext uri="{0D108BD9-81ED-4DB2-BD59-A6C34878D82A}">
-                    <a16:rowId xmlns="" xmlns:a16="http://schemas.microsoft.com/office/drawing/2014/main" val="10001"/>
+                    <a16:rowId xmlns:a16="http://schemas.microsoft.com/office/drawing/2014/main" val="10001"/>
                   </a:ext>
                 </a:extLst>
               </a:tr>
@@ -17293,7 +20844,7 @@
                 </a:tc>
                 <a:extLst>
                   <a:ext uri="{0D108BD9-81ED-4DB2-BD59-A6C34878D82A}">
-                    <a16:rowId xmlns="" xmlns:a16="http://schemas.microsoft.com/office/drawing/2014/main" val="10002"/>
+                    <a16:rowId xmlns:a16="http://schemas.microsoft.com/office/drawing/2014/main" val="10002"/>
                   </a:ext>
                 </a:extLst>
               </a:tr>
@@ -17466,7 +21017,7 @@
                 </a:tc>
                 <a:extLst>
                   <a:ext uri="{0D108BD9-81ED-4DB2-BD59-A6C34878D82A}">
-                    <a16:rowId xmlns="" xmlns:a16="http://schemas.microsoft.com/office/drawing/2014/main" val="10003"/>
+                    <a16:rowId xmlns:a16="http://schemas.microsoft.com/office/drawing/2014/main" val="10003"/>
                   </a:ext>
                 </a:extLst>
               </a:tr>
@@ -17654,7 +21205,7 @@
                 </a:tc>
                 <a:extLst>
                   <a:ext uri="{0D108BD9-81ED-4DB2-BD59-A6C34878D82A}">
-                    <a16:rowId xmlns="" xmlns:a16="http://schemas.microsoft.com/office/drawing/2014/main" val="10004"/>
+                    <a16:rowId xmlns:a16="http://schemas.microsoft.com/office/drawing/2014/main" val="10004"/>
                   </a:ext>
                 </a:extLst>
               </a:tr>
@@ -17842,7 +21393,7 @@
                 </a:tc>
                 <a:extLst>
                   <a:ext uri="{0D108BD9-81ED-4DB2-BD59-A6C34878D82A}">
-                    <a16:rowId xmlns="" xmlns:a16="http://schemas.microsoft.com/office/drawing/2014/main" val="10005"/>
+                    <a16:rowId xmlns:a16="http://schemas.microsoft.com/office/drawing/2014/main" val="10005"/>
                   </a:ext>
                 </a:extLst>
               </a:tr>
@@ -18027,7 +21578,7 @@
                 </a:tc>
                 <a:extLst>
                   <a:ext uri="{0D108BD9-81ED-4DB2-BD59-A6C34878D82A}">
-                    <a16:rowId xmlns="" xmlns:a16="http://schemas.microsoft.com/office/drawing/2014/main" val="10006"/>
+                    <a16:rowId xmlns:a16="http://schemas.microsoft.com/office/drawing/2014/main" val="10006"/>
                   </a:ext>
                 </a:extLst>
               </a:tr>

--- a/Guava.pptx
+++ b/Guava.pptx
@@ -5,7 +5,7 @@
     <p:sldMasterId id="2147483673" r:id="rId1"/>
   </p:sldMasterIdLst>
   <p:notesMasterIdLst>
-    <p:notesMasterId r:id="rId44"/>
+    <p:notesMasterId r:id="rId47"/>
   </p:notesMasterIdLst>
   <p:sldIdLst>
     <p:sldId id="295" r:id="rId2"/>
@@ -49,7 +49,10 @@
     <p:sldId id="472" r:id="rId40"/>
     <p:sldId id="473" r:id="rId41"/>
     <p:sldId id="474" r:id="rId42"/>
-    <p:sldId id="436" r:id="rId43"/>
+    <p:sldId id="475" r:id="rId43"/>
+    <p:sldId id="476" r:id="rId44"/>
+    <p:sldId id="477" r:id="rId45"/>
+    <p:sldId id="436" r:id="rId46"/>
   </p:sldIdLst>
   <p:sldSz cx="9144000" cy="6858000" type="screen4x3"/>
   <p:notesSz cx="6858000" cy="9144000"/>
@@ -165,6 +168,10 @@
     </p:ext>
   </p:extLst>
 </p:presentation>
+</file>
+
+<file path=ppt/activeX/activeX1.xml><?xml version="1.0" encoding="utf-8"?>
+<ax:ocx xmlns:ax="http://schemas.microsoft.com/office/2006/activeX" xmlns:r="http://schemas.openxmlformats.org/officeDocument/2006/relationships" ax:classid="{6E182020-F460-11CE-9BCD-00AA00608E01}" ax:persistence="persistStorage" r:id="rId1"/>
 </file>
 
 <file path=ppt/notesMasters/notesMaster1.xml><?xml version="1.0" encoding="utf-8"?>
@@ -7440,13 +7447,8 @@
             </a:pPr>
             <a:r>
               <a:rPr lang="en-US" sz="2400" dirty="0" smtClean="0"/>
-              <a:t>What is </a:t>
-            </a:r>
-            <a:r>
-              <a:rPr lang="en-US" sz="2400" dirty="0" smtClean="0"/>
-              <a:t>Guava</a:t>
-            </a:r>
-            <a:endParaRPr lang="en-US" sz="2400" dirty="0" smtClean="0"/>
+              <a:t>What is Guava</a:t>
+            </a:r>
           </a:p>
           <a:p>
             <a:pPr marL="342900" indent="-342900">
@@ -7458,11 +7460,7 @@
             </a:r>
             <a:r>
               <a:rPr lang="en-US" sz="2400" dirty="0" smtClean="0"/>
-              <a:t>utilities</a:t>
-            </a:r>
-            <a:r>
-              <a:rPr lang="en-US" sz="2400" dirty="0" smtClean="0"/>
-              <a:t>.</a:t>
+              <a:t>utilities.</a:t>
             </a:r>
           </a:p>
           <a:p>
@@ -7474,7 +7472,6 @@
               <a:rPr lang="en-US" sz="2400" dirty="0" smtClean="0"/>
               <a:t>Strings</a:t>
             </a:r>
-            <a:endParaRPr lang="en-US" sz="2400" dirty="0" smtClean="0"/>
           </a:p>
           <a:p>
             <a:pPr marL="342900" indent="-342900">
@@ -7483,11 +7480,7 @@
             </a:pPr>
             <a:r>
               <a:rPr lang="en-US" sz="2400" dirty="0" smtClean="0"/>
-              <a:t>Collections</a:t>
-            </a:r>
-            <a:r>
-              <a:rPr lang="en-US" sz="2400" dirty="0" smtClean="0"/>
-              <a:t>.</a:t>
+              <a:t>Collections.</a:t>
             </a:r>
             <a:endParaRPr lang="en-US" sz="2400" dirty="0"/>
           </a:p>
@@ -7910,14 +7903,14 @@
                 <a:gridCol w="2662253">
                   <a:extLst>
                     <a:ext uri="{9D8B030D-6E8A-4147-A177-3AD203B41FA5}">
-                      <a16:colId xmlns:a16="http://schemas.microsoft.com/office/drawing/2014/main" val="3042613032"/>
+                      <a16:colId xmlns="" xmlns:a16="http://schemas.microsoft.com/office/drawing/2014/main" val="3042613032"/>
                     </a:ext>
                   </a:extLst>
                 </a:gridCol>
                 <a:gridCol w="5605447">
                   <a:extLst>
                     <a:ext uri="{9D8B030D-6E8A-4147-A177-3AD203B41FA5}">
-                      <a16:colId xmlns:a16="http://schemas.microsoft.com/office/drawing/2014/main" val="2274778014"/>
+                      <a16:colId xmlns="" xmlns:a16="http://schemas.microsoft.com/office/drawing/2014/main" val="2274778014"/>
                     </a:ext>
                   </a:extLst>
                 </a:gridCol>
@@ -8035,7 +8028,7 @@
                 </a:tc>
                 <a:extLst>
                   <a:ext uri="{0D108BD9-81ED-4DB2-BD59-A6C34878D82A}">
-                    <a16:rowId xmlns:a16="http://schemas.microsoft.com/office/drawing/2014/main" val="1660271125"/>
+                    <a16:rowId xmlns="" xmlns:a16="http://schemas.microsoft.com/office/drawing/2014/main" val="1660271125"/>
                   </a:ext>
                 </a:extLst>
               </a:tr>
@@ -8153,7 +8146,7 @@
                 </a:tc>
                 <a:extLst>
                   <a:ext uri="{0D108BD9-81ED-4DB2-BD59-A6C34878D82A}">
-                    <a16:rowId xmlns:a16="http://schemas.microsoft.com/office/drawing/2014/main" val="3747208260"/>
+                    <a16:rowId xmlns="" xmlns:a16="http://schemas.microsoft.com/office/drawing/2014/main" val="3747208260"/>
                   </a:ext>
                 </a:extLst>
               </a:tr>
@@ -8283,7 +8276,7 @@
                 </a:tc>
                 <a:extLst>
                   <a:ext uri="{0D108BD9-81ED-4DB2-BD59-A6C34878D82A}">
-                    <a16:rowId xmlns:a16="http://schemas.microsoft.com/office/drawing/2014/main" val="824084111"/>
+                    <a16:rowId xmlns="" xmlns:a16="http://schemas.microsoft.com/office/drawing/2014/main" val="824084111"/>
                   </a:ext>
                 </a:extLst>
               </a:tr>
@@ -8413,7 +8406,7 @@
                 </a:tc>
                 <a:extLst>
                   <a:ext uri="{0D108BD9-81ED-4DB2-BD59-A6C34878D82A}">
-                    <a16:rowId xmlns:a16="http://schemas.microsoft.com/office/drawing/2014/main" val="3810718656"/>
+                    <a16:rowId xmlns="" xmlns:a16="http://schemas.microsoft.com/office/drawing/2014/main" val="3810718656"/>
                   </a:ext>
                 </a:extLst>
               </a:tr>
@@ -9059,14 +9052,14 @@
                 <a:gridCol w="2662253">
                   <a:extLst>
                     <a:ext uri="{9D8B030D-6E8A-4147-A177-3AD203B41FA5}">
-                      <a16:colId xmlns:a16="http://schemas.microsoft.com/office/drawing/2014/main" val="331462742"/>
+                      <a16:colId xmlns="" xmlns:a16="http://schemas.microsoft.com/office/drawing/2014/main" val="331462742"/>
                     </a:ext>
                   </a:extLst>
                 </a:gridCol>
                 <a:gridCol w="5605447">
                   <a:extLst>
                     <a:ext uri="{9D8B030D-6E8A-4147-A177-3AD203B41FA5}">
-                      <a16:colId xmlns:a16="http://schemas.microsoft.com/office/drawing/2014/main" val="1270116112"/>
+                      <a16:colId xmlns="" xmlns:a16="http://schemas.microsoft.com/office/drawing/2014/main" val="1270116112"/>
                     </a:ext>
                   </a:extLst>
                 </a:gridCol>
@@ -9184,7 +9177,7 @@
                 </a:tc>
                 <a:extLst>
                   <a:ext uri="{0D108BD9-81ED-4DB2-BD59-A6C34878D82A}">
-                    <a16:rowId xmlns:a16="http://schemas.microsoft.com/office/drawing/2014/main" val="2753159519"/>
+                    <a16:rowId xmlns="" xmlns:a16="http://schemas.microsoft.com/office/drawing/2014/main" val="2753159519"/>
                   </a:ext>
                 </a:extLst>
               </a:tr>
@@ -9302,7 +9295,7 @@
                 </a:tc>
                 <a:extLst>
                   <a:ext uri="{0D108BD9-81ED-4DB2-BD59-A6C34878D82A}">
-                    <a16:rowId xmlns:a16="http://schemas.microsoft.com/office/drawing/2014/main" val="3440811622"/>
+                    <a16:rowId xmlns="" xmlns:a16="http://schemas.microsoft.com/office/drawing/2014/main" val="3440811622"/>
                   </a:ext>
                 </a:extLst>
               </a:tr>
@@ -9432,7 +9425,7 @@
                 </a:tc>
                 <a:extLst>
                   <a:ext uri="{0D108BD9-81ED-4DB2-BD59-A6C34878D82A}">
-                    <a16:rowId xmlns:a16="http://schemas.microsoft.com/office/drawing/2014/main" val="1178024355"/>
+                    <a16:rowId xmlns="" xmlns:a16="http://schemas.microsoft.com/office/drawing/2014/main" val="1178024355"/>
                   </a:ext>
                 </a:extLst>
               </a:tr>
@@ -9562,7 +9555,7 @@
                 </a:tc>
                 <a:extLst>
                   <a:ext uri="{0D108BD9-81ED-4DB2-BD59-A6C34878D82A}">
-                    <a16:rowId xmlns:a16="http://schemas.microsoft.com/office/drawing/2014/main" val="3501301743"/>
+                    <a16:rowId xmlns="" xmlns:a16="http://schemas.microsoft.com/office/drawing/2014/main" val="3501301743"/>
                   </a:ext>
                 </a:extLst>
               </a:tr>
@@ -9680,7 +9673,7 @@
                 </a:tc>
                 <a:extLst>
                   <a:ext uri="{0D108BD9-81ED-4DB2-BD59-A6C34878D82A}">
-                    <a16:rowId xmlns:a16="http://schemas.microsoft.com/office/drawing/2014/main" val="136001188"/>
+                    <a16:rowId xmlns="" xmlns:a16="http://schemas.microsoft.com/office/drawing/2014/main" val="136001188"/>
                   </a:ext>
                 </a:extLst>
               </a:tr>
@@ -9820,7 +9813,7 @@
                 </a:tc>
                 <a:extLst>
                   <a:ext uri="{0D108BD9-81ED-4DB2-BD59-A6C34878D82A}">
-                    <a16:rowId xmlns:a16="http://schemas.microsoft.com/office/drawing/2014/main" val="1989949116"/>
+                    <a16:rowId xmlns="" xmlns:a16="http://schemas.microsoft.com/office/drawing/2014/main" val="1989949116"/>
                   </a:ext>
                 </a:extLst>
               </a:tr>
@@ -10011,21 +10004,21 @@
                 <a:gridCol w="2483166">
                   <a:extLst>
                     <a:ext uri="{9D8B030D-6E8A-4147-A177-3AD203B41FA5}">
-                      <a16:colId xmlns:a16="http://schemas.microsoft.com/office/drawing/2014/main" val="20000"/>
+                      <a16:colId xmlns="" xmlns:a16="http://schemas.microsoft.com/office/drawing/2014/main" val="20000"/>
                     </a:ext>
                   </a:extLst>
                 </a:gridCol>
                 <a:gridCol w="2483166">
                   <a:extLst>
                     <a:ext uri="{9D8B030D-6E8A-4147-A177-3AD203B41FA5}">
-                      <a16:colId xmlns:a16="http://schemas.microsoft.com/office/drawing/2014/main" val="20001"/>
+                      <a16:colId xmlns="" xmlns:a16="http://schemas.microsoft.com/office/drawing/2014/main" val="20001"/>
                     </a:ext>
                   </a:extLst>
                 </a:gridCol>
                 <a:gridCol w="2483166">
                   <a:extLst>
                     <a:ext uri="{9D8B030D-6E8A-4147-A177-3AD203B41FA5}">
-                      <a16:colId xmlns:a16="http://schemas.microsoft.com/office/drawing/2014/main" val="20002"/>
+                      <a16:colId xmlns="" xmlns:a16="http://schemas.microsoft.com/office/drawing/2014/main" val="20002"/>
                     </a:ext>
                   </a:extLst>
                 </a:gridCol>
@@ -10198,7 +10191,7 @@
                 </a:tc>
                 <a:extLst>
                   <a:ext uri="{0D108BD9-81ED-4DB2-BD59-A6C34878D82A}">
-                    <a16:rowId xmlns:a16="http://schemas.microsoft.com/office/drawing/2014/main" val="10000"/>
+                    <a16:rowId xmlns="" xmlns:a16="http://schemas.microsoft.com/office/drawing/2014/main" val="10000"/>
                   </a:ext>
                 </a:extLst>
               </a:tr>
@@ -10387,7 +10380,7 @@
                 </a:tc>
                 <a:extLst>
                   <a:ext uri="{0D108BD9-81ED-4DB2-BD59-A6C34878D82A}">
-                    <a16:rowId xmlns:a16="http://schemas.microsoft.com/office/drawing/2014/main" val="10001"/>
+                    <a16:rowId xmlns="" xmlns:a16="http://schemas.microsoft.com/office/drawing/2014/main" val="10001"/>
                   </a:ext>
                 </a:extLst>
               </a:tr>
@@ -10564,7 +10557,7 @@
                 </a:tc>
                 <a:extLst>
                   <a:ext uri="{0D108BD9-81ED-4DB2-BD59-A6C34878D82A}">
-                    <a16:rowId xmlns:a16="http://schemas.microsoft.com/office/drawing/2014/main" val="10002"/>
+                    <a16:rowId xmlns="" xmlns:a16="http://schemas.microsoft.com/office/drawing/2014/main" val="10002"/>
                   </a:ext>
                 </a:extLst>
               </a:tr>
@@ -10741,7 +10734,7 @@
                 </a:tc>
                 <a:extLst>
                   <a:ext uri="{0D108BD9-81ED-4DB2-BD59-A6C34878D82A}">
-                    <a16:rowId xmlns:a16="http://schemas.microsoft.com/office/drawing/2014/main" val="10003"/>
+                    <a16:rowId xmlns="" xmlns:a16="http://schemas.microsoft.com/office/drawing/2014/main" val="10003"/>
                   </a:ext>
                 </a:extLst>
               </a:tr>
@@ -10918,7 +10911,7 @@
                 </a:tc>
                 <a:extLst>
                   <a:ext uri="{0D108BD9-81ED-4DB2-BD59-A6C34878D82A}">
-                    <a16:rowId xmlns:a16="http://schemas.microsoft.com/office/drawing/2014/main" val="10004"/>
+                    <a16:rowId xmlns="" xmlns:a16="http://schemas.microsoft.com/office/drawing/2014/main" val="10004"/>
                   </a:ext>
                 </a:extLst>
               </a:tr>
@@ -11095,7 +11088,7 @@
                 </a:tc>
                 <a:extLst>
                   <a:ext uri="{0D108BD9-81ED-4DB2-BD59-A6C34878D82A}">
-                    <a16:rowId xmlns:a16="http://schemas.microsoft.com/office/drawing/2014/main" val="10005"/>
+                    <a16:rowId xmlns="" xmlns:a16="http://schemas.microsoft.com/office/drawing/2014/main" val="10005"/>
                   </a:ext>
                 </a:extLst>
               </a:tr>
@@ -11330,7 +11323,7 @@
                 </a:tc>
                 <a:extLst>
                   <a:ext uri="{0D108BD9-81ED-4DB2-BD59-A6C34878D82A}">
-                    <a16:rowId xmlns:a16="http://schemas.microsoft.com/office/drawing/2014/main" val="10006"/>
+                    <a16:rowId xmlns="" xmlns:a16="http://schemas.microsoft.com/office/drawing/2014/main" val="10006"/>
                   </a:ext>
                 </a:extLst>
               </a:tr>
@@ -11964,14 +11957,14 @@
                 <a:gridCol w="3227729">
                   <a:extLst>
                     <a:ext uri="{9D8B030D-6E8A-4147-A177-3AD203B41FA5}">
-                      <a16:colId xmlns:a16="http://schemas.microsoft.com/office/drawing/2014/main" val="20000"/>
+                      <a16:colId xmlns="" xmlns:a16="http://schemas.microsoft.com/office/drawing/2014/main" val="20000"/>
                     </a:ext>
                   </a:extLst>
                 </a:gridCol>
                 <a:gridCol w="5535271">
                   <a:extLst>
                     <a:ext uri="{9D8B030D-6E8A-4147-A177-3AD203B41FA5}">
-                      <a16:colId xmlns:a16="http://schemas.microsoft.com/office/drawing/2014/main" val="20001"/>
+                      <a16:colId xmlns="" xmlns:a16="http://schemas.microsoft.com/office/drawing/2014/main" val="20001"/>
                     </a:ext>
                   </a:extLst>
                 </a:gridCol>
@@ -12283,7 +12276,7 @@
                 </a:tc>
                 <a:extLst>
                   <a:ext uri="{0D108BD9-81ED-4DB2-BD59-A6C34878D82A}">
-                    <a16:rowId xmlns:a16="http://schemas.microsoft.com/office/drawing/2014/main" val="10000"/>
+                    <a16:rowId xmlns="" xmlns:a16="http://schemas.microsoft.com/office/drawing/2014/main" val="10000"/>
                   </a:ext>
                 </a:extLst>
               </a:tr>
@@ -12498,7 +12491,7 @@
                 </a:tc>
                 <a:extLst>
                   <a:ext uri="{0D108BD9-81ED-4DB2-BD59-A6C34878D82A}">
-                    <a16:rowId xmlns:a16="http://schemas.microsoft.com/office/drawing/2014/main" val="10001"/>
+                    <a16:rowId xmlns="" xmlns:a16="http://schemas.microsoft.com/office/drawing/2014/main" val="10001"/>
                   </a:ext>
                 </a:extLst>
               </a:tr>
@@ -12843,7 +12836,7 @@
                 <a:gridCol w="6915150">
                   <a:extLst>
                     <a:ext uri="{9D8B030D-6E8A-4147-A177-3AD203B41FA5}">
-                      <a16:colId xmlns:a16="http://schemas.microsoft.com/office/drawing/2014/main" val="20000"/>
+                      <a16:colId xmlns="" xmlns:a16="http://schemas.microsoft.com/office/drawing/2014/main" val="20000"/>
                     </a:ext>
                   </a:extLst>
                 </a:gridCol>
@@ -12910,7 +12903,7 @@
                 </a:tc>
                 <a:extLst>
                   <a:ext uri="{0D108BD9-81ED-4DB2-BD59-A6C34878D82A}">
-                    <a16:rowId xmlns:a16="http://schemas.microsoft.com/office/drawing/2014/main" val="10000"/>
+                    <a16:rowId xmlns="" xmlns:a16="http://schemas.microsoft.com/office/drawing/2014/main" val="10000"/>
                   </a:ext>
                 </a:extLst>
               </a:tr>
@@ -12976,7 +12969,7 @@
                 </a:tc>
                 <a:extLst>
                   <a:ext uri="{0D108BD9-81ED-4DB2-BD59-A6C34878D82A}">
-                    <a16:rowId xmlns:a16="http://schemas.microsoft.com/office/drawing/2014/main" val="10001"/>
+                    <a16:rowId xmlns="" xmlns:a16="http://schemas.microsoft.com/office/drawing/2014/main" val="10001"/>
                   </a:ext>
                 </a:extLst>
               </a:tr>
@@ -13082,7 +13075,7 @@
                 </a:tc>
                 <a:extLst>
                   <a:ext uri="{0D108BD9-81ED-4DB2-BD59-A6C34878D82A}">
-                    <a16:rowId xmlns:a16="http://schemas.microsoft.com/office/drawing/2014/main" val="10002"/>
+                    <a16:rowId xmlns="" xmlns:a16="http://schemas.microsoft.com/office/drawing/2014/main" val="10002"/>
                   </a:ext>
                 </a:extLst>
               </a:tr>
@@ -14696,14 +14689,14 @@
           <p:nvPr>
             <p:extLst>
               <p:ext uri="{D42A27DB-BD31-4B8C-83A1-F6EECF244321}">
-                <p14:modId xmlns:p14="http://schemas.microsoft.com/office/powerpoint/2010/main" val="842632240"/>
+                <p14:modId xmlns:p14="http://schemas.microsoft.com/office/powerpoint/2010/main" val="258990755"/>
               </p:ext>
             </p:extLst>
           </p:nvPr>
         </p:nvGraphicFramePr>
         <p:xfrm>
           <a:off x="457200" y="2501444"/>
-          <a:ext cx="8267700" cy="3511147"/>
+          <a:ext cx="8267700" cy="3292366"/>
         </p:xfrm>
         <a:graphic>
           <a:graphicData uri="http://schemas.openxmlformats.org/drawingml/2006/table">
@@ -14713,21 +14706,21 @@
                 <a:gridCol w="2918012">
                   <a:extLst>
                     <a:ext uri="{9D8B030D-6E8A-4147-A177-3AD203B41FA5}">
-                      <a16:colId xmlns:a16="http://schemas.microsoft.com/office/drawing/2014/main" val="1571933428"/>
+                      <a16:colId xmlns="" xmlns:a16="http://schemas.microsoft.com/office/drawing/2014/main" val="1571933428"/>
                     </a:ext>
                   </a:extLst>
                 </a:gridCol>
                 <a:gridCol w="2188509">
                   <a:extLst>
                     <a:ext uri="{9D8B030D-6E8A-4147-A177-3AD203B41FA5}">
-                      <a16:colId xmlns:a16="http://schemas.microsoft.com/office/drawing/2014/main" val="2056285079"/>
+                      <a16:colId xmlns="" xmlns:a16="http://schemas.microsoft.com/office/drawing/2014/main" val="2056285079"/>
                     </a:ext>
                   </a:extLst>
                 </a:gridCol>
                 <a:gridCol w="3161179">
                   <a:extLst>
                     <a:ext uri="{9D8B030D-6E8A-4147-A177-3AD203B41FA5}">
-                      <a16:colId xmlns:a16="http://schemas.microsoft.com/office/drawing/2014/main" val="3200955841"/>
+                      <a16:colId xmlns="" xmlns:a16="http://schemas.microsoft.com/office/drawing/2014/main" val="3200955841"/>
                     </a:ext>
                   </a:extLst>
                 </a:gridCol>
@@ -14739,12 +14732,12 @@
                     <a:lstStyle/>
                     <a:p>
                       <a:r>
-                        <a:rPr lang="zh-CN" altLang="en-US" sz="1400" b="1">
+                        <a:rPr lang="zh-CN" altLang="en-US" sz="1400" b="1" dirty="0">
                           <a:effectLst/>
                         </a:rPr>
                         <a:t>方法</a:t>
                       </a:r>
-                      <a:endParaRPr lang="zh-CN" altLang="en-US" sz="1400">
+                      <a:endParaRPr lang="zh-CN" altLang="en-US" sz="1400" dirty="0">
                         <a:effectLst/>
                       </a:endParaRPr>
                     </a:p>
@@ -14900,7 +14893,7 @@
                 </a:tc>
                 <a:extLst>
                   <a:ext uri="{0D108BD9-81ED-4DB2-BD59-A6C34878D82A}">
-                    <a16:rowId xmlns:a16="http://schemas.microsoft.com/office/drawing/2014/main" val="3212651628"/>
+                    <a16:rowId xmlns="" xmlns:a16="http://schemas.microsoft.com/office/drawing/2014/main" val="3212651628"/>
                   </a:ext>
                 </a:extLst>
               </a:tr>
@@ -15070,7 +15063,7 @@
                 </a:tc>
                 <a:extLst>
                   <a:ext uri="{0D108BD9-81ED-4DB2-BD59-A6C34878D82A}">
-                    <a16:rowId xmlns:a16="http://schemas.microsoft.com/office/drawing/2014/main" val="1375289857"/>
+                    <a16:rowId xmlns="" xmlns:a16="http://schemas.microsoft.com/office/drawing/2014/main" val="1375289857"/>
                   </a:ext>
                 </a:extLst>
               </a:tr>
@@ -15240,7 +15233,7 @@
                 </a:tc>
                 <a:extLst>
                   <a:ext uri="{0D108BD9-81ED-4DB2-BD59-A6C34878D82A}">
-                    <a16:rowId xmlns:a16="http://schemas.microsoft.com/office/drawing/2014/main" val="1178053374"/>
+                    <a16:rowId xmlns="" xmlns:a16="http://schemas.microsoft.com/office/drawing/2014/main" val="1178053374"/>
                   </a:ext>
                 </a:extLst>
               </a:tr>
@@ -15410,37 +15403,47 @@
                 </a:tc>
                 <a:extLst>
                   <a:ext uri="{0D108BD9-81ED-4DB2-BD59-A6C34878D82A}">
-                    <a16:rowId xmlns:a16="http://schemas.microsoft.com/office/drawing/2014/main" val="446589305"/>
+                    <a16:rowId xmlns="" xmlns:a16="http://schemas.microsoft.com/office/drawing/2014/main" val="446589305"/>
                   </a:ext>
                 </a:extLst>
               </a:tr>
-              <a:tr h="657215">
+              <a:tr h="0">
                 <a:tc>
                   <a:txBody>
                     <a:bodyPr/>
                     <a:lstStyle/>
                     <a:p>
                       <a:r>
-                        <a:rPr lang="en-US" sz="1400" u="sng">
+                        <a:rPr lang="en-US" sz="1400" u="sng" dirty="0" err="1">
                           <a:solidFill>
                             <a:srgbClr val="00A19E"/>
                           </a:solidFill>
                           <a:effectLst/>
                           <a:hlinkClick r:id="rId5"/>
                         </a:rPr>
-                        <a:t>Splitter.on(Pattern)</a:t>
-                      </a:r>
-                      <a:r>
-                        <a:rPr lang="en-US" sz="1400" u="sng">
+                        <a:t>Splitter.on</a:t>
+                      </a:r>
+                      <a:r>
+                        <a:rPr lang="en-US" sz="1400" u="sng" dirty="0">
                           <a:solidFill>
                             <a:srgbClr val="00A19E"/>
                           </a:solidFill>
                           <a:effectLst/>
-                          <a:hlinkClick r:id="rId6"/>
-                        </a:rPr>
-                        <a:t>Splitter.onPattern(String)</a:t>
-                      </a:r>
-                      <a:endParaRPr lang="en-US" sz="1400">
+                          <a:hlinkClick r:id="rId5"/>
+                        </a:rPr>
+                        <a:t>(Pattern</a:t>
+                      </a:r>
+                      <a:r>
+                        <a:rPr lang="en-US" sz="1400" u="sng" dirty="0" smtClean="0">
+                          <a:solidFill>
+                            <a:srgbClr val="00A19E"/>
+                          </a:solidFill>
+                          <a:effectLst/>
+                          <a:hlinkClick r:id="rId5"/>
+                        </a:rPr>
+                        <a:t>)</a:t>
+                      </a:r>
+                      <a:endParaRPr lang="en-US" sz="1400" dirty="0">
                         <a:effectLst/>
                       </a:endParaRPr>
                     </a:p>
@@ -15590,7 +15593,7 @@
                 </a:tc>
                 <a:extLst>
                   <a:ext uri="{0D108BD9-81ED-4DB2-BD59-A6C34878D82A}">
-                    <a16:rowId xmlns:a16="http://schemas.microsoft.com/office/drawing/2014/main" val="705442257"/>
+                    <a16:rowId xmlns="" xmlns:a16="http://schemas.microsoft.com/office/drawing/2014/main" val="705442257"/>
                   </a:ext>
                 </a:extLst>
               </a:tr>
@@ -15606,7 +15609,7 @@
                             <a:srgbClr val="00A19E"/>
                           </a:solidFill>
                           <a:effectLst/>
-                          <a:hlinkClick r:id="rId7"/>
+                          <a:hlinkClick r:id="rId6"/>
                         </a:rPr>
                         <a:t>Splitter.fixedLength(int)</a:t>
                       </a:r>
@@ -15766,7 +15769,7 @@
                 </a:tc>
                 <a:extLst>
                   <a:ext uri="{0D108BD9-81ED-4DB2-BD59-A6C34878D82A}">
-                    <a16:rowId xmlns:a16="http://schemas.microsoft.com/office/drawing/2014/main" val="1043559880"/>
+                    <a16:rowId xmlns="" xmlns:a16="http://schemas.microsoft.com/office/drawing/2014/main" val="1043559880"/>
                   </a:ext>
                 </a:extLst>
               </a:tr>
@@ -15961,14 +15964,14 @@
                 <a:gridCol w="2755900">
                   <a:extLst>
                     <a:ext uri="{9D8B030D-6E8A-4147-A177-3AD203B41FA5}">
-                      <a16:colId xmlns:a16="http://schemas.microsoft.com/office/drawing/2014/main" val="1243619601"/>
+                      <a16:colId xmlns="" xmlns:a16="http://schemas.microsoft.com/office/drawing/2014/main" val="1243619601"/>
                     </a:ext>
                   </a:extLst>
                 </a:gridCol>
                 <a:gridCol w="5511800">
                   <a:extLst>
                     <a:ext uri="{9D8B030D-6E8A-4147-A177-3AD203B41FA5}">
-                      <a16:colId xmlns:a16="http://schemas.microsoft.com/office/drawing/2014/main" val="3480460751"/>
+                      <a16:colId xmlns="" xmlns:a16="http://schemas.microsoft.com/office/drawing/2014/main" val="3480460751"/>
                     </a:ext>
                   </a:extLst>
                 </a:gridCol>
@@ -16086,7 +16089,7 @@
                 </a:tc>
                 <a:extLst>
                   <a:ext uri="{0D108BD9-81ED-4DB2-BD59-A6C34878D82A}">
-                    <a16:rowId xmlns:a16="http://schemas.microsoft.com/office/drawing/2014/main" val="1258159648"/>
+                    <a16:rowId xmlns="" xmlns:a16="http://schemas.microsoft.com/office/drawing/2014/main" val="1258159648"/>
                   </a:ext>
                 </a:extLst>
               </a:tr>
@@ -16204,7 +16207,7 @@
                 </a:tc>
                 <a:extLst>
                   <a:ext uri="{0D108BD9-81ED-4DB2-BD59-A6C34878D82A}">
-                    <a16:rowId xmlns:a16="http://schemas.microsoft.com/office/drawing/2014/main" val="1474797715"/>
+                    <a16:rowId xmlns="" xmlns:a16="http://schemas.microsoft.com/office/drawing/2014/main" val="1474797715"/>
                   </a:ext>
                 </a:extLst>
               </a:tr>
@@ -16322,7 +16325,7 @@
                 </a:tc>
                 <a:extLst>
                   <a:ext uri="{0D108BD9-81ED-4DB2-BD59-A6C34878D82A}">
-                    <a16:rowId xmlns:a16="http://schemas.microsoft.com/office/drawing/2014/main" val="3019963444"/>
+                    <a16:rowId xmlns="" xmlns:a16="http://schemas.microsoft.com/office/drawing/2014/main" val="3019963444"/>
                   </a:ext>
                 </a:extLst>
               </a:tr>
@@ -16440,7 +16443,7 @@
                 </a:tc>
                 <a:extLst>
                   <a:ext uri="{0D108BD9-81ED-4DB2-BD59-A6C34878D82A}">
-                    <a16:rowId xmlns:a16="http://schemas.microsoft.com/office/drawing/2014/main" val="2345637044"/>
+                    <a16:rowId xmlns="" xmlns:a16="http://schemas.microsoft.com/office/drawing/2014/main" val="2345637044"/>
                   </a:ext>
                 </a:extLst>
               </a:tr>
@@ -16578,7 +16581,7 @@
                 </a:tc>
                 <a:extLst>
                   <a:ext uri="{0D108BD9-81ED-4DB2-BD59-A6C34878D82A}">
-                    <a16:rowId xmlns:a16="http://schemas.microsoft.com/office/drawing/2014/main" val="3870459295"/>
+                    <a16:rowId xmlns="" xmlns:a16="http://schemas.microsoft.com/office/drawing/2014/main" val="3870459295"/>
                   </a:ext>
                 </a:extLst>
               </a:tr>
@@ -17422,6 +17425,81 @@
           </a:p>
         </p:txBody>
       </p:sp>
+      <p:sp>
+        <p:nvSpPr>
+          <p:cNvPr id="4" name="TextBox 2"/>
+          <p:cNvSpPr txBox="1"/>
+          <p:nvPr/>
+        </p:nvSpPr>
+        <p:spPr bwMode="auto">
+          <a:xfrm>
+            <a:off x="990600" y="2514600"/>
+            <a:ext cx="7028584" cy="923330"/>
+          </a:xfrm>
+          <a:prstGeom prst="rect">
+            <a:avLst/>
+          </a:prstGeom>
+          <a:noFill/>
+          <a:ln w="9525">
+            <a:noFill/>
+            <a:miter lim="800000"/>
+            <a:headEnd/>
+            <a:tailEnd/>
+          </a:ln>
+        </p:spPr>
+        <p:txBody>
+          <a:bodyPr wrap="square" rtlCol="0">
+            <a:spAutoFit/>
+          </a:bodyPr>
+          <a:lstStyle/>
+          <a:p>
+            <a:r>
+              <a:rPr lang="zh-CN" altLang="en-US" dirty="0"/>
+              <a:t>然而使用</a:t>
+            </a:r>
+            <a:r>
+              <a:rPr lang="en-US" altLang="zh-CN" dirty="0" err="1"/>
+              <a:t>CharMatcher</a:t>
+            </a:r>
+            <a:r>
+              <a:rPr lang="zh-CN" altLang="en-US" dirty="0"/>
+              <a:t>的好处更在于它提供了一系列方法，让你对字符作特定类型的操作：修剪</a:t>
+            </a:r>
+            <a:r>
+              <a:rPr lang="en-US" altLang="zh-CN" dirty="0"/>
+              <a:t>[trim]</a:t>
+            </a:r>
+            <a:r>
+              <a:rPr lang="zh-CN" altLang="en-US" dirty="0"/>
+              <a:t>、折叠</a:t>
+            </a:r>
+            <a:r>
+              <a:rPr lang="en-US" altLang="zh-CN" dirty="0"/>
+              <a:t>[collapse]</a:t>
+            </a:r>
+            <a:r>
+              <a:rPr lang="zh-CN" altLang="en-US" dirty="0"/>
+              <a:t>、移除</a:t>
+            </a:r>
+            <a:r>
+              <a:rPr lang="en-US" altLang="zh-CN" dirty="0"/>
+              <a:t>[remove]</a:t>
+            </a:r>
+            <a:r>
+              <a:rPr lang="zh-CN" altLang="en-US" dirty="0"/>
+              <a:t>、保留</a:t>
+            </a:r>
+            <a:r>
+              <a:rPr lang="en-US" altLang="zh-CN" dirty="0"/>
+              <a:t>[retain]</a:t>
+            </a:r>
+            <a:r>
+              <a:rPr lang="zh-CN" altLang="en-US" dirty="0"/>
+              <a:t>等等。</a:t>
+            </a:r>
+          </a:p>
+        </p:txBody>
+      </p:sp>
     </p:spTree>
     <p:extLst>
       <p:ext uri="{BB962C8B-B14F-4D97-AF65-F5344CB8AC3E}">
@@ -17443,6 +17521,2062 @@
 </file>
 
 <file path=ppt/slides/slide42.xml><?xml version="1.0" encoding="utf-8"?>
+<p:sld xmlns:a="http://schemas.openxmlformats.org/drawingml/2006/main" xmlns:r="http://schemas.openxmlformats.org/officeDocument/2006/relationships" xmlns:p="http://schemas.openxmlformats.org/presentationml/2006/main">
+  <p:cSld>
+    <p:spTree>
+      <p:nvGrpSpPr>
+        <p:cNvPr id="1" name=""/>
+        <p:cNvGrpSpPr/>
+        <p:nvPr/>
+      </p:nvGrpSpPr>
+      <p:grpSpPr>
+        <a:xfrm>
+          <a:off x="0" y="0"/>
+          <a:ext cx="0" cy="0"/>
+          <a:chOff x="0" y="0"/>
+          <a:chExt cx="0" cy="0"/>
+        </a:xfrm>
+      </p:grpSpPr>
+      <p:sp>
+        <p:nvSpPr>
+          <p:cNvPr id="6" name="TextBox 5"/>
+          <p:cNvSpPr txBox="1"/>
+          <p:nvPr/>
+        </p:nvSpPr>
+        <p:spPr bwMode="auto">
+          <a:xfrm>
+            <a:off x="743816" y="457200"/>
+            <a:ext cx="1303562" cy="523220"/>
+          </a:xfrm>
+          <a:prstGeom prst="rect">
+            <a:avLst/>
+          </a:prstGeom>
+          <a:noFill/>
+          <a:ln w="9525">
+            <a:noFill/>
+            <a:miter lim="800000"/>
+            <a:headEnd/>
+            <a:tailEnd/>
+          </a:ln>
+        </p:spPr>
+        <p:txBody>
+          <a:bodyPr wrap="none" rtlCol="0">
+            <a:spAutoFit/>
+          </a:bodyPr>
+          <a:lstStyle/>
+          <a:p>
+            <a:r>
+              <a:rPr lang="en-US" altLang="zh-CN" sz="2800" dirty="0" smtClean="0"/>
+              <a:t>Strings</a:t>
+            </a:r>
+            <a:endParaRPr lang="en-US" altLang="zh-CN" sz="2800" dirty="0"/>
+          </a:p>
+        </p:txBody>
+      </p:sp>
+      <p:sp>
+        <p:nvSpPr>
+          <p:cNvPr id="3" name="TextBox 2"/>
+          <p:cNvSpPr txBox="1"/>
+          <p:nvPr/>
+        </p:nvSpPr>
+        <p:spPr bwMode="auto">
+          <a:xfrm>
+            <a:off x="728576" y="1295400"/>
+            <a:ext cx="7028584" cy="369332"/>
+          </a:xfrm>
+          <a:prstGeom prst="rect">
+            <a:avLst/>
+          </a:prstGeom>
+          <a:noFill/>
+          <a:ln w="9525">
+            <a:noFill/>
+            <a:miter lim="800000"/>
+            <a:headEnd/>
+            <a:tailEnd/>
+          </a:ln>
+        </p:spPr>
+        <p:txBody>
+          <a:bodyPr wrap="square" rtlCol="0">
+            <a:spAutoFit/>
+          </a:bodyPr>
+          <a:lstStyle/>
+          <a:p>
+            <a:r>
+              <a:rPr lang="zh-CN" altLang="en-US" dirty="0"/>
+              <a:t>获取字符匹配器的常见方法包括：</a:t>
+            </a:r>
+            <a:endParaRPr lang="zh-CN" altLang="en-US" dirty="0"/>
+          </a:p>
+        </p:txBody>
+      </p:sp>
+      <p:graphicFrame>
+        <p:nvGraphicFramePr>
+          <p:cNvPr id="4" name="表格 3"/>
+          <p:cNvGraphicFramePr>
+            <a:graphicFrameLocks noGrp="1"/>
+          </p:cNvGraphicFramePr>
+          <p:nvPr>
+            <p:extLst>
+              <p:ext uri="{D42A27DB-BD31-4B8C-83A1-F6EECF244321}">
+                <p14:modId xmlns:p14="http://schemas.microsoft.com/office/powerpoint/2010/main" val="2210563446"/>
+              </p:ext>
+            </p:extLst>
+          </p:nvPr>
+        </p:nvGraphicFramePr>
+        <p:xfrm>
+          <a:off x="743816" y="1752600"/>
+          <a:ext cx="7028584" cy="4091671"/>
+        </p:xfrm>
+        <a:graphic>
+          <a:graphicData uri="http://schemas.openxmlformats.org/drawingml/2006/table">
+            <a:tbl>
+              <a:tblPr/>
+              <a:tblGrid>
+                <a:gridCol w="1860508"/>
+                <a:gridCol w="5168076"/>
+              </a:tblGrid>
+              <a:tr h="612397">
+                <a:tc>
+                  <a:txBody>
+                    <a:bodyPr/>
+                    <a:lstStyle/>
+                    <a:p>
+                      <a:r>
+                        <a:rPr lang="zh-CN" altLang="en-US" b="1" dirty="0">
+                          <a:effectLst/>
+                        </a:rPr>
+                        <a:t>方法</a:t>
+                      </a:r>
+                      <a:endParaRPr lang="zh-CN" altLang="en-US" dirty="0">
+                        <a:effectLst/>
+                      </a:endParaRPr>
+                    </a:p>
+                  </a:txBody>
+                  <a:tcPr marL="142875" marR="142875" marT="142875" marB="142875" anchor="ctr">
+                    <a:lnL w="9525" cap="flat" cmpd="sng" algn="ctr">
+                      <a:solidFill>
+                        <a:srgbClr val="CCCCCC"/>
+                      </a:solidFill>
+                      <a:prstDash val="solid"/>
+                      <a:round/>
+                      <a:headEnd type="none" w="med" len="med"/>
+                      <a:tailEnd type="none" w="med" len="med"/>
+                    </a:lnL>
+                    <a:lnR w="9525" cap="flat" cmpd="sng" algn="ctr">
+                      <a:solidFill>
+                        <a:srgbClr val="CCCCCC"/>
+                      </a:solidFill>
+                      <a:prstDash val="solid"/>
+                      <a:round/>
+                      <a:headEnd type="none" w="med" len="med"/>
+                      <a:tailEnd type="none" w="med" len="med"/>
+                    </a:lnR>
+                    <a:lnT w="9525" cap="flat" cmpd="sng" algn="ctr">
+                      <a:solidFill>
+                        <a:srgbClr val="CCCCCC"/>
+                      </a:solidFill>
+                      <a:prstDash val="solid"/>
+                      <a:round/>
+                      <a:headEnd type="none" w="med" len="med"/>
+                      <a:tailEnd type="none" w="med" len="med"/>
+                    </a:lnT>
+                    <a:lnB w="9525" cap="flat" cmpd="sng" algn="ctr">
+                      <a:solidFill>
+                        <a:srgbClr val="CCCCCC"/>
+                      </a:solidFill>
+                      <a:prstDash val="solid"/>
+                      <a:round/>
+                      <a:headEnd type="none" w="med" len="med"/>
+                      <a:tailEnd type="none" w="med" len="med"/>
+                    </a:lnB>
+                  </a:tcPr>
+                </a:tc>
+                <a:tc>
+                  <a:txBody>
+                    <a:bodyPr/>
+                    <a:lstStyle/>
+                    <a:p>
+                      <a:r>
+                        <a:rPr lang="zh-CN" altLang="en-US" b="1" dirty="0" smtClean="0">
+                          <a:effectLst/>
+                        </a:rPr>
+                        <a:t>描述</a:t>
+                      </a:r>
+                      <a:endParaRPr lang="zh-CN" altLang="en-US" dirty="0">
+                        <a:effectLst/>
+                      </a:endParaRPr>
+                    </a:p>
+                  </a:txBody>
+                  <a:tcPr marL="142875" marR="142875" marT="142875" marB="142875" anchor="ctr">
+                    <a:lnL w="9525" cap="flat" cmpd="sng" algn="ctr">
+                      <a:solidFill>
+                        <a:srgbClr val="CCCCCC"/>
+                      </a:solidFill>
+                      <a:prstDash val="solid"/>
+                      <a:round/>
+                      <a:headEnd type="none" w="med" len="med"/>
+                      <a:tailEnd type="none" w="med" len="med"/>
+                    </a:lnL>
+                    <a:lnR w="9525" cap="flat" cmpd="sng" algn="ctr">
+                      <a:solidFill>
+                        <a:srgbClr val="CCCCCC"/>
+                      </a:solidFill>
+                      <a:prstDash val="solid"/>
+                      <a:round/>
+                      <a:headEnd type="none" w="med" len="med"/>
+                      <a:tailEnd type="none" w="med" len="med"/>
+                    </a:lnR>
+                    <a:lnT w="9525" cap="flat" cmpd="sng" algn="ctr">
+                      <a:solidFill>
+                        <a:srgbClr val="CCCCCC"/>
+                      </a:solidFill>
+                      <a:prstDash val="solid"/>
+                      <a:round/>
+                      <a:headEnd type="none" w="med" len="med"/>
+                      <a:tailEnd type="none" w="med" len="med"/>
+                    </a:lnT>
+                    <a:lnB w="9525" cap="flat" cmpd="sng" algn="ctr">
+                      <a:solidFill>
+                        <a:srgbClr val="CCCCCC"/>
+                      </a:solidFill>
+                      <a:prstDash val="solid"/>
+                      <a:round/>
+                      <a:headEnd type="none" w="med" len="med"/>
+                      <a:tailEnd type="none" w="med" len="med"/>
+                    </a:lnB>
+                  </a:tcPr>
+                </a:tc>
+              </a:tr>
+              <a:tr h="912347">
+                <a:tc>
+                  <a:txBody>
+                    <a:bodyPr/>
+                    <a:lstStyle/>
+                    <a:p>
+                      <a:r>
+                        <a:rPr lang="en-US" sz="1800" kern="1200" dirty="0" err="1" smtClean="0">
+                          <a:solidFill>
+                            <a:schemeClr val="tx1"/>
+                          </a:solidFill>
+                          <a:effectLst/>
+                          <a:latin typeface="+mn-lt"/>
+                          <a:ea typeface="+mn-ea"/>
+                          <a:cs typeface="+mn-cs"/>
+                        </a:rPr>
+                        <a:t>anyOf</a:t>
+                      </a:r>
+                      <a:r>
+                        <a:rPr lang="en-US" sz="1800" kern="1200" dirty="0" smtClean="0">
+                          <a:solidFill>
+                            <a:schemeClr val="tx1"/>
+                          </a:solidFill>
+                          <a:effectLst/>
+                          <a:latin typeface="+mn-lt"/>
+                          <a:ea typeface="+mn-ea"/>
+                          <a:cs typeface="+mn-cs"/>
+                        </a:rPr>
+                        <a:t>(</a:t>
+                      </a:r>
+                      <a:r>
+                        <a:rPr lang="en-US" sz="1800" kern="1200" dirty="0" err="1" smtClean="0">
+                          <a:solidFill>
+                            <a:schemeClr val="tx1"/>
+                          </a:solidFill>
+                          <a:effectLst/>
+                          <a:latin typeface="+mn-lt"/>
+                          <a:ea typeface="+mn-ea"/>
+                          <a:cs typeface="+mn-cs"/>
+                        </a:rPr>
+                        <a:t>CharSequence</a:t>
+                      </a:r>
+                      <a:r>
+                        <a:rPr lang="en-US" sz="1800" kern="1200" dirty="0" smtClean="0">
+                          <a:solidFill>
+                            <a:schemeClr val="tx1"/>
+                          </a:solidFill>
+                          <a:effectLst/>
+                          <a:latin typeface="+mn-lt"/>
+                          <a:ea typeface="+mn-ea"/>
+                          <a:cs typeface="+mn-cs"/>
+                        </a:rPr>
+                        <a:t>)</a:t>
+                      </a:r>
+                      <a:endParaRPr lang="en-US" sz="1800" kern="1200" dirty="0">
+                        <a:solidFill>
+                          <a:schemeClr val="tx1"/>
+                        </a:solidFill>
+                        <a:effectLst/>
+                        <a:latin typeface="+mn-lt"/>
+                        <a:ea typeface="+mn-ea"/>
+                        <a:cs typeface="+mn-cs"/>
+                      </a:endParaRPr>
+                    </a:p>
+                  </a:txBody>
+                  <a:tcPr marL="142875" marR="142875" marT="142875" marB="142875" anchor="ctr">
+                    <a:lnL w="9525" cap="flat" cmpd="sng" algn="ctr">
+                      <a:solidFill>
+                        <a:srgbClr val="CCCCCC"/>
+                      </a:solidFill>
+                      <a:prstDash val="solid"/>
+                      <a:round/>
+                      <a:headEnd type="none" w="med" len="med"/>
+                      <a:tailEnd type="none" w="med" len="med"/>
+                    </a:lnL>
+                    <a:lnR w="9525" cap="flat" cmpd="sng" algn="ctr">
+                      <a:solidFill>
+                        <a:srgbClr val="CCCCCC"/>
+                      </a:solidFill>
+                      <a:prstDash val="solid"/>
+                      <a:round/>
+                      <a:headEnd type="none" w="med" len="med"/>
+                      <a:tailEnd type="none" w="med" len="med"/>
+                    </a:lnR>
+                    <a:lnT w="9525" cap="flat" cmpd="sng" algn="ctr">
+                      <a:solidFill>
+                        <a:srgbClr val="CCCCCC"/>
+                      </a:solidFill>
+                      <a:prstDash val="solid"/>
+                      <a:round/>
+                      <a:headEnd type="none" w="med" len="med"/>
+                      <a:tailEnd type="none" w="med" len="med"/>
+                    </a:lnT>
+                    <a:lnB w="9525" cap="flat" cmpd="sng" algn="ctr">
+                      <a:solidFill>
+                        <a:srgbClr val="CCCCCC"/>
+                      </a:solidFill>
+                      <a:prstDash val="solid"/>
+                      <a:round/>
+                      <a:headEnd type="none" w="med" len="med"/>
+                      <a:tailEnd type="none" w="med" len="med"/>
+                    </a:lnB>
+                  </a:tcPr>
+                </a:tc>
+                <a:tc>
+                  <a:txBody>
+                    <a:bodyPr/>
+                    <a:lstStyle/>
+                    <a:p>
+                      <a:r>
+                        <a:rPr lang="zh-CN" altLang="en-US">
+                          <a:effectLst/>
+                        </a:rPr>
+                        <a:t>枚举匹配字符。如</a:t>
+                      </a:r>
+                      <a:r>
+                        <a:rPr lang="en-US">
+                          <a:effectLst/>
+                        </a:rPr>
+                        <a:t>CharMatcher.anyOf(“aeiou”)</a:t>
+                      </a:r>
+                      <a:r>
+                        <a:rPr lang="zh-CN" altLang="en-US">
+                          <a:effectLst/>
+                        </a:rPr>
+                        <a:t>匹配小写英语元音</a:t>
+                      </a:r>
+                    </a:p>
+                  </a:txBody>
+                  <a:tcPr marL="142875" marR="142875" marT="142875" marB="142875" anchor="ctr">
+                    <a:lnL w="9525" cap="flat" cmpd="sng" algn="ctr">
+                      <a:solidFill>
+                        <a:srgbClr val="CCCCCC"/>
+                      </a:solidFill>
+                      <a:prstDash val="solid"/>
+                      <a:round/>
+                      <a:headEnd type="none" w="med" len="med"/>
+                      <a:tailEnd type="none" w="med" len="med"/>
+                    </a:lnL>
+                    <a:lnR w="9525" cap="flat" cmpd="sng" algn="ctr">
+                      <a:solidFill>
+                        <a:srgbClr val="CCCCCC"/>
+                      </a:solidFill>
+                      <a:prstDash val="solid"/>
+                      <a:round/>
+                      <a:headEnd type="none" w="med" len="med"/>
+                      <a:tailEnd type="none" w="med" len="med"/>
+                    </a:lnR>
+                    <a:lnT w="9525" cap="flat" cmpd="sng" algn="ctr">
+                      <a:solidFill>
+                        <a:srgbClr val="CCCCCC"/>
+                      </a:solidFill>
+                      <a:prstDash val="solid"/>
+                      <a:round/>
+                      <a:headEnd type="none" w="med" len="med"/>
+                      <a:tailEnd type="none" w="med" len="med"/>
+                    </a:lnT>
+                    <a:lnB w="9525" cap="flat" cmpd="sng" algn="ctr">
+                      <a:solidFill>
+                        <a:srgbClr val="CCCCCC"/>
+                      </a:solidFill>
+                      <a:prstDash val="solid"/>
+                      <a:round/>
+                      <a:headEnd type="none" w="med" len="med"/>
+                      <a:tailEnd type="none" w="med" len="med"/>
+                    </a:lnB>
+                  </a:tcPr>
+                </a:tc>
+              </a:tr>
+              <a:tr h="612397">
+                <a:tc>
+                  <a:txBody>
+                    <a:bodyPr/>
+                    <a:lstStyle/>
+                    <a:p>
+                      <a:r>
+                        <a:rPr lang="en-US" sz="1800" kern="1200" dirty="0" smtClean="0">
+                          <a:solidFill>
+                            <a:schemeClr val="tx1"/>
+                          </a:solidFill>
+                          <a:effectLst/>
+                          <a:latin typeface="+mn-lt"/>
+                          <a:ea typeface="+mn-ea"/>
+                          <a:cs typeface="+mn-cs"/>
+                        </a:rPr>
+                        <a:t>is(char)</a:t>
+                      </a:r>
+                    </a:p>
+                  </a:txBody>
+                  <a:tcPr marL="142875" marR="142875" marT="142875" marB="142875" anchor="ctr">
+                    <a:lnL w="9525" cap="flat" cmpd="sng" algn="ctr">
+                      <a:solidFill>
+                        <a:srgbClr val="CCCCCC"/>
+                      </a:solidFill>
+                      <a:prstDash val="solid"/>
+                      <a:round/>
+                      <a:headEnd type="none" w="med" len="med"/>
+                      <a:tailEnd type="none" w="med" len="med"/>
+                    </a:lnL>
+                    <a:lnR w="9525" cap="flat" cmpd="sng" algn="ctr">
+                      <a:solidFill>
+                        <a:srgbClr val="CCCCCC"/>
+                      </a:solidFill>
+                      <a:prstDash val="solid"/>
+                      <a:round/>
+                      <a:headEnd type="none" w="med" len="med"/>
+                      <a:tailEnd type="none" w="med" len="med"/>
+                    </a:lnR>
+                    <a:lnT w="9525" cap="flat" cmpd="sng" algn="ctr">
+                      <a:solidFill>
+                        <a:srgbClr val="CCCCCC"/>
+                      </a:solidFill>
+                      <a:prstDash val="solid"/>
+                      <a:round/>
+                      <a:headEnd type="none" w="med" len="med"/>
+                      <a:tailEnd type="none" w="med" len="med"/>
+                    </a:lnT>
+                    <a:lnB w="9525" cap="flat" cmpd="sng" algn="ctr">
+                      <a:solidFill>
+                        <a:srgbClr val="CCCCCC"/>
+                      </a:solidFill>
+                      <a:prstDash val="solid"/>
+                      <a:round/>
+                      <a:headEnd type="none" w="med" len="med"/>
+                      <a:tailEnd type="none" w="med" len="med"/>
+                    </a:lnB>
+                  </a:tcPr>
+                </a:tc>
+                <a:tc>
+                  <a:txBody>
+                    <a:bodyPr/>
+                    <a:lstStyle/>
+                    <a:p>
+                      <a:r>
+                        <a:rPr lang="zh-CN" altLang="en-US" dirty="0">
+                          <a:effectLst/>
+                        </a:rPr>
+                        <a:t>给定单一字符匹配。</a:t>
+                      </a:r>
+                    </a:p>
+                  </a:txBody>
+                  <a:tcPr marL="142875" marR="142875" marT="142875" marB="142875" anchor="ctr">
+                    <a:lnL w="9525" cap="flat" cmpd="sng" algn="ctr">
+                      <a:solidFill>
+                        <a:srgbClr val="CCCCCC"/>
+                      </a:solidFill>
+                      <a:prstDash val="solid"/>
+                      <a:round/>
+                      <a:headEnd type="none" w="med" len="med"/>
+                      <a:tailEnd type="none" w="med" len="med"/>
+                    </a:lnL>
+                    <a:lnR w="9525" cap="flat" cmpd="sng" algn="ctr">
+                      <a:solidFill>
+                        <a:srgbClr val="CCCCCC"/>
+                      </a:solidFill>
+                      <a:prstDash val="solid"/>
+                      <a:round/>
+                      <a:headEnd type="none" w="med" len="med"/>
+                      <a:tailEnd type="none" w="med" len="med"/>
+                    </a:lnR>
+                    <a:lnT w="9525" cap="flat" cmpd="sng" algn="ctr">
+                      <a:solidFill>
+                        <a:srgbClr val="CCCCCC"/>
+                      </a:solidFill>
+                      <a:prstDash val="solid"/>
+                      <a:round/>
+                      <a:headEnd type="none" w="med" len="med"/>
+                      <a:tailEnd type="none" w="med" len="med"/>
+                    </a:lnT>
+                    <a:lnB w="9525" cap="flat" cmpd="sng" algn="ctr">
+                      <a:solidFill>
+                        <a:srgbClr val="CCCCCC"/>
+                      </a:solidFill>
+                      <a:prstDash val="solid"/>
+                      <a:round/>
+                      <a:headEnd type="none" w="med" len="med"/>
+                      <a:tailEnd type="none" w="med" len="med"/>
+                    </a:lnB>
+                  </a:tcPr>
+                </a:tc>
+              </a:tr>
+              <a:tr h="0">
+                <a:tc>
+                  <a:txBody>
+                    <a:bodyPr/>
+                    <a:lstStyle/>
+                    <a:p>
+                      <a:r>
+                        <a:rPr lang="en-US" sz="1800" kern="1200" dirty="0" err="1" smtClean="0">
+                          <a:solidFill>
+                            <a:schemeClr val="tx1"/>
+                          </a:solidFill>
+                          <a:effectLst/>
+                          <a:latin typeface="+mn-lt"/>
+                          <a:ea typeface="+mn-ea"/>
+                          <a:cs typeface="+mn-cs"/>
+                        </a:rPr>
+                        <a:t>inRange</a:t>
+                      </a:r>
+                      <a:r>
+                        <a:rPr lang="en-US" sz="1800" kern="1200" dirty="0" smtClean="0">
+                          <a:solidFill>
+                            <a:schemeClr val="tx1"/>
+                          </a:solidFill>
+                          <a:effectLst/>
+                          <a:latin typeface="+mn-lt"/>
+                          <a:ea typeface="+mn-ea"/>
+                          <a:cs typeface="+mn-cs"/>
+                        </a:rPr>
+                        <a:t>(char, char)</a:t>
+                      </a:r>
+                    </a:p>
+                  </a:txBody>
+                  <a:tcPr marL="142875" marR="142875" marT="142875" marB="142875" anchor="ctr">
+                    <a:lnL w="9525" cap="flat" cmpd="sng" algn="ctr">
+                      <a:solidFill>
+                        <a:srgbClr val="CCCCCC"/>
+                      </a:solidFill>
+                      <a:prstDash val="solid"/>
+                      <a:round/>
+                      <a:headEnd type="none" w="med" len="med"/>
+                      <a:tailEnd type="none" w="med" len="med"/>
+                    </a:lnL>
+                    <a:lnR w="9525" cap="flat" cmpd="sng" algn="ctr">
+                      <a:solidFill>
+                        <a:srgbClr val="CCCCCC"/>
+                      </a:solidFill>
+                      <a:prstDash val="solid"/>
+                      <a:round/>
+                      <a:headEnd type="none" w="med" len="med"/>
+                      <a:tailEnd type="none" w="med" len="med"/>
+                    </a:lnR>
+                    <a:lnT w="9525" cap="flat" cmpd="sng" algn="ctr">
+                      <a:solidFill>
+                        <a:srgbClr val="CCCCCC"/>
+                      </a:solidFill>
+                      <a:prstDash val="solid"/>
+                      <a:round/>
+                      <a:headEnd type="none" w="med" len="med"/>
+                      <a:tailEnd type="none" w="med" len="med"/>
+                    </a:lnT>
+                    <a:lnB w="9525" cap="flat" cmpd="sng" algn="ctr">
+                      <a:solidFill>
+                        <a:srgbClr val="CCCCCC"/>
+                      </a:solidFill>
+                      <a:prstDash val="solid"/>
+                      <a:round/>
+                      <a:headEnd type="none" w="med" len="med"/>
+                      <a:tailEnd type="none" w="med" len="med"/>
+                    </a:lnB>
+                  </a:tcPr>
+                </a:tc>
+                <a:tc>
+                  <a:txBody>
+                    <a:bodyPr/>
+                    <a:lstStyle/>
+                    <a:p>
+                      <a:r>
+                        <a:rPr lang="zh-CN" altLang="en-US" dirty="0">
+                          <a:effectLst/>
+                        </a:rPr>
+                        <a:t>给定字符范围匹配，如</a:t>
+                      </a:r>
+                      <a:r>
+                        <a:rPr lang="en-US" dirty="0" err="1">
+                          <a:effectLst/>
+                        </a:rPr>
+                        <a:t>CharMatcher.inRange</a:t>
+                      </a:r>
+                      <a:r>
+                        <a:rPr lang="en-US" dirty="0">
+                          <a:effectLst/>
+                        </a:rPr>
+                        <a:t>(‘a’, ‘z</a:t>
+                      </a:r>
+                      <a:r>
+                        <a:rPr lang="en-US" dirty="0" smtClean="0">
+                          <a:effectLst/>
+                        </a:rPr>
+                        <a:t>’)</a:t>
+                      </a:r>
+                      <a:endParaRPr lang="en-US" dirty="0">
+                        <a:effectLst/>
+                      </a:endParaRPr>
+                    </a:p>
+                  </a:txBody>
+                  <a:tcPr marL="142875" marR="142875" marT="142875" marB="142875" anchor="ctr">
+                    <a:lnL w="9525" cap="flat" cmpd="sng" algn="ctr">
+                      <a:solidFill>
+                        <a:srgbClr val="CCCCCC"/>
+                      </a:solidFill>
+                      <a:prstDash val="solid"/>
+                      <a:round/>
+                      <a:headEnd type="none" w="med" len="med"/>
+                      <a:tailEnd type="none" w="med" len="med"/>
+                    </a:lnL>
+                    <a:lnR w="9525" cap="flat" cmpd="sng" algn="ctr">
+                      <a:solidFill>
+                        <a:srgbClr val="CCCCCC"/>
+                      </a:solidFill>
+                      <a:prstDash val="solid"/>
+                      <a:round/>
+                      <a:headEnd type="none" w="med" len="med"/>
+                      <a:tailEnd type="none" w="med" len="med"/>
+                    </a:lnR>
+                    <a:lnT w="9525" cap="flat" cmpd="sng" algn="ctr">
+                      <a:solidFill>
+                        <a:srgbClr val="CCCCCC"/>
+                      </a:solidFill>
+                      <a:prstDash val="solid"/>
+                      <a:round/>
+                      <a:headEnd type="none" w="med" len="med"/>
+                      <a:tailEnd type="none" w="med" len="med"/>
+                    </a:lnT>
+                    <a:lnB w="9525" cap="flat" cmpd="sng" algn="ctr">
+                      <a:solidFill>
+                        <a:srgbClr val="CCCCCC"/>
+                      </a:solidFill>
+                      <a:prstDash val="solid"/>
+                      <a:round/>
+                      <a:headEnd type="none" w="med" len="med"/>
+                      <a:tailEnd type="none" w="med" len="med"/>
+                    </a:lnB>
+                  </a:tcPr>
+                </a:tc>
+              </a:tr>
+              <a:tr h="0">
+                <a:tc>
+                  <a:txBody>
+                    <a:bodyPr/>
+                    <a:lstStyle/>
+                    <a:p>
+                      <a:r>
+                        <a:rPr lang="en-US" altLang="zh-CN" sz="1800" kern="1200" dirty="0" smtClean="0">
+                          <a:solidFill>
+                            <a:schemeClr val="tx1"/>
+                          </a:solidFill>
+                          <a:effectLst/>
+                          <a:latin typeface="+mn-lt"/>
+                          <a:ea typeface="+mn-ea"/>
+                          <a:cs typeface="+mn-cs"/>
+                        </a:rPr>
+                        <a:t>whitespace()</a:t>
+                      </a:r>
+                      <a:endParaRPr lang="en-US" sz="1800" kern="1200" dirty="0">
+                        <a:solidFill>
+                          <a:schemeClr val="tx1"/>
+                        </a:solidFill>
+                        <a:effectLst/>
+                        <a:latin typeface="+mn-lt"/>
+                        <a:ea typeface="+mn-ea"/>
+                        <a:cs typeface="+mn-cs"/>
+                      </a:endParaRPr>
+                    </a:p>
+                  </a:txBody>
+                  <a:tcPr marL="142875" marR="142875" marT="142875" marB="142875" anchor="ctr">
+                    <a:lnL w="9525" cap="flat" cmpd="sng" algn="ctr">
+                      <a:solidFill>
+                        <a:srgbClr val="CCCCCC"/>
+                      </a:solidFill>
+                      <a:prstDash val="solid"/>
+                      <a:round/>
+                      <a:headEnd type="none" w="med" len="med"/>
+                      <a:tailEnd type="none" w="med" len="med"/>
+                    </a:lnL>
+                    <a:lnR w="9525" cap="flat" cmpd="sng" algn="ctr">
+                      <a:solidFill>
+                        <a:srgbClr val="CCCCCC"/>
+                      </a:solidFill>
+                      <a:prstDash val="solid"/>
+                      <a:round/>
+                      <a:headEnd type="none" w="med" len="med"/>
+                      <a:tailEnd type="none" w="med" len="med"/>
+                    </a:lnR>
+                    <a:lnT w="9525" cap="flat" cmpd="sng" algn="ctr">
+                      <a:solidFill>
+                        <a:srgbClr val="CCCCCC"/>
+                      </a:solidFill>
+                      <a:prstDash val="solid"/>
+                      <a:round/>
+                      <a:headEnd type="none" w="med" len="med"/>
+                      <a:tailEnd type="none" w="med" len="med"/>
+                    </a:lnT>
+                    <a:lnB w="9525" cap="flat" cmpd="sng" algn="ctr">
+                      <a:solidFill>
+                        <a:srgbClr val="CCCCCC"/>
+                      </a:solidFill>
+                      <a:prstDash val="solid"/>
+                      <a:round/>
+                      <a:headEnd type="none" w="med" len="med"/>
+                      <a:tailEnd type="none" w="med" len="med"/>
+                    </a:lnB>
+                  </a:tcPr>
+                </a:tc>
+                <a:tc>
+                  <a:txBody>
+                    <a:bodyPr/>
+                    <a:lstStyle/>
+                    <a:p>
+                      <a:r>
+                        <a:rPr lang="zh-CN" altLang="en-US" dirty="0" smtClean="0">
+                          <a:effectLst/>
+                        </a:rPr>
+                        <a:t>空格匹配器</a:t>
+                      </a:r>
+                      <a:endParaRPr lang="en-US" dirty="0">
+                        <a:effectLst/>
+                      </a:endParaRPr>
+                    </a:p>
+                  </a:txBody>
+                  <a:tcPr marL="142875" marR="142875" marT="142875" marB="142875" anchor="ctr">
+                    <a:lnL w="9525" cap="flat" cmpd="sng" algn="ctr">
+                      <a:solidFill>
+                        <a:srgbClr val="CCCCCC"/>
+                      </a:solidFill>
+                      <a:prstDash val="solid"/>
+                      <a:round/>
+                      <a:headEnd type="none" w="med" len="med"/>
+                      <a:tailEnd type="none" w="med" len="med"/>
+                    </a:lnL>
+                    <a:lnR w="9525" cap="flat" cmpd="sng" algn="ctr">
+                      <a:solidFill>
+                        <a:srgbClr val="CCCCCC"/>
+                      </a:solidFill>
+                      <a:prstDash val="solid"/>
+                      <a:round/>
+                      <a:headEnd type="none" w="med" len="med"/>
+                      <a:tailEnd type="none" w="med" len="med"/>
+                    </a:lnR>
+                    <a:lnT w="9525" cap="flat" cmpd="sng" algn="ctr">
+                      <a:solidFill>
+                        <a:srgbClr val="CCCCCC"/>
+                      </a:solidFill>
+                      <a:prstDash val="solid"/>
+                      <a:round/>
+                      <a:headEnd type="none" w="med" len="med"/>
+                      <a:tailEnd type="none" w="med" len="med"/>
+                    </a:lnT>
+                    <a:lnB w="9525" cap="flat" cmpd="sng" algn="ctr">
+                      <a:solidFill>
+                        <a:srgbClr val="CCCCCC"/>
+                      </a:solidFill>
+                      <a:prstDash val="solid"/>
+                      <a:round/>
+                      <a:headEnd type="none" w="med" len="med"/>
+                      <a:tailEnd type="none" w="med" len="med"/>
+                    </a:lnB>
+                  </a:tcPr>
+                </a:tc>
+              </a:tr>
+              <a:tr h="0">
+                <a:tc>
+                  <a:txBody>
+                    <a:bodyPr/>
+                    <a:lstStyle/>
+                    <a:p>
+                      <a:r>
+                        <a:rPr lang="en-US" altLang="zh-CN" dirty="0" smtClean="0">
+                          <a:effectLst/>
+                        </a:rPr>
+                        <a:t>digit()</a:t>
+                      </a:r>
+                      <a:endParaRPr lang="en-US" dirty="0">
+                        <a:effectLst/>
+                      </a:endParaRPr>
+                    </a:p>
+                  </a:txBody>
+                  <a:tcPr marL="142875" marR="142875" marT="142875" marB="142875" anchor="ctr">
+                    <a:lnL w="9525" cap="flat" cmpd="sng" algn="ctr">
+                      <a:solidFill>
+                        <a:srgbClr val="CCCCCC"/>
+                      </a:solidFill>
+                      <a:prstDash val="solid"/>
+                      <a:round/>
+                      <a:headEnd type="none" w="med" len="med"/>
+                      <a:tailEnd type="none" w="med" len="med"/>
+                    </a:lnL>
+                    <a:lnR w="9525" cap="flat" cmpd="sng" algn="ctr">
+                      <a:solidFill>
+                        <a:srgbClr val="CCCCCC"/>
+                      </a:solidFill>
+                      <a:prstDash val="solid"/>
+                      <a:round/>
+                      <a:headEnd type="none" w="med" len="med"/>
+                      <a:tailEnd type="none" w="med" len="med"/>
+                    </a:lnR>
+                    <a:lnT w="9525" cap="flat" cmpd="sng" algn="ctr">
+                      <a:solidFill>
+                        <a:srgbClr val="CCCCCC"/>
+                      </a:solidFill>
+                      <a:prstDash val="solid"/>
+                      <a:round/>
+                      <a:headEnd type="none" w="med" len="med"/>
+                      <a:tailEnd type="none" w="med" len="med"/>
+                    </a:lnT>
+                    <a:lnB w="9525" cap="flat" cmpd="sng" algn="ctr">
+                      <a:solidFill>
+                        <a:srgbClr val="CCCCCC"/>
+                      </a:solidFill>
+                      <a:prstDash val="solid"/>
+                      <a:round/>
+                      <a:headEnd type="none" w="med" len="med"/>
+                      <a:tailEnd type="none" w="med" len="med"/>
+                    </a:lnB>
+                  </a:tcPr>
+                </a:tc>
+                <a:tc>
+                  <a:txBody>
+                    <a:bodyPr/>
+                    <a:lstStyle/>
+                    <a:p>
+                      <a:r>
+                        <a:rPr lang="zh-CN" altLang="en-US" dirty="0" smtClean="0">
+                          <a:effectLst/>
+                        </a:rPr>
+                        <a:t>数字匹配器</a:t>
+                      </a:r>
+                      <a:endParaRPr lang="en-US" dirty="0">
+                        <a:effectLst/>
+                      </a:endParaRPr>
+                    </a:p>
+                  </a:txBody>
+                  <a:tcPr marL="142875" marR="142875" marT="142875" marB="142875" anchor="ctr">
+                    <a:lnL w="9525" cap="flat" cmpd="sng" algn="ctr">
+                      <a:solidFill>
+                        <a:srgbClr val="CCCCCC"/>
+                      </a:solidFill>
+                      <a:prstDash val="solid"/>
+                      <a:round/>
+                      <a:headEnd type="none" w="med" len="med"/>
+                      <a:tailEnd type="none" w="med" len="med"/>
+                    </a:lnL>
+                    <a:lnR w="9525" cap="flat" cmpd="sng" algn="ctr">
+                      <a:solidFill>
+                        <a:srgbClr val="CCCCCC"/>
+                      </a:solidFill>
+                      <a:prstDash val="solid"/>
+                      <a:round/>
+                      <a:headEnd type="none" w="med" len="med"/>
+                      <a:tailEnd type="none" w="med" len="med"/>
+                    </a:lnR>
+                    <a:lnT w="9525" cap="flat" cmpd="sng" algn="ctr">
+                      <a:solidFill>
+                        <a:srgbClr val="CCCCCC"/>
+                      </a:solidFill>
+                      <a:prstDash val="solid"/>
+                      <a:round/>
+                      <a:headEnd type="none" w="med" len="med"/>
+                      <a:tailEnd type="none" w="med" len="med"/>
+                    </a:lnT>
+                    <a:lnB w="9525" cap="flat" cmpd="sng" algn="ctr">
+                      <a:solidFill>
+                        <a:srgbClr val="CCCCCC"/>
+                      </a:solidFill>
+                      <a:prstDash val="solid"/>
+                      <a:round/>
+                      <a:headEnd type="none" w="med" len="med"/>
+                      <a:tailEnd type="none" w="med" len="med"/>
+                    </a:lnB>
+                  </a:tcPr>
+                </a:tc>
+              </a:tr>
+            </a:tbl>
+          </a:graphicData>
+        </a:graphic>
+      </p:graphicFrame>
+    </p:spTree>
+    <p:extLst>
+      <p:ext uri="{BB962C8B-B14F-4D97-AF65-F5344CB8AC3E}">
+        <p14:creationId xmlns:p14="http://schemas.microsoft.com/office/powerpoint/2010/main" val="712185314"/>
+      </p:ext>
+    </p:extLst>
+  </p:cSld>
+  <p:clrMapOvr>
+    <a:masterClrMapping/>
+  </p:clrMapOvr>
+  <p:timing>
+    <p:tnLst>
+      <p:par>
+        <p:cTn id="1" dur="indefinite" restart="never" nodeType="tmRoot"/>
+      </p:par>
+    </p:tnLst>
+  </p:timing>
+</p:sld>
+</file>
+
+<file path=ppt/slides/slide43.xml><?xml version="1.0" encoding="utf-8"?>
+<p:sld xmlns:a="http://schemas.openxmlformats.org/drawingml/2006/main" xmlns:r="http://schemas.openxmlformats.org/officeDocument/2006/relationships" xmlns:p="http://schemas.openxmlformats.org/presentationml/2006/main">
+  <p:cSld>
+    <p:spTree>
+      <p:nvGrpSpPr>
+        <p:cNvPr id="1" name=""/>
+        <p:cNvGrpSpPr/>
+        <p:nvPr/>
+      </p:nvGrpSpPr>
+      <p:grpSpPr>
+        <a:xfrm>
+          <a:off x="0" y="0"/>
+          <a:ext cx="0" cy="0"/>
+          <a:chOff x="0" y="0"/>
+          <a:chExt cx="0" cy="0"/>
+        </a:xfrm>
+      </p:grpSpPr>
+      <p:sp>
+        <p:nvSpPr>
+          <p:cNvPr id="6" name="TextBox 5"/>
+          <p:cNvSpPr txBox="1"/>
+          <p:nvPr/>
+        </p:nvSpPr>
+        <p:spPr bwMode="auto">
+          <a:xfrm>
+            <a:off x="743816" y="457200"/>
+            <a:ext cx="1303562" cy="523220"/>
+          </a:xfrm>
+          <a:prstGeom prst="rect">
+            <a:avLst/>
+          </a:prstGeom>
+          <a:noFill/>
+          <a:ln w="9525">
+            <a:noFill/>
+            <a:miter lim="800000"/>
+            <a:headEnd/>
+            <a:tailEnd/>
+          </a:ln>
+        </p:spPr>
+        <p:txBody>
+          <a:bodyPr wrap="none" rtlCol="0">
+            <a:spAutoFit/>
+          </a:bodyPr>
+          <a:lstStyle/>
+          <a:p>
+            <a:r>
+              <a:rPr lang="en-US" altLang="zh-CN" sz="2800" dirty="0" smtClean="0"/>
+              <a:t>Strings</a:t>
+            </a:r>
+            <a:endParaRPr lang="en-US" altLang="zh-CN" sz="2800" dirty="0"/>
+          </a:p>
+        </p:txBody>
+      </p:sp>
+      <p:sp>
+        <p:nvSpPr>
+          <p:cNvPr id="3" name="TextBox 2"/>
+          <p:cNvSpPr txBox="1"/>
+          <p:nvPr/>
+        </p:nvSpPr>
+        <p:spPr bwMode="auto">
+          <a:xfrm>
+            <a:off x="728576" y="1295400"/>
+            <a:ext cx="7028584" cy="369332"/>
+          </a:xfrm>
+          <a:prstGeom prst="rect">
+            <a:avLst/>
+          </a:prstGeom>
+          <a:noFill/>
+          <a:ln w="9525">
+            <a:noFill/>
+            <a:miter lim="800000"/>
+            <a:headEnd/>
+            <a:tailEnd/>
+          </a:ln>
+        </p:spPr>
+        <p:txBody>
+          <a:bodyPr wrap="square" rtlCol="0">
+            <a:spAutoFit/>
+          </a:bodyPr>
+          <a:lstStyle/>
+          <a:p>
+            <a:r>
+              <a:rPr lang="zh-CN" altLang="en-US" b="1" dirty="0"/>
+              <a:t>使用字符匹配器</a:t>
+            </a:r>
+          </a:p>
+        </p:txBody>
+      </p:sp>
+      <p:graphicFrame>
+        <p:nvGraphicFramePr>
+          <p:cNvPr id="2" name="表格 1"/>
+          <p:cNvGraphicFramePr>
+            <a:graphicFrameLocks noGrp="1"/>
+          </p:cNvGraphicFramePr>
+          <p:nvPr>
+            <p:extLst>
+              <p:ext uri="{D42A27DB-BD31-4B8C-83A1-F6EECF244321}">
+                <p14:modId xmlns:p14="http://schemas.microsoft.com/office/powerpoint/2010/main" val="2241587432"/>
+              </p:ext>
+            </p:extLst>
+          </p:nvPr>
+        </p:nvGraphicFramePr>
+        <p:xfrm>
+          <a:off x="3200400" y="1480066"/>
+          <a:ext cx="5030700" cy="4648200"/>
+        </p:xfrm>
+        <a:graphic>
+          <a:graphicData uri="http://schemas.openxmlformats.org/drawingml/2006/table">
+            <a:tbl>
+              <a:tblPr/>
+              <a:tblGrid>
+                <a:gridCol w="2170106"/>
+                <a:gridCol w="2860594"/>
+              </a:tblGrid>
+              <a:tr h="407445">
+                <a:tc>
+                  <a:txBody>
+                    <a:bodyPr/>
+                    <a:lstStyle/>
+                    <a:p>
+                      <a:r>
+                        <a:rPr lang="zh-CN" altLang="en-US" sz="1300" b="1" dirty="0">
+                          <a:effectLst/>
+                        </a:rPr>
+                        <a:t>方法</a:t>
+                      </a:r>
+                      <a:endParaRPr lang="zh-CN" altLang="en-US" sz="1300" dirty="0">
+                        <a:effectLst/>
+                      </a:endParaRPr>
+                    </a:p>
+                  </a:txBody>
+                  <a:tcPr marL="103940" marR="103940" marT="103940" marB="103940" anchor="ctr">
+                    <a:lnL w="9525" cap="flat" cmpd="sng" algn="ctr">
+                      <a:solidFill>
+                        <a:srgbClr val="CCCCCC"/>
+                      </a:solidFill>
+                      <a:prstDash val="solid"/>
+                      <a:round/>
+                      <a:headEnd type="none" w="med" len="med"/>
+                      <a:tailEnd type="none" w="med" len="med"/>
+                    </a:lnL>
+                    <a:lnR w="9525" cap="flat" cmpd="sng" algn="ctr">
+                      <a:solidFill>
+                        <a:srgbClr val="CCCCCC"/>
+                      </a:solidFill>
+                      <a:prstDash val="solid"/>
+                      <a:round/>
+                      <a:headEnd type="none" w="med" len="med"/>
+                      <a:tailEnd type="none" w="med" len="med"/>
+                    </a:lnR>
+                    <a:lnT w="9525" cap="flat" cmpd="sng" algn="ctr">
+                      <a:solidFill>
+                        <a:srgbClr val="CCCCCC"/>
+                      </a:solidFill>
+                      <a:prstDash val="solid"/>
+                      <a:round/>
+                      <a:headEnd type="none" w="med" len="med"/>
+                      <a:tailEnd type="none" w="med" len="med"/>
+                    </a:lnT>
+                    <a:lnB w="9525" cap="flat" cmpd="sng" algn="ctr">
+                      <a:solidFill>
+                        <a:srgbClr val="CCCCCC"/>
+                      </a:solidFill>
+                      <a:prstDash val="solid"/>
+                      <a:round/>
+                      <a:headEnd type="none" w="med" len="med"/>
+                      <a:tailEnd type="none" w="med" len="med"/>
+                    </a:lnB>
+                  </a:tcPr>
+                </a:tc>
+                <a:tc>
+                  <a:txBody>
+                    <a:bodyPr/>
+                    <a:lstStyle/>
+                    <a:p>
+                      <a:r>
+                        <a:rPr lang="zh-CN" altLang="en-US" sz="1300" b="1">
+                          <a:effectLst/>
+                        </a:rPr>
+                        <a:t>描述</a:t>
+                      </a:r>
+                      <a:endParaRPr lang="zh-CN" altLang="en-US" sz="1300">
+                        <a:effectLst/>
+                      </a:endParaRPr>
+                    </a:p>
+                  </a:txBody>
+                  <a:tcPr marL="103940" marR="103940" marT="103940" marB="103940" anchor="ctr">
+                    <a:lnL w="9525" cap="flat" cmpd="sng" algn="ctr">
+                      <a:solidFill>
+                        <a:srgbClr val="CCCCCC"/>
+                      </a:solidFill>
+                      <a:prstDash val="solid"/>
+                      <a:round/>
+                      <a:headEnd type="none" w="med" len="med"/>
+                      <a:tailEnd type="none" w="med" len="med"/>
+                    </a:lnL>
+                    <a:lnR w="9525" cap="flat" cmpd="sng" algn="ctr">
+                      <a:solidFill>
+                        <a:srgbClr val="CCCCCC"/>
+                      </a:solidFill>
+                      <a:prstDash val="solid"/>
+                      <a:round/>
+                      <a:headEnd type="none" w="med" len="med"/>
+                      <a:tailEnd type="none" w="med" len="med"/>
+                    </a:lnR>
+                    <a:lnT w="9525" cap="flat" cmpd="sng" algn="ctr">
+                      <a:solidFill>
+                        <a:srgbClr val="CCCCCC"/>
+                      </a:solidFill>
+                      <a:prstDash val="solid"/>
+                      <a:round/>
+                      <a:headEnd type="none" w="med" len="med"/>
+                      <a:tailEnd type="none" w="med" len="med"/>
+                    </a:lnT>
+                    <a:lnB w="9525" cap="flat" cmpd="sng" algn="ctr">
+                      <a:solidFill>
+                        <a:srgbClr val="CCCCCC"/>
+                      </a:solidFill>
+                      <a:prstDash val="solid"/>
+                      <a:round/>
+                      <a:headEnd type="none" w="med" len="med"/>
+                      <a:tailEnd type="none" w="med" len="med"/>
+                    </a:lnB>
+                  </a:tcPr>
+                </a:tc>
+              </a:tr>
+              <a:tr h="1205705">
+                <a:tc>
+                  <a:txBody>
+                    <a:bodyPr/>
+                    <a:lstStyle/>
+                    <a:p>
+                      <a:r>
+                        <a:rPr lang="en-US" sz="1300" u="sng">
+                          <a:solidFill>
+                            <a:srgbClr val="00A19E"/>
+                          </a:solidFill>
+                          <a:effectLst/>
+                          <a:hlinkClick r:id="rId2"/>
+                        </a:rPr>
+                        <a:t>collapseFrom(CharSequence,   char)</a:t>
+                      </a:r>
+                      <a:endParaRPr lang="en-US" sz="1300">
+                        <a:effectLst/>
+                      </a:endParaRPr>
+                    </a:p>
+                  </a:txBody>
+                  <a:tcPr marL="103940" marR="103940" marT="103940" marB="103940" anchor="ctr">
+                    <a:lnL w="9525" cap="flat" cmpd="sng" algn="ctr">
+                      <a:solidFill>
+                        <a:srgbClr val="CCCCCC"/>
+                      </a:solidFill>
+                      <a:prstDash val="solid"/>
+                      <a:round/>
+                      <a:headEnd type="none" w="med" len="med"/>
+                      <a:tailEnd type="none" w="med" len="med"/>
+                    </a:lnL>
+                    <a:lnR w="9525" cap="flat" cmpd="sng" algn="ctr">
+                      <a:solidFill>
+                        <a:srgbClr val="CCCCCC"/>
+                      </a:solidFill>
+                      <a:prstDash val="solid"/>
+                      <a:round/>
+                      <a:headEnd type="none" w="med" len="med"/>
+                      <a:tailEnd type="none" w="med" len="med"/>
+                    </a:lnR>
+                    <a:lnT w="9525" cap="flat" cmpd="sng" algn="ctr">
+                      <a:solidFill>
+                        <a:srgbClr val="CCCCCC"/>
+                      </a:solidFill>
+                      <a:prstDash val="solid"/>
+                      <a:round/>
+                      <a:headEnd type="none" w="med" len="med"/>
+                      <a:tailEnd type="none" w="med" len="med"/>
+                    </a:lnT>
+                    <a:lnB w="9525" cap="flat" cmpd="sng" algn="ctr">
+                      <a:solidFill>
+                        <a:srgbClr val="CCCCCC"/>
+                      </a:solidFill>
+                      <a:prstDash val="solid"/>
+                      <a:round/>
+                      <a:headEnd type="none" w="med" len="med"/>
+                      <a:tailEnd type="none" w="med" len="med"/>
+                    </a:lnB>
+                  </a:tcPr>
+                </a:tc>
+                <a:tc>
+                  <a:txBody>
+                    <a:bodyPr/>
+                    <a:lstStyle/>
+                    <a:p>
+                      <a:r>
+                        <a:rPr lang="zh-CN" altLang="en-US" sz="1300">
+                          <a:effectLst/>
+                        </a:rPr>
+                        <a:t>把每组连续的匹配字符替换为特定字符。如</a:t>
+                      </a:r>
+                      <a:r>
+                        <a:rPr lang="en-US" sz="1300">
+                          <a:effectLst/>
+                        </a:rPr>
+                        <a:t>WHITESPACE.collapseFrom(string, ‘ ‘)</a:t>
+                      </a:r>
+                      <a:r>
+                        <a:rPr lang="zh-CN" altLang="en-US" sz="1300">
+                          <a:effectLst/>
+                        </a:rPr>
+                        <a:t>把字符串中的连续空白字符替换为单个空格。</a:t>
+                      </a:r>
+                    </a:p>
+                  </a:txBody>
+                  <a:tcPr marL="103940" marR="103940" marT="103940" marB="103940" anchor="ctr">
+                    <a:lnL w="9525" cap="flat" cmpd="sng" algn="ctr">
+                      <a:solidFill>
+                        <a:srgbClr val="CCCCCC"/>
+                      </a:solidFill>
+                      <a:prstDash val="solid"/>
+                      <a:round/>
+                      <a:headEnd type="none" w="med" len="med"/>
+                      <a:tailEnd type="none" w="med" len="med"/>
+                    </a:lnL>
+                    <a:lnR w="9525" cap="flat" cmpd="sng" algn="ctr">
+                      <a:solidFill>
+                        <a:srgbClr val="CCCCCC"/>
+                      </a:solidFill>
+                      <a:prstDash val="solid"/>
+                      <a:round/>
+                      <a:headEnd type="none" w="med" len="med"/>
+                      <a:tailEnd type="none" w="med" len="med"/>
+                    </a:lnR>
+                    <a:lnT w="9525" cap="flat" cmpd="sng" algn="ctr">
+                      <a:solidFill>
+                        <a:srgbClr val="CCCCCC"/>
+                      </a:solidFill>
+                      <a:prstDash val="solid"/>
+                      <a:round/>
+                      <a:headEnd type="none" w="med" len="med"/>
+                      <a:tailEnd type="none" w="med" len="med"/>
+                    </a:lnT>
+                    <a:lnB w="9525" cap="flat" cmpd="sng" algn="ctr">
+                      <a:solidFill>
+                        <a:srgbClr val="CCCCCC"/>
+                      </a:solidFill>
+                      <a:prstDash val="solid"/>
+                      <a:round/>
+                      <a:headEnd type="none" w="med" len="med"/>
+                      <a:tailEnd type="none" w="med" len="med"/>
+                    </a:lnB>
+                  </a:tcPr>
+                </a:tc>
+              </a:tr>
+              <a:tr h="607010">
+                <a:tc>
+                  <a:txBody>
+                    <a:bodyPr/>
+                    <a:lstStyle/>
+                    <a:p>
+                      <a:r>
+                        <a:rPr lang="en-US" sz="1300" u="sng" dirty="0" err="1">
+                          <a:solidFill>
+                            <a:srgbClr val="00A19E"/>
+                          </a:solidFill>
+                          <a:effectLst/>
+                          <a:hlinkClick r:id="rId3"/>
+                        </a:rPr>
+                        <a:t>matchesAllOf</a:t>
+                      </a:r>
+                      <a:r>
+                        <a:rPr lang="en-US" sz="1300" u="sng" dirty="0">
+                          <a:solidFill>
+                            <a:srgbClr val="00A19E"/>
+                          </a:solidFill>
+                          <a:effectLst/>
+                          <a:hlinkClick r:id="rId3"/>
+                        </a:rPr>
+                        <a:t>(</a:t>
+                      </a:r>
+                      <a:r>
+                        <a:rPr lang="en-US" sz="1300" u="sng" dirty="0" err="1">
+                          <a:solidFill>
+                            <a:srgbClr val="00A19E"/>
+                          </a:solidFill>
+                          <a:effectLst/>
+                          <a:hlinkClick r:id="rId3"/>
+                        </a:rPr>
+                        <a:t>CharSequence</a:t>
+                      </a:r>
+                      <a:r>
+                        <a:rPr lang="en-US" sz="1300" u="sng" dirty="0">
+                          <a:solidFill>
+                            <a:srgbClr val="00A19E"/>
+                          </a:solidFill>
+                          <a:effectLst/>
+                          <a:hlinkClick r:id="rId3"/>
+                        </a:rPr>
+                        <a:t>)</a:t>
+                      </a:r>
+                      <a:endParaRPr lang="en-US" sz="1300" dirty="0">
+                        <a:effectLst/>
+                      </a:endParaRPr>
+                    </a:p>
+                  </a:txBody>
+                  <a:tcPr marL="103940" marR="103940" marT="103940" marB="103940" anchor="ctr">
+                    <a:lnL w="9525" cap="flat" cmpd="sng" algn="ctr">
+                      <a:solidFill>
+                        <a:srgbClr val="CCCCCC"/>
+                      </a:solidFill>
+                      <a:prstDash val="solid"/>
+                      <a:round/>
+                      <a:headEnd type="none" w="med" len="med"/>
+                      <a:tailEnd type="none" w="med" len="med"/>
+                    </a:lnL>
+                    <a:lnR w="9525" cap="flat" cmpd="sng" algn="ctr">
+                      <a:solidFill>
+                        <a:srgbClr val="CCCCCC"/>
+                      </a:solidFill>
+                      <a:prstDash val="solid"/>
+                      <a:round/>
+                      <a:headEnd type="none" w="med" len="med"/>
+                      <a:tailEnd type="none" w="med" len="med"/>
+                    </a:lnR>
+                    <a:lnT w="9525" cap="flat" cmpd="sng" algn="ctr">
+                      <a:solidFill>
+                        <a:srgbClr val="CCCCCC"/>
+                      </a:solidFill>
+                      <a:prstDash val="solid"/>
+                      <a:round/>
+                      <a:headEnd type="none" w="med" len="med"/>
+                      <a:tailEnd type="none" w="med" len="med"/>
+                    </a:lnT>
+                    <a:lnB w="9525" cap="flat" cmpd="sng" algn="ctr">
+                      <a:solidFill>
+                        <a:srgbClr val="CCCCCC"/>
+                      </a:solidFill>
+                      <a:prstDash val="solid"/>
+                      <a:round/>
+                      <a:headEnd type="none" w="med" len="med"/>
+                      <a:tailEnd type="none" w="med" len="med"/>
+                    </a:lnB>
+                  </a:tcPr>
+                </a:tc>
+                <a:tc>
+                  <a:txBody>
+                    <a:bodyPr/>
+                    <a:lstStyle/>
+                    <a:p>
+                      <a:r>
+                        <a:rPr lang="zh-CN" altLang="en-US" sz="1300" dirty="0">
+                          <a:effectLst/>
+                        </a:rPr>
+                        <a:t>测试是否字符序列中的所有字符都匹配。</a:t>
+                      </a:r>
+                    </a:p>
+                  </a:txBody>
+                  <a:tcPr marL="103940" marR="103940" marT="103940" marB="103940" anchor="ctr">
+                    <a:lnL w="9525" cap="flat" cmpd="sng" algn="ctr">
+                      <a:solidFill>
+                        <a:srgbClr val="CCCCCC"/>
+                      </a:solidFill>
+                      <a:prstDash val="solid"/>
+                      <a:round/>
+                      <a:headEnd type="none" w="med" len="med"/>
+                      <a:tailEnd type="none" w="med" len="med"/>
+                    </a:lnL>
+                    <a:lnR w="9525" cap="flat" cmpd="sng" algn="ctr">
+                      <a:solidFill>
+                        <a:srgbClr val="CCCCCC"/>
+                      </a:solidFill>
+                      <a:prstDash val="solid"/>
+                      <a:round/>
+                      <a:headEnd type="none" w="med" len="med"/>
+                      <a:tailEnd type="none" w="med" len="med"/>
+                    </a:lnR>
+                    <a:lnT w="9525" cap="flat" cmpd="sng" algn="ctr">
+                      <a:solidFill>
+                        <a:srgbClr val="CCCCCC"/>
+                      </a:solidFill>
+                      <a:prstDash val="solid"/>
+                      <a:round/>
+                      <a:headEnd type="none" w="med" len="med"/>
+                      <a:tailEnd type="none" w="med" len="med"/>
+                    </a:lnT>
+                    <a:lnB w="9525" cap="flat" cmpd="sng" algn="ctr">
+                      <a:solidFill>
+                        <a:srgbClr val="CCCCCC"/>
+                      </a:solidFill>
+                      <a:prstDash val="solid"/>
+                      <a:round/>
+                      <a:headEnd type="none" w="med" len="med"/>
+                      <a:tailEnd type="none" w="med" len="med"/>
+                    </a:lnB>
+                  </a:tcPr>
+                </a:tc>
+              </a:tr>
+              <a:tr h="607010">
+                <a:tc>
+                  <a:txBody>
+                    <a:bodyPr/>
+                    <a:lstStyle/>
+                    <a:p>
+                      <a:r>
+                        <a:rPr lang="en-US" sz="1300" u="sng">
+                          <a:solidFill>
+                            <a:srgbClr val="00A19E"/>
+                          </a:solidFill>
+                          <a:effectLst/>
+                          <a:hlinkClick r:id="rId4"/>
+                        </a:rPr>
+                        <a:t>removeFrom(CharSequence)</a:t>
+                      </a:r>
+                      <a:endParaRPr lang="en-US" sz="1300">
+                        <a:effectLst/>
+                      </a:endParaRPr>
+                    </a:p>
+                  </a:txBody>
+                  <a:tcPr marL="103940" marR="103940" marT="103940" marB="103940" anchor="ctr">
+                    <a:lnL w="9525" cap="flat" cmpd="sng" algn="ctr">
+                      <a:solidFill>
+                        <a:srgbClr val="CCCCCC"/>
+                      </a:solidFill>
+                      <a:prstDash val="solid"/>
+                      <a:round/>
+                      <a:headEnd type="none" w="med" len="med"/>
+                      <a:tailEnd type="none" w="med" len="med"/>
+                    </a:lnL>
+                    <a:lnR w="9525" cap="flat" cmpd="sng" algn="ctr">
+                      <a:solidFill>
+                        <a:srgbClr val="CCCCCC"/>
+                      </a:solidFill>
+                      <a:prstDash val="solid"/>
+                      <a:round/>
+                      <a:headEnd type="none" w="med" len="med"/>
+                      <a:tailEnd type="none" w="med" len="med"/>
+                    </a:lnR>
+                    <a:lnT w="9525" cap="flat" cmpd="sng" algn="ctr">
+                      <a:solidFill>
+                        <a:srgbClr val="CCCCCC"/>
+                      </a:solidFill>
+                      <a:prstDash val="solid"/>
+                      <a:round/>
+                      <a:headEnd type="none" w="med" len="med"/>
+                      <a:tailEnd type="none" w="med" len="med"/>
+                    </a:lnT>
+                    <a:lnB w="9525" cap="flat" cmpd="sng" algn="ctr">
+                      <a:solidFill>
+                        <a:srgbClr val="CCCCCC"/>
+                      </a:solidFill>
+                      <a:prstDash val="solid"/>
+                      <a:round/>
+                      <a:headEnd type="none" w="med" len="med"/>
+                      <a:tailEnd type="none" w="med" len="med"/>
+                    </a:lnB>
+                  </a:tcPr>
+                </a:tc>
+                <a:tc>
+                  <a:txBody>
+                    <a:bodyPr/>
+                    <a:lstStyle/>
+                    <a:p>
+                      <a:r>
+                        <a:rPr lang="zh-CN" altLang="en-US" sz="1300">
+                          <a:effectLst/>
+                        </a:rPr>
+                        <a:t>从字符序列中移除所有匹配字符。</a:t>
+                      </a:r>
+                    </a:p>
+                  </a:txBody>
+                  <a:tcPr marL="103940" marR="103940" marT="103940" marB="103940" anchor="ctr">
+                    <a:lnL w="9525" cap="flat" cmpd="sng" algn="ctr">
+                      <a:solidFill>
+                        <a:srgbClr val="CCCCCC"/>
+                      </a:solidFill>
+                      <a:prstDash val="solid"/>
+                      <a:round/>
+                      <a:headEnd type="none" w="med" len="med"/>
+                      <a:tailEnd type="none" w="med" len="med"/>
+                    </a:lnL>
+                    <a:lnR w="9525" cap="flat" cmpd="sng" algn="ctr">
+                      <a:solidFill>
+                        <a:srgbClr val="CCCCCC"/>
+                      </a:solidFill>
+                      <a:prstDash val="solid"/>
+                      <a:round/>
+                      <a:headEnd type="none" w="med" len="med"/>
+                      <a:tailEnd type="none" w="med" len="med"/>
+                    </a:lnR>
+                    <a:lnT w="9525" cap="flat" cmpd="sng" algn="ctr">
+                      <a:solidFill>
+                        <a:srgbClr val="CCCCCC"/>
+                      </a:solidFill>
+                      <a:prstDash val="solid"/>
+                      <a:round/>
+                      <a:headEnd type="none" w="med" len="med"/>
+                      <a:tailEnd type="none" w="med" len="med"/>
+                    </a:lnT>
+                    <a:lnB w="9525" cap="flat" cmpd="sng" algn="ctr">
+                      <a:solidFill>
+                        <a:srgbClr val="CCCCCC"/>
+                      </a:solidFill>
+                      <a:prstDash val="solid"/>
+                      <a:round/>
+                      <a:headEnd type="none" w="med" len="med"/>
+                      <a:tailEnd type="none" w="med" len="med"/>
+                    </a:lnB>
+                  </a:tcPr>
+                </a:tc>
+              </a:tr>
+              <a:tr h="607010">
+                <a:tc>
+                  <a:txBody>
+                    <a:bodyPr/>
+                    <a:lstStyle/>
+                    <a:p>
+                      <a:r>
+                        <a:rPr lang="en-US" sz="1300" u="sng" dirty="0" err="1">
+                          <a:solidFill>
+                            <a:srgbClr val="00A19E"/>
+                          </a:solidFill>
+                          <a:effectLst/>
+                          <a:hlinkClick r:id="rId5"/>
+                        </a:rPr>
+                        <a:t>retainFrom</a:t>
+                      </a:r>
+                      <a:r>
+                        <a:rPr lang="en-US" sz="1300" u="sng" dirty="0">
+                          <a:solidFill>
+                            <a:srgbClr val="00A19E"/>
+                          </a:solidFill>
+                          <a:effectLst/>
+                          <a:hlinkClick r:id="rId5"/>
+                        </a:rPr>
+                        <a:t>(</a:t>
+                      </a:r>
+                      <a:r>
+                        <a:rPr lang="en-US" sz="1300" u="sng" dirty="0" err="1">
+                          <a:solidFill>
+                            <a:srgbClr val="00A19E"/>
+                          </a:solidFill>
+                          <a:effectLst/>
+                          <a:hlinkClick r:id="rId5"/>
+                        </a:rPr>
+                        <a:t>CharSequence</a:t>
+                      </a:r>
+                      <a:r>
+                        <a:rPr lang="en-US" sz="1300" u="sng" dirty="0">
+                          <a:solidFill>
+                            <a:srgbClr val="00A19E"/>
+                          </a:solidFill>
+                          <a:effectLst/>
+                          <a:hlinkClick r:id="rId5"/>
+                        </a:rPr>
+                        <a:t>)</a:t>
+                      </a:r>
+                      <a:endParaRPr lang="en-US" sz="1300" dirty="0">
+                        <a:effectLst/>
+                      </a:endParaRPr>
+                    </a:p>
+                  </a:txBody>
+                  <a:tcPr marL="103940" marR="103940" marT="103940" marB="103940" anchor="ctr">
+                    <a:lnL w="9525" cap="flat" cmpd="sng" algn="ctr">
+                      <a:solidFill>
+                        <a:srgbClr val="CCCCCC"/>
+                      </a:solidFill>
+                      <a:prstDash val="solid"/>
+                      <a:round/>
+                      <a:headEnd type="none" w="med" len="med"/>
+                      <a:tailEnd type="none" w="med" len="med"/>
+                    </a:lnL>
+                    <a:lnR w="9525" cap="flat" cmpd="sng" algn="ctr">
+                      <a:solidFill>
+                        <a:srgbClr val="CCCCCC"/>
+                      </a:solidFill>
+                      <a:prstDash val="solid"/>
+                      <a:round/>
+                      <a:headEnd type="none" w="med" len="med"/>
+                      <a:tailEnd type="none" w="med" len="med"/>
+                    </a:lnR>
+                    <a:lnT w="9525" cap="flat" cmpd="sng" algn="ctr">
+                      <a:solidFill>
+                        <a:srgbClr val="CCCCCC"/>
+                      </a:solidFill>
+                      <a:prstDash val="solid"/>
+                      <a:round/>
+                      <a:headEnd type="none" w="med" len="med"/>
+                      <a:tailEnd type="none" w="med" len="med"/>
+                    </a:lnT>
+                    <a:lnB w="9525" cap="flat" cmpd="sng" algn="ctr">
+                      <a:solidFill>
+                        <a:srgbClr val="CCCCCC"/>
+                      </a:solidFill>
+                      <a:prstDash val="solid"/>
+                      <a:round/>
+                      <a:headEnd type="none" w="med" len="med"/>
+                      <a:tailEnd type="none" w="med" len="med"/>
+                    </a:lnB>
+                  </a:tcPr>
+                </a:tc>
+                <a:tc>
+                  <a:txBody>
+                    <a:bodyPr/>
+                    <a:lstStyle/>
+                    <a:p>
+                      <a:r>
+                        <a:rPr lang="zh-CN" altLang="en-US" sz="1300">
+                          <a:effectLst/>
+                        </a:rPr>
+                        <a:t>在字符序列中保留匹配字符，移除其他字符。</a:t>
+                      </a:r>
+                    </a:p>
+                  </a:txBody>
+                  <a:tcPr marL="103940" marR="103940" marT="103940" marB="103940" anchor="ctr">
+                    <a:lnL w="9525" cap="flat" cmpd="sng" algn="ctr">
+                      <a:solidFill>
+                        <a:srgbClr val="CCCCCC"/>
+                      </a:solidFill>
+                      <a:prstDash val="solid"/>
+                      <a:round/>
+                      <a:headEnd type="none" w="med" len="med"/>
+                      <a:tailEnd type="none" w="med" len="med"/>
+                    </a:lnL>
+                    <a:lnR w="9525" cap="flat" cmpd="sng" algn="ctr">
+                      <a:solidFill>
+                        <a:srgbClr val="CCCCCC"/>
+                      </a:solidFill>
+                      <a:prstDash val="solid"/>
+                      <a:round/>
+                      <a:headEnd type="none" w="med" len="med"/>
+                      <a:tailEnd type="none" w="med" len="med"/>
+                    </a:lnR>
+                    <a:lnT w="9525" cap="flat" cmpd="sng" algn="ctr">
+                      <a:solidFill>
+                        <a:srgbClr val="CCCCCC"/>
+                      </a:solidFill>
+                      <a:prstDash val="solid"/>
+                      <a:round/>
+                      <a:headEnd type="none" w="med" len="med"/>
+                      <a:tailEnd type="none" w="med" len="med"/>
+                    </a:lnT>
+                    <a:lnB w="9525" cap="flat" cmpd="sng" algn="ctr">
+                      <a:solidFill>
+                        <a:srgbClr val="CCCCCC"/>
+                      </a:solidFill>
+                      <a:prstDash val="solid"/>
+                      <a:round/>
+                      <a:headEnd type="none" w="med" len="med"/>
+                      <a:tailEnd type="none" w="med" len="med"/>
+                    </a:lnB>
+                  </a:tcPr>
+                </a:tc>
+              </a:tr>
+              <a:tr h="607010">
+                <a:tc>
+                  <a:txBody>
+                    <a:bodyPr/>
+                    <a:lstStyle/>
+                    <a:p>
+                      <a:r>
+                        <a:rPr lang="en-US" sz="1300" u="sng">
+                          <a:solidFill>
+                            <a:srgbClr val="00A19E"/>
+                          </a:solidFill>
+                          <a:effectLst/>
+                          <a:hlinkClick r:id="rId6"/>
+                        </a:rPr>
+                        <a:t>trimFrom(CharSequence)</a:t>
+                      </a:r>
+                      <a:endParaRPr lang="en-US" sz="1300">
+                        <a:effectLst/>
+                      </a:endParaRPr>
+                    </a:p>
+                  </a:txBody>
+                  <a:tcPr marL="103940" marR="103940" marT="103940" marB="103940" anchor="ctr">
+                    <a:lnL w="9525" cap="flat" cmpd="sng" algn="ctr">
+                      <a:solidFill>
+                        <a:srgbClr val="CCCCCC"/>
+                      </a:solidFill>
+                      <a:prstDash val="solid"/>
+                      <a:round/>
+                      <a:headEnd type="none" w="med" len="med"/>
+                      <a:tailEnd type="none" w="med" len="med"/>
+                    </a:lnL>
+                    <a:lnR w="9525" cap="flat" cmpd="sng" algn="ctr">
+                      <a:solidFill>
+                        <a:srgbClr val="CCCCCC"/>
+                      </a:solidFill>
+                      <a:prstDash val="solid"/>
+                      <a:round/>
+                      <a:headEnd type="none" w="med" len="med"/>
+                      <a:tailEnd type="none" w="med" len="med"/>
+                    </a:lnR>
+                    <a:lnT w="9525" cap="flat" cmpd="sng" algn="ctr">
+                      <a:solidFill>
+                        <a:srgbClr val="CCCCCC"/>
+                      </a:solidFill>
+                      <a:prstDash val="solid"/>
+                      <a:round/>
+                      <a:headEnd type="none" w="med" len="med"/>
+                      <a:tailEnd type="none" w="med" len="med"/>
+                    </a:lnT>
+                    <a:lnB w="9525" cap="flat" cmpd="sng" algn="ctr">
+                      <a:solidFill>
+                        <a:srgbClr val="CCCCCC"/>
+                      </a:solidFill>
+                      <a:prstDash val="solid"/>
+                      <a:round/>
+                      <a:headEnd type="none" w="med" len="med"/>
+                      <a:tailEnd type="none" w="med" len="med"/>
+                    </a:lnB>
+                  </a:tcPr>
+                </a:tc>
+                <a:tc>
+                  <a:txBody>
+                    <a:bodyPr/>
+                    <a:lstStyle/>
+                    <a:p>
+                      <a:r>
+                        <a:rPr lang="zh-CN" altLang="en-US" sz="1300">
+                          <a:effectLst/>
+                        </a:rPr>
+                        <a:t>移除字符序列的前导匹配字符和尾部匹配字符。</a:t>
+                      </a:r>
+                    </a:p>
+                  </a:txBody>
+                  <a:tcPr marL="103940" marR="103940" marT="103940" marB="103940" anchor="ctr">
+                    <a:lnL w="9525" cap="flat" cmpd="sng" algn="ctr">
+                      <a:solidFill>
+                        <a:srgbClr val="CCCCCC"/>
+                      </a:solidFill>
+                      <a:prstDash val="solid"/>
+                      <a:round/>
+                      <a:headEnd type="none" w="med" len="med"/>
+                      <a:tailEnd type="none" w="med" len="med"/>
+                    </a:lnL>
+                    <a:lnR w="9525" cap="flat" cmpd="sng" algn="ctr">
+                      <a:solidFill>
+                        <a:srgbClr val="CCCCCC"/>
+                      </a:solidFill>
+                      <a:prstDash val="solid"/>
+                      <a:round/>
+                      <a:headEnd type="none" w="med" len="med"/>
+                      <a:tailEnd type="none" w="med" len="med"/>
+                    </a:lnR>
+                    <a:lnT w="9525" cap="flat" cmpd="sng" algn="ctr">
+                      <a:solidFill>
+                        <a:srgbClr val="CCCCCC"/>
+                      </a:solidFill>
+                      <a:prstDash val="solid"/>
+                      <a:round/>
+                      <a:headEnd type="none" w="med" len="med"/>
+                      <a:tailEnd type="none" w="med" len="med"/>
+                    </a:lnT>
+                    <a:lnB w="9525" cap="flat" cmpd="sng" algn="ctr">
+                      <a:solidFill>
+                        <a:srgbClr val="CCCCCC"/>
+                      </a:solidFill>
+                      <a:prstDash val="solid"/>
+                      <a:round/>
+                      <a:headEnd type="none" w="med" len="med"/>
+                      <a:tailEnd type="none" w="med" len="med"/>
+                    </a:lnB>
+                  </a:tcPr>
+                </a:tc>
+              </a:tr>
+              <a:tr h="607010">
+                <a:tc>
+                  <a:txBody>
+                    <a:bodyPr/>
+                    <a:lstStyle/>
+                    <a:p>
+                      <a:r>
+                        <a:rPr lang="en-US" sz="1300" u="sng">
+                          <a:solidFill>
+                            <a:srgbClr val="00A19E"/>
+                          </a:solidFill>
+                          <a:effectLst/>
+                          <a:hlinkClick r:id="rId7"/>
+                        </a:rPr>
+                        <a:t>replaceFrom(CharSequence,   CharSequence)</a:t>
+                      </a:r>
+                      <a:endParaRPr lang="en-US" sz="1300">
+                        <a:effectLst/>
+                      </a:endParaRPr>
+                    </a:p>
+                  </a:txBody>
+                  <a:tcPr marL="103940" marR="103940" marT="103940" marB="103940" anchor="ctr">
+                    <a:lnL w="9525" cap="flat" cmpd="sng" algn="ctr">
+                      <a:solidFill>
+                        <a:srgbClr val="CCCCCC"/>
+                      </a:solidFill>
+                      <a:prstDash val="solid"/>
+                      <a:round/>
+                      <a:headEnd type="none" w="med" len="med"/>
+                      <a:tailEnd type="none" w="med" len="med"/>
+                    </a:lnL>
+                    <a:lnR w="9525" cap="flat" cmpd="sng" algn="ctr">
+                      <a:solidFill>
+                        <a:srgbClr val="CCCCCC"/>
+                      </a:solidFill>
+                      <a:prstDash val="solid"/>
+                      <a:round/>
+                      <a:headEnd type="none" w="med" len="med"/>
+                      <a:tailEnd type="none" w="med" len="med"/>
+                    </a:lnR>
+                    <a:lnT w="9525" cap="flat" cmpd="sng" algn="ctr">
+                      <a:solidFill>
+                        <a:srgbClr val="CCCCCC"/>
+                      </a:solidFill>
+                      <a:prstDash val="solid"/>
+                      <a:round/>
+                      <a:headEnd type="none" w="med" len="med"/>
+                      <a:tailEnd type="none" w="med" len="med"/>
+                    </a:lnT>
+                    <a:lnB w="9525" cap="flat" cmpd="sng" algn="ctr">
+                      <a:solidFill>
+                        <a:srgbClr val="CCCCCC"/>
+                      </a:solidFill>
+                      <a:prstDash val="solid"/>
+                      <a:round/>
+                      <a:headEnd type="none" w="med" len="med"/>
+                      <a:tailEnd type="none" w="med" len="med"/>
+                    </a:lnB>
+                  </a:tcPr>
+                </a:tc>
+                <a:tc>
+                  <a:txBody>
+                    <a:bodyPr/>
+                    <a:lstStyle/>
+                    <a:p>
+                      <a:r>
+                        <a:rPr lang="zh-CN" altLang="en-US" sz="1300" dirty="0">
+                          <a:effectLst/>
+                        </a:rPr>
+                        <a:t>用特定字符序列替代匹配字符。</a:t>
+                      </a:r>
+                    </a:p>
+                  </a:txBody>
+                  <a:tcPr marL="103940" marR="103940" marT="103940" marB="103940" anchor="ctr">
+                    <a:lnL w="9525" cap="flat" cmpd="sng" algn="ctr">
+                      <a:solidFill>
+                        <a:srgbClr val="CCCCCC"/>
+                      </a:solidFill>
+                      <a:prstDash val="solid"/>
+                      <a:round/>
+                      <a:headEnd type="none" w="med" len="med"/>
+                      <a:tailEnd type="none" w="med" len="med"/>
+                    </a:lnL>
+                    <a:lnR w="9525" cap="flat" cmpd="sng" algn="ctr">
+                      <a:solidFill>
+                        <a:srgbClr val="CCCCCC"/>
+                      </a:solidFill>
+                      <a:prstDash val="solid"/>
+                      <a:round/>
+                      <a:headEnd type="none" w="med" len="med"/>
+                      <a:tailEnd type="none" w="med" len="med"/>
+                    </a:lnR>
+                    <a:lnT w="9525" cap="flat" cmpd="sng" algn="ctr">
+                      <a:solidFill>
+                        <a:srgbClr val="CCCCCC"/>
+                      </a:solidFill>
+                      <a:prstDash val="solid"/>
+                      <a:round/>
+                      <a:headEnd type="none" w="med" len="med"/>
+                      <a:tailEnd type="none" w="med" len="med"/>
+                    </a:lnT>
+                    <a:lnB w="9525" cap="flat" cmpd="sng" algn="ctr">
+                      <a:solidFill>
+                        <a:srgbClr val="CCCCCC"/>
+                      </a:solidFill>
+                      <a:prstDash val="solid"/>
+                      <a:round/>
+                      <a:headEnd type="none" w="med" len="med"/>
+                      <a:tailEnd type="none" w="med" len="med"/>
+                    </a:lnB>
+                  </a:tcPr>
+                </a:tc>
+              </a:tr>
+            </a:tbl>
+          </a:graphicData>
+        </a:graphic>
+      </p:graphicFrame>
+    </p:spTree>
+    <p:extLst>
+      <p:ext uri="{BB962C8B-B14F-4D97-AF65-F5344CB8AC3E}">
+        <p14:creationId xmlns:p14="http://schemas.microsoft.com/office/powerpoint/2010/main" val="2222351067"/>
+      </p:ext>
+    </p:extLst>
+  </p:cSld>
+  <p:clrMapOvr>
+    <a:masterClrMapping/>
+  </p:clrMapOvr>
+  <p:timing>
+    <p:tnLst>
+      <p:par>
+        <p:cTn id="1" dur="indefinite" restart="never" nodeType="tmRoot"/>
+      </p:par>
+    </p:tnLst>
+  </p:timing>
+</p:sld>
+</file>
+
+<file path=ppt/slides/slide44.xml><?xml version="1.0" encoding="utf-8"?>
+<p:sld xmlns:a="http://schemas.openxmlformats.org/drawingml/2006/main" xmlns:r="http://schemas.openxmlformats.org/officeDocument/2006/relationships" xmlns:p="http://schemas.openxmlformats.org/presentationml/2006/main">
+  <p:cSld>
+    <p:spTree>
+      <p:nvGrpSpPr>
+        <p:cNvPr id="1" name=""/>
+        <p:cNvGrpSpPr/>
+        <p:nvPr/>
+      </p:nvGrpSpPr>
+      <p:grpSpPr>
+        <a:xfrm>
+          <a:off x="0" y="0"/>
+          <a:ext cx="0" cy="0"/>
+          <a:chOff x="0" y="0"/>
+          <a:chExt cx="0" cy="0"/>
+        </a:xfrm>
+      </p:grpSpPr>
+      <p:sp>
+        <p:nvSpPr>
+          <p:cNvPr id="6" name="TextBox 5"/>
+          <p:cNvSpPr txBox="1"/>
+          <p:nvPr/>
+        </p:nvSpPr>
+        <p:spPr bwMode="auto">
+          <a:xfrm>
+            <a:off x="743816" y="457200"/>
+            <a:ext cx="1303562" cy="523220"/>
+          </a:xfrm>
+          <a:prstGeom prst="rect">
+            <a:avLst/>
+          </a:prstGeom>
+          <a:noFill/>
+          <a:ln w="9525">
+            <a:noFill/>
+            <a:miter lim="800000"/>
+            <a:headEnd/>
+            <a:tailEnd/>
+          </a:ln>
+        </p:spPr>
+        <p:txBody>
+          <a:bodyPr wrap="none" rtlCol="0">
+            <a:spAutoFit/>
+          </a:bodyPr>
+          <a:lstStyle/>
+          <a:p>
+            <a:r>
+              <a:rPr lang="en-US" altLang="zh-CN" sz="2800" dirty="0" smtClean="0"/>
+              <a:t>Strings</a:t>
+            </a:r>
+            <a:endParaRPr lang="en-US" altLang="zh-CN" sz="2800" dirty="0"/>
+          </a:p>
+        </p:txBody>
+      </p:sp>
+      <p:sp>
+        <p:nvSpPr>
+          <p:cNvPr id="3" name="TextBox 2"/>
+          <p:cNvSpPr txBox="1"/>
+          <p:nvPr/>
+        </p:nvSpPr>
+        <p:spPr bwMode="auto">
+          <a:xfrm>
+            <a:off x="728576" y="1295400"/>
+            <a:ext cx="7028584" cy="369332"/>
+          </a:xfrm>
+          <a:prstGeom prst="rect">
+            <a:avLst/>
+          </a:prstGeom>
+          <a:noFill/>
+          <a:ln w="9525">
+            <a:noFill/>
+            <a:miter lim="800000"/>
+            <a:headEnd/>
+            <a:tailEnd/>
+          </a:ln>
+        </p:spPr>
+        <p:txBody>
+          <a:bodyPr wrap="square" rtlCol="0">
+            <a:spAutoFit/>
+          </a:bodyPr>
+          <a:lstStyle/>
+          <a:p>
+            <a:r>
+              <a:rPr lang="zh-CN" altLang="en-US" b="1" dirty="0"/>
+              <a:t>使用字符匹配器</a:t>
+            </a:r>
+          </a:p>
+        </p:txBody>
+      </p:sp>
+    </p:spTree>
+    <p:controls>
+      <mc:AlternateContent xmlns:mc="http://schemas.openxmlformats.org/markup-compatibility/2006">
+        <mc:Choice xmlns:v="urn:schemas-microsoft-com:vml" Requires="v">
+          <p:control spid="3076" name="Frame1" r:id="rId2" imgW="7162920" imgH="4200480"/>
+        </mc:Choice>
+        <mc:Fallback>
+          <p:control name="Frame1" r:id="rId2" imgW="7162920" imgH="4200480">
+            <p:pic>
+              <p:nvPicPr>
+                <p:cNvPr id="4" name="Frame1"/>
+                <p:cNvPicPr>
+                  <a:picLocks/>
+                </p:cNvPicPr>
+                <p:nvPr/>
+              </p:nvPicPr>
+              <p:blipFill>
+                <a:blip r:embed="rId4"/>
+                <a:stretch>
+                  <a:fillRect/>
+                </a:stretch>
+              </p:blipFill>
+              <p:spPr>
+                <a:xfrm>
+                  <a:off x="1395597" y="1664732"/>
+                  <a:ext cx="7162800" cy="4203244"/>
+                </a:xfrm>
+                <a:prstGeom prst="rect">
+                  <a:avLst/>
+                </a:prstGeom>
+              </p:spPr>
+            </p:pic>
+          </p:control>
+        </mc:Fallback>
+      </mc:AlternateContent>
+    </p:controls>
+    <p:extLst>
+      <p:ext uri="{BB962C8B-B14F-4D97-AF65-F5344CB8AC3E}">
+        <p14:creationId xmlns:p14="http://schemas.microsoft.com/office/powerpoint/2010/main" val="183778267"/>
+      </p:ext>
+    </p:extLst>
+  </p:cSld>
+  <p:clrMapOvr>
+    <a:masterClrMapping/>
+  </p:clrMapOvr>
+  <p:timing>
+    <p:tnLst>
+      <p:par>
+        <p:cTn id="1" dur="indefinite" restart="never" nodeType="tmRoot"/>
+      </p:par>
+    </p:tnLst>
+  </p:timing>
+</p:sld>
+</file>
+
+<file path=ppt/slides/slide45.xml><?xml version="1.0" encoding="utf-8"?>
 <p:sld xmlns:a="http://schemas.openxmlformats.org/drawingml/2006/main" xmlns:r="http://schemas.openxmlformats.org/officeDocument/2006/relationships" xmlns:p="http://schemas.openxmlformats.org/presentationml/2006/main">
   <p:cSld>
     <p:spTree>
@@ -17672,14 +19806,14 @@
                 <a:gridCol w="2186851">
                   <a:extLst>
                     <a:ext uri="{9D8B030D-6E8A-4147-A177-3AD203B41FA5}">
-                      <a16:colId xmlns:a16="http://schemas.microsoft.com/office/drawing/2014/main" val="20000"/>
+                      <a16:colId xmlns="" xmlns:a16="http://schemas.microsoft.com/office/drawing/2014/main" val="20000"/>
                     </a:ext>
                   </a:extLst>
                 </a:gridCol>
                 <a:gridCol w="4604474">
                   <a:extLst>
                     <a:ext uri="{9D8B030D-6E8A-4147-A177-3AD203B41FA5}">
-                      <a16:colId xmlns:a16="http://schemas.microsoft.com/office/drawing/2014/main" val="20001"/>
+                      <a16:colId xmlns="" xmlns:a16="http://schemas.microsoft.com/office/drawing/2014/main" val="20001"/>
                     </a:ext>
                   </a:extLst>
                 </a:gridCol>
@@ -17832,7 +19966,7 @@
                 </a:tc>
                 <a:extLst>
                   <a:ext uri="{0D108BD9-81ED-4DB2-BD59-A6C34878D82A}">
-                    <a16:rowId xmlns:a16="http://schemas.microsoft.com/office/drawing/2014/main" val="10000"/>
+                    <a16:rowId xmlns="" xmlns:a16="http://schemas.microsoft.com/office/drawing/2014/main" val="10000"/>
                   </a:ext>
                 </a:extLst>
               </a:tr>
@@ -17962,7 +20096,7 @@
                 </a:tc>
                 <a:extLst>
                   <a:ext uri="{0D108BD9-81ED-4DB2-BD59-A6C34878D82A}">
-                    <a16:rowId xmlns:a16="http://schemas.microsoft.com/office/drawing/2014/main" val="10001"/>
+                    <a16:rowId xmlns="" xmlns:a16="http://schemas.microsoft.com/office/drawing/2014/main" val="10001"/>
                   </a:ext>
                 </a:extLst>
               </a:tr>
@@ -18104,7 +20238,7 @@
                 </a:tc>
                 <a:extLst>
                   <a:ext uri="{0D108BD9-81ED-4DB2-BD59-A6C34878D82A}">
-                    <a16:rowId xmlns:a16="http://schemas.microsoft.com/office/drawing/2014/main" val="10002"/>
+                    <a16:rowId xmlns="" xmlns:a16="http://schemas.microsoft.com/office/drawing/2014/main" val="10002"/>
                   </a:ext>
                 </a:extLst>
               </a:tr>
@@ -18289,14 +20423,14 @@
                 <a:gridCol w="2375778">
                   <a:extLst>
                     <a:ext uri="{9D8B030D-6E8A-4147-A177-3AD203B41FA5}">
-                      <a16:colId xmlns:a16="http://schemas.microsoft.com/office/drawing/2014/main" val="20000"/>
+                      <a16:colId xmlns="" xmlns:a16="http://schemas.microsoft.com/office/drawing/2014/main" val="20000"/>
                     </a:ext>
                   </a:extLst>
                 </a:gridCol>
                 <a:gridCol w="5002263">
                   <a:extLst>
                     <a:ext uri="{9D8B030D-6E8A-4147-A177-3AD203B41FA5}">
-                      <a16:colId xmlns:a16="http://schemas.microsoft.com/office/drawing/2014/main" val="20001"/>
+                      <a16:colId xmlns="" xmlns:a16="http://schemas.microsoft.com/office/drawing/2014/main" val="20001"/>
                     </a:ext>
                   </a:extLst>
                 </a:gridCol>
@@ -18475,7 +20609,7 @@
                 </a:tc>
                 <a:extLst>
                   <a:ext uri="{0D108BD9-81ED-4DB2-BD59-A6C34878D82A}">
-                    <a16:rowId xmlns:a16="http://schemas.microsoft.com/office/drawing/2014/main" val="10000"/>
+                    <a16:rowId xmlns="" xmlns:a16="http://schemas.microsoft.com/office/drawing/2014/main" val="10000"/>
                   </a:ext>
                 </a:extLst>
               </a:tr>
@@ -18614,7 +20748,7 @@
                 </a:tc>
                 <a:extLst>
                   <a:ext uri="{0D108BD9-81ED-4DB2-BD59-A6C34878D82A}">
-                    <a16:rowId xmlns:a16="http://schemas.microsoft.com/office/drawing/2014/main" val="10001"/>
+                    <a16:rowId xmlns="" xmlns:a16="http://schemas.microsoft.com/office/drawing/2014/main" val="10001"/>
                   </a:ext>
                 </a:extLst>
               </a:tr>
@@ -18744,7 +20878,7 @@
                 </a:tc>
                 <a:extLst>
                   <a:ext uri="{0D108BD9-81ED-4DB2-BD59-A6C34878D82A}">
-                    <a16:rowId xmlns:a16="http://schemas.microsoft.com/office/drawing/2014/main" val="10002"/>
+                    <a16:rowId xmlns="" xmlns:a16="http://schemas.microsoft.com/office/drawing/2014/main" val="10002"/>
                   </a:ext>
                 </a:extLst>
               </a:tr>
@@ -18880,7 +21014,7 @@
                 </a:tc>
                 <a:extLst>
                   <a:ext uri="{0D108BD9-81ED-4DB2-BD59-A6C34878D82A}">
-                    <a16:rowId xmlns:a16="http://schemas.microsoft.com/office/drawing/2014/main" val="10003"/>
+                    <a16:rowId xmlns="" xmlns:a16="http://schemas.microsoft.com/office/drawing/2014/main" val="10003"/>
                   </a:ext>
                 </a:extLst>
               </a:tr>
@@ -19030,7 +21164,7 @@
                 </a:tc>
                 <a:extLst>
                   <a:ext uri="{0D108BD9-81ED-4DB2-BD59-A6C34878D82A}">
-                    <a16:rowId xmlns:a16="http://schemas.microsoft.com/office/drawing/2014/main" val="10004"/>
+                    <a16:rowId xmlns="" xmlns:a16="http://schemas.microsoft.com/office/drawing/2014/main" val="10004"/>
                   </a:ext>
                 </a:extLst>
               </a:tr>
@@ -20251,21 +22385,21 @@
                 <a:gridCol w="1634128">
                   <a:extLst>
                     <a:ext uri="{9D8B030D-6E8A-4147-A177-3AD203B41FA5}">
-                      <a16:colId xmlns:a16="http://schemas.microsoft.com/office/drawing/2014/main" val="20000"/>
+                      <a16:colId xmlns="" xmlns:a16="http://schemas.microsoft.com/office/drawing/2014/main" val="20000"/>
                     </a:ext>
                   </a:extLst>
                 </a:gridCol>
                 <a:gridCol w="1822997">
                   <a:extLst>
                     <a:ext uri="{9D8B030D-6E8A-4147-A177-3AD203B41FA5}">
-                      <a16:colId xmlns:a16="http://schemas.microsoft.com/office/drawing/2014/main" val="20001"/>
+                      <a16:colId xmlns="" xmlns:a16="http://schemas.microsoft.com/office/drawing/2014/main" val="20001"/>
                     </a:ext>
                   </a:extLst>
                 </a:gridCol>
                 <a:gridCol w="1724457">
                   <a:extLst>
                     <a:ext uri="{9D8B030D-6E8A-4147-A177-3AD203B41FA5}">
-                      <a16:colId xmlns:a16="http://schemas.microsoft.com/office/drawing/2014/main" val="20002"/>
+                      <a16:colId xmlns="" xmlns:a16="http://schemas.microsoft.com/office/drawing/2014/main" val="20002"/>
                     </a:ext>
                   </a:extLst>
                 </a:gridCol>
@@ -20438,7 +22572,7 @@
                 </a:tc>
                 <a:extLst>
                   <a:ext uri="{0D108BD9-81ED-4DB2-BD59-A6C34878D82A}">
-                    <a16:rowId xmlns:a16="http://schemas.microsoft.com/office/drawing/2014/main" val="10000"/>
+                    <a16:rowId xmlns="" xmlns:a16="http://schemas.microsoft.com/office/drawing/2014/main" val="10000"/>
                   </a:ext>
                 </a:extLst>
               </a:tr>
@@ -20632,7 +22766,7 @@
                 </a:tc>
                 <a:extLst>
                   <a:ext uri="{0D108BD9-81ED-4DB2-BD59-A6C34878D82A}">
-                    <a16:rowId xmlns:a16="http://schemas.microsoft.com/office/drawing/2014/main" val="10001"/>
+                    <a16:rowId xmlns="" xmlns:a16="http://schemas.microsoft.com/office/drawing/2014/main" val="10001"/>
                   </a:ext>
                 </a:extLst>
               </a:tr>
@@ -20844,7 +22978,7 @@
                 </a:tc>
                 <a:extLst>
                   <a:ext uri="{0D108BD9-81ED-4DB2-BD59-A6C34878D82A}">
-                    <a16:rowId xmlns:a16="http://schemas.microsoft.com/office/drawing/2014/main" val="10002"/>
+                    <a16:rowId xmlns="" xmlns:a16="http://schemas.microsoft.com/office/drawing/2014/main" val="10002"/>
                   </a:ext>
                 </a:extLst>
               </a:tr>
@@ -21017,7 +23151,7 @@
                 </a:tc>
                 <a:extLst>
                   <a:ext uri="{0D108BD9-81ED-4DB2-BD59-A6C34878D82A}">
-                    <a16:rowId xmlns:a16="http://schemas.microsoft.com/office/drawing/2014/main" val="10003"/>
+                    <a16:rowId xmlns="" xmlns:a16="http://schemas.microsoft.com/office/drawing/2014/main" val="10003"/>
                   </a:ext>
                 </a:extLst>
               </a:tr>
@@ -21205,7 +23339,7 @@
                 </a:tc>
                 <a:extLst>
                   <a:ext uri="{0D108BD9-81ED-4DB2-BD59-A6C34878D82A}">
-                    <a16:rowId xmlns:a16="http://schemas.microsoft.com/office/drawing/2014/main" val="10004"/>
+                    <a16:rowId xmlns="" xmlns:a16="http://schemas.microsoft.com/office/drawing/2014/main" val="10004"/>
                   </a:ext>
                 </a:extLst>
               </a:tr>
@@ -21393,7 +23527,7 @@
                 </a:tc>
                 <a:extLst>
                   <a:ext uri="{0D108BD9-81ED-4DB2-BD59-A6C34878D82A}">
-                    <a16:rowId xmlns:a16="http://schemas.microsoft.com/office/drawing/2014/main" val="10005"/>
+                    <a16:rowId xmlns="" xmlns:a16="http://schemas.microsoft.com/office/drawing/2014/main" val="10005"/>
                   </a:ext>
                 </a:extLst>
               </a:tr>
@@ -21578,7 +23712,7 @@
                 </a:tc>
                 <a:extLst>
                   <a:ext uri="{0D108BD9-81ED-4DB2-BD59-A6C34878D82A}">
-                    <a16:rowId xmlns:a16="http://schemas.microsoft.com/office/drawing/2014/main" val="10006"/>
+                    <a16:rowId xmlns="" xmlns:a16="http://schemas.microsoft.com/office/drawing/2014/main" val="10006"/>
                   </a:ext>
                 </a:extLst>
               </a:tr>
